--- a/graphs/source/chap5-src.pptx
+++ b/graphs/source/chap5-src.pptx
@@ -6,6 +6,8 @@
   </p:sldMasterIdLst>
   <p:sldIdLst>
     <p:sldId id="256" r:id="rId2"/>
+    <p:sldId id="257" r:id="rId3"/>
+    <p:sldId id="258" r:id="rId4"/>
   </p:sldIdLst>
   <p:sldSz cx="9144000" cy="6858000" type="screen4x3"/>
   <p:notesSz cx="6858000" cy="9144000"/>
@@ -288,7 +290,7 @@
           <a:p>
             <a:fld id="{CE2D3545-AE21-7247-8426-4B1172E482C1}" type="datetimeFigureOut">
               <a:rPr lang="en-US" smtClean="0"/>
-              <a:t>8/19/13</a:t>
+              <a:t>8/21/13</a:t>
             </a:fld>
             <a:endParaRPr lang="en-US"/>
           </a:p>
@@ -458,7 +460,7 @@
           <a:p>
             <a:fld id="{CE2D3545-AE21-7247-8426-4B1172E482C1}" type="datetimeFigureOut">
               <a:rPr lang="en-US" smtClean="0"/>
-              <a:t>8/19/13</a:t>
+              <a:t>8/21/13</a:t>
             </a:fld>
             <a:endParaRPr lang="en-US"/>
           </a:p>
@@ -638,7 +640,7 @@
           <a:p>
             <a:fld id="{CE2D3545-AE21-7247-8426-4B1172E482C1}" type="datetimeFigureOut">
               <a:rPr lang="en-US" smtClean="0"/>
-              <a:t>8/19/13</a:t>
+              <a:t>8/21/13</a:t>
             </a:fld>
             <a:endParaRPr lang="en-US"/>
           </a:p>
@@ -808,7 +810,7 @@
           <a:p>
             <a:fld id="{CE2D3545-AE21-7247-8426-4B1172E482C1}" type="datetimeFigureOut">
               <a:rPr lang="en-US" smtClean="0"/>
-              <a:t>8/19/13</a:t>
+              <a:t>8/21/13</a:t>
             </a:fld>
             <a:endParaRPr lang="en-US"/>
           </a:p>
@@ -1054,7 +1056,7 @@
           <a:p>
             <a:fld id="{CE2D3545-AE21-7247-8426-4B1172E482C1}" type="datetimeFigureOut">
               <a:rPr lang="en-US" smtClean="0"/>
-              <a:t>8/19/13</a:t>
+              <a:t>8/21/13</a:t>
             </a:fld>
             <a:endParaRPr lang="en-US"/>
           </a:p>
@@ -1342,7 +1344,7 @@
           <a:p>
             <a:fld id="{CE2D3545-AE21-7247-8426-4B1172E482C1}" type="datetimeFigureOut">
               <a:rPr lang="en-US" smtClean="0"/>
-              <a:t>8/19/13</a:t>
+              <a:t>8/21/13</a:t>
             </a:fld>
             <a:endParaRPr lang="en-US"/>
           </a:p>
@@ -1764,7 +1766,7 @@
           <a:p>
             <a:fld id="{CE2D3545-AE21-7247-8426-4B1172E482C1}" type="datetimeFigureOut">
               <a:rPr lang="en-US" smtClean="0"/>
-              <a:t>8/19/13</a:t>
+              <a:t>8/21/13</a:t>
             </a:fld>
             <a:endParaRPr lang="en-US"/>
           </a:p>
@@ -1882,7 +1884,7 @@
           <a:p>
             <a:fld id="{CE2D3545-AE21-7247-8426-4B1172E482C1}" type="datetimeFigureOut">
               <a:rPr lang="en-US" smtClean="0"/>
-              <a:t>8/19/13</a:t>
+              <a:t>8/21/13</a:t>
             </a:fld>
             <a:endParaRPr lang="en-US"/>
           </a:p>
@@ -1977,7 +1979,7 @@
           <a:p>
             <a:fld id="{CE2D3545-AE21-7247-8426-4B1172E482C1}" type="datetimeFigureOut">
               <a:rPr lang="en-US" smtClean="0"/>
-              <a:t>8/19/13</a:t>
+              <a:t>8/21/13</a:t>
             </a:fld>
             <a:endParaRPr lang="en-US"/>
           </a:p>
@@ -2254,7 +2256,7 @@
           <a:p>
             <a:fld id="{CE2D3545-AE21-7247-8426-4B1172E482C1}" type="datetimeFigureOut">
               <a:rPr lang="en-US" smtClean="0"/>
-              <a:t>8/19/13</a:t>
+              <a:t>8/21/13</a:t>
             </a:fld>
             <a:endParaRPr lang="en-US"/>
           </a:p>
@@ -2511,7 +2513,7 @@
           <a:p>
             <a:fld id="{CE2D3545-AE21-7247-8426-4B1172E482C1}" type="datetimeFigureOut">
               <a:rPr lang="en-US" smtClean="0"/>
-              <a:t>8/19/13</a:t>
+              <a:t>8/21/13</a:t>
             </a:fld>
             <a:endParaRPr lang="en-US"/>
           </a:p>
@@ -2729,7 +2731,7 @@
           <a:p>
             <a:fld id="{CE2D3545-AE21-7247-8426-4B1172E482C1}" type="datetimeFigureOut">
               <a:rPr lang="en-US" smtClean="0"/>
-              <a:t>8/19/13</a:t>
+              <a:t>8/21/13</a:t>
             </a:fld>
             <a:endParaRPr lang="en-US"/>
           </a:p>
@@ -3112,7 +3114,7 @@
         </p:nvSpPr>
         <p:spPr>
           <a:xfrm>
-            <a:off x="6215399" y="684929"/>
+            <a:off x="6215399" y="152384"/>
             <a:ext cx="1144864" cy="914855"/>
           </a:xfrm>
           <a:prstGeom prst="rect">
@@ -3154,7 +3156,7 @@
         </p:nvSpPr>
         <p:spPr>
           <a:xfrm>
-            <a:off x="1356265" y="684929"/>
+            <a:off x="1356265" y="152384"/>
             <a:ext cx="1144864" cy="914855"/>
           </a:xfrm>
           <a:prstGeom prst="rect">
@@ -3196,7 +3198,7 @@
         </p:nvSpPr>
         <p:spPr>
           <a:xfrm>
-            <a:off x="2501129" y="848783"/>
+            <a:off x="2501129" y="316238"/>
             <a:ext cx="3714270" cy="314055"/>
           </a:xfrm>
           <a:prstGeom prst="rightArrow">
@@ -3236,7 +3238,7 @@
         </p:nvSpPr>
         <p:spPr>
           <a:xfrm>
-            <a:off x="3482127" y="516727"/>
+            <a:off x="3482127" y="-15818"/>
             <a:ext cx="1569660" cy="338554"/>
           </a:xfrm>
           <a:prstGeom prst="rect">
@@ -3266,7 +3268,7 @@
         </p:nvCxnSpPr>
         <p:spPr>
           <a:xfrm flipH="1">
-            <a:off x="2501129" y="1381309"/>
+            <a:off x="2501129" y="848764"/>
             <a:ext cx="3714270" cy="1"/>
           </a:xfrm>
           <a:prstGeom prst="straightConnector1">
@@ -3299,7 +3301,7 @@
         </p:nvSpPr>
         <p:spPr>
           <a:xfrm>
-            <a:off x="3355904" y="1394966"/>
+            <a:off x="3355904" y="862421"/>
             <a:ext cx="1800493" cy="338554"/>
           </a:xfrm>
           <a:prstGeom prst="rect">
@@ -3329,7 +3331,7 @@
         </p:nvSpPr>
         <p:spPr>
           <a:xfrm>
-            <a:off x="928566" y="1733520"/>
+            <a:off x="928566" y="1200975"/>
             <a:ext cx="2731081" cy="646331"/>
           </a:xfrm>
           <a:prstGeom prst="rect">
@@ -3361,7 +3363,7 @@
         </p:nvSpPr>
         <p:spPr>
           <a:xfrm>
-            <a:off x="6215399" y="2978893"/>
+            <a:off x="6215399" y="2446348"/>
             <a:ext cx="1144864" cy="914855"/>
           </a:xfrm>
           <a:prstGeom prst="rect">
@@ -3403,7 +3405,7 @@
         </p:nvSpPr>
         <p:spPr>
           <a:xfrm>
-            <a:off x="1356265" y="2978893"/>
+            <a:off x="1356265" y="2446348"/>
             <a:ext cx="1144864" cy="914855"/>
           </a:xfrm>
           <a:prstGeom prst="rect">
@@ -3445,7 +3447,7 @@
         </p:nvSpPr>
         <p:spPr>
           <a:xfrm>
-            <a:off x="2501129" y="3142747"/>
+            <a:off x="2501129" y="2610202"/>
             <a:ext cx="3714270" cy="314055"/>
           </a:xfrm>
           <a:prstGeom prst="rightArrow">
@@ -3485,7 +3487,7 @@
         </p:nvSpPr>
         <p:spPr>
           <a:xfrm>
-            <a:off x="3482127" y="2810691"/>
+            <a:off x="3482127" y="2278146"/>
             <a:ext cx="1569660" cy="338554"/>
           </a:xfrm>
           <a:prstGeom prst="rect">
@@ -3515,7 +3517,7 @@
         </p:nvCxnSpPr>
         <p:spPr>
           <a:xfrm flipH="1">
-            <a:off x="2501129" y="3675273"/>
+            <a:off x="2501129" y="3142728"/>
             <a:ext cx="3714270" cy="1"/>
           </a:xfrm>
           <a:prstGeom prst="straightConnector1">
@@ -3548,7 +3550,7 @@
         </p:nvSpPr>
         <p:spPr>
           <a:xfrm>
-            <a:off x="3290953" y="3688930"/>
+            <a:off x="3290953" y="3156385"/>
             <a:ext cx="2076874" cy="338554"/>
           </a:xfrm>
           <a:prstGeom prst="rect">
@@ -3578,7 +3580,7 @@
         </p:nvSpPr>
         <p:spPr>
           <a:xfrm>
-            <a:off x="5587250" y="1803990"/>
+            <a:off x="5587250" y="1271445"/>
             <a:ext cx="3029310" cy="369332"/>
           </a:xfrm>
           <a:prstGeom prst="rect">
@@ -3610,7 +3612,7 @@
         </p:nvSpPr>
         <p:spPr>
           <a:xfrm>
-            <a:off x="5739650" y="3945933"/>
+            <a:off x="5739650" y="3413388"/>
             <a:ext cx="3029310" cy="646331"/>
           </a:xfrm>
           <a:prstGeom prst="rect">
@@ -3642,7 +3644,7 @@
         </p:nvSpPr>
         <p:spPr>
           <a:xfrm>
-            <a:off x="1080966" y="4027484"/>
+            <a:off x="1080966" y="3494939"/>
             <a:ext cx="2731081" cy="646331"/>
           </a:xfrm>
           <a:prstGeom prst="rect">
@@ -3674,7 +3676,7 @@
         </p:nvSpPr>
         <p:spPr>
           <a:xfrm>
-            <a:off x="6215399" y="4923727"/>
+            <a:off x="6215399" y="4391182"/>
             <a:ext cx="1144864" cy="914855"/>
           </a:xfrm>
           <a:prstGeom prst="rect">
@@ -3716,7 +3718,7 @@
         </p:nvSpPr>
         <p:spPr>
           <a:xfrm>
-            <a:off x="1356265" y="4923727"/>
+            <a:off x="1356265" y="4391182"/>
             <a:ext cx="1144864" cy="914855"/>
           </a:xfrm>
           <a:prstGeom prst="rect">
@@ -3758,7 +3760,7 @@
         </p:nvSpPr>
         <p:spPr>
           <a:xfrm>
-            <a:off x="2501129" y="5087581"/>
+            <a:off x="2501129" y="4555036"/>
             <a:ext cx="3714270" cy="314055"/>
           </a:xfrm>
           <a:prstGeom prst="rightArrow">
@@ -3798,7 +3800,7 @@
         </p:nvCxnSpPr>
         <p:spPr>
           <a:xfrm flipH="1">
-            <a:off x="2501129" y="5620107"/>
+            <a:off x="2501129" y="5087562"/>
             <a:ext cx="3714270" cy="1"/>
           </a:xfrm>
           <a:prstGeom prst="straightConnector1">
@@ -3831,7 +3833,7 @@
         </p:nvSpPr>
         <p:spPr>
           <a:xfrm>
-            <a:off x="3290953" y="5538179"/>
+            <a:off x="3290953" y="5005634"/>
             <a:ext cx="2225634" cy="584776"/>
           </a:xfrm>
           <a:prstGeom prst="rect">
@@ -3867,7 +3869,7 @@
         </p:nvSpPr>
         <p:spPr>
           <a:xfrm>
-            <a:off x="5739650" y="5890767"/>
+            <a:off x="5739650" y="5358222"/>
             <a:ext cx="3029310" cy="923330"/>
           </a:xfrm>
           <a:prstGeom prst="rect">
@@ -3899,7 +3901,7 @@
         </p:nvSpPr>
         <p:spPr>
           <a:xfrm>
-            <a:off x="1080966" y="5999628"/>
+            <a:off x="1080966" y="5467083"/>
             <a:ext cx="3083932" cy="1477328"/>
           </a:xfrm>
           <a:prstGeom prst="rect">
@@ -3923,10 +3925,1225 @@
           </a:p>
         </p:txBody>
       </p:sp>
+      <p:sp>
+        <p:nvSpPr>
+          <p:cNvPr id="36" name="TextBox 35"/>
+          <p:cNvSpPr txBox="1"/>
+          <p:nvPr/>
+        </p:nvSpPr>
+        <p:spPr>
+          <a:xfrm>
+            <a:off x="3482127" y="4216482"/>
+            <a:ext cx="1569660" cy="338554"/>
+          </a:xfrm>
+          <a:prstGeom prst="rect">
+            <a:avLst/>
+          </a:prstGeom>
+          <a:noFill/>
+        </p:spPr>
+        <p:txBody>
+          <a:bodyPr wrap="none" rtlCol="0">
+            <a:spAutoFit/>
+          </a:bodyPr>
+          <a:lstStyle/>
+          <a:p>
+            <a:r>
+              <a:rPr lang="en-US" sz="1600" dirty="0" smtClean="0"/>
+              <a:t>Media packets</a:t>
+            </a:r>
+            <a:endParaRPr lang="en-US" sz="1600" dirty="0"/>
+          </a:p>
+        </p:txBody>
+      </p:sp>
     </p:spTree>
     <p:extLst>
       <p:ext uri="{BB962C8B-B14F-4D97-AF65-F5344CB8AC3E}">
         <p14:creationId xmlns:p14="http://schemas.microsoft.com/office/powerpoint/2010/main" val="4282528116"/>
+      </p:ext>
+    </p:extLst>
+  </p:cSld>
+  <p:clrMapOvr>
+    <a:masterClrMapping/>
+  </p:clrMapOvr>
+</p:sld>
+</file>
+
+<file path=ppt/slides/slide2.xml><?xml version="1.0" encoding="utf-8"?>
+<p:sld xmlns:a="http://schemas.openxmlformats.org/drawingml/2006/main" xmlns:r="http://schemas.openxmlformats.org/officeDocument/2006/relationships" xmlns:p="http://schemas.openxmlformats.org/presentationml/2006/main">
+  <p:cSld>
+    <p:spTree>
+      <p:nvGrpSpPr>
+        <p:cNvPr id="1" name=""/>
+        <p:cNvGrpSpPr/>
+        <p:nvPr/>
+      </p:nvGrpSpPr>
+      <p:grpSpPr>
+        <a:xfrm>
+          <a:off x="0" y="0"/>
+          <a:ext cx="0" cy="0"/>
+          <a:chOff x="0" y="0"/>
+          <a:chExt cx="0" cy="0"/>
+        </a:xfrm>
+      </p:grpSpPr>
+      <p:sp>
+        <p:nvSpPr>
+          <p:cNvPr id="27" name="Rectangle 26"/>
+          <p:cNvSpPr/>
+          <p:nvPr/>
+        </p:nvSpPr>
+        <p:spPr>
+          <a:xfrm>
+            <a:off x="3031490" y="2253003"/>
+            <a:ext cx="518906" cy="1775092"/>
+          </a:xfrm>
+          <a:prstGeom prst="rect">
+            <a:avLst/>
+          </a:prstGeom>
+          <a:solidFill>
+            <a:schemeClr val="bg1">
+              <a:lumMod val="85000"/>
+            </a:schemeClr>
+          </a:solidFill>
+        </p:spPr>
+        <p:style>
+          <a:lnRef idx="2">
+            <a:schemeClr val="dk1"/>
+          </a:lnRef>
+          <a:fillRef idx="1">
+            <a:schemeClr val="lt1"/>
+          </a:fillRef>
+          <a:effectRef idx="0">
+            <a:schemeClr val="dk1"/>
+          </a:effectRef>
+          <a:fontRef idx="minor">
+            <a:schemeClr val="dk1"/>
+          </a:fontRef>
+        </p:style>
+        <p:txBody>
+          <a:bodyPr vert="vert270" rtlCol="0" anchor="ctr"/>
+          <a:lstStyle/>
+          <a:p>
+            <a:pPr algn="ctr"/>
+            <a:r>
+              <a:rPr lang="en-US" dirty="0" smtClean="0"/>
+              <a:t>Base-station</a:t>
+            </a:r>
+            <a:endParaRPr lang="en-US" dirty="0"/>
+          </a:p>
+        </p:txBody>
+      </p:sp>
+      <p:sp>
+        <p:nvSpPr>
+          <p:cNvPr id="19" name="Rectangle 18"/>
+          <p:cNvSpPr/>
+          <p:nvPr/>
+        </p:nvSpPr>
+        <p:spPr>
+          <a:xfrm>
+            <a:off x="163879" y="1790930"/>
+            <a:ext cx="1859325" cy="2701418"/>
+          </a:xfrm>
+          <a:prstGeom prst="rect">
+            <a:avLst/>
+          </a:prstGeom>
+        </p:spPr>
+        <p:style>
+          <a:lnRef idx="2">
+            <a:schemeClr val="dk1"/>
+          </a:lnRef>
+          <a:fillRef idx="1">
+            <a:schemeClr val="lt1"/>
+          </a:fillRef>
+          <a:effectRef idx="0">
+            <a:schemeClr val="dk1"/>
+          </a:effectRef>
+          <a:fontRef idx="minor">
+            <a:schemeClr val="dk1"/>
+          </a:fontRef>
+        </p:style>
+        <p:txBody>
+          <a:bodyPr rtlCol="0" anchor="ctr"/>
+          <a:lstStyle/>
+          <a:p>
+            <a:pPr algn="ctr"/>
+            <a:r>
+              <a:rPr lang="en-US" dirty="0" smtClean="0"/>
+              <a:t>Sender</a:t>
+            </a:r>
+            <a:endParaRPr lang="en-US" sz="1600" dirty="0"/>
+          </a:p>
+        </p:txBody>
+      </p:sp>
+      <p:sp>
+        <p:nvSpPr>
+          <p:cNvPr id="20" name="Right Arrow 19"/>
+          <p:cNvSpPr/>
+          <p:nvPr/>
+        </p:nvSpPr>
+        <p:spPr>
+          <a:xfrm>
+            <a:off x="2023204" y="2460002"/>
+            <a:ext cx="1008286" cy="314055"/>
+          </a:xfrm>
+          <a:prstGeom prst="rightArrow">
+            <a:avLst/>
+          </a:prstGeom>
+        </p:spPr>
+        <p:style>
+          <a:lnRef idx="2">
+            <a:schemeClr val="dk1">
+              <a:shade val="50000"/>
+            </a:schemeClr>
+          </a:lnRef>
+          <a:fillRef idx="1">
+            <a:schemeClr val="dk1"/>
+          </a:fillRef>
+          <a:effectRef idx="0">
+            <a:schemeClr val="dk1"/>
+          </a:effectRef>
+          <a:fontRef idx="minor">
+            <a:schemeClr val="lt1"/>
+          </a:fontRef>
+        </p:style>
+        <p:txBody>
+          <a:bodyPr rtlCol="0" anchor="ctr"/>
+          <a:lstStyle/>
+          <a:p>
+            <a:pPr algn="ctr"/>
+            <a:endParaRPr lang="en-US"/>
+          </a:p>
+        </p:txBody>
+      </p:sp>
+      <p:sp>
+        <p:nvSpPr>
+          <p:cNvPr id="25" name="Rectangle 24"/>
+          <p:cNvSpPr/>
+          <p:nvPr/>
+        </p:nvSpPr>
+        <p:spPr>
+          <a:xfrm>
+            <a:off x="7116656" y="1790930"/>
+            <a:ext cx="1859325" cy="2701418"/>
+          </a:xfrm>
+          <a:prstGeom prst="rect">
+            <a:avLst/>
+          </a:prstGeom>
+        </p:spPr>
+        <p:style>
+          <a:lnRef idx="2">
+            <a:schemeClr val="dk1"/>
+          </a:lnRef>
+          <a:fillRef idx="1">
+            <a:schemeClr val="lt1"/>
+          </a:fillRef>
+          <a:effectRef idx="0">
+            <a:schemeClr val="dk1"/>
+          </a:effectRef>
+          <a:fontRef idx="minor">
+            <a:schemeClr val="dk1"/>
+          </a:fontRef>
+        </p:style>
+        <p:txBody>
+          <a:bodyPr rtlCol="0" anchor="ctr"/>
+          <a:lstStyle/>
+          <a:p>
+            <a:pPr algn="ctr"/>
+            <a:r>
+              <a:rPr lang="en-US" dirty="0" smtClean="0"/>
+              <a:t>Receiver</a:t>
+            </a:r>
+            <a:endParaRPr lang="en-US" sz="1600" dirty="0"/>
+          </a:p>
+        </p:txBody>
+      </p:sp>
+      <p:sp>
+        <p:nvSpPr>
+          <p:cNvPr id="26" name="TextBox 25"/>
+          <p:cNvSpPr txBox="1"/>
+          <p:nvPr/>
+        </p:nvSpPr>
+        <p:spPr>
+          <a:xfrm>
+            <a:off x="3714271" y="2198383"/>
+            <a:ext cx="1749197" cy="369332"/>
+          </a:xfrm>
+          <a:prstGeom prst="rect">
+            <a:avLst/>
+          </a:prstGeom>
+          <a:noFill/>
+        </p:spPr>
+        <p:txBody>
+          <a:bodyPr wrap="none" rtlCol="0">
+            <a:spAutoFit/>
+          </a:bodyPr>
+          <a:lstStyle/>
+          <a:p>
+            <a:r>
+              <a:rPr lang="en-US" dirty="0" smtClean="0"/>
+              <a:t>Media Packets</a:t>
+            </a:r>
+            <a:endParaRPr lang="en-US" dirty="0"/>
+          </a:p>
+        </p:txBody>
+      </p:sp>
+      <p:sp>
+        <p:nvSpPr>
+          <p:cNvPr id="28" name="Rectangle 27"/>
+          <p:cNvSpPr/>
+          <p:nvPr/>
+        </p:nvSpPr>
+        <p:spPr>
+          <a:xfrm>
+            <a:off x="5614565" y="2254093"/>
+            <a:ext cx="518906" cy="1775092"/>
+          </a:xfrm>
+          <a:prstGeom prst="rect">
+            <a:avLst/>
+          </a:prstGeom>
+          <a:solidFill>
+            <a:schemeClr val="bg1">
+              <a:lumMod val="85000"/>
+            </a:schemeClr>
+          </a:solidFill>
+        </p:spPr>
+        <p:style>
+          <a:lnRef idx="2">
+            <a:schemeClr val="dk1"/>
+          </a:lnRef>
+          <a:fillRef idx="1">
+            <a:schemeClr val="lt1"/>
+          </a:fillRef>
+          <a:effectRef idx="0">
+            <a:schemeClr val="dk1"/>
+          </a:effectRef>
+          <a:fontRef idx="minor">
+            <a:schemeClr val="dk1"/>
+          </a:fontRef>
+        </p:style>
+        <p:txBody>
+          <a:bodyPr vert="vert270" rtlCol="0" anchor="ctr"/>
+          <a:lstStyle/>
+          <a:p>
+            <a:pPr algn="ctr"/>
+            <a:r>
+              <a:rPr lang="en-US" dirty="0"/>
+              <a:t>Base-</a:t>
+            </a:r>
+            <a:r>
+              <a:rPr lang="en-US" dirty="0" smtClean="0"/>
+              <a:t>station</a:t>
+            </a:r>
+            <a:endParaRPr lang="en-US" dirty="0"/>
+          </a:p>
+        </p:txBody>
+      </p:sp>
+      <p:sp>
+        <p:nvSpPr>
+          <p:cNvPr id="30" name="Right Arrow 29"/>
+          <p:cNvSpPr/>
+          <p:nvPr/>
+        </p:nvSpPr>
+        <p:spPr>
+          <a:xfrm>
+            <a:off x="3577717" y="2460002"/>
+            <a:ext cx="2021000" cy="314055"/>
+          </a:xfrm>
+          <a:prstGeom prst="rightArrow">
+            <a:avLst/>
+          </a:prstGeom>
+        </p:spPr>
+        <p:style>
+          <a:lnRef idx="2">
+            <a:schemeClr val="dk1">
+              <a:shade val="50000"/>
+            </a:schemeClr>
+          </a:lnRef>
+          <a:fillRef idx="1">
+            <a:schemeClr val="dk1"/>
+          </a:fillRef>
+          <a:effectRef idx="0">
+            <a:schemeClr val="dk1"/>
+          </a:effectRef>
+          <a:fontRef idx="minor">
+            <a:schemeClr val="lt1"/>
+          </a:fontRef>
+        </p:style>
+        <p:txBody>
+          <a:bodyPr rtlCol="0" anchor="ctr"/>
+          <a:lstStyle/>
+          <a:p>
+            <a:pPr algn="ctr"/>
+            <a:endParaRPr lang="en-US"/>
+          </a:p>
+        </p:txBody>
+      </p:sp>
+      <p:sp>
+        <p:nvSpPr>
+          <p:cNvPr id="32" name="Right Arrow 31"/>
+          <p:cNvSpPr/>
+          <p:nvPr/>
+        </p:nvSpPr>
+        <p:spPr>
+          <a:xfrm>
+            <a:off x="6133471" y="2460002"/>
+            <a:ext cx="983185" cy="314055"/>
+          </a:xfrm>
+          <a:prstGeom prst="rightArrow">
+            <a:avLst/>
+          </a:prstGeom>
+        </p:spPr>
+        <p:style>
+          <a:lnRef idx="2">
+            <a:schemeClr val="dk1">
+              <a:shade val="50000"/>
+            </a:schemeClr>
+          </a:lnRef>
+          <a:fillRef idx="1">
+            <a:schemeClr val="dk1"/>
+          </a:fillRef>
+          <a:effectRef idx="0">
+            <a:schemeClr val="dk1"/>
+          </a:effectRef>
+          <a:fontRef idx="minor">
+            <a:schemeClr val="lt1"/>
+          </a:fontRef>
+        </p:style>
+        <p:txBody>
+          <a:bodyPr rtlCol="0" anchor="ctr"/>
+          <a:lstStyle/>
+          <a:p>
+            <a:pPr algn="ctr"/>
+            <a:endParaRPr lang="en-US"/>
+          </a:p>
+        </p:txBody>
+      </p:sp>
+      <p:cxnSp>
+        <p:nvCxnSpPr>
+          <p:cNvPr id="33" name="Straight Arrow Connector 32"/>
+          <p:cNvCxnSpPr>
+            <a:stCxn id="27" idx="1"/>
+            <a:endCxn id="19" idx="3"/>
+          </p:cNvCxnSpPr>
+          <p:nvPr/>
+        </p:nvCxnSpPr>
+        <p:spPr>
+          <a:xfrm flipH="1">
+            <a:off x="2023204" y="3140549"/>
+            <a:ext cx="1008286" cy="1090"/>
+          </a:xfrm>
+          <a:prstGeom prst="straightConnector1">
+            <a:avLst/>
+          </a:prstGeom>
+          <a:ln>
+            <a:tailEnd type="arrow"/>
+          </a:ln>
+        </p:spPr>
+        <p:style>
+          <a:lnRef idx="1">
+            <a:schemeClr val="dk1"/>
+          </a:lnRef>
+          <a:fillRef idx="0">
+            <a:schemeClr val="dk1"/>
+          </a:fillRef>
+          <a:effectRef idx="0">
+            <a:schemeClr val="dk1"/>
+          </a:effectRef>
+          <a:fontRef idx="minor">
+            <a:schemeClr val="tx1"/>
+          </a:fontRef>
+        </p:style>
+      </p:cxnSp>
+      <p:cxnSp>
+        <p:nvCxnSpPr>
+          <p:cNvPr id="37" name="Straight Arrow Connector 36"/>
+          <p:cNvCxnSpPr>
+            <a:stCxn id="28" idx="3"/>
+            <a:endCxn id="25" idx="1"/>
+          </p:cNvCxnSpPr>
+          <p:nvPr/>
+        </p:nvCxnSpPr>
+        <p:spPr>
+          <a:xfrm>
+            <a:off x="6133471" y="3141639"/>
+            <a:ext cx="983185" cy="0"/>
+          </a:xfrm>
+          <a:prstGeom prst="straightConnector1">
+            <a:avLst/>
+          </a:prstGeom>
+          <a:ln>
+            <a:tailEnd type="arrow"/>
+          </a:ln>
+        </p:spPr>
+        <p:style>
+          <a:lnRef idx="1">
+            <a:schemeClr val="dk1"/>
+          </a:lnRef>
+          <a:fillRef idx="0">
+            <a:schemeClr val="dk1"/>
+          </a:fillRef>
+          <a:effectRef idx="0">
+            <a:schemeClr val="dk1"/>
+          </a:effectRef>
+          <a:fontRef idx="minor">
+            <a:schemeClr val="tx1"/>
+          </a:fontRef>
+        </p:style>
+      </p:cxnSp>
+      <p:sp>
+        <p:nvSpPr>
+          <p:cNvPr id="39" name="TextBox 38"/>
+          <p:cNvSpPr txBox="1"/>
+          <p:nvPr/>
+        </p:nvSpPr>
+        <p:spPr>
+          <a:xfrm>
+            <a:off x="2157555" y="3071620"/>
+            <a:ext cx="899528" cy="584776"/>
+          </a:xfrm>
+          <a:prstGeom prst="rect">
+            <a:avLst/>
+          </a:prstGeom>
+          <a:noFill/>
+        </p:spPr>
+        <p:txBody>
+          <a:bodyPr wrap="none" rtlCol="0">
+            <a:spAutoFit/>
+          </a:bodyPr>
+          <a:lstStyle/>
+          <a:p>
+            <a:pPr algn="ctr"/>
+            <a:r>
+              <a:rPr lang="en-US" sz="1600" dirty="0" smtClean="0"/>
+              <a:t>Uplink</a:t>
+            </a:r>
+          </a:p>
+          <a:p>
+            <a:pPr algn="ctr"/>
+            <a:r>
+              <a:rPr lang="en-US" sz="1600" dirty="0" smtClean="0"/>
+              <a:t>Update</a:t>
+            </a:r>
+            <a:endParaRPr lang="en-US" sz="1600" dirty="0"/>
+          </a:p>
+        </p:txBody>
+      </p:sp>
+      <p:sp>
+        <p:nvSpPr>
+          <p:cNvPr id="40" name="TextBox 39"/>
+          <p:cNvSpPr txBox="1"/>
+          <p:nvPr/>
+        </p:nvSpPr>
+        <p:spPr>
+          <a:xfrm>
+            <a:off x="6133471" y="3141639"/>
+            <a:ext cx="1018227" cy="584776"/>
+          </a:xfrm>
+          <a:prstGeom prst="rect">
+            <a:avLst/>
+          </a:prstGeom>
+          <a:noFill/>
+        </p:spPr>
+        <p:txBody>
+          <a:bodyPr wrap="none" rtlCol="0">
+            <a:spAutoFit/>
+          </a:bodyPr>
+          <a:lstStyle/>
+          <a:p>
+            <a:pPr algn="ctr"/>
+            <a:r>
+              <a:rPr lang="en-US" sz="1600" dirty="0" smtClean="0"/>
+              <a:t>Downlink</a:t>
+            </a:r>
+          </a:p>
+          <a:p>
+            <a:pPr algn="ctr"/>
+            <a:r>
+              <a:rPr lang="en-US" sz="1600" dirty="0" smtClean="0"/>
+              <a:t>Update</a:t>
+            </a:r>
+            <a:endParaRPr lang="en-US" sz="1600" dirty="0"/>
+          </a:p>
+        </p:txBody>
+      </p:sp>
+      <p:cxnSp>
+        <p:nvCxnSpPr>
+          <p:cNvPr id="41" name="Straight Arrow Connector 40"/>
+          <p:cNvCxnSpPr/>
+          <p:nvPr/>
+        </p:nvCxnSpPr>
+        <p:spPr>
+          <a:xfrm flipH="1">
+            <a:off x="2023204" y="3946169"/>
+            <a:ext cx="5093452" cy="0"/>
+          </a:xfrm>
+          <a:prstGeom prst="straightConnector1">
+            <a:avLst/>
+          </a:prstGeom>
+          <a:ln>
+            <a:tailEnd type="arrow"/>
+          </a:ln>
+        </p:spPr>
+        <p:style>
+          <a:lnRef idx="1">
+            <a:schemeClr val="dk1"/>
+          </a:lnRef>
+          <a:fillRef idx="0">
+            <a:schemeClr val="dk1"/>
+          </a:fillRef>
+          <a:effectRef idx="0">
+            <a:schemeClr val="dk1"/>
+          </a:effectRef>
+          <a:fontRef idx="minor">
+            <a:schemeClr val="tx1"/>
+          </a:fontRef>
+        </p:style>
+      </p:cxnSp>
+      <p:sp>
+        <p:nvSpPr>
+          <p:cNvPr id="44" name="TextBox 43"/>
+          <p:cNvSpPr txBox="1"/>
+          <p:nvPr/>
+        </p:nvSpPr>
+        <p:spPr>
+          <a:xfrm>
+            <a:off x="3973723" y="3988220"/>
+            <a:ext cx="1007352" cy="369332"/>
+          </a:xfrm>
+          <a:prstGeom prst="rect">
+            <a:avLst/>
+          </a:prstGeom>
+          <a:noFill/>
+        </p:spPr>
+        <p:txBody>
+          <a:bodyPr wrap="none" rtlCol="0">
+            <a:spAutoFit/>
+          </a:bodyPr>
+          <a:lstStyle/>
+          <a:p>
+            <a:r>
+              <a:rPr lang="en-US" dirty="0" smtClean="0"/>
+              <a:t>TMMBR</a:t>
+            </a:r>
+            <a:endParaRPr lang="en-US" dirty="0"/>
+          </a:p>
+        </p:txBody>
+      </p:sp>
+    </p:spTree>
+    <p:extLst>
+      <p:ext uri="{BB962C8B-B14F-4D97-AF65-F5344CB8AC3E}">
+        <p14:creationId xmlns:p14="http://schemas.microsoft.com/office/powerpoint/2010/main" val="2162045583"/>
+      </p:ext>
+    </p:extLst>
+  </p:cSld>
+  <p:clrMapOvr>
+    <a:masterClrMapping/>
+  </p:clrMapOvr>
+</p:sld>
+</file>
+
+<file path=ppt/slides/slide3.xml><?xml version="1.0" encoding="utf-8"?>
+<p:sld xmlns:a="http://schemas.openxmlformats.org/drawingml/2006/main" xmlns:r="http://schemas.openxmlformats.org/officeDocument/2006/relationships" xmlns:p="http://schemas.openxmlformats.org/presentationml/2006/main">
+  <p:cSld>
+    <p:spTree>
+      <p:nvGrpSpPr>
+        <p:cNvPr id="1" name=""/>
+        <p:cNvGrpSpPr/>
+        <p:nvPr/>
+      </p:nvGrpSpPr>
+      <p:grpSpPr>
+        <a:xfrm>
+          <a:off x="0" y="0"/>
+          <a:ext cx="0" cy="0"/>
+          <a:chOff x="0" y="0"/>
+          <a:chExt cx="0" cy="0"/>
+        </a:xfrm>
+      </p:grpSpPr>
+      <p:sp>
+        <p:nvSpPr>
+          <p:cNvPr id="16" name="Rectangle 15"/>
+          <p:cNvSpPr/>
+          <p:nvPr/>
+        </p:nvSpPr>
+        <p:spPr>
+          <a:xfrm>
+            <a:off x="6158603" y="3793790"/>
+            <a:ext cx="1474768" cy="914855"/>
+          </a:xfrm>
+          <a:prstGeom prst="rect">
+            <a:avLst/>
+          </a:prstGeom>
+        </p:spPr>
+        <p:style>
+          <a:lnRef idx="2">
+            <a:schemeClr val="dk1"/>
+          </a:lnRef>
+          <a:fillRef idx="1">
+            <a:schemeClr val="lt1"/>
+          </a:fillRef>
+          <a:effectRef idx="0">
+            <a:schemeClr val="dk1"/>
+          </a:effectRef>
+          <a:fontRef idx="minor">
+            <a:schemeClr val="dk1"/>
+          </a:fontRef>
+        </p:style>
+        <p:txBody>
+          <a:bodyPr rtlCol="0" anchor="ctr"/>
+          <a:lstStyle/>
+          <a:p>
+            <a:pPr algn="ctr"/>
+            <a:r>
+              <a:rPr lang="en-US" dirty="0" smtClean="0"/>
+              <a:t>Receiver</a:t>
+            </a:r>
+            <a:endParaRPr lang="en-US" dirty="0"/>
+          </a:p>
+        </p:txBody>
+      </p:sp>
+      <p:sp>
+        <p:nvSpPr>
+          <p:cNvPr id="17" name="Rectangle 16"/>
+          <p:cNvSpPr/>
+          <p:nvPr/>
+        </p:nvSpPr>
+        <p:spPr>
+          <a:xfrm>
+            <a:off x="1093541" y="3793790"/>
+            <a:ext cx="1350792" cy="914855"/>
+          </a:xfrm>
+          <a:prstGeom prst="rect">
+            <a:avLst/>
+          </a:prstGeom>
+        </p:spPr>
+        <p:style>
+          <a:lnRef idx="2">
+            <a:schemeClr val="dk1"/>
+          </a:lnRef>
+          <a:fillRef idx="1">
+            <a:schemeClr val="lt1"/>
+          </a:fillRef>
+          <a:effectRef idx="0">
+            <a:schemeClr val="dk1"/>
+          </a:effectRef>
+          <a:fontRef idx="minor">
+            <a:schemeClr val="dk1"/>
+          </a:fontRef>
+        </p:style>
+        <p:txBody>
+          <a:bodyPr rtlCol="0" anchor="ctr"/>
+          <a:lstStyle/>
+          <a:p>
+            <a:pPr algn="ctr"/>
+            <a:r>
+              <a:rPr lang="en-US" dirty="0" smtClean="0"/>
+              <a:t>Sender</a:t>
+            </a:r>
+            <a:endParaRPr lang="en-US" sz="1600" dirty="0"/>
+          </a:p>
+        </p:txBody>
+      </p:sp>
+      <p:sp>
+        <p:nvSpPr>
+          <p:cNvPr id="18" name="Right Arrow 17"/>
+          <p:cNvSpPr/>
+          <p:nvPr/>
+        </p:nvSpPr>
+        <p:spPr>
+          <a:xfrm>
+            <a:off x="2444333" y="3957644"/>
+            <a:ext cx="3714270" cy="314055"/>
+          </a:xfrm>
+          <a:prstGeom prst="rightArrow">
+            <a:avLst/>
+          </a:prstGeom>
+        </p:spPr>
+        <p:style>
+          <a:lnRef idx="2">
+            <a:schemeClr val="dk1">
+              <a:shade val="50000"/>
+            </a:schemeClr>
+          </a:lnRef>
+          <a:fillRef idx="1">
+            <a:schemeClr val="dk1"/>
+          </a:fillRef>
+          <a:effectRef idx="0">
+            <a:schemeClr val="dk1"/>
+          </a:effectRef>
+          <a:fontRef idx="minor">
+            <a:schemeClr val="lt1"/>
+          </a:fontRef>
+        </p:style>
+        <p:txBody>
+          <a:bodyPr rtlCol="0" anchor="ctr"/>
+          <a:lstStyle/>
+          <a:p>
+            <a:pPr algn="ctr"/>
+            <a:endParaRPr lang="en-US"/>
+          </a:p>
+        </p:txBody>
+      </p:sp>
+      <p:sp>
+        <p:nvSpPr>
+          <p:cNvPr id="19" name="TextBox 18"/>
+          <p:cNvSpPr txBox="1"/>
+          <p:nvPr/>
+        </p:nvSpPr>
+        <p:spPr>
+          <a:xfrm>
+            <a:off x="3425331" y="3625588"/>
+            <a:ext cx="1569660" cy="338554"/>
+          </a:xfrm>
+          <a:prstGeom prst="rect">
+            <a:avLst/>
+          </a:prstGeom>
+          <a:noFill/>
+        </p:spPr>
+        <p:txBody>
+          <a:bodyPr wrap="none" rtlCol="0">
+            <a:spAutoFit/>
+          </a:bodyPr>
+          <a:lstStyle/>
+          <a:p>
+            <a:r>
+              <a:rPr lang="en-US" sz="1600" dirty="0" smtClean="0"/>
+              <a:t>Media packets</a:t>
+            </a:r>
+            <a:endParaRPr lang="en-US" sz="1600" dirty="0"/>
+          </a:p>
+        </p:txBody>
+      </p:sp>
+      <p:cxnSp>
+        <p:nvCxnSpPr>
+          <p:cNvPr id="20" name="Straight Arrow Connector 19"/>
+          <p:cNvCxnSpPr/>
+          <p:nvPr/>
+        </p:nvCxnSpPr>
+        <p:spPr>
+          <a:xfrm flipH="1">
+            <a:off x="2444333" y="4490170"/>
+            <a:ext cx="3714270" cy="1"/>
+          </a:xfrm>
+          <a:prstGeom prst="straightConnector1">
+            <a:avLst/>
+          </a:prstGeom>
+          <a:ln>
+            <a:tailEnd type="arrow"/>
+          </a:ln>
+        </p:spPr>
+        <p:style>
+          <a:lnRef idx="1">
+            <a:schemeClr val="dk1"/>
+          </a:lnRef>
+          <a:fillRef idx="0">
+            <a:schemeClr val="dk1"/>
+          </a:fillRef>
+          <a:effectRef idx="0">
+            <a:schemeClr val="dk1"/>
+          </a:effectRef>
+          <a:fontRef idx="minor">
+            <a:schemeClr val="tx1"/>
+          </a:fontRef>
+        </p:style>
+      </p:cxnSp>
+      <p:sp>
+        <p:nvSpPr>
+          <p:cNvPr id="21" name="TextBox 20"/>
+          <p:cNvSpPr txBox="1"/>
+          <p:nvPr/>
+        </p:nvSpPr>
+        <p:spPr>
+          <a:xfrm>
+            <a:off x="3299108" y="4503827"/>
+            <a:ext cx="2082621" cy="338554"/>
+          </a:xfrm>
+          <a:prstGeom prst="rect">
+            <a:avLst/>
+          </a:prstGeom>
+          <a:noFill/>
+        </p:spPr>
+        <p:txBody>
+          <a:bodyPr wrap="none" rtlCol="0">
+            <a:spAutoFit/>
+          </a:bodyPr>
+          <a:lstStyle/>
+          <a:p>
+            <a:r>
+              <a:rPr lang="en-US" sz="1600" dirty="0" smtClean="0"/>
+              <a:t>Estimated Capacity</a:t>
+            </a:r>
+            <a:endParaRPr lang="en-US" sz="1600" dirty="0"/>
+          </a:p>
+        </p:txBody>
+      </p:sp>
+      <p:sp>
+        <p:nvSpPr>
+          <p:cNvPr id="22" name="Rectangle 21"/>
+          <p:cNvSpPr/>
+          <p:nvPr/>
+        </p:nvSpPr>
+        <p:spPr>
+          <a:xfrm>
+            <a:off x="1093541" y="914848"/>
+            <a:ext cx="6539830" cy="831370"/>
+          </a:xfrm>
+          <a:prstGeom prst="rect">
+            <a:avLst/>
+          </a:prstGeom>
+        </p:spPr>
+        <p:style>
+          <a:lnRef idx="2">
+            <a:schemeClr val="dk1"/>
+          </a:lnRef>
+          <a:fillRef idx="1">
+            <a:schemeClr val="lt1"/>
+          </a:fillRef>
+          <a:effectRef idx="0">
+            <a:schemeClr val="dk1"/>
+          </a:effectRef>
+          <a:fontRef idx="minor">
+            <a:schemeClr val="dk1"/>
+          </a:fontRef>
+        </p:style>
+        <p:txBody>
+          <a:bodyPr rtlCol="0" anchor="ctr"/>
+          <a:lstStyle/>
+          <a:p>
+            <a:pPr algn="ctr"/>
+            <a:r>
+              <a:rPr lang="en-US" dirty="0" smtClean="0"/>
+              <a:t>Network Coverage Map Service (NCMS)</a:t>
+            </a:r>
+            <a:endParaRPr lang="en-US" sz="1600" dirty="0"/>
+          </a:p>
+        </p:txBody>
+      </p:sp>
+      <p:cxnSp>
+        <p:nvCxnSpPr>
+          <p:cNvPr id="24" name="Straight Arrow Connector 23"/>
+          <p:cNvCxnSpPr/>
+          <p:nvPr/>
+        </p:nvCxnSpPr>
+        <p:spPr>
+          <a:xfrm flipV="1">
+            <a:off x="6526210" y="1746218"/>
+            <a:ext cx="0" cy="2047573"/>
+          </a:xfrm>
+          <a:prstGeom prst="straightConnector1">
+            <a:avLst/>
+          </a:prstGeom>
+          <a:ln>
+            <a:tailEnd type="arrow"/>
+          </a:ln>
+        </p:spPr>
+        <p:style>
+          <a:lnRef idx="1">
+            <a:schemeClr val="dk1"/>
+          </a:lnRef>
+          <a:fillRef idx="0">
+            <a:schemeClr val="dk1"/>
+          </a:fillRef>
+          <a:effectRef idx="0">
+            <a:schemeClr val="dk1"/>
+          </a:effectRef>
+          <a:fontRef idx="minor">
+            <a:schemeClr val="tx1"/>
+          </a:fontRef>
+        </p:style>
+      </p:cxnSp>
+      <p:sp>
+        <p:nvSpPr>
+          <p:cNvPr id="31" name="TextBox 30"/>
+          <p:cNvSpPr txBox="1"/>
+          <p:nvPr/>
+        </p:nvSpPr>
+        <p:spPr>
+          <a:xfrm>
+            <a:off x="6095323" y="2044478"/>
+            <a:ext cx="400110" cy="1576738"/>
+          </a:xfrm>
+          <a:prstGeom prst="rect">
+            <a:avLst/>
+          </a:prstGeom>
+          <a:noFill/>
+        </p:spPr>
+        <p:txBody>
+          <a:bodyPr vert="vert270" wrap="none" rtlCol="0">
+            <a:spAutoFit/>
+          </a:bodyPr>
+          <a:lstStyle/>
+          <a:p>
+            <a:r>
+              <a:rPr lang="en-US" sz="1400" dirty="0" smtClean="0"/>
+              <a:t>Coverage Update</a:t>
+            </a:r>
+            <a:endParaRPr lang="en-US" sz="1400" dirty="0"/>
+          </a:p>
+        </p:txBody>
+      </p:sp>
+      <p:sp>
+        <p:nvSpPr>
+          <p:cNvPr id="32" name="TextBox 31"/>
+          <p:cNvSpPr txBox="1"/>
+          <p:nvPr/>
+        </p:nvSpPr>
+        <p:spPr>
+          <a:xfrm>
+            <a:off x="1512758" y="1853308"/>
+            <a:ext cx="400110" cy="1772280"/>
+          </a:xfrm>
+          <a:prstGeom prst="rect">
+            <a:avLst/>
+          </a:prstGeom>
+          <a:noFill/>
+        </p:spPr>
+        <p:txBody>
+          <a:bodyPr vert="vert270" wrap="none" rtlCol="0">
+            <a:spAutoFit/>
+          </a:bodyPr>
+          <a:lstStyle/>
+          <a:p>
+            <a:r>
+              <a:rPr lang="en-US" sz="1400" dirty="0" err="1" smtClean="0"/>
+              <a:t>Lookahead</a:t>
+            </a:r>
+            <a:r>
+              <a:rPr lang="en-US" sz="1400" dirty="0" smtClean="0"/>
+              <a:t> Request</a:t>
+            </a:r>
+            <a:endParaRPr lang="en-US" sz="1400" dirty="0"/>
+          </a:p>
+        </p:txBody>
+      </p:sp>
+      <p:cxnSp>
+        <p:nvCxnSpPr>
+          <p:cNvPr id="34" name="Straight Arrow Connector 33"/>
+          <p:cNvCxnSpPr/>
+          <p:nvPr/>
+        </p:nvCxnSpPr>
+        <p:spPr>
+          <a:xfrm flipV="1">
+            <a:off x="6963818" y="1746218"/>
+            <a:ext cx="0" cy="2047573"/>
+          </a:xfrm>
+          <a:prstGeom prst="straightConnector1">
+            <a:avLst/>
+          </a:prstGeom>
+          <a:ln>
+            <a:tailEnd type="arrow"/>
+          </a:ln>
+        </p:spPr>
+        <p:style>
+          <a:lnRef idx="1">
+            <a:schemeClr val="dk1"/>
+          </a:lnRef>
+          <a:fillRef idx="0">
+            <a:schemeClr val="dk1"/>
+          </a:fillRef>
+          <a:effectRef idx="0">
+            <a:schemeClr val="dk1"/>
+          </a:effectRef>
+          <a:fontRef idx="minor">
+            <a:schemeClr val="tx1"/>
+          </a:fontRef>
+        </p:style>
+      </p:cxnSp>
+      <p:sp>
+        <p:nvSpPr>
+          <p:cNvPr id="35" name="TextBox 34"/>
+          <p:cNvSpPr txBox="1"/>
+          <p:nvPr/>
+        </p:nvSpPr>
+        <p:spPr>
+          <a:xfrm>
+            <a:off x="6563708" y="1853308"/>
+            <a:ext cx="400110" cy="1772280"/>
+          </a:xfrm>
+          <a:prstGeom prst="rect">
+            <a:avLst/>
+          </a:prstGeom>
+          <a:noFill/>
+        </p:spPr>
+        <p:txBody>
+          <a:bodyPr vert="vert270" wrap="none" rtlCol="0">
+            <a:spAutoFit/>
+          </a:bodyPr>
+          <a:lstStyle/>
+          <a:p>
+            <a:r>
+              <a:rPr lang="en-US" sz="1400" dirty="0" err="1" smtClean="0"/>
+              <a:t>Lookahead</a:t>
+            </a:r>
+            <a:r>
+              <a:rPr lang="en-US" sz="1400" dirty="0" smtClean="0"/>
+              <a:t> Request</a:t>
+            </a:r>
+            <a:endParaRPr lang="en-US" sz="1400" dirty="0"/>
+          </a:p>
+        </p:txBody>
+      </p:sp>
+      <p:cxnSp>
+        <p:nvCxnSpPr>
+          <p:cNvPr id="38" name="Straight Arrow Connector 37"/>
+          <p:cNvCxnSpPr/>
+          <p:nvPr/>
+        </p:nvCxnSpPr>
+        <p:spPr>
+          <a:xfrm>
+            <a:off x="7360262" y="1746218"/>
+            <a:ext cx="0" cy="2047573"/>
+          </a:xfrm>
+          <a:prstGeom prst="straightConnector1">
+            <a:avLst/>
+          </a:prstGeom>
+          <a:ln>
+            <a:tailEnd type="arrow"/>
+          </a:ln>
+        </p:spPr>
+        <p:style>
+          <a:lnRef idx="1">
+            <a:schemeClr val="dk1"/>
+          </a:lnRef>
+          <a:fillRef idx="0">
+            <a:schemeClr val="dk1"/>
+          </a:fillRef>
+          <a:effectRef idx="0">
+            <a:schemeClr val="dk1"/>
+          </a:effectRef>
+          <a:fontRef idx="minor">
+            <a:schemeClr val="tx1"/>
+          </a:fontRef>
+        </p:style>
+      </p:cxnSp>
+      <p:sp>
+        <p:nvSpPr>
+          <p:cNvPr id="39" name="TextBox 38"/>
+          <p:cNvSpPr txBox="1"/>
+          <p:nvPr/>
+        </p:nvSpPr>
+        <p:spPr>
+          <a:xfrm>
+            <a:off x="6963818" y="1858924"/>
+            <a:ext cx="400110" cy="1682512"/>
+          </a:xfrm>
+          <a:prstGeom prst="rect">
+            <a:avLst/>
+          </a:prstGeom>
+          <a:noFill/>
+        </p:spPr>
+        <p:txBody>
+          <a:bodyPr vert="vert270" wrap="none" rtlCol="0">
+            <a:spAutoFit/>
+          </a:bodyPr>
+          <a:lstStyle/>
+          <a:p>
+            <a:r>
+              <a:rPr lang="en-US" sz="1400" dirty="0" smtClean="0"/>
+              <a:t>Coverage Map Info</a:t>
+            </a:r>
+            <a:endParaRPr lang="en-US" sz="1400" dirty="0"/>
+          </a:p>
+        </p:txBody>
+      </p:sp>
+      <p:cxnSp>
+        <p:nvCxnSpPr>
+          <p:cNvPr id="40" name="Straight Arrow Connector 39"/>
+          <p:cNvCxnSpPr/>
+          <p:nvPr/>
+        </p:nvCxnSpPr>
+        <p:spPr>
+          <a:xfrm flipV="1">
+            <a:off x="1923080" y="1729097"/>
+            <a:ext cx="0" cy="2047573"/>
+          </a:xfrm>
+          <a:prstGeom prst="straightConnector1">
+            <a:avLst/>
+          </a:prstGeom>
+          <a:ln>
+            <a:tailEnd type="arrow"/>
+          </a:ln>
+        </p:spPr>
+        <p:style>
+          <a:lnRef idx="1">
+            <a:schemeClr val="dk1"/>
+          </a:lnRef>
+          <a:fillRef idx="0">
+            <a:schemeClr val="dk1"/>
+          </a:fillRef>
+          <a:effectRef idx="0">
+            <a:schemeClr val="dk1"/>
+          </a:effectRef>
+          <a:fontRef idx="minor">
+            <a:schemeClr val="tx1"/>
+          </a:fontRef>
+        </p:style>
+      </p:cxnSp>
+      <p:cxnSp>
+        <p:nvCxnSpPr>
+          <p:cNvPr id="41" name="Straight Arrow Connector 40"/>
+          <p:cNvCxnSpPr/>
+          <p:nvPr/>
+        </p:nvCxnSpPr>
+        <p:spPr>
+          <a:xfrm>
+            <a:off x="2319524" y="1729097"/>
+            <a:ext cx="0" cy="2047573"/>
+          </a:xfrm>
+          <a:prstGeom prst="straightConnector1">
+            <a:avLst/>
+          </a:prstGeom>
+          <a:ln>
+            <a:tailEnd type="arrow"/>
+          </a:ln>
+        </p:spPr>
+        <p:style>
+          <a:lnRef idx="1">
+            <a:schemeClr val="dk1"/>
+          </a:lnRef>
+          <a:fillRef idx="0">
+            <a:schemeClr val="dk1"/>
+          </a:fillRef>
+          <a:effectRef idx="0">
+            <a:schemeClr val="dk1"/>
+          </a:effectRef>
+          <a:fontRef idx="minor">
+            <a:schemeClr val="tx1"/>
+          </a:fontRef>
+        </p:style>
+      </p:cxnSp>
+      <p:sp>
+        <p:nvSpPr>
+          <p:cNvPr id="42" name="TextBox 41"/>
+          <p:cNvSpPr txBox="1"/>
+          <p:nvPr/>
+        </p:nvSpPr>
+        <p:spPr>
+          <a:xfrm>
+            <a:off x="1923080" y="1841803"/>
+            <a:ext cx="400110" cy="1682512"/>
+          </a:xfrm>
+          <a:prstGeom prst="rect">
+            <a:avLst/>
+          </a:prstGeom>
+          <a:noFill/>
+        </p:spPr>
+        <p:txBody>
+          <a:bodyPr vert="vert270" wrap="none" rtlCol="0">
+            <a:spAutoFit/>
+          </a:bodyPr>
+          <a:lstStyle/>
+          <a:p>
+            <a:r>
+              <a:rPr lang="en-US" sz="1400" dirty="0" smtClean="0"/>
+              <a:t>Coverage Map Info</a:t>
+            </a:r>
+            <a:endParaRPr lang="en-US" sz="1400" dirty="0"/>
+          </a:p>
+        </p:txBody>
+      </p:sp>
+    </p:spTree>
+    <p:extLst>
+      <p:ext uri="{BB962C8B-B14F-4D97-AF65-F5344CB8AC3E}">
+        <p14:creationId xmlns:p14="http://schemas.microsoft.com/office/powerpoint/2010/main" val="4208439333"/>
       </p:ext>
     </p:extLst>
   </p:cSld>

--- a/graphs/source/chap5-src.pptx
+++ b/graphs/source/chap5-src.pptx
@@ -8,6 +8,8 @@
     <p:sldId id="256" r:id="rId2"/>
     <p:sldId id="257" r:id="rId3"/>
     <p:sldId id="258" r:id="rId4"/>
+    <p:sldId id="259" r:id="rId5"/>
+    <p:sldId id="260" r:id="rId6"/>
   </p:sldIdLst>
   <p:sldSz cx="9144000" cy="6858000" type="screen4x3"/>
   <p:notesSz cx="6858000" cy="9144000"/>
@@ -290,7 +292,7 @@
           <a:p>
             <a:fld id="{CE2D3545-AE21-7247-8426-4B1172E482C1}" type="datetimeFigureOut">
               <a:rPr lang="en-US" smtClean="0"/>
-              <a:t>8/21/13</a:t>
+              <a:t>8/23/13</a:t>
             </a:fld>
             <a:endParaRPr lang="en-US"/>
           </a:p>
@@ -460,7 +462,7 @@
           <a:p>
             <a:fld id="{CE2D3545-AE21-7247-8426-4B1172E482C1}" type="datetimeFigureOut">
               <a:rPr lang="en-US" smtClean="0"/>
-              <a:t>8/21/13</a:t>
+              <a:t>8/23/13</a:t>
             </a:fld>
             <a:endParaRPr lang="en-US"/>
           </a:p>
@@ -640,7 +642,7 @@
           <a:p>
             <a:fld id="{CE2D3545-AE21-7247-8426-4B1172E482C1}" type="datetimeFigureOut">
               <a:rPr lang="en-US" smtClean="0"/>
-              <a:t>8/21/13</a:t>
+              <a:t>8/23/13</a:t>
             </a:fld>
             <a:endParaRPr lang="en-US"/>
           </a:p>
@@ -810,7 +812,7 @@
           <a:p>
             <a:fld id="{CE2D3545-AE21-7247-8426-4B1172E482C1}" type="datetimeFigureOut">
               <a:rPr lang="en-US" smtClean="0"/>
-              <a:t>8/21/13</a:t>
+              <a:t>8/23/13</a:t>
             </a:fld>
             <a:endParaRPr lang="en-US"/>
           </a:p>
@@ -1056,7 +1058,7 @@
           <a:p>
             <a:fld id="{CE2D3545-AE21-7247-8426-4B1172E482C1}" type="datetimeFigureOut">
               <a:rPr lang="en-US" smtClean="0"/>
-              <a:t>8/21/13</a:t>
+              <a:t>8/23/13</a:t>
             </a:fld>
             <a:endParaRPr lang="en-US"/>
           </a:p>
@@ -1344,7 +1346,7 @@
           <a:p>
             <a:fld id="{CE2D3545-AE21-7247-8426-4B1172E482C1}" type="datetimeFigureOut">
               <a:rPr lang="en-US" smtClean="0"/>
-              <a:t>8/21/13</a:t>
+              <a:t>8/23/13</a:t>
             </a:fld>
             <a:endParaRPr lang="en-US"/>
           </a:p>
@@ -1766,7 +1768,7 @@
           <a:p>
             <a:fld id="{CE2D3545-AE21-7247-8426-4B1172E482C1}" type="datetimeFigureOut">
               <a:rPr lang="en-US" smtClean="0"/>
-              <a:t>8/21/13</a:t>
+              <a:t>8/23/13</a:t>
             </a:fld>
             <a:endParaRPr lang="en-US"/>
           </a:p>
@@ -1884,7 +1886,7 @@
           <a:p>
             <a:fld id="{CE2D3545-AE21-7247-8426-4B1172E482C1}" type="datetimeFigureOut">
               <a:rPr lang="en-US" smtClean="0"/>
-              <a:t>8/21/13</a:t>
+              <a:t>8/23/13</a:t>
             </a:fld>
             <a:endParaRPr lang="en-US"/>
           </a:p>
@@ -1979,7 +1981,7 @@
           <a:p>
             <a:fld id="{CE2D3545-AE21-7247-8426-4B1172E482C1}" type="datetimeFigureOut">
               <a:rPr lang="en-US" smtClean="0"/>
-              <a:t>8/21/13</a:t>
+              <a:t>8/23/13</a:t>
             </a:fld>
             <a:endParaRPr lang="en-US"/>
           </a:p>
@@ -2256,7 +2258,7 @@
           <a:p>
             <a:fld id="{CE2D3545-AE21-7247-8426-4B1172E482C1}" type="datetimeFigureOut">
               <a:rPr lang="en-US" smtClean="0"/>
-              <a:t>8/21/13</a:t>
+              <a:t>8/23/13</a:t>
             </a:fld>
             <a:endParaRPr lang="en-US"/>
           </a:p>
@@ -2513,7 +2515,7 @@
           <a:p>
             <a:fld id="{CE2D3545-AE21-7247-8426-4B1172E482C1}" type="datetimeFigureOut">
               <a:rPr lang="en-US" smtClean="0"/>
-              <a:t>8/21/13</a:t>
+              <a:t>8/23/13</a:t>
             </a:fld>
             <a:endParaRPr lang="en-US"/>
           </a:p>
@@ -2731,7 +2733,7 @@
           <a:p>
             <a:fld id="{CE2D3545-AE21-7247-8426-4B1172E482C1}" type="datetimeFigureOut">
               <a:rPr lang="en-US" smtClean="0"/>
-              <a:t>8/21/13</a:t>
+              <a:t>8/23/13</a:t>
             </a:fld>
             <a:endParaRPr lang="en-US"/>
           </a:p>
@@ -5144,6 +5146,1094 @@
     <p:extLst>
       <p:ext uri="{BB962C8B-B14F-4D97-AF65-F5344CB8AC3E}">
         <p14:creationId xmlns:p14="http://schemas.microsoft.com/office/powerpoint/2010/main" val="4208439333"/>
+      </p:ext>
+    </p:extLst>
+  </p:cSld>
+  <p:clrMapOvr>
+    <a:masterClrMapping/>
+  </p:clrMapOvr>
+</p:sld>
+</file>
+
+<file path=ppt/slides/slide4.xml><?xml version="1.0" encoding="utf-8"?>
+<p:sld xmlns:a="http://schemas.openxmlformats.org/drawingml/2006/main" xmlns:r="http://schemas.openxmlformats.org/officeDocument/2006/relationships" xmlns:p="http://schemas.openxmlformats.org/presentationml/2006/main">
+  <p:cSld>
+    <p:spTree>
+      <p:nvGrpSpPr>
+        <p:cNvPr id="1" name=""/>
+        <p:cNvGrpSpPr/>
+        <p:nvPr/>
+      </p:nvGrpSpPr>
+      <p:grpSpPr>
+        <a:xfrm>
+          <a:off x="0" y="0"/>
+          <a:ext cx="0" cy="0"/>
+          <a:chOff x="0" y="0"/>
+          <a:chExt cx="0" cy="0"/>
+        </a:xfrm>
+      </p:grpSpPr>
+      <p:sp>
+        <p:nvSpPr>
+          <p:cNvPr id="2" name="Rectangle 1"/>
+          <p:cNvSpPr/>
+          <p:nvPr/>
+        </p:nvSpPr>
+        <p:spPr>
+          <a:xfrm>
+            <a:off x="1218327" y="5052177"/>
+            <a:ext cx="6539830" cy="831370"/>
+          </a:xfrm>
+          <a:prstGeom prst="rect">
+            <a:avLst/>
+          </a:prstGeom>
+        </p:spPr>
+        <p:style>
+          <a:lnRef idx="2">
+            <a:schemeClr val="dk1"/>
+          </a:lnRef>
+          <a:fillRef idx="1">
+            <a:schemeClr val="lt1"/>
+          </a:fillRef>
+          <a:effectRef idx="0">
+            <a:schemeClr val="dk1"/>
+          </a:effectRef>
+          <a:fontRef idx="minor">
+            <a:schemeClr val="dk1"/>
+          </a:fontRef>
+        </p:style>
+        <p:txBody>
+          <a:bodyPr rtlCol="0" anchor="ctr"/>
+          <a:lstStyle/>
+          <a:p>
+            <a:pPr algn="ctr"/>
+            <a:r>
+              <a:rPr lang="en-US" dirty="0" smtClean="0"/>
+              <a:t>Internet Protocol </a:t>
+            </a:r>
+            <a:r>
+              <a:rPr lang="en-US" dirty="0" smtClean="0">
+                <a:latin typeface="+mj-lt"/>
+              </a:rPr>
+              <a:t>(IP)</a:t>
+            </a:r>
+            <a:endParaRPr lang="en-US" sz="1600" dirty="0">
+              <a:latin typeface="+mj-lt"/>
+            </a:endParaRPr>
+          </a:p>
+        </p:txBody>
+      </p:sp>
+      <p:sp>
+        <p:nvSpPr>
+          <p:cNvPr id="3" name="Rectangle 2"/>
+          <p:cNvSpPr/>
+          <p:nvPr/>
+        </p:nvSpPr>
+        <p:spPr>
+          <a:xfrm>
+            <a:off x="1218327" y="4220807"/>
+            <a:ext cx="6539830" cy="831370"/>
+          </a:xfrm>
+          <a:prstGeom prst="rect">
+            <a:avLst/>
+          </a:prstGeom>
+        </p:spPr>
+        <p:style>
+          <a:lnRef idx="2">
+            <a:schemeClr val="dk1"/>
+          </a:lnRef>
+          <a:fillRef idx="1">
+            <a:schemeClr val="lt1"/>
+          </a:fillRef>
+          <a:effectRef idx="0">
+            <a:schemeClr val="dk1"/>
+          </a:effectRef>
+          <a:fontRef idx="minor">
+            <a:schemeClr val="dk1"/>
+          </a:fontRef>
+        </p:style>
+        <p:txBody>
+          <a:bodyPr rtlCol="0" anchor="ctr"/>
+          <a:lstStyle/>
+          <a:p>
+            <a:pPr algn="ctr"/>
+            <a:r>
+              <a:rPr lang="en-US" dirty="0" smtClean="0"/>
+              <a:t>User Datagram Protocol </a:t>
+            </a:r>
+            <a:r>
+              <a:rPr lang="en-US" dirty="0" smtClean="0">
+                <a:latin typeface="+mj-lt"/>
+              </a:rPr>
+              <a:t>(UDP)</a:t>
+            </a:r>
+            <a:endParaRPr lang="en-US" sz="1600" dirty="0">
+              <a:latin typeface="+mj-lt"/>
+            </a:endParaRPr>
+          </a:p>
+        </p:txBody>
+      </p:sp>
+      <p:sp>
+        <p:nvSpPr>
+          <p:cNvPr id="6" name="Rectangle 5"/>
+          <p:cNvSpPr/>
+          <p:nvPr/>
+        </p:nvSpPr>
+        <p:spPr>
+          <a:xfrm>
+            <a:off x="1218328" y="3389437"/>
+            <a:ext cx="1936070" cy="831370"/>
+          </a:xfrm>
+          <a:prstGeom prst="rect">
+            <a:avLst/>
+          </a:prstGeom>
+        </p:spPr>
+        <p:style>
+          <a:lnRef idx="2">
+            <a:schemeClr val="dk1"/>
+          </a:lnRef>
+          <a:fillRef idx="1">
+            <a:schemeClr val="lt1"/>
+          </a:fillRef>
+          <a:effectRef idx="0">
+            <a:schemeClr val="dk1"/>
+          </a:effectRef>
+          <a:fontRef idx="minor">
+            <a:schemeClr val="dk1"/>
+          </a:fontRef>
+        </p:style>
+        <p:txBody>
+          <a:bodyPr rtlCol="0" anchor="ctr"/>
+          <a:lstStyle/>
+          <a:p>
+            <a:pPr algn="ctr"/>
+            <a:r>
+              <a:rPr lang="en-US" sz="1600" dirty="0" smtClean="0"/>
+              <a:t>Session Traversal Utilities for NAT </a:t>
+            </a:r>
+            <a:r>
+              <a:rPr lang="en-US" sz="1600" dirty="0" smtClean="0">
+                <a:latin typeface="+mj-lt"/>
+              </a:rPr>
+              <a:t>(STUN)</a:t>
+            </a:r>
+            <a:endParaRPr lang="en-US" sz="1600" dirty="0">
+              <a:latin typeface="+mj-lt"/>
+            </a:endParaRPr>
+          </a:p>
+        </p:txBody>
+      </p:sp>
+      <p:sp>
+        <p:nvSpPr>
+          <p:cNvPr id="9" name="Rectangle 8"/>
+          <p:cNvSpPr/>
+          <p:nvPr/>
+        </p:nvSpPr>
+        <p:spPr>
+          <a:xfrm>
+            <a:off x="3154399" y="3389437"/>
+            <a:ext cx="4603758" cy="831370"/>
+          </a:xfrm>
+          <a:prstGeom prst="rect">
+            <a:avLst/>
+          </a:prstGeom>
+          <a:solidFill>
+            <a:srgbClr val="D7DCE3"/>
+          </a:solidFill>
+        </p:spPr>
+        <p:style>
+          <a:lnRef idx="2">
+            <a:schemeClr val="dk1"/>
+          </a:lnRef>
+          <a:fillRef idx="1">
+            <a:schemeClr val="lt1"/>
+          </a:fillRef>
+          <a:effectRef idx="0">
+            <a:schemeClr val="dk1"/>
+          </a:effectRef>
+          <a:fontRef idx="minor">
+            <a:schemeClr val="dk1"/>
+          </a:fontRef>
+        </p:style>
+        <p:txBody>
+          <a:bodyPr rtlCol="0" anchor="ctr"/>
+          <a:lstStyle/>
+          <a:p>
+            <a:pPr algn="ctr"/>
+            <a:r>
+              <a:rPr lang="en-US" sz="1600" dirty="0" smtClean="0"/>
+              <a:t>Real-time Transport Protocol </a:t>
+            </a:r>
+            <a:r>
+              <a:rPr lang="en-US" sz="1600" dirty="0" smtClean="0">
+                <a:latin typeface="+mj-lt"/>
+              </a:rPr>
+              <a:t>(RTP)</a:t>
+            </a:r>
+            <a:endParaRPr lang="en-US" sz="1400" dirty="0">
+              <a:latin typeface="+mj-lt"/>
+            </a:endParaRPr>
+          </a:p>
+        </p:txBody>
+      </p:sp>
+      <p:sp>
+        <p:nvSpPr>
+          <p:cNvPr id="11" name="Rectangle 10"/>
+          <p:cNvSpPr/>
+          <p:nvPr/>
+        </p:nvSpPr>
+        <p:spPr>
+          <a:xfrm>
+            <a:off x="3156277" y="2922073"/>
+            <a:ext cx="899063" cy="467363"/>
+          </a:xfrm>
+          <a:prstGeom prst="rect">
+            <a:avLst/>
+          </a:prstGeom>
+          <a:solidFill>
+            <a:schemeClr val="bg2"/>
+          </a:solidFill>
+        </p:spPr>
+        <p:style>
+          <a:lnRef idx="2">
+            <a:schemeClr val="dk1"/>
+          </a:lnRef>
+          <a:fillRef idx="1">
+            <a:schemeClr val="lt1"/>
+          </a:fillRef>
+          <a:effectRef idx="0">
+            <a:schemeClr val="dk1"/>
+          </a:effectRef>
+          <a:fontRef idx="minor">
+            <a:schemeClr val="dk1"/>
+          </a:fontRef>
+        </p:style>
+        <p:txBody>
+          <a:bodyPr rtlCol="0" anchor="ctr"/>
+          <a:lstStyle/>
+          <a:p>
+            <a:pPr algn="ctr"/>
+            <a:r>
+              <a:rPr lang="en-US" sz="1400" dirty="0" err="1" smtClean="0"/>
+              <a:t>Subflow</a:t>
+            </a:r>
+            <a:r>
+              <a:rPr lang="en-US" sz="1400" dirty="0" smtClean="0"/>
+              <a:t> #1</a:t>
+            </a:r>
+            <a:endParaRPr lang="en-US" sz="1200" dirty="0"/>
+          </a:p>
+        </p:txBody>
+      </p:sp>
+      <p:sp>
+        <p:nvSpPr>
+          <p:cNvPr id="12" name="Rectangle 11"/>
+          <p:cNvSpPr/>
+          <p:nvPr/>
+        </p:nvSpPr>
+        <p:spPr>
+          <a:xfrm>
+            <a:off x="4055340" y="2922073"/>
+            <a:ext cx="899063" cy="467363"/>
+          </a:xfrm>
+          <a:prstGeom prst="rect">
+            <a:avLst/>
+          </a:prstGeom>
+          <a:solidFill>
+            <a:schemeClr val="bg2"/>
+          </a:solidFill>
+        </p:spPr>
+        <p:style>
+          <a:lnRef idx="2">
+            <a:schemeClr val="dk1"/>
+          </a:lnRef>
+          <a:fillRef idx="1">
+            <a:schemeClr val="lt1"/>
+          </a:fillRef>
+          <a:effectRef idx="0">
+            <a:schemeClr val="dk1"/>
+          </a:effectRef>
+          <a:fontRef idx="minor">
+            <a:schemeClr val="dk1"/>
+          </a:fontRef>
+        </p:style>
+        <p:txBody>
+          <a:bodyPr rtlCol="0" anchor="ctr"/>
+          <a:lstStyle/>
+          <a:p>
+            <a:pPr algn="ctr"/>
+            <a:r>
+              <a:rPr lang="en-US" sz="1400" dirty="0" err="1" smtClean="0"/>
+              <a:t>Subflow</a:t>
+            </a:r>
+            <a:endParaRPr lang="en-US" sz="1400" dirty="0" smtClean="0"/>
+          </a:p>
+          <a:p>
+            <a:pPr algn="ctr"/>
+            <a:r>
+              <a:rPr lang="en-US" sz="1400" dirty="0" smtClean="0"/>
+              <a:t>#2</a:t>
+            </a:r>
+            <a:endParaRPr lang="en-US" sz="1200" dirty="0"/>
+          </a:p>
+        </p:txBody>
+      </p:sp>
+      <p:sp>
+        <p:nvSpPr>
+          <p:cNvPr id="13" name="Rectangle 12"/>
+          <p:cNvSpPr/>
+          <p:nvPr/>
+        </p:nvSpPr>
+        <p:spPr>
+          <a:xfrm>
+            <a:off x="4954403" y="2922073"/>
+            <a:ext cx="899063" cy="467363"/>
+          </a:xfrm>
+          <a:prstGeom prst="rect">
+            <a:avLst/>
+          </a:prstGeom>
+          <a:solidFill>
+            <a:schemeClr val="bg2"/>
+          </a:solidFill>
+        </p:spPr>
+        <p:style>
+          <a:lnRef idx="2">
+            <a:schemeClr val="dk1"/>
+          </a:lnRef>
+          <a:fillRef idx="1">
+            <a:schemeClr val="lt1"/>
+          </a:fillRef>
+          <a:effectRef idx="0">
+            <a:schemeClr val="dk1"/>
+          </a:effectRef>
+          <a:fontRef idx="minor">
+            <a:schemeClr val="dk1"/>
+          </a:fontRef>
+        </p:style>
+        <p:txBody>
+          <a:bodyPr rtlCol="0" anchor="ctr"/>
+          <a:lstStyle/>
+          <a:p>
+            <a:pPr algn="ctr"/>
+            <a:r>
+              <a:rPr lang="en-US" sz="1400" dirty="0" err="1" smtClean="0"/>
+              <a:t>Subflow</a:t>
+            </a:r>
+            <a:endParaRPr lang="en-US" sz="1400" dirty="0" smtClean="0"/>
+          </a:p>
+          <a:p>
+            <a:pPr algn="ctr"/>
+            <a:r>
+              <a:rPr lang="en-US" sz="1400" dirty="0" smtClean="0"/>
+              <a:t>#3</a:t>
+            </a:r>
+            <a:endParaRPr lang="en-US" sz="1200" dirty="0"/>
+          </a:p>
+        </p:txBody>
+      </p:sp>
+      <p:sp>
+        <p:nvSpPr>
+          <p:cNvPr id="14" name="Rectangle 13"/>
+          <p:cNvSpPr/>
+          <p:nvPr/>
+        </p:nvSpPr>
+        <p:spPr>
+          <a:xfrm>
+            <a:off x="3156277" y="2444161"/>
+            <a:ext cx="2697189" cy="491561"/>
+          </a:xfrm>
+          <a:prstGeom prst="rect">
+            <a:avLst/>
+          </a:prstGeom>
+          <a:solidFill>
+            <a:schemeClr val="bg2"/>
+          </a:solidFill>
+        </p:spPr>
+        <p:style>
+          <a:lnRef idx="2">
+            <a:schemeClr val="dk1"/>
+          </a:lnRef>
+          <a:fillRef idx="1">
+            <a:schemeClr val="lt1"/>
+          </a:fillRef>
+          <a:effectRef idx="0">
+            <a:schemeClr val="dk1"/>
+          </a:effectRef>
+          <a:fontRef idx="minor">
+            <a:schemeClr val="dk1"/>
+          </a:fontRef>
+        </p:style>
+        <p:txBody>
+          <a:bodyPr rtlCol="0" anchor="ctr"/>
+          <a:lstStyle/>
+          <a:p>
+            <a:pPr algn="ctr"/>
+            <a:r>
+              <a:rPr lang="en-US" sz="1600" dirty="0" smtClean="0"/>
+              <a:t>Multipath RTP </a:t>
+            </a:r>
+            <a:r>
+              <a:rPr lang="en-US" sz="1600" dirty="0" smtClean="0">
+                <a:latin typeface="+mj-lt"/>
+              </a:rPr>
+              <a:t>(MPRTP)</a:t>
+            </a:r>
+            <a:endParaRPr lang="en-US" sz="1400" dirty="0">
+              <a:latin typeface="+mj-lt"/>
+            </a:endParaRPr>
+          </a:p>
+        </p:txBody>
+      </p:sp>
+      <p:sp>
+        <p:nvSpPr>
+          <p:cNvPr id="15" name="Rectangle 14"/>
+          <p:cNvSpPr/>
+          <p:nvPr/>
+        </p:nvSpPr>
+        <p:spPr>
+          <a:xfrm>
+            <a:off x="3156277" y="1708376"/>
+            <a:ext cx="2697189" cy="735785"/>
+          </a:xfrm>
+          <a:prstGeom prst="rect">
+            <a:avLst/>
+          </a:prstGeom>
+        </p:spPr>
+        <p:style>
+          <a:lnRef idx="2">
+            <a:schemeClr val="dk1"/>
+          </a:lnRef>
+          <a:fillRef idx="1">
+            <a:schemeClr val="lt1"/>
+          </a:fillRef>
+          <a:effectRef idx="0">
+            <a:schemeClr val="dk1"/>
+          </a:effectRef>
+          <a:fontRef idx="minor">
+            <a:schemeClr val="dk1"/>
+          </a:fontRef>
+        </p:style>
+        <p:txBody>
+          <a:bodyPr rtlCol="0" anchor="ctr"/>
+          <a:lstStyle/>
+          <a:p>
+            <a:pPr algn="ctr"/>
+            <a:r>
+              <a:rPr lang="en-US" sz="1600" dirty="0" smtClean="0"/>
+              <a:t>SSRC #1</a:t>
+            </a:r>
+            <a:endParaRPr lang="en-US" sz="1400" dirty="0">
+              <a:latin typeface="+mj-lt"/>
+            </a:endParaRPr>
+          </a:p>
+        </p:txBody>
+      </p:sp>
+      <p:sp>
+        <p:nvSpPr>
+          <p:cNvPr id="17" name="Rectangle 16"/>
+          <p:cNvSpPr/>
+          <p:nvPr/>
+        </p:nvSpPr>
+        <p:spPr>
+          <a:xfrm>
+            <a:off x="5839810" y="1708375"/>
+            <a:ext cx="996841" cy="1676395"/>
+          </a:xfrm>
+          <a:prstGeom prst="rect">
+            <a:avLst/>
+          </a:prstGeom>
+        </p:spPr>
+        <p:style>
+          <a:lnRef idx="2">
+            <a:schemeClr val="dk1"/>
+          </a:lnRef>
+          <a:fillRef idx="1">
+            <a:schemeClr val="lt1"/>
+          </a:fillRef>
+          <a:effectRef idx="0">
+            <a:schemeClr val="dk1"/>
+          </a:effectRef>
+          <a:fontRef idx="minor">
+            <a:schemeClr val="dk1"/>
+          </a:fontRef>
+        </p:style>
+        <p:txBody>
+          <a:bodyPr rtlCol="0" anchor="ctr"/>
+          <a:lstStyle/>
+          <a:p>
+            <a:pPr algn="ctr"/>
+            <a:r>
+              <a:rPr lang="en-US" sz="1600" dirty="0" smtClean="0"/>
+              <a:t>SSRC #2</a:t>
+            </a:r>
+            <a:endParaRPr lang="en-US" sz="1400" dirty="0">
+              <a:latin typeface="+mj-lt"/>
+            </a:endParaRPr>
+          </a:p>
+        </p:txBody>
+      </p:sp>
+      <p:sp>
+        <p:nvSpPr>
+          <p:cNvPr id="18" name="Rectangle 17"/>
+          <p:cNvSpPr/>
+          <p:nvPr/>
+        </p:nvSpPr>
+        <p:spPr>
+          <a:xfrm>
+            <a:off x="6836651" y="1708376"/>
+            <a:ext cx="921505" cy="1681062"/>
+          </a:xfrm>
+          <a:prstGeom prst="rect">
+            <a:avLst/>
+          </a:prstGeom>
+        </p:spPr>
+        <p:style>
+          <a:lnRef idx="2">
+            <a:schemeClr val="dk1"/>
+          </a:lnRef>
+          <a:fillRef idx="1">
+            <a:schemeClr val="lt1"/>
+          </a:fillRef>
+          <a:effectRef idx="0">
+            <a:schemeClr val="dk1"/>
+          </a:effectRef>
+          <a:fontRef idx="minor">
+            <a:schemeClr val="dk1"/>
+          </a:fontRef>
+        </p:style>
+        <p:txBody>
+          <a:bodyPr rtlCol="0" anchor="ctr"/>
+          <a:lstStyle/>
+          <a:p>
+            <a:pPr algn="ctr"/>
+            <a:r>
+              <a:rPr lang="en-US" sz="1600" dirty="0" smtClean="0"/>
+              <a:t>SSRC #3</a:t>
+            </a:r>
+            <a:endParaRPr lang="en-US" sz="1400" dirty="0">
+              <a:latin typeface="+mj-lt"/>
+            </a:endParaRPr>
+          </a:p>
+        </p:txBody>
+      </p:sp>
+    </p:spTree>
+    <p:extLst>
+      <p:ext uri="{BB962C8B-B14F-4D97-AF65-F5344CB8AC3E}">
+        <p14:creationId xmlns:p14="http://schemas.microsoft.com/office/powerpoint/2010/main" val="2770741297"/>
+      </p:ext>
+    </p:extLst>
+  </p:cSld>
+  <p:clrMapOvr>
+    <a:masterClrMapping/>
+  </p:clrMapOvr>
+</p:sld>
+</file>
+
+<file path=ppt/slides/slide5.xml><?xml version="1.0" encoding="utf-8"?>
+<p:sld xmlns:a="http://schemas.openxmlformats.org/drawingml/2006/main" xmlns:r="http://schemas.openxmlformats.org/officeDocument/2006/relationships" xmlns:p="http://schemas.openxmlformats.org/presentationml/2006/main">
+  <p:cSld>
+    <p:spTree>
+      <p:nvGrpSpPr>
+        <p:cNvPr id="1" name=""/>
+        <p:cNvGrpSpPr/>
+        <p:nvPr/>
+      </p:nvGrpSpPr>
+      <p:grpSpPr>
+        <a:xfrm>
+          <a:off x="0" y="0"/>
+          <a:ext cx="0" cy="0"/>
+          <a:chOff x="0" y="0"/>
+          <a:chExt cx="0" cy="0"/>
+        </a:xfrm>
+      </p:grpSpPr>
+      <p:sp>
+        <p:nvSpPr>
+          <p:cNvPr id="2" name="Rectangle 1"/>
+          <p:cNvSpPr/>
+          <p:nvPr/>
+        </p:nvSpPr>
+        <p:spPr>
+          <a:xfrm>
+            <a:off x="1218327" y="5052177"/>
+            <a:ext cx="5404547" cy="831370"/>
+          </a:xfrm>
+          <a:prstGeom prst="rect">
+            <a:avLst/>
+          </a:prstGeom>
+        </p:spPr>
+        <p:style>
+          <a:lnRef idx="2">
+            <a:schemeClr val="dk1"/>
+          </a:lnRef>
+          <a:fillRef idx="1">
+            <a:schemeClr val="lt1"/>
+          </a:fillRef>
+          <a:effectRef idx="0">
+            <a:schemeClr val="dk1"/>
+          </a:effectRef>
+          <a:fontRef idx="minor">
+            <a:schemeClr val="dk1"/>
+          </a:fontRef>
+        </p:style>
+        <p:txBody>
+          <a:bodyPr rtlCol="0" anchor="ctr"/>
+          <a:lstStyle/>
+          <a:p>
+            <a:pPr algn="ctr"/>
+            <a:r>
+              <a:rPr lang="en-US" dirty="0" smtClean="0"/>
+              <a:t>Internet Protocol </a:t>
+            </a:r>
+            <a:r>
+              <a:rPr lang="en-US" dirty="0" smtClean="0">
+                <a:latin typeface="+mj-lt"/>
+              </a:rPr>
+              <a:t>(IP)</a:t>
+            </a:r>
+            <a:endParaRPr lang="en-US" sz="1600" dirty="0">
+              <a:latin typeface="+mj-lt"/>
+            </a:endParaRPr>
+          </a:p>
+        </p:txBody>
+      </p:sp>
+      <p:sp>
+        <p:nvSpPr>
+          <p:cNvPr id="3" name="Rectangle 2"/>
+          <p:cNvSpPr/>
+          <p:nvPr/>
+        </p:nvSpPr>
+        <p:spPr>
+          <a:xfrm>
+            <a:off x="1218327" y="4220807"/>
+            <a:ext cx="5404547" cy="831370"/>
+          </a:xfrm>
+          <a:prstGeom prst="rect">
+            <a:avLst/>
+          </a:prstGeom>
+        </p:spPr>
+        <p:style>
+          <a:lnRef idx="2">
+            <a:schemeClr val="dk1"/>
+          </a:lnRef>
+          <a:fillRef idx="1">
+            <a:schemeClr val="lt1"/>
+          </a:fillRef>
+          <a:effectRef idx="0">
+            <a:schemeClr val="dk1"/>
+          </a:effectRef>
+          <a:fontRef idx="minor">
+            <a:schemeClr val="dk1"/>
+          </a:fontRef>
+        </p:style>
+        <p:txBody>
+          <a:bodyPr rtlCol="0" anchor="ctr"/>
+          <a:lstStyle/>
+          <a:p>
+            <a:pPr algn="ctr"/>
+            <a:r>
+              <a:rPr lang="en-US" dirty="0" smtClean="0"/>
+              <a:t>User Datagram Protocol </a:t>
+            </a:r>
+            <a:r>
+              <a:rPr lang="en-US" dirty="0" smtClean="0">
+                <a:latin typeface="+mj-lt"/>
+              </a:rPr>
+              <a:t>(UDP)</a:t>
+            </a:r>
+            <a:endParaRPr lang="en-US" sz="1600" dirty="0">
+              <a:latin typeface="+mj-lt"/>
+            </a:endParaRPr>
+          </a:p>
+        </p:txBody>
+      </p:sp>
+      <p:sp>
+        <p:nvSpPr>
+          <p:cNvPr id="4" name="Rectangle 3"/>
+          <p:cNvSpPr/>
+          <p:nvPr/>
+        </p:nvSpPr>
+        <p:spPr>
+          <a:xfrm>
+            <a:off x="1218328" y="3389437"/>
+            <a:ext cx="1936070" cy="831370"/>
+          </a:xfrm>
+          <a:prstGeom prst="rect">
+            <a:avLst/>
+          </a:prstGeom>
+        </p:spPr>
+        <p:style>
+          <a:lnRef idx="2">
+            <a:schemeClr val="dk1"/>
+          </a:lnRef>
+          <a:fillRef idx="1">
+            <a:schemeClr val="lt1"/>
+          </a:fillRef>
+          <a:effectRef idx="0">
+            <a:schemeClr val="dk1"/>
+          </a:effectRef>
+          <a:fontRef idx="minor">
+            <a:schemeClr val="dk1"/>
+          </a:fontRef>
+        </p:style>
+        <p:txBody>
+          <a:bodyPr rtlCol="0" anchor="ctr"/>
+          <a:lstStyle/>
+          <a:p>
+            <a:pPr algn="ctr"/>
+            <a:r>
+              <a:rPr lang="en-US" sz="1600" dirty="0" smtClean="0"/>
+              <a:t>Session Traversal Utilities for NAT </a:t>
+            </a:r>
+            <a:r>
+              <a:rPr lang="en-US" sz="1600" dirty="0" smtClean="0">
+                <a:latin typeface="+mj-lt"/>
+              </a:rPr>
+              <a:t>(STUN)</a:t>
+            </a:r>
+            <a:endParaRPr lang="en-US" sz="1600" dirty="0">
+              <a:latin typeface="+mj-lt"/>
+            </a:endParaRPr>
+          </a:p>
+        </p:txBody>
+      </p:sp>
+      <p:sp>
+        <p:nvSpPr>
+          <p:cNvPr id="5" name="Rectangle 4"/>
+          <p:cNvSpPr/>
+          <p:nvPr/>
+        </p:nvSpPr>
+        <p:spPr>
+          <a:xfrm>
+            <a:off x="3154399" y="3389437"/>
+            <a:ext cx="3468476" cy="831370"/>
+          </a:xfrm>
+          <a:prstGeom prst="rect">
+            <a:avLst/>
+          </a:prstGeom>
+          <a:solidFill>
+            <a:schemeClr val="tx2">
+              <a:lumMod val="20000"/>
+              <a:lumOff val="80000"/>
+            </a:schemeClr>
+          </a:solidFill>
+        </p:spPr>
+        <p:style>
+          <a:lnRef idx="2">
+            <a:schemeClr val="dk1"/>
+          </a:lnRef>
+          <a:fillRef idx="1">
+            <a:schemeClr val="lt1"/>
+          </a:fillRef>
+          <a:effectRef idx="0">
+            <a:schemeClr val="dk1"/>
+          </a:effectRef>
+          <a:fontRef idx="minor">
+            <a:schemeClr val="dk1"/>
+          </a:fontRef>
+        </p:style>
+        <p:txBody>
+          <a:bodyPr rtlCol="0" anchor="ctr"/>
+          <a:lstStyle/>
+          <a:p>
+            <a:pPr algn="ctr"/>
+            <a:r>
+              <a:rPr lang="en-US" dirty="0" smtClean="0"/>
+              <a:t>Real-time Transport Protocol</a:t>
+            </a:r>
+            <a:r>
+              <a:rPr lang="en-US" dirty="0" smtClean="0">
+                <a:latin typeface="+mj-lt"/>
+              </a:rPr>
+              <a:t> (RTP)</a:t>
+            </a:r>
+            <a:endParaRPr lang="en-US" sz="1600" dirty="0">
+              <a:latin typeface="+mj-lt"/>
+            </a:endParaRPr>
+          </a:p>
+        </p:txBody>
+      </p:sp>
+      <p:sp>
+        <p:nvSpPr>
+          <p:cNvPr id="15" name="Rectangle 14"/>
+          <p:cNvSpPr/>
+          <p:nvPr/>
+        </p:nvSpPr>
+        <p:spPr>
+          <a:xfrm>
+            <a:off x="4028345" y="1708375"/>
+            <a:ext cx="873946" cy="1676395"/>
+          </a:xfrm>
+          <a:prstGeom prst="rect">
+            <a:avLst/>
+          </a:prstGeom>
+        </p:spPr>
+        <p:style>
+          <a:lnRef idx="2">
+            <a:schemeClr val="dk1"/>
+          </a:lnRef>
+          <a:fillRef idx="1">
+            <a:schemeClr val="lt1"/>
+          </a:fillRef>
+          <a:effectRef idx="0">
+            <a:schemeClr val="dk1"/>
+          </a:effectRef>
+          <a:fontRef idx="minor">
+            <a:schemeClr val="dk1"/>
+          </a:fontRef>
+        </p:style>
+        <p:txBody>
+          <a:bodyPr rtlCol="0" anchor="ctr"/>
+          <a:lstStyle/>
+          <a:p>
+            <a:pPr algn="ctr"/>
+            <a:r>
+              <a:rPr lang="en-US" sz="1600" dirty="0" smtClean="0"/>
+              <a:t>SSRC #2</a:t>
+            </a:r>
+            <a:endParaRPr lang="en-US" sz="1400" dirty="0">
+              <a:latin typeface="+mj-lt"/>
+            </a:endParaRPr>
+          </a:p>
+        </p:txBody>
+      </p:sp>
+      <p:sp>
+        <p:nvSpPr>
+          <p:cNvPr id="16" name="Rectangle 15"/>
+          <p:cNvSpPr/>
+          <p:nvPr/>
+        </p:nvSpPr>
+        <p:spPr>
+          <a:xfrm>
+            <a:off x="3154399" y="1708375"/>
+            <a:ext cx="873946" cy="1676395"/>
+          </a:xfrm>
+          <a:prstGeom prst="rect">
+            <a:avLst/>
+          </a:prstGeom>
+        </p:spPr>
+        <p:style>
+          <a:lnRef idx="2">
+            <a:schemeClr val="dk1"/>
+          </a:lnRef>
+          <a:fillRef idx="1">
+            <a:schemeClr val="lt1"/>
+          </a:fillRef>
+          <a:effectRef idx="0">
+            <a:schemeClr val="dk1"/>
+          </a:effectRef>
+          <a:fontRef idx="minor">
+            <a:schemeClr val="dk1"/>
+          </a:fontRef>
+        </p:style>
+        <p:txBody>
+          <a:bodyPr rtlCol="0" anchor="ctr"/>
+          <a:lstStyle/>
+          <a:p>
+            <a:pPr algn="ctr"/>
+            <a:r>
+              <a:rPr lang="en-US" sz="1600" dirty="0" smtClean="0"/>
+              <a:t>SSRC #1</a:t>
+            </a:r>
+            <a:endParaRPr lang="en-US" sz="1400" dirty="0">
+              <a:latin typeface="+mj-lt"/>
+            </a:endParaRPr>
+          </a:p>
+        </p:txBody>
+      </p:sp>
+      <p:sp>
+        <p:nvSpPr>
+          <p:cNvPr id="18" name="TextBox 17"/>
+          <p:cNvSpPr txBox="1"/>
+          <p:nvPr/>
+        </p:nvSpPr>
+        <p:spPr>
+          <a:xfrm>
+            <a:off x="8152276" y="1420074"/>
+            <a:ext cx="184666" cy="369332"/>
+          </a:xfrm>
+          <a:prstGeom prst="rect">
+            <a:avLst/>
+          </a:prstGeom>
+          <a:noFill/>
+        </p:spPr>
+        <p:txBody>
+          <a:bodyPr wrap="none" rtlCol="0">
+            <a:spAutoFit/>
+          </a:bodyPr>
+          <a:lstStyle/>
+          <a:p>
+            <a:endParaRPr lang="en-US" dirty="0"/>
+          </a:p>
+        </p:txBody>
+      </p:sp>
+      <p:sp>
+        <p:nvSpPr>
+          <p:cNvPr id="19" name="Rectangle 18"/>
+          <p:cNvSpPr/>
+          <p:nvPr/>
+        </p:nvSpPr>
+        <p:spPr>
+          <a:xfrm>
+            <a:off x="5748929" y="3877894"/>
+            <a:ext cx="860291" cy="342914"/>
+          </a:xfrm>
+          <a:prstGeom prst="rect">
+            <a:avLst/>
+          </a:prstGeom>
+        </p:spPr>
+        <p:style>
+          <a:lnRef idx="2">
+            <a:schemeClr val="dk1"/>
+          </a:lnRef>
+          <a:fillRef idx="1">
+            <a:schemeClr val="lt1"/>
+          </a:fillRef>
+          <a:effectRef idx="0">
+            <a:schemeClr val="dk1"/>
+          </a:effectRef>
+          <a:fontRef idx="minor">
+            <a:schemeClr val="dk1"/>
+          </a:fontRef>
+        </p:style>
+        <p:txBody>
+          <a:bodyPr rtlCol="0" anchor="ctr"/>
+          <a:lstStyle/>
+          <a:p>
+            <a:pPr algn="ctr"/>
+            <a:r>
+              <a:rPr lang="en-US" sz="1600" dirty="0" smtClean="0"/>
+              <a:t>TURN</a:t>
+            </a:r>
+            <a:endParaRPr lang="en-US" sz="1400" dirty="0"/>
+          </a:p>
+        </p:txBody>
+      </p:sp>
+      <p:cxnSp>
+        <p:nvCxnSpPr>
+          <p:cNvPr id="21" name="Straight Connector 20"/>
+          <p:cNvCxnSpPr>
+            <a:endCxn id="19" idx="1"/>
+          </p:cNvCxnSpPr>
+          <p:nvPr/>
+        </p:nvCxnSpPr>
+        <p:spPr>
+          <a:xfrm>
+            <a:off x="5748929" y="3384770"/>
+            <a:ext cx="0" cy="664581"/>
+          </a:xfrm>
+          <a:prstGeom prst="line">
+            <a:avLst/>
+          </a:prstGeom>
+          <a:ln>
+            <a:prstDash val="sysDash"/>
+          </a:ln>
+        </p:spPr>
+        <p:style>
+          <a:lnRef idx="1">
+            <a:schemeClr val="dk1"/>
+          </a:lnRef>
+          <a:fillRef idx="0">
+            <a:schemeClr val="dk1"/>
+          </a:fillRef>
+          <a:effectRef idx="0">
+            <a:schemeClr val="dk1"/>
+          </a:effectRef>
+          <a:fontRef idx="minor">
+            <a:schemeClr val="tx1"/>
+          </a:fontRef>
+        </p:style>
+      </p:cxnSp>
+      <p:sp>
+        <p:nvSpPr>
+          <p:cNvPr id="24" name="Rectangle 23"/>
+          <p:cNvSpPr/>
+          <p:nvPr/>
+        </p:nvSpPr>
+        <p:spPr>
+          <a:xfrm>
+            <a:off x="4888636" y="1708375"/>
+            <a:ext cx="873946" cy="1676395"/>
+          </a:xfrm>
+          <a:prstGeom prst="rect">
+            <a:avLst/>
+          </a:prstGeom>
+        </p:spPr>
+        <p:style>
+          <a:lnRef idx="2">
+            <a:schemeClr val="dk1"/>
+          </a:lnRef>
+          <a:fillRef idx="1">
+            <a:schemeClr val="lt1"/>
+          </a:fillRef>
+          <a:effectRef idx="0">
+            <a:schemeClr val="dk1"/>
+          </a:effectRef>
+          <a:fontRef idx="minor">
+            <a:schemeClr val="dk1"/>
+          </a:fontRef>
+        </p:style>
+        <p:txBody>
+          <a:bodyPr rtlCol="0" anchor="ctr"/>
+          <a:lstStyle/>
+          <a:p>
+            <a:pPr algn="ctr"/>
+            <a:r>
+              <a:rPr lang="en-US" sz="1600" dirty="0" smtClean="0"/>
+              <a:t>SSRC #3</a:t>
+            </a:r>
+            <a:endParaRPr lang="en-US" sz="1400" dirty="0">
+              <a:latin typeface="+mj-lt"/>
+            </a:endParaRPr>
+          </a:p>
+        </p:txBody>
+      </p:sp>
+      <p:sp>
+        <p:nvSpPr>
+          <p:cNvPr id="25" name="Rectangle 24"/>
+          <p:cNvSpPr/>
+          <p:nvPr/>
+        </p:nvSpPr>
+        <p:spPr>
+          <a:xfrm>
+            <a:off x="5748928" y="1708375"/>
+            <a:ext cx="873946" cy="1676395"/>
+          </a:xfrm>
+          <a:prstGeom prst="rect">
+            <a:avLst/>
+          </a:prstGeom>
+        </p:spPr>
+        <p:style>
+          <a:lnRef idx="2">
+            <a:schemeClr val="dk1"/>
+          </a:lnRef>
+          <a:fillRef idx="1">
+            <a:schemeClr val="lt1"/>
+          </a:fillRef>
+          <a:effectRef idx="0">
+            <a:schemeClr val="dk1"/>
+          </a:effectRef>
+          <a:fontRef idx="minor">
+            <a:schemeClr val="dk1"/>
+          </a:fontRef>
+        </p:style>
+        <p:txBody>
+          <a:bodyPr rtlCol="0" anchor="ctr"/>
+          <a:lstStyle/>
+          <a:p>
+            <a:pPr algn="ctr"/>
+            <a:r>
+              <a:rPr lang="en-US" sz="1600" dirty="0" smtClean="0"/>
+              <a:t>SSRC #4</a:t>
+            </a:r>
+            <a:endParaRPr lang="en-US" sz="1400" dirty="0">
+              <a:latin typeface="+mj-lt"/>
+            </a:endParaRPr>
+          </a:p>
+        </p:txBody>
+      </p:sp>
+    </p:spTree>
+    <p:extLst>
+      <p:ext uri="{BB962C8B-B14F-4D97-AF65-F5344CB8AC3E}">
+        <p14:creationId xmlns:p14="http://schemas.microsoft.com/office/powerpoint/2010/main" val="3019611239"/>
       </p:ext>
     </p:extLst>
   </p:cSld>

--- a/graphs/source/chap5-src.pptx
+++ b/graphs/source/chap5-src.pptx
@@ -292,7 +292,7 @@
           <a:p>
             <a:fld id="{CE2D3545-AE21-7247-8426-4B1172E482C1}" type="datetimeFigureOut">
               <a:rPr lang="en-US" smtClean="0"/>
-              <a:t>8/23/13</a:t>
+              <a:t>8/24/13</a:t>
             </a:fld>
             <a:endParaRPr lang="en-US"/>
           </a:p>
@@ -462,7 +462,7 @@
           <a:p>
             <a:fld id="{CE2D3545-AE21-7247-8426-4B1172E482C1}" type="datetimeFigureOut">
               <a:rPr lang="en-US" smtClean="0"/>
-              <a:t>8/23/13</a:t>
+              <a:t>8/24/13</a:t>
             </a:fld>
             <a:endParaRPr lang="en-US"/>
           </a:p>
@@ -642,7 +642,7 @@
           <a:p>
             <a:fld id="{CE2D3545-AE21-7247-8426-4B1172E482C1}" type="datetimeFigureOut">
               <a:rPr lang="en-US" smtClean="0"/>
-              <a:t>8/23/13</a:t>
+              <a:t>8/24/13</a:t>
             </a:fld>
             <a:endParaRPr lang="en-US"/>
           </a:p>
@@ -812,7 +812,7 @@
           <a:p>
             <a:fld id="{CE2D3545-AE21-7247-8426-4B1172E482C1}" type="datetimeFigureOut">
               <a:rPr lang="en-US" smtClean="0"/>
-              <a:t>8/23/13</a:t>
+              <a:t>8/24/13</a:t>
             </a:fld>
             <a:endParaRPr lang="en-US"/>
           </a:p>
@@ -1058,7 +1058,7 @@
           <a:p>
             <a:fld id="{CE2D3545-AE21-7247-8426-4B1172E482C1}" type="datetimeFigureOut">
               <a:rPr lang="en-US" smtClean="0"/>
-              <a:t>8/23/13</a:t>
+              <a:t>8/24/13</a:t>
             </a:fld>
             <a:endParaRPr lang="en-US"/>
           </a:p>
@@ -1346,7 +1346,7 @@
           <a:p>
             <a:fld id="{CE2D3545-AE21-7247-8426-4B1172E482C1}" type="datetimeFigureOut">
               <a:rPr lang="en-US" smtClean="0"/>
-              <a:t>8/23/13</a:t>
+              <a:t>8/24/13</a:t>
             </a:fld>
             <a:endParaRPr lang="en-US"/>
           </a:p>
@@ -1768,7 +1768,7 @@
           <a:p>
             <a:fld id="{CE2D3545-AE21-7247-8426-4B1172E482C1}" type="datetimeFigureOut">
               <a:rPr lang="en-US" smtClean="0"/>
-              <a:t>8/23/13</a:t>
+              <a:t>8/24/13</a:t>
             </a:fld>
             <a:endParaRPr lang="en-US"/>
           </a:p>
@@ -1886,7 +1886,7 @@
           <a:p>
             <a:fld id="{CE2D3545-AE21-7247-8426-4B1172E482C1}" type="datetimeFigureOut">
               <a:rPr lang="en-US" smtClean="0"/>
-              <a:t>8/23/13</a:t>
+              <a:t>8/24/13</a:t>
             </a:fld>
             <a:endParaRPr lang="en-US"/>
           </a:p>
@@ -1981,7 +1981,7 @@
           <a:p>
             <a:fld id="{CE2D3545-AE21-7247-8426-4B1172E482C1}" type="datetimeFigureOut">
               <a:rPr lang="en-US" smtClean="0"/>
-              <a:t>8/23/13</a:t>
+              <a:t>8/24/13</a:t>
             </a:fld>
             <a:endParaRPr lang="en-US"/>
           </a:p>
@@ -2258,7 +2258,7 @@
           <a:p>
             <a:fld id="{CE2D3545-AE21-7247-8426-4B1172E482C1}" type="datetimeFigureOut">
               <a:rPr lang="en-US" smtClean="0"/>
-              <a:t>8/23/13</a:t>
+              <a:t>8/24/13</a:t>
             </a:fld>
             <a:endParaRPr lang="en-US"/>
           </a:p>
@@ -2515,7 +2515,7 @@
           <a:p>
             <a:fld id="{CE2D3545-AE21-7247-8426-4B1172E482C1}" type="datetimeFigureOut">
               <a:rPr lang="en-US" smtClean="0"/>
-              <a:t>8/23/13</a:t>
+              <a:t>8/24/13</a:t>
             </a:fld>
             <a:endParaRPr lang="en-US"/>
           </a:p>
@@ -2733,7 +2733,7 @@
           <a:p>
             <a:fld id="{CE2D3545-AE21-7247-8426-4B1172E482C1}" type="datetimeFigureOut">
               <a:rPr lang="en-US" smtClean="0"/>
-              <a:t>8/23/13</a:t>
+              <a:t>8/24/13</a:t>
             </a:fld>
             <a:endParaRPr lang="en-US"/>
           </a:p>
@@ -5181,7 +5181,7 @@
         <p:spPr>
           <a:xfrm>
             <a:off x="1218327" y="5052177"/>
-            <a:ext cx="6539830" cy="831370"/>
+            <a:ext cx="3274301" cy="831370"/>
           </a:xfrm>
           <a:prstGeom prst="rect">
             <a:avLst/>
@@ -5231,7 +5231,7 @@
         <p:spPr>
           <a:xfrm>
             <a:off x="1218327" y="4220807"/>
-            <a:ext cx="6539830" cy="831370"/>
+            <a:ext cx="3274301" cy="831370"/>
           </a:xfrm>
           <a:prstGeom prst="rect">
             <a:avLst/>
@@ -5383,8 +5383,8 @@
         </p:nvSpPr>
         <p:spPr>
           <a:xfrm>
-            <a:off x="3156277" y="2922073"/>
-            <a:ext cx="899063" cy="467363"/>
+            <a:off x="3156276" y="2922073"/>
+            <a:ext cx="1336351" cy="467363"/>
           </a:xfrm>
           <a:prstGeom prst="rect">
             <a:avLst/>
@@ -5432,8 +5432,8 @@
         </p:nvSpPr>
         <p:spPr>
           <a:xfrm>
-            <a:off x="4055340" y="2922073"/>
-            <a:ext cx="899063" cy="467363"/>
+            <a:off x="4492628" y="2922067"/>
+            <a:ext cx="1347183" cy="467363"/>
           </a:xfrm>
           <a:prstGeom prst="rect">
             <a:avLst/>
@@ -5479,14 +5479,14 @@
       </p:sp>
       <p:sp>
         <p:nvSpPr>
-          <p:cNvPr id="13" name="Rectangle 12"/>
+          <p:cNvPr id="14" name="Rectangle 13"/>
           <p:cNvSpPr/>
           <p:nvPr/>
         </p:nvSpPr>
         <p:spPr>
           <a:xfrm>
-            <a:off x="4954403" y="2922073"/>
-            <a:ext cx="899063" cy="467363"/>
+            <a:off x="3156277" y="2444161"/>
+            <a:ext cx="2697189" cy="491561"/>
           </a:xfrm>
           <a:prstGeom prst="rect">
             <a:avLst/>
@@ -5515,38 +5515,35 @@
           <a:p>
             <a:pPr algn="ctr"/>
             <a:r>
-              <a:rPr lang="en-US" sz="1400" dirty="0" err="1" smtClean="0"/>
-              <a:t>Subflow</a:t>
-            </a:r>
-            <a:endParaRPr lang="en-US" sz="1400" dirty="0" smtClean="0"/>
-          </a:p>
-          <a:p>
-            <a:pPr algn="ctr"/>
-            <a:r>
-              <a:rPr lang="en-US" sz="1400" dirty="0" smtClean="0"/>
-              <a:t>#3</a:t>
-            </a:r>
-            <a:endParaRPr lang="en-US" sz="1200" dirty="0"/>
-          </a:p>
-        </p:txBody>
-      </p:sp>
-      <p:sp>
-        <p:nvSpPr>
-          <p:cNvPr id="14" name="Rectangle 13"/>
+              <a:rPr lang="en-US" sz="1600" dirty="0" smtClean="0"/>
+              <a:t>Multipath RTP </a:t>
+            </a:r>
+            <a:r>
+              <a:rPr lang="en-US" sz="1600" dirty="0" smtClean="0">
+                <a:latin typeface="+mj-lt"/>
+              </a:rPr>
+              <a:t>(MPRTP)</a:t>
+            </a:r>
+            <a:endParaRPr lang="en-US" sz="1400" dirty="0">
+              <a:latin typeface="+mj-lt"/>
+            </a:endParaRPr>
+          </a:p>
+        </p:txBody>
+      </p:sp>
+      <p:sp>
+        <p:nvSpPr>
+          <p:cNvPr id="15" name="Rectangle 14"/>
           <p:cNvSpPr/>
           <p:nvPr/>
         </p:nvSpPr>
         <p:spPr>
           <a:xfrm>
-            <a:off x="3156277" y="2444161"/>
-            <a:ext cx="2697189" cy="491561"/>
+            <a:off x="3156277" y="1708376"/>
+            <a:ext cx="2697189" cy="735785"/>
           </a:xfrm>
           <a:prstGeom prst="rect">
             <a:avLst/>
           </a:prstGeom>
-          <a:solidFill>
-            <a:schemeClr val="bg2"/>
-          </a:solidFill>
         </p:spPr>
         <p:style>
           <a:lnRef idx="2">
@@ -5569,13 +5566,7 @@
             <a:pPr algn="ctr"/>
             <a:r>
               <a:rPr lang="en-US" sz="1600" dirty="0" smtClean="0"/>
-              <a:t>Multipath RTP </a:t>
-            </a:r>
-            <a:r>
-              <a:rPr lang="en-US" sz="1600" dirty="0" smtClean="0">
-                <a:latin typeface="+mj-lt"/>
-              </a:rPr>
-              <a:t>(MPRTP)</a:t>
+              <a:t>SSRC #1</a:t>
             </a:r>
             <a:endParaRPr lang="en-US" sz="1400" dirty="0">
               <a:latin typeface="+mj-lt"/>
@@ -5585,14 +5576,14 @@
       </p:sp>
       <p:sp>
         <p:nvSpPr>
-          <p:cNvPr id="15" name="Rectangle 14"/>
+          <p:cNvPr id="17" name="Rectangle 16"/>
           <p:cNvSpPr/>
           <p:nvPr/>
         </p:nvSpPr>
         <p:spPr>
           <a:xfrm>
-            <a:off x="3156277" y="1708376"/>
-            <a:ext cx="2697189" cy="735785"/>
+            <a:off x="5839810" y="1708375"/>
+            <a:ext cx="996841" cy="1676395"/>
           </a:xfrm>
           <a:prstGeom prst="rect">
             <a:avLst/>
@@ -5619,7 +5610,7 @@
             <a:pPr algn="ctr"/>
             <a:r>
               <a:rPr lang="en-US" sz="1600" dirty="0" smtClean="0"/>
-              <a:t>SSRC #1</a:t>
+              <a:t>SSRC #2</a:t>
             </a:r>
             <a:endParaRPr lang="en-US" sz="1400" dirty="0">
               <a:latin typeface="+mj-lt"/>
@@ -5629,14 +5620,14 @@
       </p:sp>
       <p:sp>
         <p:nvSpPr>
-          <p:cNvPr id="17" name="Rectangle 16"/>
+          <p:cNvPr id="18" name="Rectangle 17"/>
           <p:cNvSpPr/>
           <p:nvPr/>
         </p:nvSpPr>
         <p:spPr>
           <a:xfrm>
-            <a:off x="5839810" y="1708375"/>
-            <a:ext cx="996841" cy="1676395"/>
+            <a:off x="6836651" y="1708376"/>
+            <a:ext cx="921505" cy="1681062"/>
           </a:xfrm>
           <a:prstGeom prst="rect">
             <a:avLst/>
@@ -5663,7 +5654,7 @@
             <a:pPr algn="ctr"/>
             <a:r>
               <a:rPr lang="en-US" sz="1600" dirty="0" smtClean="0"/>
-              <a:t>SSRC #2</a:t>
+              <a:t>SSRC #3</a:t>
             </a:r>
             <a:endParaRPr lang="en-US" sz="1400" dirty="0">
               <a:latin typeface="+mj-lt"/>
@@ -5673,14 +5664,14 @@
       </p:sp>
       <p:sp>
         <p:nvSpPr>
-          <p:cNvPr id="18" name="Rectangle 17"/>
+          <p:cNvPr id="16" name="Rectangle 15"/>
           <p:cNvSpPr/>
           <p:nvPr/>
         </p:nvSpPr>
         <p:spPr>
           <a:xfrm>
-            <a:off x="6836651" y="1708376"/>
-            <a:ext cx="921505" cy="1681062"/>
+            <a:off x="4478973" y="5052177"/>
+            <a:ext cx="3274301" cy="831370"/>
           </a:xfrm>
           <a:prstGeom prst="rect">
             <a:avLst/>
@@ -5706,10 +5697,66 @@
           <a:p>
             <a:pPr algn="ctr"/>
             <a:r>
-              <a:rPr lang="en-US" sz="1600" dirty="0" smtClean="0"/>
-              <a:t>SSRC #3</a:t>
-            </a:r>
-            <a:endParaRPr lang="en-US" sz="1400" dirty="0">
+              <a:rPr lang="en-US" dirty="0" smtClean="0"/>
+              <a:t>Internet Protocol </a:t>
+            </a:r>
+            <a:r>
+              <a:rPr lang="en-US" dirty="0" smtClean="0">
+                <a:latin typeface="+mj-lt"/>
+              </a:rPr>
+              <a:t>(IP)</a:t>
+            </a:r>
+            <a:endParaRPr lang="en-US" sz="1600" dirty="0">
+              <a:latin typeface="+mj-lt"/>
+            </a:endParaRPr>
+          </a:p>
+        </p:txBody>
+      </p:sp>
+      <p:sp>
+        <p:nvSpPr>
+          <p:cNvPr id="19" name="Rectangle 18"/>
+          <p:cNvSpPr/>
+          <p:nvPr/>
+        </p:nvSpPr>
+        <p:spPr>
+          <a:xfrm>
+            <a:off x="4478973" y="4220807"/>
+            <a:ext cx="3274301" cy="831370"/>
+          </a:xfrm>
+          <a:prstGeom prst="rect">
+            <a:avLst/>
+          </a:prstGeom>
+        </p:spPr>
+        <p:style>
+          <a:lnRef idx="2">
+            <a:schemeClr val="dk1"/>
+          </a:lnRef>
+          <a:fillRef idx="1">
+            <a:schemeClr val="lt1"/>
+          </a:fillRef>
+          <a:effectRef idx="0">
+            <a:schemeClr val="dk1"/>
+          </a:effectRef>
+          <a:fontRef idx="minor">
+            <a:schemeClr val="dk1"/>
+          </a:fontRef>
+        </p:style>
+        <p:txBody>
+          <a:bodyPr rtlCol="0" anchor="ctr"/>
+          <a:lstStyle/>
+          <a:p>
+            <a:pPr algn="ctr"/>
+            <a:r>
+              <a:rPr lang="en-US" dirty="0" smtClean="0"/>
+              <a:t>User Datagram Protocol </a:t>
+            </a:r>
+            <a:r>
+              <a:rPr lang="en-US" dirty="0" smtClean="0">
+                <a:latin typeface="+mj-lt"/>
+              </a:rPr>
+              <a:t>(UDP)</a:t>
+            </a:r>
+            <a:endParaRPr lang="en-US" sz="1600" dirty="0">
               <a:latin typeface="+mj-lt"/>
             </a:endParaRPr>
           </a:p>
@@ -6074,7 +6121,7 @@
         <p:spPr>
           <a:xfrm>
             <a:off x="5748929" y="3877894"/>
-            <a:ext cx="860291" cy="342914"/>
+            <a:ext cx="873946" cy="342914"/>
           </a:xfrm>
           <a:prstGeom prst="rect">
             <a:avLst/>

--- a/graphs/source/chap5-src.pptx
+++ b/graphs/source/chap5-src.pptx
@@ -292,7 +292,7 @@
           <a:p>
             <a:fld id="{CE2D3545-AE21-7247-8426-4B1172E482C1}" type="datetimeFigureOut">
               <a:rPr lang="en-US" smtClean="0"/>
-              <a:t>8/24/13</a:t>
+              <a:t>8/25/13</a:t>
             </a:fld>
             <a:endParaRPr lang="en-US"/>
           </a:p>
@@ -462,7 +462,7 @@
           <a:p>
             <a:fld id="{CE2D3545-AE21-7247-8426-4B1172E482C1}" type="datetimeFigureOut">
               <a:rPr lang="en-US" smtClean="0"/>
-              <a:t>8/24/13</a:t>
+              <a:t>8/25/13</a:t>
             </a:fld>
             <a:endParaRPr lang="en-US"/>
           </a:p>
@@ -642,7 +642,7 @@
           <a:p>
             <a:fld id="{CE2D3545-AE21-7247-8426-4B1172E482C1}" type="datetimeFigureOut">
               <a:rPr lang="en-US" smtClean="0"/>
-              <a:t>8/24/13</a:t>
+              <a:t>8/25/13</a:t>
             </a:fld>
             <a:endParaRPr lang="en-US"/>
           </a:p>
@@ -812,7 +812,7 @@
           <a:p>
             <a:fld id="{CE2D3545-AE21-7247-8426-4B1172E482C1}" type="datetimeFigureOut">
               <a:rPr lang="en-US" smtClean="0"/>
-              <a:t>8/24/13</a:t>
+              <a:t>8/25/13</a:t>
             </a:fld>
             <a:endParaRPr lang="en-US"/>
           </a:p>
@@ -1058,7 +1058,7 @@
           <a:p>
             <a:fld id="{CE2D3545-AE21-7247-8426-4B1172E482C1}" type="datetimeFigureOut">
               <a:rPr lang="en-US" smtClean="0"/>
-              <a:t>8/24/13</a:t>
+              <a:t>8/25/13</a:t>
             </a:fld>
             <a:endParaRPr lang="en-US"/>
           </a:p>
@@ -1346,7 +1346,7 @@
           <a:p>
             <a:fld id="{CE2D3545-AE21-7247-8426-4B1172E482C1}" type="datetimeFigureOut">
               <a:rPr lang="en-US" smtClean="0"/>
-              <a:t>8/24/13</a:t>
+              <a:t>8/25/13</a:t>
             </a:fld>
             <a:endParaRPr lang="en-US"/>
           </a:p>
@@ -1768,7 +1768,7 @@
           <a:p>
             <a:fld id="{CE2D3545-AE21-7247-8426-4B1172E482C1}" type="datetimeFigureOut">
               <a:rPr lang="en-US" smtClean="0"/>
-              <a:t>8/24/13</a:t>
+              <a:t>8/25/13</a:t>
             </a:fld>
             <a:endParaRPr lang="en-US"/>
           </a:p>
@@ -1886,7 +1886,7 @@
           <a:p>
             <a:fld id="{CE2D3545-AE21-7247-8426-4B1172E482C1}" type="datetimeFigureOut">
               <a:rPr lang="en-US" smtClean="0"/>
-              <a:t>8/24/13</a:t>
+              <a:t>8/25/13</a:t>
             </a:fld>
             <a:endParaRPr lang="en-US"/>
           </a:p>
@@ -1981,7 +1981,7 @@
           <a:p>
             <a:fld id="{CE2D3545-AE21-7247-8426-4B1172E482C1}" type="datetimeFigureOut">
               <a:rPr lang="en-US" smtClean="0"/>
-              <a:t>8/24/13</a:t>
+              <a:t>8/25/13</a:t>
             </a:fld>
             <a:endParaRPr lang="en-US"/>
           </a:p>
@@ -2258,7 +2258,7 @@
           <a:p>
             <a:fld id="{CE2D3545-AE21-7247-8426-4B1172E482C1}" type="datetimeFigureOut">
               <a:rPr lang="en-US" smtClean="0"/>
-              <a:t>8/24/13</a:t>
+              <a:t>8/25/13</a:t>
             </a:fld>
             <a:endParaRPr lang="en-US"/>
           </a:p>
@@ -2515,7 +2515,7 @@
           <a:p>
             <a:fld id="{CE2D3545-AE21-7247-8426-4B1172E482C1}" type="datetimeFigureOut">
               <a:rPr lang="en-US" smtClean="0"/>
-              <a:t>8/24/13</a:t>
+              <a:t>8/25/13</a:t>
             </a:fld>
             <a:endParaRPr lang="en-US"/>
           </a:p>
@@ -2733,7 +2733,7 @@
           <a:p>
             <a:fld id="{CE2D3545-AE21-7247-8426-4B1172E482C1}" type="datetimeFigureOut">
               <a:rPr lang="en-US" smtClean="0"/>
-              <a:t>8/24/13</a:t>
+              <a:t>8/25/13</a:t>
             </a:fld>
             <a:endParaRPr lang="en-US"/>
           </a:p>
@@ -5800,8 +5800,8 @@
         </p:nvSpPr>
         <p:spPr>
           <a:xfrm>
-            <a:off x="1218327" y="5052177"/>
-            <a:ext cx="5404547" cy="831370"/>
+            <a:off x="358037" y="5052177"/>
+            <a:ext cx="8558942" cy="831370"/>
           </a:xfrm>
           <a:prstGeom prst="rect">
             <a:avLst/>
@@ -5827,14 +5827,10 @@
           <a:p>
             <a:pPr algn="ctr"/>
             <a:r>
-              <a:rPr lang="en-US" dirty="0" smtClean="0"/>
-              <a:t>Internet Protocol </a:t>
-            </a:r>
-            <a:r>
               <a:rPr lang="en-US" dirty="0" smtClean="0">
                 <a:latin typeface="+mj-lt"/>
               </a:rPr>
-              <a:t>(IP)</a:t>
+              <a:t>IP</a:t>
             </a:r>
             <a:endParaRPr lang="en-US" sz="1600" dirty="0">
               <a:latin typeface="+mj-lt"/>
@@ -5850,8 +5846,8 @@
         </p:nvSpPr>
         <p:spPr>
           <a:xfrm>
-            <a:off x="1218327" y="4220807"/>
-            <a:ext cx="5404547" cy="831370"/>
+            <a:off x="358036" y="4220807"/>
+            <a:ext cx="6524288" cy="831370"/>
           </a:xfrm>
           <a:prstGeom prst="rect">
             <a:avLst/>
@@ -5877,14 +5873,10 @@
           <a:p>
             <a:pPr algn="ctr"/>
             <a:r>
-              <a:rPr lang="en-US" dirty="0" smtClean="0"/>
-              <a:t>User Datagram Protocol </a:t>
-            </a:r>
-            <a:r>
               <a:rPr lang="en-US" dirty="0" smtClean="0">
                 <a:latin typeface="+mj-lt"/>
               </a:rPr>
-              <a:t>(UDP)</a:t>
+              <a:t>UDP</a:t>
             </a:r>
             <a:endParaRPr lang="en-US" sz="1600" dirty="0">
               <a:latin typeface="+mj-lt"/>
@@ -5900,7 +5892,7 @@
         </p:nvSpPr>
         <p:spPr>
           <a:xfrm>
-            <a:off x="1218328" y="3389437"/>
+            <a:off x="358038" y="3389437"/>
             <a:ext cx="1936070" cy="831370"/>
           </a:xfrm>
           <a:prstGeom prst="rect">
@@ -5950,7 +5942,7 @@
         </p:nvSpPr>
         <p:spPr>
           <a:xfrm>
-            <a:off x="3154399" y="3389437"/>
+            <a:off x="2294109" y="3389437"/>
             <a:ext cx="3468476" cy="831370"/>
           </a:xfrm>
           <a:prstGeom prst="rect">
@@ -5983,14 +5975,10 @@
           <a:p>
             <a:pPr algn="ctr"/>
             <a:r>
-              <a:rPr lang="en-US" dirty="0" smtClean="0"/>
-              <a:t>Real-time Transport Protocol</a:t>
-            </a:r>
-            <a:r>
               <a:rPr lang="en-US" dirty="0" smtClean="0">
                 <a:latin typeface="+mj-lt"/>
               </a:rPr>
-              <a:t> (RTP)</a:t>
+              <a:t>RTP</a:t>
             </a:r>
             <a:endParaRPr lang="en-US" sz="1600" dirty="0">
               <a:latin typeface="+mj-lt"/>
@@ -6006,7 +5994,7 @@
         </p:nvSpPr>
         <p:spPr>
           <a:xfrm>
-            <a:off x="4028345" y="1708375"/>
+            <a:off x="3168055" y="1708375"/>
             <a:ext cx="873946" cy="1676395"/>
           </a:xfrm>
           <a:prstGeom prst="rect">
@@ -6050,7 +6038,7 @@
         </p:nvSpPr>
         <p:spPr>
           <a:xfrm>
-            <a:off x="3154399" y="1708375"/>
+            <a:off x="2294109" y="1708375"/>
             <a:ext cx="873946" cy="1676395"/>
           </a:xfrm>
           <a:prstGeom prst="rect">
@@ -6088,39 +6076,13 @@
       </p:sp>
       <p:sp>
         <p:nvSpPr>
-          <p:cNvPr id="18" name="TextBox 17"/>
-          <p:cNvSpPr txBox="1"/>
-          <p:nvPr/>
-        </p:nvSpPr>
-        <p:spPr>
-          <a:xfrm>
-            <a:off x="8152276" y="1420074"/>
-            <a:ext cx="184666" cy="369332"/>
-          </a:xfrm>
-          <a:prstGeom prst="rect">
-            <a:avLst/>
-          </a:prstGeom>
-          <a:noFill/>
-        </p:spPr>
-        <p:txBody>
-          <a:bodyPr wrap="none" rtlCol="0">
-            <a:spAutoFit/>
-          </a:bodyPr>
-          <a:lstStyle/>
-          <a:p>
-            <a:endParaRPr lang="en-US" dirty="0"/>
-          </a:p>
-        </p:txBody>
-      </p:sp>
-      <p:sp>
-        <p:nvSpPr>
           <p:cNvPr id="19" name="Rectangle 18"/>
           <p:cNvSpPr/>
           <p:nvPr/>
         </p:nvSpPr>
         <p:spPr>
           <a:xfrm>
-            <a:off x="5748929" y="3877894"/>
+            <a:off x="4888639" y="3877894"/>
             <a:ext cx="873946" cy="342914"/>
           </a:xfrm>
           <a:prstGeom prst="rect">
@@ -6164,7 +6126,7 @@
         </p:nvCxnSpPr>
         <p:spPr>
           <a:xfrm>
-            <a:off x="5748929" y="3384770"/>
+            <a:off x="4888639" y="3384770"/>
             <a:ext cx="0" cy="664581"/>
           </a:xfrm>
           <a:prstGeom prst="line">
@@ -6197,7 +6159,7 @@
         </p:nvSpPr>
         <p:spPr>
           <a:xfrm>
-            <a:off x="4888636" y="1708375"/>
+            <a:off x="4028346" y="1708375"/>
             <a:ext cx="873946" cy="1676395"/>
           </a:xfrm>
           <a:prstGeom prst="rect">
@@ -6241,7 +6203,7 @@
         </p:nvSpPr>
         <p:spPr>
           <a:xfrm>
-            <a:off x="5748928" y="1708375"/>
+            <a:off x="4888638" y="1708375"/>
             <a:ext cx="873946" cy="1676395"/>
           </a:xfrm>
           <a:prstGeom prst="rect">
@@ -6270,6 +6232,222 @@
             <a:r>
               <a:rPr lang="en-US" sz="1600" dirty="0" smtClean="0"/>
               <a:t>SSRC #4</a:t>
+            </a:r>
+            <a:endParaRPr lang="en-US" sz="1400" dirty="0">
+              <a:latin typeface="+mj-lt"/>
+            </a:endParaRPr>
+          </a:p>
+        </p:txBody>
+      </p:sp>
+      <p:sp>
+        <p:nvSpPr>
+          <p:cNvPr id="13" name="Rectangle 12"/>
+          <p:cNvSpPr/>
+          <p:nvPr/>
+        </p:nvSpPr>
+        <p:spPr>
+          <a:xfrm>
+            <a:off x="6882324" y="4220808"/>
+            <a:ext cx="2034654" cy="831370"/>
+          </a:xfrm>
+          <a:prstGeom prst="rect">
+            <a:avLst/>
+          </a:prstGeom>
+        </p:spPr>
+        <p:style>
+          <a:lnRef idx="2">
+            <a:schemeClr val="dk1"/>
+          </a:lnRef>
+          <a:fillRef idx="1">
+            <a:schemeClr val="lt1"/>
+          </a:fillRef>
+          <a:effectRef idx="0">
+            <a:schemeClr val="dk1"/>
+          </a:effectRef>
+          <a:fontRef idx="minor">
+            <a:schemeClr val="dk1"/>
+          </a:fontRef>
+        </p:style>
+        <p:txBody>
+          <a:bodyPr rtlCol="0" anchor="ctr"/>
+          <a:lstStyle/>
+          <a:p>
+            <a:pPr algn="ctr"/>
+            <a:r>
+              <a:rPr lang="en-US" dirty="0" smtClean="0">
+                <a:latin typeface="+mj-lt"/>
+              </a:rPr>
+              <a:t>TCP</a:t>
+            </a:r>
+            <a:endParaRPr lang="en-US" sz="1600" dirty="0">
+              <a:latin typeface="+mj-lt"/>
+            </a:endParaRPr>
+          </a:p>
+        </p:txBody>
+      </p:sp>
+      <p:sp>
+        <p:nvSpPr>
+          <p:cNvPr id="14" name="Rectangle 13"/>
+          <p:cNvSpPr/>
+          <p:nvPr/>
+        </p:nvSpPr>
+        <p:spPr>
+          <a:xfrm>
+            <a:off x="6540939" y="3389438"/>
+            <a:ext cx="2376039" cy="826702"/>
+          </a:xfrm>
+          <a:prstGeom prst="rect">
+            <a:avLst/>
+          </a:prstGeom>
+        </p:spPr>
+        <p:style>
+          <a:lnRef idx="2">
+            <a:schemeClr val="dk1"/>
+          </a:lnRef>
+          <a:fillRef idx="1">
+            <a:schemeClr val="lt1"/>
+          </a:fillRef>
+          <a:effectRef idx="0">
+            <a:schemeClr val="dk1"/>
+          </a:effectRef>
+          <a:fontRef idx="minor">
+            <a:schemeClr val="dk1"/>
+          </a:fontRef>
+        </p:style>
+        <p:txBody>
+          <a:bodyPr rtlCol="0" anchor="ctr"/>
+          <a:lstStyle/>
+          <a:p>
+            <a:pPr algn="ctr"/>
+            <a:r>
+              <a:rPr lang="en-US" sz="1600" dirty="0" smtClean="0"/>
+              <a:t>Signaling Protocol</a:t>
+            </a:r>
+            <a:endParaRPr lang="en-US" sz="1600" dirty="0">
+              <a:latin typeface="+mj-lt"/>
+            </a:endParaRPr>
+          </a:p>
+        </p:txBody>
+      </p:sp>
+      <p:sp>
+        <p:nvSpPr>
+          <p:cNvPr id="17" name="Rectangle 16"/>
+          <p:cNvSpPr/>
+          <p:nvPr/>
+        </p:nvSpPr>
+        <p:spPr>
+          <a:xfrm>
+            <a:off x="5762584" y="3384770"/>
+            <a:ext cx="778355" cy="831370"/>
+          </a:xfrm>
+          <a:prstGeom prst="rect">
+            <a:avLst/>
+          </a:prstGeom>
+        </p:spPr>
+        <p:style>
+          <a:lnRef idx="2">
+            <a:schemeClr val="dk1"/>
+          </a:lnRef>
+          <a:fillRef idx="1">
+            <a:schemeClr val="lt1"/>
+          </a:fillRef>
+          <a:effectRef idx="0">
+            <a:schemeClr val="dk1"/>
+          </a:effectRef>
+          <a:fontRef idx="minor">
+            <a:schemeClr val="dk1"/>
+          </a:fontRef>
+        </p:style>
+        <p:txBody>
+          <a:bodyPr rtlCol="0" anchor="ctr"/>
+          <a:lstStyle/>
+          <a:p>
+            <a:pPr algn="ctr"/>
+            <a:r>
+              <a:rPr lang="en-US" sz="1600" dirty="0" smtClean="0">
+                <a:latin typeface="+mj-lt"/>
+              </a:rPr>
+              <a:t>DTLS</a:t>
+            </a:r>
+            <a:endParaRPr lang="en-US" sz="1600" dirty="0">
+              <a:latin typeface="+mj-lt"/>
+            </a:endParaRPr>
+          </a:p>
+        </p:txBody>
+      </p:sp>
+      <p:sp>
+        <p:nvSpPr>
+          <p:cNvPr id="6" name="TextBox 5"/>
+          <p:cNvSpPr txBox="1"/>
+          <p:nvPr/>
+        </p:nvSpPr>
+        <p:spPr>
+          <a:xfrm>
+            <a:off x="5984514" y="5883547"/>
+            <a:ext cx="2954655" cy="307777"/>
+          </a:xfrm>
+          <a:prstGeom prst="rect">
+            <a:avLst/>
+          </a:prstGeom>
+          <a:noFill/>
+        </p:spPr>
+        <p:txBody>
+          <a:bodyPr wrap="none" rtlCol="0">
+            <a:spAutoFit/>
+          </a:bodyPr>
+          <a:lstStyle/>
+          <a:p>
+            <a:r>
+              <a:rPr lang="en-US" sz="1400" dirty="0" smtClean="0">
+                <a:latin typeface="+mj-lt"/>
+              </a:rPr>
+              <a:t>Note:</a:t>
+            </a:r>
+            <a:r>
+              <a:rPr lang="en-US" sz="1400" dirty="0" smtClean="0"/>
+              <a:t> *RTP can be sent over TCP</a:t>
+            </a:r>
+            <a:endParaRPr lang="en-US" sz="1400" dirty="0"/>
+          </a:p>
+        </p:txBody>
+      </p:sp>
+      <p:sp>
+        <p:nvSpPr>
+          <p:cNvPr id="20" name="Rectangle 19"/>
+          <p:cNvSpPr/>
+          <p:nvPr/>
+        </p:nvSpPr>
+        <p:spPr>
+          <a:xfrm>
+            <a:off x="5762580" y="1708375"/>
+            <a:ext cx="778359" cy="1676395"/>
+          </a:xfrm>
+          <a:prstGeom prst="rect">
+            <a:avLst/>
+          </a:prstGeom>
+        </p:spPr>
+        <p:style>
+          <a:lnRef idx="2">
+            <a:schemeClr val="dk1"/>
+          </a:lnRef>
+          <a:fillRef idx="1">
+            <a:schemeClr val="lt1"/>
+          </a:fillRef>
+          <a:effectRef idx="0">
+            <a:schemeClr val="dk1"/>
+          </a:effectRef>
+          <a:fontRef idx="minor">
+            <a:schemeClr val="dk1"/>
+          </a:fontRef>
+        </p:style>
+        <p:txBody>
+          <a:bodyPr vert="vert270" rtlCol="0" anchor="ctr"/>
+          <a:lstStyle/>
+          <a:p>
+            <a:pPr algn="ctr"/>
+            <a:r>
+              <a:rPr lang="en-US" sz="1600" dirty="0" smtClean="0"/>
+              <a:t>Secure RTP Keying</a:t>
             </a:r>
             <a:endParaRPr lang="en-US" sz="1400" dirty="0">
               <a:latin typeface="+mj-lt"/>

--- a/graphs/source/chap5-src.pptx
+++ b/graphs/source/chap5-src.pptx
@@ -5825,15 +5825,38 @@
           <a:bodyPr rtlCol="0" anchor="ctr"/>
           <a:lstStyle/>
           <a:p>
-            <a:pPr algn="ctr"/>
+            <a:pPr lvl="0" algn="ctr"/>
+            <a:r>
+              <a:rPr lang="en-US" dirty="0">
+                <a:solidFill>
+                  <a:prstClr val="black"/>
+                </a:solidFill>
+              </a:rPr>
+              <a:t>Internet Protocol </a:t>
+            </a:r>
+            <a:r>
+              <a:rPr lang="en-US" dirty="0">
+                <a:solidFill>
+                  <a:prstClr val="black"/>
+                </a:solidFill>
+                <a:latin typeface="Nexa Bold"/>
+              </a:rPr>
+              <a:t>(IP</a:t>
+            </a:r>
             <a:r>
               <a:rPr lang="en-US" dirty="0" smtClean="0">
-                <a:latin typeface="+mj-lt"/>
+                <a:solidFill>
+                  <a:prstClr val="black"/>
+                </a:solidFill>
+                <a:latin typeface="Nexa Bold"/>
               </a:rPr>
-              <a:t>IP</a:t>
+              <a:t>)</a:t>
             </a:r>
             <a:endParaRPr lang="en-US" sz="1600" dirty="0">
-              <a:latin typeface="+mj-lt"/>
+              <a:solidFill>
+                <a:prstClr val="black"/>
+              </a:solidFill>
+              <a:latin typeface="Nexa Bold"/>
             </a:endParaRPr>
           </a:p>
         </p:txBody>
@@ -5871,15 +5894,29 @@
           <a:bodyPr rtlCol="0" anchor="ctr"/>
           <a:lstStyle/>
           <a:p>
-            <a:pPr algn="ctr"/>
-            <a:r>
-              <a:rPr lang="en-US" dirty="0" smtClean="0">
-                <a:latin typeface="+mj-lt"/>
+            <a:pPr lvl="0" algn="ctr"/>
+            <a:r>
+              <a:rPr lang="en-US" dirty="0">
+                <a:solidFill>
+                  <a:prstClr val="black"/>
+                </a:solidFill>
               </a:rPr>
-              <a:t>UDP</a:t>
+              <a:t>User Datagram Protocol </a:t>
+            </a:r>
+            <a:r>
+              <a:rPr lang="en-US" dirty="0">
+                <a:solidFill>
+                  <a:prstClr val="black"/>
+                </a:solidFill>
+                <a:latin typeface="Nexa Bold"/>
+              </a:rPr>
+              <a:t>(UDP)</a:t>
             </a:r>
             <a:endParaRPr lang="en-US" sz="1600" dirty="0">
-              <a:latin typeface="+mj-lt"/>
+              <a:solidFill>
+                <a:prstClr val="black"/>
+              </a:solidFill>
+              <a:latin typeface="Nexa Bold"/>
             </a:endParaRPr>
           </a:p>
         </p:txBody>
@@ -5978,8 +6015,11 @@
               <a:rPr lang="en-US" dirty="0" smtClean="0">
                 <a:latin typeface="+mj-lt"/>
               </a:rPr>
-              <a:t>RTP</a:t>
-            </a:r>
+              <a:t>                     RTP</a:t>
+            </a:r>
+          </a:p>
+          <a:p>
+            <a:pPr algn="ctr"/>
             <a:endParaRPr lang="en-US" sz="1600" dirty="0">
               <a:latin typeface="+mj-lt"/>
             </a:endParaRPr>
@@ -6082,8 +6122,8 @@
         </p:nvSpPr>
         <p:spPr>
           <a:xfrm>
-            <a:off x="4888639" y="3877894"/>
-            <a:ext cx="873946" cy="342914"/>
+            <a:off x="2294108" y="3877894"/>
+            <a:ext cx="1747893" cy="342914"/>
           </a:xfrm>
           <a:prstGeom prst="rect">
             <a:avLst/>
@@ -6109,25 +6149,27 @@
           <a:p>
             <a:pPr algn="ctr"/>
             <a:r>
-              <a:rPr lang="en-US" sz="1600" dirty="0" smtClean="0"/>
+              <a:rPr lang="en-US" sz="1600" dirty="0" smtClean="0">
+                <a:latin typeface="+mj-lt"/>
+              </a:rPr>
               <a:t>TURN</a:t>
             </a:r>
-            <a:endParaRPr lang="en-US" sz="1400" dirty="0"/>
+            <a:endParaRPr lang="en-US" sz="1400" dirty="0">
+              <a:latin typeface="+mj-lt"/>
+            </a:endParaRPr>
           </a:p>
         </p:txBody>
       </p:sp>
       <p:cxnSp>
         <p:nvCxnSpPr>
           <p:cNvPr id="21" name="Straight Connector 20"/>
-          <p:cNvCxnSpPr>
-            <a:endCxn id="19" idx="1"/>
-          </p:cNvCxnSpPr>
+          <p:cNvCxnSpPr/>
           <p:nvPr/>
         </p:nvCxnSpPr>
         <p:spPr>
-          <a:xfrm>
-            <a:off x="4888639" y="3384770"/>
-            <a:ext cx="0" cy="664581"/>
+          <a:xfrm flipH="1">
+            <a:off x="2294108" y="3384770"/>
+            <a:ext cx="2" cy="664581"/>
           </a:xfrm>
           <a:prstGeom prst="line">
             <a:avLst/>
@@ -6274,10 +6316,14 @@
           <a:p>
             <a:pPr algn="ctr"/>
             <a:r>
+              <a:rPr lang="en-US" dirty="0" smtClean="0"/>
+              <a:t>Transmission Control Protocol </a:t>
+            </a:r>
+            <a:r>
               <a:rPr lang="en-US" dirty="0" smtClean="0">
                 <a:latin typeface="+mj-lt"/>
               </a:rPr>
-              <a:t>TCP</a:t>
+              <a:t>(TCP)</a:t>
             </a:r>
             <a:endParaRPr lang="en-US" sz="1600" dirty="0">
               <a:latin typeface="+mj-lt"/>
@@ -6320,12 +6366,21 @@
           <a:p>
             <a:pPr algn="ctr"/>
             <a:r>
-              <a:rPr lang="en-US" sz="1600" dirty="0" smtClean="0"/>
-              <a:t>Signaling Protocol</a:t>
-            </a:r>
-            <a:endParaRPr lang="en-US" sz="1600" dirty="0">
-              <a:latin typeface="+mj-lt"/>
-            </a:endParaRPr>
+              <a:rPr lang="en-US" sz="1600" i="1" dirty="0" smtClean="0"/>
+              <a:t>Signaling </a:t>
+            </a:r>
+            <a:r>
+              <a:rPr lang="en-US" sz="1600" i="1" dirty="0" smtClean="0"/>
+              <a:t>Protocol</a:t>
+            </a:r>
+          </a:p>
+          <a:p>
+            <a:pPr algn="ctr"/>
+            <a:r>
+              <a:rPr lang="en-US" sz="1200" i="1" dirty="0" smtClean="0"/>
+              <a:t>(e.g., SIP, Jingle, …)</a:t>
+            </a:r>
+            <a:endParaRPr lang="en-US" sz="1200" i="1" dirty="0"/>
           </a:p>
         </p:txBody>
       </p:sp>
@@ -6383,8 +6438,8 @@
         </p:nvSpPr>
         <p:spPr>
           <a:xfrm>
-            <a:off x="5984514" y="5883547"/>
-            <a:ext cx="2954655" cy="307777"/>
+            <a:off x="5762585" y="6211669"/>
+            <a:ext cx="3154390" cy="646331"/>
           </a:xfrm>
           <a:prstGeom prst="rect">
             <a:avLst/>
@@ -6392,22 +6447,38 @@
           <a:noFill/>
         </p:spPr>
         <p:txBody>
-          <a:bodyPr wrap="none" rtlCol="0">
+          <a:bodyPr wrap="square" rtlCol="0">
             <a:spAutoFit/>
           </a:bodyPr>
           <a:lstStyle/>
           <a:p>
-            <a:r>
-              <a:rPr lang="en-US" sz="1400" dirty="0" smtClean="0">
+            <a:pPr algn="just"/>
+            <a:r>
+              <a:rPr lang="en-US" sz="1200" dirty="0" smtClean="0">
                 <a:latin typeface="+mj-lt"/>
               </a:rPr>
               <a:t>Note:</a:t>
             </a:r>
             <a:r>
-              <a:rPr lang="en-US" sz="1400" dirty="0" smtClean="0"/>
-              <a:t> *RTP can be sent over TCP</a:t>
-            </a:r>
-            <a:endParaRPr lang="en-US" sz="1400" dirty="0"/>
+              <a:rPr lang="en-US" sz="1200" dirty="0" smtClean="0"/>
+              <a:t> *RTP can be sent over UDP or TCP.</a:t>
+            </a:r>
+          </a:p>
+          <a:p>
+            <a:pPr algn="just"/>
+            <a:r>
+              <a:rPr lang="en-US" sz="1200" dirty="0" smtClean="0"/>
+              <a:t>Similarly, signaling </a:t>
+            </a:r>
+            <a:r>
+              <a:rPr lang="en-US" sz="1200" dirty="0"/>
+              <a:t>p</a:t>
+            </a:r>
+            <a:r>
+              <a:rPr lang="en-US" sz="1200" dirty="0" smtClean="0"/>
+              <a:t>rotocols can be designed to transmit over UDP or TCP.</a:t>
+            </a:r>
+            <a:endParaRPr lang="en-US" sz="1200" dirty="0"/>
           </a:p>
         </p:txBody>
       </p:sp>
@@ -6420,7 +6491,7 @@
         <p:spPr>
           <a:xfrm>
             <a:off x="5762580" y="1708375"/>
-            <a:ext cx="778359" cy="1676395"/>
+            <a:ext cx="1570372" cy="1676395"/>
           </a:xfrm>
           <a:prstGeom prst="rect">
             <a:avLst/>
@@ -6441,13 +6512,23 @@
           </a:fontRef>
         </p:style>
         <p:txBody>
-          <a:bodyPr vert="vert270" rtlCol="0" anchor="ctr"/>
+          <a:bodyPr vert="horz" rtlCol="0" anchor="ctr"/>
           <a:lstStyle/>
           <a:p>
             <a:pPr algn="ctr"/>
             <a:r>
               <a:rPr lang="en-US" sz="1600" dirty="0" smtClean="0"/>
-              <a:t>Secure RTP Keying</a:t>
+              <a:t>Secure RTP </a:t>
+            </a:r>
+            <a:r>
+              <a:rPr lang="en-US" sz="1600" dirty="0" smtClean="0">
+                <a:latin typeface="+mj-lt"/>
+              </a:rPr>
+              <a:t>(SRTP)</a:t>
+            </a:r>
+            <a:r>
+              <a:rPr lang="en-US" sz="1600" dirty="0" smtClean="0"/>
+              <a:t> Keying</a:t>
             </a:r>
             <a:endParaRPr lang="en-US" sz="1400" dirty="0">
               <a:latin typeface="+mj-lt"/>
@@ -6455,6 +6536,72 @@
           </a:p>
         </p:txBody>
       </p:sp>
+      <p:cxnSp>
+        <p:nvCxnSpPr>
+          <p:cNvPr id="11" name="Straight Connector 10"/>
+          <p:cNvCxnSpPr/>
+          <p:nvPr/>
+        </p:nvCxnSpPr>
+        <p:spPr>
+          <a:xfrm>
+            <a:off x="4028346" y="3389438"/>
+            <a:ext cx="0" cy="493124"/>
+          </a:xfrm>
+          <a:prstGeom prst="line">
+            <a:avLst/>
+          </a:prstGeom>
+          <a:ln>
+            <a:prstDash val="dash"/>
+          </a:ln>
+        </p:spPr>
+        <p:style>
+          <a:lnRef idx="1">
+            <a:schemeClr val="dk1"/>
+          </a:lnRef>
+          <a:fillRef idx="0">
+            <a:schemeClr val="dk1"/>
+          </a:fillRef>
+          <a:effectRef idx="0">
+            <a:schemeClr val="dk1"/>
+          </a:effectRef>
+          <a:fontRef idx="minor">
+            <a:schemeClr val="tx1"/>
+          </a:fontRef>
+        </p:style>
+      </p:cxnSp>
+      <p:cxnSp>
+        <p:nvCxnSpPr>
+          <p:cNvPr id="22" name="Straight Connector 21"/>
+          <p:cNvCxnSpPr/>
+          <p:nvPr/>
+        </p:nvCxnSpPr>
+        <p:spPr>
+          <a:xfrm>
+            <a:off x="3168055" y="3384770"/>
+            <a:ext cx="0" cy="493124"/>
+          </a:xfrm>
+          <a:prstGeom prst="line">
+            <a:avLst/>
+          </a:prstGeom>
+          <a:ln>
+            <a:prstDash val="dash"/>
+          </a:ln>
+        </p:spPr>
+        <p:style>
+          <a:lnRef idx="1">
+            <a:schemeClr val="dk1"/>
+          </a:lnRef>
+          <a:fillRef idx="0">
+            <a:schemeClr val="dk1"/>
+          </a:fillRef>
+          <a:effectRef idx="0">
+            <a:schemeClr val="dk1"/>
+          </a:effectRef>
+          <a:fontRef idx="minor">
+            <a:schemeClr val="tx1"/>
+          </a:fontRef>
+        </p:style>
+      </p:cxnSp>
     </p:spTree>
     <p:extLst>
       <p:ext uri="{BB962C8B-B14F-4D97-AF65-F5344CB8AC3E}">

--- a/graphs/source/chap5-src.pptx
+++ b/graphs/source/chap5-src.pptx
@@ -4,12 +4,17 @@
   <p:sldMasterIdLst>
     <p:sldMasterId id="2147483660" r:id="rId1"/>
   </p:sldMasterIdLst>
+  <p:notesMasterIdLst>
+    <p:notesMasterId r:id="rId9"/>
+  </p:notesMasterIdLst>
   <p:sldIdLst>
     <p:sldId id="256" r:id="rId2"/>
     <p:sldId id="257" r:id="rId3"/>
     <p:sldId id="258" r:id="rId4"/>
     <p:sldId id="259" r:id="rId5"/>
     <p:sldId id="260" r:id="rId6"/>
+    <p:sldId id="262" r:id="rId7"/>
+    <p:sldId id="261" r:id="rId8"/>
   </p:sldIdLst>
   <p:sldSz cx="9144000" cy="6858000" type="screen4x3"/>
   <p:notesSz cx="6858000" cy="9144000"/>
@@ -111,6 +116,440 @@
 </p:presentation>
 </file>
 
+<file path=ppt/notesMasters/notesMaster1.xml><?xml version="1.0" encoding="utf-8"?>
+<p:notesMaster xmlns:a="http://schemas.openxmlformats.org/drawingml/2006/main" xmlns:r="http://schemas.openxmlformats.org/officeDocument/2006/relationships" xmlns:p="http://schemas.openxmlformats.org/presentationml/2006/main">
+  <p:cSld>
+    <p:bg>
+      <p:bgRef idx="1001">
+        <a:schemeClr val="bg1"/>
+      </p:bgRef>
+    </p:bg>
+    <p:spTree>
+      <p:nvGrpSpPr>
+        <p:cNvPr id="1" name=""/>
+        <p:cNvGrpSpPr/>
+        <p:nvPr/>
+      </p:nvGrpSpPr>
+      <p:grpSpPr>
+        <a:xfrm>
+          <a:off x="0" y="0"/>
+          <a:ext cx="0" cy="0"/>
+          <a:chOff x="0" y="0"/>
+          <a:chExt cx="0" cy="0"/>
+        </a:xfrm>
+      </p:grpSpPr>
+      <p:sp>
+        <p:nvSpPr>
+          <p:cNvPr id="2" name="Header Placeholder 1"/>
+          <p:cNvSpPr>
+            <a:spLocks noGrp="1"/>
+          </p:cNvSpPr>
+          <p:nvPr>
+            <p:ph type="hdr" sz="quarter"/>
+          </p:nvPr>
+        </p:nvSpPr>
+        <p:spPr>
+          <a:xfrm>
+            <a:off x="0" y="0"/>
+            <a:ext cx="2971800" cy="457200"/>
+          </a:xfrm>
+          <a:prstGeom prst="rect">
+            <a:avLst/>
+          </a:prstGeom>
+        </p:spPr>
+        <p:txBody>
+          <a:bodyPr vert="horz" lIns="91440" tIns="45720" rIns="91440" bIns="45720" rtlCol="0"/>
+          <a:lstStyle>
+            <a:lvl1pPr algn="l">
+              <a:defRPr sz="1200"/>
+            </a:lvl1pPr>
+          </a:lstStyle>
+          <a:p>
+            <a:endParaRPr lang="en-US"/>
+          </a:p>
+        </p:txBody>
+      </p:sp>
+      <p:sp>
+        <p:nvSpPr>
+          <p:cNvPr id="3" name="Date Placeholder 2"/>
+          <p:cNvSpPr>
+            <a:spLocks noGrp="1"/>
+          </p:cNvSpPr>
+          <p:nvPr>
+            <p:ph type="dt" idx="1"/>
+          </p:nvPr>
+        </p:nvSpPr>
+        <p:spPr>
+          <a:xfrm>
+            <a:off x="3884613" y="0"/>
+            <a:ext cx="2971800" cy="457200"/>
+          </a:xfrm>
+          <a:prstGeom prst="rect">
+            <a:avLst/>
+          </a:prstGeom>
+        </p:spPr>
+        <p:txBody>
+          <a:bodyPr vert="horz" lIns="91440" tIns="45720" rIns="91440" bIns="45720" rtlCol="0"/>
+          <a:lstStyle>
+            <a:lvl1pPr algn="r">
+              <a:defRPr sz="1200"/>
+            </a:lvl1pPr>
+          </a:lstStyle>
+          <a:p>
+            <a:fld id="{7BA68311-98B2-8147-8E3D-5F9C91F16701}" type="datetimeFigureOut">
+              <a:rPr lang="en-US" smtClean="0"/>
+              <a:t>8/28/13</a:t>
+            </a:fld>
+            <a:endParaRPr lang="en-US"/>
+          </a:p>
+        </p:txBody>
+      </p:sp>
+      <p:sp>
+        <p:nvSpPr>
+          <p:cNvPr id="4" name="Slide Image Placeholder 3"/>
+          <p:cNvSpPr>
+            <a:spLocks noGrp="1" noRot="1" noChangeAspect="1"/>
+          </p:cNvSpPr>
+          <p:nvPr>
+            <p:ph type="sldImg" idx="2"/>
+          </p:nvPr>
+        </p:nvSpPr>
+        <p:spPr>
+          <a:xfrm>
+            <a:off x="1143000" y="685800"/>
+            <a:ext cx="4572000" cy="3429000"/>
+          </a:xfrm>
+          <a:prstGeom prst="rect">
+            <a:avLst/>
+          </a:prstGeom>
+          <a:noFill/>
+          <a:ln w="12700">
+            <a:solidFill>
+              <a:prstClr val="black"/>
+            </a:solidFill>
+          </a:ln>
+        </p:spPr>
+        <p:txBody>
+          <a:bodyPr vert="horz" lIns="91440" tIns="45720" rIns="91440" bIns="45720" rtlCol="0" anchor="ctr"/>
+          <a:lstStyle/>
+          <a:p>
+            <a:endParaRPr lang="en-US"/>
+          </a:p>
+        </p:txBody>
+      </p:sp>
+      <p:sp>
+        <p:nvSpPr>
+          <p:cNvPr id="5" name="Notes Placeholder 4"/>
+          <p:cNvSpPr>
+            <a:spLocks noGrp="1"/>
+          </p:cNvSpPr>
+          <p:nvPr>
+            <p:ph type="body" sz="quarter" idx="3"/>
+          </p:nvPr>
+        </p:nvSpPr>
+        <p:spPr>
+          <a:xfrm>
+            <a:off x="685800" y="4343400"/>
+            <a:ext cx="5486400" cy="4114800"/>
+          </a:xfrm>
+          <a:prstGeom prst="rect">
+            <a:avLst/>
+          </a:prstGeom>
+        </p:spPr>
+        <p:txBody>
+          <a:bodyPr vert="horz" lIns="91440" tIns="45720" rIns="91440" bIns="45720" rtlCol="0"/>
+          <a:lstStyle/>
+          <a:p>
+            <a:pPr lvl="0"/>
+            <a:r>
+              <a:rPr lang="en-US" smtClean="0"/>
+              <a:t>Click to edit Master text styles</a:t>
+            </a:r>
+          </a:p>
+          <a:p>
+            <a:pPr lvl="1"/>
+            <a:r>
+              <a:rPr lang="en-US" smtClean="0"/>
+              <a:t>Second level</a:t>
+            </a:r>
+          </a:p>
+          <a:p>
+            <a:pPr lvl="2"/>
+            <a:r>
+              <a:rPr lang="en-US" smtClean="0"/>
+              <a:t>Third level</a:t>
+            </a:r>
+          </a:p>
+          <a:p>
+            <a:pPr lvl="3"/>
+            <a:r>
+              <a:rPr lang="en-US" smtClean="0"/>
+              <a:t>Fourth level</a:t>
+            </a:r>
+          </a:p>
+          <a:p>
+            <a:pPr lvl="4"/>
+            <a:r>
+              <a:rPr lang="en-US" smtClean="0"/>
+              <a:t>Fifth level</a:t>
+            </a:r>
+            <a:endParaRPr lang="en-US"/>
+          </a:p>
+        </p:txBody>
+      </p:sp>
+      <p:sp>
+        <p:nvSpPr>
+          <p:cNvPr id="6" name="Footer Placeholder 5"/>
+          <p:cNvSpPr>
+            <a:spLocks noGrp="1"/>
+          </p:cNvSpPr>
+          <p:nvPr>
+            <p:ph type="ftr" sz="quarter" idx="4"/>
+          </p:nvPr>
+        </p:nvSpPr>
+        <p:spPr>
+          <a:xfrm>
+            <a:off x="0" y="8685213"/>
+            <a:ext cx="2971800" cy="457200"/>
+          </a:xfrm>
+          <a:prstGeom prst="rect">
+            <a:avLst/>
+          </a:prstGeom>
+        </p:spPr>
+        <p:txBody>
+          <a:bodyPr vert="horz" lIns="91440" tIns="45720" rIns="91440" bIns="45720" rtlCol="0" anchor="b"/>
+          <a:lstStyle>
+            <a:lvl1pPr algn="l">
+              <a:defRPr sz="1200"/>
+            </a:lvl1pPr>
+          </a:lstStyle>
+          <a:p>
+            <a:endParaRPr lang="en-US"/>
+          </a:p>
+        </p:txBody>
+      </p:sp>
+      <p:sp>
+        <p:nvSpPr>
+          <p:cNvPr id="7" name="Slide Number Placeholder 6"/>
+          <p:cNvSpPr>
+            <a:spLocks noGrp="1"/>
+          </p:cNvSpPr>
+          <p:nvPr>
+            <p:ph type="sldNum" sz="quarter" idx="5"/>
+          </p:nvPr>
+        </p:nvSpPr>
+        <p:spPr>
+          <a:xfrm>
+            <a:off x="3884613" y="8685213"/>
+            <a:ext cx="2971800" cy="457200"/>
+          </a:xfrm>
+          <a:prstGeom prst="rect">
+            <a:avLst/>
+          </a:prstGeom>
+        </p:spPr>
+        <p:txBody>
+          <a:bodyPr vert="horz" lIns="91440" tIns="45720" rIns="91440" bIns="45720" rtlCol="0" anchor="b"/>
+          <a:lstStyle>
+            <a:lvl1pPr algn="r">
+              <a:defRPr sz="1200"/>
+            </a:lvl1pPr>
+          </a:lstStyle>
+          <a:p>
+            <a:fld id="{8AED5117-C3DB-DC46-B433-F1C323FD7F80}" type="slidenum">
+              <a:rPr lang="en-US" smtClean="0"/>
+              <a:t>‹#›</a:t>
+            </a:fld>
+            <a:endParaRPr lang="en-US"/>
+          </a:p>
+        </p:txBody>
+      </p:sp>
+    </p:spTree>
+    <p:extLst>
+      <p:ext uri="{BB962C8B-B14F-4D97-AF65-F5344CB8AC3E}">
+        <p14:creationId xmlns:p14="http://schemas.microsoft.com/office/powerpoint/2010/main" val="3287986016"/>
+      </p:ext>
+    </p:extLst>
+  </p:cSld>
+  <p:clrMap bg1="lt1" tx1="dk1" bg2="lt2" tx2="dk2" accent1="accent1" accent2="accent2" accent3="accent3" accent4="accent4" accent5="accent5" accent6="accent6" hlink="hlink" folHlink="folHlink"/>
+  <p:notesStyle>
+    <a:lvl1pPr marL="0" algn="l" defTabSz="457200" rtl="0" eaLnBrk="1" latinLnBrk="0" hangingPunct="1">
+      <a:defRPr sz="1200" kern="1200">
+        <a:solidFill>
+          <a:schemeClr val="tx1"/>
+        </a:solidFill>
+        <a:latin typeface="+mn-lt"/>
+        <a:ea typeface="+mn-ea"/>
+        <a:cs typeface="+mn-cs"/>
+      </a:defRPr>
+    </a:lvl1pPr>
+    <a:lvl2pPr marL="457200" algn="l" defTabSz="457200" rtl="0" eaLnBrk="1" latinLnBrk="0" hangingPunct="1">
+      <a:defRPr sz="1200" kern="1200">
+        <a:solidFill>
+          <a:schemeClr val="tx1"/>
+        </a:solidFill>
+        <a:latin typeface="+mn-lt"/>
+        <a:ea typeface="+mn-ea"/>
+        <a:cs typeface="+mn-cs"/>
+      </a:defRPr>
+    </a:lvl2pPr>
+    <a:lvl3pPr marL="914400" algn="l" defTabSz="457200" rtl="0" eaLnBrk="1" latinLnBrk="0" hangingPunct="1">
+      <a:defRPr sz="1200" kern="1200">
+        <a:solidFill>
+          <a:schemeClr val="tx1"/>
+        </a:solidFill>
+        <a:latin typeface="+mn-lt"/>
+        <a:ea typeface="+mn-ea"/>
+        <a:cs typeface="+mn-cs"/>
+      </a:defRPr>
+    </a:lvl3pPr>
+    <a:lvl4pPr marL="1371600" algn="l" defTabSz="457200" rtl="0" eaLnBrk="1" latinLnBrk="0" hangingPunct="1">
+      <a:defRPr sz="1200" kern="1200">
+        <a:solidFill>
+          <a:schemeClr val="tx1"/>
+        </a:solidFill>
+        <a:latin typeface="+mn-lt"/>
+        <a:ea typeface="+mn-ea"/>
+        <a:cs typeface="+mn-cs"/>
+      </a:defRPr>
+    </a:lvl4pPr>
+    <a:lvl5pPr marL="1828800" algn="l" defTabSz="457200" rtl="0" eaLnBrk="1" latinLnBrk="0" hangingPunct="1">
+      <a:defRPr sz="1200" kern="1200">
+        <a:solidFill>
+          <a:schemeClr val="tx1"/>
+        </a:solidFill>
+        <a:latin typeface="+mn-lt"/>
+        <a:ea typeface="+mn-ea"/>
+        <a:cs typeface="+mn-cs"/>
+      </a:defRPr>
+    </a:lvl5pPr>
+    <a:lvl6pPr marL="2286000" algn="l" defTabSz="457200" rtl="0" eaLnBrk="1" latinLnBrk="0" hangingPunct="1">
+      <a:defRPr sz="1200" kern="1200">
+        <a:solidFill>
+          <a:schemeClr val="tx1"/>
+        </a:solidFill>
+        <a:latin typeface="+mn-lt"/>
+        <a:ea typeface="+mn-ea"/>
+        <a:cs typeface="+mn-cs"/>
+      </a:defRPr>
+    </a:lvl6pPr>
+    <a:lvl7pPr marL="2743200" algn="l" defTabSz="457200" rtl="0" eaLnBrk="1" latinLnBrk="0" hangingPunct="1">
+      <a:defRPr sz="1200" kern="1200">
+        <a:solidFill>
+          <a:schemeClr val="tx1"/>
+        </a:solidFill>
+        <a:latin typeface="+mn-lt"/>
+        <a:ea typeface="+mn-ea"/>
+        <a:cs typeface="+mn-cs"/>
+      </a:defRPr>
+    </a:lvl7pPr>
+    <a:lvl8pPr marL="3200400" algn="l" defTabSz="457200" rtl="0" eaLnBrk="1" latinLnBrk="0" hangingPunct="1">
+      <a:defRPr sz="1200" kern="1200">
+        <a:solidFill>
+          <a:schemeClr val="tx1"/>
+        </a:solidFill>
+        <a:latin typeface="+mn-lt"/>
+        <a:ea typeface="+mn-ea"/>
+        <a:cs typeface="+mn-cs"/>
+      </a:defRPr>
+    </a:lvl8pPr>
+    <a:lvl9pPr marL="3657600" algn="l" defTabSz="457200" rtl="0" eaLnBrk="1" latinLnBrk="0" hangingPunct="1">
+      <a:defRPr sz="1200" kern="1200">
+        <a:solidFill>
+          <a:schemeClr val="tx1"/>
+        </a:solidFill>
+        <a:latin typeface="+mn-lt"/>
+        <a:ea typeface="+mn-ea"/>
+        <a:cs typeface="+mn-cs"/>
+      </a:defRPr>
+    </a:lvl9pPr>
+  </p:notesStyle>
+</p:notesMaster>
+</file>
+
+<file path=ppt/notesSlides/notesSlide1.xml><?xml version="1.0" encoding="utf-8"?>
+<p:notes xmlns:a="http://schemas.openxmlformats.org/drawingml/2006/main" xmlns:r="http://schemas.openxmlformats.org/officeDocument/2006/relationships" xmlns:p="http://schemas.openxmlformats.org/presentationml/2006/main">
+  <p:cSld>
+    <p:spTree>
+      <p:nvGrpSpPr>
+        <p:cNvPr id="1" name=""/>
+        <p:cNvGrpSpPr/>
+        <p:nvPr/>
+      </p:nvGrpSpPr>
+      <p:grpSpPr>
+        <a:xfrm>
+          <a:off x="0" y="0"/>
+          <a:ext cx="0" cy="0"/>
+          <a:chOff x="0" y="0"/>
+          <a:chExt cx="0" cy="0"/>
+        </a:xfrm>
+      </p:grpSpPr>
+      <p:sp>
+        <p:nvSpPr>
+          <p:cNvPr id="2" name="Slide Image Placeholder 1"/>
+          <p:cNvSpPr>
+            <a:spLocks noGrp="1" noRot="1" noChangeAspect="1"/>
+          </p:cNvSpPr>
+          <p:nvPr>
+            <p:ph type="sldImg"/>
+          </p:nvPr>
+        </p:nvSpPr>
+        <p:spPr/>
+      </p:sp>
+      <p:sp>
+        <p:nvSpPr>
+          <p:cNvPr id="3" name="Notes Placeholder 2"/>
+          <p:cNvSpPr>
+            <a:spLocks noGrp="1"/>
+          </p:cNvSpPr>
+          <p:nvPr>
+            <p:ph type="body" idx="1"/>
+          </p:nvPr>
+        </p:nvSpPr>
+        <p:spPr/>
+        <p:txBody>
+          <a:bodyPr/>
+          <a:lstStyle/>
+          <a:p>
+            <a:endParaRPr lang="en-US" dirty="0"/>
+          </a:p>
+        </p:txBody>
+      </p:sp>
+      <p:sp>
+        <p:nvSpPr>
+          <p:cNvPr id="4" name="Slide Number Placeholder 3"/>
+          <p:cNvSpPr>
+            <a:spLocks noGrp="1"/>
+          </p:cNvSpPr>
+          <p:nvPr>
+            <p:ph type="sldNum" sz="quarter" idx="10"/>
+          </p:nvPr>
+        </p:nvSpPr>
+        <p:spPr/>
+        <p:txBody>
+          <a:bodyPr/>
+          <a:lstStyle/>
+          <a:p>
+            <a:fld id="{8AED5117-C3DB-DC46-B433-F1C323FD7F80}" type="slidenum">
+              <a:rPr lang="en-US" smtClean="0"/>
+              <a:t>6</a:t>
+            </a:fld>
+            <a:endParaRPr lang="en-US"/>
+          </a:p>
+        </p:txBody>
+      </p:sp>
+    </p:spTree>
+    <p:extLst>
+      <p:ext uri="{BB962C8B-B14F-4D97-AF65-F5344CB8AC3E}">
+        <p14:creationId xmlns:p14="http://schemas.microsoft.com/office/powerpoint/2010/main" val="1548789725"/>
+      </p:ext>
+    </p:extLst>
+  </p:cSld>
+  <p:clrMapOvr>
+    <a:masterClrMapping/>
+  </p:clrMapOvr>
+</p:notes>
+</file>
+
 <file path=ppt/slideLayouts/slideLayout1.xml><?xml version="1.0" encoding="utf-8"?>
 <p:sldLayout xmlns:a="http://schemas.openxmlformats.org/drawingml/2006/main" xmlns:r="http://schemas.openxmlformats.org/officeDocument/2006/relationships" xmlns:p="http://schemas.openxmlformats.org/presentationml/2006/main" type="title" preserve="1">
   <p:cSld name="Title Slide">
@@ -292,7 +731,7 @@
           <a:p>
             <a:fld id="{CE2D3545-AE21-7247-8426-4B1172E482C1}" type="datetimeFigureOut">
               <a:rPr lang="en-US" smtClean="0"/>
-              <a:t>8/25/13</a:t>
+              <a:t>8/28/13</a:t>
             </a:fld>
             <a:endParaRPr lang="en-US"/>
           </a:p>
@@ -462,7 +901,7 @@
           <a:p>
             <a:fld id="{CE2D3545-AE21-7247-8426-4B1172E482C1}" type="datetimeFigureOut">
               <a:rPr lang="en-US" smtClean="0"/>
-              <a:t>8/25/13</a:t>
+              <a:t>8/28/13</a:t>
             </a:fld>
             <a:endParaRPr lang="en-US"/>
           </a:p>
@@ -642,7 +1081,7 @@
           <a:p>
             <a:fld id="{CE2D3545-AE21-7247-8426-4B1172E482C1}" type="datetimeFigureOut">
               <a:rPr lang="en-US" smtClean="0"/>
-              <a:t>8/25/13</a:t>
+              <a:t>8/28/13</a:t>
             </a:fld>
             <a:endParaRPr lang="en-US"/>
           </a:p>
@@ -812,7 +1251,7 @@
           <a:p>
             <a:fld id="{CE2D3545-AE21-7247-8426-4B1172E482C1}" type="datetimeFigureOut">
               <a:rPr lang="en-US" smtClean="0"/>
-              <a:t>8/25/13</a:t>
+              <a:t>8/28/13</a:t>
             </a:fld>
             <a:endParaRPr lang="en-US"/>
           </a:p>
@@ -1058,7 +1497,7 @@
           <a:p>
             <a:fld id="{CE2D3545-AE21-7247-8426-4B1172E482C1}" type="datetimeFigureOut">
               <a:rPr lang="en-US" smtClean="0"/>
-              <a:t>8/25/13</a:t>
+              <a:t>8/28/13</a:t>
             </a:fld>
             <a:endParaRPr lang="en-US"/>
           </a:p>
@@ -1346,7 +1785,7 @@
           <a:p>
             <a:fld id="{CE2D3545-AE21-7247-8426-4B1172E482C1}" type="datetimeFigureOut">
               <a:rPr lang="en-US" smtClean="0"/>
-              <a:t>8/25/13</a:t>
+              <a:t>8/28/13</a:t>
             </a:fld>
             <a:endParaRPr lang="en-US"/>
           </a:p>
@@ -1768,7 +2207,7 @@
           <a:p>
             <a:fld id="{CE2D3545-AE21-7247-8426-4B1172E482C1}" type="datetimeFigureOut">
               <a:rPr lang="en-US" smtClean="0"/>
-              <a:t>8/25/13</a:t>
+              <a:t>8/28/13</a:t>
             </a:fld>
             <a:endParaRPr lang="en-US"/>
           </a:p>
@@ -1886,7 +2325,7 @@
           <a:p>
             <a:fld id="{CE2D3545-AE21-7247-8426-4B1172E482C1}" type="datetimeFigureOut">
               <a:rPr lang="en-US" smtClean="0"/>
-              <a:t>8/25/13</a:t>
+              <a:t>8/28/13</a:t>
             </a:fld>
             <a:endParaRPr lang="en-US"/>
           </a:p>
@@ -1981,7 +2420,7 @@
           <a:p>
             <a:fld id="{CE2D3545-AE21-7247-8426-4B1172E482C1}" type="datetimeFigureOut">
               <a:rPr lang="en-US" smtClean="0"/>
-              <a:t>8/25/13</a:t>
+              <a:t>8/28/13</a:t>
             </a:fld>
             <a:endParaRPr lang="en-US"/>
           </a:p>
@@ -2258,7 +2697,7 @@
           <a:p>
             <a:fld id="{CE2D3545-AE21-7247-8426-4B1172E482C1}" type="datetimeFigureOut">
               <a:rPr lang="en-US" smtClean="0"/>
-              <a:t>8/25/13</a:t>
+              <a:t>8/28/13</a:t>
             </a:fld>
             <a:endParaRPr lang="en-US"/>
           </a:p>
@@ -2515,7 +2954,7 @@
           <a:p>
             <a:fld id="{CE2D3545-AE21-7247-8426-4B1172E482C1}" type="datetimeFigureOut">
               <a:rPr lang="en-US" smtClean="0"/>
-              <a:t>8/25/13</a:t>
+              <a:t>8/28/13</a:t>
             </a:fld>
             <a:endParaRPr lang="en-US"/>
           </a:p>
@@ -2733,7 +3172,7 @@
           <a:p>
             <a:fld id="{CE2D3545-AE21-7247-8426-4B1172E482C1}" type="datetimeFigureOut">
               <a:rPr lang="en-US" smtClean="0"/>
-              <a:t>8/25/13</a:t>
+              <a:t>8/28/13</a:t>
             </a:fld>
             <a:endParaRPr lang="en-US"/>
           </a:p>
@@ -6367,11 +6806,7 @@
             <a:pPr algn="ctr"/>
             <a:r>
               <a:rPr lang="en-US" sz="1600" i="1" dirty="0" smtClean="0"/>
-              <a:t>Signaling </a:t>
-            </a:r>
-            <a:r>
-              <a:rPr lang="en-US" sz="1600" i="1" dirty="0" smtClean="0"/>
-              <a:t>Protocol</a:t>
+              <a:t>Signaling Protocol</a:t>
             </a:r>
           </a:p>
           <a:p>
@@ -6606,6 +7041,1632 @@
     <p:extLst>
       <p:ext uri="{BB962C8B-B14F-4D97-AF65-F5344CB8AC3E}">
         <p14:creationId xmlns:p14="http://schemas.microsoft.com/office/powerpoint/2010/main" val="3019611239"/>
+      </p:ext>
+    </p:extLst>
+  </p:cSld>
+  <p:clrMapOvr>
+    <a:masterClrMapping/>
+  </p:clrMapOvr>
+</p:sld>
+</file>
+
+<file path=ppt/slides/slide6.xml><?xml version="1.0" encoding="utf-8"?>
+<p:sld xmlns:a="http://schemas.openxmlformats.org/drawingml/2006/main" xmlns:r="http://schemas.openxmlformats.org/officeDocument/2006/relationships" xmlns:p="http://schemas.openxmlformats.org/presentationml/2006/main">
+  <p:cSld>
+    <p:spTree>
+      <p:nvGrpSpPr>
+        <p:cNvPr id="1" name=""/>
+        <p:cNvGrpSpPr/>
+        <p:nvPr/>
+      </p:nvGrpSpPr>
+      <p:grpSpPr>
+        <a:xfrm>
+          <a:off x="0" y="0"/>
+          <a:ext cx="0" cy="0"/>
+          <a:chOff x="0" y="0"/>
+          <a:chExt cx="0" cy="0"/>
+        </a:xfrm>
+      </p:grpSpPr>
+      <p:sp>
+        <p:nvSpPr>
+          <p:cNvPr id="2" name="Rectangle 1"/>
+          <p:cNvSpPr/>
+          <p:nvPr/>
+        </p:nvSpPr>
+        <p:spPr>
+          <a:xfrm>
+            <a:off x="139556" y="5052177"/>
+            <a:ext cx="8900321" cy="831370"/>
+          </a:xfrm>
+          <a:prstGeom prst="rect">
+            <a:avLst/>
+          </a:prstGeom>
+        </p:spPr>
+        <p:style>
+          <a:lnRef idx="2">
+            <a:schemeClr val="dk1"/>
+          </a:lnRef>
+          <a:fillRef idx="1">
+            <a:schemeClr val="lt1"/>
+          </a:fillRef>
+          <a:effectRef idx="0">
+            <a:schemeClr val="dk1"/>
+          </a:effectRef>
+          <a:fontRef idx="minor">
+            <a:schemeClr val="dk1"/>
+          </a:fontRef>
+        </p:style>
+        <p:txBody>
+          <a:bodyPr rtlCol="0" anchor="ctr"/>
+          <a:lstStyle/>
+          <a:p>
+            <a:pPr lvl="0" algn="ctr"/>
+            <a:r>
+              <a:rPr lang="en-US" dirty="0">
+                <a:solidFill>
+                  <a:prstClr val="black"/>
+                </a:solidFill>
+              </a:rPr>
+              <a:t>Internet Protocol </a:t>
+            </a:r>
+            <a:r>
+              <a:rPr lang="en-US" dirty="0">
+                <a:solidFill>
+                  <a:prstClr val="black"/>
+                </a:solidFill>
+                <a:latin typeface="Nexa Bold"/>
+              </a:rPr>
+              <a:t>(IP</a:t>
+            </a:r>
+            <a:r>
+              <a:rPr lang="en-US" dirty="0" smtClean="0">
+                <a:solidFill>
+                  <a:prstClr val="black"/>
+                </a:solidFill>
+                <a:latin typeface="Nexa Bold"/>
+              </a:rPr>
+              <a:t>)</a:t>
+            </a:r>
+            <a:endParaRPr lang="en-US" sz="1600" dirty="0">
+              <a:solidFill>
+                <a:prstClr val="black"/>
+              </a:solidFill>
+              <a:latin typeface="Nexa Bold"/>
+            </a:endParaRPr>
+          </a:p>
+        </p:txBody>
+      </p:sp>
+      <p:sp>
+        <p:nvSpPr>
+          <p:cNvPr id="3" name="Rectangle 2"/>
+          <p:cNvSpPr/>
+          <p:nvPr/>
+        </p:nvSpPr>
+        <p:spPr>
+          <a:xfrm>
+            <a:off x="139555" y="4220807"/>
+            <a:ext cx="6660835" cy="831370"/>
+          </a:xfrm>
+          <a:prstGeom prst="rect">
+            <a:avLst/>
+          </a:prstGeom>
+        </p:spPr>
+        <p:style>
+          <a:lnRef idx="2">
+            <a:schemeClr val="dk1"/>
+          </a:lnRef>
+          <a:fillRef idx="1">
+            <a:schemeClr val="lt1"/>
+          </a:fillRef>
+          <a:effectRef idx="0">
+            <a:schemeClr val="dk1"/>
+          </a:effectRef>
+          <a:fontRef idx="minor">
+            <a:schemeClr val="dk1"/>
+          </a:fontRef>
+        </p:style>
+        <p:txBody>
+          <a:bodyPr rtlCol="0" anchor="ctr"/>
+          <a:lstStyle/>
+          <a:p>
+            <a:pPr lvl="0" algn="ctr"/>
+            <a:r>
+              <a:rPr lang="en-US" dirty="0">
+                <a:solidFill>
+                  <a:prstClr val="black"/>
+                </a:solidFill>
+              </a:rPr>
+              <a:t>User Datagram Protocol </a:t>
+            </a:r>
+            <a:r>
+              <a:rPr lang="en-US" dirty="0">
+                <a:solidFill>
+                  <a:prstClr val="black"/>
+                </a:solidFill>
+                <a:latin typeface="Nexa Bold"/>
+              </a:rPr>
+              <a:t>(UDP)</a:t>
+            </a:r>
+            <a:endParaRPr lang="en-US" sz="1600" dirty="0">
+              <a:solidFill>
+                <a:prstClr val="black"/>
+              </a:solidFill>
+              <a:latin typeface="Nexa Bold"/>
+            </a:endParaRPr>
+          </a:p>
+        </p:txBody>
+      </p:sp>
+      <p:sp>
+        <p:nvSpPr>
+          <p:cNvPr id="4" name="Rectangle 3"/>
+          <p:cNvSpPr/>
+          <p:nvPr/>
+        </p:nvSpPr>
+        <p:spPr>
+          <a:xfrm>
+            <a:off x="139558" y="3389437"/>
+            <a:ext cx="1936070" cy="831370"/>
+          </a:xfrm>
+          <a:prstGeom prst="rect">
+            <a:avLst/>
+          </a:prstGeom>
+        </p:spPr>
+        <p:style>
+          <a:lnRef idx="2">
+            <a:schemeClr val="dk1"/>
+          </a:lnRef>
+          <a:fillRef idx="1">
+            <a:schemeClr val="lt1"/>
+          </a:fillRef>
+          <a:effectRef idx="0">
+            <a:schemeClr val="dk1"/>
+          </a:effectRef>
+          <a:fontRef idx="minor">
+            <a:schemeClr val="dk1"/>
+          </a:fontRef>
+        </p:style>
+        <p:txBody>
+          <a:bodyPr rtlCol="0" anchor="ctr"/>
+          <a:lstStyle/>
+          <a:p>
+            <a:pPr algn="ctr"/>
+            <a:r>
+              <a:rPr lang="en-US" sz="1600" dirty="0" smtClean="0"/>
+              <a:t>Session Traversal Utilities for NAT </a:t>
+            </a:r>
+            <a:r>
+              <a:rPr lang="en-US" sz="1600" dirty="0" smtClean="0">
+                <a:latin typeface="+mj-lt"/>
+              </a:rPr>
+              <a:t>(STUN)</a:t>
+            </a:r>
+            <a:endParaRPr lang="en-US" sz="1600" dirty="0">
+              <a:latin typeface="+mj-lt"/>
+            </a:endParaRPr>
+          </a:p>
+        </p:txBody>
+      </p:sp>
+      <p:sp>
+        <p:nvSpPr>
+          <p:cNvPr id="5" name="Rectangle 4"/>
+          <p:cNvSpPr/>
+          <p:nvPr/>
+        </p:nvSpPr>
+        <p:spPr>
+          <a:xfrm>
+            <a:off x="2075629" y="3389437"/>
+            <a:ext cx="3468476" cy="831370"/>
+          </a:xfrm>
+          <a:prstGeom prst="rect">
+            <a:avLst/>
+          </a:prstGeom>
+          <a:solidFill>
+            <a:schemeClr val="tx2">
+              <a:lumMod val="20000"/>
+              <a:lumOff val="80000"/>
+            </a:schemeClr>
+          </a:solidFill>
+        </p:spPr>
+        <p:style>
+          <a:lnRef idx="2">
+            <a:schemeClr val="dk1"/>
+          </a:lnRef>
+          <a:fillRef idx="1">
+            <a:schemeClr val="lt1"/>
+          </a:fillRef>
+          <a:effectRef idx="0">
+            <a:schemeClr val="dk1"/>
+          </a:effectRef>
+          <a:fontRef idx="minor">
+            <a:schemeClr val="dk1"/>
+          </a:fontRef>
+        </p:style>
+        <p:txBody>
+          <a:bodyPr rtlCol="0" anchor="ctr"/>
+          <a:lstStyle/>
+          <a:p>
+            <a:pPr algn="ctr"/>
+            <a:r>
+              <a:rPr lang="en-US" dirty="0" smtClean="0">
+                <a:latin typeface="+mj-lt"/>
+              </a:rPr>
+              <a:t>                     RTP</a:t>
+            </a:r>
+          </a:p>
+          <a:p>
+            <a:pPr algn="ctr"/>
+            <a:endParaRPr lang="en-US" sz="1600" dirty="0">
+              <a:latin typeface="+mj-lt"/>
+            </a:endParaRPr>
+          </a:p>
+        </p:txBody>
+      </p:sp>
+      <p:sp>
+        <p:nvSpPr>
+          <p:cNvPr id="15" name="Rectangle 14"/>
+          <p:cNvSpPr/>
+          <p:nvPr/>
+        </p:nvSpPr>
+        <p:spPr>
+          <a:xfrm>
+            <a:off x="2949575" y="1597583"/>
+            <a:ext cx="873946" cy="1787187"/>
+          </a:xfrm>
+          <a:prstGeom prst="rect">
+            <a:avLst/>
+          </a:prstGeom>
+        </p:spPr>
+        <p:style>
+          <a:lnRef idx="2">
+            <a:schemeClr val="dk1"/>
+          </a:lnRef>
+          <a:fillRef idx="1">
+            <a:schemeClr val="lt1"/>
+          </a:fillRef>
+          <a:effectRef idx="0">
+            <a:schemeClr val="dk1"/>
+          </a:effectRef>
+          <a:fontRef idx="minor">
+            <a:schemeClr val="dk1"/>
+          </a:fontRef>
+        </p:style>
+        <p:txBody>
+          <a:bodyPr rtlCol="0" anchor="ctr"/>
+          <a:lstStyle/>
+          <a:p>
+            <a:pPr algn="ctr"/>
+            <a:r>
+              <a:rPr lang="en-US" sz="1600" dirty="0" smtClean="0"/>
+              <a:t>SSRC #2</a:t>
+            </a:r>
+            <a:endParaRPr lang="en-US" sz="1400" dirty="0">
+              <a:latin typeface="+mj-lt"/>
+            </a:endParaRPr>
+          </a:p>
+        </p:txBody>
+      </p:sp>
+      <p:sp>
+        <p:nvSpPr>
+          <p:cNvPr id="16" name="Rectangle 15"/>
+          <p:cNvSpPr/>
+          <p:nvPr/>
+        </p:nvSpPr>
+        <p:spPr>
+          <a:xfrm>
+            <a:off x="2075629" y="1597583"/>
+            <a:ext cx="873946" cy="1787187"/>
+          </a:xfrm>
+          <a:prstGeom prst="rect">
+            <a:avLst/>
+          </a:prstGeom>
+        </p:spPr>
+        <p:style>
+          <a:lnRef idx="2">
+            <a:schemeClr val="dk1"/>
+          </a:lnRef>
+          <a:fillRef idx="1">
+            <a:schemeClr val="lt1"/>
+          </a:fillRef>
+          <a:effectRef idx="0">
+            <a:schemeClr val="dk1"/>
+          </a:effectRef>
+          <a:fontRef idx="minor">
+            <a:schemeClr val="dk1"/>
+          </a:fontRef>
+        </p:style>
+        <p:txBody>
+          <a:bodyPr rtlCol="0" anchor="ctr"/>
+          <a:lstStyle/>
+          <a:p>
+            <a:pPr algn="ctr"/>
+            <a:r>
+              <a:rPr lang="en-US" sz="1600" dirty="0" smtClean="0"/>
+              <a:t>SSRC #1</a:t>
+            </a:r>
+            <a:endParaRPr lang="en-US" sz="1400" dirty="0">
+              <a:latin typeface="+mj-lt"/>
+            </a:endParaRPr>
+          </a:p>
+        </p:txBody>
+      </p:sp>
+      <p:sp>
+        <p:nvSpPr>
+          <p:cNvPr id="19" name="Rectangle 18"/>
+          <p:cNvSpPr/>
+          <p:nvPr/>
+        </p:nvSpPr>
+        <p:spPr>
+          <a:xfrm>
+            <a:off x="2075628" y="3877894"/>
+            <a:ext cx="1747893" cy="342914"/>
+          </a:xfrm>
+          <a:prstGeom prst="rect">
+            <a:avLst/>
+          </a:prstGeom>
+        </p:spPr>
+        <p:style>
+          <a:lnRef idx="2">
+            <a:schemeClr val="dk1"/>
+          </a:lnRef>
+          <a:fillRef idx="1">
+            <a:schemeClr val="lt1"/>
+          </a:fillRef>
+          <a:effectRef idx="0">
+            <a:schemeClr val="dk1"/>
+          </a:effectRef>
+          <a:fontRef idx="minor">
+            <a:schemeClr val="dk1"/>
+          </a:fontRef>
+        </p:style>
+        <p:txBody>
+          <a:bodyPr rtlCol="0" anchor="ctr"/>
+          <a:lstStyle/>
+          <a:p>
+            <a:pPr algn="ctr"/>
+            <a:r>
+              <a:rPr lang="en-US" sz="1600" dirty="0" smtClean="0">
+                <a:latin typeface="+mj-lt"/>
+              </a:rPr>
+              <a:t>TURN</a:t>
+            </a:r>
+            <a:endParaRPr lang="en-US" sz="1400" dirty="0">
+              <a:latin typeface="+mj-lt"/>
+            </a:endParaRPr>
+          </a:p>
+        </p:txBody>
+      </p:sp>
+      <p:cxnSp>
+        <p:nvCxnSpPr>
+          <p:cNvPr id="21" name="Straight Connector 20"/>
+          <p:cNvCxnSpPr/>
+          <p:nvPr/>
+        </p:nvCxnSpPr>
+        <p:spPr>
+          <a:xfrm flipH="1">
+            <a:off x="2075628" y="3384770"/>
+            <a:ext cx="2" cy="664581"/>
+          </a:xfrm>
+          <a:prstGeom prst="line">
+            <a:avLst/>
+          </a:prstGeom>
+          <a:ln>
+            <a:prstDash val="sysDash"/>
+          </a:ln>
+        </p:spPr>
+        <p:style>
+          <a:lnRef idx="1">
+            <a:schemeClr val="dk1"/>
+          </a:lnRef>
+          <a:fillRef idx="0">
+            <a:schemeClr val="dk1"/>
+          </a:fillRef>
+          <a:effectRef idx="0">
+            <a:schemeClr val="dk1"/>
+          </a:effectRef>
+          <a:fontRef idx="minor">
+            <a:schemeClr val="tx1"/>
+          </a:fontRef>
+        </p:style>
+      </p:cxnSp>
+      <p:sp>
+        <p:nvSpPr>
+          <p:cNvPr id="24" name="Rectangle 23"/>
+          <p:cNvSpPr/>
+          <p:nvPr/>
+        </p:nvSpPr>
+        <p:spPr>
+          <a:xfrm>
+            <a:off x="3809866" y="1597583"/>
+            <a:ext cx="873946" cy="1787187"/>
+          </a:xfrm>
+          <a:prstGeom prst="rect">
+            <a:avLst/>
+          </a:prstGeom>
+        </p:spPr>
+        <p:style>
+          <a:lnRef idx="2">
+            <a:schemeClr val="dk1"/>
+          </a:lnRef>
+          <a:fillRef idx="1">
+            <a:schemeClr val="lt1"/>
+          </a:fillRef>
+          <a:effectRef idx="0">
+            <a:schemeClr val="dk1"/>
+          </a:effectRef>
+          <a:fontRef idx="minor">
+            <a:schemeClr val="dk1"/>
+          </a:fontRef>
+        </p:style>
+        <p:txBody>
+          <a:bodyPr rtlCol="0" anchor="ctr"/>
+          <a:lstStyle/>
+          <a:p>
+            <a:pPr algn="ctr"/>
+            <a:r>
+              <a:rPr lang="en-US" sz="1600" dirty="0" smtClean="0"/>
+              <a:t>SSRC #3</a:t>
+            </a:r>
+            <a:endParaRPr lang="en-US" sz="1400" dirty="0">
+              <a:latin typeface="+mj-lt"/>
+            </a:endParaRPr>
+          </a:p>
+        </p:txBody>
+      </p:sp>
+      <p:sp>
+        <p:nvSpPr>
+          <p:cNvPr id="25" name="Rectangle 24"/>
+          <p:cNvSpPr/>
+          <p:nvPr/>
+        </p:nvSpPr>
+        <p:spPr>
+          <a:xfrm>
+            <a:off x="4670158" y="1597583"/>
+            <a:ext cx="873946" cy="1787187"/>
+          </a:xfrm>
+          <a:prstGeom prst="rect">
+            <a:avLst/>
+          </a:prstGeom>
+        </p:spPr>
+        <p:style>
+          <a:lnRef idx="2">
+            <a:schemeClr val="dk1"/>
+          </a:lnRef>
+          <a:fillRef idx="1">
+            <a:schemeClr val="lt1"/>
+          </a:fillRef>
+          <a:effectRef idx="0">
+            <a:schemeClr val="dk1"/>
+          </a:effectRef>
+          <a:fontRef idx="minor">
+            <a:schemeClr val="dk1"/>
+          </a:fontRef>
+        </p:style>
+        <p:txBody>
+          <a:bodyPr rtlCol="0" anchor="ctr"/>
+          <a:lstStyle/>
+          <a:p>
+            <a:pPr algn="ctr"/>
+            <a:r>
+              <a:rPr lang="en-US" sz="1600" dirty="0" smtClean="0"/>
+              <a:t>SSRC #4</a:t>
+            </a:r>
+            <a:endParaRPr lang="en-US" sz="1400" dirty="0">
+              <a:latin typeface="+mj-lt"/>
+            </a:endParaRPr>
+          </a:p>
+        </p:txBody>
+      </p:sp>
+      <p:sp>
+        <p:nvSpPr>
+          <p:cNvPr id="13" name="Rectangle 12"/>
+          <p:cNvSpPr/>
+          <p:nvPr/>
+        </p:nvSpPr>
+        <p:spPr>
+          <a:xfrm>
+            <a:off x="6800391" y="4220808"/>
+            <a:ext cx="2239485" cy="831370"/>
+          </a:xfrm>
+          <a:prstGeom prst="rect">
+            <a:avLst/>
+          </a:prstGeom>
+        </p:spPr>
+        <p:style>
+          <a:lnRef idx="2">
+            <a:schemeClr val="dk1"/>
+          </a:lnRef>
+          <a:fillRef idx="1">
+            <a:schemeClr val="lt1"/>
+          </a:fillRef>
+          <a:effectRef idx="0">
+            <a:schemeClr val="dk1"/>
+          </a:effectRef>
+          <a:fontRef idx="minor">
+            <a:schemeClr val="dk1"/>
+          </a:fontRef>
+        </p:style>
+        <p:txBody>
+          <a:bodyPr rtlCol="0" anchor="ctr"/>
+          <a:lstStyle/>
+          <a:p>
+            <a:pPr algn="ctr"/>
+            <a:r>
+              <a:rPr lang="en-US" dirty="0" smtClean="0"/>
+              <a:t>Transmission Control Protocol </a:t>
+            </a:r>
+            <a:r>
+              <a:rPr lang="en-US" dirty="0" smtClean="0">
+                <a:latin typeface="+mj-lt"/>
+              </a:rPr>
+              <a:t>(TCP)</a:t>
+            </a:r>
+            <a:endParaRPr lang="en-US" sz="1600" dirty="0">
+              <a:latin typeface="+mj-lt"/>
+            </a:endParaRPr>
+          </a:p>
+        </p:txBody>
+      </p:sp>
+      <p:sp>
+        <p:nvSpPr>
+          <p:cNvPr id="14" name="Rectangle 13"/>
+          <p:cNvSpPr/>
+          <p:nvPr/>
+        </p:nvSpPr>
+        <p:spPr>
+          <a:xfrm>
+            <a:off x="6554595" y="3389438"/>
+            <a:ext cx="2485281" cy="826702"/>
+          </a:xfrm>
+          <a:prstGeom prst="rect">
+            <a:avLst/>
+          </a:prstGeom>
+        </p:spPr>
+        <p:style>
+          <a:lnRef idx="2">
+            <a:schemeClr val="dk1"/>
+          </a:lnRef>
+          <a:fillRef idx="1">
+            <a:schemeClr val="lt1"/>
+          </a:fillRef>
+          <a:effectRef idx="0">
+            <a:schemeClr val="dk1"/>
+          </a:effectRef>
+          <a:fontRef idx="minor">
+            <a:schemeClr val="dk1"/>
+          </a:fontRef>
+        </p:style>
+        <p:txBody>
+          <a:bodyPr rtlCol="0" anchor="ctr"/>
+          <a:lstStyle/>
+          <a:p>
+            <a:pPr algn="ctr"/>
+            <a:r>
+              <a:rPr lang="en-US" sz="1600" i="1" dirty="0" smtClean="0"/>
+              <a:t>Signaling Protocol</a:t>
+            </a:r>
+          </a:p>
+          <a:p>
+            <a:pPr algn="ctr"/>
+            <a:r>
+              <a:rPr lang="en-US" sz="1200" i="1" dirty="0" smtClean="0"/>
+              <a:t>(e.g., SIP, Jingle, …)</a:t>
+            </a:r>
+            <a:endParaRPr lang="en-US" sz="1200" i="1" dirty="0"/>
+          </a:p>
+        </p:txBody>
+      </p:sp>
+      <p:sp>
+        <p:nvSpPr>
+          <p:cNvPr id="17" name="Rectangle 16"/>
+          <p:cNvSpPr/>
+          <p:nvPr/>
+        </p:nvSpPr>
+        <p:spPr>
+          <a:xfrm>
+            <a:off x="5544105" y="3384770"/>
+            <a:ext cx="1010490" cy="831370"/>
+          </a:xfrm>
+          <a:prstGeom prst="rect">
+            <a:avLst/>
+          </a:prstGeom>
+        </p:spPr>
+        <p:style>
+          <a:lnRef idx="2">
+            <a:schemeClr val="dk1"/>
+          </a:lnRef>
+          <a:fillRef idx="1">
+            <a:schemeClr val="lt1"/>
+          </a:fillRef>
+          <a:effectRef idx="0">
+            <a:schemeClr val="dk1"/>
+          </a:effectRef>
+          <a:fontRef idx="minor">
+            <a:schemeClr val="dk1"/>
+          </a:fontRef>
+        </p:style>
+        <p:txBody>
+          <a:bodyPr rtlCol="0" anchor="ctr"/>
+          <a:lstStyle/>
+          <a:p>
+            <a:pPr algn="ctr"/>
+            <a:r>
+              <a:rPr lang="en-US" sz="1600" dirty="0" smtClean="0">
+                <a:latin typeface="+mj-lt"/>
+              </a:rPr>
+              <a:t>DTLS</a:t>
+            </a:r>
+            <a:endParaRPr lang="en-US" sz="1600" dirty="0">
+              <a:latin typeface="+mj-lt"/>
+            </a:endParaRPr>
+          </a:p>
+        </p:txBody>
+      </p:sp>
+      <p:sp>
+        <p:nvSpPr>
+          <p:cNvPr id="6" name="TextBox 5"/>
+          <p:cNvSpPr txBox="1"/>
+          <p:nvPr/>
+        </p:nvSpPr>
+        <p:spPr>
+          <a:xfrm>
+            <a:off x="5885487" y="6211669"/>
+            <a:ext cx="3154390" cy="646331"/>
+          </a:xfrm>
+          <a:prstGeom prst="rect">
+            <a:avLst/>
+          </a:prstGeom>
+          <a:noFill/>
+        </p:spPr>
+        <p:txBody>
+          <a:bodyPr wrap="square" rtlCol="0">
+            <a:spAutoFit/>
+          </a:bodyPr>
+          <a:lstStyle/>
+          <a:p>
+            <a:pPr algn="just"/>
+            <a:r>
+              <a:rPr lang="en-US" sz="1200" dirty="0" smtClean="0">
+                <a:latin typeface="+mj-lt"/>
+              </a:rPr>
+              <a:t>Note:</a:t>
+            </a:r>
+            <a:r>
+              <a:rPr lang="en-US" sz="1200" dirty="0" smtClean="0"/>
+              <a:t> *RTP can be sent over UDP or TCP.</a:t>
+            </a:r>
+          </a:p>
+          <a:p>
+            <a:pPr algn="just"/>
+            <a:r>
+              <a:rPr lang="en-US" sz="1200" dirty="0" smtClean="0"/>
+              <a:t>Similarly, signaling </a:t>
+            </a:r>
+            <a:r>
+              <a:rPr lang="en-US" sz="1200" dirty="0"/>
+              <a:t>p</a:t>
+            </a:r>
+            <a:r>
+              <a:rPr lang="en-US" sz="1200" dirty="0" smtClean="0"/>
+              <a:t>rotocols can be designed to transmit over UDP or TCP.</a:t>
+            </a:r>
+            <a:endParaRPr lang="en-US" sz="1200" dirty="0"/>
+          </a:p>
+        </p:txBody>
+      </p:sp>
+      <p:sp>
+        <p:nvSpPr>
+          <p:cNvPr id="20" name="Rectangle 19"/>
+          <p:cNvSpPr/>
+          <p:nvPr/>
+        </p:nvSpPr>
+        <p:spPr>
+          <a:xfrm>
+            <a:off x="6308797" y="1597583"/>
+            <a:ext cx="1447478" cy="1787188"/>
+          </a:xfrm>
+          <a:prstGeom prst="rect">
+            <a:avLst/>
+          </a:prstGeom>
+        </p:spPr>
+        <p:style>
+          <a:lnRef idx="2">
+            <a:schemeClr val="dk1"/>
+          </a:lnRef>
+          <a:fillRef idx="1">
+            <a:schemeClr val="lt1"/>
+          </a:fillRef>
+          <a:effectRef idx="0">
+            <a:schemeClr val="dk1"/>
+          </a:effectRef>
+          <a:fontRef idx="minor">
+            <a:schemeClr val="dk1"/>
+          </a:fontRef>
+        </p:style>
+        <p:txBody>
+          <a:bodyPr vert="horz" rtlCol="0" anchor="ctr"/>
+          <a:lstStyle/>
+          <a:p>
+            <a:pPr algn="ctr"/>
+            <a:r>
+              <a:rPr lang="en-US" sz="1600" dirty="0" smtClean="0"/>
+              <a:t>Secure RTP </a:t>
+            </a:r>
+            <a:r>
+              <a:rPr lang="en-US" sz="1600" dirty="0" smtClean="0">
+                <a:latin typeface="+mj-lt"/>
+              </a:rPr>
+              <a:t>(SRTP)</a:t>
+            </a:r>
+            <a:r>
+              <a:rPr lang="en-US" sz="1600" dirty="0" smtClean="0"/>
+              <a:t> Keying</a:t>
+            </a:r>
+            <a:endParaRPr lang="en-US" sz="1400" dirty="0">
+              <a:latin typeface="+mj-lt"/>
+            </a:endParaRPr>
+          </a:p>
+        </p:txBody>
+      </p:sp>
+      <p:cxnSp>
+        <p:nvCxnSpPr>
+          <p:cNvPr id="11" name="Straight Connector 10"/>
+          <p:cNvCxnSpPr/>
+          <p:nvPr/>
+        </p:nvCxnSpPr>
+        <p:spPr>
+          <a:xfrm>
+            <a:off x="3809866" y="3389438"/>
+            <a:ext cx="0" cy="493124"/>
+          </a:xfrm>
+          <a:prstGeom prst="line">
+            <a:avLst/>
+          </a:prstGeom>
+          <a:ln>
+            <a:prstDash val="dash"/>
+          </a:ln>
+        </p:spPr>
+        <p:style>
+          <a:lnRef idx="1">
+            <a:schemeClr val="dk1"/>
+          </a:lnRef>
+          <a:fillRef idx="0">
+            <a:schemeClr val="dk1"/>
+          </a:fillRef>
+          <a:effectRef idx="0">
+            <a:schemeClr val="dk1"/>
+          </a:effectRef>
+          <a:fontRef idx="minor">
+            <a:schemeClr val="tx1"/>
+          </a:fontRef>
+        </p:style>
+      </p:cxnSp>
+      <p:cxnSp>
+        <p:nvCxnSpPr>
+          <p:cNvPr id="22" name="Straight Connector 21"/>
+          <p:cNvCxnSpPr/>
+          <p:nvPr/>
+        </p:nvCxnSpPr>
+        <p:spPr>
+          <a:xfrm>
+            <a:off x="2949575" y="3384770"/>
+            <a:ext cx="0" cy="493124"/>
+          </a:xfrm>
+          <a:prstGeom prst="line">
+            <a:avLst/>
+          </a:prstGeom>
+          <a:ln>
+            <a:prstDash val="dash"/>
+          </a:ln>
+        </p:spPr>
+        <p:style>
+          <a:lnRef idx="1">
+            <a:schemeClr val="dk1"/>
+          </a:lnRef>
+          <a:fillRef idx="0">
+            <a:schemeClr val="dk1"/>
+          </a:fillRef>
+          <a:effectRef idx="0">
+            <a:schemeClr val="dk1"/>
+          </a:effectRef>
+          <a:fontRef idx="minor">
+            <a:schemeClr val="tx1"/>
+          </a:fontRef>
+        </p:style>
+      </p:cxnSp>
+      <p:sp>
+        <p:nvSpPr>
+          <p:cNvPr id="23" name="Rectangle 22"/>
+          <p:cNvSpPr/>
+          <p:nvPr/>
+        </p:nvSpPr>
+        <p:spPr>
+          <a:xfrm>
+            <a:off x="5544104" y="2553398"/>
+            <a:ext cx="764693" cy="831372"/>
+          </a:xfrm>
+          <a:prstGeom prst="rect">
+            <a:avLst/>
+          </a:prstGeom>
+        </p:spPr>
+        <p:style>
+          <a:lnRef idx="2">
+            <a:schemeClr val="dk1"/>
+          </a:lnRef>
+          <a:fillRef idx="1">
+            <a:schemeClr val="lt1"/>
+          </a:fillRef>
+          <a:effectRef idx="0">
+            <a:schemeClr val="dk1"/>
+          </a:effectRef>
+          <a:fontRef idx="minor">
+            <a:schemeClr val="dk1"/>
+          </a:fontRef>
+        </p:style>
+        <p:txBody>
+          <a:bodyPr vert="horz" rtlCol="0" anchor="ctr"/>
+          <a:lstStyle/>
+          <a:p>
+            <a:pPr algn="ctr"/>
+            <a:r>
+              <a:rPr lang="en-US" sz="1600" dirty="0" smtClean="0">
+                <a:latin typeface="+mj-lt"/>
+              </a:rPr>
+              <a:t>SCTP</a:t>
+            </a:r>
+            <a:endParaRPr lang="en-US" sz="1400" dirty="0">
+              <a:latin typeface="+mj-lt"/>
+            </a:endParaRPr>
+          </a:p>
+        </p:txBody>
+      </p:sp>
+      <p:sp>
+        <p:nvSpPr>
+          <p:cNvPr id="26" name="Rectangle 25"/>
+          <p:cNvSpPr/>
+          <p:nvPr/>
+        </p:nvSpPr>
+        <p:spPr>
+          <a:xfrm>
+            <a:off x="5544106" y="1597583"/>
+            <a:ext cx="764693" cy="955815"/>
+          </a:xfrm>
+          <a:prstGeom prst="rect">
+            <a:avLst/>
+          </a:prstGeom>
+        </p:spPr>
+        <p:style>
+          <a:lnRef idx="2">
+            <a:schemeClr val="dk1"/>
+          </a:lnRef>
+          <a:fillRef idx="1">
+            <a:schemeClr val="lt1"/>
+          </a:fillRef>
+          <a:effectRef idx="0">
+            <a:schemeClr val="dk1"/>
+          </a:effectRef>
+          <a:fontRef idx="minor">
+            <a:schemeClr val="dk1"/>
+          </a:fontRef>
+        </p:style>
+        <p:txBody>
+          <a:bodyPr vert="vert270" rtlCol="0" anchor="ctr"/>
+          <a:lstStyle/>
+          <a:p>
+            <a:pPr algn="ctr"/>
+            <a:r>
+              <a:rPr lang="en-US" sz="1600" dirty="0" smtClean="0">
+                <a:latin typeface="+mj-lt"/>
+              </a:rPr>
+              <a:t>Data</a:t>
+            </a:r>
+          </a:p>
+          <a:p>
+            <a:pPr algn="ctr"/>
+            <a:r>
+              <a:rPr lang="en-US" sz="1600" dirty="0" smtClean="0">
+                <a:latin typeface="+mj-lt"/>
+              </a:rPr>
+              <a:t>Channel</a:t>
+            </a:r>
+            <a:endParaRPr lang="en-US" sz="1400" dirty="0">
+              <a:latin typeface="+mj-lt"/>
+            </a:endParaRPr>
+          </a:p>
+        </p:txBody>
+      </p:sp>
+    </p:spTree>
+    <p:extLst>
+      <p:ext uri="{BB962C8B-B14F-4D97-AF65-F5344CB8AC3E}">
+        <p14:creationId xmlns:p14="http://schemas.microsoft.com/office/powerpoint/2010/main" val="3585768518"/>
+      </p:ext>
+    </p:extLst>
+  </p:cSld>
+  <p:clrMapOvr>
+    <a:masterClrMapping/>
+  </p:clrMapOvr>
+</p:sld>
+</file>
+
+<file path=ppt/slides/slide7.xml><?xml version="1.0" encoding="utf-8"?>
+<p:sld xmlns:a="http://schemas.openxmlformats.org/drawingml/2006/main" xmlns:r="http://schemas.openxmlformats.org/officeDocument/2006/relationships" xmlns:p="http://schemas.openxmlformats.org/presentationml/2006/main">
+  <p:cSld>
+    <p:spTree>
+      <p:nvGrpSpPr>
+        <p:cNvPr id="1" name=""/>
+        <p:cNvGrpSpPr/>
+        <p:nvPr/>
+      </p:nvGrpSpPr>
+      <p:grpSpPr>
+        <a:xfrm>
+          <a:off x="0" y="0"/>
+          <a:ext cx="0" cy="0"/>
+          <a:chOff x="0" y="0"/>
+          <a:chExt cx="0" cy="0"/>
+        </a:xfrm>
+      </p:grpSpPr>
+      <p:sp>
+        <p:nvSpPr>
+          <p:cNvPr id="3" name="Rounded Rectangle 2"/>
+          <p:cNvSpPr/>
+          <p:nvPr/>
+        </p:nvSpPr>
+        <p:spPr>
+          <a:xfrm>
+            <a:off x="91786" y="2526093"/>
+            <a:ext cx="1474785" cy="873892"/>
+          </a:xfrm>
+          <a:prstGeom prst="roundRect">
+            <a:avLst/>
+          </a:prstGeom>
+          <a:solidFill>
+            <a:srgbClr val="404040"/>
+          </a:solidFill>
+          <a:ln>
+            <a:noFill/>
+          </a:ln>
+        </p:spPr>
+        <p:style>
+          <a:lnRef idx="2">
+            <a:schemeClr val="accent3">
+              <a:shade val="50000"/>
+            </a:schemeClr>
+          </a:lnRef>
+          <a:fillRef idx="1">
+            <a:schemeClr val="accent3"/>
+          </a:fillRef>
+          <a:effectRef idx="0">
+            <a:schemeClr val="accent3"/>
+          </a:effectRef>
+          <a:fontRef idx="minor">
+            <a:schemeClr val="lt1"/>
+          </a:fontRef>
+        </p:style>
+        <p:txBody>
+          <a:bodyPr rtlCol="0" anchor="ctr"/>
+          <a:lstStyle/>
+          <a:p>
+            <a:pPr algn="ctr"/>
+            <a:r>
+              <a:rPr lang="en-US" dirty="0" smtClean="0"/>
+              <a:t>Receive</a:t>
+            </a:r>
+          </a:p>
+          <a:p>
+            <a:pPr algn="ctr"/>
+            <a:r>
+              <a:rPr lang="en-US" dirty="0" smtClean="0"/>
+              <a:t>UDP Packet</a:t>
+            </a:r>
+          </a:p>
+        </p:txBody>
+      </p:sp>
+      <p:cxnSp>
+        <p:nvCxnSpPr>
+          <p:cNvPr id="5" name="Straight Arrow Connector 4"/>
+          <p:cNvCxnSpPr>
+            <a:stCxn id="3" idx="3"/>
+            <a:endCxn id="6" idx="1"/>
+          </p:cNvCxnSpPr>
+          <p:nvPr/>
+        </p:nvCxnSpPr>
+        <p:spPr>
+          <a:xfrm>
+            <a:off x="1566571" y="2963039"/>
+            <a:ext cx="450627" cy="0"/>
+          </a:xfrm>
+          <a:prstGeom prst="straightConnector1">
+            <a:avLst/>
+          </a:prstGeom>
+          <a:ln>
+            <a:tailEnd type="arrow"/>
+          </a:ln>
+        </p:spPr>
+        <p:style>
+          <a:lnRef idx="1">
+            <a:schemeClr val="dk1"/>
+          </a:lnRef>
+          <a:fillRef idx="0">
+            <a:schemeClr val="dk1"/>
+          </a:fillRef>
+          <a:effectRef idx="0">
+            <a:schemeClr val="dk1"/>
+          </a:effectRef>
+          <a:fontRef idx="minor">
+            <a:schemeClr val="tx1"/>
+          </a:fontRef>
+        </p:style>
+      </p:cxnSp>
+      <p:sp>
+        <p:nvSpPr>
+          <p:cNvPr id="6" name="Rectangle 5"/>
+          <p:cNvSpPr/>
+          <p:nvPr/>
+        </p:nvSpPr>
+        <p:spPr>
+          <a:xfrm>
+            <a:off x="2017198" y="710037"/>
+            <a:ext cx="751048" cy="4506003"/>
+          </a:xfrm>
+          <a:prstGeom prst="rect">
+            <a:avLst/>
+          </a:prstGeom>
+          <a:solidFill>
+            <a:schemeClr val="tx1">
+              <a:lumMod val="75000"/>
+              <a:lumOff val="25000"/>
+            </a:schemeClr>
+          </a:solidFill>
+          <a:ln>
+            <a:noFill/>
+          </a:ln>
+        </p:spPr>
+        <p:style>
+          <a:lnRef idx="2">
+            <a:schemeClr val="dk1">
+              <a:shade val="50000"/>
+            </a:schemeClr>
+          </a:lnRef>
+          <a:fillRef idx="1">
+            <a:schemeClr val="dk1"/>
+          </a:fillRef>
+          <a:effectRef idx="0">
+            <a:schemeClr val="dk1"/>
+          </a:effectRef>
+          <a:fontRef idx="minor">
+            <a:schemeClr val="lt1"/>
+          </a:fontRef>
+        </p:style>
+        <p:txBody>
+          <a:bodyPr vert="vert270" rtlCol="0" anchor="ctr"/>
+          <a:lstStyle/>
+          <a:p>
+            <a:pPr algn="ctr"/>
+            <a:r>
+              <a:rPr lang="en-US" sz="2000" dirty="0" smtClean="0">
+                <a:latin typeface="Courier"/>
+                <a:cs typeface="Courier"/>
+              </a:rPr>
+              <a:t>H</a:t>
+            </a:r>
+            <a:r>
+              <a:rPr lang="en-US" dirty="0" smtClean="0"/>
+              <a:t>-&gt; </a:t>
+            </a:r>
+            <a:r>
+              <a:rPr lang="en-US" sz="1400" dirty="0" smtClean="0"/>
+              <a:t>Parse first 8-bits of UDP Payload</a:t>
+            </a:r>
+            <a:endParaRPr lang="en-US" sz="1600" dirty="0"/>
+          </a:p>
+        </p:txBody>
+      </p:sp>
+      <p:cxnSp>
+        <p:nvCxnSpPr>
+          <p:cNvPr id="20" name="Straight Arrow Connector 19"/>
+          <p:cNvCxnSpPr>
+            <a:endCxn id="25" idx="1"/>
+          </p:cNvCxnSpPr>
+          <p:nvPr/>
+        </p:nvCxnSpPr>
+        <p:spPr>
+          <a:xfrm>
+            <a:off x="2768246" y="1490632"/>
+            <a:ext cx="1631813" cy="0"/>
+          </a:xfrm>
+          <a:prstGeom prst="straightConnector1">
+            <a:avLst/>
+          </a:prstGeom>
+          <a:ln>
+            <a:tailEnd type="arrow"/>
+          </a:ln>
+        </p:spPr>
+        <p:style>
+          <a:lnRef idx="1">
+            <a:schemeClr val="dk1"/>
+          </a:lnRef>
+          <a:fillRef idx="0">
+            <a:schemeClr val="dk1"/>
+          </a:fillRef>
+          <a:effectRef idx="0">
+            <a:schemeClr val="dk1"/>
+          </a:effectRef>
+          <a:fontRef idx="minor">
+            <a:schemeClr val="tx1"/>
+          </a:fontRef>
+        </p:style>
+      </p:cxnSp>
+      <p:cxnSp>
+        <p:nvCxnSpPr>
+          <p:cNvPr id="22" name="Straight Arrow Connector 21"/>
+          <p:cNvCxnSpPr>
+            <a:stCxn id="6" idx="3"/>
+            <a:endCxn id="27" idx="1"/>
+          </p:cNvCxnSpPr>
+          <p:nvPr/>
+        </p:nvCxnSpPr>
+        <p:spPr>
+          <a:xfrm flipV="1">
+            <a:off x="2768246" y="2960544"/>
+            <a:ext cx="1634613" cy="2495"/>
+          </a:xfrm>
+          <a:prstGeom prst="straightConnector1">
+            <a:avLst/>
+          </a:prstGeom>
+          <a:ln>
+            <a:tailEnd type="arrow"/>
+          </a:ln>
+        </p:spPr>
+        <p:style>
+          <a:lnRef idx="1">
+            <a:schemeClr val="dk1"/>
+          </a:lnRef>
+          <a:fillRef idx="0">
+            <a:schemeClr val="dk1"/>
+          </a:fillRef>
+          <a:effectRef idx="0">
+            <a:schemeClr val="dk1"/>
+          </a:effectRef>
+          <a:fontRef idx="minor">
+            <a:schemeClr val="tx1"/>
+          </a:fontRef>
+        </p:style>
+      </p:cxnSp>
+      <p:cxnSp>
+        <p:nvCxnSpPr>
+          <p:cNvPr id="23" name="Straight Arrow Connector 22"/>
+          <p:cNvCxnSpPr>
+            <a:endCxn id="30" idx="1"/>
+          </p:cNvCxnSpPr>
+          <p:nvPr/>
+        </p:nvCxnSpPr>
+        <p:spPr>
+          <a:xfrm>
+            <a:off x="2771043" y="4476266"/>
+            <a:ext cx="1659123" cy="0"/>
+          </a:xfrm>
+          <a:prstGeom prst="straightConnector1">
+            <a:avLst/>
+          </a:prstGeom>
+          <a:ln>
+            <a:tailEnd type="arrow"/>
+          </a:ln>
+        </p:spPr>
+        <p:style>
+          <a:lnRef idx="1">
+            <a:schemeClr val="dk1"/>
+          </a:lnRef>
+          <a:fillRef idx="0">
+            <a:schemeClr val="dk1"/>
+          </a:fillRef>
+          <a:effectRef idx="0">
+            <a:schemeClr val="dk1"/>
+          </a:effectRef>
+          <a:fontRef idx="minor">
+            <a:schemeClr val="tx1"/>
+          </a:fontRef>
+        </p:style>
+      </p:cxnSp>
+      <p:sp>
+        <p:nvSpPr>
+          <p:cNvPr id="24" name="TextBox 23"/>
+          <p:cNvSpPr txBox="1"/>
+          <p:nvPr/>
+        </p:nvSpPr>
+        <p:spPr>
+          <a:xfrm>
+            <a:off x="3191558" y="1139826"/>
+            <a:ext cx="710451" cy="369332"/>
+          </a:xfrm>
+          <a:prstGeom prst="rect">
+            <a:avLst/>
+          </a:prstGeom>
+          <a:noFill/>
+        </p:spPr>
+        <p:txBody>
+          <a:bodyPr wrap="none" rtlCol="0">
+            <a:spAutoFit/>
+          </a:bodyPr>
+          <a:lstStyle/>
+          <a:p>
+            <a:r>
+              <a:rPr lang="en-US" dirty="0" smtClean="0">
+                <a:latin typeface="+mj-lt"/>
+              </a:rPr>
+              <a:t>H</a:t>
+            </a:r>
+            <a:r>
+              <a:rPr lang="en-US" dirty="0" smtClean="0"/>
+              <a:t> &lt; 2</a:t>
+            </a:r>
+            <a:endParaRPr lang="en-US" dirty="0"/>
+          </a:p>
+        </p:txBody>
+      </p:sp>
+      <p:sp>
+        <p:nvSpPr>
+          <p:cNvPr id="25" name="TextBox 24"/>
+          <p:cNvSpPr txBox="1"/>
+          <p:nvPr/>
+        </p:nvSpPr>
+        <p:spPr>
+          <a:xfrm>
+            <a:off x="4400059" y="1167466"/>
+            <a:ext cx="4257464" cy="646331"/>
+          </a:xfrm>
+          <a:prstGeom prst="rect">
+            <a:avLst/>
+          </a:prstGeom>
+          <a:noFill/>
+        </p:spPr>
+        <p:txBody>
+          <a:bodyPr wrap="square" rtlCol="0">
+            <a:spAutoFit/>
+          </a:bodyPr>
+          <a:lstStyle/>
+          <a:p>
+            <a:r>
+              <a:rPr lang="en-US" dirty="0" smtClean="0">
+                <a:latin typeface="Courier"/>
+                <a:cs typeface="Courier"/>
+              </a:rPr>
+              <a:t>0b00 </a:t>
+            </a:r>
+            <a:r>
+              <a:rPr lang="en-US" dirty="0" smtClean="0">
+                <a:latin typeface="+mj-lt"/>
+              </a:rPr>
+              <a:t>STUN</a:t>
+            </a:r>
+            <a:r>
+              <a:rPr lang="en-US" dirty="0" smtClean="0"/>
+              <a:t> Message</a:t>
+            </a:r>
+          </a:p>
+          <a:p>
+            <a:r>
+              <a:rPr lang="en-US" dirty="0" smtClean="0">
+                <a:latin typeface="Courier"/>
+                <a:cs typeface="Courier"/>
+              </a:rPr>
+              <a:t>0b01 </a:t>
+            </a:r>
+            <a:r>
+              <a:rPr lang="en-US" dirty="0" err="1" smtClean="0">
+                <a:latin typeface="Courier"/>
+                <a:cs typeface="Courier"/>
+              </a:rPr>
+              <a:t>ChannelData</a:t>
+            </a:r>
+            <a:r>
+              <a:rPr lang="en-US" dirty="0" smtClean="0"/>
+              <a:t> Message (</a:t>
+            </a:r>
+            <a:r>
+              <a:rPr lang="en-US" dirty="0" smtClean="0">
+                <a:latin typeface="+mj-lt"/>
+              </a:rPr>
+              <a:t>TURN</a:t>
+            </a:r>
+            <a:r>
+              <a:rPr lang="en-US" dirty="0" smtClean="0"/>
+              <a:t>)</a:t>
+            </a:r>
+            <a:endParaRPr lang="en-US" dirty="0"/>
+          </a:p>
+        </p:txBody>
+      </p:sp>
+      <p:sp>
+        <p:nvSpPr>
+          <p:cNvPr id="26" name="TextBox 25"/>
+          <p:cNvSpPr txBox="1"/>
+          <p:nvPr/>
+        </p:nvSpPr>
+        <p:spPr>
+          <a:xfrm>
+            <a:off x="2932106" y="2593707"/>
+            <a:ext cx="1306972" cy="369332"/>
+          </a:xfrm>
+          <a:prstGeom prst="rect">
+            <a:avLst/>
+          </a:prstGeom>
+          <a:noFill/>
+        </p:spPr>
+        <p:txBody>
+          <a:bodyPr wrap="none" rtlCol="0">
+            <a:spAutoFit/>
+          </a:bodyPr>
+          <a:lstStyle/>
+          <a:p>
+            <a:r>
+              <a:rPr lang="en-US" dirty="0" smtClean="0"/>
+              <a:t>19 &lt; </a:t>
+            </a:r>
+            <a:r>
+              <a:rPr lang="en-US" dirty="0" smtClean="0">
+                <a:latin typeface="+mj-lt"/>
+              </a:rPr>
+              <a:t>H</a:t>
+            </a:r>
+            <a:r>
+              <a:rPr lang="en-US" dirty="0" smtClean="0"/>
+              <a:t> &lt; 64</a:t>
+            </a:r>
+            <a:endParaRPr lang="en-US" dirty="0"/>
+          </a:p>
+        </p:txBody>
+      </p:sp>
+      <p:sp>
+        <p:nvSpPr>
+          <p:cNvPr id="27" name="TextBox 26"/>
+          <p:cNvSpPr txBox="1"/>
+          <p:nvPr/>
+        </p:nvSpPr>
+        <p:spPr>
+          <a:xfrm>
+            <a:off x="4402859" y="2015863"/>
+            <a:ext cx="461665" cy="1889362"/>
+          </a:xfrm>
+          <a:prstGeom prst="rect">
+            <a:avLst/>
+          </a:prstGeom>
+          <a:noFill/>
+        </p:spPr>
+        <p:txBody>
+          <a:bodyPr vert="vert270" wrap="none" rtlCol="0">
+            <a:spAutoFit/>
+          </a:bodyPr>
+          <a:lstStyle/>
+          <a:p>
+            <a:r>
+              <a:rPr lang="en-US" dirty="0" smtClean="0"/>
+              <a:t>DTLS Processing</a:t>
+            </a:r>
+            <a:endParaRPr lang="en-US" dirty="0"/>
+          </a:p>
+        </p:txBody>
+      </p:sp>
+      <p:sp>
+        <p:nvSpPr>
+          <p:cNvPr id="30" name="TextBox 29"/>
+          <p:cNvSpPr txBox="1"/>
+          <p:nvPr/>
+        </p:nvSpPr>
+        <p:spPr>
+          <a:xfrm>
+            <a:off x="4430166" y="4291600"/>
+            <a:ext cx="3147015" cy="369332"/>
+          </a:xfrm>
+          <a:prstGeom prst="rect">
+            <a:avLst/>
+          </a:prstGeom>
+          <a:noFill/>
+        </p:spPr>
+        <p:txBody>
+          <a:bodyPr wrap="none" rtlCol="0">
+            <a:spAutoFit/>
+          </a:bodyPr>
+          <a:lstStyle/>
+          <a:p>
+            <a:r>
+              <a:rPr lang="en-US" dirty="0" smtClean="0"/>
+              <a:t>Forward to </a:t>
+            </a:r>
+            <a:r>
+              <a:rPr lang="en-US" dirty="0" smtClean="0">
+                <a:latin typeface="+mj-lt"/>
+              </a:rPr>
+              <a:t>RTP </a:t>
+            </a:r>
+            <a:r>
+              <a:rPr lang="en-US" dirty="0" smtClean="0"/>
+              <a:t>Processing</a:t>
+            </a:r>
+            <a:endParaRPr lang="en-US" dirty="0"/>
+          </a:p>
+        </p:txBody>
+      </p:sp>
+      <p:sp>
+        <p:nvSpPr>
+          <p:cNvPr id="36" name="TextBox 35"/>
+          <p:cNvSpPr txBox="1"/>
+          <p:nvPr/>
+        </p:nvSpPr>
+        <p:spPr>
+          <a:xfrm>
+            <a:off x="2798353" y="4106934"/>
+            <a:ext cx="1505540" cy="369332"/>
+          </a:xfrm>
+          <a:prstGeom prst="rect">
+            <a:avLst/>
+          </a:prstGeom>
+          <a:noFill/>
+        </p:spPr>
+        <p:txBody>
+          <a:bodyPr wrap="none" rtlCol="0">
+            <a:spAutoFit/>
+          </a:bodyPr>
+          <a:lstStyle/>
+          <a:p>
+            <a:r>
+              <a:rPr lang="en-US" dirty="0" smtClean="0"/>
+              <a:t>127 &lt; </a:t>
+            </a:r>
+            <a:r>
+              <a:rPr lang="en-US" dirty="0" smtClean="0">
+                <a:latin typeface="+mj-lt"/>
+              </a:rPr>
+              <a:t>H</a:t>
+            </a:r>
+            <a:r>
+              <a:rPr lang="en-US" dirty="0" smtClean="0"/>
+              <a:t> &lt; 192</a:t>
+            </a:r>
+            <a:endParaRPr lang="en-US" dirty="0"/>
+          </a:p>
+        </p:txBody>
+      </p:sp>
+      <p:cxnSp>
+        <p:nvCxnSpPr>
+          <p:cNvPr id="39" name="Straight Arrow Connector 38"/>
+          <p:cNvCxnSpPr>
+            <a:endCxn id="41" idx="1"/>
+          </p:cNvCxnSpPr>
+          <p:nvPr/>
+        </p:nvCxnSpPr>
+        <p:spPr>
+          <a:xfrm>
+            <a:off x="4932799" y="2498783"/>
+            <a:ext cx="1112741" cy="0"/>
+          </a:xfrm>
+          <a:prstGeom prst="straightConnector1">
+            <a:avLst/>
+          </a:prstGeom>
+          <a:ln>
+            <a:tailEnd type="arrow"/>
+          </a:ln>
+        </p:spPr>
+        <p:style>
+          <a:lnRef idx="1">
+            <a:schemeClr val="dk1"/>
+          </a:lnRef>
+          <a:fillRef idx="0">
+            <a:schemeClr val="dk1"/>
+          </a:fillRef>
+          <a:effectRef idx="0">
+            <a:schemeClr val="dk1"/>
+          </a:effectRef>
+          <a:fontRef idx="minor">
+            <a:schemeClr val="tx1"/>
+          </a:fontRef>
+        </p:style>
+      </p:cxnSp>
+      <p:cxnSp>
+        <p:nvCxnSpPr>
+          <p:cNvPr id="40" name="Straight Arrow Connector 39"/>
+          <p:cNvCxnSpPr>
+            <a:endCxn id="43" idx="1"/>
+          </p:cNvCxnSpPr>
+          <p:nvPr/>
+        </p:nvCxnSpPr>
+        <p:spPr>
+          <a:xfrm>
+            <a:off x="4932799" y="3372675"/>
+            <a:ext cx="1112741" cy="0"/>
+          </a:xfrm>
+          <a:prstGeom prst="straightConnector1">
+            <a:avLst/>
+          </a:prstGeom>
+          <a:ln>
+            <a:tailEnd type="arrow"/>
+          </a:ln>
+        </p:spPr>
+        <p:style>
+          <a:lnRef idx="1">
+            <a:schemeClr val="dk1"/>
+          </a:lnRef>
+          <a:fillRef idx="0">
+            <a:schemeClr val="dk1"/>
+          </a:fillRef>
+          <a:effectRef idx="0">
+            <a:schemeClr val="dk1"/>
+          </a:effectRef>
+          <a:fontRef idx="minor">
+            <a:schemeClr val="tx1"/>
+          </a:fontRef>
+        </p:style>
+      </p:cxnSp>
+      <p:sp>
+        <p:nvSpPr>
+          <p:cNvPr id="41" name="TextBox 40"/>
+          <p:cNvSpPr txBox="1"/>
+          <p:nvPr/>
+        </p:nvSpPr>
+        <p:spPr>
+          <a:xfrm>
+            <a:off x="6045540" y="2314117"/>
+            <a:ext cx="800219" cy="369332"/>
+          </a:xfrm>
+          <a:prstGeom prst="rect">
+            <a:avLst/>
+          </a:prstGeom>
+          <a:noFill/>
+        </p:spPr>
+        <p:txBody>
+          <a:bodyPr wrap="none" rtlCol="0">
+            <a:spAutoFit/>
+          </a:bodyPr>
+          <a:lstStyle/>
+          <a:p>
+            <a:r>
+              <a:rPr lang="en-US" dirty="0" smtClean="0">
+                <a:latin typeface="+mj-lt"/>
+              </a:rPr>
+              <a:t>SCTP</a:t>
+            </a:r>
+            <a:endParaRPr lang="en-US" dirty="0">
+              <a:latin typeface="+mj-lt"/>
+            </a:endParaRPr>
+          </a:p>
+        </p:txBody>
+      </p:sp>
+      <p:sp>
+        <p:nvSpPr>
+          <p:cNvPr id="43" name="TextBox 42"/>
+          <p:cNvSpPr txBox="1"/>
+          <p:nvPr/>
+        </p:nvSpPr>
+        <p:spPr>
+          <a:xfrm>
+            <a:off x="6045540" y="3188009"/>
+            <a:ext cx="774571" cy="369332"/>
+          </a:xfrm>
+          <a:prstGeom prst="rect">
+            <a:avLst/>
+          </a:prstGeom>
+          <a:noFill/>
+        </p:spPr>
+        <p:txBody>
+          <a:bodyPr wrap="none" rtlCol="0">
+            <a:spAutoFit/>
+          </a:bodyPr>
+          <a:lstStyle/>
+          <a:p>
+            <a:r>
+              <a:rPr lang="en-US" dirty="0">
+                <a:latin typeface="+mj-lt"/>
+              </a:rPr>
+              <a:t>DTLS</a:t>
+            </a:r>
+            <a:endParaRPr lang="en-US" dirty="0">
+              <a:latin typeface="+mj-lt"/>
+            </a:endParaRPr>
+          </a:p>
+        </p:txBody>
+      </p:sp>
+    </p:spTree>
+    <p:extLst>
+      <p:ext uri="{BB962C8B-B14F-4D97-AF65-F5344CB8AC3E}">
+        <p14:creationId xmlns:p14="http://schemas.microsoft.com/office/powerpoint/2010/main" val="1482038348"/>
       </p:ext>
     </p:extLst>
   </p:cSld>
@@ -6931,4 +8992,324 @@
   </a:objectDefaults>
   <a:extraClrSchemeLst/>
 </a:theme>
+</file>
+
+<file path=ppt/theme/theme2.xml><?xml version="1.0" encoding="utf-8"?>
+<a:theme xmlns:a="http://schemas.openxmlformats.org/drawingml/2006/main" name="Office Theme">
+  <a:themeElements>
+    <a:clrScheme name="Office">
+      <a:dk1>
+        <a:sysClr val="windowText" lastClr="000000"/>
+      </a:dk1>
+      <a:lt1>
+        <a:sysClr val="window" lastClr="FFFFFF"/>
+      </a:lt1>
+      <a:dk2>
+        <a:srgbClr val="1F497D"/>
+      </a:dk2>
+      <a:lt2>
+        <a:srgbClr val="EEECE1"/>
+      </a:lt2>
+      <a:accent1>
+        <a:srgbClr val="4F81BD"/>
+      </a:accent1>
+      <a:accent2>
+        <a:srgbClr val="C0504D"/>
+      </a:accent2>
+      <a:accent3>
+        <a:srgbClr val="9BBB59"/>
+      </a:accent3>
+      <a:accent4>
+        <a:srgbClr val="8064A2"/>
+      </a:accent4>
+      <a:accent5>
+        <a:srgbClr val="4BACC6"/>
+      </a:accent5>
+      <a:accent6>
+        <a:srgbClr val="F79646"/>
+      </a:accent6>
+      <a:hlink>
+        <a:srgbClr val="0000FF"/>
+      </a:hlink>
+      <a:folHlink>
+        <a:srgbClr val="800080"/>
+      </a:folHlink>
+    </a:clrScheme>
+    <a:fontScheme name="Office">
+      <a:majorFont>
+        <a:latin typeface="Calibri"/>
+        <a:ea typeface=""/>
+        <a:cs typeface=""/>
+        <a:font script="Jpan" typeface="ＭＳ Ｐゴシック"/>
+        <a:font script="Hang" typeface="맑은 고딕"/>
+        <a:font script="Hans" typeface="宋体"/>
+        <a:font script="Hant" typeface="新細明體"/>
+        <a:font script="Arab" typeface="Times New Roman"/>
+        <a:font script="Hebr" typeface="Times New Roman"/>
+        <a:font script="Thai" typeface="Angsana New"/>
+        <a:font script="Ethi" typeface="Nyala"/>
+        <a:font script="Beng" typeface="Vrinda"/>
+        <a:font script="Gujr" typeface="Shruti"/>
+        <a:font script="Khmr" typeface="MoolBoran"/>
+        <a:font script="Knda" typeface="Tunga"/>
+        <a:font script="Guru" typeface="Raavi"/>
+        <a:font script="Cans" typeface="Euphemia"/>
+        <a:font script="Cher" typeface="Plantagenet Cherokee"/>
+        <a:font script="Yiii" typeface="Microsoft Yi Baiti"/>
+        <a:font script="Tibt" typeface="Microsoft Himalaya"/>
+        <a:font script="Thaa" typeface="MV Boli"/>
+        <a:font script="Deva" typeface="Mangal"/>
+        <a:font script="Telu" typeface="Gautami"/>
+        <a:font script="Taml" typeface="Latha"/>
+        <a:font script="Syrc" typeface="Estrangelo Edessa"/>
+        <a:font script="Orya" typeface="Kalinga"/>
+        <a:font script="Mlym" typeface="Kartika"/>
+        <a:font script="Laoo" typeface="DokChampa"/>
+        <a:font script="Sinh" typeface="Iskoola Pota"/>
+        <a:font script="Mong" typeface="Mongolian Baiti"/>
+        <a:font script="Viet" typeface="Times New Roman"/>
+        <a:font script="Uigh" typeface="Microsoft Uighur"/>
+        <a:font script="Geor" typeface="Sylfaen"/>
+      </a:majorFont>
+      <a:minorFont>
+        <a:latin typeface="Calibri"/>
+        <a:ea typeface=""/>
+        <a:cs typeface=""/>
+        <a:font script="Jpan" typeface="ＭＳ Ｐゴシック"/>
+        <a:font script="Hang" typeface="맑은 고딕"/>
+        <a:font script="Hans" typeface="宋体"/>
+        <a:font script="Hant" typeface="新細明體"/>
+        <a:font script="Arab" typeface="Arial"/>
+        <a:font script="Hebr" typeface="Arial"/>
+        <a:font script="Thai" typeface="Cordia New"/>
+        <a:font script="Ethi" typeface="Nyala"/>
+        <a:font script="Beng" typeface="Vrinda"/>
+        <a:font script="Gujr" typeface="Shruti"/>
+        <a:font script="Khmr" typeface="DaunPenh"/>
+        <a:font script="Knda" typeface="Tunga"/>
+        <a:font script="Guru" typeface="Raavi"/>
+        <a:font script="Cans" typeface="Euphemia"/>
+        <a:font script="Cher" typeface="Plantagenet Cherokee"/>
+        <a:font script="Yiii" typeface="Microsoft Yi Baiti"/>
+        <a:font script="Tibt" typeface="Microsoft Himalaya"/>
+        <a:font script="Thaa" typeface="MV Boli"/>
+        <a:font script="Deva" typeface="Mangal"/>
+        <a:font script="Telu" typeface="Gautami"/>
+        <a:font script="Taml" typeface="Latha"/>
+        <a:font script="Syrc" typeface="Estrangelo Edessa"/>
+        <a:font script="Orya" typeface="Kalinga"/>
+        <a:font script="Mlym" typeface="Kartika"/>
+        <a:font script="Laoo" typeface="DokChampa"/>
+        <a:font script="Sinh" typeface="Iskoola Pota"/>
+        <a:font script="Mong" typeface="Mongolian Baiti"/>
+        <a:font script="Viet" typeface="Arial"/>
+        <a:font script="Uigh" typeface="Microsoft Uighur"/>
+        <a:font script="Geor" typeface="Sylfaen"/>
+      </a:minorFont>
+    </a:fontScheme>
+    <a:fmtScheme name="Office">
+      <a:fillStyleLst>
+        <a:solidFill>
+          <a:schemeClr val="phClr"/>
+        </a:solidFill>
+        <a:gradFill rotWithShape="1">
+          <a:gsLst>
+            <a:gs pos="0">
+              <a:schemeClr val="phClr">
+                <a:tint val="50000"/>
+                <a:satMod val="300000"/>
+              </a:schemeClr>
+            </a:gs>
+            <a:gs pos="35000">
+              <a:schemeClr val="phClr">
+                <a:tint val="37000"/>
+                <a:satMod val="300000"/>
+              </a:schemeClr>
+            </a:gs>
+            <a:gs pos="100000">
+              <a:schemeClr val="phClr">
+                <a:tint val="15000"/>
+                <a:satMod val="350000"/>
+              </a:schemeClr>
+            </a:gs>
+          </a:gsLst>
+          <a:lin ang="16200000" scaled="1"/>
+        </a:gradFill>
+        <a:gradFill rotWithShape="1">
+          <a:gsLst>
+            <a:gs pos="0">
+              <a:schemeClr val="phClr">
+                <a:tint val="100000"/>
+                <a:shade val="100000"/>
+                <a:satMod val="130000"/>
+              </a:schemeClr>
+            </a:gs>
+            <a:gs pos="100000">
+              <a:schemeClr val="phClr">
+                <a:tint val="50000"/>
+                <a:shade val="100000"/>
+                <a:satMod val="350000"/>
+              </a:schemeClr>
+            </a:gs>
+          </a:gsLst>
+          <a:lin ang="16200000" scaled="0"/>
+        </a:gradFill>
+      </a:fillStyleLst>
+      <a:lnStyleLst>
+        <a:ln w="9525" cap="flat" cmpd="sng" algn="ctr">
+          <a:solidFill>
+            <a:schemeClr val="phClr">
+              <a:shade val="95000"/>
+              <a:satMod val="105000"/>
+            </a:schemeClr>
+          </a:solidFill>
+          <a:prstDash val="solid"/>
+        </a:ln>
+        <a:ln w="25400" cap="flat" cmpd="sng" algn="ctr">
+          <a:solidFill>
+            <a:schemeClr val="phClr"/>
+          </a:solidFill>
+          <a:prstDash val="solid"/>
+        </a:ln>
+        <a:ln w="38100" cap="flat" cmpd="sng" algn="ctr">
+          <a:solidFill>
+            <a:schemeClr val="phClr"/>
+          </a:solidFill>
+          <a:prstDash val="solid"/>
+        </a:ln>
+      </a:lnStyleLst>
+      <a:effectStyleLst>
+        <a:effectStyle>
+          <a:effectLst>
+            <a:outerShdw blurRad="40000" dist="20000" dir="5400000" rotWithShape="0">
+              <a:srgbClr val="000000">
+                <a:alpha val="38000"/>
+              </a:srgbClr>
+            </a:outerShdw>
+          </a:effectLst>
+        </a:effectStyle>
+        <a:effectStyle>
+          <a:effectLst>
+            <a:outerShdw blurRad="40000" dist="23000" dir="5400000" rotWithShape="0">
+              <a:srgbClr val="000000">
+                <a:alpha val="35000"/>
+              </a:srgbClr>
+            </a:outerShdw>
+          </a:effectLst>
+        </a:effectStyle>
+        <a:effectStyle>
+          <a:effectLst>
+            <a:outerShdw blurRad="40000" dist="23000" dir="5400000" rotWithShape="0">
+              <a:srgbClr val="000000">
+                <a:alpha val="35000"/>
+              </a:srgbClr>
+            </a:outerShdw>
+          </a:effectLst>
+          <a:scene3d>
+            <a:camera prst="orthographicFront">
+              <a:rot lat="0" lon="0" rev="0"/>
+            </a:camera>
+            <a:lightRig rig="threePt" dir="t">
+              <a:rot lat="0" lon="0" rev="1200000"/>
+            </a:lightRig>
+          </a:scene3d>
+          <a:sp3d>
+            <a:bevelT w="63500" h="25400"/>
+          </a:sp3d>
+        </a:effectStyle>
+      </a:effectStyleLst>
+      <a:bgFillStyleLst>
+        <a:solidFill>
+          <a:schemeClr val="phClr"/>
+        </a:solidFill>
+        <a:gradFill rotWithShape="1">
+          <a:gsLst>
+            <a:gs pos="0">
+              <a:schemeClr val="phClr">
+                <a:tint val="40000"/>
+                <a:satMod val="350000"/>
+              </a:schemeClr>
+            </a:gs>
+            <a:gs pos="40000">
+              <a:schemeClr val="phClr">
+                <a:tint val="45000"/>
+                <a:shade val="99000"/>
+                <a:satMod val="350000"/>
+              </a:schemeClr>
+            </a:gs>
+            <a:gs pos="100000">
+              <a:schemeClr val="phClr">
+                <a:shade val="20000"/>
+                <a:satMod val="255000"/>
+              </a:schemeClr>
+            </a:gs>
+          </a:gsLst>
+          <a:path path="circle">
+            <a:fillToRect l="50000" t="-80000" r="50000" b="180000"/>
+          </a:path>
+        </a:gradFill>
+        <a:gradFill rotWithShape="1">
+          <a:gsLst>
+            <a:gs pos="0">
+              <a:schemeClr val="phClr">
+                <a:tint val="80000"/>
+                <a:satMod val="300000"/>
+              </a:schemeClr>
+            </a:gs>
+            <a:gs pos="100000">
+              <a:schemeClr val="phClr">
+                <a:shade val="30000"/>
+                <a:satMod val="200000"/>
+              </a:schemeClr>
+            </a:gs>
+          </a:gsLst>
+          <a:path path="circle">
+            <a:fillToRect l="50000" t="50000" r="50000" b="50000"/>
+          </a:path>
+        </a:gradFill>
+      </a:bgFillStyleLst>
+    </a:fmtScheme>
+  </a:themeElements>
+  <a:objectDefaults>
+    <a:spDef>
+      <a:spPr/>
+      <a:bodyPr/>
+      <a:lstStyle/>
+      <a:style>
+        <a:lnRef idx="1">
+          <a:schemeClr val="accent1"/>
+        </a:lnRef>
+        <a:fillRef idx="3">
+          <a:schemeClr val="accent1"/>
+        </a:fillRef>
+        <a:effectRef idx="2">
+          <a:schemeClr val="accent1"/>
+        </a:effectRef>
+        <a:fontRef idx="minor">
+          <a:schemeClr val="lt1"/>
+        </a:fontRef>
+      </a:style>
+    </a:spDef>
+    <a:lnDef>
+      <a:spPr/>
+      <a:bodyPr/>
+      <a:lstStyle/>
+      <a:style>
+        <a:lnRef idx="2">
+          <a:schemeClr val="accent1"/>
+        </a:lnRef>
+        <a:fillRef idx="0">
+          <a:schemeClr val="accent1"/>
+        </a:fillRef>
+        <a:effectRef idx="1">
+          <a:schemeClr val="accent1"/>
+        </a:effectRef>
+        <a:fontRef idx="minor">
+          <a:schemeClr val="tx1"/>
+        </a:fontRef>
+      </a:style>
+    </a:lnDef>
+  </a:objectDefaults>
+  <a:extraClrSchemeLst/>
+</a:theme>
 </file>
--- a/graphs/source/chap5-src.pptx
+++ b/graphs/source/chap5-src.pptx
@@ -5,16 +5,18 @@
     <p:sldMasterId id="2147483660" r:id="rId1"/>
   </p:sldMasterIdLst>
   <p:notesMasterIdLst>
-    <p:notesMasterId r:id="rId9"/>
+    <p:notesMasterId r:id="rId11"/>
   </p:notesMasterIdLst>
   <p:sldIdLst>
     <p:sldId id="256" r:id="rId2"/>
-    <p:sldId id="257" r:id="rId3"/>
-    <p:sldId id="258" r:id="rId4"/>
-    <p:sldId id="259" r:id="rId5"/>
-    <p:sldId id="260" r:id="rId6"/>
-    <p:sldId id="262" r:id="rId7"/>
-    <p:sldId id="261" r:id="rId8"/>
+    <p:sldId id="263" r:id="rId3"/>
+    <p:sldId id="257" r:id="rId4"/>
+    <p:sldId id="258" r:id="rId5"/>
+    <p:sldId id="259" r:id="rId6"/>
+    <p:sldId id="260" r:id="rId7"/>
+    <p:sldId id="262" r:id="rId8"/>
+    <p:sldId id="261" r:id="rId9"/>
+    <p:sldId id="264" r:id="rId10"/>
   </p:sldIdLst>
   <p:sldSz cx="9144000" cy="6858000" type="screen4x3"/>
   <p:notesSz cx="6858000" cy="9144000"/>
@@ -198,7 +200,7 @@
           <a:p>
             <a:fld id="{7BA68311-98B2-8147-8E3D-5F9C91F16701}" type="datetimeFigureOut">
               <a:rPr lang="en-US" smtClean="0"/>
-              <a:t>8/28/13</a:t>
+              <a:t>8/31/13</a:t>
             </a:fld>
             <a:endParaRPr lang="en-US"/>
           </a:p>
@@ -531,7 +533,7 @@
           <a:p>
             <a:fld id="{8AED5117-C3DB-DC46-B433-F1C323FD7F80}" type="slidenum">
               <a:rPr lang="en-US" smtClean="0"/>
-              <a:t>6</a:t>
+              <a:t>7</a:t>
             </a:fld>
             <a:endParaRPr lang="en-US"/>
           </a:p>
@@ -731,7 +733,7 @@
           <a:p>
             <a:fld id="{CE2D3545-AE21-7247-8426-4B1172E482C1}" type="datetimeFigureOut">
               <a:rPr lang="en-US" smtClean="0"/>
-              <a:t>8/28/13</a:t>
+              <a:t>8/31/13</a:t>
             </a:fld>
             <a:endParaRPr lang="en-US"/>
           </a:p>
@@ -901,7 +903,7 @@
           <a:p>
             <a:fld id="{CE2D3545-AE21-7247-8426-4B1172E482C1}" type="datetimeFigureOut">
               <a:rPr lang="en-US" smtClean="0"/>
-              <a:t>8/28/13</a:t>
+              <a:t>8/31/13</a:t>
             </a:fld>
             <a:endParaRPr lang="en-US"/>
           </a:p>
@@ -1081,7 +1083,7 @@
           <a:p>
             <a:fld id="{CE2D3545-AE21-7247-8426-4B1172E482C1}" type="datetimeFigureOut">
               <a:rPr lang="en-US" smtClean="0"/>
-              <a:t>8/28/13</a:t>
+              <a:t>8/31/13</a:t>
             </a:fld>
             <a:endParaRPr lang="en-US"/>
           </a:p>
@@ -1251,7 +1253,7 @@
           <a:p>
             <a:fld id="{CE2D3545-AE21-7247-8426-4B1172E482C1}" type="datetimeFigureOut">
               <a:rPr lang="en-US" smtClean="0"/>
-              <a:t>8/28/13</a:t>
+              <a:t>8/31/13</a:t>
             </a:fld>
             <a:endParaRPr lang="en-US"/>
           </a:p>
@@ -1497,7 +1499,7 @@
           <a:p>
             <a:fld id="{CE2D3545-AE21-7247-8426-4B1172E482C1}" type="datetimeFigureOut">
               <a:rPr lang="en-US" smtClean="0"/>
-              <a:t>8/28/13</a:t>
+              <a:t>8/31/13</a:t>
             </a:fld>
             <a:endParaRPr lang="en-US"/>
           </a:p>
@@ -1785,7 +1787,7 @@
           <a:p>
             <a:fld id="{CE2D3545-AE21-7247-8426-4B1172E482C1}" type="datetimeFigureOut">
               <a:rPr lang="en-US" smtClean="0"/>
-              <a:t>8/28/13</a:t>
+              <a:t>8/31/13</a:t>
             </a:fld>
             <a:endParaRPr lang="en-US"/>
           </a:p>
@@ -2207,7 +2209,7 @@
           <a:p>
             <a:fld id="{CE2D3545-AE21-7247-8426-4B1172E482C1}" type="datetimeFigureOut">
               <a:rPr lang="en-US" smtClean="0"/>
-              <a:t>8/28/13</a:t>
+              <a:t>8/31/13</a:t>
             </a:fld>
             <a:endParaRPr lang="en-US"/>
           </a:p>
@@ -2325,7 +2327,7 @@
           <a:p>
             <a:fld id="{CE2D3545-AE21-7247-8426-4B1172E482C1}" type="datetimeFigureOut">
               <a:rPr lang="en-US" smtClean="0"/>
-              <a:t>8/28/13</a:t>
+              <a:t>8/31/13</a:t>
             </a:fld>
             <a:endParaRPr lang="en-US"/>
           </a:p>
@@ -2420,7 +2422,7 @@
           <a:p>
             <a:fld id="{CE2D3545-AE21-7247-8426-4B1172E482C1}" type="datetimeFigureOut">
               <a:rPr lang="en-US" smtClean="0"/>
-              <a:t>8/28/13</a:t>
+              <a:t>8/31/13</a:t>
             </a:fld>
             <a:endParaRPr lang="en-US"/>
           </a:p>
@@ -2697,7 +2699,7 @@
           <a:p>
             <a:fld id="{CE2D3545-AE21-7247-8426-4B1172E482C1}" type="datetimeFigureOut">
               <a:rPr lang="en-US" smtClean="0"/>
-              <a:t>8/28/13</a:t>
+              <a:t>8/31/13</a:t>
             </a:fld>
             <a:endParaRPr lang="en-US"/>
           </a:p>
@@ -2954,7 +2956,7 @@
           <a:p>
             <a:fld id="{CE2D3545-AE21-7247-8426-4B1172E482C1}" type="datetimeFigureOut">
               <a:rPr lang="en-US" smtClean="0"/>
-              <a:t>8/28/13</a:t>
+              <a:t>8/31/13</a:t>
             </a:fld>
             <a:endParaRPr lang="en-US"/>
           </a:p>
@@ -3172,7 +3174,7 @@
           <a:p>
             <a:fld id="{CE2D3545-AE21-7247-8426-4B1172E482C1}" type="datetimeFigureOut">
               <a:rPr lang="en-US" smtClean="0"/>
-              <a:t>8/28/13</a:t>
+              <a:t>8/31/13</a:t>
             </a:fld>
             <a:endParaRPr lang="en-US"/>
           </a:p>
@@ -4426,553 +4428,10 @@
           <a:chExt cx="0" cy="0"/>
         </a:xfrm>
       </p:grpSpPr>
-      <p:sp>
-        <p:nvSpPr>
-          <p:cNvPr id="27" name="Rectangle 26"/>
-          <p:cNvSpPr/>
-          <p:nvPr/>
-        </p:nvSpPr>
-        <p:spPr>
-          <a:xfrm>
-            <a:off x="3031490" y="2253003"/>
-            <a:ext cx="518906" cy="1775092"/>
-          </a:xfrm>
-          <a:prstGeom prst="rect">
-            <a:avLst/>
-          </a:prstGeom>
-          <a:solidFill>
-            <a:schemeClr val="bg1">
-              <a:lumMod val="85000"/>
-            </a:schemeClr>
-          </a:solidFill>
-        </p:spPr>
-        <p:style>
-          <a:lnRef idx="2">
-            <a:schemeClr val="dk1"/>
-          </a:lnRef>
-          <a:fillRef idx="1">
-            <a:schemeClr val="lt1"/>
-          </a:fillRef>
-          <a:effectRef idx="0">
-            <a:schemeClr val="dk1"/>
-          </a:effectRef>
-          <a:fontRef idx="minor">
-            <a:schemeClr val="dk1"/>
-          </a:fontRef>
-        </p:style>
-        <p:txBody>
-          <a:bodyPr vert="vert270" rtlCol="0" anchor="ctr"/>
-          <a:lstStyle/>
-          <a:p>
-            <a:pPr algn="ctr"/>
-            <a:r>
-              <a:rPr lang="en-US" dirty="0" smtClean="0"/>
-              <a:t>Base-station</a:t>
-            </a:r>
-            <a:endParaRPr lang="en-US" dirty="0"/>
-          </a:p>
-        </p:txBody>
-      </p:sp>
-      <p:sp>
-        <p:nvSpPr>
-          <p:cNvPr id="19" name="Rectangle 18"/>
-          <p:cNvSpPr/>
-          <p:nvPr/>
-        </p:nvSpPr>
-        <p:spPr>
-          <a:xfrm>
-            <a:off x="163879" y="1790930"/>
-            <a:ext cx="1859325" cy="2701418"/>
-          </a:xfrm>
-          <a:prstGeom prst="rect">
-            <a:avLst/>
-          </a:prstGeom>
-        </p:spPr>
-        <p:style>
-          <a:lnRef idx="2">
-            <a:schemeClr val="dk1"/>
-          </a:lnRef>
-          <a:fillRef idx="1">
-            <a:schemeClr val="lt1"/>
-          </a:fillRef>
-          <a:effectRef idx="0">
-            <a:schemeClr val="dk1"/>
-          </a:effectRef>
-          <a:fontRef idx="minor">
-            <a:schemeClr val="dk1"/>
-          </a:fontRef>
-        </p:style>
-        <p:txBody>
-          <a:bodyPr rtlCol="0" anchor="ctr"/>
-          <a:lstStyle/>
-          <a:p>
-            <a:pPr algn="ctr"/>
-            <a:r>
-              <a:rPr lang="en-US" dirty="0" smtClean="0"/>
-              <a:t>Sender</a:t>
-            </a:r>
-            <a:endParaRPr lang="en-US" sz="1600" dirty="0"/>
-          </a:p>
-        </p:txBody>
-      </p:sp>
-      <p:sp>
-        <p:nvSpPr>
-          <p:cNvPr id="20" name="Right Arrow 19"/>
-          <p:cNvSpPr/>
-          <p:nvPr/>
-        </p:nvSpPr>
-        <p:spPr>
-          <a:xfrm>
-            <a:off x="2023204" y="2460002"/>
-            <a:ext cx="1008286" cy="314055"/>
-          </a:xfrm>
-          <a:prstGeom prst="rightArrow">
-            <a:avLst/>
-          </a:prstGeom>
-        </p:spPr>
-        <p:style>
-          <a:lnRef idx="2">
-            <a:schemeClr val="dk1">
-              <a:shade val="50000"/>
-            </a:schemeClr>
-          </a:lnRef>
-          <a:fillRef idx="1">
-            <a:schemeClr val="dk1"/>
-          </a:fillRef>
-          <a:effectRef idx="0">
-            <a:schemeClr val="dk1"/>
-          </a:effectRef>
-          <a:fontRef idx="minor">
-            <a:schemeClr val="lt1"/>
-          </a:fontRef>
-        </p:style>
-        <p:txBody>
-          <a:bodyPr rtlCol="0" anchor="ctr"/>
-          <a:lstStyle/>
-          <a:p>
-            <a:pPr algn="ctr"/>
-            <a:endParaRPr lang="en-US"/>
-          </a:p>
-        </p:txBody>
-      </p:sp>
-      <p:sp>
-        <p:nvSpPr>
-          <p:cNvPr id="25" name="Rectangle 24"/>
-          <p:cNvSpPr/>
-          <p:nvPr/>
-        </p:nvSpPr>
-        <p:spPr>
-          <a:xfrm>
-            <a:off x="7116656" y="1790930"/>
-            <a:ext cx="1859325" cy="2701418"/>
-          </a:xfrm>
-          <a:prstGeom prst="rect">
-            <a:avLst/>
-          </a:prstGeom>
-        </p:spPr>
-        <p:style>
-          <a:lnRef idx="2">
-            <a:schemeClr val="dk1"/>
-          </a:lnRef>
-          <a:fillRef idx="1">
-            <a:schemeClr val="lt1"/>
-          </a:fillRef>
-          <a:effectRef idx="0">
-            <a:schemeClr val="dk1"/>
-          </a:effectRef>
-          <a:fontRef idx="minor">
-            <a:schemeClr val="dk1"/>
-          </a:fontRef>
-        </p:style>
-        <p:txBody>
-          <a:bodyPr rtlCol="0" anchor="ctr"/>
-          <a:lstStyle/>
-          <a:p>
-            <a:pPr algn="ctr"/>
-            <a:r>
-              <a:rPr lang="en-US" dirty="0" smtClean="0"/>
-              <a:t>Receiver</a:t>
-            </a:r>
-            <a:endParaRPr lang="en-US" sz="1600" dirty="0"/>
-          </a:p>
-        </p:txBody>
-      </p:sp>
-      <p:sp>
-        <p:nvSpPr>
-          <p:cNvPr id="26" name="TextBox 25"/>
-          <p:cNvSpPr txBox="1"/>
-          <p:nvPr/>
-        </p:nvSpPr>
-        <p:spPr>
-          <a:xfrm>
-            <a:off x="3714271" y="2198383"/>
-            <a:ext cx="1749197" cy="369332"/>
-          </a:xfrm>
-          <a:prstGeom prst="rect">
-            <a:avLst/>
-          </a:prstGeom>
-          <a:noFill/>
-        </p:spPr>
-        <p:txBody>
-          <a:bodyPr wrap="none" rtlCol="0">
-            <a:spAutoFit/>
-          </a:bodyPr>
-          <a:lstStyle/>
-          <a:p>
-            <a:r>
-              <a:rPr lang="en-US" dirty="0" smtClean="0"/>
-              <a:t>Media Packets</a:t>
-            </a:r>
-            <a:endParaRPr lang="en-US" dirty="0"/>
-          </a:p>
-        </p:txBody>
-      </p:sp>
-      <p:sp>
-        <p:nvSpPr>
-          <p:cNvPr id="28" name="Rectangle 27"/>
-          <p:cNvSpPr/>
-          <p:nvPr/>
-        </p:nvSpPr>
-        <p:spPr>
-          <a:xfrm>
-            <a:off x="5614565" y="2254093"/>
-            <a:ext cx="518906" cy="1775092"/>
-          </a:xfrm>
-          <a:prstGeom prst="rect">
-            <a:avLst/>
-          </a:prstGeom>
-          <a:solidFill>
-            <a:schemeClr val="bg1">
-              <a:lumMod val="85000"/>
-            </a:schemeClr>
-          </a:solidFill>
-        </p:spPr>
-        <p:style>
-          <a:lnRef idx="2">
-            <a:schemeClr val="dk1"/>
-          </a:lnRef>
-          <a:fillRef idx="1">
-            <a:schemeClr val="lt1"/>
-          </a:fillRef>
-          <a:effectRef idx="0">
-            <a:schemeClr val="dk1"/>
-          </a:effectRef>
-          <a:fontRef idx="minor">
-            <a:schemeClr val="dk1"/>
-          </a:fontRef>
-        </p:style>
-        <p:txBody>
-          <a:bodyPr vert="vert270" rtlCol="0" anchor="ctr"/>
-          <a:lstStyle/>
-          <a:p>
-            <a:pPr algn="ctr"/>
-            <a:r>
-              <a:rPr lang="en-US" dirty="0"/>
-              <a:t>Base-</a:t>
-            </a:r>
-            <a:r>
-              <a:rPr lang="en-US" dirty="0" smtClean="0"/>
-              <a:t>station</a:t>
-            </a:r>
-            <a:endParaRPr lang="en-US" dirty="0"/>
-          </a:p>
-        </p:txBody>
-      </p:sp>
-      <p:sp>
-        <p:nvSpPr>
-          <p:cNvPr id="30" name="Right Arrow 29"/>
-          <p:cNvSpPr/>
-          <p:nvPr/>
-        </p:nvSpPr>
-        <p:spPr>
-          <a:xfrm>
-            <a:off x="3577717" y="2460002"/>
-            <a:ext cx="2021000" cy="314055"/>
-          </a:xfrm>
-          <a:prstGeom prst="rightArrow">
-            <a:avLst/>
-          </a:prstGeom>
-        </p:spPr>
-        <p:style>
-          <a:lnRef idx="2">
-            <a:schemeClr val="dk1">
-              <a:shade val="50000"/>
-            </a:schemeClr>
-          </a:lnRef>
-          <a:fillRef idx="1">
-            <a:schemeClr val="dk1"/>
-          </a:fillRef>
-          <a:effectRef idx="0">
-            <a:schemeClr val="dk1"/>
-          </a:effectRef>
-          <a:fontRef idx="minor">
-            <a:schemeClr val="lt1"/>
-          </a:fontRef>
-        </p:style>
-        <p:txBody>
-          <a:bodyPr rtlCol="0" anchor="ctr"/>
-          <a:lstStyle/>
-          <a:p>
-            <a:pPr algn="ctr"/>
-            <a:endParaRPr lang="en-US"/>
-          </a:p>
-        </p:txBody>
-      </p:sp>
-      <p:sp>
-        <p:nvSpPr>
-          <p:cNvPr id="32" name="Right Arrow 31"/>
-          <p:cNvSpPr/>
-          <p:nvPr/>
-        </p:nvSpPr>
-        <p:spPr>
-          <a:xfrm>
-            <a:off x="6133471" y="2460002"/>
-            <a:ext cx="983185" cy="314055"/>
-          </a:xfrm>
-          <a:prstGeom prst="rightArrow">
-            <a:avLst/>
-          </a:prstGeom>
-        </p:spPr>
-        <p:style>
-          <a:lnRef idx="2">
-            <a:schemeClr val="dk1">
-              <a:shade val="50000"/>
-            </a:schemeClr>
-          </a:lnRef>
-          <a:fillRef idx="1">
-            <a:schemeClr val="dk1"/>
-          </a:fillRef>
-          <a:effectRef idx="0">
-            <a:schemeClr val="dk1"/>
-          </a:effectRef>
-          <a:fontRef idx="minor">
-            <a:schemeClr val="lt1"/>
-          </a:fontRef>
-        </p:style>
-        <p:txBody>
-          <a:bodyPr rtlCol="0" anchor="ctr"/>
-          <a:lstStyle/>
-          <a:p>
-            <a:pPr algn="ctr"/>
-            <a:endParaRPr lang="en-US"/>
-          </a:p>
-        </p:txBody>
-      </p:sp>
-      <p:cxnSp>
-        <p:nvCxnSpPr>
-          <p:cNvPr id="33" name="Straight Arrow Connector 32"/>
-          <p:cNvCxnSpPr>
-            <a:stCxn id="27" idx="1"/>
-            <a:endCxn id="19" idx="3"/>
-          </p:cNvCxnSpPr>
-          <p:nvPr/>
-        </p:nvCxnSpPr>
-        <p:spPr>
-          <a:xfrm flipH="1">
-            <a:off x="2023204" y="3140549"/>
-            <a:ext cx="1008286" cy="1090"/>
-          </a:xfrm>
-          <a:prstGeom prst="straightConnector1">
-            <a:avLst/>
-          </a:prstGeom>
-          <a:ln>
-            <a:tailEnd type="arrow"/>
-          </a:ln>
-        </p:spPr>
-        <p:style>
-          <a:lnRef idx="1">
-            <a:schemeClr val="dk1"/>
-          </a:lnRef>
-          <a:fillRef idx="0">
-            <a:schemeClr val="dk1"/>
-          </a:fillRef>
-          <a:effectRef idx="0">
-            <a:schemeClr val="dk1"/>
-          </a:effectRef>
-          <a:fontRef idx="minor">
-            <a:schemeClr val="tx1"/>
-          </a:fontRef>
-        </p:style>
-      </p:cxnSp>
-      <p:cxnSp>
-        <p:nvCxnSpPr>
-          <p:cNvPr id="37" name="Straight Arrow Connector 36"/>
-          <p:cNvCxnSpPr>
-            <a:stCxn id="28" idx="3"/>
-            <a:endCxn id="25" idx="1"/>
-          </p:cNvCxnSpPr>
-          <p:nvPr/>
-        </p:nvCxnSpPr>
-        <p:spPr>
-          <a:xfrm>
-            <a:off x="6133471" y="3141639"/>
-            <a:ext cx="983185" cy="0"/>
-          </a:xfrm>
-          <a:prstGeom prst="straightConnector1">
-            <a:avLst/>
-          </a:prstGeom>
-          <a:ln>
-            <a:tailEnd type="arrow"/>
-          </a:ln>
-        </p:spPr>
-        <p:style>
-          <a:lnRef idx="1">
-            <a:schemeClr val="dk1"/>
-          </a:lnRef>
-          <a:fillRef idx="0">
-            <a:schemeClr val="dk1"/>
-          </a:fillRef>
-          <a:effectRef idx="0">
-            <a:schemeClr val="dk1"/>
-          </a:effectRef>
-          <a:fontRef idx="minor">
-            <a:schemeClr val="tx1"/>
-          </a:fontRef>
-        </p:style>
-      </p:cxnSp>
-      <p:sp>
-        <p:nvSpPr>
-          <p:cNvPr id="39" name="TextBox 38"/>
-          <p:cNvSpPr txBox="1"/>
-          <p:nvPr/>
-        </p:nvSpPr>
-        <p:spPr>
-          <a:xfrm>
-            <a:off x="2157555" y="3071620"/>
-            <a:ext cx="899528" cy="584776"/>
-          </a:xfrm>
-          <a:prstGeom prst="rect">
-            <a:avLst/>
-          </a:prstGeom>
-          <a:noFill/>
-        </p:spPr>
-        <p:txBody>
-          <a:bodyPr wrap="none" rtlCol="0">
-            <a:spAutoFit/>
-          </a:bodyPr>
-          <a:lstStyle/>
-          <a:p>
-            <a:pPr algn="ctr"/>
-            <a:r>
-              <a:rPr lang="en-US" sz="1600" dirty="0" smtClean="0"/>
-              <a:t>Uplink</a:t>
-            </a:r>
-          </a:p>
-          <a:p>
-            <a:pPr algn="ctr"/>
-            <a:r>
-              <a:rPr lang="en-US" sz="1600" dirty="0" smtClean="0"/>
-              <a:t>Update</a:t>
-            </a:r>
-            <a:endParaRPr lang="en-US" sz="1600" dirty="0"/>
-          </a:p>
-        </p:txBody>
-      </p:sp>
-      <p:sp>
-        <p:nvSpPr>
-          <p:cNvPr id="40" name="TextBox 39"/>
-          <p:cNvSpPr txBox="1"/>
-          <p:nvPr/>
-        </p:nvSpPr>
-        <p:spPr>
-          <a:xfrm>
-            <a:off x="6133471" y="3141639"/>
-            <a:ext cx="1018227" cy="584776"/>
-          </a:xfrm>
-          <a:prstGeom prst="rect">
-            <a:avLst/>
-          </a:prstGeom>
-          <a:noFill/>
-        </p:spPr>
-        <p:txBody>
-          <a:bodyPr wrap="none" rtlCol="0">
-            <a:spAutoFit/>
-          </a:bodyPr>
-          <a:lstStyle/>
-          <a:p>
-            <a:pPr algn="ctr"/>
-            <a:r>
-              <a:rPr lang="en-US" sz="1600" dirty="0" smtClean="0"/>
-              <a:t>Downlink</a:t>
-            </a:r>
-          </a:p>
-          <a:p>
-            <a:pPr algn="ctr"/>
-            <a:r>
-              <a:rPr lang="en-US" sz="1600" dirty="0" smtClean="0"/>
-              <a:t>Update</a:t>
-            </a:r>
-            <a:endParaRPr lang="en-US" sz="1600" dirty="0"/>
-          </a:p>
-        </p:txBody>
-      </p:sp>
-      <p:cxnSp>
-        <p:nvCxnSpPr>
-          <p:cNvPr id="41" name="Straight Arrow Connector 40"/>
-          <p:cNvCxnSpPr/>
-          <p:nvPr/>
-        </p:nvCxnSpPr>
-        <p:spPr>
-          <a:xfrm flipH="1">
-            <a:off x="2023204" y="3946169"/>
-            <a:ext cx="5093452" cy="0"/>
-          </a:xfrm>
-          <a:prstGeom prst="straightConnector1">
-            <a:avLst/>
-          </a:prstGeom>
-          <a:ln>
-            <a:tailEnd type="arrow"/>
-          </a:ln>
-        </p:spPr>
-        <p:style>
-          <a:lnRef idx="1">
-            <a:schemeClr val="dk1"/>
-          </a:lnRef>
-          <a:fillRef idx="0">
-            <a:schemeClr val="dk1"/>
-          </a:fillRef>
-          <a:effectRef idx="0">
-            <a:schemeClr val="dk1"/>
-          </a:effectRef>
-          <a:fontRef idx="minor">
-            <a:schemeClr val="tx1"/>
-          </a:fontRef>
-        </p:style>
-      </p:cxnSp>
-      <p:sp>
-        <p:nvSpPr>
-          <p:cNvPr id="44" name="TextBox 43"/>
-          <p:cNvSpPr txBox="1"/>
-          <p:nvPr/>
-        </p:nvSpPr>
-        <p:spPr>
-          <a:xfrm>
-            <a:off x="3973723" y="3988220"/>
-            <a:ext cx="1007352" cy="369332"/>
-          </a:xfrm>
-          <a:prstGeom prst="rect">
-            <a:avLst/>
-          </a:prstGeom>
-          <a:noFill/>
-        </p:spPr>
-        <p:txBody>
-          <a:bodyPr wrap="none" rtlCol="0">
-            <a:spAutoFit/>
-          </a:bodyPr>
-          <a:lstStyle/>
-          <a:p>
-            <a:r>
-              <a:rPr lang="en-US" dirty="0" smtClean="0"/>
-              <a:t>TMMBR</a:t>
-            </a:r>
-            <a:endParaRPr lang="en-US" dirty="0"/>
-          </a:p>
-        </p:txBody>
-      </p:sp>
     </p:spTree>
     <p:extLst>
       <p:ext uri="{BB962C8B-B14F-4D97-AF65-F5344CB8AC3E}">
-        <p14:creationId xmlns:p14="http://schemas.microsoft.com/office/powerpoint/2010/main" val="2162045583"/>
+        <p14:creationId xmlns:p14="http://schemas.microsoft.com/office/powerpoint/2010/main" val="4213129422"/>
       </p:ext>
     </p:extLst>
   </p:cSld>
@@ -5001,18 +4460,23 @@
       </p:grpSpPr>
       <p:sp>
         <p:nvSpPr>
-          <p:cNvPr id="16" name="Rectangle 15"/>
+          <p:cNvPr id="27" name="Rectangle 26"/>
           <p:cNvSpPr/>
           <p:nvPr/>
         </p:nvSpPr>
         <p:spPr>
           <a:xfrm>
-            <a:off x="6158603" y="3793790"/>
-            <a:ext cx="1474768" cy="914855"/>
+            <a:off x="3031490" y="2253003"/>
+            <a:ext cx="518906" cy="1775092"/>
           </a:xfrm>
           <a:prstGeom prst="rect">
             <a:avLst/>
           </a:prstGeom>
+          <a:solidFill>
+            <a:schemeClr val="bg1">
+              <a:lumMod val="85000"/>
+            </a:schemeClr>
+          </a:solidFill>
         </p:spPr>
         <p:style>
           <a:lnRef idx="2">
@@ -5029,13 +4493,13 @@
           </a:fontRef>
         </p:style>
         <p:txBody>
-          <a:bodyPr rtlCol="0" anchor="ctr"/>
+          <a:bodyPr vert="vert270" rtlCol="0" anchor="ctr"/>
           <a:lstStyle/>
           <a:p>
             <a:pPr algn="ctr"/>
             <a:r>
               <a:rPr lang="en-US" dirty="0" smtClean="0"/>
-              <a:t>Receiver</a:t>
+              <a:t>Base-station</a:t>
             </a:r>
             <a:endParaRPr lang="en-US" dirty="0"/>
           </a:p>
@@ -5043,14 +4507,14 @@
       </p:sp>
       <p:sp>
         <p:nvSpPr>
-          <p:cNvPr id="17" name="Rectangle 16"/>
+          <p:cNvPr id="19" name="Rectangle 18"/>
           <p:cNvSpPr/>
           <p:nvPr/>
         </p:nvSpPr>
         <p:spPr>
           <a:xfrm>
-            <a:off x="1093541" y="3793790"/>
-            <a:ext cx="1350792" cy="914855"/>
+            <a:off x="163879" y="1790930"/>
+            <a:ext cx="1859325" cy="2701418"/>
           </a:xfrm>
           <a:prstGeom prst="rect">
             <a:avLst/>
@@ -5085,14 +4549,14 @@
       </p:sp>
       <p:sp>
         <p:nvSpPr>
-          <p:cNvPr id="18" name="Right Arrow 17"/>
+          <p:cNvPr id="20" name="Right Arrow 19"/>
           <p:cNvSpPr/>
           <p:nvPr/>
         </p:nvSpPr>
         <p:spPr>
           <a:xfrm>
-            <a:off x="2444333" y="3957644"/>
-            <a:ext cx="3714270" cy="314055"/>
+            <a:off x="2023204" y="2460002"/>
+            <a:ext cx="1008286" cy="314055"/>
           </a:xfrm>
           <a:prstGeom prst="rightArrow">
             <a:avLst/>
@@ -5125,107 +4589,14 @@
       </p:sp>
       <p:sp>
         <p:nvSpPr>
-          <p:cNvPr id="19" name="TextBox 18"/>
-          <p:cNvSpPr txBox="1"/>
-          <p:nvPr/>
-        </p:nvSpPr>
-        <p:spPr>
-          <a:xfrm>
-            <a:off x="3425331" y="3625588"/>
-            <a:ext cx="1569660" cy="338554"/>
-          </a:xfrm>
-          <a:prstGeom prst="rect">
-            <a:avLst/>
-          </a:prstGeom>
-          <a:noFill/>
-        </p:spPr>
-        <p:txBody>
-          <a:bodyPr wrap="none" rtlCol="0">
-            <a:spAutoFit/>
-          </a:bodyPr>
-          <a:lstStyle/>
-          <a:p>
-            <a:r>
-              <a:rPr lang="en-US" sz="1600" dirty="0" smtClean="0"/>
-              <a:t>Media packets</a:t>
-            </a:r>
-            <a:endParaRPr lang="en-US" sz="1600" dirty="0"/>
-          </a:p>
-        </p:txBody>
-      </p:sp>
-      <p:cxnSp>
-        <p:nvCxnSpPr>
-          <p:cNvPr id="20" name="Straight Arrow Connector 19"/>
-          <p:cNvCxnSpPr/>
-          <p:nvPr/>
-        </p:nvCxnSpPr>
-        <p:spPr>
-          <a:xfrm flipH="1">
-            <a:off x="2444333" y="4490170"/>
-            <a:ext cx="3714270" cy="1"/>
-          </a:xfrm>
-          <a:prstGeom prst="straightConnector1">
-            <a:avLst/>
-          </a:prstGeom>
-          <a:ln>
-            <a:tailEnd type="arrow"/>
-          </a:ln>
-        </p:spPr>
-        <p:style>
-          <a:lnRef idx="1">
-            <a:schemeClr val="dk1"/>
-          </a:lnRef>
-          <a:fillRef idx="0">
-            <a:schemeClr val="dk1"/>
-          </a:fillRef>
-          <a:effectRef idx="0">
-            <a:schemeClr val="dk1"/>
-          </a:effectRef>
-          <a:fontRef idx="minor">
-            <a:schemeClr val="tx1"/>
-          </a:fontRef>
-        </p:style>
-      </p:cxnSp>
-      <p:sp>
-        <p:nvSpPr>
-          <p:cNvPr id="21" name="TextBox 20"/>
-          <p:cNvSpPr txBox="1"/>
-          <p:nvPr/>
-        </p:nvSpPr>
-        <p:spPr>
-          <a:xfrm>
-            <a:off x="3299108" y="4503827"/>
-            <a:ext cx="2082621" cy="338554"/>
-          </a:xfrm>
-          <a:prstGeom prst="rect">
-            <a:avLst/>
-          </a:prstGeom>
-          <a:noFill/>
-        </p:spPr>
-        <p:txBody>
-          <a:bodyPr wrap="none" rtlCol="0">
-            <a:spAutoFit/>
-          </a:bodyPr>
-          <a:lstStyle/>
-          <a:p>
-            <a:r>
-              <a:rPr lang="en-US" sz="1600" dirty="0" smtClean="0"/>
-              <a:t>Estimated Capacity</a:t>
-            </a:r>
-            <a:endParaRPr lang="en-US" sz="1600" dirty="0"/>
-          </a:p>
-        </p:txBody>
-      </p:sp>
-      <p:sp>
-        <p:nvSpPr>
-          <p:cNvPr id="22" name="Rectangle 21"/>
+          <p:cNvPr id="25" name="Rectangle 24"/>
           <p:cNvSpPr/>
           <p:nvPr/>
         </p:nvSpPr>
         <p:spPr>
           <a:xfrm>
-            <a:off x="1093541" y="914848"/>
-            <a:ext cx="6539830" cy="831370"/>
+            <a:off x="7116656" y="1790930"/>
+            <a:ext cx="1859325" cy="2701418"/>
           </a:xfrm>
           <a:prstGeom prst="rect">
             <a:avLst/>
@@ -5252,249 +4623,186 @@
             <a:pPr algn="ctr"/>
             <a:r>
               <a:rPr lang="en-US" dirty="0" smtClean="0"/>
-              <a:t>Network Coverage Map Service (NCMS)</a:t>
+              <a:t>Receiver</a:t>
             </a:r>
             <a:endParaRPr lang="en-US" sz="1600" dirty="0"/>
+          </a:p>
+        </p:txBody>
+      </p:sp>
+      <p:sp>
+        <p:nvSpPr>
+          <p:cNvPr id="26" name="TextBox 25"/>
+          <p:cNvSpPr txBox="1"/>
+          <p:nvPr/>
+        </p:nvSpPr>
+        <p:spPr>
+          <a:xfrm>
+            <a:off x="3714271" y="2198383"/>
+            <a:ext cx="1749197" cy="369332"/>
+          </a:xfrm>
+          <a:prstGeom prst="rect">
+            <a:avLst/>
+          </a:prstGeom>
+          <a:noFill/>
+        </p:spPr>
+        <p:txBody>
+          <a:bodyPr wrap="none" rtlCol="0">
+            <a:spAutoFit/>
+          </a:bodyPr>
+          <a:lstStyle/>
+          <a:p>
+            <a:r>
+              <a:rPr lang="en-US" dirty="0" smtClean="0"/>
+              <a:t>Media Packets</a:t>
+            </a:r>
+            <a:endParaRPr lang="en-US" dirty="0"/>
+          </a:p>
+        </p:txBody>
+      </p:sp>
+      <p:sp>
+        <p:nvSpPr>
+          <p:cNvPr id="28" name="Rectangle 27"/>
+          <p:cNvSpPr/>
+          <p:nvPr/>
+        </p:nvSpPr>
+        <p:spPr>
+          <a:xfrm>
+            <a:off x="5614565" y="2254093"/>
+            <a:ext cx="518906" cy="1775092"/>
+          </a:xfrm>
+          <a:prstGeom prst="rect">
+            <a:avLst/>
+          </a:prstGeom>
+          <a:solidFill>
+            <a:schemeClr val="bg1">
+              <a:lumMod val="85000"/>
+            </a:schemeClr>
+          </a:solidFill>
+        </p:spPr>
+        <p:style>
+          <a:lnRef idx="2">
+            <a:schemeClr val="dk1"/>
+          </a:lnRef>
+          <a:fillRef idx="1">
+            <a:schemeClr val="lt1"/>
+          </a:fillRef>
+          <a:effectRef idx="0">
+            <a:schemeClr val="dk1"/>
+          </a:effectRef>
+          <a:fontRef idx="minor">
+            <a:schemeClr val="dk1"/>
+          </a:fontRef>
+        </p:style>
+        <p:txBody>
+          <a:bodyPr vert="vert270" rtlCol="0" anchor="ctr"/>
+          <a:lstStyle/>
+          <a:p>
+            <a:pPr algn="ctr"/>
+            <a:r>
+              <a:rPr lang="en-US" dirty="0"/>
+              <a:t>Base-</a:t>
+            </a:r>
+            <a:r>
+              <a:rPr lang="en-US" dirty="0" smtClean="0"/>
+              <a:t>station</a:t>
+            </a:r>
+            <a:endParaRPr lang="en-US" dirty="0"/>
+          </a:p>
+        </p:txBody>
+      </p:sp>
+      <p:sp>
+        <p:nvSpPr>
+          <p:cNvPr id="30" name="Right Arrow 29"/>
+          <p:cNvSpPr/>
+          <p:nvPr/>
+        </p:nvSpPr>
+        <p:spPr>
+          <a:xfrm>
+            <a:off x="3577717" y="2460002"/>
+            <a:ext cx="2021000" cy="314055"/>
+          </a:xfrm>
+          <a:prstGeom prst="rightArrow">
+            <a:avLst/>
+          </a:prstGeom>
+        </p:spPr>
+        <p:style>
+          <a:lnRef idx="2">
+            <a:schemeClr val="dk1">
+              <a:shade val="50000"/>
+            </a:schemeClr>
+          </a:lnRef>
+          <a:fillRef idx="1">
+            <a:schemeClr val="dk1"/>
+          </a:fillRef>
+          <a:effectRef idx="0">
+            <a:schemeClr val="dk1"/>
+          </a:effectRef>
+          <a:fontRef idx="minor">
+            <a:schemeClr val="lt1"/>
+          </a:fontRef>
+        </p:style>
+        <p:txBody>
+          <a:bodyPr rtlCol="0" anchor="ctr"/>
+          <a:lstStyle/>
+          <a:p>
+            <a:pPr algn="ctr"/>
+            <a:endParaRPr lang="en-US"/>
+          </a:p>
+        </p:txBody>
+      </p:sp>
+      <p:sp>
+        <p:nvSpPr>
+          <p:cNvPr id="32" name="Right Arrow 31"/>
+          <p:cNvSpPr/>
+          <p:nvPr/>
+        </p:nvSpPr>
+        <p:spPr>
+          <a:xfrm>
+            <a:off x="6133471" y="2460002"/>
+            <a:ext cx="983185" cy="314055"/>
+          </a:xfrm>
+          <a:prstGeom prst="rightArrow">
+            <a:avLst/>
+          </a:prstGeom>
+        </p:spPr>
+        <p:style>
+          <a:lnRef idx="2">
+            <a:schemeClr val="dk1">
+              <a:shade val="50000"/>
+            </a:schemeClr>
+          </a:lnRef>
+          <a:fillRef idx="1">
+            <a:schemeClr val="dk1"/>
+          </a:fillRef>
+          <a:effectRef idx="0">
+            <a:schemeClr val="dk1"/>
+          </a:effectRef>
+          <a:fontRef idx="minor">
+            <a:schemeClr val="lt1"/>
+          </a:fontRef>
+        </p:style>
+        <p:txBody>
+          <a:bodyPr rtlCol="0" anchor="ctr"/>
+          <a:lstStyle/>
+          <a:p>
+            <a:pPr algn="ctr"/>
+            <a:endParaRPr lang="en-US"/>
           </a:p>
         </p:txBody>
       </p:sp>
       <p:cxnSp>
         <p:nvCxnSpPr>
-          <p:cNvPr id="24" name="Straight Arrow Connector 23"/>
-          <p:cNvCxnSpPr/>
+          <p:cNvPr id="33" name="Straight Arrow Connector 32"/>
+          <p:cNvCxnSpPr>
+            <a:stCxn id="27" idx="1"/>
+            <a:endCxn id="19" idx="3"/>
+          </p:cNvCxnSpPr>
           <p:nvPr/>
         </p:nvCxnSpPr>
         <p:spPr>
-          <a:xfrm flipV="1">
-            <a:off x="6526210" y="1746218"/>
-            <a:ext cx="0" cy="2047573"/>
-          </a:xfrm>
-          <a:prstGeom prst="straightConnector1">
-            <a:avLst/>
-          </a:prstGeom>
-          <a:ln>
-            <a:tailEnd type="arrow"/>
-          </a:ln>
-        </p:spPr>
-        <p:style>
-          <a:lnRef idx="1">
-            <a:schemeClr val="dk1"/>
-          </a:lnRef>
-          <a:fillRef idx="0">
-            <a:schemeClr val="dk1"/>
-          </a:fillRef>
-          <a:effectRef idx="0">
-            <a:schemeClr val="dk1"/>
-          </a:effectRef>
-          <a:fontRef idx="minor">
-            <a:schemeClr val="tx1"/>
-          </a:fontRef>
-        </p:style>
-      </p:cxnSp>
-      <p:sp>
-        <p:nvSpPr>
-          <p:cNvPr id="31" name="TextBox 30"/>
-          <p:cNvSpPr txBox="1"/>
-          <p:nvPr/>
-        </p:nvSpPr>
-        <p:spPr>
-          <a:xfrm>
-            <a:off x="6095323" y="2044478"/>
-            <a:ext cx="400110" cy="1576738"/>
-          </a:xfrm>
-          <a:prstGeom prst="rect">
-            <a:avLst/>
-          </a:prstGeom>
-          <a:noFill/>
-        </p:spPr>
-        <p:txBody>
-          <a:bodyPr vert="vert270" wrap="none" rtlCol="0">
-            <a:spAutoFit/>
-          </a:bodyPr>
-          <a:lstStyle/>
-          <a:p>
-            <a:r>
-              <a:rPr lang="en-US" sz="1400" dirty="0" smtClean="0"/>
-              <a:t>Coverage Update</a:t>
-            </a:r>
-            <a:endParaRPr lang="en-US" sz="1400" dirty="0"/>
-          </a:p>
-        </p:txBody>
-      </p:sp>
-      <p:sp>
-        <p:nvSpPr>
-          <p:cNvPr id="32" name="TextBox 31"/>
-          <p:cNvSpPr txBox="1"/>
-          <p:nvPr/>
-        </p:nvSpPr>
-        <p:spPr>
-          <a:xfrm>
-            <a:off x="1512758" y="1853308"/>
-            <a:ext cx="400110" cy="1772280"/>
-          </a:xfrm>
-          <a:prstGeom prst="rect">
-            <a:avLst/>
-          </a:prstGeom>
-          <a:noFill/>
-        </p:spPr>
-        <p:txBody>
-          <a:bodyPr vert="vert270" wrap="none" rtlCol="0">
-            <a:spAutoFit/>
-          </a:bodyPr>
-          <a:lstStyle/>
-          <a:p>
-            <a:r>
-              <a:rPr lang="en-US" sz="1400" dirty="0" err="1" smtClean="0"/>
-              <a:t>Lookahead</a:t>
-            </a:r>
-            <a:r>
-              <a:rPr lang="en-US" sz="1400" dirty="0" smtClean="0"/>
-              <a:t> Request</a:t>
-            </a:r>
-            <a:endParaRPr lang="en-US" sz="1400" dirty="0"/>
-          </a:p>
-        </p:txBody>
-      </p:sp>
-      <p:cxnSp>
-        <p:nvCxnSpPr>
-          <p:cNvPr id="34" name="Straight Arrow Connector 33"/>
-          <p:cNvCxnSpPr/>
-          <p:nvPr/>
-        </p:nvCxnSpPr>
-        <p:spPr>
-          <a:xfrm flipV="1">
-            <a:off x="6963818" y="1746218"/>
-            <a:ext cx="0" cy="2047573"/>
-          </a:xfrm>
-          <a:prstGeom prst="straightConnector1">
-            <a:avLst/>
-          </a:prstGeom>
-          <a:ln>
-            <a:tailEnd type="arrow"/>
-          </a:ln>
-        </p:spPr>
-        <p:style>
-          <a:lnRef idx="1">
-            <a:schemeClr val="dk1"/>
-          </a:lnRef>
-          <a:fillRef idx="0">
-            <a:schemeClr val="dk1"/>
-          </a:fillRef>
-          <a:effectRef idx="0">
-            <a:schemeClr val="dk1"/>
-          </a:effectRef>
-          <a:fontRef idx="minor">
-            <a:schemeClr val="tx1"/>
-          </a:fontRef>
-        </p:style>
-      </p:cxnSp>
-      <p:sp>
-        <p:nvSpPr>
-          <p:cNvPr id="35" name="TextBox 34"/>
-          <p:cNvSpPr txBox="1"/>
-          <p:nvPr/>
-        </p:nvSpPr>
-        <p:spPr>
-          <a:xfrm>
-            <a:off x="6563708" y="1853308"/>
-            <a:ext cx="400110" cy="1772280"/>
-          </a:xfrm>
-          <a:prstGeom prst="rect">
-            <a:avLst/>
-          </a:prstGeom>
-          <a:noFill/>
-        </p:spPr>
-        <p:txBody>
-          <a:bodyPr vert="vert270" wrap="none" rtlCol="0">
-            <a:spAutoFit/>
-          </a:bodyPr>
-          <a:lstStyle/>
-          <a:p>
-            <a:r>
-              <a:rPr lang="en-US" sz="1400" dirty="0" err="1" smtClean="0"/>
-              <a:t>Lookahead</a:t>
-            </a:r>
-            <a:r>
-              <a:rPr lang="en-US" sz="1400" dirty="0" smtClean="0"/>
-              <a:t> Request</a:t>
-            </a:r>
-            <a:endParaRPr lang="en-US" sz="1400" dirty="0"/>
-          </a:p>
-        </p:txBody>
-      </p:sp>
-      <p:cxnSp>
-        <p:nvCxnSpPr>
-          <p:cNvPr id="38" name="Straight Arrow Connector 37"/>
-          <p:cNvCxnSpPr/>
-          <p:nvPr/>
-        </p:nvCxnSpPr>
-        <p:spPr>
-          <a:xfrm>
-            <a:off x="7360262" y="1746218"/>
-            <a:ext cx="0" cy="2047573"/>
-          </a:xfrm>
-          <a:prstGeom prst="straightConnector1">
-            <a:avLst/>
-          </a:prstGeom>
-          <a:ln>
-            <a:tailEnd type="arrow"/>
-          </a:ln>
-        </p:spPr>
-        <p:style>
-          <a:lnRef idx="1">
-            <a:schemeClr val="dk1"/>
-          </a:lnRef>
-          <a:fillRef idx="0">
-            <a:schemeClr val="dk1"/>
-          </a:fillRef>
-          <a:effectRef idx="0">
-            <a:schemeClr val="dk1"/>
-          </a:effectRef>
-          <a:fontRef idx="minor">
-            <a:schemeClr val="tx1"/>
-          </a:fontRef>
-        </p:style>
-      </p:cxnSp>
-      <p:sp>
-        <p:nvSpPr>
-          <p:cNvPr id="39" name="TextBox 38"/>
-          <p:cNvSpPr txBox="1"/>
-          <p:nvPr/>
-        </p:nvSpPr>
-        <p:spPr>
-          <a:xfrm>
-            <a:off x="6963818" y="1858924"/>
-            <a:ext cx="400110" cy="1682512"/>
-          </a:xfrm>
-          <a:prstGeom prst="rect">
-            <a:avLst/>
-          </a:prstGeom>
-          <a:noFill/>
-        </p:spPr>
-        <p:txBody>
-          <a:bodyPr vert="vert270" wrap="none" rtlCol="0">
-            <a:spAutoFit/>
-          </a:bodyPr>
-          <a:lstStyle/>
-          <a:p>
-            <a:r>
-              <a:rPr lang="en-US" sz="1400" dirty="0" smtClean="0"/>
-              <a:t>Coverage Map Info</a:t>
-            </a:r>
-            <a:endParaRPr lang="en-US" sz="1400" dirty="0"/>
-          </a:p>
-        </p:txBody>
-      </p:sp>
-      <p:cxnSp>
-        <p:nvCxnSpPr>
-          <p:cNvPr id="40" name="Straight Arrow Connector 39"/>
-          <p:cNvCxnSpPr/>
-          <p:nvPr/>
-        </p:nvCxnSpPr>
-        <p:spPr>
-          <a:xfrm flipV="1">
-            <a:off x="1923080" y="1729097"/>
-            <a:ext cx="0" cy="2047573"/>
+          <a:xfrm flipH="1">
+            <a:off x="2023204" y="3140549"/>
+            <a:ext cx="1008286" cy="1090"/>
           </a:xfrm>
           <a:prstGeom prst="straightConnector1">
             <a:avLst/>
@@ -5520,14 +4828,17 @@
       </p:cxnSp>
       <p:cxnSp>
         <p:nvCxnSpPr>
-          <p:cNvPr id="41" name="Straight Arrow Connector 40"/>
-          <p:cNvCxnSpPr/>
+          <p:cNvPr id="37" name="Straight Arrow Connector 36"/>
+          <p:cNvCxnSpPr>
+            <a:stCxn id="28" idx="3"/>
+            <a:endCxn id="25" idx="1"/>
+          </p:cNvCxnSpPr>
           <p:nvPr/>
         </p:nvCxnSpPr>
         <p:spPr>
           <a:xfrm>
-            <a:off x="2319524" y="1729097"/>
-            <a:ext cx="0" cy="2047573"/>
+            <a:off x="6133471" y="3141639"/>
+            <a:ext cx="983185" cy="0"/>
           </a:xfrm>
           <a:prstGeom prst="straightConnector1">
             <a:avLst/>
@@ -5553,14 +4864,14 @@
       </p:cxnSp>
       <p:sp>
         <p:nvSpPr>
-          <p:cNvPr id="42" name="TextBox 41"/>
+          <p:cNvPr id="39" name="TextBox 38"/>
           <p:cNvSpPr txBox="1"/>
           <p:nvPr/>
         </p:nvSpPr>
         <p:spPr>
           <a:xfrm>
-            <a:off x="1923080" y="1841803"/>
-            <a:ext cx="400110" cy="1682512"/>
+            <a:off x="2157555" y="3071620"/>
+            <a:ext cx="899528" cy="584776"/>
           </a:xfrm>
           <a:prstGeom prst="rect">
             <a:avLst/>
@@ -5568,23 +4879,132 @@
           <a:noFill/>
         </p:spPr>
         <p:txBody>
-          <a:bodyPr vert="vert270" wrap="none" rtlCol="0">
+          <a:bodyPr wrap="none" rtlCol="0">
             <a:spAutoFit/>
           </a:bodyPr>
           <a:lstStyle/>
           <a:p>
-            <a:r>
-              <a:rPr lang="en-US" sz="1400" dirty="0" smtClean="0"/>
-              <a:t>Coverage Map Info</a:t>
-            </a:r>
-            <a:endParaRPr lang="en-US" sz="1400" dirty="0"/>
+            <a:pPr algn="ctr"/>
+            <a:r>
+              <a:rPr lang="en-US" sz="1600" dirty="0" smtClean="0"/>
+              <a:t>Uplink</a:t>
+            </a:r>
+          </a:p>
+          <a:p>
+            <a:pPr algn="ctr"/>
+            <a:r>
+              <a:rPr lang="en-US" sz="1600" dirty="0" smtClean="0"/>
+              <a:t>Update</a:t>
+            </a:r>
+            <a:endParaRPr lang="en-US" sz="1600" dirty="0"/>
+          </a:p>
+        </p:txBody>
+      </p:sp>
+      <p:sp>
+        <p:nvSpPr>
+          <p:cNvPr id="40" name="TextBox 39"/>
+          <p:cNvSpPr txBox="1"/>
+          <p:nvPr/>
+        </p:nvSpPr>
+        <p:spPr>
+          <a:xfrm>
+            <a:off x="6133471" y="3141639"/>
+            <a:ext cx="1018227" cy="584776"/>
+          </a:xfrm>
+          <a:prstGeom prst="rect">
+            <a:avLst/>
+          </a:prstGeom>
+          <a:noFill/>
+        </p:spPr>
+        <p:txBody>
+          <a:bodyPr wrap="none" rtlCol="0">
+            <a:spAutoFit/>
+          </a:bodyPr>
+          <a:lstStyle/>
+          <a:p>
+            <a:pPr algn="ctr"/>
+            <a:r>
+              <a:rPr lang="en-US" sz="1600" dirty="0" smtClean="0"/>
+              <a:t>Downlink</a:t>
+            </a:r>
+          </a:p>
+          <a:p>
+            <a:pPr algn="ctr"/>
+            <a:r>
+              <a:rPr lang="en-US" sz="1600" dirty="0" smtClean="0"/>
+              <a:t>Update</a:t>
+            </a:r>
+            <a:endParaRPr lang="en-US" sz="1600" dirty="0"/>
+          </a:p>
+        </p:txBody>
+      </p:sp>
+      <p:cxnSp>
+        <p:nvCxnSpPr>
+          <p:cNvPr id="41" name="Straight Arrow Connector 40"/>
+          <p:cNvCxnSpPr/>
+          <p:nvPr/>
+        </p:nvCxnSpPr>
+        <p:spPr>
+          <a:xfrm flipH="1">
+            <a:off x="2023204" y="3946169"/>
+            <a:ext cx="5093452" cy="0"/>
+          </a:xfrm>
+          <a:prstGeom prst="straightConnector1">
+            <a:avLst/>
+          </a:prstGeom>
+          <a:ln>
+            <a:tailEnd type="arrow"/>
+          </a:ln>
+        </p:spPr>
+        <p:style>
+          <a:lnRef idx="1">
+            <a:schemeClr val="dk1"/>
+          </a:lnRef>
+          <a:fillRef idx="0">
+            <a:schemeClr val="dk1"/>
+          </a:fillRef>
+          <a:effectRef idx="0">
+            <a:schemeClr val="dk1"/>
+          </a:effectRef>
+          <a:fontRef idx="minor">
+            <a:schemeClr val="tx1"/>
+          </a:fontRef>
+        </p:style>
+      </p:cxnSp>
+      <p:sp>
+        <p:nvSpPr>
+          <p:cNvPr id="44" name="TextBox 43"/>
+          <p:cNvSpPr txBox="1"/>
+          <p:nvPr/>
+        </p:nvSpPr>
+        <p:spPr>
+          <a:xfrm>
+            <a:off x="3973723" y="3988220"/>
+            <a:ext cx="1007352" cy="369332"/>
+          </a:xfrm>
+          <a:prstGeom prst="rect">
+            <a:avLst/>
+          </a:prstGeom>
+          <a:noFill/>
+        </p:spPr>
+        <p:txBody>
+          <a:bodyPr wrap="none" rtlCol="0">
+            <a:spAutoFit/>
+          </a:bodyPr>
+          <a:lstStyle/>
+          <a:p>
+            <a:r>
+              <a:rPr lang="en-US" dirty="0" smtClean="0"/>
+              <a:t>TMMBR</a:t>
+            </a:r>
+            <a:endParaRPr lang="en-US" dirty="0"/>
           </a:p>
         </p:txBody>
       </p:sp>
     </p:spTree>
     <p:extLst>
       <p:ext uri="{BB962C8B-B14F-4D97-AF65-F5344CB8AC3E}">
-        <p14:creationId xmlns:p14="http://schemas.microsoft.com/office/powerpoint/2010/main" val="4208439333"/>
+        <p14:creationId xmlns:p14="http://schemas.microsoft.com/office/powerpoint/2010/main" val="2162045583"/>
       </p:ext>
     </p:extLst>
   </p:cSld>
@@ -5613,14 +5033,14 @@
       </p:grpSpPr>
       <p:sp>
         <p:nvSpPr>
-          <p:cNvPr id="2" name="Rectangle 1"/>
+          <p:cNvPr id="16" name="Rectangle 15"/>
           <p:cNvSpPr/>
           <p:nvPr/>
         </p:nvSpPr>
         <p:spPr>
           <a:xfrm>
-            <a:off x="1218327" y="5052177"/>
-            <a:ext cx="3274301" cy="831370"/>
+            <a:off x="6158603" y="3793790"/>
+            <a:ext cx="1474768" cy="914855"/>
           </a:xfrm>
           <a:prstGeom prst="rect">
             <a:avLst/>
@@ -5647,30 +5067,22 @@
             <a:pPr algn="ctr"/>
             <a:r>
               <a:rPr lang="en-US" dirty="0" smtClean="0"/>
-              <a:t>Internet Protocol </a:t>
-            </a:r>
-            <a:r>
-              <a:rPr lang="en-US" dirty="0" smtClean="0">
-                <a:latin typeface="+mj-lt"/>
-              </a:rPr>
-              <a:t>(IP)</a:t>
-            </a:r>
-            <a:endParaRPr lang="en-US" sz="1600" dirty="0">
-              <a:latin typeface="+mj-lt"/>
-            </a:endParaRPr>
-          </a:p>
-        </p:txBody>
-      </p:sp>
-      <p:sp>
-        <p:nvSpPr>
-          <p:cNvPr id="3" name="Rectangle 2"/>
+              <a:t>Receiver</a:t>
+            </a:r>
+            <a:endParaRPr lang="en-US" dirty="0"/>
+          </a:p>
+        </p:txBody>
+      </p:sp>
+      <p:sp>
+        <p:nvSpPr>
+          <p:cNvPr id="17" name="Rectangle 16"/>
           <p:cNvSpPr/>
           <p:nvPr/>
         </p:nvSpPr>
         <p:spPr>
           <a:xfrm>
-            <a:off x="1218327" y="4220807"/>
-            <a:ext cx="3274301" cy="831370"/>
+            <a:off x="1093541" y="3793790"/>
+            <a:ext cx="1350792" cy="914855"/>
           </a:xfrm>
           <a:prstGeom prst="rect">
             <a:avLst/>
@@ -5697,30 +5109,155 @@
             <a:pPr algn="ctr"/>
             <a:r>
               <a:rPr lang="en-US" dirty="0" smtClean="0"/>
-              <a:t>User Datagram Protocol </a:t>
-            </a:r>
-            <a:r>
-              <a:rPr lang="en-US" dirty="0" smtClean="0">
-                <a:latin typeface="+mj-lt"/>
-              </a:rPr>
-              <a:t>(UDP)</a:t>
-            </a:r>
-            <a:endParaRPr lang="en-US" sz="1600" dirty="0">
-              <a:latin typeface="+mj-lt"/>
-            </a:endParaRPr>
-          </a:p>
-        </p:txBody>
-      </p:sp>
-      <p:sp>
-        <p:nvSpPr>
-          <p:cNvPr id="6" name="Rectangle 5"/>
+              <a:t>Sender</a:t>
+            </a:r>
+            <a:endParaRPr lang="en-US" sz="1600" dirty="0"/>
+          </a:p>
+        </p:txBody>
+      </p:sp>
+      <p:sp>
+        <p:nvSpPr>
+          <p:cNvPr id="18" name="Right Arrow 17"/>
           <p:cNvSpPr/>
           <p:nvPr/>
         </p:nvSpPr>
         <p:spPr>
           <a:xfrm>
-            <a:off x="1218328" y="3389437"/>
-            <a:ext cx="1936070" cy="831370"/>
+            <a:off x="2444333" y="3957644"/>
+            <a:ext cx="3714270" cy="314055"/>
+          </a:xfrm>
+          <a:prstGeom prst="rightArrow">
+            <a:avLst/>
+          </a:prstGeom>
+        </p:spPr>
+        <p:style>
+          <a:lnRef idx="2">
+            <a:schemeClr val="dk1">
+              <a:shade val="50000"/>
+            </a:schemeClr>
+          </a:lnRef>
+          <a:fillRef idx="1">
+            <a:schemeClr val="dk1"/>
+          </a:fillRef>
+          <a:effectRef idx="0">
+            <a:schemeClr val="dk1"/>
+          </a:effectRef>
+          <a:fontRef idx="minor">
+            <a:schemeClr val="lt1"/>
+          </a:fontRef>
+        </p:style>
+        <p:txBody>
+          <a:bodyPr rtlCol="0" anchor="ctr"/>
+          <a:lstStyle/>
+          <a:p>
+            <a:pPr algn="ctr"/>
+            <a:endParaRPr lang="en-US"/>
+          </a:p>
+        </p:txBody>
+      </p:sp>
+      <p:sp>
+        <p:nvSpPr>
+          <p:cNvPr id="19" name="TextBox 18"/>
+          <p:cNvSpPr txBox="1"/>
+          <p:nvPr/>
+        </p:nvSpPr>
+        <p:spPr>
+          <a:xfrm>
+            <a:off x="3425331" y="3625588"/>
+            <a:ext cx="1569660" cy="338554"/>
+          </a:xfrm>
+          <a:prstGeom prst="rect">
+            <a:avLst/>
+          </a:prstGeom>
+          <a:noFill/>
+        </p:spPr>
+        <p:txBody>
+          <a:bodyPr wrap="none" rtlCol="0">
+            <a:spAutoFit/>
+          </a:bodyPr>
+          <a:lstStyle/>
+          <a:p>
+            <a:r>
+              <a:rPr lang="en-US" sz="1600" dirty="0" smtClean="0"/>
+              <a:t>Media packets</a:t>
+            </a:r>
+            <a:endParaRPr lang="en-US" sz="1600" dirty="0"/>
+          </a:p>
+        </p:txBody>
+      </p:sp>
+      <p:cxnSp>
+        <p:nvCxnSpPr>
+          <p:cNvPr id="20" name="Straight Arrow Connector 19"/>
+          <p:cNvCxnSpPr/>
+          <p:nvPr/>
+        </p:nvCxnSpPr>
+        <p:spPr>
+          <a:xfrm flipH="1">
+            <a:off x="2444333" y="4490170"/>
+            <a:ext cx="3714270" cy="1"/>
+          </a:xfrm>
+          <a:prstGeom prst="straightConnector1">
+            <a:avLst/>
+          </a:prstGeom>
+          <a:ln>
+            <a:tailEnd type="arrow"/>
+          </a:ln>
+        </p:spPr>
+        <p:style>
+          <a:lnRef idx="1">
+            <a:schemeClr val="dk1"/>
+          </a:lnRef>
+          <a:fillRef idx="0">
+            <a:schemeClr val="dk1"/>
+          </a:fillRef>
+          <a:effectRef idx="0">
+            <a:schemeClr val="dk1"/>
+          </a:effectRef>
+          <a:fontRef idx="minor">
+            <a:schemeClr val="tx1"/>
+          </a:fontRef>
+        </p:style>
+      </p:cxnSp>
+      <p:sp>
+        <p:nvSpPr>
+          <p:cNvPr id="21" name="TextBox 20"/>
+          <p:cNvSpPr txBox="1"/>
+          <p:nvPr/>
+        </p:nvSpPr>
+        <p:spPr>
+          <a:xfrm>
+            <a:off x="3299108" y="4503827"/>
+            <a:ext cx="2082621" cy="338554"/>
+          </a:xfrm>
+          <a:prstGeom prst="rect">
+            <a:avLst/>
+          </a:prstGeom>
+          <a:noFill/>
+        </p:spPr>
+        <p:txBody>
+          <a:bodyPr wrap="none" rtlCol="0">
+            <a:spAutoFit/>
+          </a:bodyPr>
+          <a:lstStyle/>
+          <a:p>
+            <a:r>
+              <a:rPr lang="en-US" sz="1600" dirty="0" smtClean="0"/>
+              <a:t>Estimated Capacity</a:t>
+            </a:r>
+            <a:endParaRPr lang="en-US" sz="1600" dirty="0"/>
+          </a:p>
+        </p:txBody>
+      </p:sp>
+      <p:sp>
+        <p:nvSpPr>
+          <p:cNvPr id="22" name="Rectangle 21"/>
+          <p:cNvSpPr/>
+          <p:nvPr/>
+        </p:nvSpPr>
+        <p:spPr>
+          <a:xfrm>
+            <a:off x="1093541" y="914848"/>
+            <a:ext cx="6539830" cy="831370"/>
           </a:xfrm>
           <a:prstGeom prst="rect">
             <a:avLst/>
@@ -5746,465 +5283,340 @@
           <a:p>
             <a:pPr algn="ctr"/>
             <a:r>
-              <a:rPr lang="en-US" sz="1600" dirty="0" smtClean="0"/>
-              <a:t>Session Traversal Utilities for NAT </a:t>
-            </a:r>
-            <a:r>
-              <a:rPr lang="en-US" sz="1600" dirty="0" smtClean="0">
-                <a:latin typeface="+mj-lt"/>
-              </a:rPr>
-              <a:t>(STUN)</a:t>
-            </a:r>
-            <a:endParaRPr lang="en-US" sz="1600" dirty="0">
-              <a:latin typeface="+mj-lt"/>
-            </a:endParaRPr>
-          </a:p>
-        </p:txBody>
-      </p:sp>
-      <p:sp>
-        <p:nvSpPr>
-          <p:cNvPr id="9" name="Rectangle 8"/>
-          <p:cNvSpPr/>
-          <p:nvPr/>
-        </p:nvSpPr>
-        <p:spPr>
-          <a:xfrm>
-            <a:off x="3154399" y="3389437"/>
-            <a:ext cx="4603758" cy="831370"/>
-          </a:xfrm>
-          <a:prstGeom prst="rect">
-            <a:avLst/>
-          </a:prstGeom>
-          <a:solidFill>
-            <a:srgbClr val="D7DCE3"/>
-          </a:solidFill>
+              <a:rPr lang="en-US" dirty="0" smtClean="0"/>
+              <a:t>Network Coverage Map Service (NCMS)</a:t>
+            </a:r>
+            <a:endParaRPr lang="en-US" sz="1600" dirty="0"/>
+          </a:p>
+        </p:txBody>
+      </p:sp>
+      <p:cxnSp>
+        <p:nvCxnSpPr>
+          <p:cNvPr id="24" name="Straight Arrow Connector 23"/>
+          <p:cNvCxnSpPr/>
+          <p:nvPr/>
+        </p:nvCxnSpPr>
+        <p:spPr>
+          <a:xfrm flipV="1">
+            <a:off x="6526210" y="1746218"/>
+            <a:ext cx="0" cy="2047573"/>
+          </a:xfrm>
+          <a:prstGeom prst="straightConnector1">
+            <a:avLst/>
+          </a:prstGeom>
+          <a:ln>
+            <a:tailEnd type="arrow"/>
+          </a:ln>
         </p:spPr>
         <p:style>
-          <a:lnRef idx="2">
+          <a:lnRef idx="1">
             <a:schemeClr val="dk1"/>
           </a:lnRef>
-          <a:fillRef idx="1">
-            <a:schemeClr val="lt1"/>
+          <a:fillRef idx="0">
+            <a:schemeClr val="dk1"/>
           </a:fillRef>
           <a:effectRef idx="0">
             <a:schemeClr val="dk1"/>
           </a:effectRef>
           <a:fontRef idx="minor">
-            <a:schemeClr val="dk1"/>
+            <a:schemeClr val="tx1"/>
           </a:fontRef>
         </p:style>
-        <p:txBody>
-          <a:bodyPr rtlCol="0" anchor="ctr"/>
-          <a:lstStyle/>
-          <a:p>
-            <a:pPr algn="ctr"/>
-            <a:r>
-              <a:rPr lang="en-US" sz="1600" dirty="0" smtClean="0"/>
-              <a:t>Real-time Transport Protocol </a:t>
-            </a:r>
-            <a:r>
-              <a:rPr lang="en-US" sz="1600" dirty="0" smtClean="0">
-                <a:latin typeface="+mj-lt"/>
-              </a:rPr>
-              <a:t>(RTP)</a:t>
-            </a:r>
-            <a:endParaRPr lang="en-US" sz="1400" dirty="0">
-              <a:latin typeface="+mj-lt"/>
-            </a:endParaRPr>
-          </a:p>
-        </p:txBody>
-      </p:sp>
-      <p:sp>
-        <p:nvSpPr>
-          <p:cNvPr id="11" name="Rectangle 10"/>
-          <p:cNvSpPr/>
-          <p:nvPr/>
-        </p:nvSpPr>
-        <p:spPr>
-          <a:xfrm>
-            <a:off x="3156276" y="2922073"/>
-            <a:ext cx="1336351" cy="467363"/>
+      </p:cxnSp>
+      <p:sp>
+        <p:nvSpPr>
+          <p:cNvPr id="31" name="TextBox 30"/>
+          <p:cNvSpPr txBox="1"/>
+          <p:nvPr/>
+        </p:nvSpPr>
+        <p:spPr>
+          <a:xfrm>
+            <a:off x="6095323" y="2044478"/>
+            <a:ext cx="400110" cy="1576738"/>
           </a:xfrm>
           <a:prstGeom prst="rect">
             <a:avLst/>
           </a:prstGeom>
-          <a:solidFill>
-            <a:schemeClr val="bg2"/>
-          </a:solidFill>
+          <a:noFill/>
+        </p:spPr>
+        <p:txBody>
+          <a:bodyPr vert="vert270" wrap="none" rtlCol="0">
+            <a:spAutoFit/>
+          </a:bodyPr>
+          <a:lstStyle/>
+          <a:p>
+            <a:r>
+              <a:rPr lang="en-US" sz="1400" dirty="0" smtClean="0"/>
+              <a:t>Coverage Update</a:t>
+            </a:r>
+            <a:endParaRPr lang="en-US" sz="1400" dirty="0"/>
+          </a:p>
+        </p:txBody>
+      </p:sp>
+      <p:sp>
+        <p:nvSpPr>
+          <p:cNvPr id="32" name="TextBox 31"/>
+          <p:cNvSpPr txBox="1"/>
+          <p:nvPr/>
+        </p:nvSpPr>
+        <p:spPr>
+          <a:xfrm>
+            <a:off x="1512758" y="1853308"/>
+            <a:ext cx="400110" cy="1772280"/>
+          </a:xfrm>
+          <a:prstGeom prst="rect">
+            <a:avLst/>
+          </a:prstGeom>
+          <a:noFill/>
+        </p:spPr>
+        <p:txBody>
+          <a:bodyPr vert="vert270" wrap="none" rtlCol="0">
+            <a:spAutoFit/>
+          </a:bodyPr>
+          <a:lstStyle/>
+          <a:p>
+            <a:r>
+              <a:rPr lang="en-US" sz="1400" dirty="0" err="1" smtClean="0"/>
+              <a:t>Lookahead</a:t>
+            </a:r>
+            <a:r>
+              <a:rPr lang="en-US" sz="1400" dirty="0" smtClean="0"/>
+              <a:t> Request</a:t>
+            </a:r>
+            <a:endParaRPr lang="en-US" sz="1400" dirty="0"/>
+          </a:p>
+        </p:txBody>
+      </p:sp>
+      <p:cxnSp>
+        <p:nvCxnSpPr>
+          <p:cNvPr id="34" name="Straight Arrow Connector 33"/>
+          <p:cNvCxnSpPr/>
+          <p:nvPr/>
+        </p:nvCxnSpPr>
+        <p:spPr>
+          <a:xfrm flipV="1">
+            <a:off x="6963818" y="1746218"/>
+            <a:ext cx="0" cy="2047573"/>
+          </a:xfrm>
+          <a:prstGeom prst="straightConnector1">
+            <a:avLst/>
+          </a:prstGeom>
+          <a:ln>
+            <a:tailEnd type="arrow"/>
+          </a:ln>
         </p:spPr>
         <p:style>
-          <a:lnRef idx="2">
+          <a:lnRef idx="1">
             <a:schemeClr val="dk1"/>
           </a:lnRef>
-          <a:fillRef idx="1">
-            <a:schemeClr val="lt1"/>
+          <a:fillRef idx="0">
+            <a:schemeClr val="dk1"/>
           </a:fillRef>
           <a:effectRef idx="0">
             <a:schemeClr val="dk1"/>
           </a:effectRef>
           <a:fontRef idx="minor">
-            <a:schemeClr val="dk1"/>
+            <a:schemeClr val="tx1"/>
           </a:fontRef>
         </p:style>
-        <p:txBody>
-          <a:bodyPr rtlCol="0" anchor="ctr"/>
-          <a:lstStyle/>
-          <a:p>
-            <a:pPr algn="ctr"/>
+      </p:cxnSp>
+      <p:sp>
+        <p:nvSpPr>
+          <p:cNvPr id="35" name="TextBox 34"/>
+          <p:cNvSpPr txBox="1"/>
+          <p:nvPr/>
+        </p:nvSpPr>
+        <p:spPr>
+          <a:xfrm>
+            <a:off x="6563708" y="1853308"/>
+            <a:ext cx="400110" cy="1772280"/>
+          </a:xfrm>
+          <a:prstGeom prst="rect">
+            <a:avLst/>
+          </a:prstGeom>
+          <a:noFill/>
+        </p:spPr>
+        <p:txBody>
+          <a:bodyPr vert="vert270" wrap="none" rtlCol="0">
+            <a:spAutoFit/>
+          </a:bodyPr>
+          <a:lstStyle/>
+          <a:p>
             <a:r>
               <a:rPr lang="en-US" sz="1400" dirty="0" err="1" smtClean="0"/>
-              <a:t>Subflow</a:t>
+              <a:t>Lookahead</a:t>
             </a:r>
             <a:r>
               <a:rPr lang="en-US" sz="1400" dirty="0" smtClean="0"/>
-              <a:t> #1</a:t>
-            </a:r>
-            <a:endParaRPr lang="en-US" sz="1200" dirty="0"/>
-          </a:p>
-        </p:txBody>
-      </p:sp>
-      <p:sp>
-        <p:nvSpPr>
-          <p:cNvPr id="12" name="Rectangle 11"/>
-          <p:cNvSpPr/>
-          <p:nvPr/>
-        </p:nvSpPr>
-        <p:spPr>
-          <a:xfrm>
-            <a:off x="4492628" y="2922067"/>
-            <a:ext cx="1347183" cy="467363"/>
-          </a:xfrm>
-          <a:prstGeom prst="rect">
-            <a:avLst/>
-          </a:prstGeom>
-          <a:solidFill>
-            <a:schemeClr val="bg2"/>
-          </a:solidFill>
+              <a:t> Request</a:t>
+            </a:r>
+            <a:endParaRPr lang="en-US" sz="1400" dirty="0"/>
+          </a:p>
+        </p:txBody>
+      </p:sp>
+      <p:cxnSp>
+        <p:nvCxnSpPr>
+          <p:cNvPr id="38" name="Straight Arrow Connector 37"/>
+          <p:cNvCxnSpPr/>
+          <p:nvPr/>
+        </p:nvCxnSpPr>
+        <p:spPr>
+          <a:xfrm>
+            <a:off x="7360262" y="1746218"/>
+            <a:ext cx="0" cy="2047573"/>
+          </a:xfrm>
+          <a:prstGeom prst="straightConnector1">
+            <a:avLst/>
+          </a:prstGeom>
+          <a:ln>
+            <a:tailEnd type="arrow"/>
+          </a:ln>
         </p:spPr>
         <p:style>
-          <a:lnRef idx="2">
+          <a:lnRef idx="1">
             <a:schemeClr val="dk1"/>
           </a:lnRef>
-          <a:fillRef idx="1">
-            <a:schemeClr val="lt1"/>
+          <a:fillRef idx="0">
+            <a:schemeClr val="dk1"/>
           </a:fillRef>
           <a:effectRef idx="0">
             <a:schemeClr val="dk1"/>
           </a:effectRef>
           <a:fontRef idx="minor">
-            <a:schemeClr val="dk1"/>
+            <a:schemeClr val="tx1"/>
           </a:fontRef>
         </p:style>
-        <p:txBody>
-          <a:bodyPr rtlCol="0" anchor="ctr"/>
-          <a:lstStyle/>
-          <a:p>
-            <a:pPr algn="ctr"/>
-            <a:r>
-              <a:rPr lang="en-US" sz="1400" dirty="0" err="1" smtClean="0"/>
-              <a:t>Subflow</a:t>
-            </a:r>
-            <a:endParaRPr lang="en-US" sz="1400" dirty="0" smtClean="0"/>
-          </a:p>
-          <a:p>
-            <a:pPr algn="ctr"/>
+      </p:cxnSp>
+      <p:sp>
+        <p:nvSpPr>
+          <p:cNvPr id="39" name="TextBox 38"/>
+          <p:cNvSpPr txBox="1"/>
+          <p:nvPr/>
+        </p:nvSpPr>
+        <p:spPr>
+          <a:xfrm>
+            <a:off x="6963818" y="1858924"/>
+            <a:ext cx="400110" cy="1682512"/>
+          </a:xfrm>
+          <a:prstGeom prst="rect">
+            <a:avLst/>
+          </a:prstGeom>
+          <a:noFill/>
+        </p:spPr>
+        <p:txBody>
+          <a:bodyPr vert="vert270" wrap="none" rtlCol="0">
+            <a:spAutoFit/>
+          </a:bodyPr>
+          <a:lstStyle/>
+          <a:p>
             <a:r>
               <a:rPr lang="en-US" sz="1400" dirty="0" smtClean="0"/>
-              <a:t>#2</a:t>
-            </a:r>
-            <a:endParaRPr lang="en-US" sz="1200" dirty="0"/>
-          </a:p>
-        </p:txBody>
-      </p:sp>
-      <p:sp>
-        <p:nvSpPr>
-          <p:cNvPr id="14" name="Rectangle 13"/>
-          <p:cNvSpPr/>
-          <p:nvPr/>
-        </p:nvSpPr>
-        <p:spPr>
-          <a:xfrm>
-            <a:off x="3156277" y="2444161"/>
-            <a:ext cx="2697189" cy="491561"/>
-          </a:xfrm>
-          <a:prstGeom prst="rect">
-            <a:avLst/>
-          </a:prstGeom>
-          <a:solidFill>
-            <a:schemeClr val="bg2"/>
-          </a:solidFill>
+              <a:t>Coverage Map Info</a:t>
+            </a:r>
+            <a:endParaRPr lang="en-US" sz="1400" dirty="0"/>
+          </a:p>
+        </p:txBody>
+      </p:sp>
+      <p:cxnSp>
+        <p:nvCxnSpPr>
+          <p:cNvPr id="40" name="Straight Arrow Connector 39"/>
+          <p:cNvCxnSpPr/>
+          <p:nvPr/>
+        </p:nvCxnSpPr>
+        <p:spPr>
+          <a:xfrm flipV="1">
+            <a:off x="1923080" y="1729097"/>
+            <a:ext cx="0" cy="2047573"/>
+          </a:xfrm>
+          <a:prstGeom prst="straightConnector1">
+            <a:avLst/>
+          </a:prstGeom>
+          <a:ln>
+            <a:tailEnd type="arrow"/>
+          </a:ln>
         </p:spPr>
         <p:style>
-          <a:lnRef idx="2">
+          <a:lnRef idx="1">
             <a:schemeClr val="dk1"/>
           </a:lnRef>
-          <a:fillRef idx="1">
-            <a:schemeClr val="lt1"/>
+          <a:fillRef idx="0">
+            <a:schemeClr val="dk1"/>
           </a:fillRef>
           <a:effectRef idx="0">
             <a:schemeClr val="dk1"/>
           </a:effectRef>
           <a:fontRef idx="minor">
-            <a:schemeClr val="dk1"/>
+            <a:schemeClr val="tx1"/>
           </a:fontRef>
         </p:style>
-        <p:txBody>
-          <a:bodyPr rtlCol="0" anchor="ctr"/>
-          <a:lstStyle/>
-          <a:p>
-            <a:pPr algn="ctr"/>
-            <a:r>
-              <a:rPr lang="en-US" sz="1600" dirty="0" smtClean="0"/>
-              <a:t>Multipath RTP </a:t>
-            </a:r>
-            <a:r>
-              <a:rPr lang="en-US" sz="1600" dirty="0" smtClean="0">
-                <a:latin typeface="+mj-lt"/>
-              </a:rPr>
-              <a:t>(MPRTP)</a:t>
-            </a:r>
-            <a:endParaRPr lang="en-US" sz="1400" dirty="0">
-              <a:latin typeface="+mj-lt"/>
-            </a:endParaRPr>
-          </a:p>
-        </p:txBody>
-      </p:sp>
-      <p:sp>
-        <p:nvSpPr>
-          <p:cNvPr id="15" name="Rectangle 14"/>
-          <p:cNvSpPr/>
-          <p:nvPr/>
-        </p:nvSpPr>
-        <p:spPr>
-          <a:xfrm>
-            <a:off x="3156277" y="1708376"/>
-            <a:ext cx="2697189" cy="735785"/>
-          </a:xfrm>
-          <a:prstGeom prst="rect">
-            <a:avLst/>
-          </a:prstGeom>
+      </p:cxnSp>
+      <p:cxnSp>
+        <p:nvCxnSpPr>
+          <p:cNvPr id="41" name="Straight Arrow Connector 40"/>
+          <p:cNvCxnSpPr/>
+          <p:nvPr/>
+        </p:nvCxnSpPr>
+        <p:spPr>
+          <a:xfrm>
+            <a:off x="2319524" y="1729097"/>
+            <a:ext cx="0" cy="2047573"/>
+          </a:xfrm>
+          <a:prstGeom prst="straightConnector1">
+            <a:avLst/>
+          </a:prstGeom>
+          <a:ln>
+            <a:tailEnd type="arrow"/>
+          </a:ln>
         </p:spPr>
         <p:style>
-          <a:lnRef idx="2">
+          <a:lnRef idx="1">
             <a:schemeClr val="dk1"/>
           </a:lnRef>
-          <a:fillRef idx="1">
-            <a:schemeClr val="lt1"/>
+          <a:fillRef idx="0">
+            <a:schemeClr val="dk1"/>
           </a:fillRef>
           <a:effectRef idx="0">
             <a:schemeClr val="dk1"/>
           </a:effectRef>
           <a:fontRef idx="minor">
-            <a:schemeClr val="dk1"/>
+            <a:schemeClr val="tx1"/>
           </a:fontRef>
         </p:style>
-        <p:txBody>
-          <a:bodyPr rtlCol="0" anchor="ctr"/>
-          <a:lstStyle/>
-          <a:p>
-            <a:pPr algn="ctr"/>
-            <a:r>
-              <a:rPr lang="en-US" sz="1600" dirty="0" smtClean="0"/>
-              <a:t>SSRC #1</a:t>
-            </a:r>
-            <a:endParaRPr lang="en-US" sz="1400" dirty="0">
-              <a:latin typeface="+mj-lt"/>
-            </a:endParaRPr>
-          </a:p>
-        </p:txBody>
-      </p:sp>
-      <p:sp>
-        <p:nvSpPr>
-          <p:cNvPr id="17" name="Rectangle 16"/>
-          <p:cNvSpPr/>
-          <p:nvPr/>
-        </p:nvSpPr>
-        <p:spPr>
-          <a:xfrm>
-            <a:off x="5839810" y="1708375"/>
-            <a:ext cx="996841" cy="1676395"/>
+      </p:cxnSp>
+      <p:sp>
+        <p:nvSpPr>
+          <p:cNvPr id="42" name="TextBox 41"/>
+          <p:cNvSpPr txBox="1"/>
+          <p:nvPr/>
+        </p:nvSpPr>
+        <p:spPr>
+          <a:xfrm>
+            <a:off x="1923080" y="1841803"/>
+            <a:ext cx="400110" cy="1682512"/>
           </a:xfrm>
           <a:prstGeom prst="rect">
             <a:avLst/>
           </a:prstGeom>
-        </p:spPr>
-        <p:style>
-          <a:lnRef idx="2">
-            <a:schemeClr val="dk1"/>
-          </a:lnRef>
-          <a:fillRef idx="1">
-            <a:schemeClr val="lt1"/>
-          </a:fillRef>
-          <a:effectRef idx="0">
-            <a:schemeClr val="dk1"/>
-          </a:effectRef>
-          <a:fontRef idx="minor">
-            <a:schemeClr val="dk1"/>
-          </a:fontRef>
-        </p:style>
-        <p:txBody>
-          <a:bodyPr rtlCol="0" anchor="ctr"/>
-          <a:lstStyle/>
-          <a:p>
-            <a:pPr algn="ctr"/>
-            <a:r>
-              <a:rPr lang="en-US" sz="1600" dirty="0" smtClean="0"/>
-              <a:t>SSRC #2</a:t>
-            </a:r>
-            <a:endParaRPr lang="en-US" sz="1400" dirty="0">
-              <a:latin typeface="+mj-lt"/>
-            </a:endParaRPr>
-          </a:p>
-        </p:txBody>
-      </p:sp>
-      <p:sp>
-        <p:nvSpPr>
-          <p:cNvPr id="18" name="Rectangle 17"/>
-          <p:cNvSpPr/>
-          <p:nvPr/>
-        </p:nvSpPr>
-        <p:spPr>
-          <a:xfrm>
-            <a:off x="6836651" y="1708376"/>
-            <a:ext cx="921505" cy="1681062"/>
-          </a:xfrm>
-          <a:prstGeom prst="rect">
-            <a:avLst/>
-          </a:prstGeom>
-        </p:spPr>
-        <p:style>
-          <a:lnRef idx="2">
-            <a:schemeClr val="dk1"/>
-          </a:lnRef>
-          <a:fillRef idx="1">
-            <a:schemeClr val="lt1"/>
-          </a:fillRef>
-          <a:effectRef idx="0">
-            <a:schemeClr val="dk1"/>
-          </a:effectRef>
-          <a:fontRef idx="minor">
-            <a:schemeClr val="dk1"/>
-          </a:fontRef>
-        </p:style>
-        <p:txBody>
-          <a:bodyPr rtlCol="0" anchor="ctr"/>
-          <a:lstStyle/>
-          <a:p>
-            <a:pPr algn="ctr"/>
-            <a:r>
-              <a:rPr lang="en-US" sz="1600" dirty="0" smtClean="0"/>
-              <a:t>SSRC #3</a:t>
-            </a:r>
-            <a:endParaRPr lang="en-US" sz="1400" dirty="0">
-              <a:latin typeface="+mj-lt"/>
-            </a:endParaRPr>
-          </a:p>
-        </p:txBody>
-      </p:sp>
-      <p:sp>
-        <p:nvSpPr>
-          <p:cNvPr id="16" name="Rectangle 15"/>
-          <p:cNvSpPr/>
-          <p:nvPr/>
-        </p:nvSpPr>
-        <p:spPr>
-          <a:xfrm>
-            <a:off x="4478973" y="5052177"/>
-            <a:ext cx="3274301" cy="831370"/>
-          </a:xfrm>
-          <a:prstGeom prst="rect">
-            <a:avLst/>
-          </a:prstGeom>
-        </p:spPr>
-        <p:style>
-          <a:lnRef idx="2">
-            <a:schemeClr val="dk1"/>
-          </a:lnRef>
-          <a:fillRef idx="1">
-            <a:schemeClr val="lt1"/>
-          </a:fillRef>
-          <a:effectRef idx="0">
-            <a:schemeClr val="dk1"/>
-          </a:effectRef>
-          <a:fontRef idx="minor">
-            <a:schemeClr val="dk1"/>
-          </a:fontRef>
-        </p:style>
-        <p:txBody>
-          <a:bodyPr rtlCol="0" anchor="ctr"/>
-          <a:lstStyle/>
-          <a:p>
-            <a:pPr algn="ctr"/>
-            <a:r>
-              <a:rPr lang="en-US" dirty="0" smtClean="0"/>
-              <a:t>Internet Protocol </a:t>
-            </a:r>
-            <a:r>
-              <a:rPr lang="en-US" dirty="0" smtClean="0">
-                <a:latin typeface="+mj-lt"/>
-              </a:rPr>
-              <a:t>(IP)</a:t>
-            </a:r>
-            <a:endParaRPr lang="en-US" sz="1600" dirty="0">
-              <a:latin typeface="+mj-lt"/>
-            </a:endParaRPr>
-          </a:p>
-        </p:txBody>
-      </p:sp>
-      <p:sp>
-        <p:nvSpPr>
-          <p:cNvPr id="19" name="Rectangle 18"/>
-          <p:cNvSpPr/>
-          <p:nvPr/>
-        </p:nvSpPr>
-        <p:spPr>
-          <a:xfrm>
-            <a:off x="4478973" y="4220807"/>
-            <a:ext cx="3274301" cy="831370"/>
-          </a:xfrm>
-          <a:prstGeom prst="rect">
-            <a:avLst/>
-          </a:prstGeom>
-        </p:spPr>
-        <p:style>
-          <a:lnRef idx="2">
-            <a:schemeClr val="dk1"/>
-          </a:lnRef>
-          <a:fillRef idx="1">
-            <a:schemeClr val="lt1"/>
-          </a:fillRef>
-          <a:effectRef idx="0">
-            <a:schemeClr val="dk1"/>
-          </a:effectRef>
-          <a:fontRef idx="minor">
-            <a:schemeClr val="dk1"/>
-          </a:fontRef>
-        </p:style>
-        <p:txBody>
-          <a:bodyPr rtlCol="0" anchor="ctr"/>
-          <a:lstStyle/>
-          <a:p>
-            <a:pPr algn="ctr"/>
-            <a:r>
-              <a:rPr lang="en-US" dirty="0" smtClean="0"/>
-              <a:t>User Datagram Protocol </a:t>
-            </a:r>
-            <a:r>
-              <a:rPr lang="en-US" dirty="0" smtClean="0">
-                <a:latin typeface="+mj-lt"/>
-              </a:rPr>
-              <a:t>(UDP)</a:t>
-            </a:r>
-            <a:endParaRPr lang="en-US" sz="1600" dirty="0">
-              <a:latin typeface="+mj-lt"/>
-            </a:endParaRPr>
+          <a:noFill/>
+        </p:spPr>
+        <p:txBody>
+          <a:bodyPr vert="vert270" wrap="none" rtlCol="0">
+            <a:spAutoFit/>
+          </a:bodyPr>
+          <a:lstStyle/>
+          <a:p>
+            <a:r>
+              <a:rPr lang="en-US" sz="1400" dirty="0" smtClean="0"/>
+              <a:t>Coverage Map Info</a:t>
+            </a:r>
+            <a:endParaRPr lang="en-US" sz="1400" dirty="0"/>
           </a:p>
         </p:txBody>
       </p:sp>
     </p:spTree>
     <p:extLst>
       <p:ext uri="{BB962C8B-B14F-4D97-AF65-F5344CB8AC3E}">
-        <p14:creationId xmlns:p14="http://schemas.microsoft.com/office/powerpoint/2010/main" val="2770741297"/>
+        <p14:creationId xmlns:p14="http://schemas.microsoft.com/office/powerpoint/2010/main" val="4208439333"/>
       </p:ext>
     </p:extLst>
   </p:cSld>
@@ -6239,8 +5651,8 @@
         </p:nvSpPr>
         <p:spPr>
           <a:xfrm>
-            <a:off x="358037" y="5052177"/>
-            <a:ext cx="8558942" cy="831370"/>
+            <a:off x="1218327" y="5052177"/>
+            <a:ext cx="3274301" cy="831370"/>
           </a:xfrm>
           <a:prstGeom prst="rect">
             <a:avLst/>
@@ -6264,38 +5676,19 @@
           <a:bodyPr rtlCol="0" anchor="ctr"/>
           <a:lstStyle/>
           <a:p>
-            <a:pPr lvl="0" algn="ctr"/>
-            <a:r>
-              <a:rPr lang="en-US" dirty="0">
-                <a:solidFill>
-                  <a:prstClr val="black"/>
-                </a:solidFill>
+            <a:pPr algn="ctr"/>
+            <a:r>
+              <a:rPr lang="en-US" dirty="0" smtClean="0"/>
+              <a:t>Internet Protocol </a:t>
+            </a:r>
+            <a:r>
+              <a:rPr lang="en-US" dirty="0" smtClean="0">
+                <a:latin typeface="+mj-lt"/>
               </a:rPr>
-              <a:t>Internet Protocol </a:t>
-            </a:r>
-            <a:r>
-              <a:rPr lang="en-US" dirty="0">
-                <a:solidFill>
-                  <a:prstClr val="black"/>
-                </a:solidFill>
-                <a:latin typeface="Nexa Bold"/>
-              </a:rPr>
-              <a:t>(IP</a:t>
-            </a:r>
-            <a:r>
-              <a:rPr lang="en-US" dirty="0" smtClean="0">
-                <a:solidFill>
-                  <a:prstClr val="black"/>
-                </a:solidFill>
-                <a:latin typeface="Nexa Bold"/>
-              </a:rPr>
-              <a:t>)</a:t>
+              <a:t>(IP)</a:t>
             </a:r>
             <a:endParaRPr lang="en-US" sz="1600" dirty="0">
-              <a:solidFill>
-                <a:prstClr val="black"/>
-              </a:solidFill>
-              <a:latin typeface="Nexa Bold"/>
+              <a:latin typeface="+mj-lt"/>
             </a:endParaRPr>
           </a:p>
         </p:txBody>
@@ -6308,8 +5701,8 @@
         </p:nvSpPr>
         <p:spPr>
           <a:xfrm>
-            <a:off x="358036" y="4220807"/>
-            <a:ext cx="6524288" cy="831370"/>
+            <a:off x="1218327" y="4220807"/>
+            <a:ext cx="3274301" cy="831370"/>
           </a:xfrm>
           <a:prstGeom prst="rect">
             <a:avLst/>
@@ -6333,42 +5726,32 @@
           <a:bodyPr rtlCol="0" anchor="ctr"/>
           <a:lstStyle/>
           <a:p>
-            <a:pPr lvl="0" algn="ctr"/>
-            <a:r>
-              <a:rPr lang="en-US" dirty="0">
-                <a:solidFill>
-                  <a:prstClr val="black"/>
-                </a:solidFill>
-              </a:rPr>
+            <a:pPr algn="ctr"/>
+            <a:r>
+              <a:rPr lang="en-US" dirty="0" smtClean="0"/>
               <a:t>User Datagram Protocol </a:t>
             </a:r>
             <a:r>
-              <a:rPr lang="en-US" dirty="0">
-                <a:solidFill>
-                  <a:prstClr val="black"/>
-                </a:solidFill>
-                <a:latin typeface="Nexa Bold"/>
+              <a:rPr lang="en-US" dirty="0" smtClean="0">
+                <a:latin typeface="+mj-lt"/>
               </a:rPr>
               <a:t>(UDP)</a:t>
             </a:r>
             <a:endParaRPr lang="en-US" sz="1600" dirty="0">
-              <a:solidFill>
-                <a:prstClr val="black"/>
-              </a:solidFill>
-              <a:latin typeface="Nexa Bold"/>
+              <a:latin typeface="+mj-lt"/>
             </a:endParaRPr>
           </a:p>
         </p:txBody>
       </p:sp>
       <p:sp>
         <p:nvSpPr>
-          <p:cNvPr id="4" name="Rectangle 3"/>
+          <p:cNvPr id="6" name="Rectangle 5"/>
           <p:cNvSpPr/>
           <p:nvPr/>
         </p:nvSpPr>
         <p:spPr>
           <a:xfrm>
-            <a:off x="358038" y="3389437"/>
+            <a:off x="1218328" y="3389437"/>
             <a:ext cx="1936070" cy="831370"/>
           </a:xfrm>
           <a:prstGeom prst="rect">
@@ -6412,23 +5795,20 @@
       </p:sp>
       <p:sp>
         <p:nvSpPr>
-          <p:cNvPr id="5" name="Rectangle 4"/>
+          <p:cNvPr id="9" name="Rectangle 8"/>
           <p:cNvSpPr/>
           <p:nvPr/>
         </p:nvSpPr>
         <p:spPr>
           <a:xfrm>
-            <a:off x="2294109" y="3389437"/>
-            <a:ext cx="3468476" cy="831370"/>
+            <a:off x="3154399" y="3389437"/>
+            <a:ext cx="4603758" cy="831370"/>
           </a:xfrm>
           <a:prstGeom prst="rect">
             <a:avLst/>
           </a:prstGeom>
           <a:solidFill>
-            <a:schemeClr val="tx2">
-              <a:lumMod val="20000"/>
-              <a:lumOff val="80000"/>
-            </a:schemeClr>
+            <a:srgbClr val="D7DCE3"/>
           </a:solidFill>
         </p:spPr>
         <p:style>
@@ -6451,15 +5831,16 @@
           <a:p>
             <a:pPr algn="ctr"/>
             <a:r>
-              <a:rPr lang="en-US" dirty="0" smtClean="0">
+              <a:rPr lang="en-US" sz="1600" dirty="0" smtClean="0"/>
+              <a:t>Real-time Transport Protocol </a:t>
+            </a:r>
+            <a:r>
+              <a:rPr lang="en-US" sz="1600" dirty="0" smtClean="0">
                 <a:latin typeface="+mj-lt"/>
               </a:rPr>
-              <a:t>                     RTP</a:t>
-            </a:r>
-          </a:p>
-          <a:p>
-            <a:pPr algn="ctr"/>
-            <a:endParaRPr lang="en-US" sz="1600" dirty="0">
+              <a:t>(RTP)</a:t>
+            </a:r>
+            <a:endParaRPr lang="en-US" sz="1400" dirty="0">
               <a:latin typeface="+mj-lt"/>
             </a:endParaRPr>
           </a:p>
@@ -6467,18 +5848,21 @@
       </p:sp>
       <p:sp>
         <p:nvSpPr>
-          <p:cNvPr id="15" name="Rectangle 14"/>
+          <p:cNvPr id="11" name="Rectangle 10"/>
           <p:cNvSpPr/>
           <p:nvPr/>
         </p:nvSpPr>
         <p:spPr>
           <a:xfrm>
-            <a:off x="3168055" y="1708375"/>
-            <a:ext cx="873946" cy="1676395"/>
+            <a:off x="3156276" y="2922073"/>
+            <a:ext cx="1336351" cy="467363"/>
           </a:xfrm>
           <a:prstGeom prst="rect">
             <a:avLst/>
           </a:prstGeom>
+          <a:solidFill>
+            <a:schemeClr val="bg2"/>
+          </a:solidFill>
         </p:spPr>
         <p:style>
           <a:lnRef idx="2">
@@ -6500,29 +5884,34 @@
           <a:p>
             <a:pPr algn="ctr"/>
             <a:r>
-              <a:rPr lang="en-US" sz="1600" dirty="0" smtClean="0"/>
-              <a:t>SSRC #2</a:t>
-            </a:r>
-            <a:endParaRPr lang="en-US" sz="1400" dirty="0">
-              <a:latin typeface="+mj-lt"/>
-            </a:endParaRPr>
-          </a:p>
-        </p:txBody>
-      </p:sp>
-      <p:sp>
-        <p:nvSpPr>
-          <p:cNvPr id="16" name="Rectangle 15"/>
+              <a:rPr lang="en-US" sz="1400" dirty="0" err="1" smtClean="0"/>
+              <a:t>Subflow</a:t>
+            </a:r>
+            <a:r>
+              <a:rPr lang="en-US" sz="1400" dirty="0" smtClean="0"/>
+              <a:t> #1</a:t>
+            </a:r>
+            <a:endParaRPr lang="en-US" sz="1200" dirty="0"/>
+          </a:p>
+        </p:txBody>
+      </p:sp>
+      <p:sp>
+        <p:nvSpPr>
+          <p:cNvPr id="12" name="Rectangle 11"/>
           <p:cNvSpPr/>
           <p:nvPr/>
         </p:nvSpPr>
         <p:spPr>
           <a:xfrm>
-            <a:off x="2294109" y="1708375"/>
-            <a:ext cx="873946" cy="1676395"/>
+            <a:off x="4492628" y="2922067"/>
+            <a:ext cx="1347183" cy="467363"/>
           </a:xfrm>
           <a:prstGeom prst="rect">
             <a:avLst/>
           </a:prstGeom>
+          <a:solidFill>
+            <a:schemeClr val="bg2"/>
+          </a:solidFill>
         </p:spPr>
         <p:style>
           <a:lnRef idx="2">
@@ -6544,29 +5933,38 @@
           <a:p>
             <a:pPr algn="ctr"/>
             <a:r>
-              <a:rPr lang="en-US" sz="1600" dirty="0" smtClean="0"/>
-              <a:t>SSRC #1</a:t>
-            </a:r>
-            <a:endParaRPr lang="en-US" sz="1400" dirty="0">
-              <a:latin typeface="+mj-lt"/>
-            </a:endParaRPr>
-          </a:p>
-        </p:txBody>
-      </p:sp>
-      <p:sp>
-        <p:nvSpPr>
-          <p:cNvPr id="19" name="Rectangle 18"/>
+              <a:rPr lang="en-US" sz="1400" dirty="0" err="1" smtClean="0"/>
+              <a:t>Subflow</a:t>
+            </a:r>
+            <a:endParaRPr lang="en-US" sz="1400" dirty="0" smtClean="0"/>
+          </a:p>
+          <a:p>
+            <a:pPr algn="ctr"/>
+            <a:r>
+              <a:rPr lang="en-US" sz="1400" dirty="0" smtClean="0"/>
+              <a:t>#2</a:t>
+            </a:r>
+            <a:endParaRPr lang="en-US" sz="1200" dirty="0"/>
+          </a:p>
+        </p:txBody>
+      </p:sp>
+      <p:sp>
+        <p:nvSpPr>
+          <p:cNvPr id="14" name="Rectangle 13"/>
           <p:cNvSpPr/>
           <p:nvPr/>
         </p:nvSpPr>
         <p:spPr>
           <a:xfrm>
-            <a:off x="2294108" y="3877894"/>
-            <a:ext cx="1747893" cy="342914"/>
+            <a:off x="3156277" y="2444161"/>
+            <a:ext cx="2697189" cy="491561"/>
           </a:xfrm>
           <a:prstGeom prst="rect">
             <a:avLst/>
           </a:prstGeom>
+          <a:solidFill>
+            <a:schemeClr val="bg2"/>
+          </a:solidFill>
         </p:spPr>
         <p:style>
           <a:lnRef idx="2">
@@ -6588,10 +5986,14 @@
           <a:p>
             <a:pPr algn="ctr"/>
             <a:r>
+              <a:rPr lang="en-US" sz="1600" dirty="0" smtClean="0"/>
+              <a:t>Multipath RTP </a:t>
+            </a:r>
+            <a:r>
               <a:rPr lang="en-US" sz="1600" dirty="0" smtClean="0">
                 <a:latin typeface="+mj-lt"/>
               </a:rPr>
-              <a:t>TURN</a:t>
+              <a:t>(MPRTP)</a:t>
             </a:r>
             <a:endParaRPr lang="en-US" sz="1400" dirty="0">
               <a:latin typeface="+mj-lt"/>
@@ -6599,49 +6001,16 @@
           </a:p>
         </p:txBody>
       </p:sp>
-      <p:cxnSp>
-        <p:nvCxnSpPr>
-          <p:cNvPr id="21" name="Straight Connector 20"/>
-          <p:cNvCxnSpPr/>
-          <p:nvPr/>
-        </p:nvCxnSpPr>
-        <p:spPr>
-          <a:xfrm flipH="1">
-            <a:off x="2294108" y="3384770"/>
-            <a:ext cx="2" cy="664581"/>
-          </a:xfrm>
-          <a:prstGeom prst="line">
-            <a:avLst/>
-          </a:prstGeom>
-          <a:ln>
-            <a:prstDash val="sysDash"/>
-          </a:ln>
-        </p:spPr>
-        <p:style>
-          <a:lnRef idx="1">
-            <a:schemeClr val="dk1"/>
-          </a:lnRef>
-          <a:fillRef idx="0">
-            <a:schemeClr val="dk1"/>
-          </a:fillRef>
-          <a:effectRef idx="0">
-            <a:schemeClr val="dk1"/>
-          </a:effectRef>
-          <a:fontRef idx="minor">
-            <a:schemeClr val="tx1"/>
-          </a:fontRef>
-        </p:style>
-      </p:cxnSp>
-      <p:sp>
-        <p:nvSpPr>
-          <p:cNvPr id="24" name="Rectangle 23"/>
+      <p:sp>
+        <p:nvSpPr>
+          <p:cNvPr id="15" name="Rectangle 14"/>
           <p:cNvSpPr/>
           <p:nvPr/>
         </p:nvSpPr>
         <p:spPr>
           <a:xfrm>
-            <a:off x="4028346" y="1708375"/>
-            <a:ext cx="873946" cy="1676395"/>
+            <a:off x="3156277" y="1708376"/>
+            <a:ext cx="2697189" cy="735785"/>
           </a:xfrm>
           <a:prstGeom prst="rect">
             <a:avLst/>
@@ -6668,7 +6037,7 @@
             <a:pPr algn="ctr"/>
             <a:r>
               <a:rPr lang="en-US" sz="1600" dirty="0" smtClean="0"/>
-              <a:t>SSRC #3</a:t>
+              <a:t>SSRC #1</a:t>
             </a:r>
             <a:endParaRPr lang="en-US" sz="1400" dirty="0">
               <a:latin typeface="+mj-lt"/>
@@ -6678,14 +6047,14 @@
       </p:sp>
       <p:sp>
         <p:nvSpPr>
-          <p:cNvPr id="25" name="Rectangle 24"/>
+          <p:cNvPr id="17" name="Rectangle 16"/>
           <p:cNvSpPr/>
           <p:nvPr/>
         </p:nvSpPr>
         <p:spPr>
           <a:xfrm>
-            <a:off x="4888638" y="1708375"/>
-            <a:ext cx="873946" cy="1676395"/>
+            <a:off x="5839810" y="1708375"/>
+            <a:ext cx="996841" cy="1676395"/>
           </a:xfrm>
           <a:prstGeom prst="rect">
             <a:avLst/>
@@ -6712,7 +6081,7 @@
             <a:pPr algn="ctr"/>
             <a:r>
               <a:rPr lang="en-US" sz="1600" dirty="0" smtClean="0"/>
-              <a:t>SSRC #4</a:t>
+              <a:t>SSRC #2</a:t>
             </a:r>
             <a:endParaRPr lang="en-US" sz="1400" dirty="0">
               <a:latin typeface="+mj-lt"/>
@@ -6722,14 +6091,14 @@
       </p:sp>
       <p:sp>
         <p:nvSpPr>
-          <p:cNvPr id="13" name="Rectangle 12"/>
+          <p:cNvPr id="18" name="Rectangle 17"/>
           <p:cNvSpPr/>
           <p:nvPr/>
         </p:nvSpPr>
         <p:spPr>
           <a:xfrm>
-            <a:off x="6882324" y="4220808"/>
-            <a:ext cx="2034654" cy="831370"/>
+            <a:off x="6836651" y="1708376"/>
+            <a:ext cx="921505" cy="1681062"/>
           </a:xfrm>
           <a:prstGeom prst="rect">
             <a:avLst/>
@@ -6755,16 +6124,10 @@
           <a:p>
             <a:pPr algn="ctr"/>
             <a:r>
-              <a:rPr lang="en-US" dirty="0" smtClean="0"/>
-              <a:t>Transmission Control Protocol </a:t>
-            </a:r>
-            <a:r>
-              <a:rPr lang="en-US" dirty="0" smtClean="0">
-                <a:latin typeface="+mj-lt"/>
-              </a:rPr>
-              <a:t>(TCP)</a:t>
-            </a:r>
-            <a:endParaRPr lang="en-US" sz="1600" dirty="0">
+              <a:rPr lang="en-US" sz="1600" dirty="0" smtClean="0"/>
+              <a:t>SSRC #3</a:t>
+            </a:r>
+            <a:endParaRPr lang="en-US" sz="1400" dirty="0">
               <a:latin typeface="+mj-lt"/>
             </a:endParaRPr>
           </a:p>
@@ -6772,14 +6135,14 @@
       </p:sp>
       <p:sp>
         <p:nvSpPr>
-          <p:cNvPr id="14" name="Rectangle 13"/>
+          <p:cNvPr id="16" name="Rectangle 15"/>
           <p:cNvSpPr/>
           <p:nvPr/>
         </p:nvSpPr>
         <p:spPr>
           <a:xfrm>
-            <a:off x="6540939" y="3389438"/>
-            <a:ext cx="2376039" cy="826702"/>
+            <a:off x="4478973" y="5052177"/>
+            <a:ext cx="3274301" cy="831370"/>
           </a:xfrm>
           <a:prstGeom prst="rect">
             <a:avLst/>
@@ -6805,30 +6168,31 @@
           <a:p>
             <a:pPr algn="ctr"/>
             <a:r>
-              <a:rPr lang="en-US" sz="1600" i="1" dirty="0" smtClean="0"/>
-              <a:t>Signaling Protocol</a:t>
-            </a:r>
-          </a:p>
-          <a:p>
-            <a:pPr algn="ctr"/>
-            <a:r>
-              <a:rPr lang="en-US" sz="1200" i="1" dirty="0" smtClean="0"/>
-              <a:t>(e.g., SIP, Jingle, …)</a:t>
-            </a:r>
-            <a:endParaRPr lang="en-US" sz="1200" i="1" dirty="0"/>
-          </a:p>
-        </p:txBody>
-      </p:sp>
-      <p:sp>
-        <p:nvSpPr>
-          <p:cNvPr id="17" name="Rectangle 16"/>
+              <a:rPr lang="en-US" dirty="0" smtClean="0"/>
+              <a:t>Internet Protocol </a:t>
+            </a:r>
+            <a:r>
+              <a:rPr lang="en-US" dirty="0" smtClean="0">
+                <a:latin typeface="+mj-lt"/>
+              </a:rPr>
+              <a:t>(IP)</a:t>
+            </a:r>
+            <a:endParaRPr lang="en-US" sz="1600" dirty="0">
+              <a:latin typeface="+mj-lt"/>
+            </a:endParaRPr>
+          </a:p>
+        </p:txBody>
+      </p:sp>
+      <p:sp>
+        <p:nvSpPr>
+          <p:cNvPr id="19" name="Rectangle 18"/>
           <p:cNvSpPr/>
           <p:nvPr/>
         </p:nvSpPr>
         <p:spPr>
           <a:xfrm>
-            <a:off x="5762584" y="3384770"/>
-            <a:ext cx="778355" cy="831370"/>
+            <a:off x="4478973" y="4220807"/>
+            <a:ext cx="3274301" cy="831370"/>
           </a:xfrm>
           <a:prstGeom prst="rect">
             <a:avLst/>
@@ -6854,10 +6218,14 @@
           <a:p>
             <a:pPr algn="ctr"/>
             <a:r>
-              <a:rPr lang="en-US" sz="1600" dirty="0" smtClean="0">
+              <a:rPr lang="en-US" dirty="0" smtClean="0"/>
+              <a:t>User Datagram Protocol </a:t>
+            </a:r>
+            <a:r>
+              <a:rPr lang="en-US" dirty="0" smtClean="0">
                 <a:latin typeface="+mj-lt"/>
               </a:rPr>
-              <a:t>DTLS</a:t>
+              <a:t>(UDP)</a:t>
             </a:r>
             <a:endParaRPr lang="en-US" sz="1600" dirty="0">
               <a:latin typeface="+mj-lt"/>
@@ -6865,182 +6233,10 @@
           </a:p>
         </p:txBody>
       </p:sp>
-      <p:sp>
-        <p:nvSpPr>
-          <p:cNvPr id="6" name="TextBox 5"/>
-          <p:cNvSpPr txBox="1"/>
-          <p:nvPr/>
-        </p:nvSpPr>
-        <p:spPr>
-          <a:xfrm>
-            <a:off x="5762585" y="6211669"/>
-            <a:ext cx="3154390" cy="646331"/>
-          </a:xfrm>
-          <a:prstGeom prst="rect">
-            <a:avLst/>
-          </a:prstGeom>
-          <a:noFill/>
-        </p:spPr>
-        <p:txBody>
-          <a:bodyPr wrap="square" rtlCol="0">
-            <a:spAutoFit/>
-          </a:bodyPr>
-          <a:lstStyle/>
-          <a:p>
-            <a:pPr algn="just"/>
-            <a:r>
-              <a:rPr lang="en-US" sz="1200" dirty="0" smtClean="0">
-                <a:latin typeface="+mj-lt"/>
-              </a:rPr>
-              <a:t>Note:</a:t>
-            </a:r>
-            <a:r>
-              <a:rPr lang="en-US" sz="1200" dirty="0" smtClean="0"/>
-              <a:t> *RTP can be sent over UDP or TCP.</a:t>
-            </a:r>
-          </a:p>
-          <a:p>
-            <a:pPr algn="just"/>
-            <a:r>
-              <a:rPr lang="en-US" sz="1200" dirty="0" smtClean="0"/>
-              <a:t>Similarly, signaling </a:t>
-            </a:r>
-            <a:r>
-              <a:rPr lang="en-US" sz="1200" dirty="0"/>
-              <a:t>p</a:t>
-            </a:r>
-            <a:r>
-              <a:rPr lang="en-US" sz="1200" dirty="0" smtClean="0"/>
-              <a:t>rotocols can be designed to transmit over UDP or TCP.</a:t>
-            </a:r>
-            <a:endParaRPr lang="en-US" sz="1200" dirty="0"/>
-          </a:p>
-        </p:txBody>
-      </p:sp>
-      <p:sp>
-        <p:nvSpPr>
-          <p:cNvPr id="20" name="Rectangle 19"/>
-          <p:cNvSpPr/>
-          <p:nvPr/>
-        </p:nvSpPr>
-        <p:spPr>
-          <a:xfrm>
-            <a:off x="5762580" y="1708375"/>
-            <a:ext cx="1570372" cy="1676395"/>
-          </a:xfrm>
-          <a:prstGeom prst="rect">
-            <a:avLst/>
-          </a:prstGeom>
-        </p:spPr>
-        <p:style>
-          <a:lnRef idx="2">
-            <a:schemeClr val="dk1"/>
-          </a:lnRef>
-          <a:fillRef idx="1">
-            <a:schemeClr val="lt1"/>
-          </a:fillRef>
-          <a:effectRef idx="0">
-            <a:schemeClr val="dk1"/>
-          </a:effectRef>
-          <a:fontRef idx="minor">
-            <a:schemeClr val="dk1"/>
-          </a:fontRef>
-        </p:style>
-        <p:txBody>
-          <a:bodyPr vert="horz" rtlCol="0" anchor="ctr"/>
-          <a:lstStyle/>
-          <a:p>
-            <a:pPr algn="ctr"/>
-            <a:r>
-              <a:rPr lang="en-US" sz="1600" dirty="0" smtClean="0"/>
-              <a:t>Secure RTP </a:t>
-            </a:r>
-            <a:r>
-              <a:rPr lang="en-US" sz="1600" dirty="0" smtClean="0">
-                <a:latin typeface="+mj-lt"/>
-              </a:rPr>
-              <a:t>(SRTP)</a:t>
-            </a:r>
-            <a:r>
-              <a:rPr lang="en-US" sz="1600" dirty="0" smtClean="0"/>
-              <a:t> Keying</a:t>
-            </a:r>
-            <a:endParaRPr lang="en-US" sz="1400" dirty="0">
-              <a:latin typeface="+mj-lt"/>
-            </a:endParaRPr>
-          </a:p>
-        </p:txBody>
-      </p:sp>
-      <p:cxnSp>
-        <p:nvCxnSpPr>
-          <p:cNvPr id="11" name="Straight Connector 10"/>
-          <p:cNvCxnSpPr/>
-          <p:nvPr/>
-        </p:nvCxnSpPr>
-        <p:spPr>
-          <a:xfrm>
-            <a:off x="4028346" y="3389438"/>
-            <a:ext cx="0" cy="493124"/>
-          </a:xfrm>
-          <a:prstGeom prst="line">
-            <a:avLst/>
-          </a:prstGeom>
-          <a:ln>
-            <a:prstDash val="dash"/>
-          </a:ln>
-        </p:spPr>
-        <p:style>
-          <a:lnRef idx="1">
-            <a:schemeClr val="dk1"/>
-          </a:lnRef>
-          <a:fillRef idx="0">
-            <a:schemeClr val="dk1"/>
-          </a:fillRef>
-          <a:effectRef idx="0">
-            <a:schemeClr val="dk1"/>
-          </a:effectRef>
-          <a:fontRef idx="minor">
-            <a:schemeClr val="tx1"/>
-          </a:fontRef>
-        </p:style>
-      </p:cxnSp>
-      <p:cxnSp>
-        <p:nvCxnSpPr>
-          <p:cNvPr id="22" name="Straight Connector 21"/>
-          <p:cNvCxnSpPr/>
-          <p:nvPr/>
-        </p:nvCxnSpPr>
-        <p:spPr>
-          <a:xfrm>
-            <a:off x="3168055" y="3384770"/>
-            <a:ext cx="0" cy="493124"/>
-          </a:xfrm>
-          <a:prstGeom prst="line">
-            <a:avLst/>
-          </a:prstGeom>
-          <a:ln>
-            <a:prstDash val="dash"/>
-          </a:ln>
-        </p:spPr>
-        <p:style>
-          <a:lnRef idx="1">
-            <a:schemeClr val="dk1"/>
-          </a:lnRef>
-          <a:fillRef idx="0">
-            <a:schemeClr val="dk1"/>
-          </a:fillRef>
-          <a:effectRef idx="0">
-            <a:schemeClr val="dk1"/>
-          </a:effectRef>
-          <a:fontRef idx="minor">
-            <a:schemeClr val="tx1"/>
-          </a:fontRef>
-        </p:style>
-      </p:cxnSp>
     </p:spTree>
     <p:extLst>
       <p:ext uri="{BB962C8B-B14F-4D97-AF65-F5344CB8AC3E}">
-        <p14:creationId xmlns:p14="http://schemas.microsoft.com/office/powerpoint/2010/main" val="3019611239"/>
+        <p14:creationId xmlns:p14="http://schemas.microsoft.com/office/powerpoint/2010/main" val="2770741297"/>
       </p:ext>
     </p:extLst>
   </p:cSld>
@@ -7075,8 +6271,8 @@
         </p:nvSpPr>
         <p:spPr>
           <a:xfrm>
-            <a:off x="139556" y="5052177"/>
-            <a:ext cx="8900321" cy="831370"/>
+            <a:off x="358037" y="5052177"/>
+            <a:ext cx="8558942" cy="831370"/>
           </a:xfrm>
           <a:prstGeom prst="rect">
             <a:avLst/>
@@ -7144,8 +6340,8 @@
         </p:nvSpPr>
         <p:spPr>
           <a:xfrm>
-            <a:off x="139555" y="4220807"/>
-            <a:ext cx="6660835" cy="831370"/>
+            <a:off x="358036" y="4220807"/>
+            <a:ext cx="6524288" cy="831370"/>
           </a:xfrm>
           <a:prstGeom prst="rect">
             <a:avLst/>
@@ -7204,7 +6400,7 @@
         </p:nvSpPr>
         <p:spPr>
           <a:xfrm>
-            <a:off x="139558" y="3389437"/>
+            <a:off x="358038" y="3389437"/>
             <a:ext cx="1936070" cy="831370"/>
           </a:xfrm>
           <a:prstGeom prst="rect">
@@ -7254,7 +6450,7 @@
         </p:nvSpPr>
         <p:spPr>
           <a:xfrm>
-            <a:off x="2075629" y="3389437"/>
+            <a:off x="2294109" y="3389437"/>
             <a:ext cx="3468476" cy="831370"/>
           </a:xfrm>
           <a:prstGeom prst="rect">
@@ -7309,8 +6505,8 @@
         </p:nvSpPr>
         <p:spPr>
           <a:xfrm>
-            <a:off x="2949575" y="1597583"/>
-            <a:ext cx="873946" cy="1787187"/>
+            <a:off x="3168055" y="1708375"/>
+            <a:ext cx="873946" cy="1676395"/>
           </a:xfrm>
           <a:prstGeom prst="rect">
             <a:avLst/>
@@ -7353,8 +6549,8 @@
         </p:nvSpPr>
         <p:spPr>
           <a:xfrm>
-            <a:off x="2075629" y="1597583"/>
-            <a:ext cx="873946" cy="1787187"/>
+            <a:off x="2294109" y="1708375"/>
+            <a:ext cx="873946" cy="1676395"/>
           </a:xfrm>
           <a:prstGeom prst="rect">
             <a:avLst/>
@@ -7397,7 +6593,7 @@
         </p:nvSpPr>
         <p:spPr>
           <a:xfrm>
-            <a:off x="2075628" y="3877894"/>
+            <a:off x="2294108" y="3877894"/>
             <a:ext cx="1747893" cy="342914"/>
           </a:xfrm>
           <a:prstGeom prst="rect">
@@ -7443,7 +6639,7 @@
         </p:nvCxnSpPr>
         <p:spPr>
           <a:xfrm flipH="1">
-            <a:off x="2075628" y="3384770"/>
+            <a:off x="2294108" y="3384770"/>
             <a:ext cx="2" cy="664581"/>
           </a:xfrm>
           <a:prstGeom prst="line">
@@ -7476,8 +6672,8 @@
         </p:nvSpPr>
         <p:spPr>
           <a:xfrm>
-            <a:off x="3809866" y="1597583"/>
-            <a:ext cx="873946" cy="1787187"/>
+            <a:off x="4028346" y="1708375"/>
+            <a:ext cx="873946" cy="1676395"/>
           </a:xfrm>
           <a:prstGeom prst="rect">
             <a:avLst/>
@@ -7520,8 +6716,8 @@
         </p:nvSpPr>
         <p:spPr>
           <a:xfrm>
-            <a:off x="4670158" y="1597583"/>
-            <a:ext cx="873946" cy="1787187"/>
+            <a:off x="4888638" y="1708375"/>
+            <a:ext cx="873946" cy="1676395"/>
           </a:xfrm>
           <a:prstGeom prst="rect">
             <a:avLst/>
@@ -7564,8 +6760,8 @@
         </p:nvSpPr>
         <p:spPr>
           <a:xfrm>
-            <a:off x="6800391" y="4220808"/>
-            <a:ext cx="2239485" cy="831370"/>
+            <a:off x="6882324" y="4220808"/>
+            <a:ext cx="2034654" cy="831370"/>
           </a:xfrm>
           <a:prstGeom prst="rect">
             <a:avLst/>
@@ -7614,8 +6810,8 @@
         </p:nvSpPr>
         <p:spPr>
           <a:xfrm>
-            <a:off x="6554595" y="3389438"/>
-            <a:ext cx="2485281" cy="826702"/>
+            <a:off x="6540939" y="3389438"/>
+            <a:ext cx="2376039" cy="826702"/>
           </a:xfrm>
           <a:prstGeom prst="rect">
             <a:avLst/>
@@ -7663,8 +6859,8 @@
         </p:nvSpPr>
         <p:spPr>
           <a:xfrm>
-            <a:off x="5544105" y="3384770"/>
-            <a:ext cx="1010490" cy="831370"/>
+            <a:off x="5762584" y="3384770"/>
+            <a:ext cx="778355" cy="831370"/>
           </a:xfrm>
           <a:prstGeom prst="rect">
             <a:avLst/>
@@ -7709,7 +6905,7 @@
         </p:nvSpPr>
         <p:spPr>
           <a:xfrm>
-            <a:off x="5885487" y="6211669"/>
+            <a:off x="5762585" y="6211669"/>
             <a:ext cx="3154390" cy="646331"/>
           </a:xfrm>
           <a:prstGeom prst="rect">
@@ -7761,8 +6957,8 @@
         </p:nvSpPr>
         <p:spPr>
           <a:xfrm>
-            <a:off x="6308797" y="1597583"/>
-            <a:ext cx="1447478" cy="1787188"/>
+            <a:off x="5762580" y="1708375"/>
+            <a:ext cx="1570372" cy="1676395"/>
           </a:xfrm>
           <a:prstGeom prst="rect">
             <a:avLst/>
@@ -7815,7 +7011,7 @@
         </p:nvCxnSpPr>
         <p:spPr>
           <a:xfrm>
-            <a:off x="3809866" y="3389438"/>
+            <a:off x="4028346" y="3389438"/>
             <a:ext cx="0" cy="493124"/>
           </a:xfrm>
           <a:prstGeom prst="line">
@@ -7848,7 +7044,7 @@
         </p:nvCxnSpPr>
         <p:spPr>
           <a:xfrm>
-            <a:off x="2949575" y="3384770"/>
+            <a:off x="3168055" y="3384770"/>
             <a:ext cx="0" cy="493124"/>
           </a:xfrm>
           <a:prstGeom prst="line">
@@ -7873,111 +7069,10 @@
           </a:fontRef>
         </p:style>
       </p:cxnSp>
-      <p:sp>
-        <p:nvSpPr>
-          <p:cNvPr id="23" name="Rectangle 22"/>
-          <p:cNvSpPr/>
-          <p:nvPr/>
-        </p:nvSpPr>
-        <p:spPr>
-          <a:xfrm>
-            <a:off x="5544104" y="2553398"/>
-            <a:ext cx="764693" cy="831372"/>
-          </a:xfrm>
-          <a:prstGeom prst="rect">
-            <a:avLst/>
-          </a:prstGeom>
-        </p:spPr>
-        <p:style>
-          <a:lnRef idx="2">
-            <a:schemeClr val="dk1"/>
-          </a:lnRef>
-          <a:fillRef idx="1">
-            <a:schemeClr val="lt1"/>
-          </a:fillRef>
-          <a:effectRef idx="0">
-            <a:schemeClr val="dk1"/>
-          </a:effectRef>
-          <a:fontRef idx="minor">
-            <a:schemeClr val="dk1"/>
-          </a:fontRef>
-        </p:style>
-        <p:txBody>
-          <a:bodyPr vert="horz" rtlCol="0" anchor="ctr"/>
-          <a:lstStyle/>
-          <a:p>
-            <a:pPr algn="ctr"/>
-            <a:r>
-              <a:rPr lang="en-US" sz="1600" dirty="0" smtClean="0">
-                <a:latin typeface="+mj-lt"/>
-              </a:rPr>
-              <a:t>SCTP</a:t>
-            </a:r>
-            <a:endParaRPr lang="en-US" sz="1400" dirty="0">
-              <a:latin typeface="+mj-lt"/>
-            </a:endParaRPr>
-          </a:p>
-        </p:txBody>
-      </p:sp>
-      <p:sp>
-        <p:nvSpPr>
-          <p:cNvPr id="26" name="Rectangle 25"/>
-          <p:cNvSpPr/>
-          <p:nvPr/>
-        </p:nvSpPr>
-        <p:spPr>
-          <a:xfrm>
-            <a:off x="5544106" y="1597583"/>
-            <a:ext cx="764693" cy="955815"/>
-          </a:xfrm>
-          <a:prstGeom prst="rect">
-            <a:avLst/>
-          </a:prstGeom>
-        </p:spPr>
-        <p:style>
-          <a:lnRef idx="2">
-            <a:schemeClr val="dk1"/>
-          </a:lnRef>
-          <a:fillRef idx="1">
-            <a:schemeClr val="lt1"/>
-          </a:fillRef>
-          <a:effectRef idx="0">
-            <a:schemeClr val="dk1"/>
-          </a:effectRef>
-          <a:fontRef idx="minor">
-            <a:schemeClr val="dk1"/>
-          </a:fontRef>
-        </p:style>
-        <p:txBody>
-          <a:bodyPr vert="vert270" rtlCol="0" anchor="ctr"/>
-          <a:lstStyle/>
-          <a:p>
-            <a:pPr algn="ctr"/>
-            <a:r>
-              <a:rPr lang="en-US" sz="1600" dirty="0" smtClean="0">
-                <a:latin typeface="+mj-lt"/>
-              </a:rPr>
-              <a:t>Data</a:t>
-            </a:r>
-          </a:p>
-          <a:p>
-            <a:pPr algn="ctr"/>
-            <a:r>
-              <a:rPr lang="en-US" sz="1600" dirty="0" smtClean="0">
-                <a:latin typeface="+mj-lt"/>
-              </a:rPr>
-              <a:t>Channel</a:t>
-            </a:r>
-            <a:endParaRPr lang="en-US" sz="1400" dirty="0">
-              <a:latin typeface="+mj-lt"/>
-            </a:endParaRPr>
-          </a:p>
-        </p:txBody>
-      </p:sp>
     </p:spTree>
     <p:extLst>
       <p:ext uri="{BB962C8B-B14F-4D97-AF65-F5344CB8AC3E}">
-        <p14:creationId xmlns:p14="http://schemas.microsoft.com/office/powerpoint/2010/main" val="3585768518"/>
+        <p14:creationId xmlns:p14="http://schemas.microsoft.com/office/powerpoint/2010/main" val="3019611239"/>
       </p:ext>
     </p:extLst>
   </p:cSld>
@@ -8006,6 +7101,943 @@
       </p:grpSpPr>
       <p:sp>
         <p:nvSpPr>
+          <p:cNvPr id="2" name="Rectangle 1"/>
+          <p:cNvSpPr/>
+          <p:nvPr/>
+        </p:nvSpPr>
+        <p:spPr>
+          <a:xfrm>
+            <a:off x="139556" y="5052177"/>
+            <a:ext cx="8900321" cy="831370"/>
+          </a:xfrm>
+          <a:prstGeom prst="rect">
+            <a:avLst/>
+          </a:prstGeom>
+        </p:spPr>
+        <p:style>
+          <a:lnRef idx="2">
+            <a:schemeClr val="dk1"/>
+          </a:lnRef>
+          <a:fillRef idx="1">
+            <a:schemeClr val="lt1"/>
+          </a:fillRef>
+          <a:effectRef idx="0">
+            <a:schemeClr val="dk1"/>
+          </a:effectRef>
+          <a:fontRef idx="minor">
+            <a:schemeClr val="dk1"/>
+          </a:fontRef>
+        </p:style>
+        <p:txBody>
+          <a:bodyPr rtlCol="0" anchor="ctr"/>
+          <a:lstStyle/>
+          <a:p>
+            <a:pPr lvl="0" algn="ctr"/>
+            <a:r>
+              <a:rPr lang="en-US" dirty="0">
+                <a:solidFill>
+                  <a:prstClr val="black"/>
+                </a:solidFill>
+              </a:rPr>
+              <a:t>Internet Protocol </a:t>
+            </a:r>
+            <a:r>
+              <a:rPr lang="en-US" dirty="0">
+                <a:solidFill>
+                  <a:prstClr val="black"/>
+                </a:solidFill>
+                <a:latin typeface="Nexa Bold"/>
+              </a:rPr>
+              <a:t>(IP</a:t>
+            </a:r>
+            <a:r>
+              <a:rPr lang="en-US" dirty="0" smtClean="0">
+                <a:solidFill>
+                  <a:prstClr val="black"/>
+                </a:solidFill>
+                <a:latin typeface="Nexa Bold"/>
+              </a:rPr>
+              <a:t>)</a:t>
+            </a:r>
+            <a:endParaRPr lang="en-US" sz="1600" dirty="0">
+              <a:solidFill>
+                <a:prstClr val="black"/>
+              </a:solidFill>
+              <a:latin typeface="Nexa Bold"/>
+            </a:endParaRPr>
+          </a:p>
+        </p:txBody>
+      </p:sp>
+      <p:sp>
+        <p:nvSpPr>
+          <p:cNvPr id="3" name="Rectangle 2"/>
+          <p:cNvSpPr/>
+          <p:nvPr/>
+        </p:nvSpPr>
+        <p:spPr>
+          <a:xfrm>
+            <a:off x="139555" y="4220807"/>
+            <a:ext cx="6660835" cy="831370"/>
+          </a:xfrm>
+          <a:prstGeom prst="rect">
+            <a:avLst/>
+          </a:prstGeom>
+        </p:spPr>
+        <p:style>
+          <a:lnRef idx="2">
+            <a:schemeClr val="dk1"/>
+          </a:lnRef>
+          <a:fillRef idx="1">
+            <a:schemeClr val="lt1"/>
+          </a:fillRef>
+          <a:effectRef idx="0">
+            <a:schemeClr val="dk1"/>
+          </a:effectRef>
+          <a:fontRef idx="minor">
+            <a:schemeClr val="dk1"/>
+          </a:fontRef>
+        </p:style>
+        <p:txBody>
+          <a:bodyPr rtlCol="0" anchor="ctr"/>
+          <a:lstStyle/>
+          <a:p>
+            <a:pPr lvl="0" algn="ctr"/>
+            <a:r>
+              <a:rPr lang="en-US" dirty="0">
+                <a:solidFill>
+                  <a:prstClr val="black"/>
+                </a:solidFill>
+              </a:rPr>
+              <a:t>User Datagram Protocol </a:t>
+            </a:r>
+            <a:r>
+              <a:rPr lang="en-US" dirty="0">
+                <a:solidFill>
+                  <a:prstClr val="black"/>
+                </a:solidFill>
+                <a:latin typeface="Nexa Bold"/>
+              </a:rPr>
+              <a:t>(UDP)</a:t>
+            </a:r>
+            <a:endParaRPr lang="en-US" sz="1600" dirty="0">
+              <a:solidFill>
+                <a:prstClr val="black"/>
+              </a:solidFill>
+              <a:latin typeface="Nexa Bold"/>
+            </a:endParaRPr>
+          </a:p>
+        </p:txBody>
+      </p:sp>
+      <p:sp>
+        <p:nvSpPr>
+          <p:cNvPr id="4" name="Rectangle 3"/>
+          <p:cNvSpPr/>
+          <p:nvPr/>
+        </p:nvSpPr>
+        <p:spPr>
+          <a:xfrm>
+            <a:off x="139558" y="3389437"/>
+            <a:ext cx="1936070" cy="831370"/>
+          </a:xfrm>
+          <a:prstGeom prst="rect">
+            <a:avLst/>
+          </a:prstGeom>
+        </p:spPr>
+        <p:style>
+          <a:lnRef idx="2">
+            <a:schemeClr val="dk1"/>
+          </a:lnRef>
+          <a:fillRef idx="1">
+            <a:schemeClr val="lt1"/>
+          </a:fillRef>
+          <a:effectRef idx="0">
+            <a:schemeClr val="dk1"/>
+          </a:effectRef>
+          <a:fontRef idx="minor">
+            <a:schemeClr val="dk1"/>
+          </a:fontRef>
+        </p:style>
+        <p:txBody>
+          <a:bodyPr rtlCol="0" anchor="ctr"/>
+          <a:lstStyle/>
+          <a:p>
+            <a:pPr algn="ctr"/>
+            <a:r>
+              <a:rPr lang="en-US" sz="1600" dirty="0" smtClean="0"/>
+              <a:t>Session Traversal Utilities for NAT </a:t>
+            </a:r>
+            <a:r>
+              <a:rPr lang="en-US" sz="1600" dirty="0" smtClean="0">
+                <a:latin typeface="+mj-lt"/>
+              </a:rPr>
+              <a:t>(STUN)</a:t>
+            </a:r>
+            <a:endParaRPr lang="en-US" sz="1600" dirty="0">
+              <a:latin typeface="+mj-lt"/>
+            </a:endParaRPr>
+          </a:p>
+        </p:txBody>
+      </p:sp>
+      <p:sp>
+        <p:nvSpPr>
+          <p:cNvPr id="5" name="Rectangle 4"/>
+          <p:cNvSpPr/>
+          <p:nvPr/>
+        </p:nvSpPr>
+        <p:spPr>
+          <a:xfrm>
+            <a:off x="2075629" y="3389437"/>
+            <a:ext cx="3468476" cy="831370"/>
+          </a:xfrm>
+          <a:prstGeom prst="rect">
+            <a:avLst/>
+          </a:prstGeom>
+          <a:solidFill>
+            <a:schemeClr val="tx2">
+              <a:lumMod val="20000"/>
+              <a:lumOff val="80000"/>
+            </a:schemeClr>
+          </a:solidFill>
+        </p:spPr>
+        <p:style>
+          <a:lnRef idx="2">
+            <a:schemeClr val="dk1"/>
+          </a:lnRef>
+          <a:fillRef idx="1">
+            <a:schemeClr val="lt1"/>
+          </a:fillRef>
+          <a:effectRef idx="0">
+            <a:schemeClr val="dk1"/>
+          </a:effectRef>
+          <a:fontRef idx="minor">
+            <a:schemeClr val="dk1"/>
+          </a:fontRef>
+        </p:style>
+        <p:txBody>
+          <a:bodyPr rtlCol="0" anchor="ctr"/>
+          <a:lstStyle/>
+          <a:p>
+            <a:pPr algn="ctr"/>
+            <a:r>
+              <a:rPr lang="en-US" dirty="0" smtClean="0">
+                <a:latin typeface="+mj-lt"/>
+              </a:rPr>
+              <a:t>                     RTP</a:t>
+            </a:r>
+          </a:p>
+          <a:p>
+            <a:pPr algn="ctr"/>
+            <a:endParaRPr lang="en-US" sz="1600" dirty="0">
+              <a:latin typeface="+mj-lt"/>
+            </a:endParaRPr>
+          </a:p>
+        </p:txBody>
+      </p:sp>
+      <p:sp>
+        <p:nvSpPr>
+          <p:cNvPr id="15" name="Rectangle 14"/>
+          <p:cNvSpPr/>
+          <p:nvPr/>
+        </p:nvSpPr>
+        <p:spPr>
+          <a:xfrm>
+            <a:off x="2949575" y="1597583"/>
+            <a:ext cx="873946" cy="1787187"/>
+          </a:xfrm>
+          <a:prstGeom prst="rect">
+            <a:avLst/>
+          </a:prstGeom>
+        </p:spPr>
+        <p:style>
+          <a:lnRef idx="2">
+            <a:schemeClr val="dk1"/>
+          </a:lnRef>
+          <a:fillRef idx="1">
+            <a:schemeClr val="lt1"/>
+          </a:fillRef>
+          <a:effectRef idx="0">
+            <a:schemeClr val="dk1"/>
+          </a:effectRef>
+          <a:fontRef idx="minor">
+            <a:schemeClr val="dk1"/>
+          </a:fontRef>
+        </p:style>
+        <p:txBody>
+          <a:bodyPr rtlCol="0" anchor="ctr"/>
+          <a:lstStyle/>
+          <a:p>
+            <a:pPr algn="ctr"/>
+            <a:r>
+              <a:rPr lang="en-US" sz="1600" dirty="0" smtClean="0"/>
+              <a:t>SSRC #2</a:t>
+            </a:r>
+            <a:endParaRPr lang="en-US" sz="1400" dirty="0">
+              <a:latin typeface="+mj-lt"/>
+            </a:endParaRPr>
+          </a:p>
+        </p:txBody>
+      </p:sp>
+      <p:sp>
+        <p:nvSpPr>
+          <p:cNvPr id="16" name="Rectangle 15"/>
+          <p:cNvSpPr/>
+          <p:nvPr/>
+        </p:nvSpPr>
+        <p:spPr>
+          <a:xfrm>
+            <a:off x="2075629" y="1597583"/>
+            <a:ext cx="873946" cy="1787187"/>
+          </a:xfrm>
+          <a:prstGeom prst="rect">
+            <a:avLst/>
+          </a:prstGeom>
+        </p:spPr>
+        <p:style>
+          <a:lnRef idx="2">
+            <a:schemeClr val="dk1"/>
+          </a:lnRef>
+          <a:fillRef idx="1">
+            <a:schemeClr val="lt1"/>
+          </a:fillRef>
+          <a:effectRef idx="0">
+            <a:schemeClr val="dk1"/>
+          </a:effectRef>
+          <a:fontRef idx="minor">
+            <a:schemeClr val="dk1"/>
+          </a:fontRef>
+        </p:style>
+        <p:txBody>
+          <a:bodyPr rtlCol="0" anchor="ctr"/>
+          <a:lstStyle/>
+          <a:p>
+            <a:pPr algn="ctr"/>
+            <a:r>
+              <a:rPr lang="en-US" sz="1600" dirty="0" smtClean="0"/>
+              <a:t>SSRC #1</a:t>
+            </a:r>
+            <a:endParaRPr lang="en-US" sz="1400" dirty="0">
+              <a:latin typeface="+mj-lt"/>
+            </a:endParaRPr>
+          </a:p>
+        </p:txBody>
+      </p:sp>
+      <p:sp>
+        <p:nvSpPr>
+          <p:cNvPr id="19" name="Rectangle 18"/>
+          <p:cNvSpPr/>
+          <p:nvPr/>
+        </p:nvSpPr>
+        <p:spPr>
+          <a:xfrm>
+            <a:off x="2075628" y="3877894"/>
+            <a:ext cx="1747893" cy="342914"/>
+          </a:xfrm>
+          <a:prstGeom prst="rect">
+            <a:avLst/>
+          </a:prstGeom>
+        </p:spPr>
+        <p:style>
+          <a:lnRef idx="2">
+            <a:schemeClr val="dk1"/>
+          </a:lnRef>
+          <a:fillRef idx="1">
+            <a:schemeClr val="lt1"/>
+          </a:fillRef>
+          <a:effectRef idx="0">
+            <a:schemeClr val="dk1"/>
+          </a:effectRef>
+          <a:fontRef idx="minor">
+            <a:schemeClr val="dk1"/>
+          </a:fontRef>
+        </p:style>
+        <p:txBody>
+          <a:bodyPr rtlCol="0" anchor="ctr"/>
+          <a:lstStyle/>
+          <a:p>
+            <a:pPr algn="ctr"/>
+            <a:r>
+              <a:rPr lang="en-US" sz="1600" dirty="0" smtClean="0">
+                <a:latin typeface="+mj-lt"/>
+              </a:rPr>
+              <a:t>TURN</a:t>
+            </a:r>
+            <a:endParaRPr lang="en-US" sz="1400" dirty="0">
+              <a:latin typeface="+mj-lt"/>
+            </a:endParaRPr>
+          </a:p>
+        </p:txBody>
+      </p:sp>
+      <p:cxnSp>
+        <p:nvCxnSpPr>
+          <p:cNvPr id="21" name="Straight Connector 20"/>
+          <p:cNvCxnSpPr/>
+          <p:nvPr/>
+        </p:nvCxnSpPr>
+        <p:spPr>
+          <a:xfrm flipH="1">
+            <a:off x="2075628" y="3384770"/>
+            <a:ext cx="2" cy="664581"/>
+          </a:xfrm>
+          <a:prstGeom prst="line">
+            <a:avLst/>
+          </a:prstGeom>
+          <a:ln>
+            <a:prstDash val="sysDash"/>
+          </a:ln>
+        </p:spPr>
+        <p:style>
+          <a:lnRef idx="1">
+            <a:schemeClr val="dk1"/>
+          </a:lnRef>
+          <a:fillRef idx="0">
+            <a:schemeClr val="dk1"/>
+          </a:fillRef>
+          <a:effectRef idx="0">
+            <a:schemeClr val="dk1"/>
+          </a:effectRef>
+          <a:fontRef idx="minor">
+            <a:schemeClr val="tx1"/>
+          </a:fontRef>
+        </p:style>
+      </p:cxnSp>
+      <p:sp>
+        <p:nvSpPr>
+          <p:cNvPr id="24" name="Rectangle 23"/>
+          <p:cNvSpPr/>
+          <p:nvPr/>
+        </p:nvSpPr>
+        <p:spPr>
+          <a:xfrm>
+            <a:off x="3809866" y="1597583"/>
+            <a:ext cx="873946" cy="1787187"/>
+          </a:xfrm>
+          <a:prstGeom prst="rect">
+            <a:avLst/>
+          </a:prstGeom>
+        </p:spPr>
+        <p:style>
+          <a:lnRef idx="2">
+            <a:schemeClr val="dk1"/>
+          </a:lnRef>
+          <a:fillRef idx="1">
+            <a:schemeClr val="lt1"/>
+          </a:fillRef>
+          <a:effectRef idx="0">
+            <a:schemeClr val="dk1"/>
+          </a:effectRef>
+          <a:fontRef idx="minor">
+            <a:schemeClr val="dk1"/>
+          </a:fontRef>
+        </p:style>
+        <p:txBody>
+          <a:bodyPr rtlCol="0" anchor="ctr"/>
+          <a:lstStyle/>
+          <a:p>
+            <a:pPr algn="ctr"/>
+            <a:r>
+              <a:rPr lang="en-US" sz="1600" dirty="0" smtClean="0"/>
+              <a:t>SSRC #3</a:t>
+            </a:r>
+            <a:endParaRPr lang="en-US" sz="1400" dirty="0">
+              <a:latin typeface="+mj-lt"/>
+            </a:endParaRPr>
+          </a:p>
+        </p:txBody>
+      </p:sp>
+      <p:sp>
+        <p:nvSpPr>
+          <p:cNvPr id="25" name="Rectangle 24"/>
+          <p:cNvSpPr/>
+          <p:nvPr/>
+        </p:nvSpPr>
+        <p:spPr>
+          <a:xfrm>
+            <a:off x="4670158" y="1597583"/>
+            <a:ext cx="873946" cy="1787187"/>
+          </a:xfrm>
+          <a:prstGeom prst="rect">
+            <a:avLst/>
+          </a:prstGeom>
+        </p:spPr>
+        <p:style>
+          <a:lnRef idx="2">
+            <a:schemeClr val="dk1"/>
+          </a:lnRef>
+          <a:fillRef idx="1">
+            <a:schemeClr val="lt1"/>
+          </a:fillRef>
+          <a:effectRef idx="0">
+            <a:schemeClr val="dk1"/>
+          </a:effectRef>
+          <a:fontRef idx="minor">
+            <a:schemeClr val="dk1"/>
+          </a:fontRef>
+        </p:style>
+        <p:txBody>
+          <a:bodyPr rtlCol="0" anchor="ctr"/>
+          <a:lstStyle/>
+          <a:p>
+            <a:pPr algn="ctr"/>
+            <a:r>
+              <a:rPr lang="en-US" sz="1600" dirty="0" smtClean="0"/>
+              <a:t>SSRC #4</a:t>
+            </a:r>
+            <a:endParaRPr lang="en-US" sz="1400" dirty="0">
+              <a:latin typeface="+mj-lt"/>
+            </a:endParaRPr>
+          </a:p>
+        </p:txBody>
+      </p:sp>
+      <p:sp>
+        <p:nvSpPr>
+          <p:cNvPr id="13" name="Rectangle 12"/>
+          <p:cNvSpPr/>
+          <p:nvPr/>
+        </p:nvSpPr>
+        <p:spPr>
+          <a:xfrm>
+            <a:off x="6800391" y="4220808"/>
+            <a:ext cx="2239485" cy="831370"/>
+          </a:xfrm>
+          <a:prstGeom prst="rect">
+            <a:avLst/>
+          </a:prstGeom>
+        </p:spPr>
+        <p:style>
+          <a:lnRef idx="2">
+            <a:schemeClr val="dk1"/>
+          </a:lnRef>
+          <a:fillRef idx="1">
+            <a:schemeClr val="lt1"/>
+          </a:fillRef>
+          <a:effectRef idx="0">
+            <a:schemeClr val="dk1"/>
+          </a:effectRef>
+          <a:fontRef idx="minor">
+            <a:schemeClr val="dk1"/>
+          </a:fontRef>
+        </p:style>
+        <p:txBody>
+          <a:bodyPr rtlCol="0" anchor="ctr"/>
+          <a:lstStyle/>
+          <a:p>
+            <a:pPr algn="ctr"/>
+            <a:r>
+              <a:rPr lang="en-US" dirty="0" smtClean="0"/>
+              <a:t>Transmission Control Protocol </a:t>
+            </a:r>
+            <a:r>
+              <a:rPr lang="en-US" dirty="0" smtClean="0">
+                <a:latin typeface="+mj-lt"/>
+              </a:rPr>
+              <a:t>(TCP)</a:t>
+            </a:r>
+            <a:endParaRPr lang="en-US" sz="1600" dirty="0">
+              <a:latin typeface="+mj-lt"/>
+            </a:endParaRPr>
+          </a:p>
+        </p:txBody>
+      </p:sp>
+      <p:sp>
+        <p:nvSpPr>
+          <p:cNvPr id="14" name="Rectangle 13"/>
+          <p:cNvSpPr/>
+          <p:nvPr/>
+        </p:nvSpPr>
+        <p:spPr>
+          <a:xfrm>
+            <a:off x="6554595" y="3389438"/>
+            <a:ext cx="2485281" cy="826702"/>
+          </a:xfrm>
+          <a:prstGeom prst="rect">
+            <a:avLst/>
+          </a:prstGeom>
+        </p:spPr>
+        <p:style>
+          <a:lnRef idx="2">
+            <a:schemeClr val="dk1"/>
+          </a:lnRef>
+          <a:fillRef idx="1">
+            <a:schemeClr val="lt1"/>
+          </a:fillRef>
+          <a:effectRef idx="0">
+            <a:schemeClr val="dk1"/>
+          </a:effectRef>
+          <a:fontRef idx="minor">
+            <a:schemeClr val="dk1"/>
+          </a:fontRef>
+        </p:style>
+        <p:txBody>
+          <a:bodyPr rtlCol="0" anchor="ctr"/>
+          <a:lstStyle/>
+          <a:p>
+            <a:pPr algn="ctr"/>
+            <a:r>
+              <a:rPr lang="en-US" sz="1600" i="1" dirty="0" smtClean="0"/>
+              <a:t>Signaling Protocol</a:t>
+            </a:r>
+          </a:p>
+          <a:p>
+            <a:pPr algn="ctr"/>
+            <a:r>
+              <a:rPr lang="en-US" sz="1200" i="1" dirty="0" smtClean="0"/>
+              <a:t>(e.g., SIP, Jingle, …)</a:t>
+            </a:r>
+            <a:endParaRPr lang="en-US" sz="1200" i="1" dirty="0"/>
+          </a:p>
+        </p:txBody>
+      </p:sp>
+      <p:sp>
+        <p:nvSpPr>
+          <p:cNvPr id="17" name="Rectangle 16"/>
+          <p:cNvSpPr/>
+          <p:nvPr/>
+        </p:nvSpPr>
+        <p:spPr>
+          <a:xfrm>
+            <a:off x="5544105" y="3384770"/>
+            <a:ext cx="1010490" cy="831370"/>
+          </a:xfrm>
+          <a:prstGeom prst="rect">
+            <a:avLst/>
+          </a:prstGeom>
+        </p:spPr>
+        <p:style>
+          <a:lnRef idx="2">
+            <a:schemeClr val="dk1"/>
+          </a:lnRef>
+          <a:fillRef idx="1">
+            <a:schemeClr val="lt1"/>
+          </a:fillRef>
+          <a:effectRef idx="0">
+            <a:schemeClr val="dk1"/>
+          </a:effectRef>
+          <a:fontRef idx="minor">
+            <a:schemeClr val="dk1"/>
+          </a:fontRef>
+        </p:style>
+        <p:txBody>
+          <a:bodyPr rtlCol="0" anchor="ctr"/>
+          <a:lstStyle/>
+          <a:p>
+            <a:pPr algn="ctr"/>
+            <a:r>
+              <a:rPr lang="en-US" sz="1600" dirty="0" smtClean="0">
+                <a:latin typeface="+mj-lt"/>
+              </a:rPr>
+              <a:t>DTLS</a:t>
+            </a:r>
+            <a:endParaRPr lang="en-US" sz="1600" dirty="0">
+              <a:latin typeface="+mj-lt"/>
+            </a:endParaRPr>
+          </a:p>
+        </p:txBody>
+      </p:sp>
+      <p:sp>
+        <p:nvSpPr>
+          <p:cNvPr id="6" name="TextBox 5"/>
+          <p:cNvSpPr txBox="1"/>
+          <p:nvPr/>
+        </p:nvSpPr>
+        <p:spPr>
+          <a:xfrm>
+            <a:off x="5885487" y="6211669"/>
+            <a:ext cx="3154390" cy="646331"/>
+          </a:xfrm>
+          <a:prstGeom prst="rect">
+            <a:avLst/>
+          </a:prstGeom>
+          <a:noFill/>
+        </p:spPr>
+        <p:txBody>
+          <a:bodyPr wrap="square" rtlCol="0">
+            <a:spAutoFit/>
+          </a:bodyPr>
+          <a:lstStyle/>
+          <a:p>
+            <a:pPr algn="just"/>
+            <a:r>
+              <a:rPr lang="en-US" sz="1200" dirty="0" smtClean="0">
+                <a:latin typeface="+mj-lt"/>
+              </a:rPr>
+              <a:t>Note:</a:t>
+            </a:r>
+            <a:r>
+              <a:rPr lang="en-US" sz="1200" dirty="0" smtClean="0"/>
+              <a:t> *RTP can be sent over UDP or TCP.</a:t>
+            </a:r>
+          </a:p>
+          <a:p>
+            <a:pPr algn="just"/>
+            <a:r>
+              <a:rPr lang="en-US" sz="1200" dirty="0" smtClean="0"/>
+              <a:t>Similarly, signaling </a:t>
+            </a:r>
+            <a:r>
+              <a:rPr lang="en-US" sz="1200" dirty="0"/>
+              <a:t>p</a:t>
+            </a:r>
+            <a:r>
+              <a:rPr lang="en-US" sz="1200" dirty="0" smtClean="0"/>
+              <a:t>rotocols can be designed to transmit over UDP or TCP.</a:t>
+            </a:r>
+            <a:endParaRPr lang="en-US" sz="1200" dirty="0"/>
+          </a:p>
+        </p:txBody>
+      </p:sp>
+      <p:sp>
+        <p:nvSpPr>
+          <p:cNvPr id="20" name="Rectangle 19"/>
+          <p:cNvSpPr/>
+          <p:nvPr/>
+        </p:nvSpPr>
+        <p:spPr>
+          <a:xfrm>
+            <a:off x="6308797" y="1597583"/>
+            <a:ext cx="1447478" cy="1787188"/>
+          </a:xfrm>
+          <a:prstGeom prst="rect">
+            <a:avLst/>
+          </a:prstGeom>
+        </p:spPr>
+        <p:style>
+          <a:lnRef idx="2">
+            <a:schemeClr val="dk1"/>
+          </a:lnRef>
+          <a:fillRef idx="1">
+            <a:schemeClr val="lt1"/>
+          </a:fillRef>
+          <a:effectRef idx="0">
+            <a:schemeClr val="dk1"/>
+          </a:effectRef>
+          <a:fontRef idx="minor">
+            <a:schemeClr val="dk1"/>
+          </a:fontRef>
+        </p:style>
+        <p:txBody>
+          <a:bodyPr vert="horz" rtlCol="0" anchor="ctr"/>
+          <a:lstStyle/>
+          <a:p>
+            <a:pPr algn="ctr"/>
+            <a:r>
+              <a:rPr lang="en-US" sz="1600" dirty="0" smtClean="0"/>
+              <a:t>Secure RTP </a:t>
+            </a:r>
+            <a:r>
+              <a:rPr lang="en-US" sz="1600" dirty="0" smtClean="0">
+                <a:latin typeface="+mj-lt"/>
+              </a:rPr>
+              <a:t>(SRTP)</a:t>
+            </a:r>
+            <a:r>
+              <a:rPr lang="en-US" sz="1600" dirty="0" smtClean="0"/>
+              <a:t> Keying</a:t>
+            </a:r>
+            <a:endParaRPr lang="en-US" sz="1400" dirty="0">
+              <a:latin typeface="+mj-lt"/>
+            </a:endParaRPr>
+          </a:p>
+        </p:txBody>
+      </p:sp>
+      <p:cxnSp>
+        <p:nvCxnSpPr>
+          <p:cNvPr id="11" name="Straight Connector 10"/>
+          <p:cNvCxnSpPr/>
+          <p:nvPr/>
+        </p:nvCxnSpPr>
+        <p:spPr>
+          <a:xfrm>
+            <a:off x="3809866" y="3389438"/>
+            <a:ext cx="0" cy="493124"/>
+          </a:xfrm>
+          <a:prstGeom prst="line">
+            <a:avLst/>
+          </a:prstGeom>
+          <a:ln>
+            <a:prstDash val="dash"/>
+          </a:ln>
+        </p:spPr>
+        <p:style>
+          <a:lnRef idx="1">
+            <a:schemeClr val="dk1"/>
+          </a:lnRef>
+          <a:fillRef idx="0">
+            <a:schemeClr val="dk1"/>
+          </a:fillRef>
+          <a:effectRef idx="0">
+            <a:schemeClr val="dk1"/>
+          </a:effectRef>
+          <a:fontRef idx="minor">
+            <a:schemeClr val="tx1"/>
+          </a:fontRef>
+        </p:style>
+      </p:cxnSp>
+      <p:cxnSp>
+        <p:nvCxnSpPr>
+          <p:cNvPr id="22" name="Straight Connector 21"/>
+          <p:cNvCxnSpPr/>
+          <p:nvPr/>
+        </p:nvCxnSpPr>
+        <p:spPr>
+          <a:xfrm>
+            <a:off x="2949575" y="3384770"/>
+            <a:ext cx="0" cy="493124"/>
+          </a:xfrm>
+          <a:prstGeom prst="line">
+            <a:avLst/>
+          </a:prstGeom>
+          <a:ln>
+            <a:prstDash val="dash"/>
+          </a:ln>
+        </p:spPr>
+        <p:style>
+          <a:lnRef idx="1">
+            <a:schemeClr val="dk1"/>
+          </a:lnRef>
+          <a:fillRef idx="0">
+            <a:schemeClr val="dk1"/>
+          </a:fillRef>
+          <a:effectRef idx="0">
+            <a:schemeClr val="dk1"/>
+          </a:effectRef>
+          <a:fontRef idx="minor">
+            <a:schemeClr val="tx1"/>
+          </a:fontRef>
+        </p:style>
+      </p:cxnSp>
+      <p:sp>
+        <p:nvSpPr>
+          <p:cNvPr id="23" name="Rectangle 22"/>
+          <p:cNvSpPr/>
+          <p:nvPr/>
+        </p:nvSpPr>
+        <p:spPr>
+          <a:xfrm>
+            <a:off x="5544104" y="2553398"/>
+            <a:ext cx="764693" cy="831372"/>
+          </a:xfrm>
+          <a:prstGeom prst="rect">
+            <a:avLst/>
+          </a:prstGeom>
+        </p:spPr>
+        <p:style>
+          <a:lnRef idx="2">
+            <a:schemeClr val="dk1"/>
+          </a:lnRef>
+          <a:fillRef idx="1">
+            <a:schemeClr val="lt1"/>
+          </a:fillRef>
+          <a:effectRef idx="0">
+            <a:schemeClr val="dk1"/>
+          </a:effectRef>
+          <a:fontRef idx="minor">
+            <a:schemeClr val="dk1"/>
+          </a:fontRef>
+        </p:style>
+        <p:txBody>
+          <a:bodyPr vert="horz" rtlCol="0" anchor="ctr"/>
+          <a:lstStyle/>
+          <a:p>
+            <a:pPr algn="ctr"/>
+            <a:r>
+              <a:rPr lang="en-US" sz="1600" dirty="0" smtClean="0">
+                <a:latin typeface="+mj-lt"/>
+              </a:rPr>
+              <a:t>SCTP</a:t>
+            </a:r>
+            <a:endParaRPr lang="en-US" sz="1400" dirty="0">
+              <a:latin typeface="+mj-lt"/>
+            </a:endParaRPr>
+          </a:p>
+        </p:txBody>
+      </p:sp>
+      <p:sp>
+        <p:nvSpPr>
+          <p:cNvPr id="26" name="Rectangle 25"/>
+          <p:cNvSpPr/>
+          <p:nvPr/>
+        </p:nvSpPr>
+        <p:spPr>
+          <a:xfrm>
+            <a:off x="5544106" y="1597583"/>
+            <a:ext cx="764693" cy="955815"/>
+          </a:xfrm>
+          <a:prstGeom prst="rect">
+            <a:avLst/>
+          </a:prstGeom>
+        </p:spPr>
+        <p:style>
+          <a:lnRef idx="2">
+            <a:schemeClr val="dk1"/>
+          </a:lnRef>
+          <a:fillRef idx="1">
+            <a:schemeClr val="lt1"/>
+          </a:fillRef>
+          <a:effectRef idx="0">
+            <a:schemeClr val="dk1"/>
+          </a:effectRef>
+          <a:fontRef idx="minor">
+            <a:schemeClr val="dk1"/>
+          </a:fontRef>
+        </p:style>
+        <p:txBody>
+          <a:bodyPr vert="vert270" rtlCol="0" anchor="ctr"/>
+          <a:lstStyle/>
+          <a:p>
+            <a:pPr algn="ctr"/>
+            <a:r>
+              <a:rPr lang="en-US" sz="1600" dirty="0" smtClean="0">
+                <a:latin typeface="+mj-lt"/>
+              </a:rPr>
+              <a:t>Data</a:t>
+            </a:r>
+          </a:p>
+          <a:p>
+            <a:pPr algn="ctr"/>
+            <a:r>
+              <a:rPr lang="en-US" sz="1600" dirty="0" smtClean="0">
+                <a:latin typeface="+mj-lt"/>
+              </a:rPr>
+              <a:t>Channel</a:t>
+            </a:r>
+            <a:endParaRPr lang="en-US" sz="1400" dirty="0">
+              <a:latin typeface="+mj-lt"/>
+            </a:endParaRPr>
+          </a:p>
+        </p:txBody>
+      </p:sp>
+    </p:spTree>
+    <p:extLst>
+      <p:ext uri="{BB962C8B-B14F-4D97-AF65-F5344CB8AC3E}">
+        <p14:creationId xmlns:p14="http://schemas.microsoft.com/office/powerpoint/2010/main" val="3585768518"/>
+      </p:ext>
+    </p:extLst>
+  </p:cSld>
+  <p:clrMapOvr>
+    <a:masterClrMapping/>
+  </p:clrMapOvr>
+</p:sld>
+</file>
+
+<file path=ppt/slides/slide8.xml><?xml version="1.0" encoding="utf-8"?>
+<p:sld xmlns:a="http://schemas.openxmlformats.org/drawingml/2006/main" xmlns:r="http://schemas.openxmlformats.org/officeDocument/2006/relationships" xmlns:p="http://schemas.openxmlformats.org/presentationml/2006/main">
+  <p:cSld>
+    <p:spTree>
+      <p:nvGrpSpPr>
+        <p:cNvPr id="1" name=""/>
+        <p:cNvGrpSpPr/>
+        <p:nvPr/>
+      </p:nvGrpSpPr>
+      <p:grpSpPr>
+        <a:xfrm>
+          <a:off x="0" y="0"/>
+          <a:ext cx="0" cy="0"/>
+          <a:chOff x="0" y="0"/>
+          <a:chExt cx="0" cy="0"/>
+        </a:xfrm>
+      </p:grpSpPr>
+      <p:sp>
+        <p:nvSpPr>
           <p:cNvPr id="3" name="Rounded Rectangle 2"/>
           <p:cNvSpPr/>
           <p:nvPr/>
@@ -8657,9 +8689,6 @@
               </a:rPr>
               <a:t>DTLS</a:t>
             </a:r>
-            <a:endParaRPr lang="en-US" dirty="0">
-              <a:latin typeface="+mj-lt"/>
-            </a:endParaRPr>
           </a:p>
         </p:txBody>
       </p:sp>
@@ -8667,6 +8696,2312 @@
     <p:extLst>
       <p:ext uri="{BB962C8B-B14F-4D97-AF65-F5344CB8AC3E}">
         <p14:creationId xmlns:p14="http://schemas.microsoft.com/office/powerpoint/2010/main" val="1482038348"/>
+      </p:ext>
+    </p:extLst>
+  </p:cSld>
+  <p:clrMapOvr>
+    <a:masterClrMapping/>
+  </p:clrMapOvr>
+</p:sld>
+</file>
+
+<file path=ppt/slides/slide9.xml><?xml version="1.0" encoding="utf-8"?>
+<p:sld xmlns:a="http://schemas.openxmlformats.org/drawingml/2006/main" xmlns:r="http://schemas.openxmlformats.org/officeDocument/2006/relationships" xmlns:p="http://schemas.openxmlformats.org/presentationml/2006/main">
+  <p:cSld>
+    <p:spTree>
+      <p:nvGrpSpPr>
+        <p:cNvPr id="1" name=""/>
+        <p:cNvGrpSpPr/>
+        <p:nvPr/>
+      </p:nvGrpSpPr>
+      <p:grpSpPr>
+        <a:xfrm>
+          <a:off x="0" y="0"/>
+          <a:ext cx="0" cy="0"/>
+          <a:chOff x="0" y="0"/>
+          <a:chExt cx="0" cy="0"/>
+        </a:xfrm>
+      </p:grpSpPr>
+      <p:cxnSp>
+        <p:nvCxnSpPr>
+          <p:cNvPr id="3" name="Straight Connector 2"/>
+          <p:cNvCxnSpPr/>
+          <p:nvPr/>
+        </p:nvCxnSpPr>
+        <p:spPr>
+          <a:xfrm>
+            <a:off x="1051466" y="518873"/>
+            <a:ext cx="0" cy="4478660"/>
+          </a:xfrm>
+          <a:prstGeom prst="line">
+            <a:avLst/>
+          </a:prstGeom>
+          <a:ln>
+            <a:headEnd type="arrow"/>
+            <a:tailEnd type="none"/>
+          </a:ln>
+        </p:spPr>
+        <p:style>
+          <a:lnRef idx="1">
+            <a:schemeClr val="dk1"/>
+          </a:lnRef>
+          <a:fillRef idx="0">
+            <a:schemeClr val="dk1"/>
+          </a:fillRef>
+          <a:effectRef idx="0">
+            <a:schemeClr val="dk1"/>
+          </a:effectRef>
+          <a:fontRef idx="minor">
+            <a:schemeClr val="tx1"/>
+          </a:fontRef>
+        </p:style>
+      </p:cxnSp>
+      <p:cxnSp>
+        <p:nvCxnSpPr>
+          <p:cNvPr id="4" name="Straight Connector 3"/>
+          <p:cNvCxnSpPr/>
+          <p:nvPr/>
+        </p:nvCxnSpPr>
+        <p:spPr>
+          <a:xfrm flipH="1">
+            <a:off x="1051466" y="4986079"/>
+            <a:ext cx="7576559" cy="0"/>
+          </a:xfrm>
+          <a:prstGeom prst="line">
+            <a:avLst/>
+          </a:prstGeom>
+          <a:ln>
+            <a:headEnd type="arrow"/>
+            <a:tailEnd type="none"/>
+          </a:ln>
+        </p:spPr>
+        <p:style>
+          <a:lnRef idx="1">
+            <a:schemeClr val="dk1"/>
+          </a:lnRef>
+          <a:fillRef idx="0">
+            <a:schemeClr val="dk1"/>
+          </a:fillRef>
+          <a:effectRef idx="0">
+            <a:schemeClr val="dk1"/>
+          </a:effectRef>
+          <a:fontRef idx="minor">
+            <a:schemeClr val="tx1"/>
+          </a:fontRef>
+        </p:style>
+      </p:cxnSp>
+      <p:sp>
+        <p:nvSpPr>
+          <p:cNvPr id="7" name="Freeform 6"/>
+          <p:cNvSpPr/>
+          <p:nvPr/>
+        </p:nvSpPr>
+        <p:spPr>
+          <a:xfrm>
+            <a:off x="1106088" y="1297158"/>
+            <a:ext cx="6377073" cy="1652632"/>
+          </a:xfrm>
+          <a:custGeom>
+            <a:avLst/>
+            <a:gdLst>
+              <a:gd name="connsiteX0" fmla="*/ 0 w 6377073"/>
+              <a:gd name="connsiteY0" fmla="*/ 355019 h 1334322"/>
+              <a:gd name="connsiteX1" fmla="*/ 1488439 w 6377073"/>
+              <a:gd name="connsiteY1" fmla="*/ 245782 h 1334322"/>
+              <a:gd name="connsiteX2" fmla="*/ 2731081 w 6377073"/>
+              <a:gd name="connsiteY2" fmla="*/ 996783 h 1334322"/>
+              <a:gd name="connsiteX3" fmla="*/ 4506283 w 6377073"/>
+              <a:gd name="connsiteY3" fmla="*/ 1283528 h 1334322"/>
+              <a:gd name="connsiteX4" fmla="*/ 6377073 w 6377073"/>
+              <a:gd name="connsiteY4" fmla="*/ 0 h 1334322"/>
+              <a:gd name="connsiteX5" fmla="*/ 6377073 w 6377073"/>
+              <a:gd name="connsiteY5" fmla="*/ 0 h 1334322"/>
+              <a:gd name="connsiteX6" fmla="*/ 6377073 w 6377073"/>
+              <a:gd name="connsiteY6" fmla="*/ 0 h 1334322"/>
+              <a:gd name="connsiteX0" fmla="*/ 0 w 6377073"/>
+              <a:gd name="connsiteY0" fmla="*/ 355019 h 1655028"/>
+              <a:gd name="connsiteX1" fmla="*/ 1488439 w 6377073"/>
+              <a:gd name="connsiteY1" fmla="*/ 245782 h 1655028"/>
+              <a:gd name="connsiteX2" fmla="*/ 2731081 w 6377073"/>
+              <a:gd name="connsiteY2" fmla="*/ 996783 h 1655028"/>
+              <a:gd name="connsiteX3" fmla="*/ 4519938 w 6377073"/>
+              <a:gd name="connsiteY3" fmla="*/ 1624892 h 1655028"/>
+              <a:gd name="connsiteX4" fmla="*/ 6377073 w 6377073"/>
+              <a:gd name="connsiteY4" fmla="*/ 0 h 1655028"/>
+              <a:gd name="connsiteX5" fmla="*/ 6377073 w 6377073"/>
+              <a:gd name="connsiteY5" fmla="*/ 0 h 1655028"/>
+              <a:gd name="connsiteX6" fmla="*/ 6377073 w 6377073"/>
+              <a:gd name="connsiteY6" fmla="*/ 0 h 1655028"/>
+              <a:gd name="connsiteX0" fmla="*/ 0 w 6377073"/>
+              <a:gd name="connsiteY0" fmla="*/ 355019 h 1652632"/>
+              <a:gd name="connsiteX1" fmla="*/ 1488439 w 6377073"/>
+              <a:gd name="connsiteY1" fmla="*/ 245782 h 1652632"/>
+              <a:gd name="connsiteX2" fmla="*/ 2758391 w 6377073"/>
+              <a:gd name="connsiteY2" fmla="*/ 969473 h 1652632"/>
+              <a:gd name="connsiteX3" fmla="*/ 4519938 w 6377073"/>
+              <a:gd name="connsiteY3" fmla="*/ 1624892 h 1652632"/>
+              <a:gd name="connsiteX4" fmla="*/ 6377073 w 6377073"/>
+              <a:gd name="connsiteY4" fmla="*/ 0 h 1652632"/>
+              <a:gd name="connsiteX5" fmla="*/ 6377073 w 6377073"/>
+              <a:gd name="connsiteY5" fmla="*/ 0 h 1652632"/>
+              <a:gd name="connsiteX6" fmla="*/ 6377073 w 6377073"/>
+              <a:gd name="connsiteY6" fmla="*/ 0 h 1652632"/>
+            </a:gdLst>
+            <a:ahLst/>
+            <a:cxnLst>
+              <a:cxn ang="0">
+                <a:pos x="connsiteX0" y="connsiteY0"/>
+              </a:cxn>
+              <a:cxn ang="0">
+                <a:pos x="connsiteX1" y="connsiteY1"/>
+              </a:cxn>
+              <a:cxn ang="0">
+                <a:pos x="connsiteX2" y="connsiteY2"/>
+              </a:cxn>
+              <a:cxn ang="0">
+                <a:pos x="connsiteX3" y="connsiteY3"/>
+              </a:cxn>
+              <a:cxn ang="0">
+                <a:pos x="connsiteX4" y="connsiteY4"/>
+              </a:cxn>
+              <a:cxn ang="0">
+                <a:pos x="connsiteX5" y="connsiteY5"/>
+              </a:cxn>
+              <a:cxn ang="0">
+                <a:pos x="connsiteX6" y="connsiteY6"/>
+              </a:cxn>
+            </a:cxnLst>
+            <a:rect l="l" t="t" r="r" b="b"/>
+            <a:pathLst>
+              <a:path w="6377073" h="1652632">
+                <a:moveTo>
+                  <a:pt x="0" y="355019"/>
+                </a:moveTo>
+                <a:cubicBezTo>
+                  <a:pt x="516629" y="246920"/>
+                  <a:pt x="1028707" y="143373"/>
+                  <a:pt x="1488439" y="245782"/>
+                </a:cubicBezTo>
+                <a:cubicBezTo>
+                  <a:pt x="1948171" y="348191"/>
+                  <a:pt x="2253141" y="739621"/>
+                  <a:pt x="2758391" y="969473"/>
+                </a:cubicBezTo>
+                <a:cubicBezTo>
+                  <a:pt x="3263641" y="1199325"/>
+                  <a:pt x="3916824" y="1786471"/>
+                  <a:pt x="4519938" y="1624892"/>
+                </a:cubicBezTo>
+                <a:cubicBezTo>
+                  <a:pt x="5123052" y="1463313"/>
+                  <a:pt x="6067550" y="270815"/>
+                  <a:pt x="6377073" y="0"/>
+                </a:cubicBezTo>
+                <a:lnTo>
+                  <a:pt x="6377073" y="0"/>
+                </a:lnTo>
+                <a:lnTo>
+                  <a:pt x="6377073" y="0"/>
+                </a:lnTo>
+              </a:path>
+            </a:pathLst>
+          </a:custGeom>
+          <a:ln w="28575" cmpd="sng">
+            <a:solidFill>
+              <a:srgbClr val="000000"/>
+            </a:solidFill>
+          </a:ln>
+        </p:spPr>
+        <p:style>
+          <a:lnRef idx="1">
+            <a:schemeClr val="dk1"/>
+          </a:lnRef>
+          <a:fillRef idx="0">
+            <a:schemeClr val="dk1"/>
+          </a:fillRef>
+          <a:effectRef idx="0">
+            <a:schemeClr val="dk1"/>
+          </a:effectRef>
+          <a:fontRef idx="minor">
+            <a:schemeClr val="tx1"/>
+          </a:fontRef>
+        </p:style>
+        <p:txBody>
+          <a:bodyPr rtlCol="0" anchor="ctr"/>
+          <a:lstStyle/>
+          <a:p>
+            <a:pPr algn="ctr"/>
+            <a:endParaRPr lang="en-US"/>
+          </a:p>
+        </p:txBody>
+      </p:sp>
+      <p:cxnSp>
+        <p:nvCxnSpPr>
+          <p:cNvPr id="8" name="Straight Connector 7"/>
+          <p:cNvCxnSpPr/>
+          <p:nvPr/>
+        </p:nvCxnSpPr>
+        <p:spPr>
+          <a:xfrm>
+            <a:off x="1886637" y="4816556"/>
+            <a:ext cx="0" cy="288946"/>
+          </a:xfrm>
+          <a:prstGeom prst="line">
+            <a:avLst/>
+          </a:prstGeom>
+        </p:spPr>
+        <p:style>
+          <a:lnRef idx="1">
+            <a:schemeClr val="dk1"/>
+          </a:lnRef>
+          <a:fillRef idx="0">
+            <a:schemeClr val="dk1"/>
+          </a:fillRef>
+          <a:effectRef idx="0">
+            <a:schemeClr val="dk1"/>
+          </a:effectRef>
+          <a:fontRef idx="minor">
+            <a:schemeClr val="tx1"/>
+          </a:fontRef>
+        </p:style>
+      </p:cxnSp>
+      <p:cxnSp>
+        <p:nvCxnSpPr>
+          <p:cNvPr id="10" name="Straight Connector 9"/>
+          <p:cNvCxnSpPr/>
+          <p:nvPr/>
+        </p:nvCxnSpPr>
+        <p:spPr>
+          <a:xfrm>
+            <a:off x="2721809" y="4816556"/>
+            <a:ext cx="0" cy="288946"/>
+          </a:xfrm>
+          <a:prstGeom prst="line">
+            <a:avLst/>
+          </a:prstGeom>
+        </p:spPr>
+        <p:style>
+          <a:lnRef idx="1">
+            <a:schemeClr val="dk1"/>
+          </a:lnRef>
+          <a:fillRef idx="0">
+            <a:schemeClr val="dk1"/>
+          </a:fillRef>
+          <a:effectRef idx="0">
+            <a:schemeClr val="dk1"/>
+          </a:effectRef>
+          <a:fontRef idx="minor">
+            <a:schemeClr val="tx1"/>
+          </a:fontRef>
+        </p:style>
+      </p:cxnSp>
+      <p:cxnSp>
+        <p:nvCxnSpPr>
+          <p:cNvPr id="13" name="Straight Connector 12"/>
+          <p:cNvCxnSpPr/>
+          <p:nvPr/>
+        </p:nvCxnSpPr>
+        <p:spPr>
+          <a:xfrm>
+            <a:off x="3556981" y="4824365"/>
+            <a:ext cx="0" cy="288946"/>
+          </a:xfrm>
+          <a:prstGeom prst="line">
+            <a:avLst/>
+          </a:prstGeom>
+        </p:spPr>
+        <p:style>
+          <a:lnRef idx="1">
+            <a:schemeClr val="dk1"/>
+          </a:lnRef>
+          <a:fillRef idx="0">
+            <a:schemeClr val="dk1"/>
+          </a:fillRef>
+          <a:effectRef idx="0">
+            <a:schemeClr val="dk1"/>
+          </a:effectRef>
+          <a:fontRef idx="minor">
+            <a:schemeClr val="tx1"/>
+          </a:fontRef>
+        </p:style>
+      </p:cxnSp>
+      <p:cxnSp>
+        <p:nvCxnSpPr>
+          <p:cNvPr id="15" name="Straight Connector 14"/>
+          <p:cNvCxnSpPr/>
+          <p:nvPr/>
+        </p:nvCxnSpPr>
+        <p:spPr>
+          <a:xfrm>
+            <a:off x="4392153" y="4816556"/>
+            <a:ext cx="0" cy="288946"/>
+          </a:xfrm>
+          <a:prstGeom prst="line">
+            <a:avLst/>
+          </a:prstGeom>
+        </p:spPr>
+        <p:style>
+          <a:lnRef idx="1">
+            <a:schemeClr val="dk1"/>
+          </a:lnRef>
+          <a:fillRef idx="0">
+            <a:schemeClr val="dk1"/>
+          </a:fillRef>
+          <a:effectRef idx="0">
+            <a:schemeClr val="dk1"/>
+          </a:effectRef>
+          <a:fontRef idx="minor">
+            <a:schemeClr val="tx1"/>
+          </a:fontRef>
+        </p:style>
+      </p:cxnSp>
+      <p:cxnSp>
+        <p:nvCxnSpPr>
+          <p:cNvPr id="17" name="Straight Connector 16"/>
+          <p:cNvCxnSpPr/>
+          <p:nvPr/>
+        </p:nvCxnSpPr>
+        <p:spPr>
+          <a:xfrm>
+            <a:off x="5224631" y="4816556"/>
+            <a:ext cx="0" cy="288946"/>
+          </a:xfrm>
+          <a:prstGeom prst="line">
+            <a:avLst/>
+          </a:prstGeom>
+        </p:spPr>
+        <p:style>
+          <a:lnRef idx="1">
+            <a:schemeClr val="dk1"/>
+          </a:lnRef>
+          <a:fillRef idx="0">
+            <a:schemeClr val="dk1"/>
+          </a:fillRef>
+          <a:effectRef idx="0">
+            <a:schemeClr val="dk1"/>
+          </a:effectRef>
+          <a:fontRef idx="minor">
+            <a:schemeClr val="tx1"/>
+          </a:fontRef>
+        </p:style>
+      </p:cxnSp>
+      <p:sp>
+        <p:nvSpPr>
+          <p:cNvPr id="18" name="Left Brace 17"/>
+          <p:cNvSpPr/>
+          <p:nvPr/>
+        </p:nvSpPr>
+        <p:spPr>
+          <a:xfrm rot="16200000">
+            <a:off x="4640143" y="4945175"/>
+            <a:ext cx="339193" cy="835172"/>
+          </a:xfrm>
+          <a:prstGeom prst="leftBrace">
+            <a:avLst/>
+          </a:prstGeom>
+          <a:ln>
+            <a:solidFill>
+              <a:schemeClr val="tx1">
+                <a:lumMod val="75000"/>
+                <a:lumOff val="25000"/>
+              </a:schemeClr>
+            </a:solidFill>
+          </a:ln>
+        </p:spPr>
+        <p:style>
+          <a:lnRef idx="1">
+            <a:schemeClr val="dk1"/>
+          </a:lnRef>
+          <a:fillRef idx="0">
+            <a:schemeClr val="dk1"/>
+          </a:fillRef>
+          <a:effectRef idx="0">
+            <a:schemeClr val="dk1"/>
+          </a:effectRef>
+          <a:fontRef idx="minor">
+            <a:schemeClr val="tx1"/>
+          </a:fontRef>
+        </p:style>
+        <p:txBody>
+          <a:bodyPr rtlCol="0" anchor="ctr"/>
+          <a:lstStyle/>
+          <a:p>
+            <a:pPr algn="ctr"/>
+            <a:endParaRPr lang="en-US"/>
+          </a:p>
+        </p:txBody>
+      </p:sp>
+      <p:cxnSp>
+        <p:nvCxnSpPr>
+          <p:cNvPr id="19" name="Straight Connector 18"/>
+          <p:cNvCxnSpPr/>
+          <p:nvPr/>
+        </p:nvCxnSpPr>
+        <p:spPr>
+          <a:xfrm>
+            <a:off x="6062498" y="4816556"/>
+            <a:ext cx="0" cy="288946"/>
+          </a:xfrm>
+          <a:prstGeom prst="line">
+            <a:avLst/>
+          </a:prstGeom>
+        </p:spPr>
+        <p:style>
+          <a:lnRef idx="1">
+            <a:schemeClr val="dk1"/>
+          </a:lnRef>
+          <a:fillRef idx="0">
+            <a:schemeClr val="dk1"/>
+          </a:fillRef>
+          <a:effectRef idx="0">
+            <a:schemeClr val="dk1"/>
+          </a:effectRef>
+          <a:fontRef idx="minor">
+            <a:schemeClr val="tx1"/>
+          </a:fontRef>
+        </p:style>
+      </p:cxnSp>
+      <p:cxnSp>
+        <p:nvCxnSpPr>
+          <p:cNvPr id="21" name="Straight Connector 20"/>
+          <p:cNvCxnSpPr/>
+          <p:nvPr/>
+        </p:nvCxnSpPr>
+        <p:spPr>
+          <a:xfrm>
+            <a:off x="6897670" y="4816556"/>
+            <a:ext cx="0" cy="288946"/>
+          </a:xfrm>
+          <a:prstGeom prst="line">
+            <a:avLst/>
+          </a:prstGeom>
+        </p:spPr>
+        <p:style>
+          <a:lnRef idx="1">
+            <a:schemeClr val="dk1"/>
+          </a:lnRef>
+          <a:fillRef idx="0">
+            <a:schemeClr val="dk1"/>
+          </a:fillRef>
+          <a:effectRef idx="0">
+            <a:schemeClr val="dk1"/>
+          </a:effectRef>
+          <a:fontRef idx="minor">
+            <a:schemeClr val="tx1"/>
+          </a:fontRef>
+        </p:style>
+      </p:cxnSp>
+      <p:cxnSp>
+        <p:nvCxnSpPr>
+          <p:cNvPr id="23" name="Straight Connector 22"/>
+          <p:cNvCxnSpPr/>
+          <p:nvPr/>
+        </p:nvCxnSpPr>
+        <p:spPr>
+          <a:xfrm>
+            <a:off x="7732843" y="4816556"/>
+            <a:ext cx="0" cy="288946"/>
+          </a:xfrm>
+          <a:prstGeom prst="line">
+            <a:avLst/>
+          </a:prstGeom>
+        </p:spPr>
+        <p:style>
+          <a:lnRef idx="1">
+            <a:schemeClr val="dk1"/>
+          </a:lnRef>
+          <a:fillRef idx="0">
+            <a:schemeClr val="dk1"/>
+          </a:fillRef>
+          <a:effectRef idx="0">
+            <a:schemeClr val="dk1"/>
+          </a:effectRef>
+          <a:fontRef idx="minor">
+            <a:schemeClr val="tx1"/>
+          </a:fontRef>
+        </p:style>
+      </p:cxnSp>
+      <p:sp>
+        <p:nvSpPr>
+          <p:cNvPr id="25" name="TextBox 24"/>
+          <p:cNvSpPr txBox="1"/>
+          <p:nvPr/>
+        </p:nvSpPr>
+        <p:spPr>
+          <a:xfrm>
+            <a:off x="4392153" y="5628403"/>
+            <a:ext cx="835173" cy="523220"/>
+          </a:xfrm>
+          <a:prstGeom prst="rect">
+            <a:avLst/>
+          </a:prstGeom>
+          <a:noFill/>
+        </p:spPr>
+        <p:txBody>
+          <a:bodyPr wrap="square" rtlCol="0">
+            <a:spAutoFit/>
+          </a:bodyPr>
+          <a:lstStyle/>
+          <a:p>
+            <a:pPr algn="ctr"/>
+            <a:r>
+              <a:rPr lang="en-US" sz="1400" dirty="0" smtClean="0"/>
+              <a:t>RTCP Interval</a:t>
+            </a:r>
+          </a:p>
+        </p:txBody>
+      </p:sp>
+      <p:cxnSp>
+        <p:nvCxnSpPr>
+          <p:cNvPr id="27" name="Straight Connector 26"/>
+          <p:cNvCxnSpPr/>
+          <p:nvPr/>
+        </p:nvCxnSpPr>
+        <p:spPr>
+          <a:xfrm>
+            <a:off x="1888827" y="634651"/>
+            <a:ext cx="0" cy="4478660"/>
+          </a:xfrm>
+          <a:prstGeom prst="line">
+            <a:avLst/>
+          </a:prstGeom>
+          <a:ln>
+            <a:prstDash val="dot"/>
+            <a:headEnd type="none"/>
+            <a:tailEnd type="none"/>
+          </a:ln>
+        </p:spPr>
+        <p:style>
+          <a:lnRef idx="1">
+            <a:schemeClr val="dk1"/>
+          </a:lnRef>
+          <a:fillRef idx="0">
+            <a:schemeClr val="dk1"/>
+          </a:fillRef>
+          <a:effectRef idx="0">
+            <a:schemeClr val="dk1"/>
+          </a:effectRef>
+          <a:fontRef idx="minor">
+            <a:schemeClr val="tx1"/>
+          </a:fontRef>
+        </p:style>
+      </p:cxnSp>
+      <p:cxnSp>
+        <p:nvCxnSpPr>
+          <p:cNvPr id="28" name="Straight Connector 27"/>
+          <p:cNvCxnSpPr/>
+          <p:nvPr/>
+        </p:nvCxnSpPr>
+        <p:spPr>
+          <a:xfrm>
+            <a:off x="2728381" y="626842"/>
+            <a:ext cx="0" cy="4478660"/>
+          </a:xfrm>
+          <a:prstGeom prst="line">
+            <a:avLst/>
+          </a:prstGeom>
+          <a:ln>
+            <a:prstDash val="dot"/>
+            <a:headEnd type="none"/>
+            <a:tailEnd type="none"/>
+          </a:ln>
+        </p:spPr>
+        <p:style>
+          <a:lnRef idx="1">
+            <a:schemeClr val="dk1"/>
+          </a:lnRef>
+          <a:fillRef idx="0">
+            <a:schemeClr val="dk1"/>
+          </a:fillRef>
+          <a:effectRef idx="0">
+            <a:schemeClr val="dk1"/>
+          </a:effectRef>
+          <a:fontRef idx="minor">
+            <a:schemeClr val="tx1"/>
+          </a:fontRef>
+        </p:style>
+      </p:cxnSp>
+      <p:cxnSp>
+        <p:nvCxnSpPr>
+          <p:cNvPr id="29" name="Straight Connector 28"/>
+          <p:cNvCxnSpPr/>
+          <p:nvPr/>
+        </p:nvCxnSpPr>
+        <p:spPr>
+          <a:xfrm>
+            <a:off x="3556981" y="634651"/>
+            <a:ext cx="0" cy="4478660"/>
+          </a:xfrm>
+          <a:prstGeom prst="line">
+            <a:avLst/>
+          </a:prstGeom>
+          <a:ln>
+            <a:prstDash val="dot"/>
+            <a:headEnd type="none"/>
+            <a:tailEnd type="none"/>
+          </a:ln>
+        </p:spPr>
+        <p:style>
+          <a:lnRef idx="1">
+            <a:schemeClr val="dk1"/>
+          </a:lnRef>
+          <a:fillRef idx="0">
+            <a:schemeClr val="dk1"/>
+          </a:fillRef>
+          <a:effectRef idx="0">
+            <a:schemeClr val="dk1"/>
+          </a:effectRef>
+          <a:fontRef idx="minor">
+            <a:schemeClr val="tx1"/>
+          </a:fontRef>
+        </p:style>
+      </p:cxnSp>
+      <p:cxnSp>
+        <p:nvCxnSpPr>
+          <p:cNvPr id="30" name="Straight Connector 29"/>
+          <p:cNvCxnSpPr/>
+          <p:nvPr/>
+        </p:nvCxnSpPr>
+        <p:spPr>
+          <a:xfrm>
+            <a:off x="4392153" y="626842"/>
+            <a:ext cx="0" cy="4478660"/>
+          </a:xfrm>
+          <a:prstGeom prst="line">
+            <a:avLst/>
+          </a:prstGeom>
+          <a:ln>
+            <a:prstDash val="dot"/>
+            <a:headEnd type="none"/>
+            <a:tailEnd type="none"/>
+          </a:ln>
+        </p:spPr>
+        <p:style>
+          <a:lnRef idx="1">
+            <a:schemeClr val="dk1"/>
+          </a:lnRef>
+          <a:fillRef idx="0">
+            <a:schemeClr val="dk1"/>
+          </a:fillRef>
+          <a:effectRef idx="0">
+            <a:schemeClr val="dk1"/>
+          </a:effectRef>
+          <a:fontRef idx="minor">
+            <a:schemeClr val="tx1"/>
+          </a:fontRef>
+        </p:style>
+      </p:cxnSp>
+      <p:cxnSp>
+        <p:nvCxnSpPr>
+          <p:cNvPr id="31" name="Straight Connector 30"/>
+          <p:cNvCxnSpPr/>
+          <p:nvPr/>
+        </p:nvCxnSpPr>
+        <p:spPr>
+          <a:xfrm>
+            <a:off x="5218342" y="634651"/>
+            <a:ext cx="0" cy="4478660"/>
+          </a:xfrm>
+          <a:prstGeom prst="line">
+            <a:avLst/>
+          </a:prstGeom>
+          <a:ln>
+            <a:prstDash val="dot"/>
+            <a:headEnd type="none"/>
+            <a:tailEnd type="none"/>
+          </a:ln>
+        </p:spPr>
+        <p:style>
+          <a:lnRef idx="1">
+            <a:schemeClr val="dk1"/>
+          </a:lnRef>
+          <a:fillRef idx="0">
+            <a:schemeClr val="dk1"/>
+          </a:fillRef>
+          <a:effectRef idx="0">
+            <a:schemeClr val="dk1"/>
+          </a:effectRef>
+          <a:fontRef idx="minor">
+            <a:schemeClr val="tx1"/>
+          </a:fontRef>
+        </p:style>
+      </p:cxnSp>
+      <p:cxnSp>
+        <p:nvCxnSpPr>
+          <p:cNvPr id="32" name="Straight Connector 31"/>
+          <p:cNvCxnSpPr/>
+          <p:nvPr/>
+        </p:nvCxnSpPr>
+        <p:spPr>
+          <a:xfrm>
+            <a:off x="6062498" y="634651"/>
+            <a:ext cx="0" cy="4478660"/>
+          </a:xfrm>
+          <a:prstGeom prst="line">
+            <a:avLst/>
+          </a:prstGeom>
+          <a:ln>
+            <a:prstDash val="dot"/>
+            <a:headEnd type="none"/>
+            <a:tailEnd type="none"/>
+          </a:ln>
+        </p:spPr>
+        <p:style>
+          <a:lnRef idx="1">
+            <a:schemeClr val="dk1"/>
+          </a:lnRef>
+          <a:fillRef idx="0">
+            <a:schemeClr val="dk1"/>
+          </a:fillRef>
+          <a:effectRef idx="0">
+            <a:schemeClr val="dk1"/>
+          </a:effectRef>
+          <a:fontRef idx="minor">
+            <a:schemeClr val="tx1"/>
+          </a:fontRef>
+        </p:style>
+      </p:cxnSp>
+      <p:cxnSp>
+        <p:nvCxnSpPr>
+          <p:cNvPr id="33" name="Straight Connector 32"/>
+          <p:cNvCxnSpPr/>
+          <p:nvPr/>
+        </p:nvCxnSpPr>
+        <p:spPr>
+          <a:xfrm>
+            <a:off x="6897670" y="626842"/>
+            <a:ext cx="0" cy="4478660"/>
+          </a:xfrm>
+          <a:prstGeom prst="line">
+            <a:avLst/>
+          </a:prstGeom>
+          <a:ln>
+            <a:solidFill>
+              <a:srgbClr val="7F7F7F"/>
+            </a:solidFill>
+            <a:prstDash val="dot"/>
+            <a:headEnd type="none"/>
+            <a:tailEnd type="none"/>
+          </a:ln>
+        </p:spPr>
+        <p:style>
+          <a:lnRef idx="1">
+            <a:schemeClr val="dk1"/>
+          </a:lnRef>
+          <a:fillRef idx="0">
+            <a:schemeClr val="dk1"/>
+          </a:fillRef>
+          <a:effectRef idx="0">
+            <a:schemeClr val="dk1"/>
+          </a:effectRef>
+          <a:fontRef idx="minor">
+            <a:schemeClr val="tx1"/>
+          </a:fontRef>
+        </p:style>
+      </p:cxnSp>
+      <p:cxnSp>
+        <p:nvCxnSpPr>
+          <p:cNvPr id="34" name="Straight Connector 33"/>
+          <p:cNvCxnSpPr/>
+          <p:nvPr/>
+        </p:nvCxnSpPr>
+        <p:spPr>
+          <a:xfrm>
+            <a:off x="7732334" y="634651"/>
+            <a:ext cx="0" cy="4478660"/>
+          </a:xfrm>
+          <a:prstGeom prst="line">
+            <a:avLst/>
+          </a:prstGeom>
+          <a:ln>
+            <a:solidFill>
+              <a:schemeClr val="tx1">
+                <a:lumMod val="50000"/>
+                <a:lumOff val="50000"/>
+              </a:schemeClr>
+            </a:solidFill>
+            <a:prstDash val="dot"/>
+            <a:headEnd type="none"/>
+            <a:tailEnd type="none"/>
+          </a:ln>
+        </p:spPr>
+        <p:style>
+          <a:lnRef idx="1">
+            <a:schemeClr val="dk1"/>
+          </a:lnRef>
+          <a:fillRef idx="0">
+            <a:schemeClr val="dk1"/>
+          </a:fillRef>
+          <a:effectRef idx="0">
+            <a:schemeClr val="dk1"/>
+          </a:effectRef>
+          <a:fontRef idx="minor">
+            <a:schemeClr val="tx1"/>
+          </a:fontRef>
+        </p:style>
+      </p:cxnSp>
+      <p:sp>
+        <p:nvSpPr>
+          <p:cNvPr id="35" name="TextBox 34"/>
+          <p:cNvSpPr txBox="1"/>
+          <p:nvPr/>
+        </p:nvSpPr>
+        <p:spPr>
+          <a:xfrm>
+            <a:off x="7732843" y="5532358"/>
+            <a:ext cx="668490" cy="369332"/>
+          </a:xfrm>
+          <a:prstGeom prst="rect">
+            <a:avLst/>
+          </a:prstGeom>
+          <a:noFill/>
+        </p:spPr>
+        <p:txBody>
+          <a:bodyPr wrap="none" rtlCol="0">
+            <a:spAutoFit/>
+          </a:bodyPr>
+          <a:lstStyle/>
+          <a:p>
+            <a:r>
+              <a:rPr lang="en-US" dirty="0" smtClean="0">
+                <a:latin typeface="+mj-lt"/>
+              </a:rPr>
+              <a:t>time</a:t>
+            </a:r>
+            <a:endParaRPr lang="en-US" dirty="0">
+              <a:latin typeface="+mj-lt"/>
+            </a:endParaRPr>
+          </a:p>
+        </p:txBody>
+      </p:sp>
+      <p:sp>
+        <p:nvSpPr>
+          <p:cNvPr id="36" name="TextBox 35"/>
+          <p:cNvSpPr txBox="1"/>
+          <p:nvPr/>
+        </p:nvSpPr>
+        <p:spPr>
+          <a:xfrm>
+            <a:off x="589801" y="1820900"/>
+            <a:ext cx="461665" cy="1375529"/>
+          </a:xfrm>
+          <a:prstGeom prst="rect">
+            <a:avLst/>
+          </a:prstGeom>
+          <a:noFill/>
+        </p:spPr>
+        <p:txBody>
+          <a:bodyPr vert="vert270" wrap="none" rtlCol="0">
+            <a:spAutoFit/>
+          </a:bodyPr>
+          <a:lstStyle/>
+          <a:p>
+            <a:r>
+              <a:rPr lang="en-US" dirty="0" smtClean="0">
+                <a:latin typeface="+mj-lt"/>
+              </a:rPr>
+              <a:t>Throughput</a:t>
+            </a:r>
+            <a:endParaRPr lang="en-US" dirty="0">
+              <a:latin typeface="+mj-lt"/>
+            </a:endParaRPr>
+          </a:p>
+        </p:txBody>
+      </p:sp>
+      <p:grpSp>
+        <p:nvGrpSpPr>
+          <p:cNvPr id="73" name="Group 72"/>
+          <p:cNvGrpSpPr/>
+          <p:nvPr/>
+        </p:nvGrpSpPr>
+        <p:grpSpPr>
+          <a:xfrm>
+            <a:off x="6062498" y="819273"/>
+            <a:ext cx="1933846" cy="321432"/>
+            <a:chOff x="6646966" y="814062"/>
+            <a:chExt cx="1933846" cy="321432"/>
+          </a:xfrm>
+        </p:grpSpPr>
+        <p:sp>
+          <p:nvSpPr>
+            <p:cNvPr id="71" name="Rectangle 70"/>
+            <p:cNvSpPr/>
+            <p:nvPr/>
+          </p:nvSpPr>
+          <p:spPr>
+            <a:xfrm>
+              <a:off x="6646966" y="819273"/>
+              <a:ext cx="821516" cy="316221"/>
+            </a:xfrm>
+            <a:prstGeom prst="rect">
+              <a:avLst/>
+            </a:prstGeom>
+            <a:solidFill>
+              <a:srgbClr val="FF0000">
+                <a:alpha val="22000"/>
+              </a:srgbClr>
+            </a:solidFill>
+            <a:ln>
+              <a:noFill/>
+            </a:ln>
+          </p:spPr>
+          <p:style>
+            <a:lnRef idx="2">
+              <a:schemeClr val="accent1">
+                <a:shade val="50000"/>
+              </a:schemeClr>
+            </a:lnRef>
+            <a:fillRef idx="1">
+              <a:schemeClr val="accent1"/>
+            </a:fillRef>
+            <a:effectRef idx="0">
+              <a:schemeClr val="accent1"/>
+            </a:effectRef>
+            <a:fontRef idx="minor">
+              <a:schemeClr val="lt1"/>
+            </a:fontRef>
+          </p:style>
+          <p:txBody>
+            <a:bodyPr rtlCol="0" anchor="ctr"/>
+            <a:lstStyle/>
+            <a:p>
+              <a:pPr algn="ctr"/>
+              <a:endParaRPr lang="en-US"/>
+            </a:p>
+          </p:txBody>
+        </p:sp>
+        <p:sp>
+          <p:nvSpPr>
+            <p:cNvPr id="72" name="TextBox 71"/>
+            <p:cNvSpPr txBox="1"/>
+            <p:nvPr/>
+          </p:nvSpPr>
+          <p:spPr>
+            <a:xfrm>
+              <a:off x="7468482" y="814062"/>
+              <a:ext cx="1112330" cy="307777"/>
+            </a:xfrm>
+            <a:prstGeom prst="rect">
+              <a:avLst/>
+            </a:prstGeom>
+            <a:noFill/>
+          </p:spPr>
+          <p:txBody>
+            <a:bodyPr wrap="none" rtlCol="0">
+              <a:spAutoFit/>
+            </a:bodyPr>
+            <a:lstStyle/>
+            <a:p>
+              <a:r>
+                <a:rPr lang="en-US" sz="1400" b="1" dirty="0"/>
+                <a:t>m</a:t>
+              </a:r>
+              <a:r>
+                <a:rPr lang="en-US" sz="1400" b="1" dirty="0" smtClean="0"/>
+                <a:t>edia rate</a:t>
+              </a:r>
+              <a:endParaRPr lang="en-US" sz="1400" b="1" dirty="0"/>
+            </a:p>
+          </p:txBody>
+        </p:sp>
+      </p:grpSp>
+      <p:grpSp>
+        <p:nvGrpSpPr>
+          <p:cNvPr id="91" name="Group 90"/>
+          <p:cNvGrpSpPr/>
+          <p:nvPr/>
+        </p:nvGrpSpPr>
+        <p:grpSpPr>
+          <a:xfrm>
+            <a:off x="1051465" y="2331070"/>
+            <a:ext cx="6681378" cy="2655009"/>
+            <a:chOff x="1051465" y="2331070"/>
+            <a:chExt cx="6681378" cy="2655009"/>
+          </a:xfrm>
+        </p:grpSpPr>
+        <p:cxnSp>
+          <p:nvCxnSpPr>
+            <p:cNvPr id="41" name="Straight Connector 40"/>
+            <p:cNvCxnSpPr/>
+            <p:nvPr/>
+          </p:nvCxnSpPr>
+          <p:spPr>
+            <a:xfrm>
+              <a:off x="1051466" y="3196429"/>
+              <a:ext cx="821516" cy="0"/>
+            </a:xfrm>
+            <a:prstGeom prst="line">
+              <a:avLst/>
+            </a:prstGeom>
+            <a:ln>
+              <a:solidFill>
+                <a:srgbClr val="FF0000"/>
+              </a:solidFill>
+            </a:ln>
+          </p:spPr>
+          <p:style>
+            <a:lnRef idx="1">
+              <a:schemeClr val="dk1"/>
+            </a:lnRef>
+            <a:fillRef idx="0">
+              <a:schemeClr val="dk1"/>
+            </a:fillRef>
+            <a:effectRef idx="0">
+              <a:schemeClr val="dk1"/>
+            </a:effectRef>
+            <a:fontRef idx="minor">
+              <a:schemeClr val="tx1"/>
+            </a:fontRef>
+          </p:style>
+        </p:cxnSp>
+        <p:cxnSp>
+          <p:nvCxnSpPr>
+            <p:cNvPr id="42" name="Straight Connector 41"/>
+            <p:cNvCxnSpPr/>
+            <p:nvPr/>
+          </p:nvCxnSpPr>
+          <p:spPr>
+            <a:xfrm>
+              <a:off x="1888827" y="3196429"/>
+              <a:ext cx="832982" cy="0"/>
+            </a:xfrm>
+            <a:prstGeom prst="line">
+              <a:avLst/>
+            </a:prstGeom>
+            <a:ln>
+              <a:solidFill>
+                <a:srgbClr val="FF0000"/>
+              </a:solidFill>
+            </a:ln>
+          </p:spPr>
+          <p:style>
+            <a:lnRef idx="1">
+              <a:schemeClr val="dk1"/>
+            </a:lnRef>
+            <a:fillRef idx="0">
+              <a:schemeClr val="dk1"/>
+            </a:fillRef>
+            <a:effectRef idx="0">
+              <a:schemeClr val="dk1"/>
+            </a:effectRef>
+            <a:fontRef idx="minor">
+              <a:schemeClr val="tx1"/>
+            </a:fontRef>
+          </p:style>
+        </p:cxnSp>
+        <p:cxnSp>
+          <p:nvCxnSpPr>
+            <p:cNvPr id="44" name="Straight Connector 43"/>
+            <p:cNvCxnSpPr/>
+            <p:nvPr/>
+          </p:nvCxnSpPr>
+          <p:spPr>
+            <a:xfrm>
+              <a:off x="2721809" y="2331070"/>
+              <a:ext cx="832982" cy="0"/>
+            </a:xfrm>
+            <a:prstGeom prst="line">
+              <a:avLst/>
+            </a:prstGeom>
+            <a:ln>
+              <a:solidFill>
+                <a:srgbClr val="FF0000"/>
+              </a:solidFill>
+            </a:ln>
+          </p:spPr>
+          <p:style>
+            <a:lnRef idx="1">
+              <a:schemeClr val="dk1"/>
+            </a:lnRef>
+            <a:fillRef idx="0">
+              <a:schemeClr val="dk1"/>
+            </a:fillRef>
+            <a:effectRef idx="0">
+              <a:schemeClr val="dk1"/>
+            </a:effectRef>
+            <a:fontRef idx="minor">
+              <a:schemeClr val="tx1"/>
+            </a:fontRef>
+          </p:style>
+        </p:cxnSp>
+        <p:cxnSp>
+          <p:nvCxnSpPr>
+            <p:cNvPr id="45" name="Straight Connector 44"/>
+            <p:cNvCxnSpPr/>
+            <p:nvPr/>
+          </p:nvCxnSpPr>
+          <p:spPr>
+            <a:xfrm>
+              <a:off x="3559171" y="2331070"/>
+              <a:ext cx="832982" cy="0"/>
+            </a:xfrm>
+            <a:prstGeom prst="line">
+              <a:avLst/>
+            </a:prstGeom>
+            <a:ln>
+              <a:solidFill>
+                <a:srgbClr val="FF0000"/>
+              </a:solidFill>
+            </a:ln>
+          </p:spPr>
+          <p:style>
+            <a:lnRef idx="1">
+              <a:schemeClr val="dk1"/>
+            </a:lnRef>
+            <a:fillRef idx="0">
+              <a:schemeClr val="dk1"/>
+            </a:fillRef>
+            <a:effectRef idx="0">
+              <a:schemeClr val="dk1"/>
+            </a:effectRef>
+            <a:fontRef idx="minor">
+              <a:schemeClr val="tx1"/>
+            </a:fontRef>
+          </p:style>
+        </p:cxnSp>
+        <p:cxnSp>
+          <p:nvCxnSpPr>
+            <p:cNvPr id="46" name="Straight Connector 45"/>
+            <p:cNvCxnSpPr/>
+            <p:nvPr/>
+          </p:nvCxnSpPr>
+          <p:spPr>
+            <a:xfrm>
+              <a:off x="4387550" y="3425642"/>
+              <a:ext cx="832982" cy="0"/>
+            </a:xfrm>
+            <a:prstGeom prst="line">
+              <a:avLst/>
+            </a:prstGeom>
+            <a:ln>
+              <a:solidFill>
+                <a:srgbClr val="FF0000"/>
+              </a:solidFill>
+            </a:ln>
+          </p:spPr>
+          <p:style>
+            <a:lnRef idx="1">
+              <a:schemeClr val="dk1"/>
+            </a:lnRef>
+            <a:fillRef idx="0">
+              <a:schemeClr val="dk1"/>
+            </a:fillRef>
+            <a:effectRef idx="0">
+              <a:schemeClr val="dk1"/>
+            </a:effectRef>
+            <a:fontRef idx="minor">
+              <a:schemeClr val="tx1"/>
+            </a:fontRef>
+          </p:style>
+        </p:cxnSp>
+        <p:cxnSp>
+          <p:nvCxnSpPr>
+            <p:cNvPr id="47" name="Straight Connector 46"/>
+            <p:cNvCxnSpPr/>
+            <p:nvPr/>
+          </p:nvCxnSpPr>
+          <p:spPr>
+            <a:xfrm>
+              <a:off x="5231706" y="3423983"/>
+              <a:ext cx="832982" cy="0"/>
+            </a:xfrm>
+            <a:prstGeom prst="line">
+              <a:avLst/>
+            </a:prstGeom>
+            <a:ln>
+              <a:solidFill>
+                <a:srgbClr val="FF0000"/>
+              </a:solidFill>
+            </a:ln>
+          </p:spPr>
+          <p:style>
+            <a:lnRef idx="1">
+              <a:schemeClr val="dk1"/>
+            </a:lnRef>
+            <a:fillRef idx="0">
+              <a:schemeClr val="dk1"/>
+            </a:fillRef>
+            <a:effectRef idx="0">
+              <a:schemeClr val="dk1"/>
+            </a:effectRef>
+            <a:fontRef idx="minor">
+              <a:schemeClr val="tx1"/>
+            </a:fontRef>
+          </p:style>
+        </p:cxnSp>
+        <p:cxnSp>
+          <p:nvCxnSpPr>
+            <p:cNvPr id="48" name="Straight Connector 47"/>
+            <p:cNvCxnSpPr/>
+            <p:nvPr/>
+          </p:nvCxnSpPr>
+          <p:spPr>
+            <a:xfrm>
+              <a:off x="6066878" y="3425642"/>
+              <a:ext cx="832982" cy="0"/>
+            </a:xfrm>
+            <a:prstGeom prst="line">
+              <a:avLst/>
+            </a:prstGeom>
+            <a:ln>
+              <a:solidFill>
+                <a:srgbClr val="FF0000"/>
+              </a:solidFill>
+            </a:ln>
+          </p:spPr>
+          <p:style>
+            <a:lnRef idx="1">
+              <a:schemeClr val="dk1"/>
+            </a:lnRef>
+            <a:fillRef idx="0">
+              <a:schemeClr val="dk1"/>
+            </a:fillRef>
+            <a:effectRef idx="0">
+              <a:schemeClr val="dk1"/>
+            </a:effectRef>
+            <a:fontRef idx="minor">
+              <a:schemeClr val="tx1"/>
+            </a:fontRef>
+          </p:style>
+        </p:cxnSp>
+        <p:cxnSp>
+          <p:nvCxnSpPr>
+            <p:cNvPr id="49" name="Straight Connector 48"/>
+            <p:cNvCxnSpPr/>
+            <p:nvPr/>
+          </p:nvCxnSpPr>
+          <p:spPr>
+            <a:xfrm>
+              <a:off x="6899861" y="2812838"/>
+              <a:ext cx="832982" cy="0"/>
+            </a:xfrm>
+            <a:prstGeom prst="line">
+              <a:avLst/>
+            </a:prstGeom>
+            <a:ln>
+              <a:solidFill>
+                <a:srgbClr val="FF0000"/>
+              </a:solidFill>
+            </a:ln>
+          </p:spPr>
+          <p:style>
+            <a:lnRef idx="1">
+              <a:schemeClr val="dk1"/>
+            </a:lnRef>
+            <a:fillRef idx="0">
+              <a:schemeClr val="dk1"/>
+            </a:fillRef>
+            <a:effectRef idx="0">
+              <a:schemeClr val="dk1"/>
+            </a:effectRef>
+            <a:fontRef idx="minor">
+              <a:schemeClr val="tx1"/>
+            </a:fontRef>
+          </p:style>
+        </p:cxnSp>
+        <p:cxnSp>
+          <p:nvCxnSpPr>
+            <p:cNvPr id="50" name="Straight Connector 49"/>
+            <p:cNvCxnSpPr/>
+            <p:nvPr/>
+          </p:nvCxnSpPr>
+          <p:spPr>
+            <a:xfrm>
+              <a:off x="4392153" y="2331070"/>
+              <a:ext cx="0" cy="1094572"/>
+            </a:xfrm>
+            <a:prstGeom prst="line">
+              <a:avLst/>
+            </a:prstGeom>
+            <a:ln>
+              <a:solidFill>
+                <a:srgbClr val="FF0000"/>
+              </a:solidFill>
+            </a:ln>
+          </p:spPr>
+          <p:style>
+            <a:lnRef idx="1">
+              <a:schemeClr val="dk1"/>
+            </a:lnRef>
+            <a:fillRef idx="0">
+              <a:schemeClr val="dk1"/>
+            </a:fillRef>
+            <a:effectRef idx="0">
+              <a:schemeClr val="dk1"/>
+            </a:effectRef>
+            <a:fontRef idx="minor">
+              <a:schemeClr val="tx1"/>
+            </a:fontRef>
+          </p:style>
+        </p:cxnSp>
+        <p:cxnSp>
+          <p:nvCxnSpPr>
+            <p:cNvPr id="57" name="Straight Connector 56"/>
+            <p:cNvCxnSpPr/>
+            <p:nvPr/>
+          </p:nvCxnSpPr>
+          <p:spPr>
+            <a:xfrm flipH="1">
+              <a:off x="2721809" y="2331070"/>
+              <a:ext cx="6572" cy="865359"/>
+            </a:xfrm>
+            <a:prstGeom prst="line">
+              <a:avLst/>
+            </a:prstGeom>
+            <a:ln>
+              <a:solidFill>
+                <a:srgbClr val="FF0000"/>
+              </a:solidFill>
+            </a:ln>
+          </p:spPr>
+          <p:style>
+            <a:lnRef idx="1">
+              <a:schemeClr val="dk1"/>
+            </a:lnRef>
+            <a:fillRef idx="0">
+              <a:schemeClr val="dk1"/>
+            </a:fillRef>
+            <a:effectRef idx="0">
+              <a:schemeClr val="dk1"/>
+            </a:effectRef>
+            <a:fontRef idx="minor">
+              <a:schemeClr val="tx1"/>
+            </a:fontRef>
+          </p:style>
+        </p:cxnSp>
+        <p:cxnSp>
+          <p:nvCxnSpPr>
+            <p:cNvPr id="62" name="Straight Connector 61"/>
+            <p:cNvCxnSpPr/>
+            <p:nvPr/>
+          </p:nvCxnSpPr>
+          <p:spPr>
+            <a:xfrm>
+              <a:off x="6897670" y="2812838"/>
+              <a:ext cx="2191" cy="612804"/>
+            </a:xfrm>
+            <a:prstGeom prst="line">
+              <a:avLst/>
+            </a:prstGeom>
+            <a:ln>
+              <a:solidFill>
+                <a:srgbClr val="FF0000"/>
+              </a:solidFill>
+            </a:ln>
+          </p:spPr>
+          <p:style>
+            <a:lnRef idx="1">
+              <a:schemeClr val="dk1"/>
+            </a:lnRef>
+            <a:fillRef idx="0">
+              <a:schemeClr val="dk1"/>
+            </a:fillRef>
+            <a:effectRef idx="0">
+              <a:schemeClr val="dk1"/>
+            </a:effectRef>
+            <a:fontRef idx="minor">
+              <a:schemeClr val="tx1"/>
+            </a:fontRef>
+          </p:style>
+        </p:cxnSp>
+        <p:sp>
+          <p:nvSpPr>
+            <p:cNvPr id="64" name="Rectangle 63"/>
+            <p:cNvSpPr/>
+            <p:nvPr/>
+          </p:nvSpPr>
+          <p:spPr>
+            <a:xfrm>
+              <a:off x="1051465" y="3196429"/>
+              <a:ext cx="3340687" cy="1789650"/>
+            </a:xfrm>
+            <a:prstGeom prst="rect">
+              <a:avLst/>
+            </a:prstGeom>
+            <a:solidFill>
+              <a:srgbClr val="FF0000">
+                <a:alpha val="22000"/>
+              </a:srgbClr>
+            </a:solidFill>
+            <a:ln>
+              <a:noFill/>
+            </a:ln>
+          </p:spPr>
+          <p:style>
+            <a:lnRef idx="2">
+              <a:schemeClr val="accent1">
+                <a:shade val="50000"/>
+              </a:schemeClr>
+            </a:lnRef>
+            <a:fillRef idx="1">
+              <a:schemeClr val="accent1"/>
+            </a:fillRef>
+            <a:effectRef idx="0">
+              <a:schemeClr val="accent1"/>
+            </a:effectRef>
+            <a:fontRef idx="minor">
+              <a:schemeClr val="lt1"/>
+            </a:fontRef>
+          </p:style>
+          <p:txBody>
+            <a:bodyPr rtlCol="0" anchor="ctr"/>
+            <a:lstStyle/>
+            <a:p>
+              <a:pPr algn="ctr"/>
+              <a:endParaRPr lang="en-US" dirty="0"/>
+            </a:p>
+          </p:txBody>
+        </p:sp>
+        <p:sp>
+          <p:nvSpPr>
+            <p:cNvPr id="66" name="Rectangle 65"/>
+            <p:cNvSpPr/>
+            <p:nvPr/>
+          </p:nvSpPr>
+          <p:spPr>
+            <a:xfrm>
+              <a:off x="2730794" y="2331070"/>
+              <a:ext cx="1656756" cy="865359"/>
+            </a:xfrm>
+            <a:prstGeom prst="rect">
+              <a:avLst/>
+            </a:prstGeom>
+            <a:solidFill>
+              <a:srgbClr val="FF0000">
+                <a:alpha val="22000"/>
+              </a:srgbClr>
+            </a:solidFill>
+            <a:ln>
+              <a:noFill/>
+            </a:ln>
+          </p:spPr>
+          <p:style>
+            <a:lnRef idx="2">
+              <a:schemeClr val="accent1">
+                <a:shade val="50000"/>
+              </a:schemeClr>
+            </a:lnRef>
+            <a:fillRef idx="1">
+              <a:schemeClr val="accent1"/>
+            </a:fillRef>
+            <a:effectRef idx="0">
+              <a:schemeClr val="accent1"/>
+            </a:effectRef>
+            <a:fontRef idx="minor">
+              <a:schemeClr val="lt1"/>
+            </a:fontRef>
+          </p:style>
+          <p:txBody>
+            <a:bodyPr rtlCol="0" anchor="ctr"/>
+            <a:lstStyle/>
+            <a:p>
+              <a:pPr algn="ctr"/>
+              <a:endParaRPr lang="en-US"/>
+            </a:p>
+          </p:txBody>
+        </p:sp>
+        <p:sp>
+          <p:nvSpPr>
+            <p:cNvPr id="67" name="Rectangle 66"/>
+            <p:cNvSpPr/>
+            <p:nvPr/>
+          </p:nvSpPr>
+          <p:spPr>
+            <a:xfrm>
+              <a:off x="4387550" y="3423983"/>
+              <a:ext cx="3345293" cy="1562096"/>
+            </a:xfrm>
+            <a:prstGeom prst="rect">
+              <a:avLst/>
+            </a:prstGeom>
+            <a:solidFill>
+              <a:srgbClr val="FF0000">
+                <a:alpha val="22000"/>
+              </a:srgbClr>
+            </a:solidFill>
+            <a:ln>
+              <a:noFill/>
+            </a:ln>
+          </p:spPr>
+          <p:style>
+            <a:lnRef idx="2">
+              <a:schemeClr val="accent1">
+                <a:shade val="50000"/>
+              </a:schemeClr>
+            </a:lnRef>
+            <a:fillRef idx="1">
+              <a:schemeClr val="accent1"/>
+            </a:fillRef>
+            <a:effectRef idx="0">
+              <a:schemeClr val="accent1"/>
+            </a:effectRef>
+            <a:fontRef idx="minor">
+              <a:schemeClr val="lt1"/>
+            </a:fontRef>
+          </p:style>
+          <p:txBody>
+            <a:bodyPr rtlCol="0" anchor="ctr"/>
+            <a:lstStyle/>
+            <a:p>
+              <a:pPr algn="ctr"/>
+              <a:endParaRPr lang="en-US"/>
+            </a:p>
+          </p:txBody>
+        </p:sp>
+        <p:sp>
+          <p:nvSpPr>
+            <p:cNvPr id="68" name="Rectangle 67"/>
+            <p:cNvSpPr/>
+            <p:nvPr/>
+          </p:nvSpPr>
+          <p:spPr>
+            <a:xfrm>
+              <a:off x="6894972" y="2812838"/>
+              <a:ext cx="837362" cy="611145"/>
+            </a:xfrm>
+            <a:prstGeom prst="rect">
+              <a:avLst/>
+            </a:prstGeom>
+            <a:solidFill>
+              <a:srgbClr val="FF0000">
+                <a:alpha val="22000"/>
+              </a:srgbClr>
+            </a:solidFill>
+            <a:ln>
+              <a:noFill/>
+            </a:ln>
+          </p:spPr>
+          <p:style>
+            <a:lnRef idx="2">
+              <a:schemeClr val="accent1">
+                <a:shade val="50000"/>
+              </a:schemeClr>
+            </a:lnRef>
+            <a:fillRef idx="1">
+              <a:schemeClr val="accent1"/>
+            </a:fillRef>
+            <a:effectRef idx="0">
+              <a:schemeClr val="accent1"/>
+            </a:effectRef>
+            <a:fontRef idx="minor">
+              <a:schemeClr val="lt1"/>
+            </a:fontRef>
+          </p:style>
+          <p:txBody>
+            <a:bodyPr rtlCol="0" anchor="ctr"/>
+            <a:lstStyle/>
+            <a:p>
+              <a:pPr algn="ctr"/>
+              <a:endParaRPr lang="en-US"/>
+            </a:p>
+          </p:txBody>
+        </p:sp>
+        <p:sp>
+          <p:nvSpPr>
+            <p:cNvPr id="74" name="Rectangle 73"/>
+            <p:cNvSpPr/>
+            <p:nvPr/>
+          </p:nvSpPr>
+          <p:spPr>
+            <a:xfrm>
+              <a:off x="1872983" y="2331070"/>
+              <a:ext cx="857812" cy="865359"/>
+            </a:xfrm>
+            <a:prstGeom prst="rect">
+              <a:avLst/>
+            </a:prstGeom>
+            <a:solidFill>
+              <a:schemeClr val="accent3">
+                <a:lumMod val="75000"/>
+                <a:alpha val="19000"/>
+              </a:schemeClr>
+            </a:solidFill>
+            <a:ln>
+              <a:noFill/>
+            </a:ln>
+          </p:spPr>
+          <p:style>
+            <a:lnRef idx="2">
+              <a:schemeClr val="accent3">
+                <a:shade val="50000"/>
+              </a:schemeClr>
+            </a:lnRef>
+            <a:fillRef idx="1">
+              <a:schemeClr val="accent3"/>
+            </a:fillRef>
+            <a:effectRef idx="0">
+              <a:schemeClr val="accent3"/>
+            </a:effectRef>
+            <a:fontRef idx="minor">
+              <a:schemeClr val="lt1"/>
+            </a:fontRef>
+          </p:style>
+          <p:txBody>
+            <a:bodyPr rtlCol="0" anchor="ctr"/>
+            <a:lstStyle/>
+            <a:p>
+              <a:pPr algn="ctr"/>
+              <a:endParaRPr lang="en-US"/>
+            </a:p>
+          </p:txBody>
+        </p:sp>
+        <p:sp>
+          <p:nvSpPr>
+            <p:cNvPr id="76" name="Rectangle 75"/>
+            <p:cNvSpPr/>
+            <p:nvPr/>
+          </p:nvSpPr>
+          <p:spPr>
+            <a:xfrm>
+              <a:off x="6062498" y="2812838"/>
+              <a:ext cx="821516" cy="611145"/>
+            </a:xfrm>
+            <a:prstGeom prst="rect">
+              <a:avLst/>
+            </a:prstGeom>
+            <a:solidFill>
+              <a:schemeClr val="accent3">
+                <a:lumMod val="75000"/>
+                <a:alpha val="19000"/>
+              </a:schemeClr>
+            </a:solidFill>
+            <a:ln>
+              <a:noFill/>
+            </a:ln>
+          </p:spPr>
+          <p:style>
+            <a:lnRef idx="2">
+              <a:schemeClr val="accent3">
+                <a:shade val="50000"/>
+              </a:schemeClr>
+            </a:lnRef>
+            <a:fillRef idx="1">
+              <a:schemeClr val="accent3"/>
+            </a:fillRef>
+            <a:effectRef idx="0">
+              <a:schemeClr val="accent3"/>
+            </a:effectRef>
+            <a:fontRef idx="minor">
+              <a:schemeClr val="lt1"/>
+            </a:fontRef>
+          </p:style>
+          <p:txBody>
+            <a:bodyPr rtlCol="0" anchor="ctr"/>
+            <a:lstStyle/>
+            <a:p>
+              <a:pPr algn="ctr"/>
+              <a:endParaRPr lang="en-US"/>
+            </a:p>
+          </p:txBody>
+        </p:sp>
+        <p:cxnSp>
+          <p:nvCxnSpPr>
+            <p:cNvPr id="77" name="Straight Connector 76"/>
+            <p:cNvCxnSpPr/>
+            <p:nvPr/>
+          </p:nvCxnSpPr>
+          <p:spPr>
+            <a:xfrm flipH="1">
+              <a:off x="1883940" y="2331070"/>
+              <a:ext cx="4887" cy="864644"/>
+            </a:xfrm>
+            <a:prstGeom prst="line">
+              <a:avLst/>
+            </a:prstGeom>
+            <a:ln/>
+          </p:spPr>
+          <p:style>
+            <a:lnRef idx="1">
+              <a:schemeClr val="accent3"/>
+            </a:lnRef>
+            <a:fillRef idx="0">
+              <a:schemeClr val="accent3"/>
+            </a:fillRef>
+            <a:effectRef idx="0">
+              <a:schemeClr val="accent3"/>
+            </a:effectRef>
+            <a:fontRef idx="minor">
+              <a:schemeClr val="tx1"/>
+            </a:fontRef>
+          </p:style>
+        </p:cxnSp>
+        <p:cxnSp>
+          <p:nvCxnSpPr>
+            <p:cNvPr id="81" name="Straight Connector 80"/>
+            <p:cNvCxnSpPr>
+              <a:endCxn id="67" idx="0"/>
+            </p:cNvCxnSpPr>
+            <p:nvPr/>
+          </p:nvCxnSpPr>
+          <p:spPr>
+            <a:xfrm flipH="1">
+              <a:off x="6060197" y="2812838"/>
+              <a:ext cx="2301" cy="611145"/>
+            </a:xfrm>
+            <a:prstGeom prst="line">
+              <a:avLst/>
+            </a:prstGeom>
+            <a:ln/>
+          </p:spPr>
+          <p:style>
+            <a:lnRef idx="1">
+              <a:schemeClr val="accent3"/>
+            </a:lnRef>
+            <a:fillRef idx="0">
+              <a:schemeClr val="accent3"/>
+            </a:fillRef>
+            <a:effectRef idx="0">
+              <a:schemeClr val="accent3"/>
+            </a:effectRef>
+            <a:fontRef idx="minor">
+              <a:schemeClr val="tx1"/>
+            </a:fontRef>
+          </p:style>
+        </p:cxnSp>
+        <p:cxnSp>
+          <p:nvCxnSpPr>
+            <p:cNvPr id="84" name="Straight Connector 83"/>
+            <p:cNvCxnSpPr/>
+            <p:nvPr/>
+          </p:nvCxnSpPr>
+          <p:spPr>
+            <a:xfrm>
+              <a:off x="1875172" y="2331070"/>
+              <a:ext cx="841968" cy="0"/>
+            </a:xfrm>
+            <a:prstGeom prst="line">
+              <a:avLst/>
+            </a:prstGeom>
+            <a:ln/>
+          </p:spPr>
+          <p:style>
+            <a:lnRef idx="1">
+              <a:schemeClr val="accent3"/>
+            </a:lnRef>
+            <a:fillRef idx="0">
+              <a:schemeClr val="accent3"/>
+            </a:fillRef>
+            <a:effectRef idx="0">
+              <a:schemeClr val="accent3"/>
+            </a:effectRef>
+            <a:fontRef idx="minor">
+              <a:schemeClr val="tx1"/>
+            </a:fontRef>
+          </p:style>
+        </p:cxnSp>
+        <p:cxnSp>
+          <p:nvCxnSpPr>
+            <p:cNvPr id="87" name="Straight Connector 86"/>
+            <p:cNvCxnSpPr/>
+            <p:nvPr/>
+          </p:nvCxnSpPr>
+          <p:spPr>
+            <a:xfrm>
+              <a:off x="6055701" y="2812838"/>
+              <a:ext cx="841968" cy="0"/>
+            </a:xfrm>
+            <a:prstGeom prst="line">
+              <a:avLst/>
+            </a:prstGeom>
+            <a:ln/>
+          </p:spPr>
+          <p:style>
+            <a:lnRef idx="1">
+              <a:schemeClr val="accent3"/>
+            </a:lnRef>
+            <a:fillRef idx="0">
+              <a:schemeClr val="accent3"/>
+            </a:fillRef>
+            <a:effectRef idx="0">
+              <a:schemeClr val="accent3"/>
+            </a:effectRef>
+            <a:fontRef idx="minor">
+              <a:schemeClr val="tx1"/>
+            </a:fontRef>
+          </p:style>
+        </p:cxnSp>
+      </p:grpSp>
+      <p:grpSp>
+        <p:nvGrpSpPr>
+          <p:cNvPr id="92" name="Group 91"/>
+          <p:cNvGrpSpPr/>
+          <p:nvPr/>
+        </p:nvGrpSpPr>
+        <p:grpSpPr>
+          <a:xfrm>
+            <a:off x="6069491" y="466126"/>
+            <a:ext cx="1365255" cy="321432"/>
+            <a:chOff x="6646966" y="814062"/>
+            <a:chExt cx="1365255" cy="321432"/>
+          </a:xfrm>
+        </p:grpSpPr>
+        <p:sp>
+          <p:nvSpPr>
+            <p:cNvPr id="93" name="Rectangle 92"/>
+            <p:cNvSpPr/>
+            <p:nvPr/>
+          </p:nvSpPr>
+          <p:spPr>
+            <a:xfrm>
+              <a:off x="6646966" y="819273"/>
+              <a:ext cx="821516" cy="316221"/>
+            </a:xfrm>
+            <a:prstGeom prst="rect">
+              <a:avLst/>
+            </a:prstGeom>
+            <a:solidFill>
+              <a:srgbClr val="1772AD">
+                <a:alpha val="22000"/>
+              </a:srgbClr>
+            </a:solidFill>
+            <a:ln>
+              <a:noFill/>
+            </a:ln>
+          </p:spPr>
+          <p:style>
+            <a:lnRef idx="2">
+              <a:schemeClr val="accent1">
+                <a:shade val="50000"/>
+              </a:schemeClr>
+            </a:lnRef>
+            <a:fillRef idx="1">
+              <a:schemeClr val="accent1"/>
+            </a:fillRef>
+            <a:effectRef idx="0">
+              <a:schemeClr val="accent1"/>
+            </a:effectRef>
+            <a:fontRef idx="minor">
+              <a:schemeClr val="lt1"/>
+            </a:fontRef>
+          </p:style>
+          <p:txBody>
+            <a:bodyPr rtlCol="0" anchor="ctr"/>
+            <a:lstStyle/>
+            <a:p>
+              <a:pPr algn="ctr"/>
+              <a:endParaRPr lang="en-US"/>
+            </a:p>
+          </p:txBody>
+        </p:sp>
+        <p:sp>
+          <p:nvSpPr>
+            <p:cNvPr id="94" name="TextBox 93"/>
+            <p:cNvSpPr txBox="1"/>
+            <p:nvPr/>
+          </p:nvSpPr>
+          <p:spPr>
+            <a:xfrm>
+              <a:off x="7468482" y="814062"/>
+              <a:ext cx="543739" cy="307777"/>
+            </a:xfrm>
+            <a:prstGeom prst="rect">
+              <a:avLst/>
+            </a:prstGeom>
+            <a:noFill/>
+          </p:spPr>
+          <p:txBody>
+            <a:bodyPr wrap="none" rtlCol="0">
+              <a:spAutoFit/>
+            </a:bodyPr>
+            <a:lstStyle/>
+            <a:p>
+              <a:r>
+                <a:rPr lang="en-US" sz="1400" b="1" dirty="0" smtClean="0"/>
+                <a:t>FEC</a:t>
+              </a:r>
+              <a:endParaRPr lang="en-US" sz="1400" b="1" dirty="0"/>
+            </a:p>
+          </p:txBody>
+        </p:sp>
+      </p:grpSp>
+      <p:sp>
+        <p:nvSpPr>
+          <p:cNvPr id="95" name="TextBox 94"/>
+          <p:cNvSpPr txBox="1"/>
+          <p:nvPr/>
+        </p:nvSpPr>
+        <p:spPr>
+          <a:xfrm>
+            <a:off x="1196931" y="3474369"/>
+            <a:ext cx="400110" cy="1169726"/>
+          </a:xfrm>
+          <a:prstGeom prst="rect">
+            <a:avLst/>
+          </a:prstGeom>
+          <a:noFill/>
+        </p:spPr>
+        <p:txBody>
+          <a:bodyPr vert="vert270" wrap="none" rtlCol="0">
+            <a:spAutoFit/>
+          </a:bodyPr>
+          <a:lstStyle/>
+          <a:p>
+            <a:r>
+              <a:rPr lang="en-US" sz="1400" dirty="0" smtClean="0">
+                <a:solidFill>
+                  <a:schemeClr val="tx1">
+                    <a:lumMod val="65000"/>
+                    <a:lumOff val="35000"/>
+                  </a:schemeClr>
+                </a:solidFill>
+                <a:latin typeface="Courier"/>
+                <a:cs typeface="Courier"/>
+              </a:rPr>
+              <a:t>STAY state</a:t>
+            </a:r>
+            <a:endParaRPr lang="en-US" sz="1400" dirty="0">
+              <a:solidFill>
+                <a:schemeClr val="tx1">
+                  <a:lumMod val="65000"/>
+                  <a:lumOff val="35000"/>
+                </a:schemeClr>
+              </a:solidFill>
+              <a:latin typeface="Courier"/>
+              <a:cs typeface="Courier"/>
+            </a:endParaRPr>
+          </a:p>
+        </p:txBody>
+      </p:sp>
+      <p:sp>
+        <p:nvSpPr>
+          <p:cNvPr id="96" name="TextBox 95"/>
+          <p:cNvSpPr txBox="1"/>
+          <p:nvPr/>
+        </p:nvSpPr>
+        <p:spPr>
+          <a:xfrm>
+            <a:off x="2086722" y="3407594"/>
+            <a:ext cx="400110" cy="1277466"/>
+          </a:xfrm>
+          <a:prstGeom prst="rect">
+            <a:avLst/>
+          </a:prstGeom>
+          <a:noFill/>
+        </p:spPr>
+        <p:txBody>
+          <a:bodyPr vert="vert270" wrap="none" rtlCol="0">
+            <a:spAutoFit/>
+          </a:bodyPr>
+          <a:lstStyle/>
+          <a:p>
+            <a:r>
+              <a:rPr lang="en-US" sz="1400" dirty="0" smtClean="0">
+                <a:solidFill>
+                  <a:schemeClr val="tx1">
+                    <a:lumMod val="65000"/>
+                    <a:lumOff val="35000"/>
+                  </a:schemeClr>
+                </a:solidFill>
+                <a:latin typeface="Courier"/>
+                <a:cs typeface="Courier"/>
+              </a:rPr>
+              <a:t>PROBE state</a:t>
+            </a:r>
+            <a:endParaRPr lang="en-US" sz="1400" dirty="0">
+              <a:solidFill>
+                <a:schemeClr val="tx1">
+                  <a:lumMod val="65000"/>
+                  <a:lumOff val="35000"/>
+                </a:schemeClr>
+              </a:solidFill>
+              <a:latin typeface="Courier"/>
+              <a:cs typeface="Courier"/>
+            </a:endParaRPr>
+          </a:p>
+        </p:txBody>
+      </p:sp>
+      <p:sp>
+        <p:nvSpPr>
+          <p:cNvPr id="97" name="TextBox 96"/>
+          <p:cNvSpPr txBox="1"/>
+          <p:nvPr/>
+        </p:nvSpPr>
+        <p:spPr>
+          <a:xfrm>
+            <a:off x="3779993" y="3135204"/>
+            <a:ext cx="400110" cy="1169726"/>
+          </a:xfrm>
+          <a:prstGeom prst="rect">
+            <a:avLst/>
+          </a:prstGeom>
+          <a:noFill/>
+        </p:spPr>
+        <p:txBody>
+          <a:bodyPr vert="vert270" wrap="none" rtlCol="0">
+            <a:spAutoFit/>
+          </a:bodyPr>
+          <a:lstStyle/>
+          <a:p>
+            <a:r>
+              <a:rPr lang="en-US" sz="1400" dirty="0" smtClean="0">
+                <a:solidFill>
+                  <a:schemeClr val="tx1">
+                    <a:lumMod val="65000"/>
+                    <a:lumOff val="35000"/>
+                  </a:schemeClr>
+                </a:solidFill>
+                <a:latin typeface="Courier"/>
+                <a:cs typeface="Courier"/>
+              </a:rPr>
+              <a:t>STAY state</a:t>
+            </a:r>
+            <a:endParaRPr lang="en-US" sz="1400" dirty="0">
+              <a:solidFill>
+                <a:schemeClr val="tx1">
+                  <a:lumMod val="65000"/>
+                  <a:lumOff val="35000"/>
+                </a:schemeClr>
+              </a:solidFill>
+              <a:latin typeface="Courier"/>
+              <a:cs typeface="Courier"/>
+            </a:endParaRPr>
+          </a:p>
+        </p:txBody>
+      </p:sp>
+      <p:sp>
+        <p:nvSpPr>
+          <p:cNvPr id="98" name="TextBox 97"/>
+          <p:cNvSpPr txBox="1"/>
+          <p:nvPr/>
+        </p:nvSpPr>
+        <p:spPr>
+          <a:xfrm>
+            <a:off x="5445953" y="3599425"/>
+            <a:ext cx="400110" cy="1169726"/>
+          </a:xfrm>
+          <a:prstGeom prst="rect">
+            <a:avLst/>
+          </a:prstGeom>
+          <a:noFill/>
+        </p:spPr>
+        <p:txBody>
+          <a:bodyPr vert="vert270" wrap="none" rtlCol="0">
+            <a:spAutoFit/>
+          </a:bodyPr>
+          <a:lstStyle/>
+          <a:p>
+            <a:r>
+              <a:rPr lang="en-US" sz="1400" dirty="0" smtClean="0">
+                <a:solidFill>
+                  <a:schemeClr val="tx1">
+                    <a:lumMod val="65000"/>
+                    <a:lumOff val="35000"/>
+                  </a:schemeClr>
+                </a:solidFill>
+                <a:latin typeface="Courier"/>
+                <a:cs typeface="Courier"/>
+              </a:rPr>
+              <a:t>STAY state</a:t>
+            </a:r>
+            <a:endParaRPr lang="en-US" sz="1400" dirty="0">
+              <a:solidFill>
+                <a:schemeClr val="tx1">
+                  <a:lumMod val="65000"/>
+                  <a:lumOff val="35000"/>
+                </a:schemeClr>
+              </a:solidFill>
+              <a:latin typeface="Courier"/>
+              <a:cs typeface="Courier"/>
+            </a:endParaRPr>
+          </a:p>
+        </p:txBody>
+      </p:sp>
+      <p:sp>
+        <p:nvSpPr>
+          <p:cNvPr id="99" name="TextBox 98"/>
+          <p:cNvSpPr txBox="1"/>
+          <p:nvPr/>
+        </p:nvSpPr>
+        <p:spPr>
+          <a:xfrm>
+            <a:off x="7100874" y="3412803"/>
+            <a:ext cx="400110" cy="954248"/>
+          </a:xfrm>
+          <a:prstGeom prst="rect">
+            <a:avLst/>
+          </a:prstGeom>
+          <a:noFill/>
+        </p:spPr>
+        <p:txBody>
+          <a:bodyPr vert="vert270" wrap="none" rtlCol="0">
+            <a:spAutoFit/>
+          </a:bodyPr>
+          <a:lstStyle/>
+          <a:p>
+            <a:r>
+              <a:rPr lang="en-US" sz="1400" dirty="0" smtClean="0">
+                <a:solidFill>
+                  <a:schemeClr val="tx1">
+                    <a:lumMod val="65000"/>
+                    <a:lumOff val="35000"/>
+                  </a:schemeClr>
+                </a:solidFill>
+                <a:latin typeface="Courier"/>
+                <a:cs typeface="Courier"/>
+              </a:rPr>
+              <a:t>UP state</a:t>
+            </a:r>
+            <a:endParaRPr lang="en-US" sz="1400" dirty="0">
+              <a:solidFill>
+                <a:schemeClr val="tx1">
+                  <a:lumMod val="65000"/>
+                  <a:lumOff val="35000"/>
+                </a:schemeClr>
+              </a:solidFill>
+              <a:latin typeface="Courier"/>
+              <a:cs typeface="Courier"/>
+            </a:endParaRPr>
+          </a:p>
+        </p:txBody>
+      </p:sp>
+      <p:sp>
+        <p:nvSpPr>
+          <p:cNvPr id="100" name="TextBox 99"/>
+          <p:cNvSpPr txBox="1"/>
+          <p:nvPr/>
+        </p:nvSpPr>
+        <p:spPr>
+          <a:xfrm>
+            <a:off x="2957510" y="3261705"/>
+            <a:ext cx="400110" cy="954248"/>
+          </a:xfrm>
+          <a:prstGeom prst="rect">
+            <a:avLst/>
+          </a:prstGeom>
+          <a:noFill/>
+        </p:spPr>
+        <p:txBody>
+          <a:bodyPr vert="vert270" wrap="none" rtlCol="0">
+            <a:spAutoFit/>
+          </a:bodyPr>
+          <a:lstStyle/>
+          <a:p>
+            <a:r>
+              <a:rPr lang="en-US" sz="1400" dirty="0" smtClean="0">
+                <a:solidFill>
+                  <a:schemeClr val="tx1">
+                    <a:lumMod val="65000"/>
+                    <a:lumOff val="35000"/>
+                  </a:schemeClr>
+                </a:solidFill>
+                <a:latin typeface="Courier"/>
+                <a:cs typeface="Courier"/>
+              </a:rPr>
+              <a:t>UP state</a:t>
+            </a:r>
+            <a:endParaRPr lang="en-US" sz="1400" dirty="0">
+              <a:solidFill>
+                <a:schemeClr val="tx1">
+                  <a:lumMod val="65000"/>
+                  <a:lumOff val="35000"/>
+                </a:schemeClr>
+              </a:solidFill>
+              <a:latin typeface="Courier"/>
+              <a:cs typeface="Courier"/>
+            </a:endParaRPr>
+          </a:p>
+        </p:txBody>
+      </p:sp>
+      <p:sp>
+        <p:nvSpPr>
+          <p:cNvPr id="101" name="TextBox 100"/>
+          <p:cNvSpPr txBox="1"/>
+          <p:nvPr/>
+        </p:nvSpPr>
+        <p:spPr>
+          <a:xfrm>
+            <a:off x="4612972" y="3599425"/>
+            <a:ext cx="400110" cy="1169726"/>
+          </a:xfrm>
+          <a:prstGeom prst="rect">
+            <a:avLst/>
+          </a:prstGeom>
+          <a:noFill/>
+        </p:spPr>
+        <p:txBody>
+          <a:bodyPr vert="vert270" wrap="none" rtlCol="0">
+            <a:spAutoFit/>
+          </a:bodyPr>
+          <a:lstStyle/>
+          <a:p>
+            <a:r>
+              <a:rPr lang="en-US" sz="1400" dirty="0" smtClean="0">
+                <a:solidFill>
+                  <a:schemeClr val="tx1">
+                    <a:lumMod val="65000"/>
+                    <a:lumOff val="35000"/>
+                  </a:schemeClr>
+                </a:solidFill>
+                <a:latin typeface="Courier"/>
+                <a:cs typeface="Courier"/>
+              </a:rPr>
+              <a:t>DOWN state</a:t>
+            </a:r>
+            <a:endParaRPr lang="en-US" sz="1400" dirty="0">
+              <a:solidFill>
+                <a:schemeClr val="tx1">
+                  <a:lumMod val="65000"/>
+                  <a:lumOff val="35000"/>
+                </a:schemeClr>
+              </a:solidFill>
+              <a:latin typeface="Courier"/>
+              <a:cs typeface="Courier"/>
+            </a:endParaRPr>
+          </a:p>
+        </p:txBody>
+      </p:sp>
+      <p:sp>
+        <p:nvSpPr>
+          <p:cNvPr id="102" name="TextBox 101"/>
+          <p:cNvSpPr txBox="1"/>
+          <p:nvPr/>
+        </p:nvSpPr>
+        <p:spPr>
+          <a:xfrm>
+            <a:off x="6281122" y="3539797"/>
+            <a:ext cx="400110" cy="1277466"/>
+          </a:xfrm>
+          <a:prstGeom prst="rect">
+            <a:avLst/>
+          </a:prstGeom>
+          <a:noFill/>
+        </p:spPr>
+        <p:txBody>
+          <a:bodyPr vert="vert270" wrap="none" rtlCol="0">
+            <a:spAutoFit/>
+          </a:bodyPr>
+          <a:lstStyle/>
+          <a:p>
+            <a:r>
+              <a:rPr lang="en-US" sz="1400" dirty="0" smtClean="0">
+                <a:solidFill>
+                  <a:schemeClr val="tx1">
+                    <a:lumMod val="65000"/>
+                    <a:lumOff val="35000"/>
+                  </a:schemeClr>
+                </a:solidFill>
+                <a:latin typeface="Courier"/>
+                <a:cs typeface="Courier"/>
+              </a:rPr>
+              <a:t>PROBE state</a:t>
+            </a:r>
+            <a:endParaRPr lang="en-US" sz="1400" dirty="0">
+              <a:solidFill>
+                <a:schemeClr val="tx1">
+                  <a:lumMod val="65000"/>
+                  <a:lumOff val="35000"/>
+                </a:schemeClr>
+              </a:solidFill>
+              <a:latin typeface="Courier"/>
+              <a:cs typeface="Courier"/>
+            </a:endParaRPr>
+          </a:p>
+        </p:txBody>
+      </p:sp>
+    </p:spTree>
+    <p:extLst>
+      <p:ext uri="{BB962C8B-B14F-4D97-AF65-F5344CB8AC3E}">
+        <p14:creationId xmlns:p14="http://schemas.microsoft.com/office/powerpoint/2010/main" val="3929904410"/>
       </p:ext>
     </p:extLst>
   </p:cSld>

--- a/graphs/source/chap5-src.pptx
+++ b/graphs/source/chap5-src.pptx
@@ -9245,7 +9245,7 @@
           <a:p>
             <a:pPr algn="ctr"/>
             <a:r>
-              <a:rPr lang="en-US" sz="1400" dirty="0" smtClean="0"/>
+              <a:rPr lang="en-US" sz="1400" b="1" dirty="0" smtClean="0"/>
               <a:t>RTCP Interval</a:t>
             </a:r>
           </a:p>
@@ -10341,7 +10341,7 @@
             <a:lstStyle/>
             <a:p>
               <a:pPr algn="ctr"/>
-              <a:endParaRPr lang="en-US"/>
+              <a:endParaRPr lang="en-US" dirty="0"/>
             </a:p>
           </p:txBody>
         </p:sp>
@@ -10995,6 +10995,142 @@
               <a:latin typeface="Courier"/>
               <a:cs typeface="Courier"/>
             </a:endParaRPr>
+          </a:p>
+        </p:txBody>
+      </p:sp>
+      <p:cxnSp>
+        <p:nvCxnSpPr>
+          <p:cNvPr id="5" name="Straight Arrow Connector 4"/>
+          <p:cNvCxnSpPr>
+            <a:stCxn id="11" idx="0"/>
+          </p:cNvCxnSpPr>
+          <p:nvPr/>
+        </p:nvCxnSpPr>
+        <p:spPr>
+          <a:xfrm flipV="1">
+            <a:off x="1888827" y="4997533"/>
+            <a:ext cx="0" cy="445515"/>
+          </a:xfrm>
+          <a:prstGeom prst="straightConnector1">
+            <a:avLst/>
+          </a:prstGeom>
+          <a:ln>
+            <a:solidFill>
+              <a:schemeClr val="tx1">
+                <a:lumMod val="50000"/>
+                <a:lumOff val="50000"/>
+              </a:schemeClr>
+            </a:solidFill>
+            <a:tailEnd type="arrow"/>
+          </a:ln>
+        </p:spPr>
+        <p:style>
+          <a:lnRef idx="1">
+            <a:schemeClr val="dk1"/>
+          </a:lnRef>
+          <a:fillRef idx="0">
+            <a:schemeClr val="dk1"/>
+          </a:fillRef>
+          <a:effectRef idx="0">
+            <a:schemeClr val="dk1"/>
+          </a:effectRef>
+          <a:fontRef idx="minor">
+            <a:schemeClr val="tx1"/>
+          </a:fontRef>
+        </p:style>
+      </p:cxnSp>
+      <p:sp>
+        <p:nvSpPr>
+          <p:cNvPr id="11" name="TextBox 10"/>
+          <p:cNvSpPr txBox="1"/>
+          <p:nvPr/>
+        </p:nvSpPr>
+        <p:spPr>
+          <a:xfrm>
+            <a:off x="1155293" y="5443048"/>
+            <a:ext cx="1467068" cy="307777"/>
+          </a:xfrm>
+          <a:prstGeom prst="rect">
+            <a:avLst/>
+          </a:prstGeom>
+          <a:noFill/>
+        </p:spPr>
+        <p:txBody>
+          <a:bodyPr wrap="none" rtlCol="0">
+            <a:spAutoFit/>
+          </a:bodyPr>
+          <a:lstStyle/>
+          <a:p>
+            <a:r>
+              <a:rPr lang="en-US" sz="1400" b="1" dirty="0" smtClean="0"/>
+              <a:t>(A) Adding FEC</a:t>
+            </a:r>
+            <a:endParaRPr lang="en-US" sz="1400" b="1" dirty="0"/>
+          </a:p>
+        </p:txBody>
+      </p:sp>
+      <p:cxnSp>
+        <p:nvCxnSpPr>
+          <p:cNvPr id="14" name="Straight Arrow Connector 13"/>
+          <p:cNvCxnSpPr/>
+          <p:nvPr/>
+        </p:nvCxnSpPr>
+        <p:spPr>
+          <a:xfrm>
+            <a:off x="2310034" y="2949388"/>
+            <a:ext cx="841522" cy="0"/>
+          </a:xfrm>
+          <a:prstGeom prst="straightConnector1">
+            <a:avLst/>
+          </a:prstGeom>
+          <a:ln>
+            <a:headEnd type="arrow"/>
+            <a:tailEnd type="arrow"/>
+          </a:ln>
+        </p:spPr>
+        <p:style>
+          <a:lnRef idx="1">
+            <a:schemeClr val="dk1"/>
+          </a:lnRef>
+          <a:fillRef idx="0">
+            <a:schemeClr val="dk1"/>
+          </a:fillRef>
+          <a:effectRef idx="0">
+            <a:schemeClr val="dk1"/>
+          </a:effectRef>
+          <a:fontRef idx="minor">
+            <a:schemeClr val="tx1"/>
+          </a:fontRef>
+        </p:style>
+      </p:cxnSp>
+      <p:sp>
+        <p:nvSpPr>
+          <p:cNvPr id="16" name="TextBox 15"/>
+          <p:cNvSpPr txBox="1"/>
+          <p:nvPr/>
+        </p:nvSpPr>
+        <p:spPr>
+          <a:xfrm>
+            <a:off x="1963827" y="2399345"/>
+            <a:ext cx="1543069" cy="523220"/>
+          </a:xfrm>
+          <a:prstGeom prst="rect">
+            <a:avLst/>
+          </a:prstGeom>
+          <a:noFill/>
+        </p:spPr>
+        <p:txBody>
+          <a:bodyPr wrap="square" rtlCol="0">
+            <a:spAutoFit/>
+          </a:bodyPr>
+          <a:lstStyle/>
+          <a:p>
+            <a:pPr algn="just"/>
+            <a:r>
+              <a:rPr lang="en-US" sz="1400" b="1" i="1" dirty="0" smtClean="0"/>
+              <a:t>(B) Swapping FEC with media</a:t>
+            </a:r>
+            <a:endParaRPr lang="en-US" sz="1400" b="1" i="1" dirty="0"/>
           </a:p>
         </p:txBody>
       </p:sp>

--- a/graphs/source/chap5-src.pptx
+++ b/graphs/source/chap5-src.pptx
@@ -5,18 +5,17 @@
     <p:sldMasterId id="2147483660" r:id="rId1"/>
   </p:sldMasterIdLst>
   <p:notesMasterIdLst>
-    <p:notesMasterId r:id="rId11"/>
+    <p:notesMasterId r:id="rId10"/>
   </p:notesMasterIdLst>
   <p:sldIdLst>
     <p:sldId id="256" r:id="rId2"/>
-    <p:sldId id="263" r:id="rId3"/>
-    <p:sldId id="257" r:id="rId4"/>
-    <p:sldId id="258" r:id="rId5"/>
-    <p:sldId id="259" r:id="rId6"/>
-    <p:sldId id="260" r:id="rId7"/>
-    <p:sldId id="262" r:id="rId8"/>
-    <p:sldId id="261" r:id="rId9"/>
-    <p:sldId id="264" r:id="rId10"/>
+    <p:sldId id="257" r:id="rId3"/>
+    <p:sldId id="258" r:id="rId4"/>
+    <p:sldId id="259" r:id="rId5"/>
+    <p:sldId id="260" r:id="rId6"/>
+    <p:sldId id="262" r:id="rId7"/>
+    <p:sldId id="261" r:id="rId8"/>
+    <p:sldId id="264" r:id="rId9"/>
   </p:sldIdLst>
   <p:sldSz cx="9144000" cy="6858000" type="screen4x3"/>
   <p:notesSz cx="6858000" cy="9144000"/>
@@ -200,7 +199,7 @@
           <a:p>
             <a:fld id="{7BA68311-98B2-8147-8E3D-5F9C91F16701}" type="datetimeFigureOut">
               <a:rPr lang="en-US" smtClean="0"/>
-              <a:t>8/31/13</a:t>
+              <a:t>9/1/13</a:t>
             </a:fld>
             <a:endParaRPr lang="en-US"/>
           </a:p>
@@ -533,7 +532,7 @@
           <a:p>
             <a:fld id="{8AED5117-C3DB-DC46-B433-F1C323FD7F80}" type="slidenum">
               <a:rPr lang="en-US" smtClean="0"/>
-              <a:t>7</a:t>
+              <a:t>6</a:t>
             </a:fld>
             <a:endParaRPr lang="en-US"/>
           </a:p>
@@ -733,7 +732,7 @@
           <a:p>
             <a:fld id="{CE2D3545-AE21-7247-8426-4B1172E482C1}" type="datetimeFigureOut">
               <a:rPr lang="en-US" smtClean="0"/>
-              <a:t>8/31/13</a:t>
+              <a:t>9/1/13</a:t>
             </a:fld>
             <a:endParaRPr lang="en-US"/>
           </a:p>
@@ -903,7 +902,7 @@
           <a:p>
             <a:fld id="{CE2D3545-AE21-7247-8426-4B1172E482C1}" type="datetimeFigureOut">
               <a:rPr lang="en-US" smtClean="0"/>
-              <a:t>8/31/13</a:t>
+              <a:t>9/1/13</a:t>
             </a:fld>
             <a:endParaRPr lang="en-US"/>
           </a:p>
@@ -1083,7 +1082,7 @@
           <a:p>
             <a:fld id="{CE2D3545-AE21-7247-8426-4B1172E482C1}" type="datetimeFigureOut">
               <a:rPr lang="en-US" smtClean="0"/>
-              <a:t>8/31/13</a:t>
+              <a:t>9/1/13</a:t>
             </a:fld>
             <a:endParaRPr lang="en-US"/>
           </a:p>
@@ -1253,7 +1252,7 @@
           <a:p>
             <a:fld id="{CE2D3545-AE21-7247-8426-4B1172E482C1}" type="datetimeFigureOut">
               <a:rPr lang="en-US" smtClean="0"/>
-              <a:t>8/31/13</a:t>
+              <a:t>9/1/13</a:t>
             </a:fld>
             <a:endParaRPr lang="en-US"/>
           </a:p>
@@ -1499,7 +1498,7 @@
           <a:p>
             <a:fld id="{CE2D3545-AE21-7247-8426-4B1172E482C1}" type="datetimeFigureOut">
               <a:rPr lang="en-US" smtClean="0"/>
-              <a:t>8/31/13</a:t>
+              <a:t>9/1/13</a:t>
             </a:fld>
             <a:endParaRPr lang="en-US"/>
           </a:p>
@@ -1787,7 +1786,7 @@
           <a:p>
             <a:fld id="{CE2D3545-AE21-7247-8426-4B1172E482C1}" type="datetimeFigureOut">
               <a:rPr lang="en-US" smtClean="0"/>
-              <a:t>8/31/13</a:t>
+              <a:t>9/1/13</a:t>
             </a:fld>
             <a:endParaRPr lang="en-US"/>
           </a:p>
@@ -2209,7 +2208,7 @@
           <a:p>
             <a:fld id="{CE2D3545-AE21-7247-8426-4B1172E482C1}" type="datetimeFigureOut">
               <a:rPr lang="en-US" smtClean="0"/>
-              <a:t>8/31/13</a:t>
+              <a:t>9/1/13</a:t>
             </a:fld>
             <a:endParaRPr lang="en-US"/>
           </a:p>
@@ -2327,7 +2326,7 @@
           <a:p>
             <a:fld id="{CE2D3545-AE21-7247-8426-4B1172E482C1}" type="datetimeFigureOut">
               <a:rPr lang="en-US" smtClean="0"/>
-              <a:t>8/31/13</a:t>
+              <a:t>9/1/13</a:t>
             </a:fld>
             <a:endParaRPr lang="en-US"/>
           </a:p>
@@ -2422,7 +2421,7 @@
           <a:p>
             <a:fld id="{CE2D3545-AE21-7247-8426-4B1172E482C1}" type="datetimeFigureOut">
               <a:rPr lang="en-US" smtClean="0"/>
-              <a:t>8/31/13</a:t>
+              <a:t>9/1/13</a:t>
             </a:fld>
             <a:endParaRPr lang="en-US"/>
           </a:p>
@@ -2699,7 +2698,7 @@
           <a:p>
             <a:fld id="{CE2D3545-AE21-7247-8426-4B1172E482C1}" type="datetimeFigureOut">
               <a:rPr lang="en-US" smtClean="0"/>
-              <a:t>8/31/13</a:t>
+              <a:t>9/1/13</a:t>
             </a:fld>
             <a:endParaRPr lang="en-US"/>
           </a:p>
@@ -2956,7 +2955,7 @@
           <a:p>
             <a:fld id="{CE2D3545-AE21-7247-8426-4B1172E482C1}" type="datetimeFigureOut">
               <a:rPr lang="en-US" smtClean="0"/>
-              <a:t>8/31/13</a:t>
+              <a:t>9/1/13</a:t>
             </a:fld>
             <a:endParaRPr lang="en-US"/>
           </a:p>
@@ -3174,7 +3173,7 @@
           <a:p>
             <a:fld id="{CE2D3545-AE21-7247-8426-4B1172E482C1}" type="datetimeFigureOut">
               <a:rPr lang="en-US" smtClean="0"/>
-              <a:t>8/31/13</a:t>
+              <a:t>9/1/13</a:t>
             </a:fld>
             <a:endParaRPr lang="en-US"/>
           </a:p>
@@ -4428,10 +4427,553 @@
           <a:chExt cx="0" cy="0"/>
         </a:xfrm>
       </p:grpSpPr>
+      <p:sp>
+        <p:nvSpPr>
+          <p:cNvPr id="27" name="Rectangle 26"/>
+          <p:cNvSpPr/>
+          <p:nvPr/>
+        </p:nvSpPr>
+        <p:spPr>
+          <a:xfrm>
+            <a:off x="3031490" y="2253003"/>
+            <a:ext cx="518906" cy="1775092"/>
+          </a:xfrm>
+          <a:prstGeom prst="rect">
+            <a:avLst/>
+          </a:prstGeom>
+          <a:solidFill>
+            <a:schemeClr val="bg1">
+              <a:lumMod val="85000"/>
+            </a:schemeClr>
+          </a:solidFill>
+        </p:spPr>
+        <p:style>
+          <a:lnRef idx="2">
+            <a:schemeClr val="dk1"/>
+          </a:lnRef>
+          <a:fillRef idx="1">
+            <a:schemeClr val="lt1"/>
+          </a:fillRef>
+          <a:effectRef idx="0">
+            <a:schemeClr val="dk1"/>
+          </a:effectRef>
+          <a:fontRef idx="minor">
+            <a:schemeClr val="dk1"/>
+          </a:fontRef>
+        </p:style>
+        <p:txBody>
+          <a:bodyPr vert="vert270" rtlCol="0" anchor="ctr"/>
+          <a:lstStyle/>
+          <a:p>
+            <a:pPr algn="ctr"/>
+            <a:r>
+              <a:rPr lang="en-US" dirty="0" smtClean="0"/>
+              <a:t>Base-station</a:t>
+            </a:r>
+            <a:endParaRPr lang="en-US" dirty="0"/>
+          </a:p>
+        </p:txBody>
+      </p:sp>
+      <p:sp>
+        <p:nvSpPr>
+          <p:cNvPr id="19" name="Rectangle 18"/>
+          <p:cNvSpPr/>
+          <p:nvPr/>
+        </p:nvSpPr>
+        <p:spPr>
+          <a:xfrm>
+            <a:off x="163879" y="1790930"/>
+            <a:ext cx="1859325" cy="2701418"/>
+          </a:xfrm>
+          <a:prstGeom prst="rect">
+            <a:avLst/>
+          </a:prstGeom>
+        </p:spPr>
+        <p:style>
+          <a:lnRef idx="2">
+            <a:schemeClr val="dk1"/>
+          </a:lnRef>
+          <a:fillRef idx="1">
+            <a:schemeClr val="lt1"/>
+          </a:fillRef>
+          <a:effectRef idx="0">
+            <a:schemeClr val="dk1"/>
+          </a:effectRef>
+          <a:fontRef idx="minor">
+            <a:schemeClr val="dk1"/>
+          </a:fontRef>
+        </p:style>
+        <p:txBody>
+          <a:bodyPr rtlCol="0" anchor="ctr"/>
+          <a:lstStyle/>
+          <a:p>
+            <a:pPr algn="ctr"/>
+            <a:r>
+              <a:rPr lang="en-US" dirty="0" smtClean="0"/>
+              <a:t>Sender</a:t>
+            </a:r>
+            <a:endParaRPr lang="en-US" sz="1600" dirty="0"/>
+          </a:p>
+        </p:txBody>
+      </p:sp>
+      <p:sp>
+        <p:nvSpPr>
+          <p:cNvPr id="20" name="Right Arrow 19"/>
+          <p:cNvSpPr/>
+          <p:nvPr/>
+        </p:nvSpPr>
+        <p:spPr>
+          <a:xfrm>
+            <a:off x="2023204" y="2460002"/>
+            <a:ext cx="1008286" cy="314055"/>
+          </a:xfrm>
+          <a:prstGeom prst="rightArrow">
+            <a:avLst/>
+          </a:prstGeom>
+        </p:spPr>
+        <p:style>
+          <a:lnRef idx="2">
+            <a:schemeClr val="dk1">
+              <a:shade val="50000"/>
+            </a:schemeClr>
+          </a:lnRef>
+          <a:fillRef idx="1">
+            <a:schemeClr val="dk1"/>
+          </a:fillRef>
+          <a:effectRef idx="0">
+            <a:schemeClr val="dk1"/>
+          </a:effectRef>
+          <a:fontRef idx="minor">
+            <a:schemeClr val="lt1"/>
+          </a:fontRef>
+        </p:style>
+        <p:txBody>
+          <a:bodyPr rtlCol="0" anchor="ctr"/>
+          <a:lstStyle/>
+          <a:p>
+            <a:pPr algn="ctr"/>
+            <a:endParaRPr lang="en-US"/>
+          </a:p>
+        </p:txBody>
+      </p:sp>
+      <p:sp>
+        <p:nvSpPr>
+          <p:cNvPr id="25" name="Rectangle 24"/>
+          <p:cNvSpPr/>
+          <p:nvPr/>
+        </p:nvSpPr>
+        <p:spPr>
+          <a:xfrm>
+            <a:off x="7116656" y="1790930"/>
+            <a:ext cx="1859325" cy="2701418"/>
+          </a:xfrm>
+          <a:prstGeom prst="rect">
+            <a:avLst/>
+          </a:prstGeom>
+        </p:spPr>
+        <p:style>
+          <a:lnRef idx="2">
+            <a:schemeClr val="dk1"/>
+          </a:lnRef>
+          <a:fillRef idx="1">
+            <a:schemeClr val="lt1"/>
+          </a:fillRef>
+          <a:effectRef idx="0">
+            <a:schemeClr val="dk1"/>
+          </a:effectRef>
+          <a:fontRef idx="minor">
+            <a:schemeClr val="dk1"/>
+          </a:fontRef>
+        </p:style>
+        <p:txBody>
+          <a:bodyPr rtlCol="0" anchor="ctr"/>
+          <a:lstStyle/>
+          <a:p>
+            <a:pPr algn="ctr"/>
+            <a:r>
+              <a:rPr lang="en-US" dirty="0" smtClean="0"/>
+              <a:t>Receiver</a:t>
+            </a:r>
+            <a:endParaRPr lang="en-US" sz="1600" dirty="0"/>
+          </a:p>
+        </p:txBody>
+      </p:sp>
+      <p:sp>
+        <p:nvSpPr>
+          <p:cNvPr id="26" name="TextBox 25"/>
+          <p:cNvSpPr txBox="1"/>
+          <p:nvPr/>
+        </p:nvSpPr>
+        <p:spPr>
+          <a:xfrm>
+            <a:off x="3714271" y="2198383"/>
+            <a:ext cx="1749197" cy="369332"/>
+          </a:xfrm>
+          <a:prstGeom prst="rect">
+            <a:avLst/>
+          </a:prstGeom>
+          <a:noFill/>
+        </p:spPr>
+        <p:txBody>
+          <a:bodyPr wrap="none" rtlCol="0">
+            <a:spAutoFit/>
+          </a:bodyPr>
+          <a:lstStyle/>
+          <a:p>
+            <a:r>
+              <a:rPr lang="en-US" dirty="0" smtClean="0"/>
+              <a:t>Media Packets</a:t>
+            </a:r>
+            <a:endParaRPr lang="en-US" dirty="0"/>
+          </a:p>
+        </p:txBody>
+      </p:sp>
+      <p:sp>
+        <p:nvSpPr>
+          <p:cNvPr id="28" name="Rectangle 27"/>
+          <p:cNvSpPr/>
+          <p:nvPr/>
+        </p:nvSpPr>
+        <p:spPr>
+          <a:xfrm>
+            <a:off x="5614565" y="2254093"/>
+            <a:ext cx="518906" cy="1775092"/>
+          </a:xfrm>
+          <a:prstGeom prst="rect">
+            <a:avLst/>
+          </a:prstGeom>
+          <a:solidFill>
+            <a:schemeClr val="bg1">
+              <a:lumMod val="85000"/>
+            </a:schemeClr>
+          </a:solidFill>
+        </p:spPr>
+        <p:style>
+          <a:lnRef idx="2">
+            <a:schemeClr val="dk1"/>
+          </a:lnRef>
+          <a:fillRef idx="1">
+            <a:schemeClr val="lt1"/>
+          </a:fillRef>
+          <a:effectRef idx="0">
+            <a:schemeClr val="dk1"/>
+          </a:effectRef>
+          <a:fontRef idx="minor">
+            <a:schemeClr val="dk1"/>
+          </a:fontRef>
+        </p:style>
+        <p:txBody>
+          <a:bodyPr vert="vert270" rtlCol="0" anchor="ctr"/>
+          <a:lstStyle/>
+          <a:p>
+            <a:pPr algn="ctr"/>
+            <a:r>
+              <a:rPr lang="en-US" dirty="0"/>
+              <a:t>Base-</a:t>
+            </a:r>
+            <a:r>
+              <a:rPr lang="en-US" dirty="0" smtClean="0"/>
+              <a:t>station</a:t>
+            </a:r>
+            <a:endParaRPr lang="en-US" dirty="0"/>
+          </a:p>
+        </p:txBody>
+      </p:sp>
+      <p:sp>
+        <p:nvSpPr>
+          <p:cNvPr id="30" name="Right Arrow 29"/>
+          <p:cNvSpPr/>
+          <p:nvPr/>
+        </p:nvSpPr>
+        <p:spPr>
+          <a:xfrm>
+            <a:off x="3577717" y="2460002"/>
+            <a:ext cx="2021000" cy="314055"/>
+          </a:xfrm>
+          <a:prstGeom prst="rightArrow">
+            <a:avLst/>
+          </a:prstGeom>
+        </p:spPr>
+        <p:style>
+          <a:lnRef idx="2">
+            <a:schemeClr val="dk1">
+              <a:shade val="50000"/>
+            </a:schemeClr>
+          </a:lnRef>
+          <a:fillRef idx="1">
+            <a:schemeClr val="dk1"/>
+          </a:fillRef>
+          <a:effectRef idx="0">
+            <a:schemeClr val="dk1"/>
+          </a:effectRef>
+          <a:fontRef idx="minor">
+            <a:schemeClr val="lt1"/>
+          </a:fontRef>
+        </p:style>
+        <p:txBody>
+          <a:bodyPr rtlCol="0" anchor="ctr"/>
+          <a:lstStyle/>
+          <a:p>
+            <a:pPr algn="ctr"/>
+            <a:endParaRPr lang="en-US"/>
+          </a:p>
+        </p:txBody>
+      </p:sp>
+      <p:sp>
+        <p:nvSpPr>
+          <p:cNvPr id="32" name="Right Arrow 31"/>
+          <p:cNvSpPr/>
+          <p:nvPr/>
+        </p:nvSpPr>
+        <p:spPr>
+          <a:xfrm>
+            <a:off x="6133471" y="2460002"/>
+            <a:ext cx="983185" cy="314055"/>
+          </a:xfrm>
+          <a:prstGeom prst="rightArrow">
+            <a:avLst/>
+          </a:prstGeom>
+        </p:spPr>
+        <p:style>
+          <a:lnRef idx="2">
+            <a:schemeClr val="dk1">
+              <a:shade val="50000"/>
+            </a:schemeClr>
+          </a:lnRef>
+          <a:fillRef idx="1">
+            <a:schemeClr val="dk1"/>
+          </a:fillRef>
+          <a:effectRef idx="0">
+            <a:schemeClr val="dk1"/>
+          </a:effectRef>
+          <a:fontRef idx="minor">
+            <a:schemeClr val="lt1"/>
+          </a:fontRef>
+        </p:style>
+        <p:txBody>
+          <a:bodyPr rtlCol="0" anchor="ctr"/>
+          <a:lstStyle/>
+          <a:p>
+            <a:pPr algn="ctr"/>
+            <a:endParaRPr lang="en-US"/>
+          </a:p>
+        </p:txBody>
+      </p:sp>
+      <p:cxnSp>
+        <p:nvCxnSpPr>
+          <p:cNvPr id="33" name="Straight Arrow Connector 32"/>
+          <p:cNvCxnSpPr>
+            <a:stCxn id="27" idx="1"/>
+            <a:endCxn id="19" idx="3"/>
+          </p:cNvCxnSpPr>
+          <p:nvPr/>
+        </p:nvCxnSpPr>
+        <p:spPr>
+          <a:xfrm flipH="1">
+            <a:off x="2023204" y="3140549"/>
+            <a:ext cx="1008286" cy="1090"/>
+          </a:xfrm>
+          <a:prstGeom prst="straightConnector1">
+            <a:avLst/>
+          </a:prstGeom>
+          <a:ln>
+            <a:tailEnd type="arrow"/>
+          </a:ln>
+        </p:spPr>
+        <p:style>
+          <a:lnRef idx="1">
+            <a:schemeClr val="dk1"/>
+          </a:lnRef>
+          <a:fillRef idx="0">
+            <a:schemeClr val="dk1"/>
+          </a:fillRef>
+          <a:effectRef idx="0">
+            <a:schemeClr val="dk1"/>
+          </a:effectRef>
+          <a:fontRef idx="minor">
+            <a:schemeClr val="tx1"/>
+          </a:fontRef>
+        </p:style>
+      </p:cxnSp>
+      <p:cxnSp>
+        <p:nvCxnSpPr>
+          <p:cNvPr id="37" name="Straight Arrow Connector 36"/>
+          <p:cNvCxnSpPr>
+            <a:stCxn id="28" idx="3"/>
+            <a:endCxn id="25" idx="1"/>
+          </p:cNvCxnSpPr>
+          <p:nvPr/>
+        </p:nvCxnSpPr>
+        <p:spPr>
+          <a:xfrm>
+            <a:off x="6133471" y="3141639"/>
+            <a:ext cx="983185" cy="0"/>
+          </a:xfrm>
+          <a:prstGeom prst="straightConnector1">
+            <a:avLst/>
+          </a:prstGeom>
+          <a:ln>
+            <a:tailEnd type="arrow"/>
+          </a:ln>
+        </p:spPr>
+        <p:style>
+          <a:lnRef idx="1">
+            <a:schemeClr val="dk1"/>
+          </a:lnRef>
+          <a:fillRef idx="0">
+            <a:schemeClr val="dk1"/>
+          </a:fillRef>
+          <a:effectRef idx="0">
+            <a:schemeClr val="dk1"/>
+          </a:effectRef>
+          <a:fontRef idx="minor">
+            <a:schemeClr val="tx1"/>
+          </a:fontRef>
+        </p:style>
+      </p:cxnSp>
+      <p:sp>
+        <p:nvSpPr>
+          <p:cNvPr id="39" name="TextBox 38"/>
+          <p:cNvSpPr txBox="1"/>
+          <p:nvPr/>
+        </p:nvSpPr>
+        <p:spPr>
+          <a:xfrm>
+            <a:off x="2157555" y="3071620"/>
+            <a:ext cx="899528" cy="584776"/>
+          </a:xfrm>
+          <a:prstGeom prst="rect">
+            <a:avLst/>
+          </a:prstGeom>
+          <a:noFill/>
+        </p:spPr>
+        <p:txBody>
+          <a:bodyPr wrap="none" rtlCol="0">
+            <a:spAutoFit/>
+          </a:bodyPr>
+          <a:lstStyle/>
+          <a:p>
+            <a:pPr algn="ctr"/>
+            <a:r>
+              <a:rPr lang="en-US" sz="1600" dirty="0" smtClean="0"/>
+              <a:t>Uplink</a:t>
+            </a:r>
+          </a:p>
+          <a:p>
+            <a:pPr algn="ctr"/>
+            <a:r>
+              <a:rPr lang="en-US" sz="1600" dirty="0" smtClean="0"/>
+              <a:t>Update</a:t>
+            </a:r>
+            <a:endParaRPr lang="en-US" sz="1600" dirty="0"/>
+          </a:p>
+        </p:txBody>
+      </p:sp>
+      <p:sp>
+        <p:nvSpPr>
+          <p:cNvPr id="40" name="TextBox 39"/>
+          <p:cNvSpPr txBox="1"/>
+          <p:nvPr/>
+        </p:nvSpPr>
+        <p:spPr>
+          <a:xfrm>
+            <a:off x="6133471" y="3141639"/>
+            <a:ext cx="1018227" cy="584776"/>
+          </a:xfrm>
+          <a:prstGeom prst="rect">
+            <a:avLst/>
+          </a:prstGeom>
+          <a:noFill/>
+        </p:spPr>
+        <p:txBody>
+          <a:bodyPr wrap="none" rtlCol="0">
+            <a:spAutoFit/>
+          </a:bodyPr>
+          <a:lstStyle/>
+          <a:p>
+            <a:pPr algn="ctr"/>
+            <a:r>
+              <a:rPr lang="en-US" sz="1600" dirty="0" smtClean="0"/>
+              <a:t>Downlink</a:t>
+            </a:r>
+          </a:p>
+          <a:p>
+            <a:pPr algn="ctr"/>
+            <a:r>
+              <a:rPr lang="en-US" sz="1600" dirty="0" smtClean="0"/>
+              <a:t>Update</a:t>
+            </a:r>
+            <a:endParaRPr lang="en-US" sz="1600" dirty="0"/>
+          </a:p>
+        </p:txBody>
+      </p:sp>
+      <p:cxnSp>
+        <p:nvCxnSpPr>
+          <p:cNvPr id="41" name="Straight Arrow Connector 40"/>
+          <p:cNvCxnSpPr/>
+          <p:nvPr/>
+        </p:nvCxnSpPr>
+        <p:spPr>
+          <a:xfrm flipH="1">
+            <a:off x="2023204" y="3946169"/>
+            <a:ext cx="5093452" cy="0"/>
+          </a:xfrm>
+          <a:prstGeom prst="straightConnector1">
+            <a:avLst/>
+          </a:prstGeom>
+          <a:ln>
+            <a:tailEnd type="arrow"/>
+          </a:ln>
+        </p:spPr>
+        <p:style>
+          <a:lnRef idx="1">
+            <a:schemeClr val="dk1"/>
+          </a:lnRef>
+          <a:fillRef idx="0">
+            <a:schemeClr val="dk1"/>
+          </a:fillRef>
+          <a:effectRef idx="0">
+            <a:schemeClr val="dk1"/>
+          </a:effectRef>
+          <a:fontRef idx="minor">
+            <a:schemeClr val="tx1"/>
+          </a:fontRef>
+        </p:style>
+      </p:cxnSp>
+      <p:sp>
+        <p:nvSpPr>
+          <p:cNvPr id="44" name="TextBox 43"/>
+          <p:cNvSpPr txBox="1"/>
+          <p:nvPr/>
+        </p:nvSpPr>
+        <p:spPr>
+          <a:xfrm>
+            <a:off x="3973723" y="3988220"/>
+            <a:ext cx="1007352" cy="369332"/>
+          </a:xfrm>
+          <a:prstGeom prst="rect">
+            <a:avLst/>
+          </a:prstGeom>
+          <a:noFill/>
+        </p:spPr>
+        <p:txBody>
+          <a:bodyPr wrap="none" rtlCol="0">
+            <a:spAutoFit/>
+          </a:bodyPr>
+          <a:lstStyle/>
+          <a:p>
+            <a:r>
+              <a:rPr lang="en-US" dirty="0" smtClean="0"/>
+              <a:t>TMMBR</a:t>
+            </a:r>
+            <a:endParaRPr lang="en-US" dirty="0"/>
+          </a:p>
+        </p:txBody>
+      </p:sp>
     </p:spTree>
     <p:extLst>
       <p:ext uri="{BB962C8B-B14F-4D97-AF65-F5344CB8AC3E}">
-        <p14:creationId xmlns:p14="http://schemas.microsoft.com/office/powerpoint/2010/main" val="4213129422"/>
+        <p14:creationId xmlns:p14="http://schemas.microsoft.com/office/powerpoint/2010/main" val="2162045583"/>
       </p:ext>
     </p:extLst>
   </p:cSld>
@@ -4460,23 +5002,18 @@
       </p:grpSpPr>
       <p:sp>
         <p:nvSpPr>
-          <p:cNvPr id="27" name="Rectangle 26"/>
+          <p:cNvPr id="16" name="Rectangle 15"/>
           <p:cNvSpPr/>
           <p:nvPr/>
         </p:nvSpPr>
         <p:spPr>
           <a:xfrm>
-            <a:off x="3031490" y="2253003"/>
-            <a:ext cx="518906" cy="1775092"/>
+            <a:off x="6158603" y="3793790"/>
+            <a:ext cx="1474768" cy="914855"/>
           </a:xfrm>
           <a:prstGeom prst="rect">
             <a:avLst/>
           </a:prstGeom>
-          <a:solidFill>
-            <a:schemeClr val="bg1">
-              <a:lumMod val="85000"/>
-            </a:schemeClr>
-          </a:solidFill>
         </p:spPr>
         <p:style>
           <a:lnRef idx="2">
@@ -4493,13 +5030,13 @@
           </a:fontRef>
         </p:style>
         <p:txBody>
-          <a:bodyPr vert="vert270" rtlCol="0" anchor="ctr"/>
+          <a:bodyPr rtlCol="0" anchor="ctr"/>
           <a:lstStyle/>
           <a:p>
             <a:pPr algn="ctr"/>
             <a:r>
               <a:rPr lang="en-US" dirty="0" smtClean="0"/>
-              <a:t>Base-station</a:t>
+              <a:t>Receiver</a:t>
             </a:r>
             <a:endParaRPr lang="en-US" dirty="0"/>
           </a:p>
@@ -4507,14 +5044,14 @@
       </p:sp>
       <p:sp>
         <p:nvSpPr>
-          <p:cNvPr id="19" name="Rectangle 18"/>
+          <p:cNvPr id="17" name="Rectangle 16"/>
           <p:cNvSpPr/>
           <p:nvPr/>
         </p:nvSpPr>
         <p:spPr>
           <a:xfrm>
-            <a:off x="163879" y="1790930"/>
-            <a:ext cx="1859325" cy="2701418"/>
+            <a:off x="1093541" y="3793790"/>
+            <a:ext cx="1350792" cy="914855"/>
           </a:xfrm>
           <a:prstGeom prst="rect">
             <a:avLst/>
@@ -4549,14 +5086,14 @@
       </p:sp>
       <p:sp>
         <p:nvSpPr>
-          <p:cNvPr id="20" name="Right Arrow 19"/>
+          <p:cNvPr id="18" name="Right Arrow 17"/>
           <p:cNvSpPr/>
           <p:nvPr/>
         </p:nvSpPr>
         <p:spPr>
           <a:xfrm>
-            <a:off x="2023204" y="2460002"/>
-            <a:ext cx="1008286" cy="314055"/>
+            <a:off x="2444333" y="3957644"/>
+            <a:ext cx="3714270" cy="314055"/>
           </a:xfrm>
           <a:prstGeom prst="rightArrow">
             <a:avLst/>
@@ -4589,56 +5126,14 @@
       </p:sp>
       <p:sp>
         <p:nvSpPr>
-          <p:cNvPr id="25" name="Rectangle 24"/>
-          <p:cNvSpPr/>
-          <p:nvPr/>
-        </p:nvSpPr>
-        <p:spPr>
-          <a:xfrm>
-            <a:off x="7116656" y="1790930"/>
-            <a:ext cx="1859325" cy="2701418"/>
-          </a:xfrm>
-          <a:prstGeom prst="rect">
-            <a:avLst/>
-          </a:prstGeom>
-        </p:spPr>
-        <p:style>
-          <a:lnRef idx="2">
-            <a:schemeClr val="dk1"/>
-          </a:lnRef>
-          <a:fillRef idx="1">
-            <a:schemeClr val="lt1"/>
-          </a:fillRef>
-          <a:effectRef idx="0">
-            <a:schemeClr val="dk1"/>
-          </a:effectRef>
-          <a:fontRef idx="minor">
-            <a:schemeClr val="dk1"/>
-          </a:fontRef>
-        </p:style>
-        <p:txBody>
-          <a:bodyPr rtlCol="0" anchor="ctr"/>
-          <a:lstStyle/>
-          <a:p>
-            <a:pPr algn="ctr"/>
-            <a:r>
-              <a:rPr lang="en-US" dirty="0" smtClean="0"/>
-              <a:t>Receiver</a:t>
-            </a:r>
-            <a:endParaRPr lang="en-US" sz="1600" dirty="0"/>
-          </a:p>
-        </p:txBody>
-      </p:sp>
-      <p:sp>
-        <p:nvSpPr>
-          <p:cNvPr id="26" name="TextBox 25"/>
+          <p:cNvPr id="19" name="TextBox 18"/>
           <p:cNvSpPr txBox="1"/>
           <p:nvPr/>
         </p:nvSpPr>
         <p:spPr>
           <a:xfrm>
-            <a:off x="3714271" y="2198383"/>
-            <a:ext cx="1749197" cy="369332"/>
+            <a:off x="3425331" y="3625588"/>
+            <a:ext cx="1569660" cy="338554"/>
           </a:xfrm>
           <a:prstGeom prst="rect">
             <a:avLst/>
@@ -4652,157 +5147,23 @@
           <a:lstStyle/>
           <a:p>
             <a:r>
-              <a:rPr lang="en-US" dirty="0" smtClean="0"/>
-              <a:t>Media Packets</a:t>
-            </a:r>
-            <a:endParaRPr lang="en-US" dirty="0"/>
-          </a:p>
-        </p:txBody>
-      </p:sp>
-      <p:sp>
-        <p:nvSpPr>
-          <p:cNvPr id="28" name="Rectangle 27"/>
-          <p:cNvSpPr/>
-          <p:nvPr/>
-        </p:nvSpPr>
-        <p:spPr>
-          <a:xfrm>
-            <a:off x="5614565" y="2254093"/>
-            <a:ext cx="518906" cy="1775092"/>
-          </a:xfrm>
-          <a:prstGeom prst="rect">
-            <a:avLst/>
-          </a:prstGeom>
-          <a:solidFill>
-            <a:schemeClr val="bg1">
-              <a:lumMod val="85000"/>
-            </a:schemeClr>
-          </a:solidFill>
-        </p:spPr>
-        <p:style>
-          <a:lnRef idx="2">
-            <a:schemeClr val="dk1"/>
-          </a:lnRef>
-          <a:fillRef idx="1">
-            <a:schemeClr val="lt1"/>
-          </a:fillRef>
-          <a:effectRef idx="0">
-            <a:schemeClr val="dk1"/>
-          </a:effectRef>
-          <a:fontRef idx="minor">
-            <a:schemeClr val="dk1"/>
-          </a:fontRef>
-        </p:style>
-        <p:txBody>
-          <a:bodyPr vert="vert270" rtlCol="0" anchor="ctr"/>
-          <a:lstStyle/>
-          <a:p>
-            <a:pPr algn="ctr"/>
-            <a:r>
-              <a:rPr lang="en-US" dirty="0"/>
-              <a:t>Base-</a:t>
-            </a:r>
-            <a:r>
-              <a:rPr lang="en-US" dirty="0" smtClean="0"/>
-              <a:t>station</a:t>
-            </a:r>
-            <a:endParaRPr lang="en-US" dirty="0"/>
-          </a:p>
-        </p:txBody>
-      </p:sp>
-      <p:sp>
-        <p:nvSpPr>
-          <p:cNvPr id="30" name="Right Arrow 29"/>
-          <p:cNvSpPr/>
-          <p:nvPr/>
-        </p:nvSpPr>
-        <p:spPr>
-          <a:xfrm>
-            <a:off x="3577717" y="2460002"/>
-            <a:ext cx="2021000" cy="314055"/>
-          </a:xfrm>
-          <a:prstGeom prst="rightArrow">
-            <a:avLst/>
-          </a:prstGeom>
-        </p:spPr>
-        <p:style>
-          <a:lnRef idx="2">
-            <a:schemeClr val="dk1">
-              <a:shade val="50000"/>
-            </a:schemeClr>
-          </a:lnRef>
-          <a:fillRef idx="1">
-            <a:schemeClr val="dk1"/>
-          </a:fillRef>
-          <a:effectRef idx="0">
-            <a:schemeClr val="dk1"/>
-          </a:effectRef>
-          <a:fontRef idx="minor">
-            <a:schemeClr val="lt1"/>
-          </a:fontRef>
-        </p:style>
-        <p:txBody>
-          <a:bodyPr rtlCol="0" anchor="ctr"/>
-          <a:lstStyle/>
-          <a:p>
-            <a:pPr algn="ctr"/>
-            <a:endParaRPr lang="en-US"/>
-          </a:p>
-        </p:txBody>
-      </p:sp>
-      <p:sp>
-        <p:nvSpPr>
-          <p:cNvPr id="32" name="Right Arrow 31"/>
-          <p:cNvSpPr/>
-          <p:nvPr/>
-        </p:nvSpPr>
-        <p:spPr>
-          <a:xfrm>
-            <a:off x="6133471" y="2460002"/>
-            <a:ext cx="983185" cy="314055"/>
-          </a:xfrm>
-          <a:prstGeom prst="rightArrow">
-            <a:avLst/>
-          </a:prstGeom>
-        </p:spPr>
-        <p:style>
-          <a:lnRef idx="2">
-            <a:schemeClr val="dk1">
-              <a:shade val="50000"/>
-            </a:schemeClr>
-          </a:lnRef>
-          <a:fillRef idx="1">
-            <a:schemeClr val="dk1"/>
-          </a:fillRef>
-          <a:effectRef idx="0">
-            <a:schemeClr val="dk1"/>
-          </a:effectRef>
-          <a:fontRef idx="minor">
-            <a:schemeClr val="lt1"/>
-          </a:fontRef>
-        </p:style>
-        <p:txBody>
-          <a:bodyPr rtlCol="0" anchor="ctr"/>
-          <a:lstStyle/>
-          <a:p>
-            <a:pPr algn="ctr"/>
-            <a:endParaRPr lang="en-US"/>
+              <a:rPr lang="en-US" sz="1600" dirty="0" smtClean="0"/>
+              <a:t>Media packets</a:t>
+            </a:r>
+            <a:endParaRPr lang="en-US" sz="1600" dirty="0"/>
           </a:p>
         </p:txBody>
       </p:sp>
       <p:cxnSp>
         <p:nvCxnSpPr>
-          <p:cNvPr id="33" name="Straight Arrow Connector 32"/>
-          <p:cNvCxnSpPr>
-            <a:stCxn id="27" idx="1"/>
-            <a:endCxn id="19" idx="3"/>
-          </p:cNvCxnSpPr>
+          <p:cNvPr id="20" name="Straight Arrow Connector 19"/>
+          <p:cNvCxnSpPr/>
           <p:nvPr/>
         </p:nvCxnSpPr>
         <p:spPr>
           <a:xfrm flipH="1">
-            <a:off x="2023204" y="3140549"/>
-            <a:ext cx="1008286" cy="1090"/>
+            <a:off x="2444333" y="4490170"/>
+            <a:ext cx="3714270" cy="1"/>
           </a:xfrm>
           <a:prstGeom prst="straightConnector1">
             <a:avLst/>
@@ -4826,19 +5187,88 @@
           </a:fontRef>
         </p:style>
       </p:cxnSp>
+      <p:sp>
+        <p:nvSpPr>
+          <p:cNvPr id="21" name="TextBox 20"/>
+          <p:cNvSpPr txBox="1"/>
+          <p:nvPr/>
+        </p:nvSpPr>
+        <p:spPr>
+          <a:xfrm>
+            <a:off x="3299108" y="4503827"/>
+            <a:ext cx="2082621" cy="338554"/>
+          </a:xfrm>
+          <a:prstGeom prst="rect">
+            <a:avLst/>
+          </a:prstGeom>
+          <a:noFill/>
+        </p:spPr>
+        <p:txBody>
+          <a:bodyPr wrap="none" rtlCol="0">
+            <a:spAutoFit/>
+          </a:bodyPr>
+          <a:lstStyle/>
+          <a:p>
+            <a:r>
+              <a:rPr lang="en-US" sz="1600" dirty="0" smtClean="0"/>
+              <a:t>Estimated Capacity</a:t>
+            </a:r>
+            <a:endParaRPr lang="en-US" sz="1600" dirty="0"/>
+          </a:p>
+        </p:txBody>
+      </p:sp>
+      <p:sp>
+        <p:nvSpPr>
+          <p:cNvPr id="22" name="Rectangle 21"/>
+          <p:cNvSpPr/>
+          <p:nvPr/>
+        </p:nvSpPr>
+        <p:spPr>
+          <a:xfrm>
+            <a:off x="1093541" y="914848"/>
+            <a:ext cx="6539830" cy="831370"/>
+          </a:xfrm>
+          <a:prstGeom prst="rect">
+            <a:avLst/>
+          </a:prstGeom>
+        </p:spPr>
+        <p:style>
+          <a:lnRef idx="2">
+            <a:schemeClr val="dk1"/>
+          </a:lnRef>
+          <a:fillRef idx="1">
+            <a:schemeClr val="lt1"/>
+          </a:fillRef>
+          <a:effectRef idx="0">
+            <a:schemeClr val="dk1"/>
+          </a:effectRef>
+          <a:fontRef idx="minor">
+            <a:schemeClr val="dk1"/>
+          </a:fontRef>
+        </p:style>
+        <p:txBody>
+          <a:bodyPr rtlCol="0" anchor="ctr"/>
+          <a:lstStyle/>
+          <a:p>
+            <a:pPr algn="ctr"/>
+            <a:r>
+              <a:rPr lang="en-US" dirty="0" smtClean="0"/>
+              <a:t>Network Coverage Map Service (NCMS)</a:t>
+            </a:r>
+            <a:endParaRPr lang="en-US" sz="1600" dirty="0"/>
+          </a:p>
+        </p:txBody>
+      </p:sp>
       <p:cxnSp>
         <p:nvCxnSpPr>
-          <p:cNvPr id="37" name="Straight Arrow Connector 36"/>
-          <p:cNvCxnSpPr>
-            <a:stCxn id="28" idx="3"/>
-            <a:endCxn id="25" idx="1"/>
-          </p:cNvCxnSpPr>
+          <p:cNvPr id="24" name="Straight Arrow Connector 23"/>
+          <p:cNvCxnSpPr/>
           <p:nvPr/>
         </p:nvCxnSpPr>
         <p:spPr>
-          <a:xfrm>
-            <a:off x="6133471" y="3141639"/>
-            <a:ext cx="983185" cy="0"/>
+          <a:xfrm flipV="1">
+            <a:off x="6526210" y="1746218"/>
+            <a:ext cx="0" cy="2047573"/>
           </a:xfrm>
           <a:prstGeom prst="straightConnector1">
             <a:avLst/>
@@ -4864,14 +5294,178 @@
       </p:cxnSp>
       <p:sp>
         <p:nvSpPr>
+          <p:cNvPr id="31" name="TextBox 30"/>
+          <p:cNvSpPr txBox="1"/>
+          <p:nvPr/>
+        </p:nvSpPr>
+        <p:spPr>
+          <a:xfrm>
+            <a:off x="6095323" y="2044478"/>
+            <a:ext cx="400110" cy="1576738"/>
+          </a:xfrm>
+          <a:prstGeom prst="rect">
+            <a:avLst/>
+          </a:prstGeom>
+          <a:noFill/>
+        </p:spPr>
+        <p:txBody>
+          <a:bodyPr vert="vert270" wrap="none" rtlCol="0">
+            <a:spAutoFit/>
+          </a:bodyPr>
+          <a:lstStyle/>
+          <a:p>
+            <a:r>
+              <a:rPr lang="en-US" sz="1400" dirty="0" smtClean="0"/>
+              <a:t>Coverage Update</a:t>
+            </a:r>
+            <a:endParaRPr lang="en-US" sz="1400" dirty="0"/>
+          </a:p>
+        </p:txBody>
+      </p:sp>
+      <p:sp>
+        <p:nvSpPr>
+          <p:cNvPr id="32" name="TextBox 31"/>
+          <p:cNvSpPr txBox="1"/>
+          <p:nvPr/>
+        </p:nvSpPr>
+        <p:spPr>
+          <a:xfrm>
+            <a:off x="1512758" y="1853308"/>
+            <a:ext cx="400110" cy="1772280"/>
+          </a:xfrm>
+          <a:prstGeom prst="rect">
+            <a:avLst/>
+          </a:prstGeom>
+          <a:noFill/>
+        </p:spPr>
+        <p:txBody>
+          <a:bodyPr vert="vert270" wrap="none" rtlCol="0">
+            <a:spAutoFit/>
+          </a:bodyPr>
+          <a:lstStyle/>
+          <a:p>
+            <a:r>
+              <a:rPr lang="en-US" sz="1400" dirty="0" err="1" smtClean="0"/>
+              <a:t>Lookahead</a:t>
+            </a:r>
+            <a:r>
+              <a:rPr lang="en-US" sz="1400" dirty="0" smtClean="0"/>
+              <a:t> Request</a:t>
+            </a:r>
+            <a:endParaRPr lang="en-US" sz="1400" dirty="0"/>
+          </a:p>
+        </p:txBody>
+      </p:sp>
+      <p:cxnSp>
+        <p:nvCxnSpPr>
+          <p:cNvPr id="34" name="Straight Arrow Connector 33"/>
+          <p:cNvCxnSpPr/>
+          <p:nvPr/>
+        </p:nvCxnSpPr>
+        <p:spPr>
+          <a:xfrm flipV="1">
+            <a:off x="6963818" y="1746218"/>
+            <a:ext cx="0" cy="2047573"/>
+          </a:xfrm>
+          <a:prstGeom prst="straightConnector1">
+            <a:avLst/>
+          </a:prstGeom>
+          <a:ln>
+            <a:tailEnd type="arrow"/>
+          </a:ln>
+        </p:spPr>
+        <p:style>
+          <a:lnRef idx="1">
+            <a:schemeClr val="dk1"/>
+          </a:lnRef>
+          <a:fillRef idx="0">
+            <a:schemeClr val="dk1"/>
+          </a:fillRef>
+          <a:effectRef idx="0">
+            <a:schemeClr val="dk1"/>
+          </a:effectRef>
+          <a:fontRef idx="minor">
+            <a:schemeClr val="tx1"/>
+          </a:fontRef>
+        </p:style>
+      </p:cxnSp>
+      <p:sp>
+        <p:nvSpPr>
+          <p:cNvPr id="35" name="TextBox 34"/>
+          <p:cNvSpPr txBox="1"/>
+          <p:nvPr/>
+        </p:nvSpPr>
+        <p:spPr>
+          <a:xfrm>
+            <a:off x="6563708" y="1853308"/>
+            <a:ext cx="400110" cy="1772280"/>
+          </a:xfrm>
+          <a:prstGeom prst="rect">
+            <a:avLst/>
+          </a:prstGeom>
+          <a:noFill/>
+        </p:spPr>
+        <p:txBody>
+          <a:bodyPr vert="vert270" wrap="none" rtlCol="0">
+            <a:spAutoFit/>
+          </a:bodyPr>
+          <a:lstStyle/>
+          <a:p>
+            <a:r>
+              <a:rPr lang="en-US" sz="1400" dirty="0" err="1" smtClean="0"/>
+              <a:t>Lookahead</a:t>
+            </a:r>
+            <a:r>
+              <a:rPr lang="en-US" sz="1400" dirty="0" smtClean="0"/>
+              <a:t> Request</a:t>
+            </a:r>
+            <a:endParaRPr lang="en-US" sz="1400" dirty="0"/>
+          </a:p>
+        </p:txBody>
+      </p:sp>
+      <p:cxnSp>
+        <p:nvCxnSpPr>
+          <p:cNvPr id="38" name="Straight Arrow Connector 37"/>
+          <p:cNvCxnSpPr/>
+          <p:nvPr/>
+        </p:nvCxnSpPr>
+        <p:spPr>
+          <a:xfrm>
+            <a:off x="7360262" y="1746218"/>
+            <a:ext cx="0" cy="2047573"/>
+          </a:xfrm>
+          <a:prstGeom prst="straightConnector1">
+            <a:avLst/>
+          </a:prstGeom>
+          <a:ln>
+            <a:tailEnd type="arrow"/>
+          </a:ln>
+        </p:spPr>
+        <p:style>
+          <a:lnRef idx="1">
+            <a:schemeClr val="dk1"/>
+          </a:lnRef>
+          <a:fillRef idx="0">
+            <a:schemeClr val="dk1"/>
+          </a:fillRef>
+          <a:effectRef idx="0">
+            <a:schemeClr val="dk1"/>
+          </a:effectRef>
+          <a:fontRef idx="minor">
+            <a:schemeClr val="tx1"/>
+          </a:fontRef>
+        </p:style>
+      </p:cxnSp>
+      <p:sp>
+        <p:nvSpPr>
           <p:cNvPr id="39" name="TextBox 38"/>
           <p:cNvSpPr txBox="1"/>
           <p:nvPr/>
         </p:nvSpPr>
         <p:spPr>
           <a:xfrm>
-            <a:off x="2157555" y="3071620"/>
-            <a:ext cx="899528" cy="584776"/>
+            <a:off x="6963818" y="1858924"/>
+            <a:ext cx="400110" cy="1682512"/>
           </a:xfrm>
           <a:prstGeom prst="rect">
             <a:avLst/>
@@ -4879,65 +5473,52 @@
           <a:noFill/>
         </p:spPr>
         <p:txBody>
-          <a:bodyPr wrap="none" rtlCol="0">
+          <a:bodyPr vert="vert270" wrap="none" rtlCol="0">
             <a:spAutoFit/>
           </a:bodyPr>
           <a:lstStyle/>
           <a:p>
-            <a:pPr algn="ctr"/>
-            <a:r>
-              <a:rPr lang="en-US" sz="1600" dirty="0" smtClean="0"/>
-              <a:t>Uplink</a:t>
-            </a:r>
-          </a:p>
-          <a:p>
-            <a:pPr algn="ctr"/>
-            <a:r>
-              <a:rPr lang="en-US" sz="1600" dirty="0" smtClean="0"/>
-              <a:t>Update</a:t>
-            </a:r>
-            <a:endParaRPr lang="en-US" sz="1600" dirty="0"/>
-          </a:p>
-        </p:txBody>
-      </p:sp>
-      <p:sp>
-        <p:nvSpPr>
-          <p:cNvPr id="40" name="TextBox 39"/>
-          <p:cNvSpPr txBox="1"/>
-          <p:nvPr/>
-        </p:nvSpPr>
-        <p:spPr>
-          <a:xfrm>
-            <a:off x="6133471" y="3141639"/>
-            <a:ext cx="1018227" cy="584776"/>
-          </a:xfrm>
-          <a:prstGeom prst="rect">
-            <a:avLst/>
-          </a:prstGeom>
-          <a:noFill/>
-        </p:spPr>
-        <p:txBody>
-          <a:bodyPr wrap="none" rtlCol="0">
-            <a:spAutoFit/>
-          </a:bodyPr>
-          <a:lstStyle/>
-          <a:p>
-            <a:pPr algn="ctr"/>
-            <a:r>
-              <a:rPr lang="en-US" sz="1600" dirty="0" smtClean="0"/>
-              <a:t>Downlink</a:t>
-            </a:r>
-          </a:p>
-          <a:p>
-            <a:pPr algn="ctr"/>
-            <a:r>
-              <a:rPr lang="en-US" sz="1600" dirty="0" smtClean="0"/>
-              <a:t>Update</a:t>
-            </a:r>
-            <a:endParaRPr lang="en-US" sz="1600" dirty="0"/>
-          </a:p>
-        </p:txBody>
-      </p:sp>
+            <a:r>
+              <a:rPr lang="en-US" sz="1400" dirty="0" smtClean="0"/>
+              <a:t>Coverage Map Info</a:t>
+            </a:r>
+            <a:endParaRPr lang="en-US" sz="1400" dirty="0"/>
+          </a:p>
+        </p:txBody>
+      </p:sp>
+      <p:cxnSp>
+        <p:nvCxnSpPr>
+          <p:cNvPr id="40" name="Straight Arrow Connector 39"/>
+          <p:cNvCxnSpPr/>
+          <p:nvPr/>
+        </p:nvCxnSpPr>
+        <p:spPr>
+          <a:xfrm flipV="1">
+            <a:off x="1923080" y="1729097"/>
+            <a:ext cx="0" cy="2047573"/>
+          </a:xfrm>
+          <a:prstGeom prst="straightConnector1">
+            <a:avLst/>
+          </a:prstGeom>
+          <a:ln>
+            <a:tailEnd type="arrow"/>
+          </a:ln>
+        </p:spPr>
+        <p:style>
+          <a:lnRef idx="1">
+            <a:schemeClr val="dk1"/>
+          </a:lnRef>
+          <a:fillRef idx="0">
+            <a:schemeClr val="dk1"/>
+          </a:fillRef>
+          <a:effectRef idx="0">
+            <a:schemeClr val="dk1"/>
+          </a:effectRef>
+          <a:fontRef idx="minor">
+            <a:schemeClr val="tx1"/>
+          </a:fontRef>
+        </p:style>
+      </p:cxnSp>
       <p:cxnSp>
         <p:nvCxnSpPr>
           <p:cNvPr id="41" name="Straight Arrow Connector 40"/>
@@ -4945,9 +5526,9 @@
           <p:nvPr/>
         </p:nvCxnSpPr>
         <p:spPr>
-          <a:xfrm flipH="1">
-            <a:off x="2023204" y="3946169"/>
-            <a:ext cx="5093452" cy="0"/>
+          <a:xfrm>
+            <a:off x="2319524" y="1729097"/>
+            <a:ext cx="0" cy="2047573"/>
           </a:xfrm>
           <a:prstGeom prst="straightConnector1">
             <a:avLst/>
@@ -4973,14 +5554,14 @@
       </p:cxnSp>
       <p:sp>
         <p:nvSpPr>
-          <p:cNvPr id="44" name="TextBox 43"/>
+          <p:cNvPr id="42" name="TextBox 41"/>
           <p:cNvSpPr txBox="1"/>
           <p:nvPr/>
         </p:nvSpPr>
         <p:spPr>
           <a:xfrm>
-            <a:off x="3973723" y="3988220"/>
-            <a:ext cx="1007352" cy="369332"/>
+            <a:off x="1923080" y="1841803"/>
+            <a:ext cx="400110" cy="1682512"/>
           </a:xfrm>
           <a:prstGeom prst="rect">
             <a:avLst/>
@@ -4988,23 +5569,23 @@
           <a:noFill/>
         </p:spPr>
         <p:txBody>
-          <a:bodyPr wrap="none" rtlCol="0">
+          <a:bodyPr vert="vert270" wrap="none" rtlCol="0">
             <a:spAutoFit/>
           </a:bodyPr>
           <a:lstStyle/>
           <a:p>
             <a:r>
-              <a:rPr lang="en-US" dirty="0" smtClean="0"/>
-              <a:t>TMMBR</a:t>
-            </a:r>
-            <a:endParaRPr lang="en-US" dirty="0"/>
+              <a:rPr lang="en-US" sz="1400" dirty="0" smtClean="0"/>
+              <a:t>Coverage Map Info</a:t>
+            </a:r>
+            <a:endParaRPr lang="en-US" sz="1400" dirty="0"/>
           </a:p>
         </p:txBody>
       </p:sp>
     </p:spTree>
     <p:extLst>
       <p:ext uri="{BB962C8B-B14F-4D97-AF65-F5344CB8AC3E}">
-        <p14:creationId xmlns:p14="http://schemas.microsoft.com/office/powerpoint/2010/main" val="2162045583"/>
+        <p14:creationId xmlns:p14="http://schemas.microsoft.com/office/powerpoint/2010/main" val="4208439333"/>
       </p:ext>
     </p:extLst>
   </p:cSld>
@@ -5033,14 +5614,504 @@
       </p:grpSpPr>
       <p:sp>
         <p:nvSpPr>
+          <p:cNvPr id="2" name="Rectangle 1"/>
+          <p:cNvSpPr/>
+          <p:nvPr/>
+        </p:nvSpPr>
+        <p:spPr>
+          <a:xfrm>
+            <a:off x="1218327" y="5052177"/>
+            <a:ext cx="3274301" cy="831370"/>
+          </a:xfrm>
+          <a:prstGeom prst="rect">
+            <a:avLst/>
+          </a:prstGeom>
+        </p:spPr>
+        <p:style>
+          <a:lnRef idx="2">
+            <a:schemeClr val="dk1"/>
+          </a:lnRef>
+          <a:fillRef idx="1">
+            <a:schemeClr val="lt1"/>
+          </a:fillRef>
+          <a:effectRef idx="0">
+            <a:schemeClr val="dk1"/>
+          </a:effectRef>
+          <a:fontRef idx="minor">
+            <a:schemeClr val="dk1"/>
+          </a:fontRef>
+        </p:style>
+        <p:txBody>
+          <a:bodyPr rtlCol="0" anchor="ctr"/>
+          <a:lstStyle/>
+          <a:p>
+            <a:pPr algn="ctr"/>
+            <a:r>
+              <a:rPr lang="en-US" dirty="0" smtClean="0"/>
+              <a:t>Internet Protocol </a:t>
+            </a:r>
+            <a:r>
+              <a:rPr lang="en-US" dirty="0" smtClean="0">
+                <a:latin typeface="+mj-lt"/>
+              </a:rPr>
+              <a:t>(IP)</a:t>
+            </a:r>
+            <a:endParaRPr lang="en-US" sz="1600" dirty="0">
+              <a:latin typeface="+mj-lt"/>
+            </a:endParaRPr>
+          </a:p>
+        </p:txBody>
+      </p:sp>
+      <p:sp>
+        <p:nvSpPr>
+          <p:cNvPr id="3" name="Rectangle 2"/>
+          <p:cNvSpPr/>
+          <p:nvPr/>
+        </p:nvSpPr>
+        <p:spPr>
+          <a:xfrm>
+            <a:off x="1218327" y="4220807"/>
+            <a:ext cx="3274301" cy="831370"/>
+          </a:xfrm>
+          <a:prstGeom prst="rect">
+            <a:avLst/>
+          </a:prstGeom>
+        </p:spPr>
+        <p:style>
+          <a:lnRef idx="2">
+            <a:schemeClr val="dk1"/>
+          </a:lnRef>
+          <a:fillRef idx="1">
+            <a:schemeClr val="lt1"/>
+          </a:fillRef>
+          <a:effectRef idx="0">
+            <a:schemeClr val="dk1"/>
+          </a:effectRef>
+          <a:fontRef idx="minor">
+            <a:schemeClr val="dk1"/>
+          </a:fontRef>
+        </p:style>
+        <p:txBody>
+          <a:bodyPr rtlCol="0" anchor="ctr"/>
+          <a:lstStyle/>
+          <a:p>
+            <a:pPr algn="ctr"/>
+            <a:r>
+              <a:rPr lang="en-US" dirty="0" smtClean="0"/>
+              <a:t>User Datagram Protocol </a:t>
+            </a:r>
+            <a:r>
+              <a:rPr lang="en-US" dirty="0" smtClean="0">
+                <a:latin typeface="+mj-lt"/>
+              </a:rPr>
+              <a:t>(UDP)</a:t>
+            </a:r>
+            <a:endParaRPr lang="en-US" sz="1600" dirty="0">
+              <a:latin typeface="+mj-lt"/>
+            </a:endParaRPr>
+          </a:p>
+        </p:txBody>
+      </p:sp>
+      <p:sp>
+        <p:nvSpPr>
+          <p:cNvPr id="6" name="Rectangle 5"/>
+          <p:cNvSpPr/>
+          <p:nvPr/>
+        </p:nvSpPr>
+        <p:spPr>
+          <a:xfrm>
+            <a:off x="1218328" y="3389437"/>
+            <a:ext cx="1936070" cy="831370"/>
+          </a:xfrm>
+          <a:prstGeom prst="rect">
+            <a:avLst/>
+          </a:prstGeom>
+        </p:spPr>
+        <p:style>
+          <a:lnRef idx="2">
+            <a:schemeClr val="dk1"/>
+          </a:lnRef>
+          <a:fillRef idx="1">
+            <a:schemeClr val="lt1"/>
+          </a:fillRef>
+          <a:effectRef idx="0">
+            <a:schemeClr val="dk1"/>
+          </a:effectRef>
+          <a:fontRef idx="minor">
+            <a:schemeClr val="dk1"/>
+          </a:fontRef>
+        </p:style>
+        <p:txBody>
+          <a:bodyPr rtlCol="0" anchor="ctr"/>
+          <a:lstStyle/>
+          <a:p>
+            <a:pPr algn="ctr"/>
+            <a:r>
+              <a:rPr lang="en-US" sz="1600" dirty="0" smtClean="0"/>
+              <a:t>Session Traversal Utilities for NAT </a:t>
+            </a:r>
+            <a:r>
+              <a:rPr lang="en-US" sz="1600" dirty="0" smtClean="0">
+                <a:latin typeface="+mj-lt"/>
+              </a:rPr>
+              <a:t>(STUN)</a:t>
+            </a:r>
+            <a:endParaRPr lang="en-US" sz="1600" dirty="0">
+              <a:latin typeface="+mj-lt"/>
+            </a:endParaRPr>
+          </a:p>
+        </p:txBody>
+      </p:sp>
+      <p:sp>
+        <p:nvSpPr>
+          <p:cNvPr id="9" name="Rectangle 8"/>
+          <p:cNvSpPr/>
+          <p:nvPr/>
+        </p:nvSpPr>
+        <p:spPr>
+          <a:xfrm>
+            <a:off x="3154399" y="3389437"/>
+            <a:ext cx="4603758" cy="831370"/>
+          </a:xfrm>
+          <a:prstGeom prst="rect">
+            <a:avLst/>
+          </a:prstGeom>
+          <a:solidFill>
+            <a:srgbClr val="D7DCE3"/>
+          </a:solidFill>
+        </p:spPr>
+        <p:style>
+          <a:lnRef idx="2">
+            <a:schemeClr val="dk1"/>
+          </a:lnRef>
+          <a:fillRef idx="1">
+            <a:schemeClr val="lt1"/>
+          </a:fillRef>
+          <a:effectRef idx="0">
+            <a:schemeClr val="dk1"/>
+          </a:effectRef>
+          <a:fontRef idx="minor">
+            <a:schemeClr val="dk1"/>
+          </a:fontRef>
+        </p:style>
+        <p:txBody>
+          <a:bodyPr rtlCol="0" anchor="ctr"/>
+          <a:lstStyle/>
+          <a:p>
+            <a:pPr algn="ctr"/>
+            <a:r>
+              <a:rPr lang="en-US" sz="1600" dirty="0" smtClean="0"/>
+              <a:t>Real-time Transport Protocol </a:t>
+            </a:r>
+            <a:r>
+              <a:rPr lang="en-US" sz="1600" dirty="0" smtClean="0">
+                <a:latin typeface="+mj-lt"/>
+              </a:rPr>
+              <a:t>(RTP)</a:t>
+            </a:r>
+            <a:endParaRPr lang="en-US" sz="1400" dirty="0">
+              <a:latin typeface="+mj-lt"/>
+            </a:endParaRPr>
+          </a:p>
+        </p:txBody>
+      </p:sp>
+      <p:sp>
+        <p:nvSpPr>
+          <p:cNvPr id="11" name="Rectangle 10"/>
+          <p:cNvSpPr/>
+          <p:nvPr/>
+        </p:nvSpPr>
+        <p:spPr>
+          <a:xfrm>
+            <a:off x="3156276" y="2922073"/>
+            <a:ext cx="1336351" cy="467363"/>
+          </a:xfrm>
+          <a:prstGeom prst="rect">
+            <a:avLst/>
+          </a:prstGeom>
+          <a:solidFill>
+            <a:schemeClr val="bg2"/>
+          </a:solidFill>
+        </p:spPr>
+        <p:style>
+          <a:lnRef idx="2">
+            <a:schemeClr val="dk1"/>
+          </a:lnRef>
+          <a:fillRef idx="1">
+            <a:schemeClr val="lt1"/>
+          </a:fillRef>
+          <a:effectRef idx="0">
+            <a:schemeClr val="dk1"/>
+          </a:effectRef>
+          <a:fontRef idx="minor">
+            <a:schemeClr val="dk1"/>
+          </a:fontRef>
+        </p:style>
+        <p:txBody>
+          <a:bodyPr rtlCol="0" anchor="ctr"/>
+          <a:lstStyle/>
+          <a:p>
+            <a:pPr algn="ctr"/>
+            <a:r>
+              <a:rPr lang="en-US" sz="1400" dirty="0" err="1" smtClean="0"/>
+              <a:t>Subflow</a:t>
+            </a:r>
+            <a:r>
+              <a:rPr lang="en-US" sz="1400" dirty="0" smtClean="0"/>
+              <a:t> #1</a:t>
+            </a:r>
+            <a:endParaRPr lang="en-US" sz="1200" dirty="0"/>
+          </a:p>
+        </p:txBody>
+      </p:sp>
+      <p:sp>
+        <p:nvSpPr>
+          <p:cNvPr id="12" name="Rectangle 11"/>
+          <p:cNvSpPr/>
+          <p:nvPr/>
+        </p:nvSpPr>
+        <p:spPr>
+          <a:xfrm>
+            <a:off x="4492628" y="2922067"/>
+            <a:ext cx="1347183" cy="467363"/>
+          </a:xfrm>
+          <a:prstGeom prst="rect">
+            <a:avLst/>
+          </a:prstGeom>
+          <a:solidFill>
+            <a:schemeClr val="bg2"/>
+          </a:solidFill>
+        </p:spPr>
+        <p:style>
+          <a:lnRef idx="2">
+            <a:schemeClr val="dk1"/>
+          </a:lnRef>
+          <a:fillRef idx="1">
+            <a:schemeClr val="lt1"/>
+          </a:fillRef>
+          <a:effectRef idx="0">
+            <a:schemeClr val="dk1"/>
+          </a:effectRef>
+          <a:fontRef idx="minor">
+            <a:schemeClr val="dk1"/>
+          </a:fontRef>
+        </p:style>
+        <p:txBody>
+          <a:bodyPr rtlCol="0" anchor="ctr"/>
+          <a:lstStyle/>
+          <a:p>
+            <a:pPr algn="ctr"/>
+            <a:r>
+              <a:rPr lang="en-US" sz="1400" dirty="0" err="1" smtClean="0"/>
+              <a:t>Subflow</a:t>
+            </a:r>
+            <a:endParaRPr lang="en-US" sz="1400" dirty="0" smtClean="0"/>
+          </a:p>
+          <a:p>
+            <a:pPr algn="ctr"/>
+            <a:r>
+              <a:rPr lang="en-US" sz="1400" dirty="0" smtClean="0"/>
+              <a:t>#2</a:t>
+            </a:r>
+            <a:endParaRPr lang="en-US" sz="1200" dirty="0"/>
+          </a:p>
+        </p:txBody>
+      </p:sp>
+      <p:sp>
+        <p:nvSpPr>
+          <p:cNvPr id="14" name="Rectangle 13"/>
+          <p:cNvSpPr/>
+          <p:nvPr/>
+        </p:nvSpPr>
+        <p:spPr>
+          <a:xfrm>
+            <a:off x="3156277" y="2444161"/>
+            <a:ext cx="2697189" cy="491561"/>
+          </a:xfrm>
+          <a:prstGeom prst="rect">
+            <a:avLst/>
+          </a:prstGeom>
+          <a:solidFill>
+            <a:schemeClr val="bg2"/>
+          </a:solidFill>
+        </p:spPr>
+        <p:style>
+          <a:lnRef idx="2">
+            <a:schemeClr val="dk1"/>
+          </a:lnRef>
+          <a:fillRef idx="1">
+            <a:schemeClr val="lt1"/>
+          </a:fillRef>
+          <a:effectRef idx="0">
+            <a:schemeClr val="dk1"/>
+          </a:effectRef>
+          <a:fontRef idx="minor">
+            <a:schemeClr val="dk1"/>
+          </a:fontRef>
+        </p:style>
+        <p:txBody>
+          <a:bodyPr rtlCol="0" anchor="ctr"/>
+          <a:lstStyle/>
+          <a:p>
+            <a:pPr algn="ctr"/>
+            <a:r>
+              <a:rPr lang="en-US" sz="1600" dirty="0" smtClean="0"/>
+              <a:t>Multipath RTP </a:t>
+            </a:r>
+            <a:r>
+              <a:rPr lang="en-US" sz="1600" dirty="0" smtClean="0">
+                <a:latin typeface="+mj-lt"/>
+              </a:rPr>
+              <a:t>(MPRTP)</a:t>
+            </a:r>
+            <a:endParaRPr lang="en-US" sz="1400" dirty="0">
+              <a:latin typeface="+mj-lt"/>
+            </a:endParaRPr>
+          </a:p>
+        </p:txBody>
+      </p:sp>
+      <p:sp>
+        <p:nvSpPr>
+          <p:cNvPr id="15" name="Rectangle 14"/>
+          <p:cNvSpPr/>
+          <p:nvPr/>
+        </p:nvSpPr>
+        <p:spPr>
+          <a:xfrm>
+            <a:off x="3156277" y="1708376"/>
+            <a:ext cx="2697189" cy="735785"/>
+          </a:xfrm>
+          <a:prstGeom prst="rect">
+            <a:avLst/>
+          </a:prstGeom>
+        </p:spPr>
+        <p:style>
+          <a:lnRef idx="2">
+            <a:schemeClr val="dk1"/>
+          </a:lnRef>
+          <a:fillRef idx="1">
+            <a:schemeClr val="lt1"/>
+          </a:fillRef>
+          <a:effectRef idx="0">
+            <a:schemeClr val="dk1"/>
+          </a:effectRef>
+          <a:fontRef idx="minor">
+            <a:schemeClr val="dk1"/>
+          </a:fontRef>
+        </p:style>
+        <p:txBody>
+          <a:bodyPr rtlCol="0" anchor="ctr"/>
+          <a:lstStyle/>
+          <a:p>
+            <a:pPr algn="ctr"/>
+            <a:r>
+              <a:rPr lang="en-US" sz="1600" dirty="0" smtClean="0"/>
+              <a:t>SSRC #1</a:t>
+            </a:r>
+            <a:endParaRPr lang="en-US" sz="1400" dirty="0">
+              <a:latin typeface="+mj-lt"/>
+            </a:endParaRPr>
+          </a:p>
+        </p:txBody>
+      </p:sp>
+      <p:sp>
+        <p:nvSpPr>
+          <p:cNvPr id="17" name="Rectangle 16"/>
+          <p:cNvSpPr/>
+          <p:nvPr/>
+        </p:nvSpPr>
+        <p:spPr>
+          <a:xfrm>
+            <a:off x="5839810" y="1708375"/>
+            <a:ext cx="996841" cy="1676395"/>
+          </a:xfrm>
+          <a:prstGeom prst="rect">
+            <a:avLst/>
+          </a:prstGeom>
+        </p:spPr>
+        <p:style>
+          <a:lnRef idx="2">
+            <a:schemeClr val="dk1"/>
+          </a:lnRef>
+          <a:fillRef idx="1">
+            <a:schemeClr val="lt1"/>
+          </a:fillRef>
+          <a:effectRef idx="0">
+            <a:schemeClr val="dk1"/>
+          </a:effectRef>
+          <a:fontRef idx="minor">
+            <a:schemeClr val="dk1"/>
+          </a:fontRef>
+        </p:style>
+        <p:txBody>
+          <a:bodyPr rtlCol="0" anchor="ctr"/>
+          <a:lstStyle/>
+          <a:p>
+            <a:pPr algn="ctr"/>
+            <a:r>
+              <a:rPr lang="en-US" sz="1600" dirty="0" smtClean="0"/>
+              <a:t>SSRC #2</a:t>
+            </a:r>
+            <a:endParaRPr lang="en-US" sz="1400" dirty="0">
+              <a:latin typeface="+mj-lt"/>
+            </a:endParaRPr>
+          </a:p>
+        </p:txBody>
+      </p:sp>
+      <p:sp>
+        <p:nvSpPr>
+          <p:cNvPr id="18" name="Rectangle 17"/>
+          <p:cNvSpPr/>
+          <p:nvPr/>
+        </p:nvSpPr>
+        <p:spPr>
+          <a:xfrm>
+            <a:off x="6836651" y="1708376"/>
+            <a:ext cx="921505" cy="1681062"/>
+          </a:xfrm>
+          <a:prstGeom prst="rect">
+            <a:avLst/>
+          </a:prstGeom>
+        </p:spPr>
+        <p:style>
+          <a:lnRef idx="2">
+            <a:schemeClr val="dk1"/>
+          </a:lnRef>
+          <a:fillRef idx="1">
+            <a:schemeClr val="lt1"/>
+          </a:fillRef>
+          <a:effectRef idx="0">
+            <a:schemeClr val="dk1"/>
+          </a:effectRef>
+          <a:fontRef idx="minor">
+            <a:schemeClr val="dk1"/>
+          </a:fontRef>
+        </p:style>
+        <p:txBody>
+          <a:bodyPr rtlCol="0" anchor="ctr"/>
+          <a:lstStyle/>
+          <a:p>
+            <a:pPr algn="ctr"/>
+            <a:r>
+              <a:rPr lang="en-US" sz="1600" dirty="0" smtClean="0"/>
+              <a:t>SSRC #3</a:t>
+            </a:r>
+            <a:endParaRPr lang="en-US" sz="1400" dirty="0">
+              <a:latin typeface="+mj-lt"/>
+            </a:endParaRPr>
+          </a:p>
+        </p:txBody>
+      </p:sp>
+      <p:sp>
+        <p:nvSpPr>
           <p:cNvPr id="16" name="Rectangle 15"/>
           <p:cNvSpPr/>
           <p:nvPr/>
         </p:nvSpPr>
         <p:spPr>
           <a:xfrm>
-            <a:off x="6158603" y="3793790"/>
-            <a:ext cx="1474768" cy="914855"/>
+            <a:off x="4478973" y="5052177"/>
+            <a:ext cx="3274301" cy="831370"/>
           </a:xfrm>
           <a:prstGeom prst="rect">
             <a:avLst/>
@@ -5067,22 +6138,30 @@
             <a:pPr algn="ctr"/>
             <a:r>
               <a:rPr lang="en-US" dirty="0" smtClean="0"/>
-              <a:t>Receiver</a:t>
-            </a:r>
-            <a:endParaRPr lang="en-US" dirty="0"/>
-          </a:p>
-        </p:txBody>
-      </p:sp>
-      <p:sp>
-        <p:nvSpPr>
-          <p:cNvPr id="17" name="Rectangle 16"/>
+              <a:t>Internet Protocol </a:t>
+            </a:r>
+            <a:r>
+              <a:rPr lang="en-US" dirty="0" smtClean="0">
+                <a:latin typeface="+mj-lt"/>
+              </a:rPr>
+              <a:t>(IP)</a:t>
+            </a:r>
+            <a:endParaRPr lang="en-US" sz="1600" dirty="0">
+              <a:latin typeface="+mj-lt"/>
+            </a:endParaRPr>
+          </a:p>
+        </p:txBody>
+      </p:sp>
+      <p:sp>
+        <p:nvSpPr>
+          <p:cNvPr id="19" name="Rectangle 18"/>
           <p:cNvSpPr/>
           <p:nvPr/>
         </p:nvSpPr>
         <p:spPr>
           <a:xfrm>
-            <a:off x="1093541" y="3793790"/>
-            <a:ext cx="1350792" cy="914855"/>
+            <a:off x="4478973" y="4220807"/>
+            <a:ext cx="3274301" cy="831370"/>
           </a:xfrm>
           <a:prstGeom prst="rect">
             <a:avLst/>
@@ -5109,514 +6188,24 @@
             <a:pPr algn="ctr"/>
             <a:r>
               <a:rPr lang="en-US" dirty="0" smtClean="0"/>
-              <a:t>Sender</a:t>
-            </a:r>
-            <a:endParaRPr lang="en-US" sz="1600" dirty="0"/>
-          </a:p>
-        </p:txBody>
-      </p:sp>
-      <p:sp>
-        <p:nvSpPr>
-          <p:cNvPr id="18" name="Right Arrow 17"/>
-          <p:cNvSpPr/>
-          <p:nvPr/>
-        </p:nvSpPr>
-        <p:spPr>
-          <a:xfrm>
-            <a:off x="2444333" y="3957644"/>
-            <a:ext cx="3714270" cy="314055"/>
-          </a:xfrm>
-          <a:prstGeom prst="rightArrow">
-            <a:avLst/>
-          </a:prstGeom>
-        </p:spPr>
-        <p:style>
-          <a:lnRef idx="2">
-            <a:schemeClr val="dk1">
-              <a:shade val="50000"/>
-            </a:schemeClr>
-          </a:lnRef>
-          <a:fillRef idx="1">
-            <a:schemeClr val="dk1"/>
-          </a:fillRef>
-          <a:effectRef idx="0">
-            <a:schemeClr val="dk1"/>
-          </a:effectRef>
-          <a:fontRef idx="minor">
-            <a:schemeClr val="lt1"/>
-          </a:fontRef>
-        </p:style>
-        <p:txBody>
-          <a:bodyPr rtlCol="0" anchor="ctr"/>
-          <a:lstStyle/>
-          <a:p>
-            <a:pPr algn="ctr"/>
-            <a:endParaRPr lang="en-US"/>
-          </a:p>
-        </p:txBody>
-      </p:sp>
-      <p:sp>
-        <p:nvSpPr>
-          <p:cNvPr id="19" name="TextBox 18"/>
-          <p:cNvSpPr txBox="1"/>
-          <p:nvPr/>
-        </p:nvSpPr>
-        <p:spPr>
-          <a:xfrm>
-            <a:off x="3425331" y="3625588"/>
-            <a:ext cx="1569660" cy="338554"/>
-          </a:xfrm>
-          <a:prstGeom prst="rect">
-            <a:avLst/>
-          </a:prstGeom>
-          <a:noFill/>
-        </p:spPr>
-        <p:txBody>
-          <a:bodyPr wrap="none" rtlCol="0">
-            <a:spAutoFit/>
-          </a:bodyPr>
-          <a:lstStyle/>
-          <a:p>
-            <a:r>
-              <a:rPr lang="en-US" sz="1600" dirty="0" smtClean="0"/>
-              <a:t>Media packets</a:t>
-            </a:r>
-            <a:endParaRPr lang="en-US" sz="1600" dirty="0"/>
-          </a:p>
-        </p:txBody>
-      </p:sp>
-      <p:cxnSp>
-        <p:nvCxnSpPr>
-          <p:cNvPr id="20" name="Straight Arrow Connector 19"/>
-          <p:cNvCxnSpPr/>
-          <p:nvPr/>
-        </p:nvCxnSpPr>
-        <p:spPr>
-          <a:xfrm flipH="1">
-            <a:off x="2444333" y="4490170"/>
-            <a:ext cx="3714270" cy="1"/>
-          </a:xfrm>
-          <a:prstGeom prst="straightConnector1">
-            <a:avLst/>
-          </a:prstGeom>
-          <a:ln>
-            <a:tailEnd type="arrow"/>
-          </a:ln>
-        </p:spPr>
-        <p:style>
-          <a:lnRef idx="1">
-            <a:schemeClr val="dk1"/>
-          </a:lnRef>
-          <a:fillRef idx="0">
-            <a:schemeClr val="dk1"/>
-          </a:fillRef>
-          <a:effectRef idx="0">
-            <a:schemeClr val="dk1"/>
-          </a:effectRef>
-          <a:fontRef idx="minor">
-            <a:schemeClr val="tx1"/>
-          </a:fontRef>
-        </p:style>
-      </p:cxnSp>
-      <p:sp>
-        <p:nvSpPr>
-          <p:cNvPr id="21" name="TextBox 20"/>
-          <p:cNvSpPr txBox="1"/>
-          <p:nvPr/>
-        </p:nvSpPr>
-        <p:spPr>
-          <a:xfrm>
-            <a:off x="3299108" y="4503827"/>
-            <a:ext cx="2082621" cy="338554"/>
-          </a:xfrm>
-          <a:prstGeom prst="rect">
-            <a:avLst/>
-          </a:prstGeom>
-          <a:noFill/>
-        </p:spPr>
-        <p:txBody>
-          <a:bodyPr wrap="none" rtlCol="0">
-            <a:spAutoFit/>
-          </a:bodyPr>
-          <a:lstStyle/>
-          <a:p>
-            <a:r>
-              <a:rPr lang="en-US" sz="1600" dirty="0" smtClean="0"/>
-              <a:t>Estimated Capacity</a:t>
-            </a:r>
-            <a:endParaRPr lang="en-US" sz="1600" dirty="0"/>
-          </a:p>
-        </p:txBody>
-      </p:sp>
-      <p:sp>
-        <p:nvSpPr>
-          <p:cNvPr id="22" name="Rectangle 21"/>
-          <p:cNvSpPr/>
-          <p:nvPr/>
-        </p:nvSpPr>
-        <p:spPr>
-          <a:xfrm>
-            <a:off x="1093541" y="914848"/>
-            <a:ext cx="6539830" cy="831370"/>
-          </a:xfrm>
-          <a:prstGeom prst="rect">
-            <a:avLst/>
-          </a:prstGeom>
-        </p:spPr>
-        <p:style>
-          <a:lnRef idx="2">
-            <a:schemeClr val="dk1"/>
-          </a:lnRef>
-          <a:fillRef idx="1">
-            <a:schemeClr val="lt1"/>
-          </a:fillRef>
-          <a:effectRef idx="0">
-            <a:schemeClr val="dk1"/>
-          </a:effectRef>
-          <a:fontRef idx="minor">
-            <a:schemeClr val="dk1"/>
-          </a:fontRef>
-        </p:style>
-        <p:txBody>
-          <a:bodyPr rtlCol="0" anchor="ctr"/>
-          <a:lstStyle/>
-          <a:p>
-            <a:pPr algn="ctr"/>
-            <a:r>
-              <a:rPr lang="en-US" dirty="0" smtClean="0"/>
-              <a:t>Network Coverage Map Service (NCMS)</a:t>
-            </a:r>
-            <a:endParaRPr lang="en-US" sz="1600" dirty="0"/>
-          </a:p>
-        </p:txBody>
-      </p:sp>
-      <p:cxnSp>
-        <p:nvCxnSpPr>
-          <p:cNvPr id="24" name="Straight Arrow Connector 23"/>
-          <p:cNvCxnSpPr/>
-          <p:nvPr/>
-        </p:nvCxnSpPr>
-        <p:spPr>
-          <a:xfrm flipV="1">
-            <a:off x="6526210" y="1746218"/>
-            <a:ext cx="0" cy="2047573"/>
-          </a:xfrm>
-          <a:prstGeom prst="straightConnector1">
-            <a:avLst/>
-          </a:prstGeom>
-          <a:ln>
-            <a:tailEnd type="arrow"/>
-          </a:ln>
-        </p:spPr>
-        <p:style>
-          <a:lnRef idx="1">
-            <a:schemeClr val="dk1"/>
-          </a:lnRef>
-          <a:fillRef idx="0">
-            <a:schemeClr val="dk1"/>
-          </a:fillRef>
-          <a:effectRef idx="0">
-            <a:schemeClr val="dk1"/>
-          </a:effectRef>
-          <a:fontRef idx="minor">
-            <a:schemeClr val="tx1"/>
-          </a:fontRef>
-        </p:style>
-      </p:cxnSp>
-      <p:sp>
-        <p:nvSpPr>
-          <p:cNvPr id="31" name="TextBox 30"/>
-          <p:cNvSpPr txBox="1"/>
-          <p:nvPr/>
-        </p:nvSpPr>
-        <p:spPr>
-          <a:xfrm>
-            <a:off x="6095323" y="2044478"/>
-            <a:ext cx="400110" cy="1576738"/>
-          </a:xfrm>
-          <a:prstGeom prst="rect">
-            <a:avLst/>
-          </a:prstGeom>
-          <a:noFill/>
-        </p:spPr>
-        <p:txBody>
-          <a:bodyPr vert="vert270" wrap="none" rtlCol="0">
-            <a:spAutoFit/>
-          </a:bodyPr>
-          <a:lstStyle/>
-          <a:p>
-            <a:r>
-              <a:rPr lang="en-US" sz="1400" dirty="0" smtClean="0"/>
-              <a:t>Coverage Update</a:t>
-            </a:r>
-            <a:endParaRPr lang="en-US" sz="1400" dirty="0"/>
-          </a:p>
-        </p:txBody>
-      </p:sp>
-      <p:sp>
-        <p:nvSpPr>
-          <p:cNvPr id="32" name="TextBox 31"/>
-          <p:cNvSpPr txBox="1"/>
-          <p:nvPr/>
-        </p:nvSpPr>
-        <p:spPr>
-          <a:xfrm>
-            <a:off x="1512758" y="1853308"/>
-            <a:ext cx="400110" cy="1772280"/>
-          </a:xfrm>
-          <a:prstGeom prst="rect">
-            <a:avLst/>
-          </a:prstGeom>
-          <a:noFill/>
-        </p:spPr>
-        <p:txBody>
-          <a:bodyPr vert="vert270" wrap="none" rtlCol="0">
-            <a:spAutoFit/>
-          </a:bodyPr>
-          <a:lstStyle/>
-          <a:p>
-            <a:r>
-              <a:rPr lang="en-US" sz="1400" dirty="0" err="1" smtClean="0"/>
-              <a:t>Lookahead</a:t>
-            </a:r>
-            <a:r>
-              <a:rPr lang="en-US" sz="1400" dirty="0" smtClean="0"/>
-              <a:t> Request</a:t>
-            </a:r>
-            <a:endParaRPr lang="en-US" sz="1400" dirty="0"/>
-          </a:p>
-        </p:txBody>
-      </p:sp>
-      <p:cxnSp>
-        <p:nvCxnSpPr>
-          <p:cNvPr id="34" name="Straight Arrow Connector 33"/>
-          <p:cNvCxnSpPr/>
-          <p:nvPr/>
-        </p:nvCxnSpPr>
-        <p:spPr>
-          <a:xfrm flipV="1">
-            <a:off x="6963818" y="1746218"/>
-            <a:ext cx="0" cy="2047573"/>
-          </a:xfrm>
-          <a:prstGeom prst="straightConnector1">
-            <a:avLst/>
-          </a:prstGeom>
-          <a:ln>
-            <a:tailEnd type="arrow"/>
-          </a:ln>
-        </p:spPr>
-        <p:style>
-          <a:lnRef idx="1">
-            <a:schemeClr val="dk1"/>
-          </a:lnRef>
-          <a:fillRef idx="0">
-            <a:schemeClr val="dk1"/>
-          </a:fillRef>
-          <a:effectRef idx="0">
-            <a:schemeClr val="dk1"/>
-          </a:effectRef>
-          <a:fontRef idx="minor">
-            <a:schemeClr val="tx1"/>
-          </a:fontRef>
-        </p:style>
-      </p:cxnSp>
-      <p:sp>
-        <p:nvSpPr>
-          <p:cNvPr id="35" name="TextBox 34"/>
-          <p:cNvSpPr txBox="1"/>
-          <p:nvPr/>
-        </p:nvSpPr>
-        <p:spPr>
-          <a:xfrm>
-            <a:off x="6563708" y="1853308"/>
-            <a:ext cx="400110" cy="1772280"/>
-          </a:xfrm>
-          <a:prstGeom prst="rect">
-            <a:avLst/>
-          </a:prstGeom>
-          <a:noFill/>
-        </p:spPr>
-        <p:txBody>
-          <a:bodyPr vert="vert270" wrap="none" rtlCol="0">
-            <a:spAutoFit/>
-          </a:bodyPr>
-          <a:lstStyle/>
-          <a:p>
-            <a:r>
-              <a:rPr lang="en-US" sz="1400" dirty="0" err="1" smtClean="0"/>
-              <a:t>Lookahead</a:t>
-            </a:r>
-            <a:r>
-              <a:rPr lang="en-US" sz="1400" dirty="0" smtClean="0"/>
-              <a:t> Request</a:t>
-            </a:r>
-            <a:endParaRPr lang="en-US" sz="1400" dirty="0"/>
-          </a:p>
-        </p:txBody>
-      </p:sp>
-      <p:cxnSp>
-        <p:nvCxnSpPr>
-          <p:cNvPr id="38" name="Straight Arrow Connector 37"/>
-          <p:cNvCxnSpPr/>
-          <p:nvPr/>
-        </p:nvCxnSpPr>
-        <p:spPr>
-          <a:xfrm>
-            <a:off x="7360262" y="1746218"/>
-            <a:ext cx="0" cy="2047573"/>
-          </a:xfrm>
-          <a:prstGeom prst="straightConnector1">
-            <a:avLst/>
-          </a:prstGeom>
-          <a:ln>
-            <a:tailEnd type="arrow"/>
-          </a:ln>
-        </p:spPr>
-        <p:style>
-          <a:lnRef idx="1">
-            <a:schemeClr val="dk1"/>
-          </a:lnRef>
-          <a:fillRef idx="0">
-            <a:schemeClr val="dk1"/>
-          </a:fillRef>
-          <a:effectRef idx="0">
-            <a:schemeClr val="dk1"/>
-          </a:effectRef>
-          <a:fontRef idx="minor">
-            <a:schemeClr val="tx1"/>
-          </a:fontRef>
-        </p:style>
-      </p:cxnSp>
-      <p:sp>
-        <p:nvSpPr>
-          <p:cNvPr id="39" name="TextBox 38"/>
-          <p:cNvSpPr txBox="1"/>
-          <p:nvPr/>
-        </p:nvSpPr>
-        <p:spPr>
-          <a:xfrm>
-            <a:off x="6963818" y="1858924"/>
-            <a:ext cx="400110" cy="1682512"/>
-          </a:xfrm>
-          <a:prstGeom prst="rect">
-            <a:avLst/>
-          </a:prstGeom>
-          <a:noFill/>
-        </p:spPr>
-        <p:txBody>
-          <a:bodyPr vert="vert270" wrap="none" rtlCol="0">
-            <a:spAutoFit/>
-          </a:bodyPr>
-          <a:lstStyle/>
-          <a:p>
-            <a:r>
-              <a:rPr lang="en-US" sz="1400" dirty="0" smtClean="0"/>
-              <a:t>Coverage Map Info</a:t>
-            </a:r>
-            <a:endParaRPr lang="en-US" sz="1400" dirty="0"/>
-          </a:p>
-        </p:txBody>
-      </p:sp>
-      <p:cxnSp>
-        <p:nvCxnSpPr>
-          <p:cNvPr id="40" name="Straight Arrow Connector 39"/>
-          <p:cNvCxnSpPr/>
-          <p:nvPr/>
-        </p:nvCxnSpPr>
-        <p:spPr>
-          <a:xfrm flipV="1">
-            <a:off x="1923080" y="1729097"/>
-            <a:ext cx="0" cy="2047573"/>
-          </a:xfrm>
-          <a:prstGeom prst="straightConnector1">
-            <a:avLst/>
-          </a:prstGeom>
-          <a:ln>
-            <a:tailEnd type="arrow"/>
-          </a:ln>
-        </p:spPr>
-        <p:style>
-          <a:lnRef idx="1">
-            <a:schemeClr val="dk1"/>
-          </a:lnRef>
-          <a:fillRef idx="0">
-            <a:schemeClr val="dk1"/>
-          </a:fillRef>
-          <a:effectRef idx="0">
-            <a:schemeClr val="dk1"/>
-          </a:effectRef>
-          <a:fontRef idx="minor">
-            <a:schemeClr val="tx1"/>
-          </a:fontRef>
-        </p:style>
-      </p:cxnSp>
-      <p:cxnSp>
-        <p:nvCxnSpPr>
-          <p:cNvPr id="41" name="Straight Arrow Connector 40"/>
-          <p:cNvCxnSpPr/>
-          <p:nvPr/>
-        </p:nvCxnSpPr>
-        <p:spPr>
-          <a:xfrm>
-            <a:off x="2319524" y="1729097"/>
-            <a:ext cx="0" cy="2047573"/>
-          </a:xfrm>
-          <a:prstGeom prst="straightConnector1">
-            <a:avLst/>
-          </a:prstGeom>
-          <a:ln>
-            <a:tailEnd type="arrow"/>
-          </a:ln>
-        </p:spPr>
-        <p:style>
-          <a:lnRef idx="1">
-            <a:schemeClr val="dk1"/>
-          </a:lnRef>
-          <a:fillRef idx="0">
-            <a:schemeClr val="dk1"/>
-          </a:fillRef>
-          <a:effectRef idx="0">
-            <a:schemeClr val="dk1"/>
-          </a:effectRef>
-          <a:fontRef idx="minor">
-            <a:schemeClr val="tx1"/>
-          </a:fontRef>
-        </p:style>
-      </p:cxnSp>
-      <p:sp>
-        <p:nvSpPr>
-          <p:cNvPr id="42" name="TextBox 41"/>
-          <p:cNvSpPr txBox="1"/>
-          <p:nvPr/>
-        </p:nvSpPr>
-        <p:spPr>
-          <a:xfrm>
-            <a:off x="1923080" y="1841803"/>
-            <a:ext cx="400110" cy="1682512"/>
-          </a:xfrm>
-          <a:prstGeom prst="rect">
-            <a:avLst/>
-          </a:prstGeom>
-          <a:noFill/>
-        </p:spPr>
-        <p:txBody>
-          <a:bodyPr vert="vert270" wrap="none" rtlCol="0">
-            <a:spAutoFit/>
-          </a:bodyPr>
-          <a:lstStyle/>
-          <a:p>
-            <a:r>
-              <a:rPr lang="en-US" sz="1400" dirty="0" smtClean="0"/>
-              <a:t>Coverage Map Info</a:t>
-            </a:r>
-            <a:endParaRPr lang="en-US" sz="1400" dirty="0"/>
+              <a:t>User Datagram Protocol </a:t>
+            </a:r>
+            <a:r>
+              <a:rPr lang="en-US" dirty="0" smtClean="0">
+                <a:latin typeface="+mj-lt"/>
+              </a:rPr>
+              <a:t>(UDP)</a:t>
+            </a:r>
+            <a:endParaRPr lang="en-US" sz="1600" dirty="0">
+              <a:latin typeface="+mj-lt"/>
+            </a:endParaRPr>
           </a:p>
         </p:txBody>
       </p:sp>
     </p:spTree>
     <p:extLst>
       <p:ext uri="{BB962C8B-B14F-4D97-AF65-F5344CB8AC3E}">
-        <p14:creationId xmlns:p14="http://schemas.microsoft.com/office/powerpoint/2010/main" val="4208439333"/>
+        <p14:creationId xmlns:p14="http://schemas.microsoft.com/office/powerpoint/2010/main" val="2770741297"/>
       </p:ext>
     </p:extLst>
   </p:cSld>
@@ -5651,8 +6240,8 @@
         </p:nvSpPr>
         <p:spPr>
           <a:xfrm>
-            <a:off x="1218327" y="5052177"/>
-            <a:ext cx="3274301" cy="831370"/>
+            <a:off x="358037" y="5052177"/>
+            <a:ext cx="8558942" cy="831370"/>
           </a:xfrm>
           <a:prstGeom prst="rect">
             <a:avLst/>
@@ -5676,19 +6265,38 @@
           <a:bodyPr rtlCol="0" anchor="ctr"/>
           <a:lstStyle/>
           <a:p>
-            <a:pPr algn="ctr"/>
-            <a:r>
-              <a:rPr lang="en-US" dirty="0" smtClean="0"/>
+            <a:pPr lvl="0" algn="ctr"/>
+            <a:r>
+              <a:rPr lang="en-US" dirty="0">
+                <a:solidFill>
+                  <a:prstClr val="black"/>
+                </a:solidFill>
+              </a:rPr>
               <a:t>Internet Protocol </a:t>
             </a:r>
             <a:r>
+              <a:rPr lang="en-US" dirty="0">
+                <a:solidFill>
+                  <a:prstClr val="black"/>
+                </a:solidFill>
+                <a:latin typeface="Nexa Bold"/>
+              </a:rPr>
+              <a:t>(IP</a:t>
+            </a:r>
+            <a:r>
               <a:rPr lang="en-US" dirty="0" smtClean="0">
-                <a:latin typeface="+mj-lt"/>
+                <a:solidFill>
+                  <a:prstClr val="black"/>
+                </a:solidFill>
+                <a:latin typeface="Nexa Bold"/>
               </a:rPr>
-              <a:t>(IP)</a:t>
+              <a:t>)</a:t>
             </a:r>
             <a:endParaRPr lang="en-US" sz="1600" dirty="0">
-              <a:latin typeface="+mj-lt"/>
+              <a:solidFill>
+                <a:prstClr val="black"/>
+              </a:solidFill>
+              <a:latin typeface="Nexa Bold"/>
             </a:endParaRPr>
           </a:p>
         </p:txBody>
@@ -5701,8 +6309,8 @@
         </p:nvSpPr>
         <p:spPr>
           <a:xfrm>
-            <a:off x="1218327" y="4220807"/>
-            <a:ext cx="3274301" cy="831370"/>
+            <a:off x="358036" y="4220807"/>
+            <a:ext cx="6524288" cy="831370"/>
           </a:xfrm>
           <a:prstGeom prst="rect">
             <a:avLst/>
@@ -5726,32 +6334,42 @@
           <a:bodyPr rtlCol="0" anchor="ctr"/>
           <a:lstStyle/>
           <a:p>
-            <a:pPr algn="ctr"/>
-            <a:r>
-              <a:rPr lang="en-US" dirty="0" smtClean="0"/>
+            <a:pPr lvl="0" algn="ctr"/>
+            <a:r>
+              <a:rPr lang="en-US" dirty="0">
+                <a:solidFill>
+                  <a:prstClr val="black"/>
+                </a:solidFill>
+              </a:rPr>
               <a:t>User Datagram Protocol </a:t>
             </a:r>
             <a:r>
-              <a:rPr lang="en-US" dirty="0" smtClean="0">
-                <a:latin typeface="+mj-lt"/>
+              <a:rPr lang="en-US" dirty="0">
+                <a:solidFill>
+                  <a:prstClr val="black"/>
+                </a:solidFill>
+                <a:latin typeface="Nexa Bold"/>
               </a:rPr>
               <a:t>(UDP)</a:t>
             </a:r>
             <a:endParaRPr lang="en-US" sz="1600" dirty="0">
-              <a:latin typeface="+mj-lt"/>
+              <a:solidFill>
+                <a:prstClr val="black"/>
+              </a:solidFill>
+              <a:latin typeface="Nexa Bold"/>
             </a:endParaRPr>
           </a:p>
         </p:txBody>
       </p:sp>
       <p:sp>
         <p:nvSpPr>
-          <p:cNvPr id="6" name="Rectangle 5"/>
+          <p:cNvPr id="4" name="Rectangle 3"/>
           <p:cNvSpPr/>
           <p:nvPr/>
         </p:nvSpPr>
         <p:spPr>
           <a:xfrm>
-            <a:off x="1218328" y="3389437"/>
+            <a:off x="358038" y="3389437"/>
             <a:ext cx="1936070" cy="831370"/>
           </a:xfrm>
           <a:prstGeom prst="rect">
@@ -5795,20 +6413,23 @@
       </p:sp>
       <p:sp>
         <p:nvSpPr>
-          <p:cNvPr id="9" name="Rectangle 8"/>
+          <p:cNvPr id="5" name="Rectangle 4"/>
           <p:cNvSpPr/>
           <p:nvPr/>
         </p:nvSpPr>
         <p:spPr>
           <a:xfrm>
-            <a:off x="3154399" y="3389437"/>
-            <a:ext cx="4603758" cy="831370"/>
+            <a:off x="2294109" y="3389437"/>
+            <a:ext cx="3468476" cy="831370"/>
           </a:xfrm>
           <a:prstGeom prst="rect">
             <a:avLst/>
           </a:prstGeom>
           <a:solidFill>
-            <a:srgbClr val="D7DCE3"/>
+            <a:schemeClr val="tx2">
+              <a:lumMod val="20000"/>
+              <a:lumOff val="80000"/>
+            </a:schemeClr>
           </a:solidFill>
         </p:spPr>
         <p:style>
@@ -5831,14 +6452,147 @@
           <a:p>
             <a:pPr algn="ctr"/>
             <a:r>
+              <a:rPr lang="en-US" dirty="0" smtClean="0">
+                <a:latin typeface="+mj-lt"/>
+              </a:rPr>
+              <a:t>                     RTP</a:t>
+            </a:r>
+          </a:p>
+          <a:p>
+            <a:pPr algn="ctr"/>
+            <a:endParaRPr lang="en-US" sz="1600" dirty="0">
+              <a:latin typeface="+mj-lt"/>
+            </a:endParaRPr>
+          </a:p>
+        </p:txBody>
+      </p:sp>
+      <p:sp>
+        <p:nvSpPr>
+          <p:cNvPr id="15" name="Rectangle 14"/>
+          <p:cNvSpPr/>
+          <p:nvPr/>
+        </p:nvSpPr>
+        <p:spPr>
+          <a:xfrm>
+            <a:off x="3168055" y="1708375"/>
+            <a:ext cx="873946" cy="1676395"/>
+          </a:xfrm>
+          <a:prstGeom prst="rect">
+            <a:avLst/>
+          </a:prstGeom>
+        </p:spPr>
+        <p:style>
+          <a:lnRef idx="2">
+            <a:schemeClr val="dk1"/>
+          </a:lnRef>
+          <a:fillRef idx="1">
+            <a:schemeClr val="lt1"/>
+          </a:fillRef>
+          <a:effectRef idx="0">
+            <a:schemeClr val="dk1"/>
+          </a:effectRef>
+          <a:fontRef idx="minor">
+            <a:schemeClr val="dk1"/>
+          </a:fontRef>
+        </p:style>
+        <p:txBody>
+          <a:bodyPr rtlCol="0" anchor="ctr"/>
+          <a:lstStyle/>
+          <a:p>
+            <a:pPr algn="ctr"/>
+            <a:r>
               <a:rPr lang="en-US" sz="1600" dirty="0" smtClean="0"/>
-              <a:t>Real-time Transport Protocol </a:t>
-            </a:r>
+              <a:t>SSRC #2</a:t>
+            </a:r>
+            <a:endParaRPr lang="en-US" sz="1400" dirty="0">
+              <a:latin typeface="+mj-lt"/>
+            </a:endParaRPr>
+          </a:p>
+        </p:txBody>
+      </p:sp>
+      <p:sp>
+        <p:nvSpPr>
+          <p:cNvPr id="16" name="Rectangle 15"/>
+          <p:cNvSpPr/>
+          <p:nvPr/>
+        </p:nvSpPr>
+        <p:spPr>
+          <a:xfrm>
+            <a:off x="2294109" y="1708375"/>
+            <a:ext cx="873946" cy="1676395"/>
+          </a:xfrm>
+          <a:prstGeom prst="rect">
+            <a:avLst/>
+          </a:prstGeom>
+        </p:spPr>
+        <p:style>
+          <a:lnRef idx="2">
+            <a:schemeClr val="dk1"/>
+          </a:lnRef>
+          <a:fillRef idx="1">
+            <a:schemeClr val="lt1"/>
+          </a:fillRef>
+          <a:effectRef idx="0">
+            <a:schemeClr val="dk1"/>
+          </a:effectRef>
+          <a:fontRef idx="minor">
+            <a:schemeClr val="dk1"/>
+          </a:fontRef>
+        </p:style>
+        <p:txBody>
+          <a:bodyPr rtlCol="0" anchor="ctr"/>
+          <a:lstStyle/>
+          <a:p>
+            <a:pPr algn="ctr"/>
+            <a:r>
+              <a:rPr lang="en-US" sz="1600" dirty="0" smtClean="0"/>
+              <a:t>SSRC #1</a:t>
+            </a:r>
+            <a:endParaRPr lang="en-US" sz="1400" dirty="0">
+              <a:latin typeface="+mj-lt"/>
+            </a:endParaRPr>
+          </a:p>
+        </p:txBody>
+      </p:sp>
+      <p:sp>
+        <p:nvSpPr>
+          <p:cNvPr id="19" name="Rectangle 18"/>
+          <p:cNvSpPr/>
+          <p:nvPr/>
+        </p:nvSpPr>
+        <p:spPr>
+          <a:xfrm>
+            <a:off x="2294108" y="3877894"/>
+            <a:ext cx="1747893" cy="342914"/>
+          </a:xfrm>
+          <a:prstGeom prst="rect">
+            <a:avLst/>
+          </a:prstGeom>
+        </p:spPr>
+        <p:style>
+          <a:lnRef idx="2">
+            <a:schemeClr val="dk1"/>
+          </a:lnRef>
+          <a:fillRef idx="1">
+            <a:schemeClr val="lt1"/>
+          </a:fillRef>
+          <a:effectRef idx="0">
+            <a:schemeClr val="dk1"/>
+          </a:effectRef>
+          <a:fontRef idx="minor">
+            <a:schemeClr val="dk1"/>
+          </a:fontRef>
+        </p:style>
+        <p:txBody>
+          <a:bodyPr rtlCol="0" anchor="ctr"/>
+          <a:lstStyle/>
+          <a:p>
+            <a:pPr algn="ctr"/>
             <a:r>
               <a:rPr lang="en-US" sz="1600" dirty="0" smtClean="0">
                 <a:latin typeface="+mj-lt"/>
               </a:rPr>
-              <a:t>(RTP)</a:t>
+              <a:t>TURN</a:t>
             </a:r>
             <a:endParaRPr lang="en-US" sz="1400" dirty="0">
               <a:latin typeface="+mj-lt"/>
@@ -5846,23 +6600,53 @@
           </a:p>
         </p:txBody>
       </p:sp>
-      <p:sp>
-        <p:nvSpPr>
-          <p:cNvPr id="11" name="Rectangle 10"/>
+      <p:cxnSp>
+        <p:nvCxnSpPr>
+          <p:cNvPr id="21" name="Straight Connector 20"/>
+          <p:cNvCxnSpPr/>
+          <p:nvPr/>
+        </p:nvCxnSpPr>
+        <p:spPr>
+          <a:xfrm flipH="1">
+            <a:off x="2294108" y="3384770"/>
+            <a:ext cx="2" cy="664581"/>
+          </a:xfrm>
+          <a:prstGeom prst="line">
+            <a:avLst/>
+          </a:prstGeom>
+          <a:ln>
+            <a:prstDash val="sysDash"/>
+          </a:ln>
+        </p:spPr>
+        <p:style>
+          <a:lnRef idx="1">
+            <a:schemeClr val="dk1"/>
+          </a:lnRef>
+          <a:fillRef idx="0">
+            <a:schemeClr val="dk1"/>
+          </a:fillRef>
+          <a:effectRef idx="0">
+            <a:schemeClr val="dk1"/>
+          </a:effectRef>
+          <a:fontRef idx="minor">
+            <a:schemeClr val="tx1"/>
+          </a:fontRef>
+        </p:style>
+      </p:cxnSp>
+      <p:sp>
+        <p:nvSpPr>
+          <p:cNvPr id="24" name="Rectangle 23"/>
           <p:cNvSpPr/>
           <p:nvPr/>
         </p:nvSpPr>
         <p:spPr>
           <a:xfrm>
-            <a:off x="3156276" y="2922073"/>
-            <a:ext cx="1336351" cy="467363"/>
+            <a:off x="4028346" y="1708375"/>
+            <a:ext cx="873946" cy="1676395"/>
           </a:xfrm>
           <a:prstGeom prst="rect">
             <a:avLst/>
           </a:prstGeom>
-          <a:solidFill>
-            <a:schemeClr val="bg2"/>
-          </a:solidFill>
         </p:spPr>
         <p:style>
           <a:lnRef idx="2">
@@ -5884,34 +6668,29 @@
           <a:p>
             <a:pPr algn="ctr"/>
             <a:r>
-              <a:rPr lang="en-US" sz="1400" dirty="0" err="1" smtClean="0"/>
-              <a:t>Subflow</a:t>
-            </a:r>
-            <a:r>
-              <a:rPr lang="en-US" sz="1400" dirty="0" smtClean="0"/>
-              <a:t> #1</a:t>
-            </a:r>
-            <a:endParaRPr lang="en-US" sz="1200" dirty="0"/>
-          </a:p>
-        </p:txBody>
-      </p:sp>
-      <p:sp>
-        <p:nvSpPr>
-          <p:cNvPr id="12" name="Rectangle 11"/>
+              <a:rPr lang="en-US" sz="1600" dirty="0" smtClean="0"/>
+              <a:t>SSRC #3</a:t>
+            </a:r>
+            <a:endParaRPr lang="en-US" sz="1400" dirty="0">
+              <a:latin typeface="+mj-lt"/>
+            </a:endParaRPr>
+          </a:p>
+        </p:txBody>
+      </p:sp>
+      <p:sp>
+        <p:nvSpPr>
+          <p:cNvPr id="25" name="Rectangle 24"/>
           <p:cNvSpPr/>
           <p:nvPr/>
         </p:nvSpPr>
         <p:spPr>
           <a:xfrm>
-            <a:off x="4492628" y="2922067"/>
-            <a:ext cx="1347183" cy="467363"/>
+            <a:off x="4888638" y="1708375"/>
+            <a:ext cx="873946" cy="1676395"/>
           </a:xfrm>
           <a:prstGeom prst="rect">
             <a:avLst/>
           </a:prstGeom>
-          <a:solidFill>
-            <a:schemeClr val="bg2"/>
-          </a:solidFill>
         </p:spPr>
         <p:style>
           <a:lnRef idx="2">
@@ -5933,18 +6712,62 @@
           <a:p>
             <a:pPr algn="ctr"/>
             <a:r>
-              <a:rPr lang="en-US" sz="1400" dirty="0" err="1" smtClean="0"/>
-              <a:t>Subflow</a:t>
-            </a:r>
-            <a:endParaRPr lang="en-US" sz="1400" dirty="0" smtClean="0"/>
-          </a:p>
+              <a:rPr lang="en-US" sz="1600" dirty="0" smtClean="0"/>
+              <a:t>SSRC #4</a:t>
+            </a:r>
+            <a:endParaRPr lang="en-US" sz="1400" dirty="0">
+              <a:latin typeface="+mj-lt"/>
+            </a:endParaRPr>
+          </a:p>
+        </p:txBody>
+      </p:sp>
+      <p:sp>
+        <p:nvSpPr>
+          <p:cNvPr id="13" name="Rectangle 12"/>
+          <p:cNvSpPr/>
+          <p:nvPr/>
+        </p:nvSpPr>
+        <p:spPr>
+          <a:xfrm>
+            <a:off x="6882324" y="4220808"/>
+            <a:ext cx="2034654" cy="831370"/>
+          </a:xfrm>
+          <a:prstGeom prst="rect">
+            <a:avLst/>
+          </a:prstGeom>
+        </p:spPr>
+        <p:style>
+          <a:lnRef idx="2">
+            <a:schemeClr val="dk1"/>
+          </a:lnRef>
+          <a:fillRef idx="1">
+            <a:schemeClr val="lt1"/>
+          </a:fillRef>
+          <a:effectRef idx="0">
+            <a:schemeClr val="dk1"/>
+          </a:effectRef>
+          <a:fontRef idx="minor">
+            <a:schemeClr val="dk1"/>
+          </a:fontRef>
+        </p:style>
+        <p:txBody>
+          <a:bodyPr rtlCol="0" anchor="ctr"/>
+          <a:lstStyle/>
           <a:p>
             <a:pPr algn="ctr"/>
             <a:r>
-              <a:rPr lang="en-US" sz="1400" dirty="0" smtClean="0"/>
-              <a:t>#2</a:t>
-            </a:r>
-            <a:endParaRPr lang="en-US" sz="1200" dirty="0"/>
+              <a:rPr lang="en-US" dirty="0" smtClean="0"/>
+              <a:t>Transmission Control Protocol </a:t>
+            </a:r>
+            <a:r>
+              <a:rPr lang="en-US" dirty="0" smtClean="0">
+                <a:latin typeface="+mj-lt"/>
+              </a:rPr>
+              <a:t>(TCP)</a:t>
+            </a:r>
+            <a:endParaRPr lang="en-US" sz="1600" dirty="0">
+              <a:latin typeface="+mj-lt"/>
+            </a:endParaRPr>
           </a:p>
         </p:txBody>
       </p:sp>
@@ -5956,15 +6779,12 @@
         </p:nvSpPr>
         <p:spPr>
           <a:xfrm>
-            <a:off x="3156277" y="2444161"/>
-            <a:ext cx="2697189" cy="491561"/>
+            <a:off x="6540939" y="3389438"/>
+            <a:ext cx="2376039" cy="826702"/>
           </a:xfrm>
           <a:prstGeom prst="rect">
             <a:avLst/>
           </a:prstGeom>
-          <a:solidFill>
-            <a:schemeClr val="bg2"/>
-          </a:solidFill>
         </p:spPr>
         <p:style>
           <a:lnRef idx="2">
@@ -5986,14 +6806,165 @@
           <a:p>
             <a:pPr algn="ctr"/>
             <a:r>
-              <a:rPr lang="en-US" sz="1600" dirty="0" smtClean="0"/>
-              <a:t>Multipath RTP </a:t>
-            </a:r>
+              <a:rPr lang="en-US" sz="1600" i="1" dirty="0" smtClean="0"/>
+              <a:t>Signaling Protocol</a:t>
+            </a:r>
+          </a:p>
+          <a:p>
+            <a:pPr algn="ctr"/>
+            <a:r>
+              <a:rPr lang="en-US" sz="1200" i="1" dirty="0" smtClean="0"/>
+              <a:t>(e.g., SIP, Jingle, …)</a:t>
+            </a:r>
+            <a:endParaRPr lang="en-US" sz="1200" i="1" dirty="0"/>
+          </a:p>
+        </p:txBody>
+      </p:sp>
+      <p:sp>
+        <p:nvSpPr>
+          <p:cNvPr id="17" name="Rectangle 16"/>
+          <p:cNvSpPr/>
+          <p:nvPr/>
+        </p:nvSpPr>
+        <p:spPr>
+          <a:xfrm>
+            <a:off x="5762584" y="3384770"/>
+            <a:ext cx="778355" cy="831370"/>
+          </a:xfrm>
+          <a:prstGeom prst="rect">
+            <a:avLst/>
+          </a:prstGeom>
+        </p:spPr>
+        <p:style>
+          <a:lnRef idx="2">
+            <a:schemeClr val="dk1"/>
+          </a:lnRef>
+          <a:fillRef idx="1">
+            <a:schemeClr val="lt1"/>
+          </a:fillRef>
+          <a:effectRef idx="0">
+            <a:schemeClr val="dk1"/>
+          </a:effectRef>
+          <a:fontRef idx="minor">
+            <a:schemeClr val="dk1"/>
+          </a:fontRef>
+        </p:style>
+        <p:txBody>
+          <a:bodyPr rtlCol="0" anchor="ctr"/>
+          <a:lstStyle/>
+          <a:p>
+            <a:pPr algn="ctr"/>
             <a:r>
               <a:rPr lang="en-US" sz="1600" dirty="0" smtClean="0">
                 <a:latin typeface="+mj-lt"/>
               </a:rPr>
-              <a:t>(MPRTP)</a:t>
+              <a:t>DTLS</a:t>
+            </a:r>
+            <a:endParaRPr lang="en-US" sz="1600" dirty="0">
+              <a:latin typeface="+mj-lt"/>
+            </a:endParaRPr>
+          </a:p>
+        </p:txBody>
+      </p:sp>
+      <p:sp>
+        <p:nvSpPr>
+          <p:cNvPr id="6" name="TextBox 5"/>
+          <p:cNvSpPr txBox="1"/>
+          <p:nvPr/>
+        </p:nvSpPr>
+        <p:spPr>
+          <a:xfrm>
+            <a:off x="5762585" y="6211669"/>
+            <a:ext cx="3154390" cy="646331"/>
+          </a:xfrm>
+          <a:prstGeom prst="rect">
+            <a:avLst/>
+          </a:prstGeom>
+          <a:noFill/>
+        </p:spPr>
+        <p:txBody>
+          <a:bodyPr wrap="square" rtlCol="0">
+            <a:spAutoFit/>
+          </a:bodyPr>
+          <a:lstStyle/>
+          <a:p>
+            <a:pPr algn="just"/>
+            <a:r>
+              <a:rPr lang="en-US" sz="1200" dirty="0" smtClean="0">
+                <a:latin typeface="+mj-lt"/>
+              </a:rPr>
+              <a:t>Note:</a:t>
+            </a:r>
+            <a:r>
+              <a:rPr lang="en-US" sz="1200" dirty="0" smtClean="0"/>
+              <a:t> *RTP can be sent over UDP or TCP.</a:t>
+            </a:r>
+          </a:p>
+          <a:p>
+            <a:pPr algn="just"/>
+            <a:r>
+              <a:rPr lang="en-US" sz="1200" dirty="0" smtClean="0"/>
+              <a:t>Similarly, signaling </a:t>
+            </a:r>
+            <a:r>
+              <a:rPr lang="en-US" sz="1200" dirty="0"/>
+              <a:t>p</a:t>
+            </a:r>
+            <a:r>
+              <a:rPr lang="en-US" sz="1200" dirty="0" smtClean="0"/>
+              <a:t>rotocols can be designed to transmit over UDP or TCP.</a:t>
+            </a:r>
+            <a:endParaRPr lang="en-US" sz="1200" dirty="0"/>
+          </a:p>
+        </p:txBody>
+      </p:sp>
+      <p:sp>
+        <p:nvSpPr>
+          <p:cNvPr id="20" name="Rectangle 19"/>
+          <p:cNvSpPr/>
+          <p:nvPr/>
+        </p:nvSpPr>
+        <p:spPr>
+          <a:xfrm>
+            <a:off x="5762580" y="1708375"/>
+            <a:ext cx="1570372" cy="1676395"/>
+          </a:xfrm>
+          <a:prstGeom prst="rect">
+            <a:avLst/>
+          </a:prstGeom>
+        </p:spPr>
+        <p:style>
+          <a:lnRef idx="2">
+            <a:schemeClr val="dk1"/>
+          </a:lnRef>
+          <a:fillRef idx="1">
+            <a:schemeClr val="lt1"/>
+          </a:fillRef>
+          <a:effectRef idx="0">
+            <a:schemeClr val="dk1"/>
+          </a:effectRef>
+          <a:fontRef idx="minor">
+            <a:schemeClr val="dk1"/>
+          </a:fontRef>
+        </p:style>
+        <p:txBody>
+          <a:bodyPr vert="horz" rtlCol="0" anchor="ctr"/>
+          <a:lstStyle/>
+          <a:p>
+            <a:pPr algn="ctr"/>
+            <a:r>
+              <a:rPr lang="en-US" sz="1600" dirty="0" smtClean="0"/>
+              <a:t>Secure RTP </a:t>
+            </a:r>
+            <a:r>
+              <a:rPr lang="en-US" sz="1600" dirty="0" smtClean="0">
+                <a:latin typeface="+mj-lt"/>
+              </a:rPr>
+              <a:t>(SRTP)</a:t>
+            </a:r>
+            <a:r>
+              <a:rPr lang="en-US" sz="1600" dirty="0" smtClean="0"/>
+              <a:t> Keying</a:t>
             </a:r>
             <a:endParaRPr lang="en-US" sz="1400" dirty="0">
               <a:latin typeface="+mj-lt"/>
@@ -6001,242 +6972,76 @@
           </a:p>
         </p:txBody>
       </p:sp>
-      <p:sp>
-        <p:nvSpPr>
-          <p:cNvPr id="15" name="Rectangle 14"/>
-          <p:cNvSpPr/>
-          <p:nvPr/>
-        </p:nvSpPr>
-        <p:spPr>
-          <a:xfrm>
-            <a:off x="3156277" y="1708376"/>
-            <a:ext cx="2697189" cy="735785"/>
-          </a:xfrm>
-          <a:prstGeom prst="rect">
-            <a:avLst/>
-          </a:prstGeom>
-        </p:spPr>
-        <p:style>
-          <a:lnRef idx="2">
-            <a:schemeClr val="dk1"/>
-          </a:lnRef>
-          <a:fillRef idx="1">
-            <a:schemeClr val="lt1"/>
-          </a:fillRef>
-          <a:effectRef idx="0">
-            <a:schemeClr val="dk1"/>
-          </a:effectRef>
-          <a:fontRef idx="minor">
-            <a:schemeClr val="dk1"/>
-          </a:fontRef>
-        </p:style>
-        <p:txBody>
-          <a:bodyPr rtlCol="0" anchor="ctr"/>
-          <a:lstStyle/>
-          <a:p>
-            <a:pPr algn="ctr"/>
-            <a:r>
-              <a:rPr lang="en-US" sz="1600" dirty="0" smtClean="0"/>
-              <a:t>SSRC #1</a:t>
-            </a:r>
-            <a:endParaRPr lang="en-US" sz="1400" dirty="0">
-              <a:latin typeface="+mj-lt"/>
-            </a:endParaRPr>
-          </a:p>
-        </p:txBody>
-      </p:sp>
-      <p:sp>
-        <p:nvSpPr>
-          <p:cNvPr id="17" name="Rectangle 16"/>
-          <p:cNvSpPr/>
-          <p:nvPr/>
-        </p:nvSpPr>
-        <p:spPr>
-          <a:xfrm>
-            <a:off x="5839810" y="1708375"/>
-            <a:ext cx="996841" cy="1676395"/>
-          </a:xfrm>
-          <a:prstGeom prst="rect">
-            <a:avLst/>
-          </a:prstGeom>
-        </p:spPr>
-        <p:style>
-          <a:lnRef idx="2">
-            <a:schemeClr val="dk1"/>
-          </a:lnRef>
-          <a:fillRef idx="1">
-            <a:schemeClr val="lt1"/>
-          </a:fillRef>
-          <a:effectRef idx="0">
-            <a:schemeClr val="dk1"/>
-          </a:effectRef>
-          <a:fontRef idx="minor">
-            <a:schemeClr val="dk1"/>
-          </a:fontRef>
-        </p:style>
-        <p:txBody>
-          <a:bodyPr rtlCol="0" anchor="ctr"/>
-          <a:lstStyle/>
-          <a:p>
-            <a:pPr algn="ctr"/>
-            <a:r>
-              <a:rPr lang="en-US" sz="1600" dirty="0" smtClean="0"/>
-              <a:t>SSRC #2</a:t>
-            </a:r>
-            <a:endParaRPr lang="en-US" sz="1400" dirty="0">
-              <a:latin typeface="+mj-lt"/>
-            </a:endParaRPr>
-          </a:p>
-        </p:txBody>
-      </p:sp>
-      <p:sp>
-        <p:nvSpPr>
-          <p:cNvPr id="18" name="Rectangle 17"/>
-          <p:cNvSpPr/>
-          <p:nvPr/>
-        </p:nvSpPr>
-        <p:spPr>
-          <a:xfrm>
-            <a:off x="6836651" y="1708376"/>
-            <a:ext cx="921505" cy="1681062"/>
-          </a:xfrm>
-          <a:prstGeom prst="rect">
-            <a:avLst/>
-          </a:prstGeom>
-        </p:spPr>
-        <p:style>
-          <a:lnRef idx="2">
-            <a:schemeClr val="dk1"/>
-          </a:lnRef>
-          <a:fillRef idx="1">
-            <a:schemeClr val="lt1"/>
-          </a:fillRef>
-          <a:effectRef idx="0">
-            <a:schemeClr val="dk1"/>
-          </a:effectRef>
-          <a:fontRef idx="minor">
-            <a:schemeClr val="dk1"/>
-          </a:fontRef>
-        </p:style>
-        <p:txBody>
-          <a:bodyPr rtlCol="0" anchor="ctr"/>
-          <a:lstStyle/>
-          <a:p>
-            <a:pPr algn="ctr"/>
-            <a:r>
-              <a:rPr lang="en-US" sz="1600" dirty="0" smtClean="0"/>
-              <a:t>SSRC #3</a:t>
-            </a:r>
-            <a:endParaRPr lang="en-US" sz="1400" dirty="0">
-              <a:latin typeface="+mj-lt"/>
-            </a:endParaRPr>
-          </a:p>
-        </p:txBody>
-      </p:sp>
-      <p:sp>
-        <p:nvSpPr>
-          <p:cNvPr id="16" name="Rectangle 15"/>
-          <p:cNvSpPr/>
-          <p:nvPr/>
-        </p:nvSpPr>
-        <p:spPr>
-          <a:xfrm>
-            <a:off x="4478973" y="5052177"/>
-            <a:ext cx="3274301" cy="831370"/>
-          </a:xfrm>
-          <a:prstGeom prst="rect">
-            <a:avLst/>
-          </a:prstGeom>
-        </p:spPr>
-        <p:style>
-          <a:lnRef idx="2">
-            <a:schemeClr val="dk1"/>
-          </a:lnRef>
-          <a:fillRef idx="1">
-            <a:schemeClr val="lt1"/>
-          </a:fillRef>
-          <a:effectRef idx="0">
-            <a:schemeClr val="dk1"/>
-          </a:effectRef>
-          <a:fontRef idx="minor">
-            <a:schemeClr val="dk1"/>
-          </a:fontRef>
-        </p:style>
-        <p:txBody>
-          <a:bodyPr rtlCol="0" anchor="ctr"/>
-          <a:lstStyle/>
-          <a:p>
-            <a:pPr algn="ctr"/>
-            <a:r>
-              <a:rPr lang="en-US" dirty="0" smtClean="0"/>
-              <a:t>Internet Protocol </a:t>
-            </a:r>
-            <a:r>
-              <a:rPr lang="en-US" dirty="0" smtClean="0">
-                <a:latin typeface="+mj-lt"/>
-              </a:rPr>
-              <a:t>(IP)</a:t>
-            </a:r>
-            <a:endParaRPr lang="en-US" sz="1600" dirty="0">
-              <a:latin typeface="+mj-lt"/>
-            </a:endParaRPr>
-          </a:p>
-        </p:txBody>
-      </p:sp>
-      <p:sp>
-        <p:nvSpPr>
-          <p:cNvPr id="19" name="Rectangle 18"/>
-          <p:cNvSpPr/>
-          <p:nvPr/>
-        </p:nvSpPr>
-        <p:spPr>
-          <a:xfrm>
-            <a:off x="4478973" y="4220807"/>
-            <a:ext cx="3274301" cy="831370"/>
-          </a:xfrm>
-          <a:prstGeom prst="rect">
-            <a:avLst/>
-          </a:prstGeom>
-        </p:spPr>
-        <p:style>
-          <a:lnRef idx="2">
-            <a:schemeClr val="dk1"/>
-          </a:lnRef>
-          <a:fillRef idx="1">
-            <a:schemeClr val="lt1"/>
-          </a:fillRef>
-          <a:effectRef idx="0">
-            <a:schemeClr val="dk1"/>
-          </a:effectRef>
-          <a:fontRef idx="minor">
-            <a:schemeClr val="dk1"/>
-          </a:fontRef>
-        </p:style>
-        <p:txBody>
-          <a:bodyPr rtlCol="0" anchor="ctr"/>
-          <a:lstStyle/>
-          <a:p>
-            <a:pPr algn="ctr"/>
-            <a:r>
-              <a:rPr lang="en-US" dirty="0" smtClean="0"/>
-              <a:t>User Datagram Protocol </a:t>
-            </a:r>
-            <a:r>
-              <a:rPr lang="en-US" dirty="0" smtClean="0">
-                <a:latin typeface="+mj-lt"/>
-              </a:rPr>
-              <a:t>(UDP)</a:t>
-            </a:r>
-            <a:endParaRPr lang="en-US" sz="1600" dirty="0">
-              <a:latin typeface="+mj-lt"/>
-            </a:endParaRPr>
-          </a:p>
-        </p:txBody>
-      </p:sp>
+      <p:cxnSp>
+        <p:nvCxnSpPr>
+          <p:cNvPr id="11" name="Straight Connector 10"/>
+          <p:cNvCxnSpPr/>
+          <p:nvPr/>
+        </p:nvCxnSpPr>
+        <p:spPr>
+          <a:xfrm>
+            <a:off x="4028346" y="3389438"/>
+            <a:ext cx="0" cy="493124"/>
+          </a:xfrm>
+          <a:prstGeom prst="line">
+            <a:avLst/>
+          </a:prstGeom>
+          <a:ln>
+            <a:prstDash val="dash"/>
+          </a:ln>
+        </p:spPr>
+        <p:style>
+          <a:lnRef idx="1">
+            <a:schemeClr val="dk1"/>
+          </a:lnRef>
+          <a:fillRef idx="0">
+            <a:schemeClr val="dk1"/>
+          </a:fillRef>
+          <a:effectRef idx="0">
+            <a:schemeClr val="dk1"/>
+          </a:effectRef>
+          <a:fontRef idx="minor">
+            <a:schemeClr val="tx1"/>
+          </a:fontRef>
+        </p:style>
+      </p:cxnSp>
+      <p:cxnSp>
+        <p:nvCxnSpPr>
+          <p:cNvPr id="22" name="Straight Connector 21"/>
+          <p:cNvCxnSpPr/>
+          <p:nvPr/>
+        </p:nvCxnSpPr>
+        <p:spPr>
+          <a:xfrm>
+            <a:off x="3168055" y="3384770"/>
+            <a:ext cx="0" cy="493124"/>
+          </a:xfrm>
+          <a:prstGeom prst="line">
+            <a:avLst/>
+          </a:prstGeom>
+          <a:ln>
+            <a:prstDash val="dash"/>
+          </a:ln>
+        </p:spPr>
+        <p:style>
+          <a:lnRef idx="1">
+            <a:schemeClr val="dk1"/>
+          </a:lnRef>
+          <a:fillRef idx="0">
+            <a:schemeClr val="dk1"/>
+          </a:fillRef>
+          <a:effectRef idx="0">
+            <a:schemeClr val="dk1"/>
+          </a:effectRef>
+          <a:fontRef idx="minor">
+            <a:schemeClr val="tx1"/>
+          </a:fontRef>
+        </p:style>
+      </p:cxnSp>
     </p:spTree>
     <p:extLst>
       <p:ext uri="{BB962C8B-B14F-4D97-AF65-F5344CB8AC3E}">
-        <p14:creationId xmlns:p14="http://schemas.microsoft.com/office/powerpoint/2010/main" val="2770741297"/>
+        <p14:creationId xmlns:p14="http://schemas.microsoft.com/office/powerpoint/2010/main" val="3019611239"/>
       </p:ext>
     </p:extLst>
   </p:cSld>
@@ -6271,8 +7076,8 @@
         </p:nvSpPr>
         <p:spPr>
           <a:xfrm>
-            <a:off x="358037" y="5052177"/>
-            <a:ext cx="8558942" cy="831370"/>
+            <a:off x="139556" y="5052177"/>
+            <a:ext cx="8900321" cy="831370"/>
           </a:xfrm>
           <a:prstGeom prst="rect">
             <a:avLst/>
@@ -6340,8 +7145,8 @@
         </p:nvSpPr>
         <p:spPr>
           <a:xfrm>
-            <a:off x="358036" y="4220807"/>
-            <a:ext cx="6524288" cy="831370"/>
+            <a:off x="139555" y="4220807"/>
+            <a:ext cx="6660835" cy="831370"/>
           </a:xfrm>
           <a:prstGeom prst="rect">
             <a:avLst/>
@@ -6400,7 +7205,7 @@
         </p:nvSpPr>
         <p:spPr>
           <a:xfrm>
-            <a:off x="358038" y="3389437"/>
+            <a:off x="139558" y="3389437"/>
             <a:ext cx="1936070" cy="831370"/>
           </a:xfrm>
           <a:prstGeom prst="rect">
@@ -6450,7 +7255,7 @@
         </p:nvSpPr>
         <p:spPr>
           <a:xfrm>
-            <a:off x="2294109" y="3389437"/>
+            <a:off x="2075629" y="3389437"/>
             <a:ext cx="3468476" cy="831370"/>
           </a:xfrm>
           <a:prstGeom prst="rect">
@@ -6505,8 +7310,8 @@
         </p:nvSpPr>
         <p:spPr>
           <a:xfrm>
-            <a:off x="3168055" y="1708375"/>
-            <a:ext cx="873946" cy="1676395"/>
+            <a:off x="2949575" y="1597583"/>
+            <a:ext cx="873946" cy="1787187"/>
           </a:xfrm>
           <a:prstGeom prst="rect">
             <a:avLst/>
@@ -6549,8 +7354,8 @@
         </p:nvSpPr>
         <p:spPr>
           <a:xfrm>
-            <a:off x="2294109" y="1708375"/>
-            <a:ext cx="873946" cy="1676395"/>
+            <a:off x="2075629" y="1597583"/>
+            <a:ext cx="873946" cy="1787187"/>
           </a:xfrm>
           <a:prstGeom prst="rect">
             <a:avLst/>
@@ -6593,7 +7398,7 @@
         </p:nvSpPr>
         <p:spPr>
           <a:xfrm>
-            <a:off x="2294108" y="3877894"/>
+            <a:off x="2075628" y="3877894"/>
             <a:ext cx="1747893" cy="342914"/>
           </a:xfrm>
           <a:prstGeom prst="rect">
@@ -6639,7 +7444,7 @@
         </p:nvCxnSpPr>
         <p:spPr>
           <a:xfrm flipH="1">
-            <a:off x="2294108" y="3384770"/>
+            <a:off x="2075628" y="3384770"/>
             <a:ext cx="2" cy="664581"/>
           </a:xfrm>
           <a:prstGeom prst="line">
@@ -6672,8 +7477,8 @@
         </p:nvSpPr>
         <p:spPr>
           <a:xfrm>
-            <a:off x="4028346" y="1708375"/>
-            <a:ext cx="873946" cy="1676395"/>
+            <a:off x="3809866" y="1597583"/>
+            <a:ext cx="873946" cy="1787187"/>
           </a:xfrm>
           <a:prstGeom prst="rect">
             <a:avLst/>
@@ -6716,8 +7521,8 @@
         </p:nvSpPr>
         <p:spPr>
           <a:xfrm>
-            <a:off x="4888638" y="1708375"/>
-            <a:ext cx="873946" cy="1676395"/>
+            <a:off x="4670158" y="1597583"/>
+            <a:ext cx="873946" cy="1787187"/>
           </a:xfrm>
           <a:prstGeom prst="rect">
             <a:avLst/>
@@ -6760,8 +7565,8 @@
         </p:nvSpPr>
         <p:spPr>
           <a:xfrm>
-            <a:off x="6882324" y="4220808"/>
-            <a:ext cx="2034654" cy="831370"/>
+            <a:off x="6800391" y="4220808"/>
+            <a:ext cx="2239485" cy="831370"/>
           </a:xfrm>
           <a:prstGeom prst="rect">
             <a:avLst/>
@@ -6810,8 +7615,8 @@
         </p:nvSpPr>
         <p:spPr>
           <a:xfrm>
-            <a:off x="6540939" y="3389438"/>
-            <a:ext cx="2376039" cy="826702"/>
+            <a:off x="6554595" y="3389438"/>
+            <a:ext cx="2485281" cy="826702"/>
           </a:xfrm>
           <a:prstGeom prst="rect">
             <a:avLst/>
@@ -6859,8 +7664,8 @@
         </p:nvSpPr>
         <p:spPr>
           <a:xfrm>
-            <a:off x="5762584" y="3384770"/>
-            <a:ext cx="778355" cy="831370"/>
+            <a:off x="5544105" y="3384770"/>
+            <a:ext cx="1010490" cy="831370"/>
           </a:xfrm>
           <a:prstGeom prst="rect">
             <a:avLst/>
@@ -6905,7 +7710,7 @@
         </p:nvSpPr>
         <p:spPr>
           <a:xfrm>
-            <a:off x="5762585" y="6211669"/>
+            <a:off x="5885487" y="6211669"/>
             <a:ext cx="3154390" cy="646331"/>
           </a:xfrm>
           <a:prstGeom prst="rect">
@@ -6957,8 +7762,8 @@
         </p:nvSpPr>
         <p:spPr>
           <a:xfrm>
-            <a:off x="5762580" y="1708375"/>
-            <a:ext cx="1570372" cy="1676395"/>
+            <a:off x="6308797" y="1597583"/>
+            <a:ext cx="1447478" cy="1787188"/>
           </a:xfrm>
           <a:prstGeom prst="rect">
             <a:avLst/>
@@ -7011,7 +7816,7 @@
         </p:nvCxnSpPr>
         <p:spPr>
           <a:xfrm>
-            <a:off x="4028346" y="3389438"/>
+            <a:off x="3809866" y="3389438"/>
             <a:ext cx="0" cy="493124"/>
           </a:xfrm>
           <a:prstGeom prst="line">
@@ -7044,7 +7849,7 @@
         </p:nvCxnSpPr>
         <p:spPr>
           <a:xfrm>
-            <a:off x="3168055" y="3384770"/>
+            <a:off x="2949575" y="3384770"/>
             <a:ext cx="0" cy="493124"/>
           </a:xfrm>
           <a:prstGeom prst="line">
@@ -7069,10 +7874,111 @@
           </a:fontRef>
         </p:style>
       </p:cxnSp>
+      <p:sp>
+        <p:nvSpPr>
+          <p:cNvPr id="23" name="Rectangle 22"/>
+          <p:cNvSpPr/>
+          <p:nvPr/>
+        </p:nvSpPr>
+        <p:spPr>
+          <a:xfrm>
+            <a:off x="5544104" y="2553398"/>
+            <a:ext cx="764693" cy="831372"/>
+          </a:xfrm>
+          <a:prstGeom prst="rect">
+            <a:avLst/>
+          </a:prstGeom>
+        </p:spPr>
+        <p:style>
+          <a:lnRef idx="2">
+            <a:schemeClr val="dk1"/>
+          </a:lnRef>
+          <a:fillRef idx="1">
+            <a:schemeClr val="lt1"/>
+          </a:fillRef>
+          <a:effectRef idx="0">
+            <a:schemeClr val="dk1"/>
+          </a:effectRef>
+          <a:fontRef idx="minor">
+            <a:schemeClr val="dk1"/>
+          </a:fontRef>
+        </p:style>
+        <p:txBody>
+          <a:bodyPr vert="horz" rtlCol="0" anchor="ctr"/>
+          <a:lstStyle/>
+          <a:p>
+            <a:pPr algn="ctr"/>
+            <a:r>
+              <a:rPr lang="en-US" sz="1600" dirty="0" smtClean="0">
+                <a:latin typeface="+mj-lt"/>
+              </a:rPr>
+              <a:t>SCTP</a:t>
+            </a:r>
+            <a:endParaRPr lang="en-US" sz="1400" dirty="0">
+              <a:latin typeface="+mj-lt"/>
+            </a:endParaRPr>
+          </a:p>
+        </p:txBody>
+      </p:sp>
+      <p:sp>
+        <p:nvSpPr>
+          <p:cNvPr id="26" name="Rectangle 25"/>
+          <p:cNvSpPr/>
+          <p:nvPr/>
+        </p:nvSpPr>
+        <p:spPr>
+          <a:xfrm>
+            <a:off x="5544106" y="1597583"/>
+            <a:ext cx="764693" cy="955815"/>
+          </a:xfrm>
+          <a:prstGeom prst="rect">
+            <a:avLst/>
+          </a:prstGeom>
+        </p:spPr>
+        <p:style>
+          <a:lnRef idx="2">
+            <a:schemeClr val="dk1"/>
+          </a:lnRef>
+          <a:fillRef idx="1">
+            <a:schemeClr val="lt1"/>
+          </a:fillRef>
+          <a:effectRef idx="0">
+            <a:schemeClr val="dk1"/>
+          </a:effectRef>
+          <a:fontRef idx="minor">
+            <a:schemeClr val="dk1"/>
+          </a:fontRef>
+        </p:style>
+        <p:txBody>
+          <a:bodyPr vert="vert270" rtlCol="0" anchor="ctr"/>
+          <a:lstStyle/>
+          <a:p>
+            <a:pPr algn="ctr"/>
+            <a:r>
+              <a:rPr lang="en-US" sz="1600" dirty="0" smtClean="0">
+                <a:latin typeface="+mj-lt"/>
+              </a:rPr>
+              <a:t>Data</a:t>
+            </a:r>
+          </a:p>
+          <a:p>
+            <a:pPr algn="ctr"/>
+            <a:r>
+              <a:rPr lang="en-US" sz="1600" dirty="0" smtClean="0">
+                <a:latin typeface="+mj-lt"/>
+              </a:rPr>
+              <a:t>Channel</a:t>
+            </a:r>
+            <a:endParaRPr lang="en-US" sz="1400" dirty="0">
+              <a:latin typeface="+mj-lt"/>
+            </a:endParaRPr>
+          </a:p>
+        </p:txBody>
+      </p:sp>
     </p:spTree>
     <p:extLst>
       <p:ext uri="{BB962C8B-B14F-4D97-AF65-F5344CB8AC3E}">
-        <p14:creationId xmlns:p14="http://schemas.microsoft.com/office/powerpoint/2010/main" val="3019611239"/>
+        <p14:creationId xmlns:p14="http://schemas.microsoft.com/office/powerpoint/2010/main" val="3585768518"/>
       </p:ext>
     </p:extLst>
   </p:cSld>
@@ -7101,538 +8007,624 @@
       </p:grpSpPr>
       <p:sp>
         <p:nvSpPr>
-          <p:cNvPr id="2" name="Rectangle 1"/>
+          <p:cNvPr id="3" name="Rounded Rectangle 2"/>
           <p:cNvSpPr/>
           <p:nvPr/>
         </p:nvSpPr>
         <p:spPr>
           <a:xfrm>
-            <a:off x="139556" y="5052177"/>
-            <a:ext cx="8900321" cy="831370"/>
+            <a:off x="91786" y="2526093"/>
+            <a:ext cx="1474785" cy="873892"/>
+          </a:xfrm>
+          <a:prstGeom prst="roundRect">
+            <a:avLst/>
+          </a:prstGeom>
+          <a:solidFill>
+            <a:srgbClr val="404040"/>
+          </a:solidFill>
+          <a:ln>
+            <a:noFill/>
+          </a:ln>
+        </p:spPr>
+        <p:style>
+          <a:lnRef idx="2">
+            <a:schemeClr val="accent3">
+              <a:shade val="50000"/>
+            </a:schemeClr>
+          </a:lnRef>
+          <a:fillRef idx="1">
+            <a:schemeClr val="accent3"/>
+          </a:fillRef>
+          <a:effectRef idx="0">
+            <a:schemeClr val="accent3"/>
+          </a:effectRef>
+          <a:fontRef idx="minor">
+            <a:schemeClr val="lt1"/>
+          </a:fontRef>
+        </p:style>
+        <p:txBody>
+          <a:bodyPr rtlCol="0" anchor="ctr"/>
+          <a:lstStyle/>
+          <a:p>
+            <a:pPr algn="ctr"/>
+            <a:r>
+              <a:rPr lang="en-US" dirty="0" smtClean="0"/>
+              <a:t>Receive</a:t>
+            </a:r>
+          </a:p>
+          <a:p>
+            <a:pPr algn="ctr"/>
+            <a:r>
+              <a:rPr lang="en-US" dirty="0" smtClean="0"/>
+              <a:t>UDP Packet</a:t>
+            </a:r>
+          </a:p>
+        </p:txBody>
+      </p:sp>
+      <p:cxnSp>
+        <p:nvCxnSpPr>
+          <p:cNvPr id="5" name="Straight Arrow Connector 4"/>
+          <p:cNvCxnSpPr>
+            <a:stCxn id="3" idx="3"/>
+            <a:endCxn id="6" idx="1"/>
+          </p:cNvCxnSpPr>
+          <p:nvPr/>
+        </p:nvCxnSpPr>
+        <p:spPr>
+          <a:xfrm>
+            <a:off x="1566571" y="2963039"/>
+            <a:ext cx="450627" cy="0"/>
+          </a:xfrm>
+          <a:prstGeom prst="straightConnector1">
+            <a:avLst/>
+          </a:prstGeom>
+          <a:ln>
+            <a:tailEnd type="arrow"/>
+          </a:ln>
+        </p:spPr>
+        <p:style>
+          <a:lnRef idx="1">
+            <a:schemeClr val="dk1"/>
+          </a:lnRef>
+          <a:fillRef idx="0">
+            <a:schemeClr val="dk1"/>
+          </a:fillRef>
+          <a:effectRef idx="0">
+            <a:schemeClr val="dk1"/>
+          </a:effectRef>
+          <a:fontRef idx="minor">
+            <a:schemeClr val="tx1"/>
+          </a:fontRef>
+        </p:style>
+      </p:cxnSp>
+      <p:sp>
+        <p:nvSpPr>
+          <p:cNvPr id="6" name="Rectangle 5"/>
+          <p:cNvSpPr/>
+          <p:nvPr/>
+        </p:nvSpPr>
+        <p:spPr>
+          <a:xfrm>
+            <a:off x="2017198" y="710037"/>
+            <a:ext cx="751048" cy="4506003"/>
           </a:xfrm>
           <a:prstGeom prst="rect">
             <a:avLst/>
           </a:prstGeom>
-        </p:spPr>
-        <p:style>
-          <a:lnRef idx="2">
-            <a:schemeClr val="dk1"/>
-          </a:lnRef>
-          <a:fillRef idx="1">
-            <a:schemeClr val="lt1"/>
-          </a:fillRef>
-          <a:effectRef idx="0">
-            <a:schemeClr val="dk1"/>
-          </a:effectRef>
-          <a:fontRef idx="minor">
-            <a:schemeClr val="dk1"/>
-          </a:fontRef>
-        </p:style>
-        <p:txBody>
-          <a:bodyPr rtlCol="0" anchor="ctr"/>
-          <a:lstStyle/>
-          <a:p>
-            <a:pPr lvl="0" algn="ctr"/>
-            <a:r>
-              <a:rPr lang="en-US" dirty="0">
-                <a:solidFill>
-                  <a:prstClr val="black"/>
-                </a:solidFill>
-              </a:rPr>
-              <a:t>Internet Protocol </a:t>
-            </a:r>
-            <a:r>
-              <a:rPr lang="en-US" dirty="0">
-                <a:solidFill>
-                  <a:prstClr val="black"/>
-                </a:solidFill>
-                <a:latin typeface="Nexa Bold"/>
-              </a:rPr>
-              <a:t>(IP</a:t>
-            </a:r>
-            <a:r>
-              <a:rPr lang="en-US" dirty="0" smtClean="0">
-                <a:solidFill>
-                  <a:prstClr val="black"/>
-                </a:solidFill>
-                <a:latin typeface="Nexa Bold"/>
-              </a:rPr>
-              <a:t>)</a:t>
-            </a:r>
-            <a:endParaRPr lang="en-US" sz="1600" dirty="0">
-              <a:solidFill>
-                <a:prstClr val="black"/>
-              </a:solidFill>
-              <a:latin typeface="Nexa Bold"/>
-            </a:endParaRPr>
-          </a:p>
-        </p:txBody>
-      </p:sp>
-      <p:sp>
-        <p:nvSpPr>
-          <p:cNvPr id="3" name="Rectangle 2"/>
-          <p:cNvSpPr/>
-          <p:nvPr/>
-        </p:nvSpPr>
-        <p:spPr>
-          <a:xfrm>
-            <a:off x="139555" y="4220807"/>
-            <a:ext cx="6660835" cy="831370"/>
-          </a:xfrm>
-          <a:prstGeom prst="rect">
-            <a:avLst/>
-          </a:prstGeom>
-        </p:spPr>
-        <p:style>
-          <a:lnRef idx="2">
-            <a:schemeClr val="dk1"/>
-          </a:lnRef>
-          <a:fillRef idx="1">
-            <a:schemeClr val="lt1"/>
-          </a:fillRef>
-          <a:effectRef idx="0">
-            <a:schemeClr val="dk1"/>
-          </a:effectRef>
-          <a:fontRef idx="minor">
-            <a:schemeClr val="dk1"/>
-          </a:fontRef>
-        </p:style>
-        <p:txBody>
-          <a:bodyPr rtlCol="0" anchor="ctr"/>
-          <a:lstStyle/>
-          <a:p>
-            <a:pPr lvl="0" algn="ctr"/>
-            <a:r>
-              <a:rPr lang="en-US" dirty="0">
-                <a:solidFill>
-                  <a:prstClr val="black"/>
-                </a:solidFill>
-              </a:rPr>
-              <a:t>User Datagram Protocol </a:t>
-            </a:r>
-            <a:r>
-              <a:rPr lang="en-US" dirty="0">
-                <a:solidFill>
-                  <a:prstClr val="black"/>
-                </a:solidFill>
-                <a:latin typeface="Nexa Bold"/>
-              </a:rPr>
-              <a:t>(UDP)</a:t>
-            </a:r>
-            <a:endParaRPr lang="en-US" sz="1600" dirty="0">
-              <a:solidFill>
-                <a:prstClr val="black"/>
-              </a:solidFill>
-              <a:latin typeface="Nexa Bold"/>
-            </a:endParaRPr>
-          </a:p>
-        </p:txBody>
-      </p:sp>
-      <p:sp>
-        <p:nvSpPr>
-          <p:cNvPr id="4" name="Rectangle 3"/>
-          <p:cNvSpPr/>
-          <p:nvPr/>
-        </p:nvSpPr>
-        <p:spPr>
-          <a:xfrm>
-            <a:off x="139558" y="3389437"/>
-            <a:ext cx="1936070" cy="831370"/>
-          </a:xfrm>
-          <a:prstGeom prst="rect">
-            <a:avLst/>
-          </a:prstGeom>
-        </p:spPr>
-        <p:style>
-          <a:lnRef idx="2">
-            <a:schemeClr val="dk1"/>
-          </a:lnRef>
-          <a:fillRef idx="1">
-            <a:schemeClr val="lt1"/>
-          </a:fillRef>
-          <a:effectRef idx="0">
-            <a:schemeClr val="dk1"/>
-          </a:effectRef>
-          <a:fontRef idx="minor">
-            <a:schemeClr val="dk1"/>
-          </a:fontRef>
-        </p:style>
-        <p:txBody>
-          <a:bodyPr rtlCol="0" anchor="ctr"/>
-          <a:lstStyle/>
-          <a:p>
-            <a:pPr algn="ctr"/>
-            <a:r>
-              <a:rPr lang="en-US" sz="1600" dirty="0" smtClean="0"/>
-              <a:t>Session Traversal Utilities for NAT </a:t>
-            </a:r>
-            <a:r>
-              <a:rPr lang="en-US" sz="1600" dirty="0" smtClean="0">
-                <a:latin typeface="+mj-lt"/>
-              </a:rPr>
-              <a:t>(STUN)</a:t>
-            </a:r>
-            <a:endParaRPr lang="en-US" sz="1600" dirty="0">
-              <a:latin typeface="+mj-lt"/>
-            </a:endParaRPr>
-          </a:p>
-        </p:txBody>
-      </p:sp>
-      <p:sp>
-        <p:nvSpPr>
-          <p:cNvPr id="5" name="Rectangle 4"/>
-          <p:cNvSpPr/>
-          <p:nvPr/>
-        </p:nvSpPr>
-        <p:spPr>
-          <a:xfrm>
-            <a:off x="2075629" y="3389437"/>
-            <a:ext cx="3468476" cy="831370"/>
-          </a:xfrm>
-          <a:prstGeom prst="rect">
-            <a:avLst/>
-          </a:prstGeom>
           <a:solidFill>
-            <a:schemeClr val="tx2">
-              <a:lumMod val="20000"/>
-              <a:lumOff val="80000"/>
+            <a:schemeClr val="tx1">
+              <a:lumMod val="75000"/>
+              <a:lumOff val="25000"/>
             </a:schemeClr>
           </a:solidFill>
+          <a:ln>
+            <a:noFill/>
+          </a:ln>
         </p:spPr>
         <p:style>
           <a:lnRef idx="2">
-            <a:schemeClr val="dk1"/>
+            <a:schemeClr val="dk1">
+              <a:shade val="50000"/>
+            </a:schemeClr>
           </a:lnRef>
           <a:fillRef idx="1">
+            <a:schemeClr val="dk1"/>
+          </a:fillRef>
+          <a:effectRef idx="0">
+            <a:schemeClr val="dk1"/>
+          </a:effectRef>
+          <a:fontRef idx="minor">
             <a:schemeClr val="lt1"/>
-          </a:fillRef>
-          <a:effectRef idx="0">
-            <a:schemeClr val="dk1"/>
-          </a:effectRef>
-          <a:fontRef idx="minor">
-            <a:schemeClr val="dk1"/>
-          </a:fontRef>
-        </p:style>
-        <p:txBody>
-          <a:bodyPr rtlCol="0" anchor="ctr"/>
+          </a:fontRef>
+        </p:style>
+        <p:txBody>
+          <a:bodyPr vert="vert270" rtlCol="0" anchor="ctr"/>
           <a:lstStyle/>
           <a:p>
             <a:pPr algn="ctr"/>
+            <a:r>
+              <a:rPr lang="en-US" sz="2000" dirty="0" smtClean="0">
+                <a:latin typeface="Courier"/>
+                <a:cs typeface="Courier"/>
+              </a:rPr>
+              <a:t>H</a:t>
+            </a:r>
+            <a:r>
+              <a:rPr lang="en-US" dirty="0" smtClean="0"/>
+              <a:t>-&gt; </a:t>
+            </a:r>
+            <a:r>
+              <a:rPr lang="en-US" sz="1400" dirty="0" smtClean="0"/>
+              <a:t>Parse first 8-bits of UDP Payload</a:t>
+            </a:r>
+            <a:endParaRPr lang="en-US" sz="1600" dirty="0"/>
+          </a:p>
+        </p:txBody>
+      </p:sp>
+      <p:cxnSp>
+        <p:nvCxnSpPr>
+          <p:cNvPr id="20" name="Straight Arrow Connector 19"/>
+          <p:cNvCxnSpPr>
+            <a:endCxn id="25" idx="1"/>
+          </p:cNvCxnSpPr>
+          <p:nvPr/>
+        </p:nvCxnSpPr>
+        <p:spPr>
+          <a:xfrm>
+            <a:off x="2768246" y="1490632"/>
+            <a:ext cx="1631813" cy="0"/>
+          </a:xfrm>
+          <a:prstGeom prst="straightConnector1">
+            <a:avLst/>
+          </a:prstGeom>
+          <a:ln>
+            <a:tailEnd type="arrow"/>
+          </a:ln>
+        </p:spPr>
+        <p:style>
+          <a:lnRef idx="1">
+            <a:schemeClr val="dk1"/>
+          </a:lnRef>
+          <a:fillRef idx="0">
+            <a:schemeClr val="dk1"/>
+          </a:fillRef>
+          <a:effectRef idx="0">
+            <a:schemeClr val="dk1"/>
+          </a:effectRef>
+          <a:fontRef idx="minor">
+            <a:schemeClr val="tx1"/>
+          </a:fontRef>
+        </p:style>
+      </p:cxnSp>
+      <p:cxnSp>
+        <p:nvCxnSpPr>
+          <p:cNvPr id="22" name="Straight Arrow Connector 21"/>
+          <p:cNvCxnSpPr>
+            <a:stCxn id="6" idx="3"/>
+            <a:endCxn id="27" idx="1"/>
+          </p:cNvCxnSpPr>
+          <p:nvPr/>
+        </p:nvCxnSpPr>
+        <p:spPr>
+          <a:xfrm flipV="1">
+            <a:off x="2768246" y="2960544"/>
+            <a:ext cx="1634613" cy="2495"/>
+          </a:xfrm>
+          <a:prstGeom prst="straightConnector1">
+            <a:avLst/>
+          </a:prstGeom>
+          <a:ln>
+            <a:tailEnd type="arrow"/>
+          </a:ln>
+        </p:spPr>
+        <p:style>
+          <a:lnRef idx="1">
+            <a:schemeClr val="dk1"/>
+          </a:lnRef>
+          <a:fillRef idx="0">
+            <a:schemeClr val="dk1"/>
+          </a:fillRef>
+          <a:effectRef idx="0">
+            <a:schemeClr val="dk1"/>
+          </a:effectRef>
+          <a:fontRef idx="minor">
+            <a:schemeClr val="tx1"/>
+          </a:fontRef>
+        </p:style>
+      </p:cxnSp>
+      <p:cxnSp>
+        <p:nvCxnSpPr>
+          <p:cNvPr id="23" name="Straight Arrow Connector 22"/>
+          <p:cNvCxnSpPr>
+            <a:endCxn id="30" idx="1"/>
+          </p:cNvCxnSpPr>
+          <p:nvPr/>
+        </p:nvCxnSpPr>
+        <p:spPr>
+          <a:xfrm>
+            <a:off x="2771043" y="4476266"/>
+            <a:ext cx="1659123" cy="0"/>
+          </a:xfrm>
+          <a:prstGeom prst="straightConnector1">
+            <a:avLst/>
+          </a:prstGeom>
+          <a:ln>
+            <a:tailEnd type="arrow"/>
+          </a:ln>
+        </p:spPr>
+        <p:style>
+          <a:lnRef idx="1">
+            <a:schemeClr val="dk1"/>
+          </a:lnRef>
+          <a:fillRef idx="0">
+            <a:schemeClr val="dk1"/>
+          </a:fillRef>
+          <a:effectRef idx="0">
+            <a:schemeClr val="dk1"/>
+          </a:effectRef>
+          <a:fontRef idx="minor">
+            <a:schemeClr val="tx1"/>
+          </a:fontRef>
+        </p:style>
+      </p:cxnSp>
+      <p:sp>
+        <p:nvSpPr>
+          <p:cNvPr id="24" name="TextBox 23"/>
+          <p:cNvSpPr txBox="1"/>
+          <p:nvPr/>
+        </p:nvSpPr>
+        <p:spPr>
+          <a:xfrm>
+            <a:off x="3191558" y="1139826"/>
+            <a:ext cx="710451" cy="369332"/>
+          </a:xfrm>
+          <a:prstGeom prst="rect">
+            <a:avLst/>
+          </a:prstGeom>
+          <a:noFill/>
+        </p:spPr>
+        <p:txBody>
+          <a:bodyPr wrap="none" rtlCol="0">
+            <a:spAutoFit/>
+          </a:bodyPr>
+          <a:lstStyle/>
+          <a:p>
             <a:r>
               <a:rPr lang="en-US" dirty="0" smtClean="0">
                 <a:latin typeface="+mj-lt"/>
               </a:rPr>
-              <a:t>                     RTP</a:t>
-            </a:r>
-          </a:p>
-          <a:p>
-            <a:pPr algn="ctr"/>
-            <a:endParaRPr lang="en-US" sz="1600" dirty="0">
-              <a:latin typeface="+mj-lt"/>
-            </a:endParaRPr>
-          </a:p>
-        </p:txBody>
-      </p:sp>
-      <p:sp>
-        <p:nvSpPr>
-          <p:cNvPr id="15" name="Rectangle 14"/>
-          <p:cNvSpPr/>
-          <p:nvPr/>
-        </p:nvSpPr>
-        <p:spPr>
-          <a:xfrm>
-            <a:off x="2949575" y="1597583"/>
-            <a:ext cx="873946" cy="1787187"/>
+              <a:t>H</a:t>
+            </a:r>
+            <a:r>
+              <a:rPr lang="en-US" dirty="0" smtClean="0"/>
+              <a:t> &lt; 2</a:t>
+            </a:r>
+            <a:endParaRPr lang="en-US" dirty="0"/>
+          </a:p>
+        </p:txBody>
+      </p:sp>
+      <p:sp>
+        <p:nvSpPr>
+          <p:cNvPr id="25" name="TextBox 24"/>
+          <p:cNvSpPr txBox="1"/>
+          <p:nvPr/>
+        </p:nvSpPr>
+        <p:spPr>
+          <a:xfrm>
+            <a:off x="4400059" y="1167466"/>
+            <a:ext cx="4257464" cy="646331"/>
           </a:xfrm>
           <a:prstGeom prst="rect">
             <a:avLst/>
           </a:prstGeom>
-        </p:spPr>
-        <p:style>
-          <a:lnRef idx="2">
-            <a:schemeClr val="dk1"/>
-          </a:lnRef>
-          <a:fillRef idx="1">
-            <a:schemeClr val="lt1"/>
-          </a:fillRef>
-          <a:effectRef idx="0">
-            <a:schemeClr val="dk1"/>
-          </a:effectRef>
-          <a:fontRef idx="minor">
-            <a:schemeClr val="dk1"/>
-          </a:fontRef>
-        </p:style>
-        <p:txBody>
-          <a:bodyPr rtlCol="0" anchor="ctr"/>
-          <a:lstStyle/>
-          <a:p>
-            <a:pPr algn="ctr"/>
-            <a:r>
-              <a:rPr lang="en-US" sz="1600" dirty="0" smtClean="0"/>
-              <a:t>SSRC #2</a:t>
-            </a:r>
-            <a:endParaRPr lang="en-US" sz="1400" dirty="0">
-              <a:latin typeface="+mj-lt"/>
-            </a:endParaRPr>
-          </a:p>
-        </p:txBody>
-      </p:sp>
-      <p:sp>
-        <p:nvSpPr>
-          <p:cNvPr id="16" name="Rectangle 15"/>
-          <p:cNvSpPr/>
-          <p:nvPr/>
-        </p:nvSpPr>
-        <p:spPr>
-          <a:xfrm>
-            <a:off x="2075629" y="1597583"/>
-            <a:ext cx="873946" cy="1787187"/>
-          </a:xfrm>
-          <a:prstGeom prst="rect">
-            <a:avLst/>
-          </a:prstGeom>
-        </p:spPr>
-        <p:style>
-          <a:lnRef idx="2">
-            <a:schemeClr val="dk1"/>
-          </a:lnRef>
-          <a:fillRef idx="1">
-            <a:schemeClr val="lt1"/>
-          </a:fillRef>
-          <a:effectRef idx="0">
-            <a:schemeClr val="dk1"/>
-          </a:effectRef>
-          <a:fontRef idx="minor">
-            <a:schemeClr val="dk1"/>
-          </a:fontRef>
-        </p:style>
-        <p:txBody>
-          <a:bodyPr rtlCol="0" anchor="ctr"/>
-          <a:lstStyle/>
-          <a:p>
-            <a:pPr algn="ctr"/>
-            <a:r>
-              <a:rPr lang="en-US" sz="1600" dirty="0" smtClean="0"/>
-              <a:t>SSRC #1</a:t>
-            </a:r>
-            <a:endParaRPr lang="en-US" sz="1400" dirty="0">
-              <a:latin typeface="+mj-lt"/>
-            </a:endParaRPr>
-          </a:p>
-        </p:txBody>
-      </p:sp>
-      <p:sp>
-        <p:nvSpPr>
-          <p:cNvPr id="19" name="Rectangle 18"/>
-          <p:cNvSpPr/>
-          <p:nvPr/>
-        </p:nvSpPr>
-        <p:spPr>
-          <a:xfrm>
-            <a:off x="2075628" y="3877894"/>
-            <a:ext cx="1747893" cy="342914"/>
-          </a:xfrm>
-          <a:prstGeom prst="rect">
-            <a:avLst/>
-          </a:prstGeom>
-        </p:spPr>
-        <p:style>
-          <a:lnRef idx="2">
-            <a:schemeClr val="dk1"/>
-          </a:lnRef>
-          <a:fillRef idx="1">
-            <a:schemeClr val="lt1"/>
-          </a:fillRef>
-          <a:effectRef idx="0">
-            <a:schemeClr val="dk1"/>
-          </a:effectRef>
-          <a:fontRef idx="minor">
-            <a:schemeClr val="dk1"/>
-          </a:fontRef>
-        </p:style>
-        <p:txBody>
-          <a:bodyPr rtlCol="0" anchor="ctr"/>
-          <a:lstStyle/>
-          <a:p>
-            <a:pPr algn="ctr"/>
-            <a:r>
-              <a:rPr lang="en-US" sz="1600" dirty="0" smtClean="0">
+          <a:noFill/>
+        </p:spPr>
+        <p:txBody>
+          <a:bodyPr wrap="square" rtlCol="0">
+            <a:spAutoFit/>
+          </a:bodyPr>
+          <a:lstStyle/>
+          <a:p>
+            <a:r>
+              <a:rPr lang="en-US" dirty="0" smtClean="0">
+                <a:latin typeface="Courier"/>
+                <a:cs typeface="Courier"/>
+              </a:rPr>
+              <a:t>0b00 </a:t>
+            </a:r>
+            <a:r>
+              <a:rPr lang="en-US" dirty="0" smtClean="0">
+                <a:latin typeface="+mj-lt"/>
+              </a:rPr>
+              <a:t>STUN</a:t>
+            </a:r>
+            <a:r>
+              <a:rPr lang="en-US" dirty="0" smtClean="0"/>
+              <a:t> Message</a:t>
+            </a:r>
+          </a:p>
+          <a:p>
+            <a:r>
+              <a:rPr lang="en-US" dirty="0" smtClean="0">
+                <a:latin typeface="Courier"/>
+                <a:cs typeface="Courier"/>
+              </a:rPr>
+              <a:t>0b01 </a:t>
+            </a:r>
+            <a:r>
+              <a:rPr lang="en-US" dirty="0" err="1" smtClean="0">
+                <a:latin typeface="Courier"/>
+                <a:cs typeface="Courier"/>
+              </a:rPr>
+              <a:t>ChannelData</a:t>
+            </a:r>
+            <a:r>
+              <a:rPr lang="en-US" dirty="0" smtClean="0"/>
+              <a:t> Message (</a:t>
+            </a:r>
+            <a:r>
+              <a:rPr lang="en-US" dirty="0" smtClean="0">
                 <a:latin typeface="+mj-lt"/>
               </a:rPr>
               <a:t>TURN</a:t>
             </a:r>
-            <a:endParaRPr lang="en-US" sz="1400" dirty="0">
-              <a:latin typeface="+mj-lt"/>
-            </a:endParaRPr>
-          </a:p>
-        </p:txBody>
-      </p:sp>
-      <p:cxnSp>
-        <p:nvCxnSpPr>
-          <p:cNvPr id="21" name="Straight Connector 20"/>
-          <p:cNvCxnSpPr/>
-          <p:nvPr/>
-        </p:nvCxnSpPr>
-        <p:spPr>
-          <a:xfrm flipH="1">
-            <a:off x="2075628" y="3384770"/>
-            <a:ext cx="2" cy="664581"/>
-          </a:xfrm>
-          <a:prstGeom prst="line">
-            <a:avLst/>
-          </a:prstGeom>
-          <a:ln>
-            <a:prstDash val="sysDash"/>
-          </a:ln>
-        </p:spPr>
-        <p:style>
-          <a:lnRef idx="1">
-            <a:schemeClr val="dk1"/>
-          </a:lnRef>
-          <a:fillRef idx="0">
-            <a:schemeClr val="dk1"/>
-          </a:fillRef>
-          <a:effectRef idx="0">
-            <a:schemeClr val="dk1"/>
-          </a:effectRef>
-          <a:fontRef idx="minor">
-            <a:schemeClr val="tx1"/>
-          </a:fontRef>
-        </p:style>
-      </p:cxnSp>
-      <p:sp>
-        <p:nvSpPr>
-          <p:cNvPr id="24" name="Rectangle 23"/>
-          <p:cNvSpPr/>
-          <p:nvPr/>
-        </p:nvSpPr>
-        <p:spPr>
-          <a:xfrm>
-            <a:off x="3809866" y="1597583"/>
-            <a:ext cx="873946" cy="1787187"/>
+            <a:r>
+              <a:rPr lang="en-US" dirty="0" smtClean="0"/>
+              <a:t>)</a:t>
+            </a:r>
+            <a:endParaRPr lang="en-US" dirty="0"/>
+          </a:p>
+        </p:txBody>
+      </p:sp>
+      <p:sp>
+        <p:nvSpPr>
+          <p:cNvPr id="26" name="TextBox 25"/>
+          <p:cNvSpPr txBox="1"/>
+          <p:nvPr/>
+        </p:nvSpPr>
+        <p:spPr>
+          <a:xfrm>
+            <a:off x="2932106" y="2593707"/>
+            <a:ext cx="1306972" cy="369332"/>
           </a:xfrm>
           <a:prstGeom prst="rect">
             <a:avLst/>
           </a:prstGeom>
-        </p:spPr>
-        <p:style>
-          <a:lnRef idx="2">
-            <a:schemeClr val="dk1"/>
-          </a:lnRef>
-          <a:fillRef idx="1">
-            <a:schemeClr val="lt1"/>
-          </a:fillRef>
-          <a:effectRef idx="0">
-            <a:schemeClr val="dk1"/>
-          </a:effectRef>
-          <a:fontRef idx="minor">
-            <a:schemeClr val="dk1"/>
-          </a:fontRef>
-        </p:style>
-        <p:txBody>
-          <a:bodyPr rtlCol="0" anchor="ctr"/>
-          <a:lstStyle/>
-          <a:p>
-            <a:pPr algn="ctr"/>
-            <a:r>
-              <a:rPr lang="en-US" sz="1600" dirty="0" smtClean="0"/>
-              <a:t>SSRC #3</a:t>
-            </a:r>
-            <a:endParaRPr lang="en-US" sz="1400" dirty="0">
-              <a:latin typeface="+mj-lt"/>
-            </a:endParaRPr>
-          </a:p>
-        </p:txBody>
-      </p:sp>
-      <p:sp>
-        <p:nvSpPr>
-          <p:cNvPr id="25" name="Rectangle 24"/>
-          <p:cNvSpPr/>
-          <p:nvPr/>
-        </p:nvSpPr>
-        <p:spPr>
-          <a:xfrm>
-            <a:off x="4670158" y="1597583"/>
-            <a:ext cx="873946" cy="1787187"/>
-          </a:xfrm>
-          <a:prstGeom prst="rect">
-            <a:avLst/>
-          </a:prstGeom>
-        </p:spPr>
-        <p:style>
-          <a:lnRef idx="2">
-            <a:schemeClr val="dk1"/>
-          </a:lnRef>
-          <a:fillRef idx="1">
-            <a:schemeClr val="lt1"/>
-          </a:fillRef>
-          <a:effectRef idx="0">
-            <a:schemeClr val="dk1"/>
-          </a:effectRef>
-          <a:fontRef idx="minor">
-            <a:schemeClr val="dk1"/>
-          </a:fontRef>
-        </p:style>
-        <p:txBody>
-          <a:bodyPr rtlCol="0" anchor="ctr"/>
-          <a:lstStyle/>
-          <a:p>
-            <a:pPr algn="ctr"/>
-            <a:r>
-              <a:rPr lang="en-US" sz="1600" dirty="0" smtClean="0"/>
-              <a:t>SSRC #4</a:t>
-            </a:r>
-            <a:endParaRPr lang="en-US" sz="1400" dirty="0">
-              <a:latin typeface="+mj-lt"/>
-            </a:endParaRPr>
-          </a:p>
-        </p:txBody>
-      </p:sp>
-      <p:sp>
-        <p:nvSpPr>
-          <p:cNvPr id="13" name="Rectangle 12"/>
-          <p:cNvSpPr/>
-          <p:nvPr/>
-        </p:nvSpPr>
-        <p:spPr>
-          <a:xfrm>
-            <a:off x="6800391" y="4220808"/>
-            <a:ext cx="2239485" cy="831370"/>
-          </a:xfrm>
-          <a:prstGeom prst="rect">
-            <a:avLst/>
-          </a:prstGeom>
-        </p:spPr>
-        <p:style>
-          <a:lnRef idx="2">
-            <a:schemeClr val="dk1"/>
-          </a:lnRef>
-          <a:fillRef idx="1">
-            <a:schemeClr val="lt1"/>
-          </a:fillRef>
-          <a:effectRef idx="0">
-            <a:schemeClr val="dk1"/>
-          </a:effectRef>
-          <a:fontRef idx="minor">
-            <a:schemeClr val="dk1"/>
-          </a:fontRef>
-        </p:style>
-        <p:txBody>
-          <a:bodyPr rtlCol="0" anchor="ctr"/>
-          <a:lstStyle/>
-          <a:p>
-            <a:pPr algn="ctr"/>
+          <a:noFill/>
+        </p:spPr>
+        <p:txBody>
+          <a:bodyPr wrap="none" rtlCol="0">
+            <a:spAutoFit/>
+          </a:bodyPr>
+          <a:lstStyle/>
+          <a:p>
             <a:r>
               <a:rPr lang="en-US" dirty="0" smtClean="0"/>
-              <a:t>Transmission Control Protocol </a:t>
+              <a:t>19 &lt; </a:t>
             </a:r>
             <a:r>
               <a:rPr lang="en-US" dirty="0" smtClean="0">
                 <a:latin typeface="+mj-lt"/>
               </a:rPr>
-              <a:t>(TCP)</a:t>
-            </a:r>
-            <a:endParaRPr lang="en-US" sz="1600" dirty="0">
+              <a:t>H</a:t>
+            </a:r>
+            <a:r>
+              <a:rPr lang="en-US" dirty="0" smtClean="0"/>
+              <a:t> &lt; 64</a:t>
+            </a:r>
+            <a:endParaRPr lang="en-US" dirty="0"/>
+          </a:p>
+        </p:txBody>
+      </p:sp>
+      <p:sp>
+        <p:nvSpPr>
+          <p:cNvPr id="27" name="TextBox 26"/>
+          <p:cNvSpPr txBox="1"/>
+          <p:nvPr/>
+        </p:nvSpPr>
+        <p:spPr>
+          <a:xfrm>
+            <a:off x="4402859" y="2015863"/>
+            <a:ext cx="461665" cy="1889362"/>
+          </a:xfrm>
+          <a:prstGeom prst="rect">
+            <a:avLst/>
+          </a:prstGeom>
+          <a:noFill/>
+        </p:spPr>
+        <p:txBody>
+          <a:bodyPr vert="vert270" wrap="none" rtlCol="0">
+            <a:spAutoFit/>
+          </a:bodyPr>
+          <a:lstStyle/>
+          <a:p>
+            <a:r>
+              <a:rPr lang="en-US" dirty="0" smtClean="0"/>
+              <a:t>DTLS Processing</a:t>
+            </a:r>
+            <a:endParaRPr lang="en-US" dirty="0"/>
+          </a:p>
+        </p:txBody>
+      </p:sp>
+      <p:sp>
+        <p:nvSpPr>
+          <p:cNvPr id="30" name="TextBox 29"/>
+          <p:cNvSpPr txBox="1"/>
+          <p:nvPr/>
+        </p:nvSpPr>
+        <p:spPr>
+          <a:xfrm>
+            <a:off x="4430166" y="4291600"/>
+            <a:ext cx="3147015" cy="369332"/>
+          </a:xfrm>
+          <a:prstGeom prst="rect">
+            <a:avLst/>
+          </a:prstGeom>
+          <a:noFill/>
+        </p:spPr>
+        <p:txBody>
+          <a:bodyPr wrap="none" rtlCol="0">
+            <a:spAutoFit/>
+          </a:bodyPr>
+          <a:lstStyle/>
+          <a:p>
+            <a:r>
+              <a:rPr lang="en-US" dirty="0" smtClean="0"/>
+              <a:t>Forward to </a:t>
+            </a:r>
+            <a:r>
+              <a:rPr lang="en-US" dirty="0" smtClean="0">
+                <a:latin typeface="+mj-lt"/>
+              </a:rPr>
+              <a:t>RTP </a:t>
+            </a:r>
+            <a:r>
+              <a:rPr lang="en-US" dirty="0" smtClean="0"/>
+              <a:t>Processing</a:t>
+            </a:r>
+            <a:endParaRPr lang="en-US" dirty="0"/>
+          </a:p>
+        </p:txBody>
+      </p:sp>
+      <p:sp>
+        <p:nvSpPr>
+          <p:cNvPr id="36" name="TextBox 35"/>
+          <p:cNvSpPr txBox="1"/>
+          <p:nvPr/>
+        </p:nvSpPr>
+        <p:spPr>
+          <a:xfrm>
+            <a:off x="2798353" y="4106934"/>
+            <a:ext cx="1505540" cy="369332"/>
+          </a:xfrm>
+          <a:prstGeom prst="rect">
+            <a:avLst/>
+          </a:prstGeom>
+          <a:noFill/>
+        </p:spPr>
+        <p:txBody>
+          <a:bodyPr wrap="none" rtlCol="0">
+            <a:spAutoFit/>
+          </a:bodyPr>
+          <a:lstStyle/>
+          <a:p>
+            <a:r>
+              <a:rPr lang="en-US" dirty="0" smtClean="0"/>
+              <a:t>127 &lt; </a:t>
+            </a:r>
+            <a:r>
+              <a:rPr lang="en-US" dirty="0" smtClean="0">
+                <a:latin typeface="+mj-lt"/>
+              </a:rPr>
+              <a:t>H</a:t>
+            </a:r>
+            <a:r>
+              <a:rPr lang="en-US" dirty="0" smtClean="0"/>
+              <a:t> &lt; 192</a:t>
+            </a:r>
+            <a:endParaRPr lang="en-US" dirty="0"/>
+          </a:p>
+        </p:txBody>
+      </p:sp>
+      <p:cxnSp>
+        <p:nvCxnSpPr>
+          <p:cNvPr id="39" name="Straight Arrow Connector 38"/>
+          <p:cNvCxnSpPr>
+            <a:endCxn id="41" idx="1"/>
+          </p:cNvCxnSpPr>
+          <p:nvPr/>
+        </p:nvCxnSpPr>
+        <p:spPr>
+          <a:xfrm>
+            <a:off x="4932799" y="2498783"/>
+            <a:ext cx="1112741" cy="0"/>
+          </a:xfrm>
+          <a:prstGeom prst="straightConnector1">
+            <a:avLst/>
+          </a:prstGeom>
+          <a:ln>
+            <a:tailEnd type="arrow"/>
+          </a:ln>
+        </p:spPr>
+        <p:style>
+          <a:lnRef idx="1">
+            <a:schemeClr val="dk1"/>
+          </a:lnRef>
+          <a:fillRef idx="0">
+            <a:schemeClr val="dk1"/>
+          </a:fillRef>
+          <a:effectRef idx="0">
+            <a:schemeClr val="dk1"/>
+          </a:effectRef>
+          <a:fontRef idx="minor">
+            <a:schemeClr val="tx1"/>
+          </a:fontRef>
+        </p:style>
+      </p:cxnSp>
+      <p:cxnSp>
+        <p:nvCxnSpPr>
+          <p:cNvPr id="40" name="Straight Arrow Connector 39"/>
+          <p:cNvCxnSpPr>
+            <a:endCxn id="43" idx="1"/>
+          </p:cNvCxnSpPr>
+          <p:nvPr/>
+        </p:nvCxnSpPr>
+        <p:spPr>
+          <a:xfrm>
+            <a:off x="4932799" y="3372675"/>
+            <a:ext cx="1112741" cy="0"/>
+          </a:xfrm>
+          <a:prstGeom prst="straightConnector1">
+            <a:avLst/>
+          </a:prstGeom>
+          <a:ln>
+            <a:tailEnd type="arrow"/>
+          </a:ln>
+        </p:spPr>
+        <p:style>
+          <a:lnRef idx="1">
+            <a:schemeClr val="dk1"/>
+          </a:lnRef>
+          <a:fillRef idx="0">
+            <a:schemeClr val="dk1"/>
+          </a:fillRef>
+          <a:effectRef idx="0">
+            <a:schemeClr val="dk1"/>
+          </a:effectRef>
+          <a:fontRef idx="minor">
+            <a:schemeClr val="tx1"/>
+          </a:fontRef>
+        </p:style>
+      </p:cxnSp>
+      <p:sp>
+        <p:nvSpPr>
+          <p:cNvPr id="41" name="TextBox 40"/>
+          <p:cNvSpPr txBox="1"/>
+          <p:nvPr/>
+        </p:nvSpPr>
+        <p:spPr>
+          <a:xfrm>
+            <a:off x="6045540" y="2314117"/>
+            <a:ext cx="800219" cy="369332"/>
+          </a:xfrm>
+          <a:prstGeom prst="rect">
+            <a:avLst/>
+          </a:prstGeom>
+          <a:noFill/>
+        </p:spPr>
+        <p:txBody>
+          <a:bodyPr wrap="none" rtlCol="0">
+            <a:spAutoFit/>
+          </a:bodyPr>
+          <a:lstStyle/>
+          <a:p>
+            <a:r>
+              <a:rPr lang="en-US" dirty="0" smtClean="0">
+                <a:latin typeface="+mj-lt"/>
+              </a:rPr>
+              <a:t>SCTP</a:t>
+            </a:r>
+            <a:endParaRPr lang="en-US" dirty="0">
               <a:latin typeface="+mj-lt"/>
             </a:endParaRPr>
           </a:p>
@@ -7640,376 +8632,39 @@
       </p:sp>
       <p:sp>
         <p:nvSpPr>
-          <p:cNvPr id="14" name="Rectangle 13"/>
-          <p:cNvSpPr/>
-          <p:nvPr/>
-        </p:nvSpPr>
-        <p:spPr>
-          <a:xfrm>
-            <a:off x="6554595" y="3389438"/>
-            <a:ext cx="2485281" cy="826702"/>
+          <p:cNvPr id="43" name="TextBox 42"/>
+          <p:cNvSpPr txBox="1"/>
+          <p:nvPr/>
+        </p:nvSpPr>
+        <p:spPr>
+          <a:xfrm>
+            <a:off x="6045540" y="3188009"/>
+            <a:ext cx="774571" cy="369332"/>
           </a:xfrm>
           <a:prstGeom prst="rect">
             <a:avLst/>
           </a:prstGeom>
-        </p:spPr>
-        <p:style>
-          <a:lnRef idx="2">
-            <a:schemeClr val="dk1"/>
-          </a:lnRef>
-          <a:fillRef idx="1">
-            <a:schemeClr val="lt1"/>
-          </a:fillRef>
-          <a:effectRef idx="0">
-            <a:schemeClr val="dk1"/>
-          </a:effectRef>
-          <a:fontRef idx="minor">
-            <a:schemeClr val="dk1"/>
-          </a:fontRef>
-        </p:style>
-        <p:txBody>
-          <a:bodyPr rtlCol="0" anchor="ctr"/>
-          <a:lstStyle/>
-          <a:p>
-            <a:pPr algn="ctr"/>
-            <a:r>
-              <a:rPr lang="en-US" sz="1600" i="1" dirty="0" smtClean="0"/>
-              <a:t>Signaling Protocol</a:t>
-            </a:r>
-          </a:p>
-          <a:p>
-            <a:pPr algn="ctr"/>
-            <a:r>
-              <a:rPr lang="en-US" sz="1200" i="1" dirty="0" smtClean="0"/>
-              <a:t>(e.g., SIP, Jingle, …)</a:t>
-            </a:r>
-            <a:endParaRPr lang="en-US" sz="1200" i="1" dirty="0"/>
-          </a:p>
-        </p:txBody>
-      </p:sp>
-      <p:sp>
-        <p:nvSpPr>
-          <p:cNvPr id="17" name="Rectangle 16"/>
-          <p:cNvSpPr/>
-          <p:nvPr/>
-        </p:nvSpPr>
-        <p:spPr>
-          <a:xfrm>
-            <a:off x="5544105" y="3384770"/>
-            <a:ext cx="1010490" cy="831370"/>
-          </a:xfrm>
-          <a:prstGeom prst="rect">
-            <a:avLst/>
-          </a:prstGeom>
-        </p:spPr>
-        <p:style>
-          <a:lnRef idx="2">
-            <a:schemeClr val="dk1"/>
-          </a:lnRef>
-          <a:fillRef idx="1">
-            <a:schemeClr val="lt1"/>
-          </a:fillRef>
-          <a:effectRef idx="0">
-            <a:schemeClr val="dk1"/>
-          </a:effectRef>
-          <a:fontRef idx="minor">
-            <a:schemeClr val="dk1"/>
-          </a:fontRef>
-        </p:style>
-        <p:txBody>
-          <a:bodyPr rtlCol="0" anchor="ctr"/>
-          <a:lstStyle/>
-          <a:p>
-            <a:pPr algn="ctr"/>
-            <a:r>
-              <a:rPr lang="en-US" sz="1600" dirty="0" smtClean="0">
+          <a:noFill/>
+        </p:spPr>
+        <p:txBody>
+          <a:bodyPr wrap="none" rtlCol="0">
+            <a:spAutoFit/>
+          </a:bodyPr>
+          <a:lstStyle/>
+          <a:p>
+            <a:r>
+              <a:rPr lang="en-US" dirty="0">
                 <a:latin typeface="+mj-lt"/>
               </a:rPr>
               <a:t>DTLS</a:t>
             </a:r>
-            <a:endParaRPr lang="en-US" sz="1600" dirty="0">
-              <a:latin typeface="+mj-lt"/>
-            </a:endParaRPr>
-          </a:p>
-        </p:txBody>
-      </p:sp>
-      <p:sp>
-        <p:nvSpPr>
-          <p:cNvPr id="6" name="TextBox 5"/>
-          <p:cNvSpPr txBox="1"/>
-          <p:nvPr/>
-        </p:nvSpPr>
-        <p:spPr>
-          <a:xfrm>
-            <a:off x="5885487" y="6211669"/>
-            <a:ext cx="3154390" cy="646331"/>
-          </a:xfrm>
-          <a:prstGeom prst="rect">
-            <a:avLst/>
-          </a:prstGeom>
-          <a:noFill/>
-        </p:spPr>
-        <p:txBody>
-          <a:bodyPr wrap="square" rtlCol="0">
-            <a:spAutoFit/>
-          </a:bodyPr>
-          <a:lstStyle/>
-          <a:p>
-            <a:pPr algn="just"/>
-            <a:r>
-              <a:rPr lang="en-US" sz="1200" dirty="0" smtClean="0">
-                <a:latin typeface="+mj-lt"/>
-              </a:rPr>
-              <a:t>Note:</a:t>
-            </a:r>
-            <a:r>
-              <a:rPr lang="en-US" sz="1200" dirty="0" smtClean="0"/>
-              <a:t> *RTP can be sent over UDP or TCP.</a:t>
-            </a:r>
-          </a:p>
-          <a:p>
-            <a:pPr algn="just"/>
-            <a:r>
-              <a:rPr lang="en-US" sz="1200" dirty="0" smtClean="0"/>
-              <a:t>Similarly, signaling </a:t>
-            </a:r>
-            <a:r>
-              <a:rPr lang="en-US" sz="1200" dirty="0"/>
-              <a:t>p</a:t>
-            </a:r>
-            <a:r>
-              <a:rPr lang="en-US" sz="1200" dirty="0" smtClean="0"/>
-              <a:t>rotocols can be designed to transmit over UDP or TCP.</a:t>
-            </a:r>
-            <a:endParaRPr lang="en-US" sz="1200" dirty="0"/>
-          </a:p>
-        </p:txBody>
-      </p:sp>
-      <p:sp>
-        <p:nvSpPr>
-          <p:cNvPr id="20" name="Rectangle 19"/>
-          <p:cNvSpPr/>
-          <p:nvPr/>
-        </p:nvSpPr>
-        <p:spPr>
-          <a:xfrm>
-            <a:off x="6308797" y="1597583"/>
-            <a:ext cx="1447478" cy="1787188"/>
-          </a:xfrm>
-          <a:prstGeom prst="rect">
-            <a:avLst/>
-          </a:prstGeom>
-        </p:spPr>
-        <p:style>
-          <a:lnRef idx="2">
-            <a:schemeClr val="dk1"/>
-          </a:lnRef>
-          <a:fillRef idx="1">
-            <a:schemeClr val="lt1"/>
-          </a:fillRef>
-          <a:effectRef idx="0">
-            <a:schemeClr val="dk1"/>
-          </a:effectRef>
-          <a:fontRef idx="minor">
-            <a:schemeClr val="dk1"/>
-          </a:fontRef>
-        </p:style>
-        <p:txBody>
-          <a:bodyPr vert="horz" rtlCol="0" anchor="ctr"/>
-          <a:lstStyle/>
-          <a:p>
-            <a:pPr algn="ctr"/>
-            <a:r>
-              <a:rPr lang="en-US" sz="1600" dirty="0" smtClean="0"/>
-              <a:t>Secure RTP </a:t>
-            </a:r>
-            <a:r>
-              <a:rPr lang="en-US" sz="1600" dirty="0" smtClean="0">
-                <a:latin typeface="+mj-lt"/>
-              </a:rPr>
-              <a:t>(SRTP)</a:t>
-            </a:r>
-            <a:r>
-              <a:rPr lang="en-US" sz="1600" dirty="0" smtClean="0"/>
-              <a:t> Keying</a:t>
-            </a:r>
-            <a:endParaRPr lang="en-US" sz="1400" dirty="0">
-              <a:latin typeface="+mj-lt"/>
-            </a:endParaRPr>
-          </a:p>
-        </p:txBody>
-      </p:sp>
-      <p:cxnSp>
-        <p:nvCxnSpPr>
-          <p:cNvPr id="11" name="Straight Connector 10"/>
-          <p:cNvCxnSpPr/>
-          <p:nvPr/>
-        </p:nvCxnSpPr>
-        <p:spPr>
-          <a:xfrm>
-            <a:off x="3809866" y="3389438"/>
-            <a:ext cx="0" cy="493124"/>
-          </a:xfrm>
-          <a:prstGeom prst="line">
-            <a:avLst/>
-          </a:prstGeom>
-          <a:ln>
-            <a:prstDash val="dash"/>
-          </a:ln>
-        </p:spPr>
-        <p:style>
-          <a:lnRef idx="1">
-            <a:schemeClr val="dk1"/>
-          </a:lnRef>
-          <a:fillRef idx="0">
-            <a:schemeClr val="dk1"/>
-          </a:fillRef>
-          <a:effectRef idx="0">
-            <a:schemeClr val="dk1"/>
-          </a:effectRef>
-          <a:fontRef idx="minor">
-            <a:schemeClr val="tx1"/>
-          </a:fontRef>
-        </p:style>
-      </p:cxnSp>
-      <p:cxnSp>
-        <p:nvCxnSpPr>
-          <p:cNvPr id="22" name="Straight Connector 21"/>
-          <p:cNvCxnSpPr/>
-          <p:nvPr/>
-        </p:nvCxnSpPr>
-        <p:spPr>
-          <a:xfrm>
-            <a:off x="2949575" y="3384770"/>
-            <a:ext cx="0" cy="493124"/>
-          </a:xfrm>
-          <a:prstGeom prst="line">
-            <a:avLst/>
-          </a:prstGeom>
-          <a:ln>
-            <a:prstDash val="dash"/>
-          </a:ln>
-        </p:spPr>
-        <p:style>
-          <a:lnRef idx="1">
-            <a:schemeClr val="dk1"/>
-          </a:lnRef>
-          <a:fillRef idx="0">
-            <a:schemeClr val="dk1"/>
-          </a:fillRef>
-          <a:effectRef idx="0">
-            <a:schemeClr val="dk1"/>
-          </a:effectRef>
-          <a:fontRef idx="minor">
-            <a:schemeClr val="tx1"/>
-          </a:fontRef>
-        </p:style>
-      </p:cxnSp>
-      <p:sp>
-        <p:nvSpPr>
-          <p:cNvPr id="23" name="Rectangle 22"/>
-          <p:cNvSpPr/>
-          <p:nvPr/>
-        </p:nvSpPr>
-        <p:spPr>
-          <a:xfrm>
-            <a:off x="5544104" y="2553398"/>
-            <a:ext cx="764693" cy="831372"/>
-          </a:xfrm>
-          <a:prstGeom prst="rect">
-            <a:avLst/>
-          </a:prstGeom>
-        </p:spPr>
-        <p:style>
-          <a:lnRef idx="2">
-            <a:schemeClr val="dk1"/>
-          </a:lnRef>
-          <a:fillRef idx="1">
-            <a:schemeClr val="lt1"/>
-          </a:fillRef>
-          <a:effectRef idx="0">
-            <a:schemeClr val="dk1"/>
-          </a:effectRef>
-          <a:fontRef idx="minor">
-            <a:schemeClr val="dk1"/>
-          </a:fontRef>
-        </p:style>
-        <p:txBody>
-          <a:bodyPr vert="horz" rtlCol="0" anchor="ctr"/>
-          <a:lstStyle/>
-          <a:p>
-            <a:pPr algn="ctr"/>
-            <a:r>
-              <a:rPr lang="en-US" sz="1600" dirty="0" smtClean="0">
-                <a:latin typeface="+mj-lt"/>
-              </a:rPr>
-              <a:t>SCTP</a:t>
-            </a:r>
-            <a:endParaRPr lang="en-US" sz="1400" dirty="0">
-              <a:latin typeface="+mj-lt"/>
-            </a:endParaRPr>
-          </a:p>
-        </p:txBody>
-      </p:sp>
-      <p:sp>
-        <p:nvSpPr>
-          <p:cNvPr id="26" name="Rectangle 25"/>
-          <p:cNvSpPr/>
-          <p:nvPr/>
-        </p:nvSpPr>
-        <p:spPr>
-          <a:xfrm>
-            <a:off x="5544106" y="1597583"/>
-            <a:ext cx="764693" cy="955815"/>
-          </a:xfrm>
-          <a:prstGeom prst="rect">
-            <a:avLst/>
-          </a:prstGeom>
-        </p:spPr>
-        <p:style>
-          <a:lnRef idx="2">
-            <a:schemeClr val="dk1"/>
-          </a:lnRef>
-          <a:fillRef idx="1">
-            <a:schemeClr val="lt1"/>
-          </a:fillRef>
-          <a:effectRef idx="0">
-            <a:schemeClr val="dk1"/>
-          </a:effectRef>
-          <a:fontRef idx="minor">
-            <a:schemeClr val="dk1"/>
-          </a:fontRef>
-        </p:style>
-        <p:txBody>
-          <a:bodyPr vert="vert270" rtlCol="0" anchor="ctr"/>
-          <a:lstStyle/>
-          <a:p>
-            <a:pPr algn="ctr"/>
-            <a:r>
-              <a:rPr lang="en-US" sz="1600" dirty="0" smtClean="0">
-                <a:latin typeface="+mj-lt"/>
-              </a:rPr>
-              <a:t>Data</a:t>
-            </a:r>
-          </a:p>
-          <a:p>
-            <a:pPr algn="ctr"/>
-            <a:r>
-              <a:rPr lang="en-US" sz="1600" dirty="0" smtClean="0">
-                <a:latin typeface="+mj-lt"/>
-              </a:rPr>
-              <a:t>Channel</a:t>
-            </a:r>
-            <a:endParaRPr lang="en-US" sz="1400" dirty="0">
-              <a:latin typeface="+mj-lt"/>
-            </a:endParaRPr>
           </a:p>
         </p:txBody>
       </p:sp>
     </p:spTree>
     <p:extLst>
       <p:ext uri="{BB962C8B-B14F-4D97-AF65-F5344CB8AC3E}">
-        <p14:creationId xmlns:p14="http://schemas.microsoft.com/office/powerpoint/2010/main" val="3585768518"/>
+        <p14:creationId xmlns:p14="http://schemas.microsoft.com/office/powerpoint/2010/main" val="1482038348"/>
       </p:ext>
     </p:extLst>
   </p:cSld>
@@ -8036,692 +8691,6 @@
           <a:chExt cx="0" cy="0"/>
         </a:xfrm>
       </p:grpSpPr>
-      <p:sp>
-        <p:nvSpPr>
-          <p:cNvPr id="3" name="Rounded Rectangle 2"/>
-          <p:cNvSpPr/>
-          <p:nvPr/>
-        </p:nvSpPr>
-        <p:spPr>
-          <a:xfrm>
-            <a:off x="91786" y="2526093"/>
-            <a:ext cx="1474785" cy="873892"/>
-          </a:xfrm>
-          <a:prstGeom prst="roundRect">
-            <a:avLst/>
-          </a:prstGeom>
-          <a:solidFill>
-            <a:srgbClr val="404040"/>
-          </a:solidFill>
-          <a:ln>
-            <a:noFill/>
-          </a:ln>
-        </p:spPr>
-        <p:style>
-          <a:lnRef idx="2">
-            <a:schemeClr val="accent3">
-              <a:shade val="50000"/>
-            </a:schemeClr>
-          </a:lnRef>
-          <a:fillRef idx="1">
-            <a:schemeClr val="accent3"/>
-          </a:fillRef>
-          <a:effectRef idx="0">
-            <a:schemeClr val="accent3"/>
-          </a:effectRef>
-          <a:fontRef idx="minor">
-            <a:schemeClr val="lt1"/>
-          </a:fontRef>
-        </p:style>
-        <p:txBody>
-          <a:bodyPr rtlCol="0" anchor="ctr"/>
-          <a:lstStyle/>
-          <a:p>
-            <a:pPr algn="ctr"/>
-            <a:r>
-              <a:rPr lang="en-US" dirty="0" smtClean="0"/>
-              <a:t>Receive</a:t>
-            </a:r>
-          </a:p>
-          <a:p>
-            <a:pPr algn="ctr"/>
-            <a:r>
-              <a:rPr lang="en-US" dirty="0" smtClean="0"/>
-              <a:t>UDP Packet</a:t>
-            </a:r>
-          </a:p>
-        </p:txBody>
-      </p:sp>
-      <p:cxnSp>
-        <p:nvCxnSpPr>
-          <p:cNvPr id="5" name="Straight Arrow Connector 4"/>
-          <p:cNvCxnSpPr>
-            <a:stCxn id="3" idx="3"/>
-            <a:endCxn id="6" idx="1"/>
-          </p:cNvCxnSpPr>
-          <p:nvPr/>
-        </p:nvCxnSpPr>
-        <p:spPr>
-          <a:xfrm>
-            <a:off x="1566571" y="2963039"/>
-            <a:ext cx="450627" cy="0"/>
-          </a:xfrm>
-          <a:prstGeom prst="straightConnector1">
-            <a:avLst/>
-          </a:prstGeom>
-          <a:ln>
-            <a:tailEnd type="arrow"/>
-          </a:ln>
-        </p:spPr>
-        <p:style>
-          <a:lnRef idx="1">
-            <a:schemeClr val="dk1"/>
-          </a:lnRef>
-          <a:fillRef idx="0">
-            <a:schemeClr val="dk1"/>
-          </a:fillRef>
-          <a:effectRef idx="0">
-            <a:schemeClr val="dk1"/>
-          </a:effectRef>
-          <a:fontRef idx="minor">
-            <a:schemeClr val="tx1"/>
-          </a:fontRef>
-        </p:style>
-      </p:cxnSp>
-      <p:sp>
-        <p:nvSpPr>
-          <p:cNvPr id="6" name="Rectangle 5"/>
-          <p:cNvSpPr/>
-          <p:nvPr/>
-        </p:nvSpPr>
-        <p:spPr>
-          <a:xfrm>
-            <a:off x="2017198" y="710037"/>
-            <a:ext cx="751048" cy="4506003"/>
-          </a:xfrm>
-          <a:prstGeom prst="rect">
-            <a:avLst/>
-          </a:prstGeom>
-          <a:solidFill>
-            <a:schemeClr val="tx1">
-              <a:lumMod val="75000"/>
-              <a:lumOff val="25000"/>
-            </a:schemeClr>
-          </a:solidFill>
-          <a:ln>
-            <a:noFill/>
-          </a:ln>
-        </p:spPr>
-        <p:style>
-          <a:lnRef idx="2">
-            <a:schemeClr val="dk1">
-              <a:shade val="50000"/>
-            </a:schemeClr>
-          </a:lnRef>
-          <a:fillRef idx="1">
-            <a:schemeClr val="dk1"/>
-          </a:fillRef>
-          <a:effectRef idx="0">
-            <a:schemeClr val="dk1"/>
-          </a:effectRef>
-          <a:fontRef idx="minor">
-            <a:schemeClr val="lt1"/>
-          </a:fontRef>
-        </p:style>
-        <p:txBody>
-          <a:bodyPr vert="vert270" rtlCol="0" anchor="ctr"/>
-          <a:lstStyle/>
-          <a:p>
-            <a:pPr algn="ctr"/>
-            <a:r>
-              <a:rPr lang="en-US" sz="2000" dirty="0" smtClean="0">
-                <a:latin typeface="Courier"/>
-                <a:cs typeface="Courier"/>
-              </a:rPr>
-              <a:t>H</a:t>
-            </a:r>
-            <a:r>
-              <a:rPr lang="en-US" dirty="0" smtClean="0"/>
-              <a:t>-&gt; </a:t>
-            </a:r>
-            <a:r>
-              <a:rPr lang="en-US" sz="1400" dirty="0" smtClean="0"/>
-              <a:t>Parse first 8-bits of UDP Payload</a:t>
-            </a:r>
-            <a:endParaRPr lang="en-US" sz="1600" dirty="0"/>
-          </a:p>
-        </p:txBody>
-      </p:sp>
-      <p:cxnSp>
-        <p:nvCxnSpPr>
-          <p:cNvPr id="20" name="Straight Arrow Connector 19"/>
-          <p:cNvCxnSpPr>
-            <a:endCxn id="25" idx="1"/>
-          </p:cNvCxnSpPr>
-          <p:nvPr/>
-        </p:nvCxnSpPr>
-        <p:spPr>
-          <a:xfrm>
-            <a:off x="2768246" y="1490632"/>
-            <a:ext cx="1631813" cy="0"/>
-          </a:xfrm>
-          <a:prstGeom prst="straightConnector1">
-            <a:avLst/>
-          </a:prstGeom>
-          <a:ln>
-            <a:tailEnd type="arrow"/>
-          </a:ln>
-        </p:spPr>
-        <p:style>
-          <a:lnRef idx="1">
-            <a:schemeClr val="dk1"/>
-          </a:lnRef>
-          <a:fillRef idx="0">
-            <a:schemeClr val="dk1"/>
-          </a:fillRef>
-          <a:effectRef idx="0">
-            <a:schemeClr val="dk1"/>
-          </a:effectRef>
-          <a:fontRef idx="minor">
-            <a:schemeClr val="tx1"/>
-          </a:fontRef>
-        </p:style>
-      </p:cxnSp>
-      <p:cxnSp>
-        <p:nvCxnSpPr>
-          <p:cNvPr id="22" name="Straight Arrow Connector 21"/>
-          <p:cNvCxnSpPr>
-            <a:stCxn id="6" idx="3"/>
-            <a:endCxn id="27" idx="1"/>
-          </p:cNvCxnSpPr>
-          <p:nvPr/>
-        </p:nvCxnSpPr>
-        <p:spPr>
-          <a:xfrm flipV="1">
-            <a:off x="2768246" y="2960544"/>
-            <a:ext cx="1634613" cy="2495"/>
-          </a:xfrm>
-          <a:prstGeom prst="straightConnector1">
-            <a:avLst/>
-          </a:prstGeom>
-          <a:ln>
-            <a:tailEnd type="arrow"/>
-          </a:ln>
-        </p:spPr>
-        <p:style>
-          <a:lnRef idx="1">
-            <a:schemeClr val="dk1"/>
-          </a:lnRef>
-          <a:fillRef idx="0">
-            <a:schemeClr val="dk1"/>
-          </a:fillRef>
-          <a:effectRef idx="0">
-            <a:schemeClr val="dk1"/>
-          </a:effectRef>
-          <a:fontRef idx="minor">
-            <a:schemeClr val="tx1"/>
-          </a:fontRef>
-        </p:style>
-      </p:cxnSp>
-      <p:cxnSp>
-        <p:nvCxnSpPr>
-          <p:cNvPr id="23" name="Straight Arrow Connector 22"/>
-          <p:cNvCxnSpPr>
-            <a:endCxn id="30" idx="1"/>
-          </p:cNvCxnSpPr>
-          <p:nvPr/>
-        </p:nvCxnSpPr>
-        <p:spPr>
-          <a:xfrm>
-            <a:off x="2771043" y="4476266"/>
-            <a:ext cx="1659123" cy="0"/>
-          </a:xfrm>
-          <a:prstGeom prst="straightConnector1">
-            <a:avLst/>
-          </a:prstGeom>
-          <a:ln>
-            <a:tailEnd type="arrow"/>
-          </a:ln>
-        </p:spPr>
-        <p:style>
-          <a:lnRef idx="1">
-            <a:schemeClr val="dk1"/>
-          </a:lnRef>
-          <a:fillRef idx="0">
-            <a:schemeClr val="dk1"/>
-          </a:fillRef>
-          <a:effectRef idx="0">
-            <a:schemeClr val="dk1"/>
-          </a:effectRef>
-          <a:fontRef idx="minor">
-            <a:schemeClr val="tx1"/>
-          </a:fontRef>
-        </p:style>
-      </p:cxnSp>
-      <p:sp>
-        <p:nvSpPr>
-          <p:cNvPr id="24" name="TextBox 23"/>
-          <p:cNvSpPr txBox="1"/>
-          <p:nvPr/>
-        </p:nvSpPr>
-        <p:spPr>
-          <a:xfrm>
-            <a:off x="3191558" y="1139826"/>
-            <a:ext cx="710451" cy="369332"/>
-          </a:xfrm>
-          <a:prstGeom prst="rect">
-            <a:avLst/>
-          </a:prstGeom>
-          <a:noFill/>
-        </p:spPr>
-        <p:txBody>
-          <a:bodyPr wrap="none" rtlCol="0">
-            <a:spAutoFit/>
-          </a:bodyPr>
-          <a:lstStyle/>
-          <a:p>
-            <a:r>
-              <a:rPr lang="en-US" dirty="0" smtClean="0">
-                <a:latin typeface="+mj-lt"/>
-              </a:rPr>
-              <a:t>H</a:t>
-            </a:r>
-            <a:r>
-              <a:rPr lang="en-US" dirty="0" smtClean="0"/>
-              <a:t> &lt; 2</a:t>
-            </a:r>
-            <a:endParaRPr lang="en-US" dirty="0"/>
-          </a:p>
-        </p:txBody>
-      </p:sp>
-      <p:sp>
-        <p:nvSpPr>
-          <p:cNvPr id="25" name="TextBox 24"/>
-          <p:cNvSpPr txBox="1"/>
-          <p:nvPr/>
-        </p:nvSpPr>
-        <p:spPr>
-          <a:xfrm>
-            <a:off x="4400059" y="1167466"/>
-            <a:ext cx="4257464" cy="646331"/>
-          </a:xfrm>
-          <a:prstGeom prst="rect">
-            <a:avLst/>
-          </a:prstGeom>
-          <a:noFill/>
-        </p:spPr>
-        <p:txBody>
-          <a:bodyPr wrap="square" rtlCol="0">
-            <a:spAutoFit/>
-          </a:bodyPr>
-          <a:lstStyle/>
-          <a:p>
-            <a:r>
-              <a:rPr lang="en-US" dirty="0" smtClean="0">
-                <a:latin typeface="Courier"/>
-                <a:cs typeface="Courier"/>
-              </a:rPr>
-              <a:t>0b00 </a:t>
-            </a:r>
-            <a:r>
-              <a:rPr lang="en-US" dirty="0" smtClean="0">
-                <a:latin typeface="+mj-lt"/>
-              </a:rPr>
-              <a:t>STUN</a:t>
-            </a:r>
-            <a:r>
-              <a:rPr lang="en-US" dirty="0" smtClean="0"/>
-              <a:t> Message</a:t>
-            </a:r>
-          </a:p>
-          <a:p>
-            <a:r>
-              <a:rPr lang="en-US" dirty="0" smtClean="0">
-                <a:latin typeface="Courier"/>
-                <a:cs typeface="Courier"/>
-              </a:rPr>
-              <a:t>0b01 </a:t>
-            </a:r>
-            <a:r>
-              <a:rPr lang="en-US" dirty="0" err="1" smtClean="0">
-                <a:latin typeface="Courier"/>
-                <a:cs typeface="Courier"/>
-              </a:rPr>
-              <a:t>ChannelData</a:t>
-            </a:r>
-            <a:r>
-              <a:rPr lang="en-US" dirty="0" smtClean="0"/>
-              <a:t> Message (</a:t>
-            </a:r>
-            <a:r>
-              <a:rPr lang="en-US" dirty="0" smtClean="0">
-                <a:latin typeface="+mj-lt"/>
-              </a:rPr>
-              <a:t>TURN</a:t>
-            </a:r>
-            <a:r>
-              <a:rPr lang="en-US" dirty="0" smtClean="0"/>
-              <a:t>)</a:t>
-            </a:r>
-            <a:endParaRPr lang="en-US" dirty="0"/>
-          </a:p>
-        </p:txBody>
-      </p:sp>
-      <p:sp>
-        <p:nvSpPr>
-          <p:cNvPr id="26" name="TextBox 25"/>
-          <p:cNvSpPr txBox="1"/>
-          <p:nvPr/>
-        </p:nvSpPr>
-        <p:spPr>
-          <a:xfrm>
-            <a:off x="2932106" y="2593707"/>
-            <a:ext cx="1306972" cy="369332"/>
-          </a:xfrm>
-          <a:prstGeom prst="rect">
-            <a:avLst/>
-          </a:prstGeom>
-          <a:noFill/>
-        </p:spPr>
-        <p:txBody>
-          <a:bodyPr wrap="none" rtlCol="0">
-            <a:spAutoFit/>
-          </a:bodyPr>
-          <a:lstStyle/>
-          <a:p>
-            <a:r>
-              <a:rPr lang="en-US" dirty="0" smtClean="0"/>
-              <a:t>19 &lt; </a:t>
-            </a:r>
-            <a:r>
-              <a:rPr lang="en-US" dirty="0" smtClean="0">
-                <a:latin typeface="+mj-lt"/>
-              </a:rPr>
-              <a:t>H</a:t>
-            </a:r>
-            <a:r>
-              <a:rPr lang="en-US" dirty="0" smtClean="0"/>
-              <a:t> &lt; 64</a:t>
-            </a:r>
-            <a:endParaRPr lang="en-US" dirty="0"/>
-          </a:p>
-        </p:txBody>
-      </p:sp>
-      <p:sp>
-        <p:nvSpPr>
-          <p:cNvPr id="27" name="TextBox 26"/>
-          <p:cNvSpPr txBox="1"/>
-          <p:nvPr/>
-        </p:nvSpPr>
-        <p:spPr>
-          <a:xfrm>
-            <a:off x="4402859" y="2015863"/>
-            <a:ext cx="461665" cy="1889362"/>
-          </a:xfrm>
-          <a:prstGeom prst="rect">
-            <a:avLst/>
-          </a:prstGeom>
-          <a:noFill/>
-        </p:spPr>
-        <p:txBody>
-          <a:bodyPr vert="vert270" wrap="none" rtlCol="0">
-            <a:spAutoFit/>
-          </a:bodyPr>
-          <a:lstStyle/>
-          <a:p>
-            <a:r>
-              <a:rPr lang="en-US" dirty="0" smtClean="0"/>
-              <a:t>DTLS Processing</a:t>
-            </a:r>
-            <a:endParaRPr lang="en-US" dirty="0"/>
-          </a:p>
-        </p:txBody>
-      </p:sp>
-      <p:sp>
-        <p:nvSpPr>
-          <p:cNvPr id="30" name="TextBox 29"/>
-          <p:cNvSpPr txBox="1"/>
-          <p:nvPr/>
-        </p:nvSpPr>
-        <p:spPr>
-          <a:xfrm>
-            <a:off x="4430166" y="4291600"/>
-            <a:ext cx="3147015" cy="369332"/>
-          </a:xfrm>
-          <a:prstGeom prst="rect">
-            <a:avLst/>
-          </a:prstGeom>
-          <a:noFill/>
-        </p:spPr>
-        <p:txBody>
-          <a:bodyPr wrap="none" rtlCol="0">
-            <a:spAutoFit/>
-          </a:bodyPr>
-          <a:lstStyle/>
-          <a:p>
-            <a:r>
-              <a:rPr lang="en-US" dirty="0" smtClean="0"/>
-              <a:t>Forward to </a:t>
-            </a:r>
-            <a:r>
-              <a:rPr lang="en-US" dirty="0" smtClean="0">
-                <a:latin typeface="+mj-lt"/>
-              </a:rPr>
-              <a:t>RTP </a:t>
-            </a:r>
-            <a:r>
-              <a:rPr lang="en-US" dirty="0" smtClean="0"/>
-              <a:t>Processing</a:t>
-            </a:r>
-            <a:endParaRPr lang="en-US" dirty="0"/>
-          </a:p>
-        </p:txBody>
-      </p:sp>
-      <p:sp>
-        <p:nvSpPr>
-          <p:cNvPr id="36" name="TextBox 35"/>
-          <p:cNvSpPr txBox="1"/>
-          <p:nvPr/>
-        </p:nvSpPr>
-        <p:spPr>
-          <a:xfrm>
-            <a:off x="2798353" y="4106934"/>
-            <a:ext cx="1505540" cy="369332"/>
-          </a:xfrm>
-          <a:prstGeom prst="rect">
-            <a:avLst/>
-          </a:prstGeom>
-          <a:noFill/>
-        </p:spPr>
-        <p:txBody>
-          <a:bodyPr wrap="none" rtlCol="0">
-            <a:spAutoFit/>
-          </a:bodyPr>
-          <a:lstStyle/>
-          <a:p>
-            <a:r>
-              <a:rPr lang="en-US" dirty="0" smtClean="0"/>
-              <a:t>127 &lt; </a:t>
-            </a:r>
-            <a:r>
-              <a:rPr lang="en-US" dirty="0" smtClean="0">
-                <a:latin typeface="+mj-lt"/>
-              </a:rPr>
-              <a:t>H</a:t>
-            </a:r>
-            <a:r>
-              <a:rPr lang="en-US" dirty="0" smtClean="0"/>
-              <a:t> &lt; 192</a:t>
-            </a:r>
-            <a:endParaRPr lang="en-US" dirty="0"/>
-          </a:p>
-        </p:txBody>
-      </p:sp>
-      <p:cxnSp>
-        <p:nvCxnSpPr>
-          <p:cNvPr id="39" name="Straight Arrow Connector 38"/>
-          <p:cNvCxnSpPr>
-            <a:endCxn id="41" idx="1"/>
-          </p:cNvCxnSpPr>
-          <p:nvPr/>
-        </p:nvCxnSpPr>
-        <p:spPr>
-          <a:xfrm>
-            <a:off x="4932799" y="2498783"/>
-            <a:ext cx="1112741" cy="0"/>
-          </a:xfrm>
-          <a:prstGeom prst="straightConnector1">
-            <a:avLst/>
-          </a:prstGeom>
-          <a:ln>
-            <a:tailEnd type="arrow"/>
-          </a:ln>
-        </p:spPr>
-        <p:style>
-          <a:lnRef idx="1">
-            <a:schemeClr val="dk1"/>
-          </a:lnRef>
-          <a:fillRef idx="0">
-            <a:schemeClr val="dk1"/>
-          </a:fillRef>
-          <a:effectRef idx="0">
-            <a:schemeClr val="dk1"/>
-          </a:effectRef>
-          <a:fontRef idx="minor">
-            <a:schemeClr val="tx1"/>
-          </a:fontRef>
-        </p:style>
-      </p:cxnSp>
-      <p:cxnSp>
-        <p:nvCxnSpPr>
-          <p:cNvPr id="40" name="Straight Arrow Connector 39"/>
-          <p:cNvCxnSpPr>
-            <a:endCxn id="43" idx="1"/>
-          </p:cNvCxnSpPr>
-          <p:nvPr/>
-        </p:nvCxnSpPr>
-        <p:spPr>
-          <a:xfrm>
-            <a:off x="4932799" y="3372675"/>
-            <a:ext cx="1112741" cy="0"/>
-          </a:xfrm>
-          <a:prstGeom prst="straightConnector1">
-            <a:avLst/>
-          </a:prstGeom>
-          <a:ln>
-            <a:tailEnd type="arrow"/>
-          </a:ln>
-        </p:spPr>
-        <p:style>
-          <a:lnRef idx="1">
-            <a:schemeClr val="dk1"/>
-          </a:lnRef>
-          <a:fillRef idx="0">
-            <a:schemeClr val="dk1"/>
-          </a:fillRef>
-          <a:effectRef idx="0">
-            <a:schemeClr val="dk1"/>
-          </a:effectRef>
-          <a:fontRef idx="minor">
-            <a:schemeClr val="tx1"/>
-          </a:fontRef>
-        </p:style>
-      </p:cxnSp>
-      <p:sp>
-        <p:nvSpPr>
-          <p:cNvPr id="41" name="TextBox 40"/>
-          <p:cNvSpPr txBox="1"/>
-          <p:nvPr/>
-        </p:nvSpPr>
-        <p:spPr>
-          <a:xfrm>
-            <a:off x="6045540" y="2314117"/>
-            <a:ext cx="800219" cy="369332"/>
-          </a:xfrm>
-          <a:prstGeom prst="rect">
-            <a:avLst/>
-          </a:prstGeom>
-          <a:noFill/>
-        </p:spPr>
-        <p:txBody>
-          <a:bodyPr wrap="none" rtlCol="0">
-            <a:spAutoFit/>
-          </a:bodyPr>
-          <a:lstStyle/>
-          <a:p>
-            <a:r>
-              <a:rPr lang="en-US" dirty="0" smtClean="0">
-                <a:latin typeface="+mj-lt"/>
-              </a:rPr>
-              <a:t>SCTP</a:t>
-            </a:r>
-            <a:endParaRPr lang="en-US" dirty="0">
-              <a:latin typeface="+mj-lt"/>
-            </a:endParaRPr>
-          </a:p>
-        </p:txBody>
-      </p:sp>
-      <p:sp>
-        <p:nvSpPr>
-          <p:cNvPr id="43" name="TextBox 42"/>
-          <p:cNvSpPr txBox="1"/>
-          <p:nvPr/>
-        </p:nvSpPr>
-        <p:spPr>
-          <a:xfrm>
-            <a:off x="6045540" y="3188009"/>
-            <a:ext cx="774571" cy="369332"/>
-          </a:xfrm>
-          <a:prstGeom prst="rect">
-            <a:avLst/>
-          </a:prstGeom>
-          <a:noFill/>
-        </p:spPr>
-        <p:txBody>
-          <a:bodyPr wrap="none" rtlCol="0">
-            <a:spAutoFit/>
-          </a:bodyPr>
-          <a:lstStyle/>
-          <a:p>
-            <a:r>
-              <a:rPr lang="en-US" dirty="0">
-                <a:latin typeface="+mj-lt"/>
-              </a:rPr>
-              <a:t>DTLS</a:t>
-            </a:r>
-          </a:p>
-        </p:txBody>
-      </p:sp>
-    </p:spTree>
-    <p:extLst>
-      <p:ext uri="{BB962C8B-B14F-4D97-AF65-F5344CB8AC3E}">
-        <p14:creationId xmlns:p14="http://schemas.microsoft.com/office/powerpoint/2010/main" val="1482038348"/>
-      </p:ext>
-    </p:extLst>
-  </p:cSld>
-  <p:clrMapOvr>
-    <a:masterClrMapping/>
-  </p:clrMapOvr>
-</p:sld>
-</file>
-
-<file path=ppt/slides/slide9.xml><?xml version="1.0" encoding="utf-8"?>
-<p:sld xmlns:a="http://schemas.openxmlformats.org/drawingml/2006/main" xmlns:r="http://schemas.openxmlformats.org/officeDocument/2006/relationships" xmlns:p="http://schemas.openxmlformats.org/presentationml/2006/main">
-  <p:cSld>
-    <p:spTree>
-      <p:nvGrpSpPr>
-        <p:cNvPr id="1" name=""/>
-        <p:cNvGrpSpPr/>
-        <p:nvPr/>
-      </p:nvGrpSpPr>
-      <p:grpSpPr>
-        <a:xfrm>
-          <a:off x="0" y="0"/>
-          <a:ext cx="0" cy="0"/>
-          <a:chOff x="0" y="0"/>
-          <a:chExt cx="0" cy="0"/>
-        </a:xfrm>
-      </p:grpSpPr>
       <p:cxnSp>
         <p:nvCxnSpPr>
           <p:cNvPr id="3" name="Straight Connector 2"/>
@@ -8798,8 +8767,8 @@
         </p:nvSpPr>
         <p:spPr>
           <a:xfrm>
-            <a:off x="1106088" y="1297158"/>
-            <a:ext cx="6377073" cy="1652632"/>
+            <a:off x="1106088" y="1501984"/>
+            <a:ext cx="6377073" cy="1721945"/>
           </a:xfrm>
           <a:custGeom>
             <a:avLst/>
@@ -8846,6 +8815,126 @@
               <a:gd name="connsiteY5" fmla="*/ 0 h 1652632"/>
               <a:gd name="connsiteX6" fmla="*/ 6377073 w 6377073"/>
               <a:gd name="connsiteY6" fmla="*/ 0 h 1652632"/>
+              <a:gd name="connsiteX0" fmla="*/ 0 w 6377073"/>
+              <a:gd name="connsiteY0" fmla="*/ 355019 h 1652632"/>
+              <a:gd name="connsiteX1" fmla="*/ 1488439 w 6377073"/>
+              <a:gd name="connsiteY1" fmla="*/ 245782 h 1652632"/>
+              <a:gd name="connsiteX2" fmla="*/ 2813012 w 6377073"/>
+              <a:gd name="connsiteY2" fmla="*/ 969473 h 1652632"/>
+              <a:gd name="connsiteX3" fmla="*/ 4519938 w 6377073"/>
+              <a:gd name="connsiteY3" fmla="*/ 1624892 h 1652632"/>
+              <a:gd name="connsiteX4" fmla="*/ 6377073 w 6377073"/>
+              <a:gd name="connsiteY4" fmla="*/ 0 h 1652632"/>
+              <a:gd name="connsiteX5" fmla="*/ 6377073 w 6377073"/>
+              <a:gd name="connsiteY5" fmla="*/ 0 h 1652632"/>
+              <a:gd name="connsiteX6" fmla="*/ 6377073 w 6377073"/>
+              <a:gd name="connsiteY6" fmla="*/ 0 h 1652632"/>
+              <a:gd name="connsiteX0" fmla="*/ 0 w 6377073"/>
+              <a:gd name="connsiteY0" fmla="*/ 355019 h 1653146"/>
+              <a:gd name="connsiteX1" fmla="*/ 1488439 w 6377073"/>
+              <a:gd name="connsiteY1" fmla="*/ 245782 h 1653146"/>
+              <a:gd name="connsiteX2" fmla="*/ 2813012 w 6377073"/>
+              <a:gd name="connsiteY2" fmla="*/ 969473 h 1653146"/>
+              <a:gd name="connsiteX3" fmla="*/ 4519938 w 6377073"/>
+              <a:gd name="connsiteY3" fmla="*/ 1624892 h 1653146"/>
+              <a:gd name="connsiteX4" fmla="*/ 6377073 w 6377073"/>
+              <a:gd name="connsiteY4" fmla="*/ 0 h 1653146"/>
+              <a:gd name="connsiteX5" fmla="*/ 6377073 w 6377073"/>
+              <a:gd name="connsiteY5" fmla="*/ 0 h 1653146"/>
+              <a:gd name="connsiteX6" fmla="*/ 6377073 w 6377073"/>
+              <a:gd name="connsiteY6" fmla="*/ 0 h 1653146"/>
+              <a:gd name="connsiteX0" fmla="*/ 0 w 6377073"/>
+              <a:gd name="connsiteY0" fmla="*/ 355019 h 1745421"/>
+              <a:gd name="connsiteX1" fmla="*/ 1488439 w 6377073"/>
+              <a:gd name="connsiteY1" fmla="*/ 245782 h 1745421"/>
+              <a:gd name="connsiteX2" fmla="*/ 2813012 w 6377073"/>
+              <a:gd name="connsiteY2" fmla="*/ 969473 h 1745421"/>
+              <a:gd name="connsiteX3" fmla="*/ 4574560 w 6377073"/>
+              <a:gd name="connsiteY3" fmla="*/ 1720474 h 1745421"/>
+              <a:gd name="connsiteX4" fmla="*/ 6377073 w 6377073"/>
+              <a:gd name="connsiteY4" fmla="*/ 0 h 1745421"/>
+              <a:gd name="connsiteX5" fmla="*/ 6377073 w 6377073"/>
+              <a:gd name="connsiteY5" fmla="*/ 0 h 1745421"/>
+              <a:gd name="connsiteX6" fmla="*/ 6377073 w 6377073"/>
+              <a:gd name="connsiteY6" fmla="*/ 0 h 1745421"/>
+              <a:gd name="connsiteX0" fmla="*/ 0 w 6377073"/>
+              <a:gd name="connsiteY0" fmla="*/ 355019 h 1721429"/>
+              <a:gd name="connsiteX1" fmla="*/ 1488439 w 6377073"/>
+              <a:gd name="connsiteY1" fmla="*/ 245782 h 1721429"/>
+              <a:gd name="connsiteX2" fmla="*/ 4574560 w 6377073"/>
+              <a:gd name="connsiteY2" fmla="*/ 1720474 h 1721429"/>
+              <a:gd name="connsiteX3" fmla="*/ 6377073 w 6377073"/>
+              <a:gd name="connsiteY3" fmla="*/ 0 h 1721429"/>
+              <a:gd name="connsiteX4" fmla="*/ 6377073 w 6377073"/>
+              <a:gd name="connsiteY4" fmla="*/ 0 h 1721429"/>
+              <a:gd name="connsiteX5" fmla="*/ 6377073 w 6377073"/>
+              <a:gd name="connsiteY5" fmla="*/ 0 h 1721429"/>
+              <a:gd name="connsiteX0" fmla="*/ 0 w 6377073"/>
+              <a:gd name="connsiteY0" fmla="*/ 355019 h 1721945"/>
+              <a:gd name="connsiteX1" fmla="*/ 1474784 w 6377073"/>
+              <a:gd name="connsiteY1" fmla="*/ 300400 h 1721945"/>
+              <a:gd name="connsiteX2" fmla="*/ 4574560 w 6377073"/>
+              <a:gd name="connsiteY2" fmla="*/ 1720474 h 1721945"/>
+              <a:gd name="connsiteX3" fmla="*/ 6377073 w 6377073"/>
+              <a:gd name="connsiteY3" fmla="*/ 0 h 1721945"/>
+              <a:gd name="connsiteX4" fmla="*/ 6377073 w 6377073"/>
+              <a:gd name="connsiteY4" fmla="*/ 0 h 1721945"/>
+              <a:gd name="connsiteX5" fmla="*/ 6377073 w 6377073"/>
+              <a:gd name="connsiteY5" fmla="*/ 0 h 1721945"/>
+              <a:gd name="connsiteX0" fmla="*/ 0 w 6377073"/>
+              <a:gd name="connsiteY0" fmla="*/ 355019 h 1736248"/>
+              <a:gd name="connsiteX1" fmla="*/ 1474784 w 6377073"/>
+              <a:gd name="connsiteY1" fmla="*/ 300400 h 1736248"/>
+              <a:gd name="connsiteX2" fmla="*/ 4574560 w 6377073"/>
+              <a:gd name="connsiteY2" fmla="*/ 1720474 h 1736248"/>
+              <a:gd name="connsiteX3" fmla="*/ 5721614 w 6377073"/>
+              <a:gd name="connsiteY3" fmla="*/ 996800 h 1736248"/>
+              <a:gd name="connsiteX4" fmla="*/ 6377073 w 6377073"/>
+              <a:gd name="connsiteY4" fmla="*/ 0 h 1736248"/>
+              <a:gd name="connsiteX5" fmla="*/ 6377073 w 6377073"/>
+              <a:gd name="connsiteY5" fmla="*/ 0 h 1736248"/>
+              <a:gd name="connsiteX6" fmla="*/ 6377073 w 6377073"/>
+              <a:gd name="connsiteY6" fmla="*/ 0 h 1736248"/>
+              <a:gd name="connsiteX0" fmla="*/ 0 w 6377073"/>
+              <a:gd name="connsiteY0" fmla="*/ 355019 h 1736248"/>
+              <a:gd name="connsiteX1" fmla="*/ 1474784 w 6377073"/>
+              <a:gd name="connsiteY1" fmla="*/ 300400 h 1736248"/>
+              <a:gd name="connsiteX2" fmla="*/ 4574560 w 6377073"/>
+              <a:gd name="connsiteY2" fmla="*/ 1720474 h 1736248"/>
+              <a:gd name="connsiteX3" fmla="*/ 5721614 w 6377073"/>
+              <a:gd name="connsiteY3" fmla="*/ 996800 h 1736248"/>
+              <a:gd name="connsiteX4" fmla="*/ 6377073 w 6377073"/>
+              <a:gd name="connsiteY4" fmla="*/ 0 h 1736248"/>
+              <a:gd name="connsiteX5" fmla="*/ 6377073 w 6377073"/>
+              <a:gd name="connsiteY5" fmla="*/ 0 h 1736248"/>
+              <a:gd name="connsiteX6" fmla="*/ 6377073 w 6377073"/>
+              <a:gd name="connsiteY6" fmla="*/ 0 h 1736248"/>
+              <a:gd name="connsiteX0" fmla="*/ 0 w 6377073"/>
+              <a:gd name="connsiteY0" fmla="*/ 355019 h 1738015"/>
+              <a:gd name="connsiteX1" fmla="*/ 1474784 w 6377073"/>
+              <a:gd name="connsiteY1" fmla="*/ 300400 h 1738015"/>
+              <a:gd name="connsiteX2" fmla="*/ 4574560 w 6377073"/>
+              <a:gd name="connsiteY2" fmla="*/ 1720474 h 1738015"/>
+              <a:gd name="connsiteX3" fmla="*/ 5721614 w 6377073"/>
+              <a:gd name="connsiteY3" fmla="*/ 996800 h 1738015"/>
+              <a:gd name="connsiteX4" fmla="*/ 6377073 w 6377073"/>
+              <a:gd name="connsiteY4" fmla="*/ 0 h 1738015"/>
+              <a:gd name="connsiteX5" fmla="*/ 6377073 w 6377073"/>
+              <a:gd name="connsiteY5" fmla="*/ 0 h 1738015"/>
+              <a:gd name="connsiteX6" fmla="*/ 6377073 w 6377073"/>
+              <a:gd name="connsiteY6" fmla="*/ 0 h 1738015"/>
+              <a:gd name="connsiteX0" fmla="*/ 0 w 6377073"/>
+              <a:gd name="connsiteY0" fmla="*/ 355019 h 1721945"/>
+              <a:gd name="connsiteX1" fmla="*/ 1474784 w 6377073"/>
+              <a:gd name="connsiteY1" fmla="*/ 300400 h 1721945"/>
+              <a:gd name="connsiteX2" fmla="*/ 4574560 w 6377073"/>
+              <a:gd name="connsiteY2" fmla="*/ 1720474 h 1721945"/>
+              <a:gd name="connsiteX3" fmla="*/ 6377073 w 6377073"/>
+              <a:gd name="connsiteY3" fmla="*/ 0 h 1721945"/>
+              <a:gd name="connsiteX4" fmla="*/ 6377073 w 6377073"/>
+              <a:gd name="connsiteY4" fmla="*/ 0 h 1721945"/>
+              <a:gd name="connsiteX5" fmla="*/ 6377073 w 6377073"/>
+              <a:gd name="connsiteY5" fmla="*/ 0 h 1721945"/>
             </a:gdLst>
             <a:ahLst/>
             <a:cxnLst>
@@ -8867,34 +8956,26 @@
               <a:cxn ang="0">
                 <a:pos x="connsiteX5" y="connsiteY5"/>
               </a:cxn>
-              <a:cxn ang="0">
-                <a:pos x="connsiteX6" y="connsiteY6"/>
-              </a:cxn>
             </a:cxnLst>
             <a:rect l="l" t="t" r="r" b="b"/>
             <a:pathLst>
-              <a:path w="6377073" h="1652632">
+              <a:path w="6377073" h="1721945">
                 <a:moveTo>
                   <a:pt x="0" y="355019"/>
                 </a:moveTo>
                 <a:cubicBezTo>
                   <a:pt x="516629" y="246920"/>
-                  <a:pt x="1028707" y="143373"/>
-                  <a:pt x="1488439" y="245782"/>
+                  <a:pt x="712357" y="72824"/>
+                  <a:pt x="1474784" y="300400"/>
                 </a:cubicBezTo>
                 <a:cubicBezTo>
-                  <a:pt x="1948171" y="348191"/>
-                  <a:pt x="2253141" y="739621"/>
-                  <a:pt x="2758391" y="969473"/>
+                  <a:pt x="2237211" y="527976"/>
+                  <a:pt x="3757512" y="1770541"/>
+                  <a:pt x="4574560" y="1720474"/>
                 </a:cubicBezTo>
                 <a:cubicBezTo>
-                  <a:pt x="3263641" y="1199325"/>
-                  <a:pt x="3916824" y="1786471"/>
-                  <a:pt x="4519938" y="1624892"/>
-                </a:cubicBezTo>
-                <a:cubicBezTo>
-                  <a:pt x="5123052" y="1463313"/>
-                  <a:pt x="6067550" y="270815"/>
+                  <a:pt x="5391608" y="1670407"/>
+                  <a:pt x="6076654" y="286746"/>
                   <a:pt x="6377073" y="0"/>
                 </a:cubicBezTo>
                 <a:lnTo>
@@ -9705,822 +9786,584 @@
           </p:txBody>
         </p:sp>
       </p:grpSp>
-      <p:grpSp>
-        <p:nvGrpSpPr>
-          <p:cNvPr id="91" name="Group 90"/>
-          <p:cNvGrpSpPr/>
-          <p:nvPr/>
-        </p:nvGrpSpPr>
-        <p:grpSpPr>
-          <a:xfrm>
-            <a:off x="1051465" y="2331070"/>
-            <a:ext cx="6681378" cy="2655009"/>
-            <a:chOff x="1051465" y="2331070"/>
-            <a:chExt cx="6681378" cy="2655009"/>
-          </a:xfrm>
-        </p:grpSpPr>
-        <p:cxnSp>
-          <p:nvCxnSpPr>
-            <p:cNvPr id="41" name="Straight Connector 40"/>
-            <p:cNvCxnSpPr/>
-            <p:nvPr/>
-          </p:nvCxnSpPr>
-          <p:spPr>
-            <a:xfrm>
-              <a:off x="1051466" y="3196429"/>
-              <a:ext cx="821516" cy="0"/>
-            </a:xfrm>
-            <a:prstGeom prst="line">
-              <a:avLst/>
-            </a:prstGeom>
-            <a:ln>
-              <a:solidFill>
-                <a:srgbClr val="FF0000"/>
-              </a:solidFill>
-            </a:ln>
-          </p:spPr>
-          <p:style>
-            <a:lnRef idx="1">
-              <a:schemeClr val="dk1"/>
-            </a:lnRef>
-            <a:fillRef idx="0">
-              <a:schemeClr val="dk1"/>
-            </a:fillRef>
-            <a:effectRef idx="0">
-              <a:schemeClr val="dk1"/>
-            </a:effectRef>
-            <a:fontRef idx="minor">
-              <a:schemeClr val="tx1"/>
-            </a:fontRef>
-          </p:style>
-        </p:cxnSp>
-        <p:cxnSp>
-          <p:nvCxnSpPr>
-            <p:cNvPr id="42" name="Straight Connector 41"/>
-            <p:cNvCxnSpPr/>
-            <p:nvPr/>
-          </p:nvCxnSpPr>
-          <p:spPr>
-            <a:xfrm>
-              <a:off x="1888827" y="3196429"/>
-              <a:ext cx="832982" cy="0"/>
-            </a:xfrm>
-            <a:prstGeom prst="line">
-              <a:avLst/>
-            </a:prstGeom>
-            <a:ln>
-              <a:solidFill>
-                <a:srgbClr val="FF0000"/>
-              </a:solidFill>
-            </a:ln>
-          </p:spPr>
-          <p:style>
-            <a:lnRef idx="1">
-              <a:schemeClr val="dk1"/>
-            </a:lnRef>
-            <a:fillRef idx="0">
-              <a:schemeClr val="dk1"/>
-            </a:fillRef>
-            <a:effectRef idx="0">
-              <a:schemeClr val="dk1"/>
-            </a:effectRef>
-            <a:fontRef idx="minor">
-              <a:schemeClr val="tx1"/>
-            </a:fontRef>
-          </p:style>
-        </p:cxnSp>
-        <p:cxnSp>
-          <p:nvCxnSpPr>
-            <p:cNvPr id="44" name="Straight Connector 43"/>
-            <p:cNvCxnSpPr/>
-            <p:nvPr/>
-          </p:nvCxnSpPr>
-          <p:spPr>
-            <a:xfrm>
-              <a:off x="2721809" y="2331070"/>
-              <a:ext cx="832982" cy="0"/>
-            </a:xfrm>
-            <a:prstGeom prst="line">
-              <a:avLst/>
-            </a:prstGeom>
-            <a:ln>
-              <a:solidFill>
-                <a:srgbClr val="FF0000"/>
-              </a:solidFill>
-            </a:ln>
-          </p:spPr>
-          <p:style>
-            <a:lnRef idx="1">
-              <a:schemeClr val="dk1"/>
-            </a:lnRef>
-            <a:fillRef idx="0">
-              <a:schemeClr val="dk1"/>
-            </a:fillRef>
-            <a:effectRef idx="0">
-              <a:schemeClr val="dk1"/>
-            </a:effectRef>
-            <a:fontRef idx="minor">
-              <a:schemeClr val="tx1"/>
-            </a:fontRef>
-          </p:style>
-        </p:cxnSp>
-        <p:cxnSp>
-          <p:nvCxnSpPr>
-            <p:cNvPr id="45" name="Straight Connector 44"/>
-            <p:cNvCxnSpPr/>
-            <p:nvPr/>
-          </p:nvCxnSpPr>
-          <p:spPr>
-            <a:xfrm>
-              <a:off x="3559171" y="2331070"/>
-              <a:ext cx="832982" cy="0"/>
-            </a:xfrm>
-            <a:prstGeom prst="line">
-              <a:avLst/>
-            </a:prstGeom>
-            <a:ln>
-              <a:solidFill>
-                <a:srgbClr val="FF0000"/>
-              </a:solidFill>
-            </a:ln>
-          </p:spPr>
-          <p:style>
-            <a:lnRef idx="1">
-              <a:schemeClr val="dk1"/>
-            </a:lnRef>
-            <a:fillRef idx="0">
-              <a:schemeClr val="dk1"/>
-            </a:fillRef>
-            <a:effectRef idx="0">
-              <a:schemeClr val="dk1"/>
-            </a:effectRef>
-            <a:fontRef idx="minor">
-              <a:schemeClr val="tx1"/>
-            </a:fontRef>
-          </p:style>
-        </p:cxnSp>
-        <p:cxnSp>
-          <p:nvCxnSpPr>
-            <p:cNvPr id="46" name="Straight Connector 45"/>
-            <p:cNvCxnSpPr/>
-            <p:nvPr/>
-          </p:nvCxnSpPr>
-          <p:spPr>
-            <a:xfrm>
-              <a:off x="4387550" y="3425642"/>
-              <a:ext cx="832982" cy="0"/>
-            </a:xfrm>
-            <a:prstGeom prst="line">
-              <a:avLst/>
-            </a:prstGeom>
-            <a:ln>
-              <a:solidFill>
-                <a:srgbClr val="FF0000"/>
-              </a:solidFill>
-            </a:ln>
-          </p:spPr>
-          <p:style>
-            <a:lnRef idx="1">
-              <a:schemeClr val="dk1"/>
-            </a:lnRef>
-            <a:fillRef idx="0">
-              <a:schemeClr val="dk1"/>
-            </a:fillRef>
-            <a:effectRef idx="0">
-              <a:schemeClr val="dk1"/>
-            </a:effectRef>
-            <a:fontRef idx="minor">
-              <a:schemeClr val="tx1"/>
-            </a:fontRef>
-          </p:style>
-        </p:cxnSp>
-        <p:cxnSp>
-          <p:nvCxnSpPr>
-            <p:cNvPr id="47" name="Straight Connector 46"/>
-            <p:cNvCxnSpPr/>
-            <p:nvPr/>
-          </p:nvCxnSpPr>
-          <p:spPr>
-            <a:xfrm>
-              <a:off x="5231706" y="3423983"/>
-              <a:ext cx="832982" cy="0"/>
-            </a:xfrm>
-            <a:prstGeom prst="line">
-              <a:avLst/>
-            </a:prstGeom>
-            <a:ln>
-              <a:solidFill>
-                <a:srgbClr val="FF0000"/>
-              </a:solidFill>
-            </a:ln>
-          </p:spPr>
-          <p:style>
-            <a:lnRef idx="1">
-              <a:schemeClr val="dk1"/>
-            </a:lnRef>
-            <a:fillRef idx="0">
-              <a:schemeClr val="dk1"/>
-            </a:fillRef>
-            <a:effectRef idx="0">
-              <a:schemeClr val="dk1"/>
-            </a:effectRef>
-            <a:fontRef idx="minor">
-              <a:schemeClr val="tx1"/>
-            </a:fontRef>
-          </p:style>
-        </p:cxnSp>
-        <p:cxnSp>
-          <p:nvCxnSpPr>
-            <p:cNvPr id="48" name="Straight Connector 47"/>
-            <p:cNvCxnSpPr/>
-            <p:nvPr/>
-          </p:nvCxnSpPr>
-          <p:spPr>
-            <a:xfrm>
-              <a:off x="6066878" y="3425642"/>
-              <a:ext cx="832982" cy="0"/>
-            </a:xfrm>
-            <a:prstGeom prst="line">
-              <a:avLst/>
-            </a:prstGeom>
-            <a:ln>
-              <a:solidFill>
-                <a:srgbClr val="FF0000"/>
-              </a:solidFill>
-            </a:ln>
-          </p:spPr>
-          <p:style>
-            <a:lnRef idx="1">
-              <a:schemeClr val="dk1"/>
-            </a:lnRef>
-            <a:fillRef idx="0">
-              <a:schemeClr val="dk1"/>
-            </a:fillRef>
-            <a:effectRef idx="0">
-              <a:schemeClr val="dk1"/>
-            </a:effectRef>
-            <a:fontRef idx="minor">
-              <a:schemeClr val="tx1"/>
-            </a:fontRef>
-          </p:style>
-        </p:cxnSp>
-        <p:cxnSp>
-          <p:nvCxnSpPr>
-            <p:cNvPr id="49" name="Straight Connector 48"/>
-            <p:cNvCxnSpPr/>
-            <p:nvPr/>
-          </p:nvCxnSpPr>
-          <p:spPr>
-            <a:xfrm>
-              <a:off x="6899861" y="2812838"/>
-              <a:ext cx="832982" cy="0"/>
-            </a:xfrm>
-            <a:prstGeom prst="line">
-              <a:avLst/>
-            </a:prstGeom>
-            <a:ln>
-              <a:solidFill>
-                <a:srgbClr val="FF0000"/>
-              </a:solidFill>
-            </a:ln>
-          </p:spPr>
-          <p:style>
-            <a:lnRef idx="1">
-              <a:schemeClr val="dk1"/>
-            </a:lnRef>
-            <a:fillRef idx="0">
-              <a:schemeClr val="dk1"/>
-            </a:fillRef>
-            <a:effectRef idx="0">
-              <a:schemeClr val="dk1"/>
-            </a:effectRef>
-            <a:fontRef idx="minor">
-              <a:schemeClr val="tx1"/>
-            </a:fontRef>
-          </p:style>
-        </p:cxnSp>
-        <p:cxnSp>
-          <p:nvCxnSpPr>
-            <p:cNvPr id="50" name="Straight Connector 49"/>
-            <p:cNvCxnSpPr/>
-            <p:nvPr/>
-          </p:nvCxnSpPr>
-          <p:spPr>
-            <a:xfrm>
-              <a:off x="4392153" y="2331070"/>
-              <a:ext cx="0" cy="1094572"/>
-            </a:xfrm>
-            <a:prstGeom prst="line">
-              <a:avLst/>
-            </a:prstGeom>
-            <a:ln>
-              <a:solidFill>
-                <a:srgbClr val="FF0000"/>
-              </a:solidFill>
-            </a:ln>
-          </p:spPr>
-          <p:style>
-            <a:lnRef idx="1">
-              <a:schemeClr val="dk1"/>
-            </a:lnRef>
-            <a:fillRef idx="0">
-              <a:schemeClr val="dk1"/>
-            </a:fillRef>
-            <a:effectRef idx="0">
-              <a:schemeClr val="dk1"/>
-            </a:effectRef>
-            <a:fontRef idx="minor">
-              <a:schemeClr val="tx1"/>
-            </a:fontRef>
-          </p:style>
-        </p:cxnSp>
-        <p:cxnSp>
-          <p:nvCxnSpPr>
-            <p:cNvPr id="57" name="Straight Connector 56"/>
-            <p:cNvCxnSpPr/>
-            <p:nvPr/>
-          </p:nvCxnSpPr>
-          <p:spPr>
-            <a:xfrm flipH="1">
-              <a:off x="2721809" y="2331070"/>
-              <a:ext cx="6572" cy="865359"/>
-            </a:xfrm>
-            <a:prstGeom prst="line">
-              <a:avLst/>
-            </a:prstGeom>
-            <a:ln>
-              <a:solidFill>
-                <a:srgbClr val="FF0000"/>
-              </a:solidFill>
-            </a:ln>
-          </p:spPr>
-          <p:style>
-            <a:lnRef idx="1">
-              <a:schemeClr val="dk1"/>
-            </a:lnRef>
-            <a:fillRef idx="0">
-              <a:schemeClr val="dk1"/>
-            </a:fillRef>
-            <a:effectRef idx="0">
-              <a:schemeClr val="dk1"/>
-            </a:effectRef>
-            <a:fontRef idx="minor">
-              <a:schemeClr val="tx1"/>
-            </a:fontRef>
-          </p:style>
-        </p:cxnSp>
-        <p:cxnSp>
-          <p:nvCxnSpPr>
-            <p:cNvPr id="62" name="Straight Connector 61"/>
-            <p:cNvCxnSpPr/>
-            <p:nvPr/>
-          </p:nvCxnSpPr>
-          <p:spPr>
-            <a:xfrm>
-              <a:off x="6897670" y="2812838"/>
-              <a:ext cx="2191" cy="612804"/>
-            </a:xfrm>
-            <a:prstGeom prst="line">
-              <a:avLst/>
-            </a:prstGeom>
-            <a:ln>
-              <a:solidFill>
-                <a:srgbClr val="FF0000"/>
-              </a:solidFill>
-            </a:ln>
-          </p:spPr>
-          <p:style>
-            <a:lnRef idx="1">
-              <a:schemeClr val="dk1"/>
-            </a:lnRef>
-            <a:fillRef idx="0">
-              <a:schemeClr val="dk1"/>
-            </a:fillRef>
-            <a:effectRef idx="0">
-              <a:schemeClr val="dk1"/>
-            </a:effectRef>
-            <a:fontRef idx="minor">
-              <a:schemeClr val="tx1"/>
-            </a:fontRef>
-          </p:style>
-        </p:cxnSp>
-        <p:sp>
-          <p:nvSpPr>
-            <p:cNvPr id="64" name="Rectangle 63"/>
-            <p:cNvSpPr/>
-            <p:nvPr/>
-          </p:nvSpPr>
-          <p:spPr>
-            <a:xfrm>
-              <a:off x="1051465" y="3196429"/>
-              <a:ext cx="3340687" cy="1789650"/>
-            </a:xfrm>
-            <a:prstGeom prst="rect">
-              <a:avLst/>
-            </a:prstGeom>
+      <p:cxnSp>
+        <p:nvCxnSpPr>
+          <p:cNvPr id="41" name="Straight Connector 40"/>
+          <p:cNvCxnSpPr/>
+          <p:nvPr/>
+        </p:nvCxnSpPr>
+        <p:spPr>
+          <a:xfrm>
+            <a:off x="1051466" y="3196429"/>
+            <a:ext cx="821516" cy="0"/>
+          </a:xfrm>
+          <a:prstGeom prst="line">
+            <a:avLst/>
+          </a:prstGeom>
+          <a:ln>
             <a:solidFill>
-              <a:srgbClr val="FF0000">
-                <a:alpha val="22000"/>
-              </a:srgbClr>
+              <a:srgbClr val="FF0000"/>
             </a:solidFill>
-            <a:ln>
-              <a:noFill/>
-            </a:ln>
-          </p:spPr>
-          <p:style>
-            <a:lnRef idx="2">
-              <a:schemeClr val="accent1">
-                <a:shade val="50000"/>
-              </a:schemeClr>
-            </a:lnRef>
-            <a:fillRef idx="1">
-              <a:schemeClr val="accent1"/>
-            </a:fillRef>
-            <a:effectRef idx="0">
-              <a:schemeClr val="accent1"/>
-            </a:effectRef>
-            <a:fontRef idx="minor">
-              <a:schemeClr val="lt1"/>
-            </a:fontRef>
-          </p:style>
-          <p:txBody>
-            <a:bodyPr rtlCol="0" anchor="ctr"/>
-            <a:lstStyle/>
-            <a:p>
-              <a:pPr algn="ctr"/>
-              <a:endParaRPr lang="en-US" dirty="0"/>
-            </a:p>
-          </p:txBody>
-        </p:sp>
-        <p:sp>
-          <p:nvSpPr>
-            <p:cNvPr id="66" name="Rectangle 65"/>
-            <p:cNvSpPr/>
-            <p:nvPr/>
-          </p:nvSpPr>
-          <p:spPr>
-            <a:xfrm>
-              <a:off x="2730794" y="2331070"/>
-              <a:ext cx="1656756" cy="865359"/>
-            </a:xfrm>
-            <a:prstGeom prst="rect">
-              <a:avLst/>
-            </a:prstGeom>
+          </a:ln>
+        </p:spPr>
+        <p:style>
+          <a:lnRef idx="1">
+            <a:schemeClr val="dk1"/>
+          </a:lnRef>
+          <a:fillRef idx="0">
+            <a:schemeClr val="dk1"/>
+          </a:fillRef>
+          <a:effectRef idx="0">
+            <a:schemeClr val="dk1"/>
+          </a:effectRef>
+          <a:fontRef idx="minor">
+            <a:schemeClr val="tx1"/>
+          </a:fontRef>
+        </p:style>
+      </p:cxnSp>
+      <p:cxnSp>
+        <p:nvCxnSpPr>
+          <p:cNvPr id="42" name="Straight Connector 41"/>
+          <p:cNvCxnSpPr/>
+          <p:nvPr/>
+        </p:nvCxnSpPr>
+        <p:spPr>
+          <a:xfrm>
+            <a:off x="1888827" y="3196429"/>
+            <a:ext cx="832982" cy="0"/>
+          </a:xfrm>
+          <a:prstGeom prst="line">
+            <a:avLst/>
+          </a:prstGeom>
+          <a:ln>
             <a:solidFill>
-              <a:srgbClr val="FF0000">
-                <a:alpha val="22000"/>
-              </a:srgbClr>
+              <a:srgbClr val="FF0000"/>
             </a:solidFill>
-            <a:ln>
-              <a:noFill/>
-            </a:ln>
-          </p:spPr>
-          <p:style>
-            <a:lnRef idx="2">
-              <a:schemeClr val="accent1">
-                <a:shade val="50000"/>
-              </a:schemeClr>
-            </a:lnRef>
-            <a:fillRef idx="1">
-              <a:schemeClr val="accent1"/>
-            </a:fillRef>
-            <a:effectRef idx="0">
-              <a:schemeClr val="accent1"/>
-            </a:effectRef>
-            <a:fontRef idx="minor">
-              <a:schemeClr val="lt1"/>
-            </a:fontRef>
-          </p:style>
-          <p:txBody>
-            <a:bodyPr rtlCol="0" anchor="ctr"/>
-            <a:lstStyle/>
-            <a:p>
-              <a:pPr algn="ctr"/>
-              <a:endParaRPr lang="en-US"/>
-            </a:p>
-          </p:txBody>
-        </p:sp>
-        <p:sp>
-          <p:nvSpPr>
-            <p:cNvPr id="67" name="Rectangle 66"/>
-            <p:cNvSpPr/>
-            <p:nvPr/>
-          </p:nvSpPr>
-          <p:spPr>
-            <a:xfrm>
-              <a:off x="4387550" y="3423983"/>
-              <a:ext cx="3345293" cy="1562096"/>
-            </a:xfrm>
-            <a:prstGeom prst="rect">
-              <a:avLst/>
-            </a:prstGeom>
+          </a:ln>
+        </p:spPr>
+        <p:style>
+          <a:lnRef idx="1">
+            <a:schemeClr val="dk1"/>
+          </a:lnRef>
+          <a:fillRef idx="0">
+            <a:schemeClr val="dk1"/>
+          </a:fillRef>
+          <a:effectRef idx="0">
+            <a:schemeClr val="dk1"/>
+          </a:effectRef>
+          <a:fontRef idx="minor">
+            <a:schemeClr val="tx1"/>
+          </a:fontRef>
+        </p:style>
+      </p:cxnSp>
+      <p:cxnSp>
+        <p:nvCxnSpPr>
+          <p:cNvPr id="44" name="Straight Connector 43"/>
+          <p:cNvCxnSpPr/>
+          <p:nvPr/>
+        </p:nvCxnSpPr>
+        <p:spPr>
+          <a:xfrm>
+            <a:off x="2721809" y="2331070"/>
+            <a:ext cx="1665741" cy="0"/>
+          </a:xfrm>
+          <a:prstGeom prst="line">
+            <a:avLst/>
+          </a:prstGeom>
+          <a:ln>
             <a:solidFill>
-              <a:srgbClr val="FF0000">
-                <a:alpha val="22000"/>
-              </a:srgbClr>
+              <a:srgbClr val="FF0000"/>
             </a:solidFill>
-            <a:ln>
-              <a:noFill/>
-            </a:ln>
-          </p:spPr>
-          <p:style>
-            <a:lnRef idx="2">
-              <a:schemeClr val="accent1">
-                <a:shade val="50000"/>
-              </a:schemeClr>
-            </a:lnRef>
-            <a:fillRef idx="1">
-              <a:schemeClr val="accent1"/>
-            </a:fillRef>
-            <a:effectRef idx="0">
-              <a:schemeClr val="accent1"/>
-            </a:effectRef>
-            <a:fontRef idx="minor">
-              <a:schemeClr val="lt1"/>
-            </a:fontRef>
-          </p:style>
-          <p:txBody>
-            <a:bodyPr rtlCol="0" anchor="ctr"/>
-            <a:lstStyle/>
-            <a:p>
-              <a:pPr algn="ctr"/>
-              <a:endParaRPr lang="en-US"/>
-            </a:p>
-          </p:txBody>
-        </p:sp>
-        <p:sp>
-          <p:nvSpPr>
-            <p:cNvPr id="68" name="Rectangle 67"/>
-            <p:cNvSpPr/>
-            <p:nvPr/>
-          </p:nvSpPr>
-          <p:spPr>
-            <a:xfrm>
-              <a:off x="6894972" y="2812838"/>
-              <a:ext cx="837362" cy="611145"/>
-            </a:xfrm>
-            <a:prstGeom prst="rect">
-              <a:avLst/>
-            </a:prstGeom>
+          </a:ln>
+        </p:spPr>
+        <p:style>
+          <a:lnRef idx="1">
+            <a:schemeClr val="dk1"/>
+          </a:lnRef>
+          <a:fillRef idx="0">
+            <a:schemeClr val="dk1"/>
+          </a:fillRef>
+          <a:effectRef idx="0">
+            <a:schemeClr val="dk1"/>
+          </a:effectRef>
+          <a:fontRef idx="minor">
+            <a:schemeClr val="tx1"/>
+          </a:fontRef>
+        </p:style>
+      </p:cxnSp>
+      <p:cxnSp>
+        <p:nvCxnSpPr>
+          <p:cNvPr id="46" name="Straight Connector 45"/>
+          <p:cNvCxnSpPr/>
+          <p:nvPr/>
+        </p:nvCxnSpPr>
+        <p:spPr>
+          <a:xfrm>
+            <a:off x="4387550" y="3425642"/>
+            <a:ext cx="2512421" cy="0"/>
+          </a:xfrm>
+          <a:prstGeom prst="line">
+            <a:avLst/>
+          </a:prstGeom>
+          <a:ln>
             <a:solidFill>
-              <a:srgbClr val="FF0000">
-                <a:alpha val="22000"/>
-              </a:srgbClr>
+              <a:srgbClr val="FF0000"/>
             </a:solidFill>
-            <a:ln>
-              <a:noFill/>
-            </a:ln>
-          </p:spPr>
-          <p:style>
-            <a:lnRef idx="2">
-              <a:schemeClr val="accent1">
-                <a:shade val="50000"/>
-              </a:schemeClr>
-            </a:lnRef>
-            <a:fillRef idx="1">
-              <a:schemeClr val="accent1"/>
-            </a:fillRef>
-            <a:effectRef idx="0">
-              <a:schemeClr val="accent1"/>
-            </a:effectRef>
-            <a:fontRef idx="minor">
-              <a:schemeClr val="lt1"/>
-            </a:fontRef>
-          </p:style>
-          <p:txBody>
-            <a:bodyPr rtlCol="0" anchor="ctr"/>
-            <a:lstStyle/>
-            <a:p>
-              <a:pPr algn="ctr"/>
-              <a:endParaRPr lang="en-US"/>
-            </a:p>
-          </p:txBody>
-        </p:sp>
-        <p:sp>
-          <p:nvSpPr>
-            <p:cNvPr id="74" name="Rectangle 73"/>
-            <p:cNvSpPr/>
-            <p:nvPr/>
-          </p:nvSpPr>
-          <p:spPr>
-            <a:xfrm>
-              <a:off x="1872983" y="2331070"/>
-              <a:ext cx="857812" cy="865359"/>
-            </a:xfrm>
-            <a:prstGeom prst="rect">
-              <a:avLst/>
-            </a:prstGeom>
+          </a:ln>
+        </p:spPr>
+        <p:style>
+          <a:lnRef idx="1">
+            <a:schemeClr val="dk1"/>
+          </a:lnRef>
+          <a:fillRef idx="0">
+            <a:schemeClr val="dk1"/>
+          </a:fillRef>
+          <a:effectRef idx="0">
+            <a:schemeClr val="dk1"/>
+          </a:effectRef>
+          <a:fontRef idx="minor">
+            <a:schemeClr val="tx1"/>
+          </a:fontRef>
+        </p:style>
+      </p:cxnSp>
+      <p:cxnSp>
+        <p:nvCxnSpPr>
+          <p:cNvPr id="50" name="Straight Connector 49"/>
+          <p:cNvCxnSpPr/>
+          <p:nvPr/>
+        </p:nvCxnSpPr>
+        <p:spPr>
+          <a:xfrm>
+            <a:off x="4392153" y="2331070"/>
+            <a:ext cx="0" cy="1094572"/>
+          </a:xfrm>
+          <a:prstGeom prst="line">
+            <a:avLst/>
+          </a:prstGeom>
+          <a:ln>
             <a:solidFill>
-              <a:schemeClr val="accent3">
-                <a:lumMod val="75000"/>
-                <a:alpha val="19000"/>
-              </a:schemeClr>
+              <a:srgbClr val="FF0000"/>
             </a:solidFill>
-            <a:ln>
-              <a:noFill/>
-            </a:ln>
-          </p:spPr>
-          <p:style>
-            <a:lnRef idx="2">
-              <a:schemeClr val="accent3">
-                <a:shade val="50000"/>
-              </a:schemeClr>
-            </a:lnRef>
-            <a:fillRef idx="1">
-              <a:schemeClr val="accent3"/>
-            </a:fillRef>
-            <a:effectRef idx="0">
-              <a:schemeClr val="accent3"/>
-            </a:effectRef>
-            <a:fontRef idx="minor">
-              <a:schemeClr val="lt1"/>
-            </a:fontRef>
-          </p:style>
-          <p:txBody>
-            <a:bodyPr rtlCol="0" anchor="ctr"/>
-            <a:lstStyle/>
-            <a:p>
-              <a:pPr algn="ctr"/>
-              <a:endParaRPr lang="en-US" dirty="0"/>
-            </a:p>
-          </p:txBody>
-        </p:sp>
-        <p:sp>
-          <p:nvSpPr>
-            <p:cNvPr id="76" name="Rectangle 75"/>
-            <p:cNvSpPr/>
-            <p:nvPr/>
-          </p:nvSpPr>
-          <p:spPr>
-            <a:xfrm>
-              <a:off x="6062498" y="2812838"/>
-              <a:ext cx="821516" cy="611145"/>
-            </a:xfrm>
-            <a:prstGeom prst="rect">
-              <a:avLst/>
-            </a:prstGeom>
+          </a:ln>
+        </p:spPr>
+        <p:style>
+          <a:lnRef idx="1">
+            <a:schemeClr val="dk1"/>
+          </a:lnRef>
+          <a:fillRef idx="0">
+            <a:schemeClr val="dk1"/>
+          </a:fillRef>
+          <a:effectRef idx="0">
+            <a:schemeClr val="dk1"/>
+          </a:effectRef>
+          <a:fontRef idx="minor">
+            <a:schemeClr val="tx1"/>
+          </a:fontRef>
+        </p:style>
+      </p:cxnSp>
+      <p:cxnSp>
+        <p:nvCxnSpPr>
+          <p:cNvPr id="57" name="Straight Connector 56"/>
+          <p:cNvCxnSpPr/>
+          <p:nvPr/>
+        </p:nvCxnSpPr>
+        <p:spPr>
+          <a:xfrm flipH="1">
+            <a:off x="2721809" y="2331070"/>
+            <a:ext cx="6572" cy="865359"/>
+          </a:xfrm>
+          <a:prstGeom prst="line">
+            <a:avLst/>
+          </a:prstGeom>
+          <a:ln>
             <a:solidFill>
-              <a:schemeClr val="accent3">
-                <a:lumMod val="75000"/>
-                <a:alpha val="19000"/>
-              </a:schemeClr>
+              <a:srgbClr val="FF0000"/>
             </a:solidFill>
-            <a:ln>
-              <a:noFill/>
-            </a:ln>
-          </p:spPr>
-          <p:style>
-            <a:lnRef idx="2">
-              <a:schemeClr val="accent3">
-                <a:shade val="50000"/>
-              </a:schemeClr>
-            </a:lnRef>
-            <a:fillRef idx="1">
-              <a:schemeClr val="accent3"/>
-            </a:fillRef>
-            <a:effectRef idx="0">
-              <a:schemeClr val="accent3"/>
-            </a:effectRef>
-            <a:fontRef idx="minor">
-              <a:schemeClr val="lt1"/>
-            </a:fontRef>
-          </p:style>
-          <p:txBody>
-            <a:bodyPr rtlCol="0" anchor="ctr"/>
-            <a:lstStyle/>
-            <a:p>
-              <a:pPr algn="ctr"/>
-              <a:endParaRPr lang="en-US"/>
-            </a:p>
-          </p:txBody>
-        </p:sp>
-        <p:cxnSp>
-          <p:nvCxnSpPr>
-            <p:cNvPr id="77" name="Straight Connector 76"/>
-            <p:cNvCxnSpPr/>
-            <p:nvPr/>
-          </p:nvCxnSpPr>
-          <p:spPr>
-            <a:xfrm flipH="1">
-              <a:off x="1883940" y="2331070"/>
-              <a:ext cx="4887" cy="864644"/>
-            </a:xfrm>
-            <a:prstGeom prst="line">
-              <a:avLst/>
-            </a:prstGeom>
-            <a:ln/>
-          </p:spPr>
-          <p:style>
-            <a:lnRef idx="1">
-              <a:schemeClr val="accent3"/>
-            </a:lnRef>
-            <a:fillRef idx="0">
-              <a:schemeClr val="accent3"/>
-            </a:fillRef>
-            <a:effectRef idx="0">
-              <a:schemeClr val="accent3"/>
-            </a:effectRef>
-            <a:fontRef idx="minor">
-              <a:schemeClr val="tx1"/>
-            </a:fontRef>
-          </p:style>
-        </p:cxnSp>
-        <p:cxnSp>
-          <p:nvCxnSpPr>
-            <p:cNvPr id="81" name="Straight Connector 80"/>
-            <p:cNvCxnSpPr>
-              <a:endCxn id="67" idx="0"/>
-            </p:cNvCxnSpPr>
-            <p:nvPr/>
-          </p:nvCxnSpPr>
-          <p:spPr>
-            <a:xfrm flipH="1">
-              <a:off x="6060197" y="2812838"/>
-              <a:ext cx="2301" cy="611145"/>
-            </a:xfrm>
-            <a:prstGeom prst="line">
-              <a:avLst/>
-            </a:prstGeom>
-            <a:ln/>
-          </p:spPr>
-          <p:style>
-            <a:lnRef idx="1">
-              <a:schemeClr val="accent3"/>
-            </a:lnRef>
-            <a:fillRef idx="0">
-              <a:schemeClr val="accent3"/>
-            </a:fillRef>
-            <a:effectRef idx="0">
-              <a:schemeClr val="accent3"/>
-            </a:effectRef>
-            <a:fontRef idx="minor">
-              <a:schemeClr val="tx1"/>
-            </a:fontRef>
-          </p:style>
-        </p:cxnSp>
-        <p:cxnSp>
-          <p:nvCxnSpPr>
-            <p:cNvPr id="84" name="Straight Connector 83"/>
-            <p:cNvCxnSpPr/>
-            <p:nvPr/>
-          </p:nvCxnSpPr>
-          <p:spPr>
-            <a:xfrm>
-              <a:off x="1875172" y="2331070"/>
-              <a:ext cx="841968" cy="0"/>
-            </a:xfrm>
-            <a:prstGeom prst="line">
-              <a:avLst/>
-            </a:prstGeom>
-            <a:ln/>
-          </p:spPr>
-          <p:style>
-            <a:lnRef idx="1">
-              <a:schemeClr val="accent3"/>
-            </a:lnRef>
-            <a:fillRef idx="0">
-              <a:schemeClr val="accent3"/>
-            </a:fillRef>
-            <a:effectRef idx="0">
-              <a:schemeClr val="accent3"/>
-            </a:effectRef>
-            <a:fontRef idx="minor">
-              <a:schemeClr val="tx1"/>
-            </a:fontRef>
-          </p:style>
-        </p:cxnSp>
-        <p:cxnSp>
-          <p:nvCxnSpPr>
-            <p:cNvPr id="87" name="Straight Connector 86"/>
-            <p:cNvCxnSpPr/>
-            <p:nvPr/>
-          </p:nvCxnSpPr>
-          <p:spPr>
-            <a:xfrm>
-              <a:off x="6055701" y="2812838"/>
-              <a:ext cx="841968" cy="0"/>
-            </a:xfrm>
-            <a:prstGeom prst="line">
-              <a:avLst/>
-            </a:prstGeom>
-            <a:ln/>
-          </p:spPr>
-          <p:style>
-            <a:lnRef idx="1">
-              <a:schemeClr val="accent3"/>
-            </a:lnRef>
-            <a:fillRef idx="0">
-              <a:schemeClr val="accent3"/>
-            </a:fillRef>
-            <a:effectRef idx="0">
-              <a:schemeClr val="accent3"/>
-            </a:effectRef>
-            <a:fontRef idx="minor">
-              <a:schemeClr val="tx1"/>
-            </a:fontRef>
-          </p:style>
-        </p:cxnSp>
-      </p:grpSp>
+          </a:ln>
+        </p:spPr>
+        <p:style>
+          <a:lnRef idx="1">
+            <a:schemeClr val="dk1"/>
+          </a:lnRef>
+          <a:fillRef idx="0">
+            <a:schemeClr val="dk1"/>
+          </a:fillRef>
+          <a:effectRef idx="0">
+            <a:schemeClr val="dk1"/>
+          </a:effectRef>
+          <a:fontRef idx="minor">
+            <a:schemeClr val="tx1"/>
+          </a:fontRef>
+        </p:style>
+      </p:cxnSp>
+      <p:sp>
+        <p:nvSpPr>
+          <p:cNvPr id="64" name="Rectangle 63"/>
+          <p:cNvSpPr/>
+          <p:nvPr/>
+        </p:nvSpPr>
+        <p:spPr>
+          <a:xfrm>
+            <a:off x="1051465" y="3196429"/>
+            <a:ext cx="3340687" cy="1789650"/>
+          </a:xfrm>
+          <a:prstGeom prst="rect">
+            <a:avLst/>
+          </a:prstGeom>
+          <a:solidFill>
+            <a:srgbClr val="FF0000">
+              <a:alpha val="22000"/>
+            </a:srgbClr>
+          </a:solidFill>
+          <a:ln>
+            <a:noFill/>
+          </a:ln>
+        </p:spPr>
+        <p:style>
+          <a:lnRef idx="2">
+            <a:schemeClr val="accent1">
+              <a:shade val="50000"/>
+            </a:schemeClr>
+          </a:lnRef>
+          <a:fillRef idx="1">
+            <a:schemeClr val="accent1"/>
+          </a:fillRef>
+          <a:effectRef idx="0">
+            <a:schemeClr val="accent1"/>
+          </a:effectRef>
+          <a:fontRef idx="minor">
+            <a:schemeClr val="lt1"/>
+          </a:fontRef>
+        </p:style>
+        <p:txBody>
+          <a:bodyPr rtlCol="0" anchor="ctr"/>
+          <a:lstStyle/>
+          <a:p>
+            <a:pPr algn="ctr"/>
+            <a:endParaRPr lang="en-US" dirty="0"/>
+          </a:p>
+        </p:txBody>
+      </p:sp>
+      <p:sp>
+        <p:nvSpPr>
+          <p:cNvPr id="66" name="Rectangle 65"/>
+          <p:cNvSpPr/>
+          <p:nvPr/>
+        </p:nvSpPr>
+        <p:spPr>
+          <a:xfrm>
+            <a:off x="2730794" y="2331070"/>
+            <a:ext cx="1656756" cy="865359"/>
+          </a:xfrm>
+          <a:prstGeom prst="rect">
+            <a:avLst/>
+          </a:prstGeom>
+          <a:solidFill>
+            <a:srgbClr val="FF0000">
+              <a:alpha val="22000"/>
+            </a:srgbClr>
+          </a:solidFill>
+          <a:ln>
+            <a:noFill/>
+          </a:ln>
+        </p:spPr>
+        <p:style>
+          <a:lnRef idx="2">
+            <a:schemeClr val="accent1">
+              <a:shade val="50000"/>
+            </a:schemeClr>
+          </a:lnRef>
+          <a:fillRef idx="1">
+            <a:schemeClr val="accent1"/>
+          </a:fillRef>
+          <a:effectRef idx="0">
+            <a:schemeClr val="accent1"/>
+          </a:effectRef>
+          <a:fontRef idx="minor">
+            <a:schemeClr val="lt1"/>
+          </a:fontRef>
+        </p:style>
+        <p:txBody>
+          <a:bodyPr rtlCol="0" anchor="ctr"/>
+          <a:lstStyle/>
+          <a:p>
+            <a:pPr algn="ctr"/>
+            <a:endParaRPr lang="en-US"/>
+          </a:p>
+        </p:txBody>
+      </p:sp>
+      <p:sp>
+        <p:nvSpPr>
+          <p:cNvPr id="67" name="Rectangle 66"/>
+          <p:cNvSpPr/>
+          <p:nvPr/>
+        </p:nvSpPr>
+        <p:spPr>
+          <a:xfrm>
+            <a:off x="4387550" y="3435437"/>
+            <a:ext cx="3345293" cy="1562096"/>
+          </a:xfrm>
+          <a:prstGeom prst="rect">
+            <a:avLst/>
+          </a:prstGeom>
+          <a:solidFill>
+            <a:srgbClr val="FF0000">
+              <a:alpha val="22000"/>
+            </a:srgbClr>
+          </a:solidFill>
+          <a:ln>
+            <a:noFill/>
+          </a:ln>
+        </p:spPr>
+        <p:style>
+          <a:lnRef idx="2">
+            <a:schemeClr val="accent1">
+              <a:shade val="50000"/>
+            </a:schemeClr>
+          </a:lnRef>
+          <a:fillRef idx="1">
+            <a:schemeClr val="accent1"/>
+          </a:fillRef>
+          <a:effectRef idx="0">
+            <a:schemeClr val="accent1"/>
+          </a:effectRef>
+          <a:fontRef idx="minor">
+            <a:schemeClr val="lt1"/>
+          </a:fontRef>
+        </p:style>
+        <p:txBody>
+          <a:bodyPr rtlCol="0" anchor="ctr"/>
+          <a:lstStyle/>
+          <a:p>
+            <a:pPr algn="ctr"/>
+            <a:endParaRPr lang="en-US"/>
+          </a:p>
+        </p:txBody>
+      </p:sp>
+      <p:sp>
+        <p:nvSpPr>
+          <p:cNvPr id="74" name="Rectangle 73"/>
+          <p:cNvSpPr/>
+          <p:nvPr/>
+        </p:nvSpPr>
+        <p:spPr>
+          <a:xfrm>
+            <a:off x="1872983" y="2331070"/>
+            <a:ext cx="857812" cy="865359"/>
+          </a:xfrm>
+          <a:prstGeom prst="rect">
+            <a:avLst/>
+          </a:prstGeom>
+          <a:solidFill>
+            <a:schemeClr val="accent3">
+              <a:lumMod val="75000"/>
+              <a:alpha val="19000"/>
+            </a:schemeClr>
+          </a:solidFill>
+          <a:ln>
+            <a:noFill/>
+          </a:ln>
+        </p:spPr>
+        <p:style>
+          <a:lnRef idx="2">
+            <a:schemeClr val="accent3">
+              <a:shade val="50000"/>
+            </a:schemeClr>
+          </a:lnRef>
+          <a:fillRef idx="1">
+            <a:schemeClr val="accent3"/>
+          </a:fillRef>
+          <a:effectRef idx="0">
+            <a:schemeClr val="accent3"/>
+          </a:effectRef>
+          <a:fontRef idx="minor">
+            <a:schemeClr val="lt1"/>
+          </a:fontRef>
+        </p:style>
+        <p:txBody>
+          <a:bodyPr rtlCol="0" anchor="ctr"/>
+          <a:lstStyle/>
+          <a:p>
+            <a:pPr algn="ctr"/>
+            <a:endParaRPr lang="en-US" dirty="0"/>
+          </a:p>
+        </p:txBody>
+      </p:sp>
+      <p:sp>
+        <p:nvSpPr>
+          <p:cNvPr id="76" name="Rectangle 75"/>
+          <p:cNvSpPr/>
+          <p:nvPr/>
+        </p:nvSpPr>
+        <p:spPr>
+          <a:xfrm>
+            <a:off x="6062498" y="2812838"/>
+            <a:ext cx="821516" cy="611145"/>
+          </a:xfrm>
+          <a:prstGeom prst="rect">
+            <a:avLst/>
+          </a:prstGeom>
+          <a:solidFill>
+            <a:schemeClr val="accent3">
+              <a:lumMod val="75000"/>
+              <a:alpha val="19000"/>
+            </a:schemeClr>
+          </a:solidFill>
+          <a:ln>
+            <a:noFill/>
+          </a:ln>
+        </p:spPr>
+        <p:style>
+          <a:lnRef idx="2">
+            <a:schemeClr val="accent3">
+              <a:shade val="50000"/>
+            </a:schemeClr>
+          </a:lnRef>
+          <a:fillRef idx="1">
+            <a:schemeClr val="accent3"/>
+          </a:fillRef>
+          <a:effectRef idx="0">
+            <a:schemeClr val="accent3"/>
+          </a:effectRef>
+          <a:fontRef idx="minor">
+            <a:schemeClr val="lt1"/>
+          </a:fontRef>
+        </p:style>
+        <p:txBody>
+          <a:bodyPr rtlCol="0" anchor="ctr"/>
+          <a:lstStyle/>
+          <a:p>
+            <a:pPr algn="ctr"/>
+            <a:endParaRPr lang="en-US"/>
+          </a:p>
+        </p:txBody>
+      </p:sp>
+      <p:cxnSp>
+        <p:nvCxnSpPr>
+          <p:cNvPr id="77" name="Straight Connector 76"/>
+          <p:cNvCxnSpPr/>
+          <p:nvPr/>
+        </p:nvCxnSpPr>
+        <p:spPr>
+          <a:xfrm flipH="1">
+            <a:off x="1883940" y="2331070"/>
+            <a:ext cx="4887" cy="864644"/>
+          </a:xfrm>
+          <a:prstGeom prst="line">
+            <a:avLst/>
+          </a:prstGeom>
+          <a:ln/>
+        </p:spPr>
+        <p:style>
+          <a:lnRef idx="1">
+            <a:schemeClr val="accent3"/>
+          </a:lnRef>
+          <a:fillRef idx="0">
+            <a:schemeClr val="accent3"/>
+          </a:fillRef>
+          <a:effectRef idx="0">
+            <a:schemeClr val="accent3"/>
+          </a:effectRef>
+          <a:fontRef idx="minor">
+            <a:schemeClr val="tx1"/>
+          </a:fontRef>
+        </p:style>
+      </p:cxnSp>
+      <p:cxnSp>
+        <p:nvCxnSpPr>
+          <p:cNvPr id="81" name="Straight Connector 80"/>
+          <p:cNvCxnSpPr>
+            <a:endCxn id="67" idx="0"/>
+          </p:cNvCxnSpPr>
+          <p:nvPr/>
+        </p:nvCxnSpPr>
+        <p:spPr>
+          <a:xfrm flipH="1">
+            <a:off x="6060197" y="2824292"/>
+            <a:ext cx="2301" cy="611145"/>
+          </a:xfrm>
+          <a:prstGeom prst="line">
+            <a:avLst/>
+          </a:prstGeom>
+          <a:ln/>
+        </p:spPr>
+        <p:style>
+          <a:lnRef idx="1">
+            <a:schemeClr val="accent3"/>
+          </a:lnRef>
+          <a:fillRef idx="0">
+            <a:schemeClr val="accent3"/>
+          </a:fillRef>
+          <a:effectRef idx="0">
+            <a:schemeClr val="accent3"/>
+          </a:effectRef>
+          <a:fontRef idx="minor">
+            <a:schemeClr val="tx1"/>
+          </a:fontRef>
+        </p:style>
+      </p:cxnSp>
+      <p:cxnSp>
+        <p:nvCxnSpPr>
+          <p:cNvPr id="84" name="Straight Connector 83"/>
+          <p:cNvCxnSpPr/>
+          <p:nvPr/>
+        </p:nvCxnSpPr>
+        <p:spPr>
+          <a:xfrm>
+            <a:off x="1875172" y="2331070"/>
+            <a:ext cx="841968" cy="0"/>
+          </a:xfrm>
+          <a:prstGeom prst="line">
+            <a:avLst/>
+          </a:prstGeom>
+          <a:ln/>
+        </p:spPr>
+        <p:style>
+          <a:lnRef idx="1">
+            <a:schemeClr val="accent3"/>
+          </a:lnRef>
+          <a:fillRef idx="0">
+            <a:schemeClr val="accent3"/>
+          </a:fillRef>
+          <a:effectRef idx="0">
+            <a:schemeClr val="accent3"/>
+          </a:effectRef>
+          <a:fontRef idx="minor">
+            <a:schemeClr val="tx1"/>
+          </a:fontRef>
+        </p:style>
+      </p:cxnSp>
+      <p:cxnSp>
+        <p:nvCxnSpPr>
+          <p:cNvPr id="87" name="Straight Connector 86"/>
+          <p:cNvCxnSpPr/>
+          <p:nvPr/>
+        </p:nvCxnSpPr>
+        <p:spPr>
+          <a:xfrm>
+            <a:off x="6055701" y="2812838"/>
+            <a:ext cx="841968" cy="0"/>
+          </a:xfrm>
+          <a:prstGeom prst="line">
+            <a:avLst/>
+          </a:prstGeom>
+          <a:ln/>
+        </p:spPr>
+        <p:style>
+          <a:lnRef idx="1">
+            <a:schemeClr val="accent3"/>
+          </a:lnRef>
+          <a:fillRef idx="0">
+            <a:schemeClr val="accent3"/>
+          </a:fillRef>
+          <a:effectRef idx="0">
+            <a:schemeClr val="accent3"/>
+          </a:effectRef>
+          <a:fontRef idx="minor">
+            <a:schemeClr val="tx1"/>
+          </a:fontRef>
+        </p:style>
+      </p:cxnSp>
       <p:grpSp>
         <p:nvGrpSpPr>
           <p:cNvPr id="92" name="Group 91"/>
@@ -11062,8 +10905,14 @@
           <a:lstStyle/>
           <a:p>
             <a:r>
+              <a:rPr lang="en-US" sz="1400" b="1" dirty="0" smtClean="0">
+                <a:latin typeface="+mj-lt"/>
+              </a:rPr>
+              <a:t>(A) </a:t>
+            </a:r>
+            <a:r>
               <a:rPr lang="en-US" sz="1400" b="1" dirty="0" smtClean="0"/>
-              <a:t>(A) Adding FEC</a:t>
+              <a:t>Adding FEC</a:t>
             </a:r>
             <a:endParaRPr lang="en-US" sz="1400" b="1" dirty="0"/>
           </a:p>
@@ -11127,10 +10976,274 @@
           <a:p>
             <a:pPr algn="just"/>
             <a:r>
+              <a:rPr lang="en-US" sz="1400" b="1" i="1" dirty="0" smtClean="0">
+                <a:latin typeface="+mj-lt"/>
+              </a:rPr>
+              <a:t>(B)</a:t>
+            </a:r>
+            <a:r>
               <a:rPr lang="en-US" sz="1400" b="1" i="1" dirty="0" smtClean="0"/>
-              <a:t>(B) Swapping FEC with media</a:t>
+              <a:t> Swapping FEC with media</a:t>
             </a:r>
             <a:endParaRPr lang="en-US" sz="1400" b="1" i="1" dirty="0"/>
+          </a:p>
+        </p:txBody>
+      </p:sp>
+      <p:cxnSp>
+        <p:nvCxnSpPr>
+          <p:cNvPr id="69" name="Straight Connector 68"/>
+          <p:cNvCxnSpPr/>
+          <p:nvPr/>
+        </p:nvCxnSpPr>
+        <p:spPr>
+          <a:xfrm>
+            <a:off x="6897669" y="2808370"/>
+            <a:ext cx="0" cy="250258"/>
+          </a:xfrm>
+          <a:prstGeom prst="line">
+            <a:avLst/>
+          </a:prstGeom>
+          <a:ln/>
+        </p:spPr>
+        <p:style>
+          <a:lnRef idx="1">
+            <a:schemeClr val="accent3"/>
+          </a:lnRef>
+          <a:fillRef idx="0">
+            <a:schemeClr val="accent3"/>
+          </a:fillRef>
+          <a:effectRef idx="0">
+            <a:schemeClr val="accent3"/>
+          </a:effectRef>
+          <a:fontRef idx="minor">
+            <a:schemeClr val="tx1"/>
+          </a:fontRef>
+        </p:style>
+      </p:cxnSp>
+      <p:cxnSp>
+        <p:nvCxnSpPr>
+          <p:cNvPr id="70" name="Straight Arrow Connector 69"/>
+          <p:cNvCxnSpPr/>
+          <p:nvPr/>
+        </p:nvCxnSpPr>
+        <p:spPr>
+          <a:xfrm>
+            <a:off x="6474643" y="3112725"/>
+            <a:ext cx="841522" cy="0"/>
+          </a:xfrm>
+          <a:prstGeom prst="straightConnector1">
+            <a:avLst/>
+          </a:prstGeom>
+          <a:ln>
+            <a:headEnd type="arrow"/>
+            <a:tailEnd type="arrow"/>
+          </a:ln>
+        </p:spPr>
+        <p:style>
+          <a:lnRef idx="1">
+            <a:schemeClr val="dk1"/>
+          </a:lnRef>
+          <a:fillRef idx="0">
+            <a:schemeClr val="dk1"/>
+          </a:fillRef>
+          <a:effectRef idx="0">
+            <a:schemeClr val="dk1"/>
+          </a:effectRef>
+          <a:fontRef idx="minor">
+            <a:schemeClr val="tx1"/>
+          </a:fontRef>
+        </p:style>
+      </p:cxnSp>
+      <p:sp>
+        <p:nvSpPr>
+          <p:cNvPr id="75" name="TextBox 74"/>
+          <p:cNvSpPr txBox="1"/>
+          <p:nvPr/>
+        </p:nvSpPr>
+        <p:spPr>
+          <a:xfrm>
+            <a:off x="6547942" y="2535408"/>
+            <a:ext cx="2085912" cy="523220"/>
+          </a:xfrm>
+          <a:prstGeom prst="rect">
+            <a:avLst/>
+          </a:prstGeom>
+          <a:noFill/>
+        </p:spPr>
+        <p:txBody>
+          <a:bodyPr wrap="square" rtlCol="0">
+            <a:spAutoFit/>
+          </a:bodyPr>
+          <a:lstStyle/>
+          <a:p>
+            <a:pPr algn="just"/>
+            <a:r>
+              <a:rPr lang="en-US" sz="1400" b="1" i="1" dirty="0" smtClean="0">
+                <a:latin typeface="+mj-lt"/>
+              </a:rPr>
+              <a:t>(C)</a:t>
+            </a:r>
+            <a:r>
+              <a:rPr lang="en-US" sz="1400" b="1" i="1" dirty="0" smtClean="0"/>
+              <a:t> </a:t>
+            </a:r>
+            <a:r>
+              <a:rPr lang="en-US" sz="1400" b="1" i="1" dirty="0" smtClean="0"/>
+              <a:t>Partially swapping </a:t>
+            </a:r>
+            <a:r>
+              <a:rPr lang="en-US" sz="1400" b="1" i="1" dirty="0" smtClean="0"/>
+              <a:t>FEC with media</a:t>
+            </a:r>
+            <a:endParaRPr lang="en-US" sz="1400" b="1" i="1" dirty="0"/>
+          </a:p>
+        </p:txBody>
+      </p:sp>
+      <p:sp>
+        <p:nvSpPr>
+          <p:cNvPr id="78" name="Rectangle 77"/>
+          <p:cNvSpPr/>
+          <p:nvPr/>
+        </p:nvSpPr>
+        <p:spPr>
+          <a:xfrm>
+            <a:off x="6885563" y="3057377"/>
+            <a:ext cx="846771" cy="377527"/>
+          </a:xfrm>
+          <a:prstGeom prst="rect">
+            <a:avLst/>
+          </a:prstGeom>
+          <a:solidFill>
+            <a:srgbClr val="FF0000">
+              <a:alpha val="22000"/>
+            </a:srgbClr>
+          </a:solidFill>
+          <a:ln>
+            <a:noFill/>
+          </a:ln>
+        </p:spPr>
+        <p:style>
+          <a:lnRef idx="2">
+            <a:schemeClr val="accent1">
+              <a:shade val="50000"/>
+            </a:schemeClr>
+          </a:lnRef>
+          <a:fillRef idx="1">
+            <a:schemeClr val="accent1"/>
+          </a:fillRef>
+          <a:effectRef idx="0">
+            <a:schemeClr val="accent1"/>
+          </a:effectRef>
+          <a:fontRef idx="minor">
+            <a:schemeClr val="lt1"/>
+          </a:fontRef>
+        </p:style>
+        <p:txBody>
+          <a:bodyPr rtlCol="0" anchor="ctr"/>
+          <a:lstStyle/>
+          <a:p>
+            <a:pPr algn="ctr"/>
+            <a:endParaRPr lang="en-US"/>
+          </a:p>
+        </p:txBody>
+      </p:sp>
+      <p:cxnSp>
+        <p:nvCxnSpPr>
+          <p:cNvPr id="79" name="Straight Connector 78"/>
+          <p:cNvCxnSpPr/>
+          <p:nvPr/>
+        </p:nvCxnSpPr>
+        <p:spPr>
+          <a:xfrm>
+            <a:off x="6884014" y="3043722"/>
+            <a:ext cx="0" cy="381920"/>
+          </a:xfrm>
+          <a:prstGeom prst="line">
+            <a:avLst/>
+          </a:prstGeom>
+          <a:ln>
+            <a:solidFill>
+              <a:srgbClr val="FF0000"/>
+            </a:solidFill>
+          </a:ln>
+        </p:spPr>
+        <p:style>
+          <a:lnRef idx="1">
+            <a:schemeClr val="dk1"/>
+          </a:lnRef>
+          <a:fillRef idx="0">
+            <a:schemeClr val="dk1"/>
+          </a:fillRef>
+          <a:effectRef idx="0">
+            <a:schemeClr val="dk1"/>
+          </a:effectRef>
+          <a:fontRef idx="minor">
+            <a:schemeClr val="tx1"/>
+          </a:fontRef>
+        </p:style>
+      </p:cxnSp>
+      <p:cxnSp>
+        <p:nvCxnSpPr>
+          <p:cNvPr id="80" name="Straight Connector 79"/>
+          <p:cNvCxnSpPr/>
+          <p:nvPr/>
+        </p:nvCxnSpPr>
+        <p:spPr>
+          <a:xfrm>
+            <a:off x="6884014" y="3057377"/>
+            <a:ext cx="848829" cy="1251"/>
+          </a:xfrm>
+          <a:prstGeom prst="line">
+            <a:avLst/>
+          </a:prstGeom>
+          <a:ln>
+            <a:solidFill>
+              <a:srgbClr val="FF0000"/>
+            </a:solidFill>
+          </a:ln>
+        </p:spPr>
+        <p:style>
+          <a:lnRef idx="1">
+            <a:schemeClr val="dk1"/>
+          </a:lnRef>
+          <a:fillRef idx="0">
+            <a:schemeClr val="dk1"/>
+          </a:fillRef>
+          <a:effectRef idx="0">
+            <a:schemeClr val="dk1"/>
+          </a:effectRef>
+          <a:fontRef idx="minor">
+            <a:schemeClr val="tx1"/>
+          </a:fontRef>
+        </p:style>
+      </p:cxnSp>
+      <p:sp>
+        <p:nvSpPr>
+          <p:cNvPr id="2" name="TextBox 1"/>
+          <p:cNvSpPr txBox="1"/>
+          <p:nvPr/>
+        </p:nvSpPr>
+        <p:spPr>
+          <a:xfrm>
+            <a:off x="1845672" y="1140705"/>
+            <a:ext cx="1040830" cy="523220"/>
+          </a:xfrm>
+          <a:prstGeom prst="rect">
+            <a:avLst/>
+          </a:prstGeom>
+          <a:noFill/>
+        </p:spPr>
+        <p:txBody>
+          <a:bodyPr wrap="square" rtlCol="0">
+            <a:spAutoFit/>
+          </a:bodyPr>
+          <a:lstStyle/>
+          <a:p>
+            <a:r>
+              <a:rPr lang="en-US" sz="1400" dirty="0" smtClean="0"/>
+              <a:t>Available Capacity</a:t>
+            </a:r>
+            <a:endParaRPr lang="en-US" sz="1400" dirty="0"/>
           </a:p>
         </p:txBody>
       </p:sp>

--- a/graphs/source/chap5-src.pptx
+++ b/graphs/source/chap5-src.pptx
@@ -5,7 +5,7 @@
     <p:sldMasterId id="2147483660" r:id="rId1"/>
   </p:sldMasterIdLst>
   <p:notesMasterIdLst>
-    <p:notesMasterId r:id="rId10"/>
+    <p:notesMasterId r:id="rId11"/>
   </p:notesMasterIdLst>
   <p:sldIdLst>
     <p:sldId id="256" r:id="rId2"/>
@@ -13,9 +13,10 @@
     <p:sldId id="258" r:id="rId4"/>
     <p:sldId id="259" r:id="rId5"/>
     <p:sldId id="260" r:id="rId6"/>
-    <p:sldId id="262" r:id="rId7"/>
-    <p:sldId id="261" r:id="rId8"/>
-    <p:sldId id="264" r:id="rId9"/>
+    <p:sldId id="264" r:id="rId7"/>
+    <p:sldId id="262" r:id="rId8"/>
+    <p:sldId id="261" r:id="rId9"/>
+    <p:sldId id="265" r:id="rId10"/>
   </p:sldIdLst>
   <p:sldSz cx="9144000" cy="6858000" type="screen4x3"/>
   <p:notesSz cx="6858000" cy="9144000"/>
@@ -199,7 +200,7 @@
           <a:p>
             <a:fld id="{7BA68311-98B2-8147-8E3D-5F9C91F16701}" type="datetimeFigureOut">
               <a:rPr lang="en-US" smtClean="0"/>
-              <a:t>9/1/13</a:t>
+              <a:t>9/4/13</a:t>
             </a:fld>
             <a:endParaRPr lang="en-US"/>
           </a:p>
@@ -532,7 +533,7 @@
           <a:p>
             <a:fld id="{8AED5117-C3DB-DC46-B433-F1C323FD7F80}" type="slidenum">
               <a:rPr lang="en-US" smtClean="0"/>
-              <a:t>6</a:t>
+              <a:t>7</a:t>
             </a:fld>
             <a:endParaRPr lang="en-US"/>
           </a:p>
@@ -732,7 +733,7 @@
           <a:p>
             <a:fld id="{CE2D3545-AE21-7247-8426-4B1172E482C1}" type="datetimeFigureOut">
               <a:rPr lang="en-US" smtClean="0"/>
-              <a:t>9/1/13</a:t>
+              <a:t>9/4/13</a:t>
             </a:fld>
             <a:endParaRPr lang="en-US"/>
           </a:p>
@@ -902,7 +903,7 @@
           <a:p>
             <a:fld id="{CE2D3545-AE21-7247-8426-4B1172E482C1}" type="datetimeFigureOut">
               <a:rPr lang="en-US" smtClean="0"/>
-              <a:t>9/1/13</a:t>
+              <a:t>9/4/13</a:t>
             </a:fld>
             <a:endParaRPr lang="en-US"/>
           </a:p>
@@ -1082,7 +1083,7 @@
           <a:p>
             <a:fld id="{CE2D3545-AE21-7247-8426-4B1172E482C1}" type="datetimeFigureOut">
               <a:rPr lang="en-US" smtClean="0"/>
-              <a:t>9/1/13</a:t>
+              <a:t>9/4/13</a:t>
             </a:fld>
             <a:endParaRPr lang="en-US"/>
           </a:p>
@@ -1252,7 +1253,7 @@
           <a:p>
             <a:fld id="{CE2D3545-AE21-7247-8426-4B1172E482C1}" type="datetimeFigureOut">
               <a:rPr lang="en-US" smtClean="0"/>
-              <a:t>9/1/13</a:t>
+              <a:t>9/4/13</a:t>
             </a:fld>
             <a:endParaRPr lang="en-US"/>
           </a:p>
@@ -1498,7 +1499,7 @@
           <a:p>
             <a:fld id="{CE2D3545-AE21-7247-8426-4B1172E482C1}" type="datetimeFigureOut">
               <a:rPr lang="en-US" smtClean="0"/>
-              <a:t>9/1/13</a:t>
+              <a:t>9/4/13</a:t>
             </a:fld>
             <a:endParaRPr lang="en-US"/>
           </a:p>
@@ -1786,7 +1787,7 @@
           <a:p>
             <a:fld id="{CE2D3545-AE21-7247-8426-4B1172E482C1}" type="datetimeFigureOut">
               <a:rPr lang="en-US" smtClean="0"/>
-              <a:t>9/1/13</a:t>
+              <a:t>9/4/13</a:t>
             </a:fld>
             <a:endParaRPr lang="en-US"/>
           </a:p>
@@ -2208,7 +2209,7 @@
           <a:p>
             <a:fld id="{CE2D3545-AE21-7247-8426-4B1172E482C1}" type="datetimeFigureOut">
               <a:rPr lang="en-US" smtClean="0"/>
-              <a:t>9/1/13</a:t>
+              <a:t>9/4/13</a:t>
             </a:fld>
             <a:endParaRPr lang="en-US"/>
           </a:p>
@@ -2326,7 +2327,7 @@
           <a:p>
             <a:fld id="{CE2D3545-AE21-7247-8426-4B1172E482C1}" type="datetimeFigureOut">
               <a:rPr lang="en-US" smtClean="0"/>
-              <a:t>9/1/13</a:t>
+              <a:t>9/4/13</a:t>
             </a:fld>
             <a:endParaRPr lang="en-US"/>
           </a:p>
@@ -2421,7 +2422,7 @@
           <a:p>
             <a:fld id="{CE2D3545-AE21-7247-8426-4B1172E482C1}" type="datetimeFigureOut">
               <a:rPr lang="en-US" smtClean="0"/>
-              <a:t>9/1/13</a:t>
+              <a:t>9/4/13</a:t>
             </a:fld>
             <a:endParaRPr lang="en-US"/>
           </a:p>
@@ -2698,7 +2699,7 @@
           <a:p>
             <a:fld id="{CE2D3545-AE21-7247-8426-4B1172E482C1}" type="datetimeFigureOut">
               <a:rPr lang="en-US" smtClean="0"/>
-              <a:t>9/1/13</a:t>
+              <a:t>9/4/13</a:t>
             </a:fld>
             <a:endParaRPr lang="en-US"/>
           </a:p>
@@ -2955,7 +2956,7 @@
           <a:p>
             <a:fld id="{CE2D3545-AE21-7247-8426-4B1172E482C1}" type="datetimeFigureOut">
               <a:rPr lang="en-US" smtClean="0"/>
-              <a:t>9/1/13</a:t>
+              <a:t>9/4/13</a:t>
             </a:fld>
             <a:endParaRPr lang="en-US"/>
           </a:p>
@@ -3173,7 +3174,7 @@
           <a:p>
             <a:fld id="{CE2D3545-AE21-7247-8426-4B1172E482C1}" type="datetimeFigureOut">
               <a:rPr lang="en-US" smtClean="0"/>
-              <a:t>9/1/13</a:t>
+              <a:t>9/4/13</a:t>
             </a:fld>
             <a:endParaRPr lang="en-US"/>
           </a:p>
@@ -7068,1629 +7069,6 @@
           <a:chExt cx="0" cy="0"/>
         </a:xfrm>
       </p:grpSpPr>
-      <p:sp>
-        <p:nvSpPr>
-          <p:cNvPr id="2" name="Rectangle 1"/>
-          <p:cNvSpPr/>
-          <p:nvPr/>
-        </p:nvSpPr>
-        <p:spPr>
-          <a:xfrm>
-            <a:off x="139556" y="5052177"/>
-            <a:ext cx="8900321" cy="831370"/>
-          </a:xfrm>
-          <a:prstGeom prst="rect">
-            <a:avLst/>
-          </a:prstGeom>
-        </p:spPr>
-        <p:style>
-          <a:lnRef idx="2">
-            <a:schemeClr val="dk1"/>
-          </a:lnRef>
-          <a:fillRef idx="1">
-            <a:schemeClr val="lt1"/>
-          </a:fillRef>
-          <a:effectRef idx="0">
-            <a:schemeClr val="dk1"/>
-          </a:effectRef>
-          <a:fontRef idx="minor">
-            <a:schemeClr val="dk1"/>
-          </a:fontRef>
-        </p:style>
-        <p:txBody>
-          <a:bodyPr rtlCol="0" anchor="ctr"/>
-          <a:lstStyle/>
-          <a:p>
-            <a:pPr lvl="0" algn="ctr"/>
-            <a:r>
-              <a:rPr lang="en-US" dirty="0">
-                <a:solidFill>
-                  <a:prstClr val="black"/>
-                </a:solidFill>
-              </a:rPr>
-              <a:t>Internet Protocol </a:t>
-            </a:r>
-            <a:r>
-              <a:rPr lang="en-US" dirty="0">
-                <a:solidFill>
-                  <a:prstClr val="black"/>
-                </a:solidFill>
-                <a:latin typeface="Nexa Bold"/>
-              </a:rPr>
-              <a:t>(IP</a:t>
-            </a:r>
-            <a:r>
-              <a:rPr lang="en-US" dirty="0" smtClean="0">
-                <a:solidFill>
-                  <a:prstClr val="black"/>
-                </a:solidFill>
-                <a:latin typeface="Nexa Bold"/>
-              </a:rPr>
-              <a:t>)</a:t>
-            </a:r>
-            <a:endParaRPr lang="en-US" sz="1600" dirty="0">
-              <a:solidFill>
-                <a:prstClr val="black"/>
-              </a:solidFill>
-              <a:latin typeface="Nexa Bold"/>
-            </a:endParaRPr>
-          </a:p>
-        </p:txBody>
-      </p:sp>
-      <p:sp>
-        <p:nvSpPr>
-          <p:cNvPr id="3" name="Rectangle 2"/>
-          <p:cNvSpPr/>
-          <p:nvPr/>
-        </p:nvSpPr>
-        <p:spPr>
-          <a:xfrm>
-            <a:off x="139555" y="4220807"/>
-            <a:ext cx="6660835" cy="831370"/>
-          </a:xfrm>
-          <a:prstGeom prst="rect">
-            <a:avLst/>
-          </a:prstGeom>
-        </p:spPr>
-        <p:style>
-          <a:lnRef idx="2">
-            <a:schemeClr val="dk1"/>
-          </a:lnRef>
-          <a:fillRef idx="1">
-            <a:schemeClr val="lt1"/>
-          </a:fillRef>
-          <a:effectRef idx="0">
-            <a:schemeClr val="dk1"/>
-          </a:effectRef>
-          <a:fontRef idx="minor">
-            <a:schemeClr val="dk1"/>
-          </a:fontRef>
-        </p:style>
-        <p:txBody>
-          <a:bodyPr rtlCol="0" anchor="ctr"/>
-          <a:lstStyle/>
-          <a:p>
-            <a:pPr lvl="0" algn="ctr"/>
-            <a:r>
-              <a:rPr lang="en-US" dirty="0">
-                <a:solidFill>
-                  <a:prstClr val="black"/>
-                </a:solidFill>
-              </a:rPr>
-              <a:t>User Datagram Protocol </a:t>
-            </a:r>
-            <a:r>
-              <a:rPr lang="en-US" dirty="0">
-                <a:solidFill>
-                  <a:prstClr val="black"/>
-                </a:solidFill>
-                <a:latin typeface="Nexa Bold"/>
-              </a:rPr>
-              <a:t>(UDP)</a:t>
-            </a:r>
-            <a:endParaRPr lang="en-US" sz="1600" dirty="0">
-              <a:solidFill>
-                <a:prstClr val="black"/>
-              </a:solidFill>
-              <a:latin typeface="Nexa Bold"/>
-            </a:endParaRPr>
-          </a:p>
-        </p:txBody>
-      </p:sp>
-      <p:sp>
-        <p:nvSpPr>
-          <p:cNvPr id="4" name="Rectangle 3"/>
-          <p:cNvSpPr/>
-          <p:nvPr/>
-        </p:nvSpPr>
-        <p:spPr>
-          <a:xfrm>
-            <a:off x="139558" y="3389437"/>
-            <a:ext cx="1936070" cy="831370"/>
-          </a:xfrm>
-          <a:prstGeom prst="rect">
-            <a:avLst/>
-          </a:prstGeom>
-        </p:spPr>
-        <p:style>
-          <a:lnRef idx="2">
-            <a:schemeClr val="dk1"/>
-          </a:lnRef>
-          <a:fillRef idx="1">
-            <a:schemeClr val="lt1"/>
-          </a:fillRef>
-          <a:effectRef idx="0">
-            <a:schemeClr val="dk1"/>
-          </a:effectRef>
-          <a:fontRef idx="minor">
-            <a:schemeClr val="dk1"/>
-          </a:fontRef>
-        </p:style>
-        <p:txBody>
-          <a:bodyPr rtlCol="0" anchor="ctr"/>
-          <a:lstStyle/>
-          <a:p>
-            <a:pPr algn="ctr"/>
-            <a:r>
-              <a:rPr lang="en-US" sz="1600" dirty="0" smtClean="0"/>
-              <a:t>Session Traversal Utilities for NAT </a:t>
-            </a:r>
-            <a:r>
-              <a:rPr lang="en-US" sz="1600" dirty="0" smtClean="0">
-                <a:latin typeface="+mj-lt"/>
-              </a:rPr>
-              <a:t>(STUN)</a:t>
-            </a:r>
-            <a:endParaRPr lang="en-US" sz="1600" dirty="0">
-              <a:latin typeface="+mj-lt"/>
-            </a:endParaRPr>
-          </a:p>
-        </p:txBody>
-      </p:sp>
-      <p:sp>
-        <p:nvSpPr>
-          <p:cNvPr id="5" name="Rectangle 4"/>
-          <p:cNvSpPr/>
-          <p:nvPr/>
-        </p:nvSpPr>
-        <p:spPr>
-          <a:xfrm>
-            <a:off x="2075629" y="3389437"/>
-            <a:ext cx="3468476" cy="831370"/>
-          </a:xfrm>
-          <a:prstGeom prst="rect">
-            <a:avLst/>
-          </a:prstGeom>
-          <a:solidFill>
-            <a:schemeClr val="tx2">
-              <a:lumMod val="20000"/>
-              <a:lumOff val="80000"/>
-            </a:schemeClr>
-          </a:solidFill>
-        </p:spPr>
-        <p:style>
-          <a:lnRef idx="2">
-            <a:schemeClr val="dk1"/>
-          </a:lnRef>
-          <a:fillRef idx="1">
-            <a:schemeClr val="lt1"/>
-          </a:fillRef>
-          <a:effectRef idx="0">
-            <a:schemeClr val="dk1"/>
-          </a:effectRef>
-          <a:fontRef idx="minor">
-            <a:schemeClr val="dk1"/>
-          </a:fontRef>
-        </p:style>
-        <p:txBody>
-          <a:bodyPr rtlCol="0" anchor="ctr"/>
-          <a:lstStyle/>
-          <a:p>
-            <a:pPr algn="ctr"/>
-            <a:r>
-              <a:rPr lang="en-US" dirty="0" smtClean="0">
-                <a:latin typeface="+mj-lt"/>
-              </a:rPr>
-              <a:t>                     RTP</a:t>
-            </a:r>
-          </a:p>
-          <a:p>
-            <a:pPr algn="ctr"/>
-            <a:endParaRPr lang="en-US" sz="1600" dirty="0">
-              <a:latin typeface="+mj-lt"/>
-            </a:endParaRPr>
-          </a:p>
-        </p:txBody>
-      </p:sp>
-      <p:sp>
-        <p:nvSpPr>
-          <p:cNvPr id="15" name="Rectangle 14"/>
-          <p:cNvSpPr/>
-          <p:nvPr/>
-        </p:nvSpPr>
-        <p:spPr>
-          <a:xfrm>
-            <a:off x="2949575" y="1597583"/>
-            <a:ext cx="873946" cy="1787187"/>
-          </a:xfrm>
-          <a:prstGeom prst="rect">
-            <a:avLst/>
-          </a:prstGeom>
-        </p:spPr>
-        <p:style>
-          <a:lnRef idx="2">
-            <a:schemeClr val="dk1"/>
-          </a:lnRef>
-          <a:fillRef idx="1">
-            <a:schemeClr val="lt1"/>
-          </a:fillRef>
-          <a:effectRef idx="0">
-            <a:schemeClr val="dk1"/>
-          </a:effectRef>
-          <a:fontRef idx="minor">
-            <a:schemeClr val="dk1"/>
-          </a:fontRef>
-        </p:style>
-        <p:txBody>
-          <a:bodyPr rtlCol="0" anchor="ctr"/>
-          <a:lstStyle/>
-          <a:p>
-            <a:pPr algn="ctr"/>
-            <a:r>
-              <a:rPr lang="en-US" sz="1600" dirty="0" smtClean="0"/>
-              <a:t>SSRC #2</a:t>
-            </a:r>
-            <a:endParaRPr lang="en-US" sz="1400" dirty="0">
-              <a:latin typeface="+mj-lt"/>
-            </a:endParaRPr>
-          </a:p>
-        </p:txBody>
-      </p:sp>
-      <p:sp>
-        <p:nvSpPr>
-          <p:cNvPr id="16" name="Rectangle 15"/>
-          <p:cNvSpPr/>
-          <p:nvPr/>
-        </p:nvSpPr>
-        <p:spPr>
-          <a:xfrm>
-            <a:off x="2075629" y="1597583"/>
-            <a:ext cx="873946" cy="1787187"/>
-          </a:xfrm>
-          <a:prstGeom prst="rect">
-            <a:avLst/>
-          </a:prstGeom>
-        </p:spPr>
-        <p:style>
-          <a:lnRef idx="2">
-            <a:schemeClr val="dk1"/>
-          </a:lnRef>
-          <a:fillRef idx="1">
-            <a:schemeClr val="lt1"/>
-          </a:fillRef>
-          <a:effectRef idx="0">
-            <a:schemeClr val="dk1"/>
-          </a:effectRef>
-          <a:fontRef idx="minor">
-            <a:schemeClr val="dk1"/>
-          </a:fontRef>
-        </p:style>
-        <p:txBody>
-          <a:bodyPr rtlCol="0" anchor="ctr"/>
-          <a:lstStyle/>
-          <a:p>
-            <a:pPr algn="ctr"/>
-            <a:r>
-              <a:rPr lang="en-US" sz="1600" dirty="0" smtClean="0"/>
-              <a:t>SSRC #1</a:t>
-            </a:r>
-            <a:endParaRPr lang="en-US" sz="1400" dirty="0">
-              <a:latin typeface="+mj-lt"/>
-            </a:endParaRPr>
-          </a:p>
-        </p:txBody>
-      </p:sp>
-      <p:sp>
-        <p:nvSpPr>
-          <p:cNvPr id="19" name="Rectangle 18"/>
-          <p:cNvSpPr/>
-          <p:nvPr/>
-        </p:nvSpPr>
-        <p:spPr>
-          <a:xfrm>
-            <a:off x="2075628" y="3877894"/>
-            <a:ext cx="1747893" cy="342914"/>
-          </a:xfrm>
-          <a:prstGeom prst="rect">
-            <a:avLst/>
-          </a:prstGeom>
-        </p:spPr>
-        <p:style>
-          <a:lnRef idx="2">
-            <a:schemeClr val="dk1"/>
-          </a:lnRef>
-          <a:fillRef idx="1">
-            <a:schemeClr val="lt1"/>
-          </a:fillRef>
-          <a:effectRef idx="0">
-            <a:schemeClr val="dk1"/>
-          </a:effectRef>
-          <a:fontRef idx="minor">
-            <a:schemeClr val="dk1"/>
-          </a:fontRef>
-        </p:style>
-        <p:txBody>
-          <a:bodyPr rtlCol="0" anchor="ctr"/>
-          <a:lstStyle/>
-          <a:p>
-            <a:pPr algn="ctr"/>
-            <a:r>
-              <a:rPr lang="en-US" sz="1600" dirty="0" smtClean="0">
-                <a:latin typeface="+mj-lt"/>
-              </a:rPr>
-              <a:t>TURN</a:t>
-            </a:r>
-            <a:endParaRPr lang="en-US" sz="1400" dirty="0">
-              <a:latin typeface="+mj-lt"/>
-            </a:endParaRPr>
-          </a:p>
-        </p:txBody>
-      </p:sp>
-      <p:cxnSp>
-        <p:nvCxnSpPr>
-          <p:cNvPr id="21" name="Straight Connector 20"/>
-          <p:cNvCxnSpPr/>
-          <p:nvPr/>
-        </p:nvCxnSpPr>
-        <p:spPr>
-          <a:xfrm flipH="1">
-            <a:off x="2075628" y="3384770"/>
-            <a:ext cx="2" cy="664581"/>
-          </a:xfrm>
-          <a:prstGeom prst="line">
-            <a:avLst/>
-          </a:prstGeom>
-          <a:ln>
-            <a:prstDash val="sysDash"/>
-          </a:ln>
-        </p:spPr>
-        <p:style>
-          <a:lnRef idx="1">
-            <a:schemeClr val="dk1"/>
-          </a:lnRef>
-          <a:fillRef idx="0">
-            <a:schemeClr val="dk1"/>
-          </a:fillRef>
-          <a:effectRef idx="0">
-            <a:schemeClr val="dk1"/>
-          </a:effectRef>
-          <a:fontRef idx="minor">
-            <a:schemeClr val="tx1"/>
-          </a:fontRef>
-        </p:style>
-      </p:cxnSp>
-      <p:sp>
-        <p:nvSpPr>
-          <p:cNvPr id="24" name="Rectangle 23"/>
-          <p:cNvSpPr/>
-          <p:nvPr/>
-        </p:nvSpPr>
-        <p:spPr>
-          <a:xfrm>
-            <a:off x="3809866" y="1597583"/>
-            <a:ext cx="873946" cy="1787187"/>
-          </a:xfrm>
-          <a:prstGeom prst="rect">
-            <a:avLst/>
-          </a:prstGeom>
-        </p:spPr>
-        <p:style>
-          <a:lnRef idx="2">
-            <a:schemeClr val="dk1"/>
-          </a:lnRef>
-          <a:fillRef idx="1">
-            <a:schemeClr val="lt1"/>
-          </a:fillRef>
-          <a:effectRef idx="0">
-            <a:schemeClr val="dk1"/>
-          </a:effectRef>
-          <a:fontRef idx="minor">
-            <a:schemeClr val="dk1"/>
-          </a:fontRef>
-        </p:style>
-        <p:txBody>
-          <a:bodyPr rtlCol="0" anchor="ctr"/>
-          <a:lstStyle/>
-          <a:p>
-            <a:pPr algn="ctr"/>
-            <a:r>
-              <a:rPr lang="en-US" sz="1600" dirty="0" smtClean="0"/>
-              <a:t>SSRC #3</a:t>
-            </a:r>
-            <a:endParaRPr lang="en-US" sz="1400" dirty="0">
-              <a:latin typeface="+mj-lt"/>
-            </a:endParaRPr>
-          </a:p>
-        </p:txBody>
-      </p:sp>
-      <p:sp>
-        <p:nvSpPr>
-          <p:cNvPr id="25" name="Rectangle 24"/>
-          <p:cNvSpPr/>
-          <p:nvPr/>
-        </p:nvSpPr>
-        <p:spPr>
-          <a:xfrm>
-            <a:off x="4670158" y="1597583"/>
-            <a:ext cx="873946" cy="1787187"/>
-          </a:xfrm>
-          <a:prstGeom prst="rect">
-            <a:avLst/>
-          </a:prstGeom>
-        </p:spPr>
-        <p:style>
-          <a:lnRef idx="2">
-            <a:schemeClr val="dk1"/>
-          </a:lnRef>
-          <a:fillRef idx="1">
-            <a:schemeClr val="lt1"/>
-          </a:fillRef>
-          <a:effectRef idx="0">
-            <a:schemeClr val="dk1"/>
-          </a:effectRef>
-          <a:fontRef idx="minor">
-            <a:schemeClr val="dk1"/>
-          </a:fontRef>
-        </p:style>
-        <p:txBody>
-          <a:bodyPr rtlCol="0" anchor="ctr"/>
-          <a:lstStyle/>
-          <a:p>
-            <a:pPr algn="ctr"/>
-            <a:r>
-              <a:rPr lang="en-US" sz="1600" dirty="0" smtClean="0"/>
-              <a:t>SSRC #4</a:t>
-            </a:r>
-            <a:endParaRPr lang="en-US" sz="1400" dirty="0">
-              <a:latin typeface="+mj-lt"/>
-            </a:endParaRPr>
-          </a:p>
-        </p:txBody>
-      </p:sp>
-      <p:sp>
-        <p:nvSpPr>
-          <p:cNvPr id="13" name="Rectangle 12"/>
-          <p:cNvSpPr/>
-          <p:nvPr/>
-        </p:nvSpPr>
-        <p:spPr>
-          <a:xfrm>
-            <a:off x="6800391" y="4220808"/>
-            <a:ext cx="2239485" cy="831370"/>
-          </a:xfrm>
-          <a:prstGeom prst="rect">
-            <a:avLst/>
-          </a:prstGeom>
-        </p:spPr>
-        <p:style>
-          <a:lnRef idx="2">
-            <a:schemeClr val="dk1"/>
-          </a:lnRef>
-          <a:fillRef idx="1">
-            <a:schemeClr val="lt1"/>
-          </a:fillRef>
-          <a:effectRef idx="0">
-            <a:schemeClr val="dk1"/>
-          </a:effectRef>
-          <a:fontRef idx="minor">
-            <a:schemeClr val="dk1"/>
-          </a:fontRef>
-        </p:style>
-        <p:txBody>
-          <a:bodyPr rtlCol="0" anchor="ctr"/>
-          <a:lstStyle/>
-          <a:p>
-            <a:pPr algn="ctr"/>
-            <a:r>
-              <a:rPr lang="en-US" dirty="0" smtClean="0"/>
-              <a:t>Transmission Control Protocol </a:t>
-            </a:r>
-            <a:r>
-              <a:rPr lang="en-US" dirty="0" smtClean="0">
-                <a:latin typeface="+mj-lt"/>
-              </a:rPr>
-              <a:t>(TCP)</a:t>
-            </a:r>
-            <a:endParaRPr lang="en-US" sz="1600" dirty="0">
-              <a:latin typeface="+mj-lt"/>
-            </a:endParaRPr>
-          </a:p>
-        </p:txBody>
-      </p:sp>
-      <p:sp>
-        <p:nvSpPr>
-          <p:cNvPr id="14" name="Rectangle 13"/>
-          <p:cNvSpPr/>
-          <p:nvPr/>
-        </p:nvSpPr>
-        <p:spPr>
-          <a:xfrm>
-            <a:off x="6554595" y="3389438"/>
-            <a:ext cx="2485281" cy="826702"/>
-          </a:xfrm>
-          <a:prstGeom prst="rect">
-            <a:avLst/>
-          </a:prstGeom>
-        </p:spPr>
-        <p:style>
-          <a:lnRef idx="2">
-            <a:schemeClr val="dk1"/>
-          </a:lnRef>
-          <a:fillRef idx="1">
-            <a:schemeClr val="lt1"/>
-          </a:fillRef>
-          <a:effectRef idx="0">
-            <a:schemeClr val="dk1"/>
-          </a:effectRef>
-          <a:fontRef idx="minor">
-            <a:schemeClr val="dk1"/>
-          </a:fontRef>
-        </p:style>
-        <p:txBody>
-          <a:bodyPr rtlCol="0" anchor="ctr"/>
-          <a:lstStyle/>
-          <a:p>
-            <a:pPr algn="ctr"/>
-            <a:r>
-              <a:rPr lang="en-US" sz="1600" i="1" dirty="0" smtClean="0"/>
-              <a:t>Signaling Protocol</a:t>
-            </a:r>
-          </a:p>
-          <a:p>
-            <a:pPr algn="ctr"/>
-            <a:r>
-              <a:rPr lang="en-US" sz="1200" i="1" dirty="0" smtClean="0"/>
-              <a:t>(e.g., SIP, Jingle, …)</a:t>
-            </a:r>
-            <a:endParaRPr lang="en-US" sz="1200" i="1" dirty="0"/>
-          </a:p>
-        </p:txBody>
-      </p:sp>
-      <p:sp>
-        <p:nvSpPr>
-          <p:cNvPr id="17" name="Rectangle 16"/>
-          <p:cNvSpPr/>
-          <p:nvPr/>
-        </p:nvSpPr>
-        <p:spPr>
-          <a:xfrm>
-            <a:off x="5544105" y="3384770"/>
-            <a:ext cx="1010490" cy="831370"/>
-          </a:xfrm>
-          <a:prstGeom prst="rect">
-            <a:avLst/>
-          </a:prstGeom>
-        </p:spPr>
-        <p:style>
-          <a:lnRef idx="2">
-            <a:schemeClr val="dk1"/>
-          </a:lnRef>
-          <a:fillRef idx="1">
-            <a:schemeClr val="lt1"/>
-          </a:fillRef>
-          <a:effectRef idx="0">
-            <a:schemeClr val="dk1"/>
-          </a:effectRef>
-          <a:fontRef idx="minor">
-            <a:schemeClr val="dk1"/>
-          </a:fontRef>
-        </p:style>
-        <p:txBody>
-          <a:bodyPr rtlCol="0" anchor="ctr"/>
-          <a:lstStyle/>
-          <a:p>
-            <a:pPr algn="ctr"/>
-            <a:r>
-              <a:rPr lang="en-US" sz="1600" dirty="0" smtClean="0">
-                <a:latin typeface="+mj-lt"/>
-              </a:rPr>
-              <a:t>DTLS</a:t>
-            </a:r>
-            <a:endParaRPr lang="en-US" sz="1600" dirty="0">
-              <a:latin typeface="+mj-lt"/>
-            </a:endParaRPr>
-          </a:p>
-        </p:txBody>
-      </p:sp>
-      <p:sp>
-        <p:nvSpPr>
-          <p:cNvPr id="6" name="TextBox 5"/>
-          <p:cNvSpPr txBox="1"/>
-          <p:nvPr/>
-        </p:nvSpPr>
-        <p:spPr>
-          <a:xfrm>
-            <a:off x="5885487" y="6211669"/>
-            <a:ext cx="3154390" cy="646331"/>
-          </a:xfrm>
-          <a:prstGeom prst="rect">
-            <a:avLst/>
-          </a:prstGeom>
-          <a:noFill/>
-        </p:spPr>
-        <p:txBody>
-          <a:bodyPr wrap="square" rtlCol="0">
-            <a:spAutoFit/>
-          </a:bodyPr>
-          <a:lstStyle/>
-          <a:p>
-            <a:pPr algn="just"/>
-            <a:r>
-              <a:rPr lang="en-US" sz="1200" dirty="0" smtClean="0">
-                <a:latin typeface="+mj-lt"/>
-              </a:rPr>
-              <a:t>Note:</a:t>
-            </a:r>
-            <a:r>
-              <a:rPr lang="en-US" sz="1200" dirty="0" smtClean="0"/>
-              <a:t> *RTP can be sent over UDP or TCP.</a:t>
-            </a:r>
-          </a:p>
-          <a:p>
-            <a:pPr algn="just"/>
-            <a:r>
-              <a:rPr lang="en-US" sz="1200" dirty="0" smtClean="0"/>
-              <a:t>Similarly, signaling </a:t>
-            </a:r>
-            <a:r>
-              <a:rPr lang="en-US" sz="1200" dirty="0"/>
-              <a:t>p</a:t>
-            </a:r>
-            <a:r>
-              <a:rPr lang="en-US" sz="1200" dirty="0" smtClean="0"/>
-              <a:t>rotocols can be designed to transmit over UDP or TCP.</a:t>
-            </a:r>
-            <a:endParaRPr lang="en-US" sz="1200" dirty="0"/>
-          </a:p>
-        </p:txBody>
-      </p:sp>
-      <p:sp>
-        <p:nvSpPr>
-          <p:cNvPr id="20" name="Rectangle 19"/>
-          <p:cNvSpPr/>
-          <p:nvPr/>
-        </p:nvSpPr>
-        <p:spPr>
-          <a:xfrm>
-            <a:off x="6308797" y="1597583"/>
-            <a:ext cx="1447478" cy="1787188"/>
-          </a:xfrm>
-          <a:prstGeom prst="rect">
-            <a:avLst/>
-          </a:prstGeom>
-        </p:spPr>
-        <p:style>
-          <a:lnRef idx="2">
-            <a:schemeClr val="dk1"/>
-          </a:lnRef>
-          <a:fillRef idx="1">
-            <a:schemeClr val="lt1"/>
-          </a:fillRef>
-          <a:effectRef idx="0">
-            <a:schemeClr val="dk1"/>
-          </a:effectRef>
-          <a:fontRef idx="minor">
-            <a:schemeClr val="dk1"/>
-          </a:fontRef>
-        </p:style>
-        <p:txBody>
-          <a:bodyPr vert="horz" rtlCol="0" anchor="ctr"/>
-          <a:lstStyle/>
-          <a:p>
-            <a:pPr algn="ctr"/>
-            <a:r>
-              <a:rPr lang="en-US" sz="1600" dirty="0" smtClean="0"/>
-              <a:t>Secure RTP </a:t>
-            </a:r>
-            <a:r>
-              <a:rPr lang="en-US" sz="1600" dirty="0" smtClean="0">
-                <a:latin typeface="+mj-lt"/>
-              </a:rPr>
-              <a:t>(SRTP)</a:t>
-            </a:r>
-            <a:r>
-              <a:rPr lang="en-US" sz="1600" dirty="0" smtClean="0"/>
-              <a:t> Keying</a:t>
-            </a:r>
-            <a:endParaRPr lang="en-US" sz="1400" dirty="0">
-              <a:latin typeface="+mj-lt"/>
-            </a:endParaRPr>
-          </a:p>
-        </p:txBody>
-      </p:sp>
-      <p:cxnSp>
-        <p:nvCxnSpPr>
-          <p:cNvPr id="11" name="Straight Connector 10"/>
-          <p:cNvCxnSpPr/>
-          <p:nvPr/>
-        </p:nvCxnSpPr>
-        <p:spPr>
-          <a:xfrm>
-            <a:off x="3809866" y="3389438"/>
-            <a:ext cx="0" cy="493124"/>
-          </a:xfrm>
-          <a:prstGeom prst="line">
-            <a:avLst/>
-          </a:prstGeom>
-          <a:ln>
-            <a:prstDash val="dash"/>
-          </a:ln>
-        </p:spPr>
-        <p:style>
-          <a:lnRef idx="1">
-            <a:schemeClr val="dk1"/>
-          </a:lnRef>
-          <a:fillRef idx="0">
-            <a:schemeClr val="dk1"/>
-          </a:fillRef>
-          <a:effectRef idx="0">
-            <a:schemeClr val="dk1"/>
-          </a:effectRef>
-          <a:fontRef idx="minor">
-            <a:schemeClr val="tx1"/>
-          </a:fontRef>
-        </p:style>
-      </p:cxnSp>
-      <p:cxnSp>
-        <p:nvCxnSpPr>
-          <p:cNvPr id="22" name="Straight Connector 21"/>
-          <p:cNvCxnSpPr/>
-          <p:nvPr/>
-        </p:nvCxnSpPr>
-        <p:spPr>
-          <a:xfrm>
-            <a:off x="2949575" y="3384770"/>
-            <a:ext cx="0" cy="493124"/>
-          </a:xfrm>
-          <a:prstGeom prst="line">
-            <a:avLst/>
-          </a:prstGeom>
-          <a:ln>
-            <a:prstDash val="dash"/>
-          </a:ln>
-        </p:spPr>
-        <p:style>
-          <a:lnRef idx="1">
-            <a:schemeClr val="dk1"/>
-          </a:lnRef>
-          <a:fillRef idx="0">
-            <a:schemeClr val="dk1"/>
-          </a:fillRef>
-          <a:effectRef idx="0">
-            <a:schemeClr val="dk1"/>
-          </a:effectRef>
-          <a:fontRef idx="minor">
-            <a:schemeClr val="tx1"/>
-          </a:fontRef>
-        </p:style>
-      </p:cxnSp>
-      <p:sp>
-        <p:nvSpPr>
-          <p:cNvPr id="23" name="Rectangle 22"/>
-          <p:cNvSpPr/>
-          <p:nvPr/>
-        </p:nvSpPr>
-        <p:spPr>
-          <a:xfrm>
-            <a:off x="5544104" y="2553398"/>
-            <a:ext cx="764693" cy="831372"/>
-          </a:xfrm>
-          <a:prstGeom prst="rect">
-            <a:avLst/>
-          </a:prstGeom>
-        </p:spPr>
-        <p:style>
-          <a:lnRef idx="2">
-            <a:schemeClr val="dk1"/>
-          </a:lnRef>
-          <a:fillRef idx="1">
-            <a:schemeClr val="lt1"/>
-          </a:fillRef>
-          <a:effectRef idx="0">
-            <a:schemeClr val="dk1"/>
-          </a:effectRef>
-          <a:fontRef idx="minor">
-            <a:schemeClr val="dk1"/>
-          </a:fontRef>
-        </p:style>
-        <p:txBody>
-          <a:bodyPr vert="horz" rtlCol="0" anchor="ctr"/>
-          <a:lstStyle/>
-          <a:p>
-            <a:pPr algn="ctr"/>
-            <a:r>
-              <a:rPr lang="en-US" sz="1600" dirty="0" smtClean="0">
-                <a:latin typeface="+mj-lt"/>
-              </a:rPr>
-              <a:t>SCTP</a:t>
-            </a:r>
-            <a:endParaRPr lang="en-US" sz="1400" dirty="0">
-              <a:latin typeface="+mj-lt"/>
-            </a:endParaRPr>
-          </a:p>
-        </p:txBody>
-      </p:sp>
-      <p:sp>
-        <p:nvSpPr>
-          <p:cNvPr id="26" name="Rectangle 25"/>
-          <p:cNvSpPr/>
-          <p:nvPr/>
-        </p:nvSpPr>
-        <p:spPr>
-          <a:xfrm>
-            <a:off x="5544106" y="1597583"/>
-            <a:ext cx="764693" cy="955815"/>
-          </a:xfrm>
-          <a:prstGeom prst="rect">
-            <a:avLst/>
-          </a:prstGeom>
-        </p:spPr>
-        <p:style>
-          <a:lnRef idx="2">
-            <a:schemeClr val="dk1"/>
-          </a:lnRef>
-          <a:fillRef idx="1">
-            <a:schemeClr val="lt1"/>
-          </a:fillRef>
-          <a:effectRef idx="0">
-            <a:schemeClr val="dk1"/>
-          </a:effectRef>
-          <a:fontRef idx="minor">
-            <a:schemeClr val="dk1"/>
-          </a:fontRef>
-        </p:style>
-        <p:txBody>
-          <a:bodyPr vert="vert270" rtlCol="0" anchor="ctr"/>
-          <a:lstStyle/>
-          <a:p>
-            <a:pPr algn="ctr"/>
-            <a:r>
-              <a:rPr lang="en-US" sz="1600" dirty="0" smtClean="0">
-                <a:latin typeface="+mj-lt"/>
-              </a:rPr>
-              <a:t>Data</a:t>
-            </a:r>
-          </a:p>
-          <a:p>
-            <a:pPr algn="ctr"/>
-            <a:r>
-              <a:rPr lang="en-US" sz="1600" dirty="0" smtClean="0">
-                <a:latin typeface="+mj-lt"/>
-              </a:rPr>
-              <a:t>Channel</a:t>
-            </a:r>
-            <a:endParaRPr lang="en-US" sz="1400" dirty="0">
-              <a:latin typeface="+mj-lt"/>
-            </a:endParaRPr>
-          </a:p>
-        </p:txBody>
-      </p:sp>
-    </p:spTree>
-    <p:extLst>
-      <p:ext uri="{BB962C8B-B14F-4D97-AF65-F5344CB8AC3E}">
-        <p14:creationId xmlns:p14="http://schemas.microsoft.com/office/powerpoint/2010/main" val="3585768518"/>
-      </p:ext>
-    </p:extLst>
-  </p:cSld>
-  <p:clrMapOvr>
-    <a:masterClrMapping/>
-  </p:clrMapOvr>
-</p:sld>
-</file>
-
-<file path=ppt/slides/slide7.xml><?xml version="1.0" encoding="utf-8"?>
-<p:sld xmlns:a="http://schemas.openxmlformats.org/drawingml/2006/main" xmlns:r="http://schemas.openxmlformats.org/officeDocument/2006/relationships" xmlns:p="http://schemas.openxmlformats.org/presentationml/2006/main">
-  <p:cSld>
-    <p:spTree>
-      <p:nvGrpSpPr>
-        <p:cNvPr id="1" name=""/>
-        <p:cNvGrpSpPr/>
-        <p:nvPr/>
-      </p:nvGrpSpPr>
-      <p:grpSpPr>
-        <a:xfrm>
-          <a:off x="0" y="0"/>
-          <a:ext cx="0" cy="0"/>
-          <a:chOff x="0" y="0"/>
-          <a:chExt cx="0" cy="0"/>
-        </a:xfrm>
-      </p:grpSpPr>
-      <p:sp>
-        <p:nvSpPr>
-          <p:cNvPr id="3" name="Rounded Rectangle 2"/>
-          <p:cNvSpPr/>
-          <p:nvPr/>
-        </p:nvSpPr>
-        <p:spPr>
-          <a:xfrm>
-            <a:off x="91786" y="2526093"/>
-            <a:ext cx="1474785" cy="873892"/>
-          </a:xfrm>
-          <a:prstGeom prst="roundRect">
-            <a:avLst/>
-          </a:prstGeom>
-          <a:solidFill>
-            <a:srgbClr val="404040"/>
-          </a:solidFill>
-          <a:ln>
-            <a:noFill/>
-          </a:ln>
-        </p:spPr>
-        <p:style>
-          <a:lnRef idx="2">
-            <a:schemeClr val="accent3">
-              <a:shade val="50000"/>
-            </a:schemeClr>
-          </a:lnRef>
-          <a:fillRef idx="1">
-            <a:schemeClr val="accent3"/>
-          </a:fillRef>
-          <a:effectRef idx="0">
-            <a:schemeClr val="accent3"/>
-          </a:effectRef>
-          <a:fontRef idx="minor">
-            <a:schemeClr val="lt1"/>
-          </a:fontRef>
-        </p:style>
-        <p:txBody>
-          <a:bodyPr rtlCol="0" anchor="ctr"/>
-          <a:lstStyle/>
-          <a:p>
-            <a:pPr algn="ctr"/>
-            <a:r>
-              <a:rPr lang="en-US" dirty="0" smtClean="0"/>
-              <a:t>Receive</a:t>
-            </a:r>
-          </a:p>
-          <a:p>
-            <a:pPr algn="ctr"/>
-            <a:r>
-              <a:rPr lang="en-US" dirty="0" smtClean="0"/>
-              <a:t>UDP Packet</a:t>
-            </a:r>
-          </a:p>
-        </p:txBody>
-      </p:sp>
-      <p:cxnSp>
-        <p:nvCxnSpPr>
-          <p:cNvPr id="5" name="Straight Arrow Connector 4"/>
-          <p:cNvCxnSpPr>
-            <a:stCxn id="3" idx="3"/>
-            <a:endCxn id="6" idx="1"/>
-          </p:cNvCxnSpPr>
-          <p:nvPr/>
-        </p:nvCxnSpPr>
-        <p:spPr>
-          <a:xfrm>
-            <a:off x="1566571" y="2963039"/>
-            <a:ext cx="450627" cy="0"/>
-          </a:xfrm>
-          <a:prstGeom prst="straightConnector1">
-            <a:avLst/>
-          </a:prstGeom>
-          <a:ln>
-            <a:tailEnd type="arrow"/>
-          </a:ln>
-        </p:spPr>
-        <p:style>
-          <a:lnRef idx="1">
-            <a:schemeClr val="dk1"/>
-          </a:lnRef>
-          <a:fillRef idx="0">
-            <a:schemeClr val="dk1"/>
-          </a:fillRef>
-          <a:effectRef idx="0">
-            <a:schemeClr val="dk1"/>
-          </a:effectRef>
-          <a:fontRef idx="minor">
-            <a:schemeClr val="tx1"/>
-          </a:fontRef>
-        </p:style>
-      </p:cxnSp>
-      <p:sp>
-        <p:nvSpPr>
-          <p:cNvPr id="6" name="Rectangle 5"/>
-          <p:cNvSpPr/>
-          <p:nvPr/>
-        </p:nvSpPr>
-        <p:spPr>
-          <a:xfrm>
-            <a:off x="2017198" y="710037"/>
-            <a:ext cx="751048" cy="4506003"/>
-          </a:xfrm>
-          <a:prstGeom prst="rect">
-            <a:avLst/>
-          </a:prstGeom>
-          <a:solidFill>
-            <a:schemeClr val="tx1">
-              <a:lumMod val="75000"/>
-              <a:lumOff val="25000"/>
-            </a:schemeClr>
-          </a:solidFill>
-          <a:ln>
-            <a:noFill/>
-          </a:ln>
-        </p:spPr>
-        <p:style>
-          <a:lnRef idx="2">
-            <a:schemeClr val="dk1">
-              <a:shade val="50000"/>
-            </a:schemeClr>
-          </a:lnRef>
-          <a:fillRef idx="1">
-            <a:schemeClr val="dk1"/>
-          </a:fillRef>
-          <a:effectRef idx="0">
-            <a:schemeClr val="dk1"/>
-          </a:effectRef>
-          <a:fontRef idx="minor">
-            <a:schemeClr val="lt1"/>
-          </a:fontRef>
-        </p:style>
-        <p:txBody>
-          <a:bodyPr vert="vert270" rtlCol="0" anchor="ctr"/>
-          <a:lstStyle/>
-          <a:p>
-            <a:pPr algn="ctr"/>
-            <a:r>
-              <a:rPr lang="en-US" sz="2000" dirty="0" smtClean="0">
-                <a:latin typeface="Courier"/>
-                <a:cs typeface="Courier"/>
-              </a:rPr>
-              <a:t>H</a:t>
-            </a:r>
-            <a:r>
-              <a:rPr lang="en-US" dirty="0" smtClean="0"/>
-              <a:t>-&gt; </a:t>
-            </a:r>
-            <a:r>
-              <a:rPr lang="en-US" sz="1400" dirty="0" smtClean="0"/>
-              <a:t>Parse first 8-bits of UDP Payload</a:t>
-            </a:r>
-            <a:endParaRPr lang="en-US" sz="1600" dirty="0"/>
-          </a:p>
-        </p:txBody>
-      </p:sp>
-      <p:cxnSp>
-        <p:nvCxnSpPr>
-          <p:cNvPr id="20" name="Straight Arrow Connector 19"/>
-          <p:cNvCxnSpPr>
-            <a:endCxn id="25" idx="1"/>
-          </p:cNvCxnSpPr>
-          <p:nvPr/>
-        </p:nvCxnSpPr>
-        <p:spPr>
-          <a:xfrm>
-            <a:off x="2768246" y="1490632"/>
-            <a:ext cx="1631813" cy="0"/>
-          </a:xfrm>
-          <a:prstGeom prst="straightConnector1">
-            <a:avLst/>
-          </a:prstGeom>
-          <a:ln>
-            <a:tailEnd type="arrow"/>
-          </a:ln>
-        </p:spPr>
-        <p:style>
-          <a:lnRef idx="1">
-            <a:schemeClr val="dk1"/>
-          </a:lnRef>
-          <a:fillRef idx="0">
-            <a:schemeClr val="dk1"/>
-          </a:fillRef>
-          <a:effectRef idx="0">
-            <a:schemeClr val="dk1"/>
-          </a:effectRef>
-          <a:fontRef idx="minor">
-            <a:schemeClr val="tx1"/>
-          </a:fontRef>
-        </p:style>
-      </p:cxnSp>
-      <p:cxnSp>
-        <p:nvCxnSpPr>
-          <p:cNvPr id="22" name="Straight Arrow Connector 21"/>
-          <p:cNvCxnSpPr>
-            <a:stCxn id="6" idx="3"/>
-            <a:endCxn id="27" idx="1"/>
-          </p:cNvCxnSpPr>
-          <p:nvPr/>
-        </p:nvCxnSpPr>
-        <p:spPr>
-          <a:xfrm flipV="1">
-            <a:off x="2768246" y="2960544"/>
-            <a:ext cx="1634613" cy="2495"/>
-          </a:xfrm>
-          <a:prstGeom prst="straightConnector1">
-            <a:avLst/>
-          </a:prstGeom>
-          <a:ln>
-            <a:tailEnd type="arrow"/>
-          </a:ln>
-        </p:spPr>
-        <p:style>
-          <a:lnRef idx="1">
-            <a:schemeClr val="dk1"/>
-          </a:lnRef>
-          <a:fillRef idx="0">
-            <a:schemeClr val="dk1"/>
-          </a:fillRef>
-          <a:effectRef idx="0">
-            <a:schemeClr val="dk1"/>
-          </a:effectRef>
-          <a:fontRef idx="minor">
-            <a:schemeClr val="tx1"/>
-          </a:fontRef>
-        </p:style>
-      </p:cxnSp>
-      <p:cxnSp>
-        <p:nvCxnSpPr>
-          <p:cNvPr id="23" name="Straight Arrow Connector 22"/>
-          <p:cNvCxnSpPr>
-            <a:endCxn id="30" idx="1"/>
-          </p:cNvCxnSpPr>
-          <p:nvPr/>
-        </p:nvCxnSpPr>
-        <p:spPr>
-          <a:xfrm>
-            <a:off x="2771043" y="4476266"/>
-            <a:ext cx="1659123" cy="0"/>
-          </a:xfrm>
-          <a:prstGeom prst="straightConnector1">
-            <a:avLst/>
-          </a:prstGeom>
-          <a:ln>
-            <a:tailEnd type="arrow"/>
-          </a:ln>
-        </p:spPr>
-        <p:style>
-          <a:lnRef idx="1">
-            <a:schemeClr val="dk1"/>
-          </a:lnRef>
-          <a:fillRef idx="0">
-            <a:schemeClr val="dk1"/>
-          </a:fillRef>
-          <a:effectRef idx="0">
-            <a:schemeClr val="dk1"/>
-          </a:effectRef>
-          <a:fontRef idx="minor">
-            <a:schemeClr val="tx1"/>
-          </a:fontRef>
-        </p:style>
-      </p:cxnSp>
-      <p:sp>
-        <p:nvSpPr>
-          <p:cNvPr id="24" name="TextBox 23"/>
-          <p:cNvSpPr txBox="1"/>
-          <p:nvPr/>
-        </p:nvSpPr>
-        <p:spPr>
-          <a:xfrm>
-            <a:off x="3191558" y="1139826"/>
-            <a:ext cx="710451" cy="369332"/>
-          </a:xfrm>
-          <a:prstGeom prst="rect">
-            <a:avLst/>
-          </a:prstGeom>
-          <a:noFill/>
-        </p:spPr>
-        <p:txBody>
-          <a:bodyPr wrap="none" rtlCol="0">
-            <a:spAutoFit/>
-          </a:bodyPr>
-          <a:lstStyle/>
-          <a:p>
-            <a:r>
-              <a:rPr lang="en-US" dirty="0" smtClean="0">
-                <a:latin typeface="+mj-lt"/>
-              </a:rPr>
-              <a:t>H</a:t>
-            </a:r>
-            <a:r>
-              <a:rPr lang="en-US" dirty="0" smtClean="0"/>
-              <a:t> &lt; 2</a:t>
-            </a:r>
-            <a:endParaRPr lang="en-US" dirty="0"/>
-          </a:p>
-        </p:txBody>
-      </p:sp>
-      <p:sp>
-        <p:nvSpPr>
-          <p:cNvPr id="25" name="TextBox 24"/>
-          <p:cNvSpPr txBox="1"/>
-          <p:nvPr/>
-        </p:nvSpPr>
-        <p:spPr>
-          <a:xfrm>
-            <a:off x="4400059" y="1167466"/>
-            <a:ext cx="4257464" cy="646331"/>
-          </a:xfrm>
-          <a:prstGeom prst="rect">
-            <a:avLst/>
-          </a:prstGeom>
-          <a:noFill/>
-        </p:spPr>
-        <p:txBody>
-          <a:bodyPr wrap="square" rtlCol="0">
-            <a:spAutoFit/>
-          </a:bodyPr>
-          <a:lstStyle/>
-          <a:p>
-            <a:r>
-              <a:rPr lang="en-US" dirty="0" smtClean="0">
-                <a:latin typeface="Courier"/>
-                <a:cs typeface="Courier"/>
-              </a:rPr>
-              <a:t>0b00 </a:t>
-            </a:r>
-            <a:r>
-              <a:rPr lang="en-US" dirty="0" smtClean="0">
-                <a:latin typeface="+mj-lt"/>
-              </a:rPr>
-              <a:t>STUN</a:t>
-            </a:r>
-            <a:r>
-              <a:rPr lang="en-US" dirty="0" smtClean="0"/>
-              <a:t> Message</a:t>
-            </a:r>
-          </a:p>
-          <a:p>
-            <a:r>
-              <a:rPr lang="en-US" dirty="0" smtClean="0">
-                <a:latin typeface="Courier"/>
-                <a:cs typeface="Courier"/>
-              </a:rPr>
-              <a:t>0b01 </a:t>
-            </a:r>
-            <a:r>
-              <a:rPr lang="en-US" dirty="0" err="1" smtClean="0">
-                <a:latin typeface="Courier"/>
-                <a:cs typeface="Courier"/>
-              </a:rPr>
-              <a:t>ChannelData</a:t>
-            </a:r>
-            <a:r>
-              <a:rPr lang="en-US" dirty="0" smtClean="0"/>
-              <a:t> Message (</a:t>
-            </a:r>
-            <a:r>
-              <a:rPr lang="en-US" dirty="0" smtClean="0">
-                <a:latin typeface="+mj-lt"/>
-              </a:rPr>
-              <a:t>TURN</a:t>
-            </a:r>
-            <a:r>
-              <a:rPr lang="en-US" dirty="0" smtClean="0"/>
-              <a:t>)</a:t>
-            </a:r>
-            <a:endParaRPr lang="en-US" dirty="0"/>
-          </a:p>
-        </p:txBody>
-      </p:sp>
-      <p:sp>
-        <p:nvSpPr>
-          <p:cNvPr id="26" name="TextBox 25"/>
-          <p:cNvSpPr txBox="1"/>
-          <p:nvPr/>
-        </p:nvSpPr>
-        <p:spPr>
-          <a:xfrm>
-            <a:off x="2932106" y="2593707"/>
-            <a:ext cx="1306972" cy="369332"/>
-          </a:xfrm>
-          <a:prstGeom prst="rect">
-            <a:avLst/>
-          </a:prstGeom>
-          <a:noFill/>
-        </p:spPr>
-        <p:txBody>
-          <a:bodyPr wrap="none" rtlCol="0">
-            <a:spAutoFit/>
-          </a:bodyPr>
-          <a:lstStyle/>
-          <a:p>
-            <a:r>
-              <a:rPr lang="en-US" dirty="0" smtClean="0"/>
-              <a:t>19 &lt; </a:t>
-            </a:r>
-            <a:r>
-              <a:rPr lang="en-US" dirty="0" smtClean="0">
-                <a:latin typeface="+mj-lt"/>
-              </a:rPr>
-              <a:t>H</a:t>
-            </a:r>
-            <a:r>
-              <a:rPr lang="en-US" dirty="0" smtClean="0"/>
-              <a:t> &lt; 64</a:t>
-            </a:r>
-            <a:endParaRPr lang="en-US" dirty="0"/>
-          </a:p>
-        </p:txBody>
-      </p:sp>
-      <p:sp>
-        <p:nvSpPr>
-          <p:cNvPr id="27" name="TextBox 26"/>
-          <p:cNvSpPr txBox="1"/>
-          <p:nvPr/>
-        </p:nvSpPr>
-        <p:spPr>
-          <a:xfrm>
-            <a:off x="4402859" y="2015863"/>
-            <a:ext cx="461665" cy="1889362"/>
-          </a:xfrm>
-          <a:prstGeom prst="rect">
-            <a:avLst/>
-          </a:prstGeom>
-          <a:noFill/>
-        </p:spPr>
-        <p:txBody>
-          <a:bodyPr vert="vert270" wrap="none" rtlCol="0">
-            <a:spAutoFit/>
-          </a:bodyPr>
-          <a:lstStyle/>
-          <a:p>
-            <a:r>
-              <a:rPr lang="en-US" dirty="0" smtClean="0"/>
-              <a:t>DTLS Processing</a:t>
-            </a:r>
-            <a:endParaRPr lang="en-US" dirty="0"/>
-          </a:p>
-        </p:txBody>
-      </p:sp>
-      <p:sp>
-        <p:nvSpPr>
-          <p:cNvPr id="30" name="TextBox 29"/>
-          <p:cNvSpPr txBox="1"/>
-          <p:nvPr/>
-        </p:nvSpPr>
-        <p:spPr>
-          <a:xfrm>
-            <a:off x="4430166" y="4291600"/>
-            <a:ext cx="3147015" cy="369332"/>
-          </a:xfrm>
-          <a:prstGeom prst="rect">
-            <a:avLst/>
-          </a:prstGeom>
-          <a:noFill/>
-        </p:spPr>
-        <p:txBody>
-          <a:bodyPr wrap="none" rtlCol="0">
-            <a:spAutoFit/>
-          </a:bodyPr>
-          <a:lstStyle/>
-          <a:p>
-            <a:r>
-              <a:rPr lang="en-US" dirty="0" smtClean="0"/>
-              <a:t>Forward to </a:t>
-            </a:r>
-            <a:r>
-              <a:rPr lang="en-US" dirty="0" smtClean="0">
-                <a:latin typeface="+mj-lt"/>
-              </a:rPr>
-              <a:t>RTP </a:t>
-            </a:r>
-            <a:r>
-              <a:rPr lang="en-US" dirty="0" smtClean="0"/>
-              <a:t>Processing</a:t>
-            </a:r>
-            <a:endParaRPr lang="en-US" dirty="0"/>
-          </a:p>
-        </p:txBody>
-      </p:sp>
-      <p:sp>
-        <p:nvSpPr>
-          <p:cNvPr id="36" name="TextBox 35"/>
-          <p:cNvSpPr txBox="1"/>
-          <p:nvPr/>
-        </p:nvSpPr>
-        <p:spPr>
-          <a:xfrm>
-            <a:off x="2798353" y="4106934"/>
-            <a:ext cx="1505540" cy="369332"/>
-          </a:xfrm>
-          <a:prstGeom prst="rect">
-            <a:avLst/>
-          </a:prstGeom>
-          <a:noFill/>
-        </p:spPr>
-        <p:txBody>
-          <a:bodyPr wrap="none" rtlCol="0">
-            <a:spAutoFit/>
-          </a:bodyPr>
-          <a:lstStyle/>
-          <a:p>
-            <a:r>
-              <a:rPr lang="en-US" dirty="0" smtClean="0"/>
-              <a:t>127 &lt; </a:t>
-            </a:r>
-            <a:r>
-              <a:rPr lang="en-US" dirty="0" smtClean="0">
-                <a:latin typeface="+mj-lt"/>
-              </a:rPr>
-              <a:t>H</a:t>
-            </a:r>
-            <a:r>
-              <a:rPr lang="en-US" dirty="0" smtClean="0"/>
-              <a:t> &lt; 192</a:t>
-            </a:r>
-            <a:endParaRPr lang="en-US" dirty="0"/>
-          </a:p>
-        </p:txBody>
-      </p:sp>
-      <p:cxnSp>
-        <p:nvCxnSpPr>
-          <p:cNvPr id="39" name="Straight Arrow Connector 38"/>
-          <p:cNvCxnSpPr>
-            <a:endCxn id="41" idx="1"/>
-          </p:cNvCxnSpPr>
-          <p:nvPr/>
-        </p:nvCxnSpPr>
-        <p:spPr>
-          <a:xfrm>
-            <a:off x="4932799" y="2498783"/>
-            <a:ext cx="1112741" cy="0"/>
-          </a:xfrm>
-          <a:prstGeom prst="straightConnector1">
-            <a:avLst/>
-          </a:prstGeom>
-          <a:ln>
-            <a:tailEnd type="arrow"/>
-          </a:ln>
-        </p:spPr>
-        <p:style>
-          <a:lnRef idx="1">
-            <a:schemeClr val="dk1"/>
-          </a:lnRef>
-          <a:fillRef idx="0">
-            <a:schemeClr val="dk1"/>
-          </a:fillRef>
-          <a:effectRef idx="0">
-            <a:schemeClr val="dk1"/>
-          </a:effectRef>
-          <a:fontRef idx="minor">
-            <a:schemeClr val="tx1"/>
-          </a:fontRef>
-        </p:style>
-      </p:cxnSp>
-      <p:cxnSp>
-        <p:nvCxnSpPr>
-          <p:cNvPr id="40" name="Straight Arrow Connector 39"/>
-          <p:cNvCxnSpPr>
-            <a:endCxn id="43" idx="1"/>
-          </p:cNvCxnSpPr>
-          <p:nvPr/>
-        </p:nvCxnSpPr>
-        <p:spPr>
-          <a:xfrm>
-            <a:off x="4932799" y="3372675"/>
-            <a:ext cx="1112741" cy="0"/>
-          </a:xfrm>
-          <a:prstGeom prst="straightConnector1">
-            <a:avLst/>
-          </a:prstGeom>
-          <a:ln>
-            <a:tailEnd type="arrow"/>
-          </a:ln>
-        </p:spPr>
-        <p:style>
-          <a:lnRef idx="1">
-            <a:schemeClr val="dk1"/>
-          </a:lnRef>
-          <a:fillRef idx="0">
-            <a:schemeClr val="dk1"/>
-          </a:fillRef>
-          <a:effectRef idx="0">
-            <a:schemeClr val="dk1"/>
-          </a:effectRef>
-          <a:fontRef idx="minor">
-            <a:schemeClr val="tx1"/>
-          </a:fontRef>
-        </p:style>
-      </p:cxnSp>
-      <p:sp>
-        <p:nvSpPr>
-          <p:cNvPr id="41" name="TextBox 40"/>
-          <p:cNvSpPr txBox="1"/>
-          <p:nvPr/>
-        </p:nvSpPr>
-        <p:spPr>
-          <a:xfrm>
-            <a:off x="6045540" y="2314117"/>
-            <a:ext cx="800219" cy="369332"/>
-          </a:xfrm>
-          <a:prstGeom prst="rect">
-            <a:avLst/>
-          </a:prstGeom>
-          <a:noFill/>
-        </p:spPr>
-        <p:txBody>
-          <a:bodyPr wrap="none" rtlCol="0">
-            <a:spAutoFit/>
-          </a:bodyPr>
-          <a:lstStyle/>
-          <a:p>
-            <a:r>
-              <a:rPr lang="en-US" dirty="0" smtClean="0">
-                <a:latin typeface="+mj-lt"/>
-              </a:rPr>
-              <a:t>SCTP</a:t>
-            </a:r>
-            <a:endParaRPr lang="en-US" dirty="0">
-              <a:latin typeface="+mj-lt"/>
-            </a:endParaRPr>
-          </a:p>
-        </p:txBody>
-      </p:sp>
-      <p:sp>
-        <p:nvSpPr>
-          <p:cNvPr id="43" name="TextBox 42"/>
-          <p:cNvSpPr txBox="1"/>
-          <p:nvPr/>
-        </p:nvSpPr>
-        <p:spPr>
-          <a:xfrm>
-            <a:off x="6045540" y="3188009"/>
-            <a:ext cx="774571" cy="369332"/>
-          </a:xfrm>
-          <a:prstGeom prst="rect">
-            <a:avLst/>
-          </a:prstGeom>
-          <a:noFill/>
-        </p:spPr>
-        <p:txBody>
-          <a:bodyPr wrap="none" rtlCol="0">
-            <a:spAutoFit/>
-          </a:bodyPr>
-          <a:lstStyle/>
-          <a:p>
-            <a:r>
-              <a:rPr lang="en-US" dirty="0">
-                <a:latin typeface="+mj-lt"/>
-              </a:rPr>
-              <a:t>DTLS</a:t>
-            </a:r>
-          </a:p>
-        </p:txBody>
-      </p:sp>
-    </p:spTree>
-    <p:extLst>
-      <p:ext uri="{BB962C8B-B14F-4D97-AF65-F5344CB8AC3E}">
-        <p14:creationId xmlns:p14="http://schemas.microsoft.com/office/powerpoint/2010/main" val="1482038348"/>
-      </p:ext>
-    </p:extLst>
-  </p:cSld>
-  <p:clrMapOvr>
-    <a:masterClrMapping/>
-  </p:clrMapOvr>
-</p:sld>
-</file>
-
-<file path=ppt/slides/slide8.xml><?xml version="1.0" encoding="utf-8"?>
-<p:sld xmlns:a="http://schemas.openxmlformats.org/drawingml/2006/main" xmlns:r="http://schemas.openxmlformats.org/officeDocument/2006/relationships" xmlns:p="http://schemas.openxmlformats.org/presentationml/2006/main">
-  <p:cSld>
-    <p:spTree>
-      <p:nvGrpSpPr>
-        <p:cNvPr id="1" name=""/>
-        <p:cNvGrpSpPr/>
-        <p:nvPr/>
-      </p:nvGrpSpPr>
-      <p:grpSpPr>
-        <a:xfrm>
-          <a:off x="0" y="0"/>
-          <a:ext cx="0" cy="0"/>
-          <a:chOff x="0" y="0"/>
-          <a:chExt cx="0" cy="0"/>
-        </a:xfrm>
-      </p:grpSpPr>
       <p:cxnSp>
         <p:nvCxnSpPr>
           <p:cNvPr id="3" name="Straight Connector 2"/>
@@ -11085,15 +9463,7 @@
             </a:r>
             <a:r>
               <a:rPr lang="en-US" sz="1400" b="1" i="1" dirty="0" smtClean="0"/>
-              <a:t> </a:t>
-            </a:r>
-            <a:r>
-              <a:rPr lang="en-US" sz="1400" b="1" i="1" dirty="0" smtClean="0"/>
-              <a:t>Partially swapping </a:t>
-            </a:r>
-            <a:r>
-              <a:rPr lang="en-US" sz="1400" b="1" i="1" dirty="0" smtClean="0"/>
-              <a:t>FEC with media</a:t>
+              <a:t> Partially swapping FEC with media</a:t>
             </a:r>
             <a:endParaRPr lang="en-US" sz="1400" b="1" i="1" dirty="0"/>
           </a:p>
@@ -11251,6 +9621,2782 @@
     <p:extLst>
       <p:ext uri="{BB962C8B-B14F-4D97-AF65-F5344CB8AC3E}">
         <p14:creationId xmlns:p14="http://schemas.microsoft.com/office/powerpoint/2010/main" val="3929904410"/>
+      </p:ext>
+    </p:extLst>
+  </p:cSld>
+  <p:clrMapOvr>
+    <a:masterClrMapping/>
+  </p:clrMapOvr>
+</p:sld>
+</file>
+
+<file path=ppt/slides/slide7.xml><?xml version="1.0" encoding="utf-8"?>
+<p:sld xmlns:a="http://schemas.openxmlformats.org/drawingml/2006/main" xmlns:r="http://schemas.openxmlformats.org/officeDocument/2006/relationships" xmlns:p="http://schemas.openxmlformats.org/presentationml/2006/main">
+  <p:cSld>
+    <p:spTree>
+      <p:nvGrpSpPr>
+        <p:cNvPr id="1" name=""/>
+        <p:cNvGrpSpPr/>
+        <p:nvPr/>
+      </p:nvGrpSpPr>
+      <p:grpSpPr>
+        <a:xfrm>
+          <a:off x="0" y="0"/>
+          <a:ext cx="0" cy="0"/>
+          <a:chOff x="0" y="0"/>
+          <a:chExt cx="0" cy="0"/>
+        </a:xfrm>
+      </p:grpSpPr>
+      <p:sp>
+        <p:nvSpPr>
+          <p:cNvPr id="2" name="Rectangle 1"/>
+          <p:cNvSpPr/>
+          <p:nvPr/>
+        </p:nvSpPr>
+        <p:spPr>
+          <a:xfrm>
+            <a:off x="139556" y="5052177"/>
+            <a:ext cx="8900321" cy="831370"/>
+          </a:xfrm>
+          <a:prstGeom prst="rect">
+            <a:avLst/>
+          </a:prstGeom>
+        </p:spPr>
+        <p:style>
+          <a:lnRef idx="2">
+            <a:schemeClr val="dk1"/>
+          </a:lnRef>
+          <a:fillRef idx="1">
+            <a:schemeClr val="lt1"/>
+          </a:fillRef>
+          <a:effectRef idx="0">
+            <a:schemeClr val="dk1"/>
+          </a:effectRef>
+          <a:fontRef idx="minor">
+            <a:schemeClr val="dk1"/>
+          </a:fontRef>
+        </p:style>
+        <p:txBody>
+          <a:bodyPr rtlCol="0" anchor="ctr"/>
+          <a:lstStyle/>
+          <a:p>
+            <a:pPr lvl="0" algn="ctr"/>
+            <a:r>
+              <a:rPr lang="en-US" dirty="0">
+                <a:solidFill>
+                  <a:prstClr val="black"/>
+                </a:solidFill>
+              </a:rPr>
+              <a:t>Internet Protocol </a:t>
+            </a:r>
+            <a:r>
+              <a:rPr lang="en-US" dirty="0">
+                <a:solidFill>
+                  <a:prstClr val="black"/>
+                </a:solidFill>
+                <a:latin typeface="Nexa Bold"/>
+              </a:rPr>
+              <a:t>(IP</a:t>
+            </a:r>
+            <a:r>
+              <a:rPr lang="en-US" dirty="0" smtClean="0">
+                <a:solidFill>
+                  <a:prstClr val="black"/>
+                </a:solidFill>
+                <a:latin typeface="Nexa Bold"/>
+              </a:rPr>
+              <a:t>)</a:t>
+            </a:r>
+            <a:endParaRPr lang="en-US" sz="1600" dirty="0">
+              <a:solidFill>
+                <a:prstClr val="black"/>
+              </a:solidFill>
+              <a:latin typeface="Nexa Bold"/>
+            </a:endParaRPr>
+          </a:p>
+        </p:txBody>
+      </p:sp>
+      <p:sp>
+        <p:nvSpPr>
+          <p:cNvPr id="3" name="Rectangle 2"/>
+          <p:cNvSpPr/>
+          <p:nvPr/>
+        </p:nvSpPr>
+        <p:spPr>
+          <a:xfrm>
+            <a:off x="139555" y="4220807"/>
+            <a:ext cx="6660835" cy="831370"/>
+          </a:xfrm>
+          <a:prstGeom prst="rect">
+            <a:avLst/>
+          </a:prstGeom>
+        </p:spPr>
+        <p:style>
+          <a:lnRef idx="2">
+            <a:schemeClr val="dk1"/>
+          </a:lnRef>
+          <a:fillRef idx="1">
+            <a:schemeClr val="lt1"/>
+          </a:fillRef>
+          <a:effectRef idx="0">
+            <a:schemeClr val="dk1"/>
+          </a:effectRef>
+          <a:fontRef idx="minor">
+            <a:schemeClr val="dk1"/>
+          </a:fontRef>
+        </p:style>
+        <p:txBody>
+          <a:bodyPr rtlCol="0" anchor="ctr"/>
+          <a:lstStyle/>
+          <a:p>
+            <a:pPr lvl="0" algn="ctr"/>
+            <a:r>
+              <a:rPr lang="en-US" dirty="0">
+                <a:solidFill>
+                  <a:prstClr val="black"/>
+                </a:solidFill>
+              </a:rPr>
+              <a:t>User Datagram Protocol </a:t>
+            </a:r>
+            <a:r>
+              <a:rPr lang="en-US" dirty="0">
+                <a:solidFill>
+                  <a:prstClr val="black"/>
+                </a:solidFill>
+                <a:latin typeface="Nexa Bold"/>
+              </a:rPr>
+              <a:t>(UDP)</a:t>
+            </a:r>
+            <a:endParaRPr lang="en-US" sz="1600" dirty="0">
+              <a:solidFill>
+                <a:prstClr val="black"/>
+              </a:solidFill>
+              <a:latin typeface="Nexa Bold"/>
+            </a:endParaRPr>
+          </a:p>
+        </p:txBody>
+      </p:sp>
+      <p:sp>
+        <p:nvSpPr>
+          <p:cNvPr id="4" name="Rectangle 3"/>
+          <p:cNvSpPr/>
+          <p:nvPr/>
+        </p:nvSpPr>
+        <p:spPr>
+          <a:xfrm>
+            <a:off x="139558" y="3389437"/>
+            <a:ext cx="1936070" cy="831370"/>
+          </a:xfrm>
+          <a:prstGeom prst="rect">
+            <a:avLst/>
+          </a:prstGeom>
+        </p:spPr>
+        <p:style>
+          <a:lnRef idx="2">
+            <a:schemeClr val="dk1"/>
+          </a:lnRef>
+          <a:fillRef idx="1">
+            <a:schemeClr val="lt1"/>
+          </a:fillRef>
+          <a:effectRef idx="0">
+            <a:schemeClr val="dk1"/>
+          </a:effectRef>
+          <a:fontRef idx="minor">
+            <a:schemeClr val="dk1"/>
+          </a:fontRef>
+        </p:style>
+        <p:txBody>
+          <a:bodyPr rtlCol="0" anchor="ctr"/>
+          <a:lstStyle/>
+          <a:p>
+            <a:pPr algn="ctr"/>
+            <a:r>
+              <a:rPr lang="en-US" sz="1600" dirty="0" smtClean="0"/>
+              <a:t>Session Traversal Utilities for NAT </a:t>
+            </a:r>
+            <a:r>
+              <a:rPr lang="en-US" sz="1600" dirty="0" smtClean="0">
+                <a:latin typeface="+mj-lt"/>
+              </a:rPr>
+              <a:t>(STUN)</a:t>
+            </a:r>
+            <a:endParaRPr lang="en-US" sz="1600" dirty="0">
+              <a:latin typeface="+mj-lt"/>
+            </a:endParaRPr>
+          </a:p>
+        </p:txBody>
+      </p:sp>
+      <p:sp>
+        <p:nvSpPr>
+          <p:cNvPr id="5" name="Rectangle 4"/>
+          <p:cNvSpPr/>
+          <p:nvPr/>
+        </p:nvSpPr>
+        <p:spPr>
+          <a:xfrm>
+            <a:off x="2075629" y="3389437"/>
+            <a:ext cx="3468476" cy="831370"/>
+          </a:xfrm>
+          <a:prstGeom prst="rect">
+            <a:avLst/>
+          </a:prstGeom>
+          <a:solidFill>
+            <a:schemeClr val="tx2">
+              <a:lumMod val="20000"/>
+              <a:lumOff val="80000"/>
+            </a:schemeClr>
+          </a:solidFill>
+        </p:spPr>
+        <p:style>
+          <a:lnRef idx="2">
+            <a:schemeClr val="dk1"/>
+          </a:lnRef>
+          <a:fillRef idx="1">
+            <a:schemeClr val="lt1"/>
+          </a:fillRef>
+          <a:effectRef idx="0">
+            <a:schemeClr val="dk1"/>
+          </a:effectRef>
+          <a:fontRef idx="minor">
+            <a:schemeClr val="dk1"/>
+          </a:fontRef>
+        </p:style>
+        <p:txBody>
+          <a:bodyPr rtlCol="0" anchor="ctr"/>
+          <a:lstStyle/>
+          <a:p>
+            <a:pPr algn="ctr"/>
+            <a:r>
+              <a:rPr lang="en-US" dirty="0" smtClean="0">
+                <a:latin typeface="+mj-lt"/>
+              </a:rPr>
+              <a:t>                     RTP</a:t>
+            </a:r>
+          </a:p>
+          <a:p>
+            <a:pPr algn="ctr"/>
+            <a:endParaRPr lang="en-US" sz="1600" dirty="0">
+              <a:latin typeface="+mj-lt"/>
+            </a:endParaRPr>
+          </a:p>
+        </p:txBody>
+      </p:sp>
+      <p:sp>
+        <p:nvSpPr>
+          <p:cNvPr id="15" name="Rectangle 14"/>
+          <p:cNvSpPr/>
+          <p:nvPr/>
+        </p:nvSpPr>
+        <p:spPr>
+          <a:xfrm>
+            <a:off x="2949575" y="1597583"/>
+            <a:ext cx="873946" cy="1787187"/>
+          </a:xfrm>
+          <a:prstGeom prst="rect">
+            <a:avLst/>
+          </a:prstGeom>
+        </p:spPr>
+        <p:style>
+          <a:lnRef idx="2">
+            <a:schemeClr val="dk1"/>
+          </a:lnRef>
+          <a:fillRef idx="1">
+            <a:schemeClr val="lt1"/>
+          </a:fillRef>
+          <a:effectRef idx="0">
+            <a:schemeClr val="dk1"/>
+          </a:effectRef>
+          <a:fontRef idx="minor">
+            <a:schemeClr val="dk1"/>
+          </a:fontRef>
+        </p:style>
+        <p:txBody>
+          <a:bodyPr rtlCol="0" anchor="ctr"/>
+          <a:lstStyle/>
+          <a:p>
+            <a:pPr algn="ctr"/>
+            <a:r>
+              <a:rPr lang="en-US" sz="1600" dirty="0" smtClean="0"/>
+              <a:t>SSRC #2</a:t>
+            </a:r>
+            <a:endParaRPr lang="en-US" sz="1400" dirty="0">
+              <a:latin typeface="+mj-lt"/>
+            </a:endParaRPr>
+          </a:p>
+        </p:txBody>
+      </p:sp>
+      <p:sp>
+        <p:nvSpPr>
+          <p:cNvPr id="16" name="Rectangle 15"/>
+          <p:cNvSpPr/>
+          <p:nvPr/>
+        </p:nvSpPr>
+        <p:spPr>
+          <a:xfrm>
+            <a:off x="2075629" y="1597583"/>
+            <a:ext cx="873946" cy="1787187"/>
+          </a:xfrm>
+          <a:prstGeom prst="rect">
+            <a:avLst/>
+          </a:prstGeom>
+        </p:spPr>
+        <p:style>
+          <a:lnRef idx="2">
+            <a:schemeClr val="dk1"/>
+          </a:lnRef>
+          <a:fillRef idx="1">
+            <a:schemeClr val="lt1"/>
+          </a:fillRef>
+          <a:effectRef idx="0">
+            <a:schemeClr val="dk1"/>
+          </a:effectRef>
+          <a:fontRef idx="minor">
+            <a:schemeClr val="dk1"/>
+          </a:fontRef>
+        </p:style>
+        <p:txBody>
+          <a:bodyPr rtlCol="0" anchor="ctr"/>
+          <a:lstStyle/>
+          <a:p>
+            <a:pPr algn="ctr"/>
+            <a:r>
+              <a:rPr lang="en-US" sz="1600" dirty="0" smtClean="0"/>
+              <a:t>SSRC #1</a:t>
+            </a:r>
+            <a:endParaRPr lang="en-US" sz="1400" dirty="0">
+              <a:latin typeface="+mj-lt"/>
+            </a:endParaRPr>
+          </a:p>
+        </p:txBody>
+      </p:sp>
+      <p:sp>
+        <p:nvSpPr>
+          <p:cNvPr id="19" name="Rectangle 18"/>
+          <p:cNvSpPr/>
+          <p:nvPr/>
+        </p:nvSpPr>
+        <p:spPr>
+          <a:xfrm>
+            <a:off x="2075628" y="3877894"/>
+            <a:ext cx="1747893" cy="342914"/>
+          </a:xfrm>
+          <a:prstGeom prst="rect">
+            <a:avLst/>
+          </a:prstGeom>
+        </p:spPr>
+        <p:style>
+          <a:lnRef idx="2">
+            <a:schemeClr val="dk1"/>
+          </a:lnRef>
+          <a:fillRef idx="1">
+            <a:schemeClr val="lt1"/>
+          </a:fillRef>
+          <a:effectRef idx="0">
+            <a:schemeClr val="dk1"/>
+          </a:effectRef>
+          <a:fontRef idx="minor">
+            <a:schemeClr val="dk1"/>
+          </a:fontRef>
+        </p:style>
+        <p:txBody>
+          <a:bodyPr rtlCol="0" anchor="ctr"/>
+          <a:lstStyle/>
+          <a:p>
+            <a:pPr algn="ctr"/>
+            <a:r>
+              <a:rPr lang="en-US" sz="1600" dirty="0" smtClean="0">
+                <a:latin typeface="+mj-lt"/>
+              </a:rPr>
+              <a:t>TURN</a:t>
+            </a:r>
+            <a:endParaRPr lang="en-US" sz="1400" dirty="0">
+              <a:latin typeface="+mj-lt"/>
+            </a:endParaRPr>
+          </a:p>
+        </p:txBody>
+      </p:sp>
+      <p:cxnSp>
+        <p:nvCxnSpPr>
+          <p:cNvPr id="21" name="Straight Connector 20"/>
+          <p:cNvCxnSpPr/>
+          <p:nvPr/>
+        </p:nvCxnSpPr>
+        <p:spPr>
+          <a:xfrm flipH="1">
+            <a:off x="2075628" y="3384770"/>
+            <a:ext cx="2" cy="664581"/>
+          </a:xfrm>
+          <a:prstGeom prst="line">
+            <a:avLst/>
+          </a:prstGeom>
+          <a:ln>
+            <a:prstDash val="sysDash"/>
+          </a:ln>
+        </p:spPr>
+        <p:style>
+          <a:lnRef idx="1">
+            <a:schemeClr val="dk1"/>
+          </a:lnRef>
+          <a:fillRef idx="0">
+            <a:schemeClr val="dk1"/>
+          </a:fillRef>
+          <a:effectRef idx="0">
+            <a:schemeClr val="dk1"/>
+          </a:effectRef>
+          <a:fontRef idx="minor">
+            <a:schemeClr val="tx1"/>
+          </a:fontRef>
+        </p:style>
+      </p:cxnSp>
+      <p:sp>
+        <p:nvSpPr>
+          <p:cNvPr id="24" name="Rectangle 23"/>
+          <p:cNvSpPr/>
+          <p:nvPr/>
+        </p:nvSpPr>
+        <p:spPr>
+          <a:xfrm>
+            <a:off x="3809866" y="1597583"/>
+            <a:ext cx="873946" cy="1787187"/>
+          </a:xfrm>
+          <a:prstGeom prst="rect">
+            <a:avLst/>
+          </a:prstGeom>
+        </p:spPr>
+        <p:style>
+          <a:lnRef idx="2">
+            <a:schemeClr val="dk1"/>
+          </a:lnRef>
+          <a:fillRef idx="1">
+            <a:schemeClr val="lt1"/>
+          </a:fillRef>
+          <a:effectRef idx="0">
+            <a:schemeClr val="dk1"/>
+          </a:effectRef>
+          <a:fontRef idx="minor">
+            <a:schemeClr val="dk1"/>
+          </a:fontRef>
+        </p:style>
+        <p:txBody>
+          <a:bodyPr rtlCol="0" anchor="ctr"/>
+          <a:lstStyle/>
+          <a:p>
+            <a:pPr algn="ctr"/>
+            <a:r>
+              <a:rPr lang="en-US" sz="1600" dirty="0" smtClean="0"/>
+              <a:t>SSRC #3</a:t>
+            </a:r>
+            <a:endParaRPr lang="en-US" sz="1400" dirty="0">
+              <a:latin typeface="+mj-lt"/>
+            </a:endParaRPr>
+          </a:p>
+        </p:txBody>
+      </p:sp>
+      <p:sp>
+        <p:nvSpPr>
+          <p:cNvPr id="25" name="Rectangle 24"/>
+          <p:cNvSpPr/>
+          <p:nvPr/>
+        </p:nvSpPr>
+        <p:spPr>
+          <a:xfrm>
+            <a:off x="4670158" y="1597583"/>
+            <a:ext cx="873946" cy="1787187"/>
+          </a:xfrm>
+          <a:prstGeom prst="rect">
+            <a:avLst/>
+          </a:prstGeom>
+        </p:spPr>
+        <p:style>
+          <a:lnRef idx="2">
+            <a:schemeClr val="dk1"/>
+          </a:lnRef>
+          <a:fillRef idx="1">
+            <a:schemeClr val="lt1"/>
+          </a:fillRef>
+          <a:effectRef idx="0">
+            <a:schemeClr val="dk1"/>
+          </a:effectRef>
+          <a:fontRef idx="minor">
+            <a:schemeClr val="dk1"/>
+          </a:fontRef>
+        </p:style>
+        <p:txBody>
+          <a:bodyPr rtlCol="0" anchor="ctr"/>
+          <a:lstStyle/>
+          <a:p>
+            <a:pPr algn="ctr"/>
+            <a:r>
+              <a:rPr lang="en-US" sz="1600" dirty="0" smtClean="0"/>
+              <a:t>SSRC #4</a:t>
+            </a:r>
+            <a:endParaRPr lang="en-US" sz="1400" dirty="0">
+              <a:latin typeface="+mj-lt"/>
+            </a:endParaRPr>
+          </a:p>
+        </p:txBody>
+      </p:sp>
+      <p:sp>
+        <p:nvSpPr>
+          <p:cNvPr id="13" name="Rectangle 12"/>
+          <p:cNvSpPr/>
+          <p:nvPr/>
+        </p:nvSpPr>
+        <p:spPr>
+          <a:xfrm>
+            <a:off x="6800391" y="4220808"/>
+            <a:ext cx="2239485" cy="831370"/>
+          </a:xfrm>
+          <a:prstGeom prst="rect">
+            <a:avLst/>
+          </a:prstGeom>
+        </p:spPr>
+        <p:style>
+          <a:lnRef idx="2">
+            <a:schemeClr val="dk1"/>
+          </a:lnRef>
+          <a:fillRef idx="1">
+            <a:schemeClr val="lt1"/>
+          </a:fillRef>
+          <a:effectRef idx="0">
+            <a:schemeClr val="dk1"/>
+          </a:effectRef>
+          <a:fontRef idx="minor">
+            <a:schemeClr val="dk1"/>
+          </a:fontRef>
+        </p:style>
+        <p:txBody>
+          <a:bodyPr rtlCol="0" anchor="ctr"/>
+          <a:lstStyle/>
+          <a:p>
+            <a:pPr algn="ctr"/>
+            <a:r>
+              <a:rPr lang="en-US" dirty="0" smtClean="0"/>
+              <a:t>Transmission Control Protocol </a:t>
+            </a:r>
+            <a:r>
+              <a:rPr lang="en-US" dirty="0" smtClean="0">
+                <a:latin typeface="+mj-lt"/>
+              </a:rPr>
+              <a:t>(TCP)</a:t>
+            </a:r>
+            <a:endParaRPr lang="en-US" sz="1600" dirty="0">
+              <a:latin typeface="+mj-lt"/>
+            </a:endParaRPr>
+          </a:p>
+        </p:txBody>
+      </p:sp>
+      <p:sp>
+        <p:nvSpPr>
+          <p:cNvPr id="14" name="Rectangle 13"/>
+          <p:cNvSpPr/>
+          <p:nvPr/>
+        </p:nvSpPr>
+        <p:spPr>
+          <a:xfrm>
+            <a:off x="6554595" y="3389438"/>
+            <a:ext cx="2485281" cy="826702"/>
+          </a:xfrm>
+          <a:prstGeom prst="rect">
+            <a:avLst/>
+          </a:prstGeom>
+        </p:spPr>
+        <p:style>
+          <a:lnRef idx="2">
+            <a:schemeClr val="dk1"/>
+          </a:lnRef>
+          <a:fillRef idx="1">
+            <a:schemeClr val="lt1"/>
+          </a:fillRef>
+          <a:effectRef idx="0">
+            <a:schemeClr val="dk1"/>
+          </a:effectRef>
+          <a:fontRef idx="minor">
+            <a:schemeClr val="dk1"/>
+          </a:fontRef>
+        </p:style>
+        <p:txBody>
+          <a:bodyPr rtlCol="0" anchor="ctr"/>
+          <a:lstStyle/>
+          <a:p>
+            <a:pPr algn="ctr"/>
+            <a:r>
+              <a:rPr lang="en-US" sz="1600" i="1" dirty="0" smtClean="0"/>
+              <a:t>Signaling Protocol</a:t>
+            </a:r>
+          </a:p>
+          <a:p>
+            <a:pPr algn="ctr"/>
+            <a:r>
+              <a:rPr lang="en-US" sz="1200" i="1" dirty="0" smtClean="0"/>
+              <a:t>(e.g., SIP, Jingle, …)</a:t>
+            </a:r>
+            <a:endParaRPr lang="en-US" sz="1200" i="1" dirty="0"/>
+          </a:p>
+        </p:txBody>
+      </p:sp>
+      <p:sp>
+        <p:nvSpPr>
+          <p:cNvPr id="17" name="Rectangle 16"/>
+          <p:cNvSpPr/>
+          <p:nvPr/>
+        </p:nvSpPr>
+        <p:spPr>
+          <a:xfrm>
+            <a:off x="5544105" y="3384770"/>
+            <a:ext cx="1010490" cy="831370"/>
+          </a:xfrm>
+          <a:prstGeom prst="rect">
+            <a:avLst/>
+          </a:prstGeom>
+        </p:spPr>
+        <p:style>
+          <a:lnRef idx="2">
+            <a:schemeClr val="dk1"/>
+          </a:lnRef>
+          <a:fillRef idx="1">
+            <a:schemeClr val="lt1"/>
+          </a:fillRef>
+          <a:effectRef idx="0">
+            <a:schemeClr val="dk1"/>
+          </a:effectRef>
+          <a:fontRef idx="minor">
+            <a:schemeClr val="dk1"/>
+          </a:fontRef>
+        </p:style>
+        <p:txBody>
+          <a:bodyPr rtlCol="0" anchor="ctr"/>
+          <a:lstStyle/>
+          <a:p>
+            <a:pPr algn="ctr"/>
+            <a:r>
+              <a:rPr lang="en-US" sz="1600" dirty="0" smtClean="0">
+                <a:latin typeface="+mj-lt"/>
+              </a:rPr>
+              <a:t>DTLS</a:t>
+            </a:r>
+            <a:endParaRPr lang="en-US" sz="1600" dirty="0">
+              <a:latin typeface="+mj-lt"/>
+            </a:endParaRPr>
+          </a:p>
+        </p:txBody>
+      </p:sp>
+      <p:sp>
+        <p:nvSpPr>
+          <p:cNvPr id="6" name="TextBox 5"/>
+          <p:cNvSpPr txBox="1"/>
+          <p:nvPr/>
+        </p:nvSpPr>
+        <p:spPr>
+          <a:xfrm>
+            <a:off x="5885487" y="6211669"/>
+            <a:ext cx="3154390" cy="646331"/>
+          </a:xfrm>
+          <a:prstGeom prst="rect">
+            <a:avLst/>
+          </a:prstGeom>
+          <a:noFill/>
+        </p:spPr>
+        <p:txBody>
+          <a:bodyPr wrap="square" rtlCol="0">
+            <a:spAutoFit/>
+          </a:bodyPr>
+          <a:lstStyle/>
+          <a:p>
+            <a:pPr algn="just"/>
+            <a:r>
+              <a:rPr lang="en-US" sz="1200" dirty="0" smtClean="0">
+                <a:latin typeface="+mj-lt"/>
+              </a:rPr>
+              <a:t>Note:</a:t>
+            </a:r>
+            <a:r>
+              <a:rPr lang="en-US" sz="1200" dirty="0" smtClean="0"/>
+              <a:t> *RTP can be sent over UDP or TCP.</a:t>
+            </a:r>
+          </a:p>
+          <a:p>
+            <a:pPr algn="just"/>
+            <a:r>
+              <a:rPr lang="en-US" sz="1200" dirty="0" smtClean="0"/>
+              <a:t>Similarly, signaling </a:t>
+            </a:r>
+            <a:r>
+              <a:rPr lang="en-US" sz="1200" dirty="0"/>
+              <a:t>p</a:t>
+            </a:r>
+            <a:r>
+              <a:rPr lang="en-US" sz="1200" dirty="0" smtClean="0"/>
+              <a:t>rotocols can be designed to transmit over UDP or TCP.</a:t>
+            </a:r>
+            <a:endParaRPr lang="en-US" sz="1200" dirty="0"/>
+          </a:p>
+        </p:txBody>
+      </p:sp>
+      <p:sp>
+        <p:nvSpPr>
+          <p:cNvPr id="20" name="Rectangle 19"/>
+          <p:cNvSpPr/>
+          <p:nvPr/>
+        </p:nvSpPr>
+        <p:spPr>
+          <a:xfrm>
+            <a:off x="6308797" y="1597583"/>
+            <a:ext cx="1447478" cy="1787188"/>
+          </a:xfrm>
+          <a:prstGeom prst="rect">
+            <a:avLst/>
+          </a:prstGeom>
+        </p:spPr>
+        <p:style>
+          <a:lnRef idx="2">
+            <a:schemeClr val="dk1"/>
+          </a:lnRef>
+          <a:fillRef idx="1">
+            <a:schemeClr val="lt1"/>
+          </a:fillRef>
+          <a:effectRef idx="0">
+            <a:schemeClr val="dk1"/>
+          </a:effectRef>
+          <a:fontRef idx="minor">
+            <a:schemeClr val="dk1"/>
+          </a:fontRef>
+        </p:style>
+        <p:txBody>
+          <a:bodyPr vert="horz" rtlCol="0" anchor="ctr"/>
+          <a:lstStyle/>
+          <a:p>
+            <a:pPr algn="ctr"/>
+            <a:r>
+              <a:rPr lang="en-US" sz="1600" dirty="0" smtClean="0"/>
+              <a:t>Secure RTP </a:t>
+            </a:r>
+            <a:r>
+              <a:rPr lang="en-US" sz="1600" dirty="0" smtClean="0">
+                <a:latin typeface="+mj-lt"/>
+              </a:rPr>
+              <a:t>(SRTP)</a:t>
+            </a:r>
+            <a:r>
+              <a:rPr lang="en-US" sz="1600" dirty="0" smtClean="0"/>
+              <a:t> Keying</a:t>
+            </a:r>
+            <a:endParaRPr lang="en-US" sz="1400" dirty="0">
+              <a:latin typeface="+mj-lt"/>
+            </a:endParaRPr>
+          </a:p>
+        </p:txBody>
+      </p:sp>
+      <p:cxnSp>
+        <p:nvCxnSpPr>
+          <p:cNvPr id="11" name="Straight Connector 10"/>
+          <p:cNvCxnSpPr/>
+          <p:nvPr/>
+        </p:nvCxnSpPr>
+        <p:spPr>
+          <a:xfrm>
+            <a:off x="3809866" y="3389438"/>
+            <a:ext cx="0" cy="493124"/>
+          </a:xfrm>
+          <a:prstGeom prst="line">
+            <a:avLst/>
+          </a:prstGeom>
+          <a:ln>
+            <a:prstDash val="dash"/>
+          </a:ln>
+        </p:spPr>
+        <p:style>
+          <a:lnRef idx="1">
+            <a:schemeClr val="dk1"/>
+          </a:lnRef>
+          <a:fillRef idx="0">
+            <a:schemeClr val="dk1"/>
+          </a:fillRef>
+          <a:effectRef idx="0">
+            <a:schemeClr val="dk1"/>
+          </a:effectRef>
+          <a:fontRef idx="minor">
+            <a:schemeClr val="tx1"/>
+          </a:fontRef>
+        </p:style>
+      </p:cxnSp>
+      <p:cxnSp>
+        <p:nvCxnSpPr>
+          <p:cNvPr id="22" name="Straight Connector 21"/>
+          <p:cNvCxnSpPr/>
+          <p:nvPr/>
+        </p:nvCxnSpPr>
+        <p:spPr>
+          <a:xfrm>
+            <a:off x="2949575" y="3384770"/>
+            <a:ext cx="0" cy="493124"/>
+          </a:xfrm>
+          <a:prstGeom prst="line">
+            <a:avLst/>
+          </a:prstGeom>
+          <a:ln>
+            <a:prstDash val="dash"/>
+          </a:ln>
+        </p:spPr>
+        <p:style>
+          <a:lnRef idx="1">
+            <a:schemeClr val="dk1"/>
+          </a:lnRef>
+          <a:fillRef idx="0">
+            <a:schemeClr val="dk1"/>
+          </a:fillRef>
+          <a:effectRef idx="0">
+            <a:schemeClr val="dk1"/>
+          </a:effectRef>
+          <a:fontRef idx="minor">
+            <a:schemeClr val="tx1"/>
+          </a:fontRef>
+        </p:style>
+      </p:cxnSp>
+      <p:sp>
+        <p:nvSpPr>
+          <p:cNvPr id="23" name="Rectangle 22"/>
+          <p:cNvSpPr/>
+          <p:nvPr/>
+        </p:nvSpPr>
+        <p:spPr>
+          <a:xfrm>
+            <a:off x="5544104" y="2553398"/>
+            <a:ext cx="764693" cy="831372"/>
+          </a:xfrm>
+          <a:prstGeom prst="rect">
+            <a:avLst/>
+          </a:prstGeom>
+        </p:spPr>
+        <p:style>
+          <a:lnRef idx="2">
+            <a:schemeClr val="dk1"/>
+          </a:lnRef>
+          <a:fillRef idx="1">
+            <a:schemeClr val="lt1"/>
+          </a:fillRef>
+          <a:effectRef idx="0">
+            <a:schemeClr val="dk1"/>
+          </a:effectRef>
+          <a:fontRef idx="minor">
+            <a:schemeClr val="dk1"/>
+          </a:fontRef>
+        </p:style>
+        <p:txBody>
+          <a:bodyPr vert="horz" rtlCol="0" anchor="ctr"/>
+          <a:lstStyle/>
+          <a:p>
+            <a:pPr algn="ctr"/>
+            <a:r>
+              <a:rPr lang="en-US" sz="1600" dirty="0" smtClean="0">
+                <a:latin typeface="+mj-lt"/>
+              </a:rPr>
+              <a:t>SCTP</a:t>
+            </a:r>
+            <a:endParaRPr lang="en-US" sz="1400" dirty="0">
+              <a:latin typeface="+mj-lt"/>
+            </a:endParaRPr>
+          </a:p>
+        </p:txBody>
+      </p:sp>
+      <p:sp>
+        <p:nvSpPr>
+          <p:cNvPr id="26" name="Rectangle 25"/>
+          <p:cNvSpPr/>
+          <p:nvPr/>
+        </p:nvSpPr>
+        <p:spPr>
+          <a:xfrm>
+            <a:off x="5544106" y="1597583"/>
+            <a:ext cx="764693" cy="955815"/>
+          </a:xfrm>
+          <a:prstGeom prst="rect">
+            <a:avLst/>
+          </a:prstGeom>
+        </p:spPr>
+        <p:style>
+          <a:lnRef idx="2">
+            <a:schemeClr val="dk1"/>
+          </a:lnRef>
+          <a:fillRef idx="1">
+            <a:schemeClr val="lt1"/>
+          </a:fillRef>
+          <a:effectRef idx="0">
+            <a:schemeClr val="dk1"/>
+          </a:effectRef>
+          <a:fontRef idx="minor">
+            <a:schemeClr val="dk1"/>
+          </a:fontRef>
+        </p:style>
+        <p:txBody>
+          <a:bodyPr vert="vert270" rtlCol="0" anchor="ctr"/>
+          <a:lstStyle/>
+          <a:p>
+            <a:pPr algn="ctr"/>
+            <a:r>
+              <a:rPr lang="en-US" sz="1600" dirty="0" smtClean="0">
+                <a:latin typeface="+mj-lt"/>
+              </a:rPr>
+              <a:t>Data</a:t>
+            </a:r>
+          </a:p>
+          <a:p>
+            <a:pPr algn="ctr"/>
+            <a:r>
+              <a:rPr lang="en-US" sz="1600" dirty="0" smtClean="0">
+                <a:latin typeface="+mj-lt"/>
+              </a:rPr>
+              <a:t>Channel</a:t>
+            </a:r>
+            <a:endParaRPr lang="en-US" sz="1400" dirty="0">
+              <a:latin typeface="+mj-lt"/>
+            </a:endParaRPr>
+          </a:p>
+        </p:txBody>
+      </p:sp>
+    </p:spTree>
+    <p:extLst>
+      <p:ext uri="{BB962C8B-B14F-4D97-AF65-F5344CB8AC3E}">
+        <p14:creationId xmlns:p14="http://schemas.microsoft.com/office/powerpoint/2010/main" val="3585768518"/>
+      </p:ext>
+    </p:extLst>
+  </p:cSld>
+  <p:clrMapOvr>
+    <a:masterClrMapping/>
+  </p:clrMapOvr>
+</p:sld>
+</file>
+
+<file path=ppt/slides/slide8.xml><?xml version="1.0" encoding="utf-8"?>
+<p:sld xmlns:a="http://schemas.openxmlformats.org/drawingml/2006/main" xmlns:r="http://schemas.openxmlformats.org/officeDocument/2006/relationships" xmlns:p="http://schemas.openxmlformats.org/presentationml/2006/main">
+  <p:cSld>
+    <p:spTree>
+      <p:nvGrpSpPr>
+        <p:cNvPr id="1" name=""/>
+        <p:cNvGrpSpPr/>
+        <p:nvPr/>
+      </p:nvGrpSpPr>
+      <p:grpSpPr>
+        <a:xfrm>
+          <a:off x="0" y="0"/>
+          <a:ext cx="0" cy="0"/>
+          <a:chOff x="0" y="0"/>
+          <a:chExt cx="0" cy="0"/>
+        </a:xfrm>
+      </p:grpSpPr>
+      <p:sp>
+        <p:nvSpPr>
+          <p:cNvPr id="3" name="Rounded Rectangle 2"/>
+          <p:cNvSpPr/>
+          <p:nvPr/>
+        </p:nvSpPr>
+        <p:spPr>
+          <a:xfrm>
+            <a:off x="91786" y="2526093"/>
+            <a:ext cx="1474785" cy="873892"/>
+          </a:xfrm>
+          <a:prstGeom prst="roundRect">
+            <a:avLst/>
+          </a:prstGeom>
+          <a:solidFill>
+            <a:srgbClr val="404040"/>
+          </a:solidFill>
+          <a:ln>
+            <a:noFill/>
+          </a:ln>
+        </p:spPr>
+        <p:style>
+          <a:lnRef idx="2">
+            <a:schemeClr val="accent3">
+              <a:shade val="50000"/>
+            </a:schemeClr>
+          </a:lnRef>
+          <a:fillRef idx="1">
+            <a:schemeClr val="accent3"/>
+          </a:fillRef>
+          <a:effectRef idx="0">
+            <a:schemeClr val="accent3"/>
+          </a:effectRef>
+          <a:fontRef idx="minor">
+            <a:schemeClr val="lt1"/>
+          </a:fontRef>
+        </p:style>
+        <p:txBody>
+          <a:bodyPr rtlCol="0" anchor="ctr"/>
+          <a:lstStyle/>
+          <a:p>
+            <a:pPr algn="ctr"/>
+            <a:r>
+              <a:rPr lang="en-US" dirty="0" smtClean="0"/>
+              <a:t>Receive</a:t>
+            </a:r>
+          </a:p>
+          <a:p>
+            <a:pPr algn="ctr"/>
+            <a:r>
+              <a:rPr lang="en-US" sz="2000" dirty="0" smtClean="0">
+                <a:latin typeface="Courier"/>
+                <a:cs typeface="Courier"/>
+              </a:rPr>
+              <a:t>UDP</a:t>
+            </a:r>
+            <a:r>
+              <a:rPr lang="en-US" sz="2000" dirty="0" smtClean="0"/>
+              <a:t> </a:t>
+            </a:r>
+            <a:r>
+              <a:rPr lang="en-US" dirty="0" smtClean="0"/>
+              <a:t>Packet</a:t>
+            </a:r>
+          </a:p>
+        </p:txBody>
+      </p:sp>
+      <p:cxnSp>
+        <p:nvCxnSpPr>
+          <p:cNvPr id="5" name="Straight Arrow Connector 4"/>
+          <p:cNvCxnSpPr>
+            <a:stCxn id="3" idx="3"/>
+            <a:endCxn id="6" idx="1"/>
+          </p:cNvCxnSpPr>
+          <p:nvPr/>
+        </p:nvCxnSpPr>
+        <p:spPr>
+          <a:xfrm>
+            <a:off x="1566571" y="2963039"/>
+            <a:ext cx="450627" cy="0"/>
+          </a:xfrm>
+          <a:prstGeom prst="straightConnector1">
+            <a:avLst/>
+          </a:prstGeom>
+          <a:ln>
+            <a:tailEnd type="arrow"/>
+          </a:ln>
+        </p:spPr>
+        <p:style>
+          <a:lnRef idx="1">
+            <a:schemeClr val="dk1"/>
+          </a:lnRef>
+          <a:fillRef idx="0">
+            <a:schemeClr val="dk1"/>
+          </a:fillRef>
+          <a:effectRef idx="0">
+            <a:schemeClr val="dk1"/>
+          </a:effectRef>
+          <a:fontRef idx="minor">
+            <a:schemeClr val="tx1"/>
+          </a:fontRef>
+        </p:style>
+      </p:cxnSp>
+      <p:sp>
+        <p:nvSpPr>
+          <p:cNvPr id="6" name="Rectangle 5"/>
+          <p:cNvSpPr/>
+          <p:nvPr/>
+        </p:nvSpPr>
+        <p:spPr>
+          <a:xfrm>
+            <a:off x="2017198" y="710037"/>
+            <a:ext cx="751048" cy="4506003"/>
+          </a:xfrm>
+          <a:prstGeom prst="rect">
+            <a:avLst/>
+          </a:prstGeom>
+          <a:solidFill>
+            <a:schemeClr val="tx1">
+              <a:lumMod val="75000"/>
+              <a:lumOff val="25000"/>
+            </a:schemeClr>
+          </a:solidFill>
+          <a:ln>
+            <a:noFill/>
+          </a:ln>
+        </p:spPr>
+        <p:style>
+          <a:lnRef idx="2">
+            <a:schemeClr val="dk1">
+              <a:shade val="50000"/>
+            </a:schemeClr>
+          </a:lnRef>
+          <a:fillRef idx="1">
+            <a:schemeClr val="dk1"/>
+          </a:fillRef>
+          <a:effectRef idx="0">
+            <a:schemeClr val="dk1"/>
+          </a:effectRef>
+          <a:fontRef idx="minor">
+            <a:schemeClr val="lt1"/>
+          </a:fontRef>
+        </p:style>
+        <p:txBody>
+          <a:bodyPr vert="vert270" rtlCol="0" anchor="ctr"/>
+          <a:lstStyle/>
+          <a:p>
+            <a:pPr algn="ctr"/>
+            <a:r>
+              <a:rPr lang="en-US" sz="2000" dirty="0" smtClean="0">
+                <a:latin typeface="Courier"/>
+                <a:cs typeface="Courier"/>
+              </a:rPr>
+              <a:t>H</a:t>
+            </a:r>
+            <a:r>
+              <a:rPr lang="en-US" dirty="0" smtClean="0"/>
+              <a:t>-&gt; </a:t>
+            </a:r>
+            <a:r>
+              <a:rPr lang="en-US" sz="1400" dirty="0" smtClean="0"/>
+              <a:t>Parse first 8-bits of UDP Payload</a:t>
+            </a:r>
+            <a:endParaRPr lang="en-US" sz="1600" dirty="0"/>
+          </a:p>
+        </p:txBody>
+      </p:sp>
+      <p:cxnSp>
+        <p:nvCxnSpPr>
+          <p:cNvPr id="20" name="Straight Arrow Connector 19"/>
+          <p:cNvCxnSpPr>
+            <a:endCxn id="25" idx="1"/>
+          </p:cNvCxnSpPr>
+          <p:nvPr/>
+        </p:nvCxnSpPr>
+        <p:spPr>
+          <a:xfrm>
+            <a:off x="2768246" y="1490632"/>
+            <a:ext cx="1631813" cy="0"/>
+          </a:xfrm>
+          <a:prstGeom prst="straightConnector1">
+            <a:avLst/>
+          </a:prstGeom>
+          <a:ln>
+            <a:tailEnd type="arrow"/>
+          </a:ln>
+        </p:spPr>
+        <p:style>
+          <a:lnRef idx="1">
+            <a:schemeClr val="dk1"/>
+          </a:lnRef>
+          <a:fillRef idx="0">
+            <a:schemeClr val="dk1"/>
+          </a:fillRef>
+          <a:effectRef idx="0">
+            <a:schemeClr val="dk1"/>
+          </a:effectRef>
+          <a:fontRef idx="minor">
+            <a:schemeClr val="tx1"/>
+          </a:fontRef>
+        </p:style>
+      </p:cxnSp>
+      <p:cxnSp>
+        <p:nvCxnSpPr>
+          <p:cNvPr id="22" name="Straight Arrow Connector 21"/>
+          <p:cNvCxnSpPr>
+            <a:stCxn id="6" idx="3"/>
+            <a:endCxn id="27" idx="1"/>
+          </p:cNvCxnSpPr>
+          <p:nvPr/>
+        </p:nvCxnSpPr>
+        <p:spPr>
+          <a:xfrm flipV="1">
+            <a:off x="2768246" y="2960544"/>
+            <a:ext cx="1634613" cy="2495"/>
+          </a:xfrm>
+          <a:prstGeom prst="straightConnector1">
+            <a:avLst/>
+          </a:prstGeom>
+          <a:ln>
+            <a:tailEnd type="arrow"/>
+          </a:ln>
+        </p:spPr>
+        <p:style>
+          <a:lnRef idx="1">
+            <a:schemeClr val="dk1"/>
+          </a:lnRef>
+          <a:fillRef idx="0">
+            <a:schemeClr val="dk1"/>
+          </a:fillRef>
+          <a:effectRef idx="0">
+            <a:schemeClr val="dk1"/>
+          </a:effectRef>
+          <a:fontRef idx="minor">
+            <a:schemeClr val="tx1"/>
+          </a:fontRef>
+        </p:style>
+      </p:cxnSp>
+      <p:cxnSp>
+        <p:nvCxnSpPr>
+          <p:cNvPr id="23" name="Straight Arrow Connector 22"/>
+          <p:cNvCxnSpPr>
+            <a:endCxn id="30" idx="1"/>
+          </p:cNvCxnSpPr>
+          <p:nvPr/>
+        </p:nvCxnSpPr>
+        <p:spPr>
+          <a:xfrm>
+            <a:off x="2771043" y="4476266"/>
+            <a:ext cx="1659123" cy="0"/>
+          </a:xfrm>
+          <a:prstGeom prst="straightConnector1">
+            <a:avLst/>
+          </a:prstGeom>
+          <a:ln>
+            <a:tailEnd type="arrow"/>
+          </a:ln>
+        </p:spPr>
+        <p:style>
+          <a:lnRef idx="1">
+            <a:schemeClr val="dk1"/>
+          </a:lnRef>
+          <a:fillRef idx="0">
+            <a:schemeClr val="dk1"/>
+          </a:fillRef>
+          <a:effectRef idx="0">
+            <a:schemeClr val="dk1"/>
+          </a:effectRef>
+          <a:fontRef idx="minor">
+            <a:schemeClr val="tx1"/>
+          </a:fontRef>
+        </p:style>
+      </p:cxnSp>
+      <p:sp>
+        <p:nvSpPr>
+          <p:cNvPr id="24" name="TextBox 23"/>
+          <p:cNvSpPr txBox="1"/>
+          <p:nvPr/>
+        </p:nvSpPr>
+        <p:spPr>
+          <a:xfrm>
+            <a:off x="3191558" y="1139826"/>
+            <a:ext cx="710451" cy="369332"/>
+          </a:xfrm>
+          <a:prstGeom prst="rect">
+            <a:avLst/>
+          </a:prstGeom>
+          <a:noFill/>
+        </p:spPr>
+        <p:txBody>
+          <a:bodyPr wrap="none" rtlCol="0">
+            <a:spAutoFit/>
+          </a:bodyPr>
+          <a:lstStyle/>
+          <a:p>
+            <a:r>
+              <a:rPr lang="en-US" dirty="0" smtClean="0">
+                <a:latin typeface="+mj-lt"/>
+              </a:rPr>
+              <a:t>H</a:t>
+            </a:r>
+            <a:r>
+              <a:rPr lang="en-US" dirty="0" smtClean="0"/>
+              <a:t> &lt; 2</a:t>
+            </a:r>
+            <a:endParaRPr lang="en-US" dirty="0"/>
+          </a:p>
+        </p:txBody>
+      </p:sp>
+      <p:sp>
+        <p:nvSpPr>
+          <p:cNvPr id="25" name="TextBox 24"/>
+          <p:cNvSpPr txBox="1"/>
+          <p:nvPr/>
+        </p:nvSpPr>
+        <p:spPr>
+          <a:xfrm>
+            <a:off x="4400059" y="1167466"/>
+            <a:ext cx="4257464" cy="646331"/>
+          </a:xfrm>
+          <a:prstGeom prst="rect">
+            <a:avLst/>
+          </a:prstGeom>
+          <a:noFill/>
+        </p:spPr>
+        <p:txBody>
+          <a:bodyPr wrap="square" rtlCol="0">
+            <a:spAutoFit/>
+          </a:bodyPr>
+          <a:lstStyle/>
+          <a:p>
+            <a:r>
+              <a:rPr lang="en-US" dirty="0" smtClean="0">
+                <a:latin typeface="Courier"/>
+                <a:cs typeface="Courier"/>
+              </a:rPr>
+              <a:t>0b00 </a:t>
+            </a:r>
+            <a:r>
+              <a:rPr lang="en-US" dirty="0" smtClean="0">
+                <a:latin typeface="+mj-lt"/>
+              </a:rPr>
+              <a:t>STUN</a:t>
+            </a:r>
+            <a:r>
+              <a:rPr lang="en-US" dirty="0" smtClean="0"/>
+              <a:t> Message</a:t>
+            </a:r>
+          </a:p>
+          <a:p>
+            <a:r>
+              <a:rPr lang="en-US" dirty="0" smtClean="0">
+                <a:latin typeface="Courier"/>
+                <a:cs typeface="Courier"/>
+              </a:rPr>
+              <a:t>0b01 </a:t>
+            </a:r>
+            <a:r>
+              <a:rPr lang="en-US" dirty="0" err="1" smtClean="0">
+                <a:latin typeface="Courier"/>
+                <a:cs typeface="Courier"/>
+              </a:rPr>
+              <a:t>ChannelData</a:t>
+            </a:r>
+            <a:r>
+              <a:rPr lang="en-US" dirty="0" smtClean="0"/>
+              <a:t> Message (</a:t>
+            </a:r>
+            <a:r>
+              <a:rPr lang="en-US" dirty="0" smtClean="0">
+                <a:latin typeface="+mj-lt"/>
+              </a:rPr>
+              <a:t>TURN</a:t>
+            </a:r>
+            <a:r>
+              <a:rPr lang="en-US" dirty="0" smtClean="0"/>
+              <a:t>)</a:t>
+            </a:r>
+            <a:endParaRPr lang="en-US" dirty="0"/>
+          </a:p>
+        </p:txBody>
+      </p:sp>
+      <p:sp>
+        <p:nvSpPr>
+          <p:cNvPr id="26" name="TextBox 25"/>
+          <p:cNvSpPr txBox="1"/>
+          <p:nvPr/>
+        </p:nvSpPr>
+        <p:spPr>
+          <a:xfrm>
+            <a:off x="2932106" y="2593707"/>
+            <a:ext cx="1306972" cy="369332"/>
+          </a:xfrm>
+          <a:prstGeom prst="rect">
+            <a:avLst/>
+          </a:prstGeom>
+          <a:noFill/>
+        </p:spPr>
+        <p:txBody>
+          <a:bodyPr wrap="none" rtlCol="0">
+            <a:spAutoFit/>
+          </a:bodyPr>
+          <a:lstStyle/>
+          <a:p>
+            <a:r>
+              <a:rPr lang="en-US" dirty="0" smtClean="0"/>
+              <a:t>19 &lt; </a:t>
+            </a:r>
+            <a:r>
+              <a:rPr lang="en-US" dirty="0" smtClean="0">
+                <a:latin typeface="+mj-lt"/>
+              </a:rPr>
+              <a:t>H</a:t>
+            </a:r>
+            <a:r>
+              <a:rPr lang="en-US" dirty="0" smtClean="0"/>
+              <a:t> &lt; 64</a:t>
+            </a:r>
+            <a:endParaRPr lang="en-US" dirty="0"/>
+          </a:p>
+        </p:txBody>
+      </p:sp>
+      <p:sp>
+        <p:nvSpPr>
+          <p:cNvPr id="27" name="TextBox 26"/>
+          <p:cNvSpPr txBox="1"/>
+          <p:nvPr/>
+        </p:nvSpPr>
+        <p:spPr>
+          <a:xfrm>
+            <a:off x="4402859" y="2015863"/>
+            <a:ext cx="461665" cy="1889362"/>
+          </a:xfrm>
+          <a:prstGeom prst="rect">
+            <a:avLst/>
+          </a:prstGeom>
+          <a:noFill/>
+        </p:spPr>
+        <p:txBody>
+          <a:bodyPr vert="vert270" wrap="none" rtlCol="0">
+            <a:spAutoFit/>
+          </a:bodyPr>
+          <a:lstStyle/>
+          <a:p>
+            <a:r>
+              <a:rPr lang="en-US" dirty="0" smtClean="0"/>
+              <a:t>DTLS Processing</a:t>
+            </a:r>
+            <a:endParaRPr lang="en-US" dirty="0"/>
+          </a:p>
+        </p:txBody>
+      </p:sp>
+      <p:sp>
+        <p:nvSpPr>
+          <p:cNvPr id="30" name="TextBox 29"/>
+          <p:cNvSpPr txBox="1"/>
+          <p:nvPr/>
+        </p:nvSpPr>
+        <p:spPr>
+          <a:xfrm>
+            <a:off x="4430166" y="4291600"/>
+            <a:ext cx="3147015" cy="369332"/>
+          </a:xfrm>
+          <a:prstGeom prst="rect">
+            <a:avLst/>
+          </a:prstGeom>
+          <a:noFill/>
+        </p:spPr>
+        <p:txBody>
+          <a:bodyPr wrap="none" rtlCol="0">
+            <a:spAutoFit/>
+          </a:bodyPr>
+          <a:lstStyle/>
+          <a:p>
+            <a:r>
+              <a:rPr lang="en-US" dirty="0" smtClean="0"/>
+              <a:t>Forward to </a:t>
+            </a:r>
+            <a:r>
+              <a:rPr lang="en-US" dirty="0" smtClean="0">
+                <a:latin typeface="+mj-lt"/>
+              </a:rPr>
+              <a:t>RTP </a:t>
+            </a:r>
+            <a:r>
+              <a:rPr lang="en-US" dirty="0" smtClean="0"/>
+              <a:t>Processing</a:t>
+            </a:r>
+            <a:endParaRPr lang="en-US" dirty="0"/>
+          </a:p>
+        </p:txBody>
+      </p:sp>
+      <p:sp>
+        <p:nvSpPr>
+          <p:cNvPr id="36" name="TextBox 35"/>
+          <p:cNvSpPr txBox="1"/>
+          <p:nvPr/>
+        </p:nvSpPr>
+        <p:spPr>
+          <a:xfrm>
+            <a:off x="2798353" y="4106934"/>
+            <a:ext cx="1505540" cy="369332"/>
+          </a:xfrm>
+          <a:prstGeom prst="rect">
+            <a:avLst/>
+          </a:prstGeom>
+          <a:noFill/>
+        </p:spPr>
+        <p:txBody>
+          <a:bodyPr wrap="none" rtlCol="0">
+            <a:spAutoFit/>
+          </a:bodyPr>
+          <a:lstStyle/>
+          <a:p>
+            <a:r>
+              <a:rPr lang="en-US" dirty="0" smtClean="0"/>
+              <a:t>127 &lt; </a:t>
+            </a:r>
+            <a:r>
+              <a:rPr lang="en-US" dirty="0" smtClean="0">
+                <a:latin typeface="+mj-lt"/>
+              </a:rPr>
+              <a:t>H</a:t>
+            </a:r>
+            <a:r>
+              <a:rPr lang="en-US" dirty="0" smtClean="0"/>
+              <a:t> &lt; 192</a:t>
+            </a:r>
+            <a:endParaRPr lang="en-US" dirty="0"/>
+          </a:p>
+        </p:txBody>
+      </p:sp>
+      <p:cxnSp>
+        <p:nvCxnSpPr>
+          <p:cNvPr id="39" name="Straight Arrow Connector 38"/>
+          <p:cNvCxnSpPr>
+            <a:endCxn id="41" idx="1"/>
+          </p:cNvCxnSpPr>
+          <p:nvPr/>
+        </p:nvCxnSpPr>
+        <p:spPr>
+          <a:xfrm>
+            <a:off x="4932799" y="2498783"/>
+            <a:ext cx="1112741" cy="0"/>
+          </a:xfrm>
+          <a:prstGeom prst="straightConnector1">
+            <a:avLst/>
+          </a:prstGeom>
+          <a:ln>
+            <a:tailEnd type="arrow"/>
+          </a:ln>
+        </p:spPr>
+        <p:style>
+          <a:lnRef idx="1">
+            <a:schemeClr val="dk1"/>
+          </a:lnRef>
+          <a:fillRef idx="0">
+            <a:schemeClr val="dk1"/>
+          </a:fillRef>
+          <a:effectRef idx="0">
+            <a:schemeClr val="dk1"/>
+          </a:effectRef>
+          <a:fontRef idx="minor">
+            <a:schemeClr val="tx1"/>
+          </a:fontRef>
+        </p:style>
+      </p:cxnSp>
+      <p:cxnSp>
+        <p:nvCxnSpPr>
+          <p:cNvPr id="40" name="Straight Arrow Connector 39"/>
+          <p:cNvCxnSpPr>
+            <a:endCxn id="43" idx="1"/>
+          </p:cNvCxnSpPr>
+          <p:nvPr/>
+        </p:nvCxnSpPr>
+        <p:spPr>
+          <a:xfrm>
+            <a:off x="4932799" y="3372675"/>
+            <a:ext cx="1112741" cy="0"/>
+          </a:xfrm>
+          <a:prstGeom prst="straightConnector1">
+            <a:avLst/>
+          </a:prstGeom>
+          <a:ln>
+            <a:tailEnd type="arrow"/>
+          </a:ln>
+        </p:spPr>
+        <p:style>
+          <a:lnRef idx="1">
+            <a:schemeClr val="dk1"/>
+          </a:lnRef>
+          <a:fillRef idx="0">
+            <a:schemeClr val="dk1"/>
+          </a:fillRef>
+          <a:effectRef idx="0">
+            <a:schemeClr val="dk1"/>
+          </a:effectRef>
+          <a:fontRef idx="minor">
+            <a:schemeClr val="tx1"/>
+          </a:fontRef>
+        </p:style>
+      </p:cxnSp>
+      <p:sp>
+        <p:nvSpPr>
+          <p:cNvPr id="41" name="TextBox 40"/>
+          <p:cNvSpPr txBox="1"/>
+          <p:nvPr/>
+        </p:nvSpPr>
+        <p:spPr>
+          <a:xfrm>
+            <a:off x="6045540" y="2314117"/>
+            <a:ext cx="800219" cy="369332"/>
+          </a:xfrm>
+          <a:prstGeom prst="rect">
+            <a:avLst/>
+          </a:prstGeom>
+          <a:noFill/>
+        </p:spPr>
+        <p:txBody>
+          <a:bodyPr wrap="none" rtlCol="0">
+            <a:spAutoFit/>
+          </a:bodyPr>
+          <a:lstStyle/>
+          <a:p>
+            <a:r>
+              <a:rPr lang="en-US" dirty="0" smtClean="0">
+                <a:latin typeface="+mj-lt"/>
+              </a:rPr>
+              <a:t>SCTP</a:t>
+            </a:r>
+            <a:endParaRPr lang="en-US" dirty="0">
+              <a:latin typeface="+mj-lt"/>
+            </a:endParaRPr>
+          </a:p>
+        </p:txBody>
+      </p:sp>
+      <p:sp>
+        <p:nvSpPr>
+          <p:cNvPr id="43" name="TextBox 42"/>
+          <p:cNvSpPr txBox="1"/>
+          <p:nvPr/>
+        </p:nvSpPr>
+        <p:spPr>
+          <a:xfrm>
+            <a:off x="6045540" y="3188009"/>
+            <a:ext cx="774571" cy="369332"/>
+          </a:xfrm>
+          <a:prstGeom prst="rect">
+            <a:avLst/>
+          </a:prstGeom>
+          <a:noFill/>
+        </p:spPr>
+        <p:txBody>
+          <a:bodyPr wrap="none" rtlCol="0">
+            <a:spAutoFit/>
+          </a:bodyPr>
+          <a:lstStyle/>
+          <a:p>
+            <a:r>
+              <a:rPr lang="en-US" dirty="0">
+                <a:latin typeface="+mj-lt"/>
+              </a:rPr>
+              <a:t>DTLS</a:t>
+            </a:r>
+          </a:p>
+        </p:txBody>
+      </p:sp>
+    </p:spTree>
+    <p:extLst>
+      <p:ext uri="{BB962C8B-B14F-4D97-AF65-F5344CB8AC3E}">
+        <p14:creationId xmlns:p14="http://schemas.microsoft.com/office/powerpoint/2010/main" val="1482038348"/>
+      </p:ext>
+    </p:extLst>
+  </p:cSld>
+  <p:clrMapOvr>
+    <a:masterClrMapping/>
+  </p:clrMapOvr>
+</p:sld>
+</file>
+
+<file path=ppt/slides/slide9.xml><?xml version="1.0" encoding="utf-8"?>
+<p:sld xmlns:a="http://schemas.openxmlformats.org/drawingml/2006/main" xmlns:r="http://schemas.openxmlformats.org/officeDocument/2006/relationships" xmlns:p="http://schemas.openxmlformats.org/presentationml/2006/main">
+  <p:cSld>
+    <p:spTree>
+      <p:nvGrpSpPr>
+        <p:cNvPr id="1" name=""/>
+        <p:cNvGrpSpPr/>
+        <p:nvPr/>
+      </p:nvGrpSpPr>
+      <p:grpSpPr>
+        <a:xfrm>
+          <a:off x="0" y="0"/>
+          <a:ext cx="0" cy="0"/>
+          <a:chOff x="0" y="0"/>
+          <a:chExt cx="0" cy="0"/>
+        </a:xfrm>
+      </p:grpSpPr>
+      <p:sp>
+        <p:nvSpPr>
+          <p:cNvPr id="2" name="Rounded Rectangle 1"/>
+          <p:cNvSpPr/>
+          <p:nvPr/>
+        </p:nvSpPr>
+        <p:spPr>
+          <a:xfrm>
+            <a:off x="-77404" y="2542031"/>
+            <a:ext cx="1474785" cy="873892"/>
+          </a:xfrm>
+          <a:prstGeom prst="roundRect">
+            <a:avLst/>
+          </a:prstGeom>
+          <a:solidFill>
+            <a:srgbClr val="404040"/>
+          </a:solidFill>
+          <a:ln>
+            <a:noFill/>
+          </a:ln>
+        </p:spPr>
+        <p:style>
+          <a:lnRef idx="2">
+            <a:schemeClr val="accent3">
+              <a:shade val="50000"/>
+            </a:schemeClr>
+          </a:lnRef>
+          <a:fillRef idx="1">
+            <a:schemeClr val="accent3"/>
+          </a:fillRef>
+          <a:effectRef idx="0">
+            <a:schemeClr val="accent3"/>
+          </a:effectRef>
+          <a:fontRef idx="minor">
+            <a:schemeClr val="lt1"/>
+          </a:fontRef>
+        </p:style>
+        <p:txBody>
+          <a:bodyPr rtlCol="0" anchor="ctr"/>
+          <a:lstStyle/>
+          <a:p>
+            <a:pPr algn="ctr"/>
+            <a:r>
+              <a:rPr lang="en-US" dirty="0" smtClean="0"/>
+              <a:t>Receive</a:t>
+            </a:r>
+          </a:p>
+          <a:p>
+            <a:pPr algn="ctr"/>
+            <a:r>
+              <a:rPr lang="en-US" sz="2000" dirty="0" smtClean="0">
+                <a:latin typeface="Courier"/>
+                <a:cs typeface="Courier"/>
+              </a:rPr>
+              <a:t>RTP</a:t>
+            </a:r>
+            <a:r>
+              <a:rPr lang="en-US" sz="2000" dirty="0" smtClean="0"/>
+              <a:t> </a:t>
+            </a:r>
+            <a:r>
+              <a:rPr lang="en-US" dirty="0" smtClean="0"/>
+              <a:t>Packet</a:t>
+            </a:r>
+          </a:p>
+        </p:txBody>
+      </p:sp>
+      <p:cxnSp>
+        <p:nvCxnSpPr>
+          <p:cNvPr id="3" name="Straight Arrow Connector 2"/>
+          <p:cNvCxnSpPr>
+            <a:stCxn id="2" idx="3"/>
+            <a:endCxn id="4" idx="1"/>
+          </p:cNvCxnSpPr>
+          <p:nvPr/>
+        </p:nvCxnSpPr>
+        <p:spPr>
+          <a:xfrm>
+            <a:off x="1397381" y="2978977"/>
+            <a:ext cx="450627" cy="0"/>
+          </a:xfrm>
+          <a:prstGeom prst="straightConnector1">
+            <a:avLst/>
+          </a:prstGeom>
+          <a:ln>
+            <a:tailEnd type="arrow"/>
+          </a:ln>
+        </p:spPr>
+        <p:style>
+          <a:lnRef idx="1">
+            <a:schemeClr val="dk1"/>
+          </a:lnRef>
+          <a:fillRef idx="0">
+            <a:schemeClr val="dk1"/>
+          </a:fillRef>
+          <a:effectRef idx="0">
+            <a:schemeClr val="dk1"/>
+          </a:effectRef>
+          <a:fontRef idx="minor">
+            <a:schemeClr val="tx1"/>
+          </a:fontRef>
+        </p:style>
+      </p:cxnSp>
+      <p:sp>
+        <p:nvSpPr>
+          <p:cNvPr id="4" name="Rectangle 3"/>
+          <p:cNvSpPr/>
+          <p:nvPr/>
+        </p:nvSpPr>
+        <p:spPr>
+          <a:xfrm>
+            <a:off x="1848008" y="725975"/>
+            <a:ext cx="751048" cy="4506003"/>
+          </a:xfrm>
+          <a:prstGeom prst="rect">
+            <a:avLst/>
+          </a:prstGeom>
+          <a:solidFill>
+            <a:schemeClr val="tx1">
+              <a:lumMod val="75000"/>
+              <a:lumOff val="25000"/>
+            </a:schemeClr>
+          </a:solidFill>
+          <a:ln>
+            <a:noFill/>
+          </a:ln>
+        </p:spPr>
+        <p:style>
+          <a:lnRef idx="2">
+            <a:schemeClr val="dk1">
+              <a:shade val="50000"/>
+            </a:schemeClr>
+          </a:lnRef>
+          <a:fillRef idx="1">
+            <a:schemeClr val="dk1"/>
+          </a:fillRef>
+          <a:effectRef idx="0">
+            <a:schemeClr val="dk1"/>
+          </a:effectRef>
+          <a:fontRef idx="minor">
+            <a:schemeClr val="lt1"/>
+          </a:fontRef>
+        </p:style>
+        <p:txBody>
+          <a:bodyPr vert="vert270" rtlCol="0" anchor="ctr"/>
+          <a:lstStyle/>
+          <a:p>
+            <a:pPr algn="ctr"/>
+            <a:r>
+              <a:rPr lang="en-US" sz="2000" dirty="0" smtClean="0">
+                <a:latin typeface="Courier"/>
+                <a:cs typeface="Courier"/>
+              </a:rPr>
+              <a:t>Parse SSRC</a:t>
+            </a:r>
+            <a:endParaRPr lang="en-US" sz="1600" dirty="0"/>
+          </a:p>
+        </p:txBody>
+      </p:sp>
+      <p:cxnSp>
+        <p:nvCxnSpPr>
+          <p:cNvPr id="5" name="Straight Arrow Connector 4"/>
+          <p:cNvCxnSpPr>
+            <a:endCxn id="22" idx="1"/>
+          </p:cNvCxnSpPr>
+          <p:nvPr/>
+        </p:nvCxnSpPr>
+        <p:spPr>
+          <a:xfrm>
+            <a:off x="2599056" y="1525096"/>
+            <a:ext cx="1662144" cy="0"/>
+          </a:xfrm>
+          <a:prstGeom prst="straightConnector1">
+            <a:avLst/>
+          </a:prstGeom>
+          <a:ln>
+            <a:tailEnd type="arrow"/>
+          </a:ln>
+        </p:spPr>
+        <p:style>
+          <a:lnRef idx="1">
+            <a:schemeClr val="dk1"/>
+          </a:lnRef>
+          <a:fillRef idx="0">
+            <a:schemeClr val="dk1"/>
+          </a:fillRef>
+          <a:effectRef idx="0">
+            <a:schemeClr val="dk1"/>
+          </a:effectRef>
+          <a:fontRef idx="minor">
+            <a:schemeClr val="tx1"/>
+          </a:fontRef>
+        </p:style>
+      </p:cxnSp>
+      <p:cxnSp>
+        <p:nvCxnSpPr>
+          <p:cNvPr id="6" name="Straight Arrow Connector 5"/>
+          <p:cNvCxnSpPr/>
+          <p:nvPr/>
+        </p:nvCxnSpPr>
+        <p:spPr>
+          <a:xfrm>
+            <a:off x="2599056" y="4936535"/>
+            <a:ext cx="1631813" cy="0"/>
+          </a:xfrm>
+          <a:prstGeom prst="straightConnector1">
+            <a:avLst/>
+          </a:prstGeom>
+          <a:ln>
+            <a:tailEnd type="arrow"/>
+          </a:ln>
+        </p:spPr>
+        <p:style>
+          <a:lnRef idx="1">
+            <a:schemeClr val="dk1"/>
+          </a:lnRef>
+          <a:fillRef idx="0">
+            <a:schemeClr val="dk1"/>
+          </a:fillRef>
+          <a:effectRef idx="0">
+            <a:schemeClr val="dk1"/>
+          </a:effectRef>
+          <a:fontRef idx="minor">
+            <a:schemeClr val="tx1"/>
+          </a:fontRef>
+        </p:style>
+      </p:cxnSp>
+      <p:sp>
+        <p:nvSpPr>
+          <p:cNvPr id="8" name="TextBox 7"/>
+          <p:cNvSpPr txBox="1"/>
+          <p:nvPr/>
+        </p:nvSpPr>
+        <p:spPr>
+          <a:xfrm>
+            <a:off x="2858503" y="1155764"/>
+            <a:ext cx="1099685" cy="369332"/>
+          </a:xfrm>
+          <a:prstGeom prst="rect">
+            <a:avLst/>
+          </a:prstGeom>
+          <a:noFill/>
+        </p:spPr>
+        <p:txBody>
+          <a:bodyPr wrap="none" rtlCol="0">
+            <a:spAutoFit/>
+          </a:bodyPr>
+          <a:lstStyle/>
+          <a:p>
+            <a:r>
+              <a:rPr lang="en-US" dirty="0" smtClean="0">
+                <a:latin typeface="+mj-lt"/>
+              </a:rPr>
+              <a:t>SSRC</a:t>
+            </a:r>
+            <a:r>
+              <a:rPr lang="en-US" dirty="0" smtClean="0"/>
+              <a:t> #1</a:t>
+            </a:r>
+            <a:endParaRPr lang="en-US" dirty="0"/>
+          </a:p>
+        </p:txBody>
+      </p:sp>
+      <p:sp>
+        <p:nvSpPr>
+          <p:cNvPr id="18" name="TextBox 17"/>
+          <p:cNvSpPr txBox="1"/>
+          <p:nvPr/>
+        </p:nvSpPr>
+        <p:spPr>
+          <a:xfrm>
+            <a:off x="2858503" y="4521941"/>
+            <a:ext cx="1172116" cy="369332"/>
+          </a:xfrm>
+          <a:prstGeom prst="rect">
+            <a:avLst/>
+          </a:prstGeom>
+          <a:noFill/>
+        </p:spPr>
+        <p:txBody>
+          <a:bodyPr wrap="none" rtlCol="0">
+            <a:spAutoFit/>
+          </a:bodyPr>
+          <a:lstStyle/>
+          <a:p>
+            <a:r>
+              <a:rPr lang="en-US" dirty="0" smtClean="0">
+                <a:latin typeface="+mj-lt"/>
+              </a:rPr>
+              <a:t>SSRC</a:t>
+            </a:r>
+            <a:r>
+              <a:rPr lang="en-US" dirty="0" smtClean="0"/>
+              <a:t> #N</a:t>
+            </a:r>
+            <a:endParaRPr lang="en-US" dirty="0"/>
+          </a:p>
+        </p:txBody>
+      </p:sp>
+      <p:sp>
+        <p:nvSpPr>
+          <p:cNvPr id="22" name="Rectangle 21"/>
+          <p:cNvSpPr/>
+          <p:nvPr/>
+        </p:nvSpPr>
+        <p:spPr>
+          <a:xfrm>
+            <a:off x="4261200" y="398595"/>
+            <a:ext cx="751048" cy="2253002"/>
+          </a:xfrm>
+          <a:prstGeom prst="rect">
+            <a:avLst/>
+          </a:prstGeom>
+          <a:solidFill>
+            <a:schemeClr val="tx1">
+              <a:lumMod val="75000"/>
+              <a:lumOff val="25000"/>
+            </a:schemeClr>
+          </a:solidFill>
+          <a:ln>
+            <a:noFill/>
+          </a:ln>
+        </p:spPr>
+        <p:style>
+          <a:lnRef idx="2">
+            <a:schemeClr val="dk1">
+              <a:shade val="50000"/>
+            </a:schemeClr>
+          </a:lnRef>
+          <a:fillRef idx="1">
+            <a:schemeClr val="dk1"/>
+          </a:fillRef>
+          <a:effectRef idx="0">
+            <a:schemeClr val="dk1"/>
+          </a:effectRef>
+          <a:fontRef idx="minor">
+            <a:schemeClr val="lt1"/>
+          </a:fontRef>
+        </p:style>
+        <p:txBody>
+          <a:bodyPr vert="vert270" rtlCol="0" anchor="ctr"/>
+          <a:lstStyle/>
+          <a:p>
+            <a:pPr algn="ctr"/>
+            <a:r>
+              <a:rPr lang="en-US" sz="2000" dirty="0" smtClean="0">
+                <a:latin typeface="Courier"/>
+                <a:cs typeface="Courier"/>
+              </a:rPr>
+              <a:t>Parse PT</a:t>
+            </a:r>
+            <a:endParaRPr lang="en-US" sz="1600" dirty="0"/>
+          </a:p>
+        </p:txBody>
+      </p:sp>
+      <p:sp>
+        <p:nvSpPr>
+          <p:cNvPr id="26" name="Rectangle 25"/>
+          <p:cNvSpPr/>
+          <p:nvPr/>
+        </p:nvSpPr>
+        <p:spPr>
+          <a:xfrm>
+            <a:off x="4261200" y="3810034"/>
+            <a:ext cx="751048" cy="2253002"/>
+          </a:xfrm>
+          <a:prstGeom prst="rect">
+            <a:avLst/>
+          </a:prstGeom>
+          <a:solidFill>
+            <a:schemeClr val="tx1">
+              <a:lumMod val="75000"/>
+              <a:lumOff val="25000"/>
+            </a:schemeClr>
+          </a:solidFill>
+          <a:ln>
+            <a:noFill/>
+          </a:ln>
+        </p:spPr>
+        <p:style>
+          <a:lnRef idx="2">
+            <a:schemeClr val="dk1">
+              <a:shade val="50000"/>
+            </a:schemeClr>
+          </a:lnRef>
+          <a:fillRef idx="1">
+            <a:schemeClr val="dk1"/>
+          </a:fillRef>
+          <a:effectRef idx="0">
+            <a:schemeClr val="dk1"/>
+          </a:effectRef>
+          <a:fontRef idx="minor">
+            <a:schemeClr val="lt1"/>
+          </a:fontRef>
+        </p:style>
+        <p:txBody>
+          <a:bodyPr vert="vert270" rtlCol="0" anchor="ctr"/>
+          <a:lstStyle/>
+          <a:p>
+            <a:pPr algn="ctr"/>
+            <a:r>
+              <a:rPr lang="en-US" sz="2000" dirty="0" smtClean="0">
+                <a:latin typeface="Courier"/>
+                <a:cs typeface="Courier"/>
+              </a:rPr>
+              <a:t>Parse PT</a:t>
+            </a:r>
+            <a:endParaRPr lang="en-US" sz="1600" dirty="0"/>
+          </a:p>
+        </p:txBody>
+      </p:sp>
+      <p:cxnSp>
+        <p:nvCxnSpPr>
+          <p:cNvPr id="27" name="Straight Arrow Connector 26"/>
+          <p:cNvCxnSpPr/>
+          <p:nvPr/>
+        </p:nvCxnSpPr>
+        <p:spPr>
+          <a:xfrm>
+            <a:off x="5004597" y="910641"/>
+            <a:ext cx="1975685" cy="0"/>
+          </a:xfrm>
+          <a:prstGeom prst="straightConnector1">
+            <a:avLst/>
+          </a:prstGeom>
+          <a:ln>
+            <a:tailEnd type="arrow"/>
+          </a:ln>
+        </p:spPr>
+        <p:style>
+          <a:lnRef idx="1">
+            <a:schemeClr val="dk1"/>
+          </a:lnRef>
+          <a:fillRef idx="0">
+            <a:schemeClr val="dk1"/>
+          </a:fillRef>
+          <a:effectRef idx="0">
+            <a:schemeClr val="dk1"/>
+          </a:effectRef>
+          <a:fontRef idx="minor">
+            <a:schemeClr val="tx1"/>
+          </a:fontRef>
+        </p:style>
+      </p:cxnSp>
+      <p:sp>
+        <p:nvSpPr>
+          <p:cNvPr id="28" name="TextBox 27"/>
+          <p:cNvSpPr txBox="1"/>
+          <p:nvPr/>
+        </p:nvSpPr>
+        <p:spPr>
+          <a:xfrm>
+            <a:off x="5213799" y="587475"/>
+            <a:ext cx="1559964" cy="646331"/>
+          </a:xfrm>
+          <a:prstGeom prst="rect">
+            <a:avLst/>
+          </a:prstGeom>
+          <a:noFill/>
+        </p:spPr>
+        <p:txBody>
+          <a:bodyPr wrap="none" rtlCol="0">
+            <a:spAutoFit/>
+          </a:bodyPr>
+          <a:lstStyle/>
+          <a:p>
+            <a:pPr algn="ctr"/>
+            <a:r>
+              <a:rPr lang="en-US" dirty="0" smtClean="0"/>
+              <a:t>0 &lt; </a:t>
+            </a:r>
+            <a:r>
+              <a:rPr lang="en-US" dirty="0" smtClean="0">
+                <a:latin typeface="+mj-lt"/>
+              </a:rPr>
+              <a:t>PT </a:t>
+            </a:r>
+            <a:r>
+              <a:rPr lang="en-US" dirty="0" smtClean="0"/>
+              <a:t>&lt; 72</a:t>
+            </a:r>
+          </a:p>
+          <a:p>
+            <a:pPr algn="ctr"/>
+            <a:r>
+              <a:rPr lang="en-US" dirty="0" smtClean="0"/>
+              <a:t>76 &lt; </a:t>
+            </a:r>
+            <a:r>
+              <a:rPr lang="en-US" dirty="0" smtClean="0">
+                <a:latin typeface="+mj-lt"/>
+              </a:rPr>
+              <a:t>PT </a:t>
+            </a:r>
+            <a:r>
+              <a:rPr lang="en-US" dirty="0" smtClean="0"/>
+              <a:t>&lt; 128</a:t>
+            </a:r>
+            <a:endParaRPr lang="en-US" dirty="0"/>
+          </a:p>
+        </p:txBody>
+      </p:sp>
+      <p:cxnSp>
+        <p:nvCxnSpPr>
+          <p:cNvPr id="29" name="Straight Arrow Connector 28"/>
+          <p:cNvCxnSpPr/>
+          <p:nvPr/>
+        </p:nvCxnSpPr>
+        <p:spPr>
+          <a:xfrm>
+            <a:off x="5004597" y="2046828"/>
+            <a:ext cx="1975685" cy="0"/>
+          </a:xfrm>
+          <a:prstGeom prst="straightConnector1">
+            <a:avLst/>
+          </a:prstGeom>
+          <a:ln>
+            <a:tailEnd type="arrow"/>
+          </a:ln>
+        </p:spPr>
+        <p:style>
+          <a:lnRef idx="1">
+            <a:schemeClr val="dk1"/>
+          </a:lnRef>
+          <a:fillRef idx="0">
+            <a:schemeClr val="dk1"/>
+          </a:fillRef>
+          <a:effectRef idx="0">
+            <a:schemeClr val="dk1"/>
+          </a:effectRef>
+          <a:fontRef idx="minor">
+            <a:schemeClr val="tx1"/>
+          </a:fontRef>
+        </p:style>
+      </p:cxnSp>
+      <p:sp>
+        <p:nvSpPr>
+          <p:cNvPr id="30" name="TextBox 29"/>
+          <p:cNvSpPr txBox="1"/>
+          <p:nvPr/>
+        </p:nvSpPr>
+        <p:spPr>
+          <a:xfrm>
+            <a:off x="5134392" y="1677496"/>
+            <a:ext cx="1639371" cy="369332"/>
+          </a:xfrm>
+          <a:prstGeom prst="rect">
+            <a:avLst/>
+          </a:prstGeom>
+          <a:noFill/>
+        </p:spPr>
+        <p:txBody>
+          <a:bodyPr wrap="none" rtlCol="0">
+            <a:spAutoFit/>
+          </a:bodyPr>
+          <a:lstStyle/>
+          <a:p>
+            <a:r>
+              <a:rPr lang="en-US" dirty="0" smtClean="0"/>
+              <a:t>191 &lt; </a:t>
+            </a:r>
+            <a:r>
+              <a:rPr lang="en-US" dirty="0" smtClean="0">
+                <a:latin typeface="+mj-lt"/>
+              </a:rPr>
+              <a:t>PT </a:t>
+            </a:r>
+            <a:r>
+              <a:rPr lang="en-US" dirty="0" smtClean="0"/>
+              <a:t>&lt; 255</a:t>
+            </a:r>
+            <a:endParaRPr lang="en-US" dirty="0"/>
+          </a:p>
+        </p:txBody>
+      </p:sp>
+      <p:sp>
+        <p:nvSpPr>
+          <p:cNvPr id="32" name="TextBox 31"/>
+          <p:cNvSpPr txBox="1"/>
+          <p:nvPr/>
+        </p:nvSpPr>
+        <p:spPr>
+          <a:xfrm>
+            <a:off x="6983396" y="1862162"/>
+            <a:ext cx="813043" cy="369332"/>
+          </a:xfrm>
+          <a:prstGeom prst="rect">
+            <a:avLst/>
+          </a:prstGeom>
+          <a:noFill/>
+        </p:spPr>
+        <p:txBody>
+          <a:bodyPr wrap="none" rtlCol="0">
+            <a:spAutoFit/>
+          </a:bodyPr>
+          <a:lstStyle/>
+          <a:p>
+            <a:r>
+              <a:rPr lang="en-US" dirty="0" smtClean="0">
+                <a:latin typeface="+mj-lt"/>
+              </a:rPr>
+              <a:t>RTCP</a:t>
+            </a:r>
+            <a:endParaRPr lang="en-US" dirty="0"/>
+          </a:p>
+        </p:txBody>
+      </p:sp>
+      <p:sp>
+        <p:nvSpPr>
+          <p:cNvPr id="34" name="TextBox 33"/>
+          <p:cNvSpPr txBox="1"/>
+          <p:nvPr/>
+        </p:nvSpPr>
+        <p:spPr>
+          <a:xfrm>
+            <a:off x="6980282" y="725975"/>
+            <a:ext cx="659155" cy="369332"/>
+          </a:xfrm>
+          <a:prstGeom prst="rect">
+            <a:avLst/>
+          </a:prstGeom>
+          <a:noFill/>
+        </p:spPr>
+        <p:txBody>
+          <a:bodyPr wrap="none" rtlCol="0">
+            <a:spAutoFit/>
+          </a:bodyPr>
+          <a:lstStyle/>
+          <a:p>
+            <a:pPr algn="ctr"/>
+            <a:r>
+              <a:rPr lang="en-US" dirty="0" smtClean="0">
+                <a:latin typeface="+mj-lt"/>
+              </a:rPr>
+              <a:t>RTP</a:t>
+            </a:r>
+            <a:endParaRPr lang="en-US" dirty="0"/>
+          </a:p>
+        </p:txBody>
+      </p:sp>
+      <p:cxnSp>
+        <p:nvCxnSpPr>
+          <p:cNvPr id="35" name="Straight Arrow Connector 34"/>
+          <p:cNvCxnSpPr>
+            <a:stCxn id="34" idx="0"/>
+          </p:cNvCxnSpPr>
+          <p:nvPr/>
+        </p:nvCxnSpPr>
+        <p:spPr>
+          <a:xfrm rot="5400000" flipH="1" flipV="1">
+            <a:off x="7560154" y="148301"/>
+            <a:ext cx="327380" cy="827969"/>
+          </a:xfrm>
+          <a:prstGeom prst="bentConnector2">
+            <a:avLst/>
+          </a:prstGeom>
+          <a:ln>
+            <a:tailEnd type="arrow"/>
+          </a:ln>
+        </p:spPr>
+        <p:style>
+          <a:lnRef idx="1">
+            <a:schemeClr val="dk1"/>
+          </a:lnRef>
+          <a:fillRef idx="0">
+            <a:schemeClr val="dk1"/>
+          </a:fillRef>
+          <a:effectRef idx="0">
+            <a:schemeClr val="dk1"/>
+          </a:effectRef>
+          <a:fontRef idx="minor">
+            <a:schemeClr val="tx1"/>
+          </a:fontRef>
+        </p:style>
+      </p:cxnSp>
+      <p:cxnSp>
+        <p:nvCxnSpPr>
+          <p:cNvPr id="44" name="Straight Arrow Connector 34"/>
+          <p:cNvCxnSpPr>
+            <a:stCxn id="34" idx="2"/>
+          </p:cNvCxnSpPr>
+          <p:nvPr/>
+        </p:nvCxnSpPr>
+        <p:spPr>
+          <a:xfrm rot="16200000" flipH="1">
+            <a:off x="7601284" y="803882"/>
+            <a:ext cx="245123" cy="827971"/>
+          </a:xfrm>
+          <a:prstGeom prst="bentConnector2">
+            <a:avLst/>
+          </a:prstGeom>
+          <a:ln>
+            <a:tailEnd type="arrow"/>
+          </a:ln>
+        </p:spPr>
+        <p:style>
+          <a:lnRef idx="1">
+            <a:schemeClr val="dk1"/>
+          </a:lnRef>
+          <a:fillRef idx="0">
+            <a:schemeClr val="dk1"/>
+          </a:fillRef>
+          <a:effectRef idx="0">
+            <a:schemeClr val="dk1"/>
+          </a:effectRef>
+          <a:fontRef idx="minor">
+            <a:schemeClr val="tx1"/>
+          </a:fontRef>
+        </p:style>
+      </p:cxnSp>
+      <p:cxnSp>
+        <p:nvCxnSpPr>
+          <p:cNvPr id="52" name="Straight Arrow Connector 51"/>
+          <p:cNvCxnSpPr>
+            <a:stCxn id="34" idx="3"/>
+          </p:cNvCxnSpPr>
+          <p:nvPr/>
+        </p:nvCxnSpPr>
+        <p:spPr>
+          <a:xfrm>
+            <a:off x="7639437" y="910641"/>
+            <a:ext cx="498394" cy="0"/>
+          </a:xfrm>
+          <a:prstGeom prst="straightConnector1">
+            <a:avLst/>
+          </a:prstGeom>
+          <a:ln>
+            <a:tailEnd type="arrow"/>
+          </a:ln>
+        </p:spPr>
+        <p:style>
+          <a:lnRef idx="1">
+            <a:schemeClr val="dk1"/>
+          </a:lnRef>
+          <a:fillRef idx="0">
+            <a:schemeClr val="dk1"/>
+          </a:fillRef>
+          <a:effectRef idx="0">
+            <a:schemeClr val="dk1"/>
+          </a:effectRef>
+          <a:fontRef idx="minor">
+            <a:schemeClr val="tx1"/>
+          </a:fontRef>
+        </p:style>
+      </p:cxnSp>
+      <p:sp>
+        <p:nvSpPr>
+          <p:cNvPr id="57" name="TextBox 56"/>
+          <p:cNvSpPr txBox="1"/>
+          <p:nvPr/>
+        </p:nvSpPr>
+        <p:spPr>
+          <a:xfrm>
+            <a:off x="8137831" y="218143"/>
+            <a:ext cx="864339" cy="369332"/>
+          </a:xfrm>
+          <a:prstGeom prst="rect">
+            <a:avLst/>
+          </a:prstGeom>
+          <a:noFill/>
+        </p:spPr>
+        <p:txBody>
+          <a:bodyPr wrap="none" rtlCol="0">
+            <a:spAutoFit/>
+          </a:bodyPr>
+          <a:lstStyle/>
+          <a:p>
+            <a:pPr algn="ctr"/>
+            <a:r>
+              <a:rPr lang="en-US" dirty="0" smtClean="0">
+                <a:latin typeface="+mj-lt"/>
+              </a:rPr>
+              <a:t>media</a:t>
+            </a:r>
+            <a:endParaRPr lang="en-US" dirty="0"/>
+          </a:p>
+        </p:txBody>
+      </p:sp>
+      <p:sp>
+        <p:nvSpPr>
+          <p:cNvPr id="58" name="TextBox 57"/>
+          <p:cNvSpPr txBox="1"/>
+          <p:nvPr/>
+        </p:nvSpPr>
+        <p:spPr>
+          <a:xfrm>
+            <a:off x="8177123" y="725974"/>
+            <a:ext cx="785753" cy="369332"/>
+          </a:xfrm>
+          <a:prstGeom prst="rect">
+            <a:avLst/>
+          </a:prstGeom>
+          <a:noFill/>
+        </p:spPr>
+        <p:txBody>
+          <a:bodyPr wrap="none" rtlCol="0">
+            <a:spAutoFit/>
+          </a:bodyPr>
+          <a:lstStyle/>
+          <a:p>
+            <a:pPr algn="ctr"/>
+            <a:r>
+              <a:rPr lang="en-US" dirty="0" smtClean="0">
+                <a:latin typeface="+mj-lt"/>
+              </a:rPr>
+              <a:t>FEC…</a:t>
+            </a:r>
+            <a:endParaRPr lang="en-US" dirty="0"/>
+          </a:p>
+        </p:txBody>
+      </p:sp>
+      <p:sp>
+        <p:nvSpPr>
+          <p:cNvPr id="59" name="TextBox 58"/>
+          <p:cNvSpPr txBox="1"/>
+          <p:nvPr/>
+        </p:nvSpPr>
+        <p:spPr>
+          <a:xfrm>
+            <a:off x="8253245" y="1155763"/>
+            <a:ext cx="633507" cy="369332"/>
+          </a:xfrm>
+          <a:prstGeom prst="rect">
+            <a:avLst/>
+          </a:prstGeom>
+          <a:noFill/>
+        </p:spPr>
+        <p:txBody>
+          <a:bodyPr wrap="none" rtlCol="0">
+            <a:spAutoFit/>
+          </a:bodyPr>
+          <a:lstStyle/>
+          <a:p>
+            <a:pPr algn="ctr"/>
+            <a:r>
+              <a:rPr lang="en-US" dirty="0" err="1" smtClean="0">
+                <a:latin typeface="+mj-lt"/>
+              </a:rPr>
+              <a:t>retx</a:t>
+            </a:r>
+            <a:endParaRPr lang="en-US" dirty="0"/>
+          </a:p>
+        </p:txBody>
+      </p:sp>
+      <p:sp>
+        <p:nvSpPr>
+          <p:cNvPr id="60" name="TextBox 59"/>
+          <p:cNvSpPr txBox="1"/>
+          <p:nvPr/>
+        </p:nvSpPr>
+        <p:spPr>
+          <a:xfrm>
+            <a:off x="5213799" y="4197871"/>
+            <a:ext cx="942263" cy="1477328"/>
+          </a:xfrm>
+          <a:prstGeom prst="rect">
+            <a:avLst/>
+          </a:prstGeom>
+          <a:noFill/>
+        </p:spPr>
+        <p:txBody>
+          <a:bodyPr wrap="square" rtlCol="0">
+            <a:spAutoFit/>
+          </a:bodyPr>
+          <a:lstStyle/>
+          <a:p>
+            <a:pPr algn="ctr"/>
+            <a:r>
+              <a:rPr lang="en-US" dirty="0" smtClean="0"/>
+              <a:t>… same as above …</a:t>
+            </a:r>
+            <a:endParaRPr lang="en-US" dirty="0"/>
+          </a:p>
+        </p:txBody>
+      </p:sp>
+      <p:sp>
+        <p:nvSpPr>
+          <p:cNvPr id="25" name="TextBox 24"/>
+          <p:cNvSpPr txBox="1"/>
+          <p:nvPr/>
+        </p:nvSpPr>
+        <p:spPr>
+          <a:xfrm>
+            <a:off x="6256192" y="4705703"/>
+            <a:ext cx="864339" cy="369332"/>
+          </a:xfrm>
+          <a:prstGeom prst="rect">
+            <a:avLst/>
+          </a:prstGeom>
+          <a:noFill/>
+        </p:spPr>
+        <p:txBody>
+          <a:bodyPr wrap="none" rtlCol="0">
+            <a:spAutoFit/>
+          </a:bodyPr>
+          <a:lstStyle/>
+          <a:p>
+            <a:pPr algn="ctr"/>
+            <a:r>
+              <a:rPr lang="en-US" dirty="0" smtClean="0">
+                <a:latin typeface="+mj-lt"/>
+              </a:rPr>
+              <a:t>media</a:t>
+            </a:r>
+            <a:endParaRPr lang="en-US" dirty="0"/>
+          </a:p>
+        </p:txBody>
+      </p:sp>
+      <p:cxnSp>
+        <p:nvCxnSpPr>
+          <p:cNvPr id="31" name="Straight Arrow Connector 34"/>
+          <p:cNvCxnSpPr>
+            <a:stCxn id="25" idx="0"/>
+          </p:cNvCxnSpPr>
+          <p:nvPr/>
+        </p:nvCxnSpPr>
+        <p:spPr>
+          <a:xfrm rot="5400000" flipH="1" flipV="1">
+            <a:off x="6938659" y="4128032"/>
+            <a:ext cx="327374" cy="827968"/>
+          </a:xfrm>
+          <a:prstGeom prst="bentConnector2">
+            <a:avLst/>
+          </a:prstGeom>
+          <a:ln>
+            <a:tailEnd type="arrow"/>
+          </a:ln>
+        </p:spPr>
+        <p:style>
+          <a:lnRef idx="1">
+            <a:schemeClr val="dk1"/>
+          </a:lnRef>
+          <a:fillRef idx="0">
+            <a:schemeClr val="dk1"/>
+          </a:fillRef>
+          <a:effectRef idx="0">
+            <a:schemeClr val="dk1"/>
+          </a:effectRef>
+          <a:fontRef idx="minor">
+            <a:schemeClr val="tx1"/>
+          </a:fontRef>
+        </p:style>
+      </p:cxnSp>
+      <p:cxnSp>
+        <p:nvCxnSpPr>
+          <p:cNvPr id="33" name="Straight Arrow Connector 34"/>
+          <p:cNvCxnSpPr>
+            <a:stCxn id="25" idx="2"/>
+          </p:cNvCxnSpPr>
+          <p:nvPr/>
+        </p:nvCxnSpPr>
+        <p:spPr>
+          <a:xfrm rot="16200000" flipH="1">
+            <a:off x="6979785" y="4783611"/>
+            <a:ext cx="245122" cy="827969"/>
+          </a:xfrm>
+          <a:prstGeom prst="bentConnector2">
+            <a:avLst/>
+          </a:prstGeom>
+          <a:ln>
+            <a:tailEnd type="arrow"/>
+          </a:ln>
+        </p:spPr>
+        <p:style>
+          <a:lnRef idx="1">
+            <a:schemeClr val="dk1"/>
+          </a:lnRef>
+          <a:fillRef idx="0">
+            <a:schemeClr val="dk1"/>
+          </a:fillRef>
+          <a:effectRef idx="0">
+            <a:schemeClr val="dk1"/>
+          </a:effectRef>
+          <a:fontRef idx="minor">
+            <a:schemeClr val="tx1"/>
+          </a:fontRef>
+        </p:style>
+      </p:cxnSp>
+      <p:cxnSp>
+        <p:nvCxnSpPr>
+          <p:cNvPr id="36" name="Straight Arrow Connector 35"/>
+          <p:cNvCxnSpPr>
+            <a:stCxn id="25" idx="3"/>
+          </p:cNvCxnSpPr>
+          <p:nvPr/>
+        </p:nvCxnSpPr>
+        <p:spPr>
+          <a:xfrm>
+            <a:off x="7120531" y="4890369"/>
+            <a:ext cx="395801" cy="0"/>
+          </a:xfrm>
+          <a:prstGeom prst="straightConnector1">
+            <a:avLst/>
+          </a:prstGeom>
+          <a:ln>
+            <a:tailEnd type="arrow"/>
+          </a:ln>
+        </p:spPr>
+        <p:style>
+          <a:lnRef idx="1">
+            <a:schemeClr val="dk1"/>
+          </a:lnRef>
+          <a:fillRef idx="0">
+            <a:schemeClr val="dk1"/>
+          </a:fillRef>
+          <a:effectRef idx="0">
+            <a:schemeClr val="dk1"/>
+          </a:effectRef>
+          <a:fontRef idx="minor">
+            <a:schemeClr val="tx1"/>
+          </a:fontRef>
+        </p:style>
+      </p:cxnSp>
+      <p:sp>
+        <p:nvSpPr>
+          <p:cNvPr id="37" name="TextBox 36"/>
+          <p:cNvSpPr txBox="1"/>
+          <p:nvPr/>
+        </p:nvSpPr>
+        <p:spPr>
+          <a:xfrm>
+            <a:off x="7538774" y="4197871"/>
+            <a:ext cx="819455" cy="369332"/>
+          </a:xfrm>
+          <a:prstGeom prst="rect">
+            <a:avLst/>
+          </a:prstGeom>
+          <a:noFill/>
+        </p:spPr>
+        <p:txBody>
+          <a:bodyPr wrap="none" rtlCol="0">
+            <a:spAutoFit/>
+          </a:bodyPr>
+          <a:lstStyle/>
+          <a:p>
+            <a:pPr algn="ctr"/>
+            <a:r>
+              <a:rPr lang="en-US" dirty="0" smtClean="0">
+                <a:latin typeface="+mj-lt"/>
+              </a:rPr>
+              <a:t>codec</a:t>
+            </a:r>
+            <a:endParaRPr lang="en-US" dirty="0"/>
+          </a:p>
+        </p:txBody>
+      </p:sp>
+      <p:sp>
+        <p:nvSpPr>
+          <p:cNvPr id="38" name="TextBox 37"/>
+          <p:cNvSpPr txBox="1"/>
+          <p:nvPr/>
+        </p:nvSpPr>
+        <p:spPr>
+          <a:xfrm>
+            <a:off x="7538772" y="4705702"/>
+            <a:ext cx="819455" cy="369332"/>
+          </a:xfrm>
+          <a:prstGeom prst="rect">
+            <a:avLst/>
+          </a:prstGeom>
+          <a:noFill/>
+        </p:spPr>
+        <p:txBody>
+          <a:bodyPr wrap="none" rtlCol="0">
+            <a:spAutoFit/>
+          </a:bodyPr>
+          <a:lstStyle/>
+          <a:p>
+            <a:pPr algn="ctr"/>
+            <a:r>
+              <a:rPr lang="en-US" dirty="0" smtClean="0">
+                <a:latin typeface="+mj-lt"/>
+              </a:rPr>
+              <a:t>codec</a:t>
+            </a:r>
+            <a:endParaRPr lang="en-US" dirty="0"/>
+          </a:p>
+        </p:txBody>
+      </p:sp>
+      <p:sp>
+        <p:nvSpPr>
+          <p:cNvPr id="39" name="TextBox 38"/>
+          <p:cNvSpPr txBox="1"/>
+          <p:nvPr/>
+        </p:nvSpPr>
+        <p:spPr>
+          <a:xfrm>
+            <a:off x="7538772" y="5135491"/>
+            <a:ext cx="819455" cy="369332"/>
+          </a:xfrm>
+          <a:prstGeom prst="rect">
+            <a:avLst/>
+          </a:prstGeom>
+          <a:noFill/>
+        </p:spPr>
+        <p:txBody>
+          <a:bodyPr wrap="none" rtlCol="0">
+            <a:spAutoFit/>
+          </a:bodyPr>
+          <a:lstStyle/>
+          <a:p>
+            <a:pPr algn="ctr"/>
+            <a:r>
+              <a:rPr lang="en-US" dirty="0" smtClean="0">
+                <a:latin typeface="+mj-lt"/>
+              </a:rPr>
+              <a:t>codec</a:t>
+            </a:r>
+            <a:endParaRPr lang="en-US" dirty="0"/>
+          </a:p>
+        </p:txBody>
+      </p:sp>
+    </p:spTree>
+    <p:extLst>
+      <p:ext uri="{BB962C8B-B14F-4D97-AF65-F5344CB8AC3E}">
+        <p14:creationId xmlns:p14="http://schemas.microsoft.com/office/powerpoint/2010/main" val="1267841078"/>
       </p:ext>
     </p:extLst>
   </p:cSld>

--- a/graphs/source/chap5-src.pptx
+++ b/graphs/source/chap5-src.pptx
@@ -5,7 +5,7 @@
     <p:sldMasterId id="2147483660" r:id="rId1"/>
   </p:sldMasterIdLst>
   <p:notesMasterIdLst>
-    <p:notesMasterId r:id="rId13"/>
+    <p:notesMasterId r:id="rId14"/>
   </p:notesMasterIdLst>
   <p:sldIdLst>
     <p:sldId id="266" r:id="rId2"/>
@@ -19,6 +19,7 @@
     <p:sldId id="262" r:id="rId10"/>
     <p:sldId id="261" r:id="rId11"/>
     <p:sldId id="265" r:id="rId12"/>
+    <p:sldId id="268" r:id="rId13"/>
   </p:sldIdLst>
   <p:sldSz cx="9144000" cy="6858000" type="screen4x3"/>
   <p:notesSz cx="6858000" cy="9144000"/>
@@ -4199,13 +4200,7 @@
               <a:rPr lang="en-US" sz="1600" dirty="0" smtClean="0">
                 <a:latin typeface="+mn-lt"/>
               </a:rPr>
-              <a:t>(</a:t>
-            </a:r>
-            <a:r>
-              <a:rPr lang="en-US" sz="1600" dirty="0" smtClean="0">
-                <a:latin typeface="+mn-lt"/>
-              </a:rPr>
-              <a:t>encoded </a:t>
+              <a:t>(encoded </a:t>
             </a:r>
             <a:r>
               <a:rPr lang="en-US" sz="1600" dirty="0">
@@ -5782,8 +5777,8 @@
         </p:nvSpPr>
         <p:spPr>
           <a:xfrm>
-            <a:off x="4400059" y="1167466"/>
-            <a:ext cx="4257464" cy="646331"/>
+            <a:off x="4400059" y="1028967"/>
+            <a:ext cx="4257464" cy="923330"/>
           </a:xfrm>
           <a:prstGeom prst="rect">
             <a:avLst/>
@@ -5831,7 +5826,17 @@
             </a:r>
             <a:r>
               <a:rPr lang="en-US" dirty="0" smtClean="0"/>
-              <a:t> Message (</a:t>
+              <a:t> Message </a:t>
+            </a:r>
+          </a:p>
+          <a:p>
+            <a:r>
+              <a:rPr lang="en-US" dirty="0"/>
+              <a:t> </a:t>
+            </a:r>
+            <a:r>
+              <a:rPr lang="en-US" dirty="0" smtClean="0"/>
+              <a:t>          (</a:t>
             </a:r>
             <a:r>
               <a:rPr lang="en-US" dirty="0" smtClean="0">
@@ -5843,7 +5848,11 @@
               <a:rPr lang="en-US" dirty="0" smtClean="0"/>
               <a:t>)</a:t>
             </a:r>
-            <a:endParaRPr lang="en-US" dirty="0"/>
+            <a:r>
+              <a:rPr lang="en-US" sz="1600" dirty="0" smtClean="0"/>
+              <a:t> -&gt; Parse Recursively</a:t>
+            </a:r>
+            <a:endParaRPr lang="en-US" sz="1600" dirty="0"/>
           </a:p>
         </p:txBody>
       </p:sp>
@@ -7037,16 +7046,1128 @@
           </a:p>
         </p:txBody>
       </p:sp>
-      <p:sp>
-        <p:nvSpPr>
-          <p:cNvPr id="25" name="TextBox 24"/>
+      <p:grpSp>
+        <p:nvGrpSpPr>
+          <p:cNvPr id="7" name="Group 6"/>
+          <p:cNvGrpSpPr/>
+          <p:nvPr/>
+        </p:nvGrpSpPr>
+        <p:grpSpPr>
+          <a:xfrm>
+            <a:off x="6385427" y="3808686"/>
+            <a:ext cx="2501325" cy="2183657"/>
+            <a:chOff x="6385427" y="3464848"/>
+            <a:chExt cx="2501325" cy="2183657"/>
+          </a:xfrm>
+        </p:grpSpPr>
+        <p:sp>
+          <p:nvSpPr>
+            <p:cNvPr id="25" name="TextBox 24"/>
+            <p:cNvSpPr txBox="1"/>
+            <p:nvPr/>
+          </p:nvSpPr>
+          <p:spPr>
+            <a:xfrm>
+              <a:off x="6385427" y="3972680"/>
+              <a:ext cx="864339" cy="369332"/>
+            </a:xfrm>
+            <a:prstGeom prst="rect">
+              <a:avLst/>
+            </a:prstGeom>
+            <a:noFill/>
+          </p:spPr>
+          <p:txBody>
+            <a:bodyPr wrap="none" rtlCol="0">
+              <a:spAutoFit/>
+            </a:bodyPr>
+            <a:lstStyle/>
+            <a:p>
+              <a:pPr algn="ctr"/>
+              <a:r>
+                <a:rPr lang="en-US" dirty="0" smtClean="0">
+                  <a:latin typeface="+mj-lt"/>
+                </a:rPr>
+                <a:t>media</a:t>
+              </a:r>
+              <a:endParaRPr lang="en-US" dirty="0"/>
+            </a:p>
+          </p:txBody>
+        </p:sp>
+        <p:cxnSp>
+          <p:nvCxnSpPr>
+            <p:cNvPr id="31" name="Straight Arrow Connector 34"/>
+            <p:cNvCxnSpPr>
+              <a:stCxn id="25" idx="0"/>
+            </p:cNvCxnSpPr>
+            <p:nvPr/>
+          </p:nvCxnSpPr>
+          <p:spPr>
+            <a:xfrm rot="5400000" flipH="1" flipV="1">
+              <a:off x="7067894" y="3395009"/>
+              <a:ext cx="327374" cy="827968"/>
+            </a:xfrm>
+            <a:prstGeom prst="bentConnector2">
+              <a:avLst/>
+            </a:prstGeom>
+            <a:ln>
+              <a:tailEnd type="arrow"/>
+            </a:ln>
+          </p:spPr>
+          <p:style>
+            <a:lnRef idx="1">
+              <a:schemeClr val="dk1"/>
+            </a:lnRef>
+            <a:fillRef idx="0">
+              <a:schemeClr val="dk1"/>
+            </a:fillRef>
+            <a:effectRef idx="0">
+              <a:schemeClr val="dk1"/>
+            </a:effectRef>
+            <a:fontRef idx="minor">
+              <a:schemeClr val="tx1"/>
+            </a:fontRef>
+          </p:style>
+        </p:cxnSp>
+        <p:cxnSp>
+          <p:nvCxnSpPr>
+            <p:cNvPr id="33" name="Straight Arrow Connector 34"/>
+            <p:cNvCxnSpPr>
+              <a:stCxn id="25" idx="2"/>
+            </p:cNvCxnSpPr>
+            <p:nvPr/>
+          </p:nvCxnSpPr>
+          <p:spPr>
+            <a:xfrm rot="16200000" flipH="1">
+              <a:off x="7109020" y="4050588"/>
+              <a:ext cx="245122" cy="827969"/>
+            </a:xfrm>
+            <a:prstGeom prst="bentConnector2">
+              <a:avLst/>
+            </a:prstGeom>
+            <a:ln>
+              <a:tailEnd type="arrow"/>
+            </a:ln>
+          </p:spPr>
+          <p:style>
+            <a:lnRef idx="1">
+              <a:schemeClr val="dk1"/>
+            </a:lnRef>
+            <a:fillRef idx="0">
+              <a:schemeClr val="dk1"/>
+            </a:fillRef>
+            <a:effectRef idx="0">
+              <a:schemeClr val="dk1"/>
+            </a:effectRef>
+            <a:fontRef idx="minor">
+              <a:schemeClr val="tx1"/>
+            </a:fontRef>
+          </p:style>
+        </p:cxnSp>
+        <p:cxnSp>
+          <p:nvCxnSpPr>
+            <p:cNvPr id="36" name="Straight Arrow Connector 35"/>
+            <p:cNvCxnSpPr>
+              <a:stCxn id="25" idx="3"/>
+            </p:cNvCxnSpPr>
+            <p:nvPr/>
+          </p:nvCxnSpPr>
+          <p:spPr>
+            <a:xfrm>
+              <a:off x="7249766" y="4157346"/>
+              <a:ext cx="395801" cy="0"/>
+            </a:xfrm>
+            <a:prstGeom prst="straightConnector1">
+              <a:avLst/>
+            </a:prstGeom>
+            <a:ln>
+              <a:tailEnd type="arrow"/>
+            </a:ln>
+          </p:spPr>
+          <p:style>
+            <a:lnRef idx="1">
+              <a:schemeClr val="dk1"/>
+            </a:lnRef>
+            <a:fillRef idx="0">
+              <a:schemeClr val="dk1"/>
+            </a:fillRef>
+            <a:effectRef idx="0">
+              <a:schemeClr val="dk1"/>
+            </a:effectRef>
+            <a:fontRef idx="minor">
+              <a:schemeClr val="tx1"/>
+            </a:fontRef>
+          </p:style>
+        </p:cxnSp>
+        <p:sp>
+          <p:nvSpPr>
+            <p:cNvPr id="37" name="TextBox 36"/>
+            <p:cNvSpPr txBox="1"/>
+            <p:nvPr/>
+          </p:nvSpPr>
+          <p:spPr>
+            <a:xfrm>
+              <a:off x="7618468" y="3464848"/>
+              <a:ext cx="1165933" cy="369332"/>
+            </a:xfrm>
+            <a:prstGeom prst="rect">
+              <a:avLst/>
+            </a:prstGeom>
+            <a:noFill/>
+          </p:spPr>
+          <p:txBody>
+            <a:bodyPr wrap="none" rtlCol="0">
+              <a:spAutoFit/>
+            </a:bodyPr>
+            <a:lstStyle/>
+            <a:p>
+              <a:pPr algn="ctr"/>
+              <a:r>
+                <a:rPr lang="en-US" dirty="0" smtClean="0"/>
+                <a:t>Codec #1</a:t>
+              </a:r>
+              <a:endParaRPr lang="en-US" dirty="0"/>
+            </a:p>
+          </p:txBody>
+        </p:sp>
+        <p:sp>
+          <p:nvSpPr>
+            <p:cNvPr id="38" name="TextBox 37"/>
+            <p:cNvSpPr txBox="1"/>
+            <p:nvPr/>
+          </p:nvSpPr>
+          <p:spPr>
+            <a:xfrm>
+              <a:off x="7645567" y="3972679"/>
+              <a:ext cx="1241185" cy="369332"/>
+            </a:xfrm>
+            <a:prstGeom prst="rect">
+              <a:avLst/>
+            </a:prstGeom>
+            <a:noFill/>
+          </p:spPr>
+          <p:txBody>
+            <a:bodyPr wrap="none" rtlCol="0">
+              <a:spAutoFit/>
+            </a:bodyPr>
+            <a:lstStyle/>
+            <a:p>
+              <a:pPr algn="ctr"/>
+              <a:r>
+                <a:rPr lang="en-US" dirty="0"/>
+                <a:t>Codec </a:t>
+              </a:r>
+              <a:r>
+                <a:rPr lang="en-US" dirty="0" smtClean="0"/>
+                <a:t>#</a:t>
+              </a:r>
+              <a:r>
+                <a:rPr lang="en-US" dirty="0"/>
+                <a:t>2</a:t>
+              </a:r>
+            </a:p>
+          </p:txBody>
+        </p:sp>
+        <p:sp>
+          <p:nvSpPr>
+            <p:cNvPr id="39" name="TextBox 38"/>
+            <p:cNvSpPr txBox="1"/>
+            <p:nvPr/>
+          </p:nvSpPr>
+          <p:spPr>
+            <a:xfrm>
+              <a:off x="7618468" y="4402468"/>
+              <a:ext cx="1232875" cy="369332"/>
+            </a:xfrm>
+            <a:prstGeom prst="rect">
+              <a:avLst/>
+            </a:prstGeom>
+            <a:noFill/>
+          </p:spPr>
+          <p:txBody>
+            <a:bodyPr wrap="none" rtlCol="0">
+              <a:spAutoFit/>
+            </a:bodyPr>
+            <a:lstStyle/>
+            <a:p>
+              <a:pPr algn="ctr"/>
+              <a:r>
+                <a:rPr lang="en-US" dirty="0"/>
+                <a:t>Codec </a:t>
+              </a:r>
+              <a:r>
+                <a:rPr lang="en-US" dirty="0" smtClean="0"/>
+                <a:t>#</a:t>
+              </a:r>
+              <a:r>
+                <a:rPr lang="en-US" dirty="0"/>
+                <a:t>3</a:t>
+              </a:r>
+            </a:p>
+          </p:txBody>
+        </p:sp>
+        <p:sp>
+          <p:nvSpPr>
+            <p:cNvPr id="40" name="TextBox 39"/>
+            <p:cNvSpPr txBox="1"/>
+            <p:nvPr/>
+          </p:nvSpPr>
+          <p:spPr>
+            <a:xfrm>
+              <a:off x="6510121" y="4830901"/>
+              <a:ext cx="785753" cy="369332"/>
+            </a:xfrm>
+            <a:prstGeom prst="rect">
+              <a:avLst/>
+            </a:prstGeom>
+            <a:noFill/>
+          </p:spPr>
+          <p:txBody>
+            <a:bodyPr wrap="none" rtlCol="0">
+              <a:spAutoFit/>
+            </a:bodyPr>
+            <a:lstStyle/>
+            <a:p>
+              <a:pPr algn="ctr"/>
+              <a:r>
+                <a:rPr lang="en-US" dirty="0" smtClean="0">
+                  <a:latin typeface="+mj-lt"/>
+                </a:rPr>
+                <a:t>FEC…</a:t>
+              </a:r>
+              <a:endParaRPr lang="en-US" dirty="0"/>
+            </a:p>
+          </p:txBody>
+        </p:sp>
+        <p:sp>
+          <p:nvSpPr>
+            <p:cNvPr id="41" name="TextBox 40"/>
+            <p:cNvSpPr txBox="1"/>
+            <p:nvPr/>
+          </p:nvSpPr>
+          <p:spPr>
+            <a:xfrm>
+              <a:off x="6580778" y="5279173"/>
+              <a:ext cx="633507" cy="369332"/>
+            </a:xfrm>
+            <a:prstGeom prst="rect">
+              <a:avLst/>
+            </a:prstGeom>
+            <a:noFill/>
+          </p:spPr>
+          <p:txBody>
+            <a:bodyPr wrap="none" rtlCol="0">
+              <a:spAutoFit/>
+            </a:bodyPr>
+            <a:lstStyle/>
+            <a:p>
+              <a:pPr algn="ctr"/>
+              <a:r>
+                <a:rPr lang="en-US" dirty="0" err="1" smtClean="0">
+                  <a:latin typeface="+mj-lt"/>
+                </a:rPr>
+                <a:t>retx</a:t>
+              </a:r>
+              <a:endParaRPr lang="en-US" dirty="0"/>
+            </a:p>
+          </p:txBody>
+        </p:sp>
+      </p:grpSp>
+    </p:spTree>
+    <p:extLst>
+      <p:ext uri="{BB962C8B-B14F-4D97-AF65-F5344CB8AC3E}">
+        <p14:creationId xmlns:p14="http://schemas.microsoft.com/office/powerpoint/2010/main" val="1267841078"/>
+      </p:ext>
+    </p:extLst>
+  </p:cSld>
+  <p:clrMapOvr>
+    <a:masterClrMapping/>
+  </p:clrMapOvr>
+</p:sld>
+</file>
+
+<file path=ppt/slides/slide12.xml><?xml version="1.0" encoding="utf-8"?>
+<p:sld xmlns:a="http://schemas.openxmlformats.org/drawingml/2006/main" xmlns:r="http://schemas.openxmlformats.org/officeDocument/2006/relationships" xmlns:p="http://schemas.openxmlformats.org/presentationml/2006/main">
+  <p:cSld>
+    <p:spTree>
+      <p:nvGrpSpPr>
+        <p:cNvPr id="1" name=""/>
+        <p:cNvGrpSpPr/>
+        <p:nvPr/>
+      </p:nvGrpSpPr>
+      <p:grpSpPr>
+        <a:xfrm>
+          <a:off x="0" y="0"/>
+          <a:ext cx="0" cy="0"/>
+          <a:chOff x="0" y="0"/>
+          <a:chExt cx="0" cy="0"/>
+        </a:xfrm>
+      </p:grpSpPr>
+      <p:grpSp>
+        <p:nvGrpSpPr>
+          <p:cNvPr id="23" name="Group 22"/>
+          <p:cNvGrpSpPr/>
+          <p:nvPr/>
+        </p:nvGrpSpPr>
+        <p:grpSpPr>
+          <a:xfrm>
+            <a:off x="6117617" y="4888120"/>
+            <a:ext cx="297945" cy="942163"/>
+            <a:chOff x="4028344" y="109238"/>
+            <a:chExt cx="887601" cy="1106018"/>
+          </a:xfrm>
+        </p:grpSpPr>
+        <p:sp>
+          <p:nvSpPr>
+            <p:cNvPr id="24" name="Rounded Rectangle 23"/>
+            <p:cNvSpPr/>
+            <p:nvPr/>
+          </p:nvSpPr>
+          <p:spPr>
+            <a:xfrm>
+              <a:off x="4028344" y="109238"/>
+              <a:ext cx="887601" cy="1106018"/>
+            </a:xfrm>
+            <a:prstGeom prst="roundRect">
+              <a:avLst/>
+            </a:prstGeom>
+            <a:solidFill>
+              <a:schemeClr val="accent3"/>
+            </a:solidFill>
+            <a:ln>
+              <a:noFill/>
+            </a:ln>
+          </p:spPr>
+          <p:style>
+            <a:lnRef idx="2">
+              <a:schemeClr val="dk1">
+                <a:shade val="50000"/>
+              </a:schemeClr>
+            </a:lnRef>
+            <a:fillRef idx="1">
+              <a:schemeClr val="dk1"/>
+            </a:fillRef>
+            <a:effectRef idx="0">
+              <a:schemeClr val="dk1"/>
+            </a:effectRef>
+            <a:fontRef idx="minor">
+              <a:schemeClr val="lt1"/>
+            </a:fontRef>
+          </p:style>
+          <p:txBody>
+            <a:bodyPr rtlCol="0" anchor="ctr"/>
+            <a:lstStyle/>
+            <a:p>
+              <a:pPr algn="ctr"/>
+              <a:endParaRPr lang="en-US"/>
+            </a:p>
+          </p:txBody>
+        </p:sp>
+        <p:sp>
+          <p:nvSpPr>
+            <p:cNvPr id="25" name="Rounded Rectangle 24"/>
+            <p:cNvSpPr/>
+            <p:nvPr/>
+          </p:nvSpPr>
+          <p:spPr>
+            <a:xfrm rot="16200000">
+              <a:off x="4171726" y="651279"/>
+              <a:ext cx="600840" cy="45719"/>
+            </a:xfrm>
+            <a:prstGeom prst="roundRect">
+              <a:avLst/>
+            </a:prstGeom>
+            <a:solidFill>
+              <a:schemeClr val="bg1">
+                <a:lumMod val="95000"/>
+              </a:schemeClr>
+            </a:solidFill>
+            <a:ln>
+              <a:noFill/>
+            </a:ln>
+          </p:spPr>
+          <p:style>
+            <a:lnRef idx="2">
+              <a:schemeClr val="dk1">
+                <a:shade val="50000"/>
+              </a:schemeClr>
+            </a:lnRef>
+            <a:fillRef idx="1">
+              <a:schemeClr val="dk1"/>
+            </a:fillRef>
+            <a:effectRef idx="0">
+              <a:schemeClr val="dk1"/>
+            </a:effectRef>
+            <a:fontRef idx="minor">
+              <a:schemeClr val="lt1"/>
+            </a:fontRef>
+          </p:style>
+          <p:txBody>
+            <a:bodyPr rtlCol="0" anchor="ctr"/>
+            <a:lstStyle/>
+            <a:p>
+              <a:pPr algn="ctr"/>
+              <a:endParaRPr lang="en-US"/>
+            </a:p>
+          </p:txBody>
+        </p:sp>
+      </p:grpSp>
+      <p:sp>
+        <p:nvSpPr>
+          <p:cNvPr id="22" name="Snip Single Corner Rectangle 21"/>
+          <p:cNvSpPr/>
+          <p:nvPr/>
+        </p:nvSpPr>
+        <p:spPr>
+          <a:xfrm flipH="1">
+            <a:off x="7181126" y="3072275"/>
+            <a:ext cx="1899713" cy="3058620"/>
+          </a:xfrm>
+          <a:prstGeom prst="snip1Rect">
+            <a:avLst/>
+          </a:prstGeom>
+          <a:solidFill>
+            <a:schemeClr val="bg1">
+              <a:lumMod val="75000"/>
+            </a:schemeClr>
+          </a:solidFill>
+          <a:ln>
+            <a:noFill/>
+          </a:ln>
+        </p:spPr>
+        <p:style>
+          <a:lnRef idx="2">
+            <a:schemeClr val="accent3">
+              <a:shade val="50000"/>
+            </a:schemeClr>
+          </a:lnRef>
+          <a:fillRef idx="1">
+            <a:schemeClr val="accent3"/>
+          </a:fillRef>
+          <a:effectRef idx="0">
+            <a:schemeClr val="accent3"/>
+          </a:effectRef>
+          <a:fontRef idx="minor">
+            <a:schemeClr val="lt1"/>
+          </a:fontRef>
+        </p:style>
+        <p:txBody>
+          <a:bodyPr rtlCol="0" anchor="ctr"/>
+          <a:lstStyle/>
+          <a:p>
+            <a:pPr algn="ctr"/>
+            <a:endParaRPr lang="en-US"/>
+          </a:p>
+        </p:txBody>
+      </p:sp>
+      <p:sp>
+        <p:nvSpPr>
+          <p:cNvPr id="10" name="Snip Single Corner Rectangle 9"/>
+          <p:cNvSpPr/>
+          <p:nvPr/>
+        </p:nvSpPr>
+        <p:spPr>
+          <a:xfrm>
+            <a:off x="68275" y="3072275"/>
+            <a:ext cx="1925412" cy="3058620"/>
+          </a:xfrm>
+          <a:prstGeom prst="snip1Rect">
+            <a:avLst/>
+          </a:prstGeom>
+          <a:solidFill>
+            <a:schemeClr val="bg1">
+              <a:lumMod val="75000"/>
+            </a:schemeClr>
+          </a:solidFill>
+          <a:ln>
+            <a:noFill/>
+          </a:ln>
+        </p:spPr>
+        <p:style>
+          <a:lnRef idx="2">
+            <a:schemeClr val="accent3">
+              <a:shade val="50000"/>
+            </a:schemeClr>
+          </a:lnRef>
+          <a:fillRef idx="1">
+            <a:schemeClr val="accent3"/>
+          </a:fillRef>
+          <a:effectRef idx="0">
+            <a:schemeClr val="accent3"/>
+          </a:effectRef>
+          <a:fontRef idx="minor">
+            <a:schemeClr val="lt1"/>
+          </a:fontRef>
+        </p:style>
+        <p:txBody>
+          <a:bodyPr rtlCol="0" anchor="ctr"/>
+          <a:lstStyle/>
+          <a:p>
+            <a:pPr algn="ctr"/>
+            <a:endParaRPr lang="en-US"/>
+          </a:p>
+        </p:txBody>
+      </p:sp>
+      <p:sp>
+        <p:nvSpPr>
+          <p:cNvPr id="2" name="Rectangle 1"/>
+          <p:cNvSpPr/>
+          <p:nvPr/>
+        </p:nvSpPr>
+        <p:spPr>
+          <a:xfrm>
+            <a:off x="300415" y="4533312"/>
+            <a:ext cx="1406506" cy="1406420"/>
+          </a:xfrm>
+          <a:prstGeom prst="rect">
+            <a:avLst/>
+          </a:prstGeom>
+        </p:spPr>
+        <p:style>
+          <a:lnRef idx="2">
+            <a:schemeClr val="dk1"/>
+          </a:lnRef>
+          <a:fillRef idx="1">
+            <a:schemeClr val="lt1"/>
+          </a:fillRef>
+          <a:effectRef idx="0">
+            <a:schemeClr val="dk1"/>
+          </a:effectRef>
+          <a:fontRef idx="minor">
+            <a:schemeClr val="dk1"/>
+          </a:fontRef>
+        </p:style>
+        <p:txBody>
+          <a:bodyPr rtlCol="0" anchor="ctr"/>
+          <a:lstStyle/>
+          <a:p>
+            <a:pPr algn="ctr"/>
+            <a:r>
+              <a:rPr lang="en-US" dirty="0" smtClean="0"/>
+              <a:t>Browser Internals</a:t>
+            </a:r>
+            <a:endParaRPr lang="en-US" dirty="0"/>
+          </a:p>
+        </p:txBody>
+      </p:sp>
+      <p:sp>
+        <p:nvSpPr>
+          <p:cNvPr id="4" name="Rectangle 3"/>
+          <p:cNvSpPr/>
+          <p:nvPr/>
+        </p:nvSpPr>
+        <p:spPr>
+          <a:xfrm>
+            <a:off x="7485352" y="4546967"/>
+            <a:ext cx="1406504" cy="1392765"/>
+          </a:xfrm>
+          <a:prstGeom prst="rect">
+            <a:avLst/>
+          </a:prstGeom>
+        </p:spPr>
+        <p:style>
+          <a:lnRef idx="2">
+            <a:schemeClr val="dk1"/>
+          </a:lnRef>
+          <a:fillRef idx="1">
+            <a:schemeClr val="lt1"/>
+          </a:fillRef>
+          <a:effectRef idx="0">
+            <a:schemeClr val="dk1"/>
+          </a:effectRef>
+          <a:fontRef idx="minor">
+            <a:schemeClr val="dk1"/>
+          </a:fontRef>
+        </p:style>
+        <p:txBody>
+          <a:bodyPr rtlCol="0" anchor="ctr"/>
+          <a:lstStyle/>
+          <a:p>
+            <a:pPr algn="ctr"/>
+            <a:r>
+              <a:rPr lang="en-US" dirty="0" smtClean="0"/>
+              <a:t>Browser Internals</a:t>
+            </a:r>
+            <a:endParaRPr lang="en-US" dirty="0"/>
+          </a:p>
+        </p:txBody>
+      </p:sp>
+      <p:sp>
+        <p:nvSpPr>
+          <p:cNvPr id="5" name="Rounded Rectangle 4"/>
+          <p:cNvSpPr/>
+          <p:nvPr/>
+        </p:nvSpPr>
+        <p:spPr>
+          <a:xfrm>
+            <a:off x="300417" y="3905203"/>
+            <a:ext cx="1406504" cy="614454"/>
+          </a:xfrm>
+          <a:prstGeom prst="roundRect">
+            <a:avLst/>
+          </a:prstGeom>
+          <a:solidFill>
+            <a:schemeClr val="tx1">
+              <a:lumMod val="50000"/>
+              <a:lumOff val="50000"/>
+            </a:schemeClr>
+          </a:solidFill>
+          <a:ln>
+            <a:noFill/>
+          </a:ln>
+        </p:spPr>
+        <p:style>
+          <a:lnRef idx="2">
+            <a:schemeClr val="dk1">
+              <a:shade val="50000"/>
+            </a:schemeClr>
+          </a:lnRef>
+          <a:fillRef idx="1">
+            <a:schemeClr val="dk1"/>
+          </a:fillRef>
+          <a:effectRef idx="0">
+            <a:schemeClr val="dk1"/>
+          </a:effectRef>
+          <a:fontRef idx="minor">
+            <a:schemeClr val="lt1"/>
+          </a:fontRef>
+        </p:style>
+        <p:txBody>
+          <a:bodyPr rtlCol="0" anchor="ctr"/>
+          <a:lstStyle/>
+          <a:p>
+            <a:pPr algn="ctr"/>
+            <a:r>
+              <a:rPr lang="en-US" sz="1600" dirty="0" err="1" smtClean="0">
+                <a:solidFill>
+                  <a:srgbClr val="000000"/>
+                </a:solidFill>
+              </a:rPr>
+              <a:t>WebRTC</a:t>
+            </a:r>
+            <a:r>
+              <a:rPr lang="en-US" sz="1600" dirty="0" smtClean="0">
+                <a:solidFill>
+                  <a:srgbClr val="000000"/>
+                </a:solidFill>
+              </a:rPr>
+              <a:t> API</a:t>
+            </a:r>
+            <a:endParaRPr lang="en-US" sz="1600" dirty="0">
+              <a:solidFill>
+                <a:srgbClr val="000000"/>
+              </a:solidFill>
+            </a:endParaRPr>
+          </a:p>
+        </p:txBody>
+      </p:sp>
+      <p:sp>
+        <p:nvSpPr>
+          <p:cNvPr id="6" name="Rounded Rectangle 5"/>
+          <p:cNvSpPr/>
+          <p:nvPr/>
+        </p:nvSpPr>
+        <p:spPr>
+          <a:xfrm>
+            <a:off x="7485352" y="3918858"/>
+            <a:ext cx="1406504" cy="614454"/>
+          </a:xfrm>
+          <a:prstGeom prst="roundRect">
+            <a:avLst/>
+          </a:prstGeom>
+          <a:solidFill>
+            <a:schemeClr val="tx1">
+              <a:lumMod val="50000"/>
+              <a:lumOff val="50000"/>
+            </a:schemeClr>
+          </a:solidFill>
+          <a:ln>
+            <a:noFill/>
+          </a:ln>
+        </p:spPr>
+        <p:style>
+          <a:lnRef idx="2">
+            <a:schemeClr val="dk1">
+              <a:shade val="50000"/>
+            </a:schemeClr>
+          </a:lnRef>
+          <a:fillRef idx="1">
+            <a:schemeClr val="dk1"/>
+          </a:fillRef>
+          <a:effectRef idx="0">
+            <a:schemeClr val="dk1"/>
+          </a:effectRef>
+          <a:fontRef idx="minor">
+            <a:schemeClr val="lt1"/>
+          </a:fontRef>
+        </p:style>
+        <p:txBody>
+          <a:bodyPr rtlCol="0" anchor="ctr"/>
+          <a:lstStyle/>
+          <a:p>
+            <a:pPr algn="ctr"/>
+            <a:r>
+              <a:rPr lang="en-US" sz="1600" dirty="0" err="1" smtClean="0">
+                <a:solidFill>
+                  <a:srgbClr val="000000"/>
+                </a:solidFill>
+              </a:rPr>
+              <a:t>WebRTC</a:t>
+            </a:r>
+            <a:r>
+              <a:rPr lang="en-US" sz="1600" dirty="0" smtClean="0">
+                <a:solidFill>
+                  <a:srgbClr val="000000"/>
+                </a:solidFill>
+              </a:rPr>
+              <a:t> API</a:t>
+            </a:r>
+            <a:endParaRPr lang="en-US" sz="1600" dirty="0">
+              <a:solidFill>
+                <a:srgbClr val="000000"/>
+              </a:solidFill>
+            </a:endParaRPr>
+          </a:p>
+        </p:txBody>
+      </p:sp>
+      <p:sp>
+        <p:nvSpPr>
+          <p:cNvPr id="7" name="Rounded Rectangle 6"/>
+          <p:cNvSpPr/>
+          <p:nvPr/>
+        </p:nvSpPr>
+        <p:spPr>
+          <a:xfrm>
+            <a:off x="300417" y="3277094"/>
+            <a:ext cx="1406504" cy="614454"/>
+          </a:xfrm>
+          <a:prstGeom prst="roundRect">
+            <a:avLst/>
+          </a:prstGeom>
+          <a:solidFill>
+            <a:schemeClr val="tx2">
+              <a:lumMod val="60000"/>
+              <a:lumOff val="40000"/>
+            </a:schemeClr>
+          </a:solidFill>
+          <a:ln>
+            <a:noFill/>
+          </a:ln>
+        </p:spPr>
+        <p:style>
+          <a:lnRef idx="2">
+            <a:schemeClr val="dk1">
+              <a:shade val="50000"/>
+            </a:schemeClr>
+          </a:lnRef>
+          <a:fillRef idx="1">
+            <a:schemeClr val="dk1"/>
+          </a:fillRef>
+          <a:effectRef idx="0">
+            <a:schemeClr val="dk1"/>
+          </a:effectRef>
+          <a:fontRef idx="minor">
+            <a:schemeClr val="lt1"/>
+          </a:fontRef>
+        </p:style>
+        <p:txBody>
+          <a:bodyPr rtlCol="0" anchor="ctr"/>
+          <a:lstStyle/>
+          <a:p>
+            <a:pPr algn="ctr"/>
+            <a:r>
+              <a:rPr lang="en-US" dirty="0" smtClean="0">
+                <a:solidFill>
+                  <a:srgbClr val="000000"/>
+                </a:solidFill>
+              </a:rPr>
+              <a:t>APP</a:t>
+            </a:r>
+            <a:endParaRPr lang="en-US" dirty="0">
+              <a:solidFill>
+                <a:srgbClr val="000000"/>
+              </a:solidFill>
+            </a:endParaRPr>
+          </a:p>
+        </p:txBody>
+      </p:sp>
+      <p:sp>
+        <p:nvSpPr>
+          <p:cNvPr id="9" name="Rounded Rectangle 8"/>
+          <p:cNvSpPr/>
+          <p:nvPr/>
+        </p:nvSpPr>
+        <p:spPr>
+          <a:xfrm>
+            <a:off x="7485352" y="3290749"/>
+            <a:ext cx="1406504" cy="614454"/>
+          </a:xfrm>
+          <a:prstGeom prst="roundRect">
+            <a:avLst/>
+          </a:prstGeom>
+          <a:solidFill>
+            <a:schemeClr val="tx2">
+              <a:lumMod val="60000"/>
+              <a:lumOff val="40000"/>
+            </a:schemeClr>
+          </a:solidFill>
+          <a:ln>
+            <a:noFill/>
+          </a:ln>
+        </p:spPr>
+        <p:style>
+          <a:lnRef idx="2">
+            <a:schemeClr val="dk1">
+              <a:shade val="50000"/>
+            </a:schemeClr>
+          </a:lnRef>
+          <a:fillRef idx="1">
+            <a:schemeClr val="dk1"/>
+          </a:fillRef>
+          <a:effectRef idx="0">
+            <a:schemeClr val="dk1"/>
+          </a:effectRef>
+          <a:fontRef idx="minor">
+            <a:schemeClr val="lt1"/>
+          </a:fontRef>
+        </p:style>
+        <p:txBody>
+          <a:bodyPr rtlCol="0" anchor="ctr"/>
+          <a:lstStyle/>
+          <a:p>
+            <a:pPr algn="ctr"/>
+            <a:r>
+              <a:rPr lang="en-US" dirty="0" smtClean="0">
+                <a:solidFill>
+                  <a:srgbClr val="000000"/>
+                </a:solidFill>
+              </a:rPr>
+              <a:t>APP</a:t>
+            </a:r>
+            <a:endParaRPr lang="en-US" dirty="0">
+              <a:solidFill>
+                <a:srgbClr val="000000"/>
+              </a:solidFill>
+            </a:endParaRPr>
+          </a:p>
+        </p:txBody>
+      </p:sp>
+      <p:grpSp>
+        <p:nvGrpSpPr>
+          <p:cNvPr id="18" name="Group 17"/>
+          <p:cNvGrpSpPr/>
+          <p:nvPr/>
+        </p:nvGrpSpPr>
+        <p:grpSpPr>
+          <a:xfrm>
+            <a:off x="4151239" y="72842"/>
+            <a:ext cx="887601" cy="1106018"/>
+            <a:chOff x="4028344" y="109238"/>
+            <a:chExt cx="887601" cy="1106018"/>
+          </a:xfrm>
+        </p:grpSpPr>
+        <p:sp>
+          <p:nvSpPr>
+            <p:cNvPr id="12" name="Rounded Rectangle 11"/>
+            <p:cNvSpPr/>
+            <p:nvPr/>
+          </p:nvSpPr>
+          <p:spPr>
+            <a:xfrm>
+              <a:off x="4028344" y="109238"/>
+              <a:ext cx="887601" cy="1106018"/>
+            </a:xfrm>
+            <a:prstGeom prst="roundRect">
+              <a:avLst/>
+            </a:prstGeom>
+            <a:solidFill>
+              <a:schemeClr val="bg1">
+                <a:lumMod val="65000"/>
+              </a:schemeClr>
+            </a:solidFill>
+            <a:ln>
+              <a:noFill/>
+            </a:ln>
+          </p:spPr>
+          <p:style>
+            <a:lnRef idx="2">
+              <a:schemeClr val="dk1">
+                <a:shade val="50000"/>
+              </a:schemeClr>
+            </a:lnRef>
+            <a:fillRef idx="1">
+              <a:schemeClr val="dk1"/>
+            </a:fillRef>
+            <a:effectRef idx="0">
+              <a:schemeClr val="dk1"/>
+            </a:effectRef>
+            <a:fontRef idx="minor">
+              <a:schemeClr val="lt1"/>
+            </a:fontRef>
+          </p:style>
+          <p:txBody>
+            <a:bodyPr rtlCol="0" anchor="ctr"/>
+            <a:lstStyle/>
+            <a:p>
+              <a:pPr algn="ctr"/>
+              <a:endParaRPr lang="en-US"/>
+            </a:p>
+          </p:txBody>
+        </p:sp>
+        <p:sp>
+          <p:nvSpPr>
+            <p:cNvPr id="13" name="Rounded Rectangle 12"/>
+            <p:cNvSpPr/>
+            <p:nvPr/>
+          </p:nvSpPr>
+          <p:spPr>
+            <a:xfrm flipV="1">
+              <a:off x="4164899" y="314054"/>
+              <a:ext cx="600838" cy="45719"/>
+            </a:xfrm>
+            <a:prstGeom prst="roundRect">
+              <a:avLst/>
+            </a:prstGeom>
+            <a:solidFill>
+              <a:schemeClr val="bg1">
+                <a:lumMod val="95000"/>
+              </a:schemeClr>
+            </a:solidFill>
+            <a:ln>
+              <a:noFill/>
+            </a:ln>
+          </p:spPr>
+          <p:style>
+            <a:lnRef idx="2">
+              <a:schemeClr val="dk1">
+                <a:shade val="50000"/>
+              </a:schemeClr>
+            </a:lnRef>
+            <a:fillRef idx="1">
+              <a:schemeClr val="dk1"/>
+            </a:fillRef>
+            <a:effectRef idx="0">
+              <a:schemeClr val="dk1"/>
+            </a:effectRef>
+            <a:fontRef idx="minor">
+              <a:schemeClr val="lt1"/>
+            </a:fontRef>
+          </p:style>
+          <p:txBody>
+            <a:bodyPr rtlCol="0" anchor="ctr"/>
+            <a:lstStyle/>
+            <a:p>
+              <a:pPr algn="ctr"/>
+              <a:endParaRPr lang="en-US"/>
+            </a:p>
+          </p:txBody>
+        </p:sp>
+        <p:sp>
+          <p:nvSpPr>
+            <p:cNvPr id="15" name="Rounded Rectangle 14"/>
+            <p:cNvSpPr/>
+            <p:nvPr/>
+          </p:nvSpPr>
+          <p:spPr>
+            <a:xfrm flipV="1">
+              <a:off x="4164899" y="466454"/>
+              <a:ext cx="600838" cy="45719"/>
+            </a:xfrm>
+            <a:prstGeom prst="roundRect">
+              <a:avLst/>
+            </a:prstGeom>
+            <a:solidFill>
+              <a:schemeClr val="bg1">
+                <a:lumMod val="95000"/>
+              </a:schemeClr>
+            </a:solidFill>
+            <a:ln>
+              <a:noFill/>
+            </a:ln>
+          </p:spPr>
+          <p:style>
+            <a:lnRef idx="2">
+              <a:schemeClr val="dk1">
+                <a:shade val="50000"/>
+              </a:schemeClr>
+            </a:lnRef>
+            <a:fillRef idx="1">
+              <a:schemeClr val="dk1"/>
+            </a:fillRef>
+            <a:effectRef idx="0">
+              <a:schemeClr val="dk1"/>
+            </a:effectRef>
+            <a:fontRef idx="minor">
+              <a:schemeClr val="lt1"/>
+            </a:fontRef>
+          </p:style>
+          <p:txBody>
+            <a:bodyPr rtlCol="0" anchor="ctr"/>
+            <a:lstStyle/>
+            <a:p>
+              <a:pPr algn="ctr"/>
+              <a:endParaRPr lang="en-US"/>
+            </a:p>
+          </p:txBody>
+        </p:sp>
+        <p:sp>
+          <p:nvSpPr>
+            <p:cNvPr id="16" name="Rounded Rectangle 15"/>
+            <p:cNvSpPr/>
+            <p:nvPr/>
+          </p:nvSpPr>
+          <p:spPr>
+            <a:xfrm flipV="1">
+              <a:off x="4164899" y="616654"/>
+              <a:ext cx="600838" cy="45719"/>
+            </a:xfrm>
+            <a:prstGeom prst="roundRect">
+              <a:avLst/>
+            </a:prstGeom>
+            <a:solidFill>
+              <a:schemeClr val="bg1">
+                <a:lumMod val="95000"/>
+              </a:schemeClr>
+            </a:solidFill>
+            <a:ln>
+              <a:noFill/>
+            </a:ln>
+          </p:spPr>
+          <p:style>
+            <a:lnRef idx="2">
+              <a:schemeClr val="dk1">
+                <a:shade val="50000"/>
+              </a:schemeClr>
+            </a:lnRef>
+            <a:fillRef idx="1">
+              <a:schemeClr val="dk1"/>
+            </a:fillRef>
+            <a:effectRef idx="0">
+              <a:schemeClr val="dk1"/>
+            </a:effectRef>
+            <a:fontRef idx="minor">
+              <a:schemeClr val="lt1"/>
+            </a:fontRef>
+          </p:style>
+          <p:txBody>
+            <a:bodyPr rtlCol="0" anchor="ctr"/>
+            <a:lstStyle/>
+            <a:p>
+              <a:pPr algn="ctr"/>
+              <a:endParaRPr lang="en-US"/>
+            </a:p>
+          </p:txBody>
+        </p:sp>
+      </p:grpSp>
+      <p:sp>
+        <p:nvSpPr>
+          <p:cNvPr id="17" name="TextBox 16"/>
           <p:cNvSpPr txBox="1"/>
           <p:nvPr/>
         </p:nvSpPr>
         <p:spPr>
           <a:xfrm>
-            <a:off x="6256192" y="4705703"/>
-            <a:ext cx="864339" cy="369332"/>
+            <a:off x="4015270" y="1206170"/>
+            <a:ext cx="1146468" cy="646331"/>
           </a:xfrm>
           <a:prstGeom prst="rect">
             <a:avLst/>
@@ -7061,10 +8182,16 @@
           <a:p>
             <a:pPr algn="ctr"/>
             <a:r>
-              <a:rPr lang="en-US" dirty="0" smtClean="0">
-                <a:latin typeface="+mj-lt"/>
-              </a:rPr>
-              <a:t>media</a:t>
+              <a:rPr lang="en-US" dirty="0" err="1" smtClean="0"/>
+              <a:t>WebRTC</a:t>
+            </a:r>
+            <a:endParaRPr lang="en-US" dirty="0" smtClean="0"/>
+          </a:p>
+          <a:p>
+            <a:pPr algn="ctr"/>
+            <a:r>
+              <a:rPr lang="en-US" dirty="0" smtClean="0"/>
+              <a:t>Server</a:t>
             </a:r>
             <a:endParaRPr lang="en-US" dirty="0"/>
           </a:p>
@@ -7072,21 +8199,28 @@
       </p:sp>
       <p:cxnSp>
         <p:nvCxnSpPr>
-          <p:cNvPr id="31" name="Straight Arrow Connector 34"/>
+          <p:cNvPr id="20" name="Elbow Connector 19"/>
           <p:cNvCxnSpPr>
-            <a:stCxn id="25" idx="0"/>
+            <a:stCxn id="7" idx="0"/>
+            <a:endCxn id="12" idx="1"/>
           </p:cNvCxnSpPr>
           <p:nvPr/>
         </p:nvCxnSpPr>
         <p:spPr>
           <a:xfrm rot="5400000" flipH="1" flipV="1">
-            <a:off x="6938659" y="4128032"/>
-            <a:ext cx="327374" cy="827968"/>
+            <a:off x="1251833" y="377688"/>
+            <a:ext cx="2651243" cy="3147570"/>
           </a:xfrm>
           <a:prstGeom prst="bentConnector2">
             <a:avLst/>
           </a:prstGeom>
-          <a:ln>
+          <a:ln w="19050" cmpd="sng">
+            <a:solidFill>
+              <a:schemeClr val="tx1">
+                <a:lumMod val="65000"/>
+                <a:lumOff val="35000"/>
+              </a:schemeClr>
+            </a:solidFill>
             <a:tailEnd type="arrow"/>
           </a:ln>
         </p:spPr>
@@ -7107,21 +8241,28 @@
       </p:cxnSp>
       <p:cxnSp>
         <p:nvCxnSpPr>
-          <p:cNvPr id="33" name="Straight Arrow Connector 34"/>
+          <p:cNvPr id="21" name="Elbow Connector 20"/>
           <p:cNvCxnSpPr>
-            <a:stCxn id="25" idx="2"/>
+            <a:stCxn id="9" idx="0"/>
+            <a:endCxn id="12" idx="3"/>
           </p:cNvCxnSpPr>
           <p:nvPr/>
         </p:nvCxnSpPr>
         <p:spPr>
-          <a:xfrm rot="16200000" flipH="1">
-            <a:off x="6979785" y="4783611"/>
-            <a:ext cx="245122" cy="827969"/>
+          <a:xfrm rot="16200000" flipV="1">
+            <a:off x="5281273" y="383418"/>
+            <a:ext cx="2664898" cy="3149764"/>
           </a:xfrm>
           <a:prstGeom prst="bentConnector2">
             <a:avLst/>
           </a:prstGeom>
-          <a:ln>
+          <a:ln w="19050" cmpd="sng">
+            <a:solidFill>
+              <a:schemeClr val="tx1">
+                <a:lumMod val="65000"/>
+                <a:lumOff val="35000"/>
+              </a:schemeClr>
+            </a:solidFill>
             <a:tailEnd type="arrow"/>
           </a:ln>
         </p:spPr>
@@ -7140,23 +8281,290 @@
           </a:fontRef>
         </p:style>
       </p:cxnSp>
+      <p:sp>
+        <p:nvSpPr>
+          <p:cNvPr id="26" name="Left-Right Arrow 25"/>
+          <p:cNvSpPr/>
+          <p:nvPr/>
+        </p:nvSpPr>
+        <p:spPr>
+          <a:xfrm>
+            <a:off x="1706922" y="5175076"/>
+            <a:ext cx="4410695" cy="409637"/>
+          </a:xfrm>
+          <a:prstGeom prst="leftRightArrow">
+            <a:avLst/>
+          </a:prstGeom>
+          <a:solidFill>
+            <a:schemeClr val="tx1">
+              <a:lumMod val="75000"/>
+              <a:lumOff val="25000"/>
+            </a:schemeClr>
+          </a:solidFill>
+          <a:ln>
+            <a:noFill/>
+          </a:ln>
+        </p:spPr>
+        <p:style>
+          <a:lnRef idx="2">
+            <a:schemeClr val="dk1">
+              <a:shade val="50000"/>
+            </a:schemeClr>
+          </a:lnRef>
+          <a:fillRef idx="1">
+            <a:schemeClr val="dk1"/>
+          </a:fillRef>
+          <a:effectRef idx="0">
+            <a:schemeClr val="dk1"/>
+          </a:effectRef>
+          <a:fontRef idx="minor">
+            <a:schemeClr val="lt1"/>
+          </a:fontRef>
+        </p:style>
+        <p:txBody>
+          <a:bodyPr rtlCol="0" anchor="ctr"/>
+          <a:lstStyle/>
+          <a:p>
+            <a:pPr algn="ctr"/>
+            <a:endParaRPr lang="en-US"/>
+          </a:p>
+        </p:txBody>
+      </p:sp>
+      <p:sp>
+        <p:nvSpPr>
+          <p:cNvPr id="27" name="TextBox 26"/>
+          <p:cNvSpPr txBox="1"/>
+          <p:nvPr/>
+        </p:nvSpPr>
+        <p:spPr>
+          <a:xfrm>
+            <a:off x="1297259" y="27310"/>
+            <a:ext cx="2308349" cy="615553"/>
+          </a:xfrm>
+          <a:prstGeom prst="rect">
+            <a:avLst/>
+          </a:prstGeom>
+          <a:noFill/>
+        </p:spPr>
+        <p:txBody>
+          <a:bodyPr vert="horz" wrap="square" rtlCol="0">
+            <a:spAutoFit/>
+          </a:bodyPr>
+          <a:lstStyle/>
+          <a:p>
+            <a:pPr algn="ctr"/>
+            <a:r>
+              <a:rPr lang="en-US" dirty="0" smtClean="0">
+                <a:latin typeface="+mj-lt"/>
+              </a:rPr>
+              <a:t>Signaling </a:t>
+            </a:r>
+            <a:r>
+              <a:rPr lang="en-US" dirty="0" smtClean="0">
+                <a:latin typeface="+mj-lt"/>
+              </a:rPr>
+              <a:t>Protocol</a:t>
+            </a:r>
+            <a:r>
+              <a:rPr lang="en-US" dirty="0">
+                <a:latin typeface="+mj-lt"/>
+              </a:rPr>
+              <a:t> </a:t>
+            </a:r>
+            <a:r>
+              <a:rPr lang="en-US" sz="1600" dirty="0" smtClean="0"/>
+              <a:t>(e.g., SIP, Jingle, …)</a:t>
+            </a:r>
+            <a:endParaRPr lang="en-US" dirty="0" smtClean="0"/>
+          </a:p>
+        </p:txBody>
+      </p:sp>
+      <p:sp>
+        <p:nvSpPr>
+          <p:cNvPr id="3" name="TextBox 2"/>
+          <p:cNvSpPr txBox="1"/>
+          <p:nvPr/>
+        </p:nvSpPr>
+        <p:spPr>
+          <a:xfrm>
+            <a:off x="2634122" y="4874465"/>
+            <a:ext cx="2762295" cy="1200329"/>
+          </a:xfrm>
+          <a:prstGeom prst="rect">
+            <a:avLst/>
+          </a:prstGeom>
+          <a:noFill/>
+        </p:spPr>
+        <p:txBody>
+          <a:bodyPr wrap="none" rtlCol="0">
+            <a:spAutoFit/>
+          </a:bodyPr>
+          <a:lstStyle/>
+          <a:p>
+            <a:pPr algn="ctr"/>
+            <a:r>
+              <a:rPr lang="en-US" dirty="0" err="1" smtClean="0">
+                <a:latin typeface="+mj-lt"/>
+              </a:rPr>
+              <a:t>PeerConnection</a:t>
+            </a:r>
+            <a:endParaRPr lang="en-US" dirty="0" smtClean="0">
+              <a:latin typeface="+mj-lt"/>
+            </a:endParaRPr>
+          </a:p>
+          <a:p>
+            <a:endParaRPr lang="en-US" dirty="0" smtClean="0"/>
+          </a:p>
+          <a:p>
+            <a:r>
+              <a:rPr lang="en-US" dirty="0" smtClean="0">
+                <a:latin typeface="+mj-lt"/>
+              </a:rPr>
+              <a:t>SRTP</a:t>
+            </a:r>
+            <a:r>
+              <a:rPr lang="en-US" dirty="0" smtClean="0"/>
+              <a:t>/DTLS/UDP</a:t>
+            </a:r>
+          </a:p>
+          <a:p>
+            <a:r>
+              <a:rPr lang="en-US" dirty="0" smtClean="0">
+                <a:latin typeface="+mj-lt"/>
+              </a:rPr>
+              <a:t>Data</a:t>
+            </a:r>
+            <a:r>
+              <a:rPr lang="en-US" dirty="0" smtClean="0"/>
+              <a:t>/SCTP/DTLS/UDP</a:t>
+            </a:r>
+            <a:endParaRPr lang="en-US" dirty="0"/>
+          </a:p>
+        </p:txBody>
+      </p:sp>
+      <p:sp>
+        <p:nvSpPr>
+          <p:cNvPr id="31" name="Left-Right Arrow 30"/>
+          <p:cNvSpPr/>
+          <p:nvPr/>
+        </p:nvSpPr>
+        <p:spPr>
+          <a:xfrm>
+            <a:off x="6415562" y="5175076"/>
+            <a:ext cx="1069790" cy="409637"/>
+          </a:xfrm>
+          <a:prstGeom prst="leftRightArrow">
+            <a:avLst/>
+          </a:prstGeom>
+          <a:solidFill>
+            <a:schemeClr val="tx1">
+              <a:lumMod val="75000"/>
+              <a:lumOff val="25000"/>
+            </a:schemeClr>
+          </a:solidFill>
+          <a:ln>
+            <a:noFill/>
+          </a:ln>
+        </p:spPr>
+        <p:style>
+          <a:lnRef idx="2">
+            <a:schemeClr val="dk1">
+              <a:shade val="50000"/>
+            </a:schemeClr>
+          </a:lnRef>
+          <a:fillRef idx="1">
+            <a:schemeClr val="dk1"/>
+          </a:fillRef>
+          <a:effectRef idx="0">
+            <a:schemeClr val="dk1"/>
+          </a:effectRef>
+          <a:fontRef idx="minor">
+            <a:schemeClr val="lt1"/>
+          </a:fontRef>
+        </p:style>
+        <p:txBody>
+          <a:bodyPr rtlCol="0" anchor="ctr"/>
+          <a:lstStyle/>
+          <a:p>
+            <a:pPr algn="ctr"/>
+            <a:endParaRPr lang="en-US"/>
+          </a:p>
+        </p:txBody>
+      </p:sp>
+      <p:sp>
+        <p:nvSpPr>
+          <p:cNvPr id="8" name="TextBox 7"/>
+          <p:cNvSpPr txBox="1"/>
+          <p:nvPr/>
+        </p:nvSpPr>
+        <p:spPr>
+          <a:xfrm>
+            <a:off x="5514980" y="5830283"/>
+            <a:ext cx="1518568" cy="1077218"/>
+          </a:xfrm>
+          <a:prstGeom prst="rect">
+            <a:avLst/>
+          </a:prstGeom>
+          <a:noFill/>
+        </p:spPr>
+        <p:txBody>
+          <a:bodyPr wrap="square" rtlCol="0">
+            <a:spAutoFit/>
+          </a:bodyPr>
+          <a:lstStyle/>
+          <a:p>
+            <a:pPr algn="ctr"/>
+            <a:r>
+              <a:rPr lang="en-US" dirty="0" smtClean="0">
+                <a:latin typeface="+mj-lt"/>
+              </a:rPr>
+              <a:t>Network Monitoring</a:t>
+            </a:r>
+          </a:p>
+          <a:p>
+            <a:pPr marL="285750" indent="-285750">
+              <a:buFont typeface="Arial"/>
+              <a:buChar char="•"/>
+            </a:pPr>
+            <a:r>
+              <a:rPr lang="en-US" sz="1400" dirty="0" smtClean="0"/>
+              <a:t>TURN</a:t>
+            </a:r>
+          </a:p>
+          <a:p>
+            <a:pPr marL="285750" indent="-285750">
+              <a:buFont typeface="Arial"/>
+              <a:buChar char="•"/>
+            </a:pPr>
+            <a:r>
+              <a:rPr lang="en-US" sz="1400" dirty="0" smtClean="0"/>
+              <a:t>Gateway</a:t>
+            </a:r>
+            <a:endParaRPr lang="en-US" sz="1400" dirty="0"/>
+          </a:p>
+        </p:txBody>
+      </p:sp>
       <p:cxnSp>
         <p:nvCxnSpPr>
-          <p:cNvPr id="36" name="Straight Arrow Connector 35"/>
+          <p:cNvPr id="42" name="Curved Connector 41"/>
           <p:cNvCxnSpPr>
-            <a:stCxn id="25" idx="3"/>
+            <a:stCxn id="5" idx="1"/>
+            <a:endCxn id="7" idx="1"/>
           </p:cNvCxnSpPr>
           <p:nvPr/>
         </p:nvCxnSpPr>
         <p:spPr>
-          <a:xfrm>
-            <a:off x="7120531" y="4890369"/>
-            <a:ext cx="395801" cy="0"/>
-          </a:xfrm>
-          <a:prstGeom prst="straightConnector1">
-            <a:avLst/>
+          <a:xfrm rot="10800000">
+            <a:off x="300417" y="3584322"/>
+            <a:ext cx="12700" cy="628109"/>
+          </a:xfrm>
+          <a:prstGeom prst="curvedConnector3">
+            <a:avLst>
+              <a:gd name="adj1" fmla="val 1800000"/>
+            </a:avLst>
           </a:prstGeom>
           <a:ln>
+            <a:headEnd type="none"/>
             <a:tailEnd type="arrow"/>
           </a:ln>
         </p:spPr>
@@ -7177,14 +8585,357 @@
       </p:cxnSp>
       <p:sp>
         <p:nvSpPr>
-          <p:cNvPr id="37" name="TextBox 36"/>
+          <p:cNvPr id="45" name="TextBox 44"/>
           <p:cNvSpPr txBox="1"/>
           <p:nvPr/>
         </p:nvSpPr>
         <p:spPr>
           <a:xfrm>
-            <a:off x="7538774" y="4197871"/>
-            <a:ext cx="819455" cy="369332"/>
+            <a:off x="-684044" y="2964557"/>
+            <a:ext cx="738664" cy="1926168"/>
+          </a:xfrm>
+          <a:prstGeom prst="rect">
+            <a:avLst/>
+          </a:prstGeom>
+          <a:noFill/>
+        </p:spPr>
+        <p:txBody>
+          <a:bodyPr vert="vert270" wrap="none" rtlCol="0">
+            <a:spAutoFit/>
+          </a:bodyPr>
+          <a:lstStyle/>
+          <a:p>
+            <a:pPr algn="ctr"/>
+            <a:r>
+              <a:rPr lang="en-US" dirty="0">
+                <a:latin typeface="+mj-lt"/>
+              </a:rPr>
+              <a:t>Client Monitoring</a:t>
+            </a:r>
+            <a:endParaRPr lang="en-US" dirty="0" smtClean="0">
+              <a:latin typeface="+mj-lt"/>
+            </a:endParaRPr>
+          </a:p>
+          <a:p>
+            <a:pPr algn="ctr"/>
+            <a:r>
+              <a:rPr lang="en-US" dirty="0" smtClean="0"/>
+              <a:t>STATS API</a:t>
+            </a:r>
+          </a:p>
+        </p:txBody>
+      </p:sp>
+      <p:grpSp>
+        <p:nvGrpSpPr>
+          <p:cNvPr id="58" name="Group 57"/>
+          <p:cNvGrpSpPr/>
+          <p:nvPr/>
+        </p:nvGrpSpPr>
+        <p:grpSpPr>
+          <a:xfrm rot="5400000">
+            <a:off x="4086747" y="2587512"/>
+            <a:ext cx="887601" cy="1106018"/>
+            <a:chOff x="4015270" y="2641238"/>
+            <a:chExt cx="887601" cy="1106018"/>
+          </a:xfrm>
+        </p:grpSpPr>
+        <p:sp>
+          <p:nvSpPr>
+            <p:cNvPr id="47" name="Rounded Rectangle 46"/>
+            <p:cNvSpPr/>
+            <p:nvPr/>
+          </p:nvSpPr>
+          <p:spPr>
+            <a:xfrm>
+              <a:off x="4015270" y="2641238"/>
+              <a:ext cx="887601" cy="1106018"/>
+            </a:xfrm>
+            <a:prstGeom prst="roundRect">
+              <a:avLst/>
+            </a:prstGeom>
+            <a:solidFill>
+              <a:srgbClr val="2397E2"/>
+            </a:solidFill>
+            <a:ln>
+              <a:noFill/>
+            </a:ln>
+          </p:spPr>
+          <p:style>
+            <a:lnRef idx="2">
+              <a:schemeClr val="dk1">
+                <a:shade val="50000"/>
+              </a:schemeClr>
+            </a:lnRef>
+            <a:fillRef idx="1">
+              <a:schemeClr val="dk1"/>
+            </a:fillRef>
+            <a:effectRef idx="0">
+              <a:schemeClr val="dk1"/>
+            </a:effectRef>
+            <a:fontRef idx="minor">
+              <a:schemeClr val="lt1"/>
+            </a:fontRef>
+          </p:style>
+          <p:txBody>
+            <a:bodyPr rtlCol="0" anchor="ctr"/>
+            <a:lstStyle/>
+            <a:p>
+              <a:pPr algn="ctr"/>
+              <a:endParaRPr lang="en-US"/>
+            </a:p>
+          </p:txBody>
+        </p:sp>
+        <p:sp>
+          <p:nvSpPr>
+            <p:cNvPr id="48" name="Rounded Rectangle 47"/>
+            <p:cNvSpPr/>
+            <p:nvPr/>
+          </p:nvSpPr>
+          <p:spPr>
+            <a:xfrm flipV="1">
+              <a:off x="4151825" y="2846054"/>
+              <a:ext cx="600838" cy="45719"/>
+            </a:xfrm>
+            <a:prstGeom prst="roundRect">
+              <a:avLst/>
+            </a:prstGeom>
+            <a:solidFill>
+              <a:schemeClr val="bg1">
+                <a:lumMod val="95000"/>
+              </a:schemeClr>
+            </a:solidFill>
+            <a:ln>
+              <a:noFill/>
+            </a:ln>
+          </p:spPr>
+          <p:style>
+            <a:lnRef idx="2">
+              <a:schemeClr val="dk1">
+                <a:shade val="50000"/>
+              </a:schemeClr>
+            </a:lnRef>
+            <a:fillRef idx="1">
+              <a:schemeClr val="dk1"/>
+            </a:fillRef>
+            <a:effectRef idx="0">
+              <a:schemeClr val="dk1"/>
+            </a:effectRef>
+            <a:fontRef idx="minor">
+              <a:schemeClr val="lt1"/>
+            </a:fontRef>
+          </p:style>
+          <p:txBody>
+            <a:bodyPr rtlCol="0" anchor="ctr"/>
+            <a:lstStyle/>
+            <a:p>
+              <a:pPr algn="ctr"/>
+              <a:endParaRPr lang="en-US"/>
+            </a:p>
+          </p:txBody>
+        </p:sp>
+        <p:sp>
+          <p:nvSpPr>
+            <p:cNvPr id="52" name="Rounded Rectangle 51"/>
+            <p:cNvSpPr/>
+            <p:nvPr/>
+          </p:nvSpPr>
+          <p:spPr>
+            <a:xfrm flipV="1">
+              <a:off x="4154020" y="2998454"/>
+              <a:ext cx="600838" cy="45719"/>
+            </a:xfrm>
+            <a:prstGeom prst="roundRect">
+              <a:avLst/>
+            </a:prstGeom>
+            <a:solidFill>
+              <a:schemeClr val="bg1">
+                <a:lumMod val="95000"/>
+              </a:schemeClr>
+            </a:solidFill>
+            <a:ln>
+              <a:noFill/>
+            </a:ln>
+          </p:spPr>
+          <p:style>
+            <a:lnRef idx="2">
+              <a:schemeClr val="dk1">
+                <a:shade val="50000"/>
+              </a:schemeClr>
+            </a:lnRef>
+            <a:fillRef idx="1">
+              <a:schemeClr val="dk1"/>
+            </a:fillRef>
+            <a:effectRef idx="0">
+              <a:schemeClr val="dk1"/>
+            </a:effectRef>
+            <a:fontRef idx="minor">
+              <a:schemeClr val="lt1"/>
+            </a:fontRef>
+          </p:style>
+          <p:txBody>
+            <a:bodyPr rtlCol="0" anchor="ctr"/>
+            <a:lstStyle/>
+            <a:p>
+              <a:pPr algn="ctr"/>
+              <a:endParaRPr lang="en-US"/>
+            </a:p>
+          </p:txBody>
+        </p:sp>
+        <p:sp>
+          <p:nvSpPr>
+            <p:cNvPr id="55" name="Rounded Rectangle 54"/>
+            <p:cNvSpPr/>
+            <p:nvPr/>
+          </p:nvSpPr>
+          <p:spPr>
+            <a:xfrm flipV="1">
+              <a:off x="4156215" y="3150854"/>
+              <a:ext cx="600838" cy="45719"/>
+            </a:xfrm>
+            <a:prstGeom prst="roundRect">
+              <a:avLst/>
+            </a:prstGeom>
+            <a:solidFill>
+              <a:schemeClr val="bg1">
+                <a:lumMod val="95000"/>
+              </a:schemeClr>
+            </a:solidFill>
+            <a:ln>
+              <a:noFill/>
+            </a:ln>
+          </p:spPr>
+          <p:style>
+            <a:lnRef idx="2">
+              <a:schemeClr val="dk1">
+                <a:shade val="50000"/>
+              </a:schemeClr>
+            </a:lnRef>
+            <a:fillRef idx="1">
+              <a:schemeClr val="dk1"/>
+            </a:fillRef>
+            <a:effectRef idx="0">
+              <a:schemeClr val="dk1"/>
+            </a:effectRef>
+            <a:fontRef idx="minor">
+              <a:schemeClr val="lt1"/>
+            </a:fontRef>
+          </p:style>
+          <p:txBody>
+            <a:bodyPr rtlCol="0" anchor="ctr"/>
+            <a:lstStyle/>
+            <a:p>
+              <a:pPr algn="ctr"/>
+              <a:endParaRPr lang="en-US"/>
+            </a:p>
+          </p:txBody>
+        </p:sp>
+        <p:sp>
+          <p:nvSpPr>
+            <p:cNvPr id="56" name="Rounded Rectangle 55"/>
+            <p:cNvSpPr/>
+            <p:nvPr/>
+          </p:nvSpPr>
+          <p:spPr>
+            <a:xfrm flipV="1">
+              <a:off x="4158410" y="3303254"/>
+              <a:ext cx="600838" cy="45719"/>
+            </a:xfrm>
+            <a:prstGeom prst="roundRect">
+              <a:avLst/>
+            </a:prstGeom>
+            <a:solidFill>
+              <a:schemeClr val="bg1">
+                <a:lumMod val="95000"/>
+              </a:schemeClr>
+            </a:solidFill>
+            <a:ln>
+              <a:noFill/>
+            </a:ln>
+          </p:spPr>
+          <p:style>
+            <a:lnRef idx="2">
+              <a:schemeClr val="dk1">
+                <a:shade val="50000"/>
+              </a:schemeClr>
+            </a:lnRef>
+            <a:fillRef idx="1">
+              <a:schemeClr val="dk1"/>
+            </a:fillRef>
+            <a:effectRef idx="0">
+              <a:schemeClr val="dk1"/>
+            </a:effectRef>
+            <a:fontRef idx="minor">
+              <a:schemeClr val="lt1"/>
+            </a:fontRef>
+          </p:style>
+          <p:txBody>
+            <a:bodyPr rtlCol="0" anchor="ctr"/>
+            <a:lstStyle/>
+            <a:p>
+              <a:pPr algn="ctr"/>
+              <a:endParaRPr lang="en-US"/>
+            </a:p>
+          </p:txBody>
+        </p:sp>
+        <p:sp>
+          <p:nvSpPr>
+            <p:cNvPr id="57" name="Rounded Rectangle 56"/>
+            <p:cNvSpPr/>
+            <p:nvPr/>
+          </p:nvSpPr>
+          <p:spPr>
+            <a:xfrm flipV="1">
+              <a:off x="4160605" y="3455654"/>
+              <a:ext cx="600838" cy="45719"/>
+            </a:xfrm>
+            <a:prstGeom prst="roundRect">
+              <a:avLst/>
+            </a:prstGeom>
+            <a:solidFill>
+              <a:schemeClr val="bg1">
+                <a:lumMod val="95000"/>
+              </a:schemeClr>
+            </a:solidFill>
+            <a:ln>
+              <a:noFill/>
+            </a:ln>
+          </p:spPr>
+          <p:style>
+            <a:lnRef idx="2">
+              <a:schemeClr val="dk1">
+                <a:shade val="50000"/>
+              </a:schemeClr>
+            </a:lnRef>
+            <a:fillRef idx="1">
+              <a:schemeClr val="dk1"/>
+            </a:fillRef>
+            <a:effectRef idx="0">
+              <a:schemeClr val="dk1"/>
+            </a:effectRef>
+            <a:fontRef idx="minor">
+              <a:schemeClr val="lt1"/>
+            </a:fontRef>
+          </p:style>
+          <p:txBody>
+            <a:bodyPr rtlCol="0" anchor="ctr"/>
+            <a:lstStyle/>
+            <a:p>
+              <a:pPr algn="ctr"/>
+              <a:endParaRPr lang="en-US"/>
+            </a:p>
+          </p:txBody>
+        </p:sp>
+      </p:grpSp>
+      <p:sp>
+        <p:nvSpPr>
+          <p:cNvPr id="59" name="TextBox 58"/>
+          <p:cNvSpPr txBox="1"/>
+          <p:nvPr/>
+        </p:nvSpPr>
+        <p:spPr>
+          <a:xfrm>
+            <a:off x="3918009" y="3597977"/>
+            <a:ext cx="1351652" cy="646331"/>
           </a:xfrm>
           <a:prstGeom prst="rect">
             <a:avLst/>
@@ -7202,22 +8953,146 @@
               <a:rPr lang="en-US" dirty="0" smtClean="0">
                 <a:latin typeface="+mj-lt"/>
               </a:rPr>
-              <a:t>codec</a:t>
-            </a:r>
-            <a:endParaRPr lang="en-US" dirty="0"/>
-          </a:p>
-        </p:txBody>
-      </p:sp>
-      <p:sp>
-        <p:nvSpPr>
-          <p:cNvPr id="38" name="TextBox 37"/>
+              <a:t>Monitoring</a:t>
+            </a:r>
+          </a:p>
+          <a:p>
+            <a:pPr algn="ctr"/>
+            <a:r>
+              <a:rPr lang="en-US" dirty="0" smtClean="0">
+                <a:latin typeface="+mj-lt"/>
+              </a:rPr>
+              <a:t>Server</a:t>
+            </a:r>
+            <a:endParaRPr lang="en-US" dirty="0">
+              <a:latin typeface="+mj-lt"/>
+            </a:endParaRPr>
+          </a:p>
+        </p:txBody>
+      </p:sp>
+      <p:cxnSp>
+        <p:nvCxnSpPr>
+          <p:cNvPr id="63" name="Curved Connector 62"/>
+          <p:cNvCxnSpPr>
+            <a:stCxn id="7" idx="3"/>
+            <a:endCxn id="47" idx="2"/>
+          </p:cNvCxnSpPr>
+          <p:nvPr/>
+        </p:nvCxnSpPr>
+        <p:spPr>
+          <a:xfrm flipV="1">
+            <a:off x="1706921" y="3140522"/>
+            <a:ext cx="2270618" cy="443799"/>
+          </a:xfrm>
+          <a:prstGeom prst="straightConnector1">
+            <a:avLst/>
+          </a:prstGeom>
+          <a:ln w="6350" cmpd="sng">
+            <a:solidFill>
+              <a:schemeClr val="tx1"/>
+            </a:solidFill>
+            <a:tailEnd type="arrow"/>
+          </a:ln>
+        </p:spPr>
+        <p:style>
+          <a:lnRef idx="1">
+            <a:schemeClr val="dk1"/>
+          </a:lnRef>
+          <a:fillRef idx="0">
+            <a:schemeClr val="dk1"/>
+          </a:fillRef>
+          <a:effectRef idx="0">
+            <a:schemeClr val="dk1"/>
+          </a:effectRef>
+          <a:fontRef idx="minor">
+            <a:schemeClr val="tx1"/>
+          </a:fontRef>
+        </p:style>
+      </p:cxnSp>
+      <p:sp>
+        <p:nvSpPr>
+          <p:cNvPr id="68" name="TextBox 67"/>
           <p:cNvSpPr txBox="1"/>
           <p:nvPr/>
         </p:nvSpPr>
         <p:spPr>
-          <a:xfrm>
-            <a:off x="7538772" y="4705702"/>
-            <a:ext cx="819455" cy="369332"/>
+          <a:xfrm rot="20949727">
+            <a:off x="1891769" y="3031788"/>
+            <a:ext cx="1980753" cy="584776"/>
+          </a:xfrm>
+          <a:prstGeom prst="rect">
+            <a:avLst/>
+          </a:prstGeom>
+          <a:noFill/>
+        </p:spPr>
+        <p:txBody>
+          <a:bodyPr wrap="square" rtlCol="0">
+            <a:spAutoFit/>
+          </a:bodyPr>
+          <a:lstStyle/>
+          <a:p>
+            <a:pPr algn="ctr"/>
+            <a:r>
+              <a:rPr lang="en-US" sz="1600" b="1" dirty="0" smtClean="0"/>
+              <a:t>HTTP or </a:t>
+            </a:r>
+            <a:r>
+              <a:rPr lang="en-US" sz="1600" b="1" dirty="0" err="1" smtClean="0"/>
+              <a:t>WebSockets</a:t>
+            </a:r>
+            <a:endParaRPr lang="en-US" sz="1600" b="1" dirty="0"/>
+          </a:p>
+        </p:txBody>
+      </p:sp>
+      <p:cxnSp>
+        <p:nvCxnSpPr>
+          <p:cNvPr id="69" name="Curved Connector 62"/>
+          <p:cNvCxnSpPr>
+            <a:stCxn id="24" idx="0"/>
+            <a:endCxn id="47" idx="0"/>
+          </p:cNvCxnSpPr>
+          <p:nvPr/>
+        </p:nvCxnSpPr>
+        <p:spPr>
+          <a:xfrm rot="16200000" flipV="1">
+            <a:off x="4801275" y="3422804"/>
+            <a:ext cx="1747598" cy="1183033"/>
+          </a:xfrm>
+          <a:prstGeom prst="curvedConnector2">
+            <a:avLst/>
+          </a:prstGeom>
+          <a:ln w="6350" cmpd="sng">
+            <a:solidFill>
+              <a:schemeClr val="tx1"/>
+            </a:solidFill>
+            <a:tailEnd type="arrow"/>
+          </a:ln>
+        </p:spPr>
+        <p:style>
+          <a:lnRef idx="1">
+            <a:schemeClr val="dk1"/>
+          </a:lnRef>
+          <a:fillRef idx="0">
+            <a:schemeClr val="dk1"/>
+          </a:fillRef>
+          <a:effectRef idx="0">
+            <a:schemeClr val="dk1"/>
+          </a:effectRef>
+          <a:fontRef idx="minor">
+            <a:schemeClr val="tx1"/>
+          </a:fontRef>
+        </p:style>
+      </p:cxnSp>
+      <p:sp>
+        <p:nvSpPr>
+          <p:cNvPr id="72" name="TextBox 71"/>
+          <p:cNvSpPr txBox="1"/>
+          <p:nvPr/>
+        </p:nvSpPr>
+        <p:spPr>
+          <a:xfrm>
+            <a:off x="6085626" y="3735926"/>
+            <a:ext cx="659872" cy="338554"/>
           </a:xfrm>
           <a:prstGeom prst="rect">
             <a:avLst/>
@@ -7230,54 +9105,18 @@
           </a:bodyPr>
           <a:lstStyle/>
           <a:p>
-            <a:pPr algn="ctr"/>
-            <a:r>
-              <a:rPr lang="en-US" dirty="0" smtClean="0">
-                <a:latin typeface="+mj-lt"/>
-              </a:rPr>
-              <a:t>codec</a:t>
-            </a:r>
-            <a:endParaRPr lang="en-US" dirty="0"/>
-          </a:p>
-        </p:txBody>
-      </p:sp>
-      <p:sp>
-        <p:nvSpPr>
-          <p:cNvPr id="39" name="TextBox 38"/>
-          <p:cNvSpPr txBox="1"/>
-          <p:nvPr/>
-        </p:nvSpPr>
-        <p:spPr>
-          <a:xfrm>
-            <a:off x="7538772" y="5135491"/>
-            <a:ext cx="819455" cy="369332"/>
-          </a:xfrm>
-          <a:prstGeom prst="rect">
-            <a:avLst/>
-          </a:prstGeom>
-          <a:noFill/>
-        </p:spPr>
-        <p:txBody>
-          <a:bodyPr wrap="none" rtlCol="0">
-            <a:spAutoFit/>
-          </a:bodyPr>
-          <a:lstStyle/>
-          <a:p>
-            <a:pPr algn="ctr"/>
-            <a:r>
-              <a:rPr lang="en-US" dirty="0" smtClean="0">
-                <a:latin typeface="+mj-lt"/>
-              </a:rPr>
-              <a:t>codec</a:t>
-            </a:r>
-            <a:endParaRPr lang="en-US" dirty="0"/>
+            <a:r>
+              <a:rPr lang="en-US" sz="1600" dirty="0" smtClean="0"/>
+              <a:t>IPFIX</a:t>
+            </a:r>
+            <a:endParaRPr lang="en-US" sz="1600" dirty="0"/>
           </a:p>
         </p:txBody>
       </p:sp>
     </p:spTree>
     <p:extLst>
       <p:ext uri="{BB962C8B-B14F-4D97-AF65-F5344CB8AC3E}">
-        <p14:creationId xmlns:p14="http://schemas.microsoft.com/office/powerpoint/2010/main" val="1267841078"/>
+        <p14:creationId xmlns:p14="http://schemas.microsoft.com/office/powerpoint/2010/main" val="1207456978"/>
       </p:ext>
     </p:extLst>
   </p:cSld>

--- a/graphs/source/chap5-src.pptx
+++ b/graphs/source/chap5-src.pptx
@@ -203,7 +203,7 @@
           <a:p>
             <a:fld id="{7BA68311-98B2-8147-8E3D-5F9C91F16701}" type="datetimeFigureOut">
               <a:rPr lang="en-US" smtClean="0"/>
-              <a:t>9/5/13</a:t>
+              <a:t>9/7/13</a:t>
             </a:fld>
             <a:endParaRPr lang="en-US"/>
           </a:p>
@@ -736,7 +736,7 @@
           <a:p>
             <a:fld id="{CE2D3545-AE21-7247-8426-4B1172E482C1}" type="datetimeFigureOut">
               <a:rPr lang="en-US" smtClean="0"/>
-              <a:t>9/5/13</a:t>
+              <a:t>9/7/13</a:t>
             </a:fld>
             <a:endParaRPr lang="en-US"/>
           </a:p>
@@ -906,7 +906,7 @@
           <a:p>
             <a:fld id="{CE2D3545-AE21-7247-8426-4B1172E482C1}" type="datetimeFigureOut">
               <a:rPr lang="en-US" smtClean="0"/>
-              <a:t>9/5/13</a:t>
+              <a:t>9/7/13</a:t>
             </a:fld>
             <a:endParaRPr lang="en-US"/>
           </a:p>
@@ -1086,7 +1086,7 @@
           <a:p>
             <a:fld id="{CE2D3545-AE21-7247-8426-4B1172E482C1}" type="datetimeFigureOut">
               <a:rPr lang="en-US" smtClean="0"/>
-              <a:t>9/5/13</a:t>
+              <a:t>9/7/13</a:t>
             </a:fld>
             <a:endParaRPr lang="en-US"/>
           </a:p>
@@ -1256,7 +1256,7 @@
           <a:p>
             <a:fld id="{CE2D3545-AE21-7247-8426-4B1172E482C1}" type="datetimeFigureOut">
               <a:rPr lang="en-US" smtClean="0"/>
-              <a:t>9/5/13</a:t>
+              <a:t>9/7/13</a:t>
             </a:fld>
             <a:endParaRPr lang="en-US"/>
           </a:p>
@@ -1502,7 +1502,7 @@
           <a:p>
             <a:fld id="{CE2D3545-AE21-7247-8426-4B1172E482C1}" type="datetimeFigureOut">
               <a:rPr lang="en-US" smtClean="0"/>
-              <a:t>9/5/13</a:t>
+              <a:t>9/7/13</a:t>
             </a:fld>
             <a:endParaRPr lang="en-US"/>
           </a:p>
@@ -1790,7 +1790,7 @@
           <a:p>
             <a:fld id="{CE2D3545-AE21-7247-8426-4B1172E482C1}" type="datetimeFigureOut">
               <a:rPr lang="en-US" smtClean="0"/>
-              <a:t>9/5/13</a:t>
+              <a:t>9/7/13</a:t>
             </a:fld>
             <a:endParaRPr lang="en-US"/>
           </a:p>
@@ -2212,7 +2212,7 @@
           <a:p>
             <a:fld id="{CE2D3545-AE21-7247-8426-4B1172E482C1}" type="datetimeFigureOut">
               <a:rPr lang="en-US" smtClean="0"/>
-              <a:t>9/5/13</a:t>
+              <a:t>9/7/13</a:t>
             </a:fld>
             <a:endParaRPr lang="en-US"/>
           </a:p>
@@ -2330,7 +2330,7 @@
           <a:p>
             <a:fld id="{CE2D3545-AE21-7247-8426-4B1172E482C1}" type="datetimeFigureOut">
               <a:rPr lang="en-US" smtClean="0"/>
-              <a:t>9/5/13</a:t>
+              <a:t>9/7/13</a:t>
             </a:fld>
             <a:endParaRPr lang="en-US"/>
           </a:p>
@@ -2425,7 +2425,7 @@
           <a:p>
             <a:fld id="{CE2D3545-AE21-7247-8426-4B1172E482C1}" type="datetimeFigureOut">
               <a:rPr lang="en-US" smtClean="0"/>
-              <a:t>9/5/13</a:t>
+              <a:t>9/7/13</a:t>
             </a:fld>
             <a:endParaRPr lang="en-US"/>
           </a:p>
@@ -2702,7 +2702,7 @@
           <a:p>
             <a:fld id="{CE2D3545-AE21-7247-8426-4B1172E482C1}" type="datetimeFigureOut">
               <a:rPr lang="en-US" smtClean="0"/>
-              <a:t>9/5/13</a:t>
+              <a:t>9/7/13</a:t>
             </a:fld>
             <a:endParaRPr lang="en-US"/>
           </a:p>
@@ -2959,7 +2959,7 @@
           <a:p>
             <a:fld id="{CE2D3545-AE21-7247-8426-4B1172E482C1}" type="datetimeFigureOut">
               <a:rPr lang="en-US" smtClean="0"/>
-              <a:t>9/5/13</a:t>
+              <a:t>9/7/13</a:t>
             </a:fld>
             <a:endParaRPr lang="en-US"/>
           </a:p>
@@ -3177,7 +3177,7 @@
           <a:p>
             <a:fld id="{CE2D3545-AE21-7247-8426-4B1172E482C1}" type="datetimeFigureOut">
               <a:rPr lang="en-US" smtClean="0"/>
-              <a:t>9/5/13</a:t>
+              <a:t>9/7/13</a:t>
             </a:fld>
             <a:endParaRPr lang="en-US"/>
           </a:p>
@@ -7643,9 +7643,28 @@
             <a:pPr algn="ctr"/>
             <a:r>
               <a:rPr lang="en-US" dirty="0" smtClean="0"/>
-              <a:t>Browser Internals</a:t>
-            </a:r>
-            <a:endParaRPr lang="en-US" dirty="0"/>
+              <a:t>Browser </a:t>
+            </a:r>
+            <a:r>
+              <a:rPr lang="en-US" dirty="0" smtClean="0"/>
+              <a:t>Internals</a:t>
+            </a:r>
+          </a:p>
+          <a:p>
+            <a:pPr algn="ctr"/>
+            <a:r>
+              <a:rPr lang="en-US" sz="1200" dirty="0" smtClean="0"/>
+              <a:t>(</a:t>
+            </a:r>
+            <a:r>
+              <a:rPr lang="en-US" sz="1200" dirty="0" err="1" smtClean="0"/>
+              <a:t>WebRTC</a:t>
+            </a:r>
+            <a:r>
+              <a:rPr lang="en-US" sz="1200" dirty="0" smtClean="0"/>
+              <a:t> Stack)</a:t>
+            </a:r>
+            <a:endParaRPr lang="en-US" sz="1200" dirty="0"/>
           </a:p>
         </p:txBody>
       </p:sp>
@@ -7682,12 +7701,48 @@
           <a:bodyPr rtlCol="0" anchor="ctr"/>
           <a:lstStyle/>
           <a:p>
-            <a:pPr algn="ctr"/>
-            <a:r>
-              <a:rPr lang="en-US" dirty="0" smtClean="0"/>
-              <a:t>Browser Internals</a:t>
-            </a:r>
-            <a:endParaRPr lang="en-US" dirty="0"/>
+            <a:pPr lvl="0" algn="ctr"/>
+            <a:r>
+              <a:rPr lang="en-US" dirty="0"/>
+              <a:t>Browser Internals </a:t>
+            </a:r>
+            <a:r>
+              <a:rPr lang="en-US" sz="1200" dirty="0">
+                <a:solidFill>
+                  <a:prstClr val="black"/>
+                </a:solidFill>
+              </a:rPr>
+              <a:t>(</a:t>
+            </a:r>
+            <a:r>
+              <a:rPr lang="en-US" sz="1200" dirty="0" err="1">
+                <a:solidFill>
+                  <a:prstClr val="black"/>
+                </a:solidFill>
+              </a:rPr>
+              <a:t>WebRTC</a:t>
+            </a:r>
+            <a:r>
+              <a:rPr lang="en-US" sz="1200" dirty="0">
+                <a:solidFill>
+                  <a:prstClr val="black"/>
+                </a:solidFill>
+              </a:rPr>
+              <a:t> Stack</a:t>
+            </a:r>
+            <a:r>
+              <a:rPr lang="en-US" sz="1200" dirty="0" smtClean="0">
+                <a:solidFill>
+                  <a:prstClr val="black"/>
+                </a:solidFill>
+              </a:rPr>
+              <a:t>)</a:t>
+            </a:r>
+            <a:endParaRPr lang="en-US" sz="1200" dirty="0">
+              <a:solidFill>
+                <a:prstClr val="black"/>
+              </a:solidFill>
+            </a:endParaRPr>
           </a:p>
         </p:txBody>
       </p:sp>
@@ -8166,8 +8221,8 @@
         </p:nvSpPr>
         <p:spPr>
           <a:xfrm>
-            <a:off x="4015270" y="1206170"/>
-            <a:ext cx="1146468" cy="646331"/>
+            <a:off x="3349646" y="1206170"/>
+            <a:ext cx="2361804" cy="369332"/>
           </a:xfrm>
           <a:prstGeom prst="rect">
             <a:avLst/>
@@ -8175,7 +8230,7 @@
           <a:noFill/>
         </p:spPr>
         <p:txBody>
-          <a:bodyPr wrap="none" rtlCol="0">
+          <a:bodyPr wrap="square" rtlCol="0">
             <a:spAutoFit/>
           </a:bodyPr>
           <a:lstStyle/>
@@ -8185,13 +8240,9 @@
               <a:rPr lang="en-US" dirty="0" err="1" smtClean="0"/>
               <a:t>WebRTC</a:t>
             </a:r>
-            <a:endParaRPr lang="en-US" dirty="0" smtClean="0"/>
-          </a:p>
-          <a:p>
-            <a:pPr algn="ctr"/>
             <a:r>
               <a:rPr lang="en-US" dirty="0" smtClean="0"/>
-              <a:t>Server</a:t>
+              <a:t> Server</a:t>
             </a:r>
             <a:endParaRPr lang="en-US" dirty="0"/>
           </a:p>
@@ -8357,13 +8408,7 @@
               <a:rPr lang="en-US" dirty="0" smtClean="0">
                 <a:latin typeface="+mj-lt"/>
               </a:rPr>
-              <a:t>Signaling </a:t>
-            </a:r>
-            <a:r>
-              <a:rPr lang="en-US" dirty="0" smtClean="0">
-                <a:latin typeface="+mj-lt"/>
-              </a:rPr>
-              <a:t>Protocol</a:t>
+              <a:t>Signaling Protocol</a:t>
             </a:r>
             <a:r>
               <a:rPr lang="en-US" dirty="0">
@@ -8544,45 +8589,6 @@
           </a:p>
         </p:txBody>
       </p:sp>
-      <p:cxnSp>
-        <p:nvCxnSpPr>
-          <p:cNvPr id="42" name="Curved Connector 41"/>
-          <p:cNvCxnSpPr>
-            <a:stCxn id="5" idx="1"/>
-            <a:endCxn id="7" idx="1"/>
-          </p:cNvCxnSpPr>
-          <p:nvPr/>
-        </p:nvCxnSpPr>
-        <p:spPr>
-          <a:xfrm rot="10800000">
-            <a:off x="300417" y="3584322"/>
-            <a:ext cx="12700" cy="628109"/>
-          </a:xfrm>
-          <a:prstGeom prst="curvedConnector3">
-            <a:avLst>
-              <a:gd name="adj1" fmla="val 1800000"/>
-            </a:avLst>
-          </a:prstGeom>
-          <a:ln>
-            <a:headEnd type="none"/>
-            <a:tailEnd type="arrow"/>
-          </a:ln>
-        </p:spPr>
-        <p:style>
-          <a:lnRef idx="1">
-            <a:schemeClr val="dk1"/>
-          </a:lnRef>
-          <a:fillRef idx="0">
-            <a:schemeClr val="dk1"/>
-          </a:fillRef>
-          <a:effectRef idx="0">
-            <a:schemeClr val="dk1"/>
-          </a:effectRef>
-          <a:fontRef idx="minor">
-            <a:schemeClr val="tx1"/>
-          </a:fontRef>
-        </p:style>
-      </p:cxnSp>
       <p:sp>
         <p:nvSpPr>
           <p:cNvPr id="45" name="TextBox 44"/>
@@ -8591,8 +8597,8 @@
         </p:nvSpPr>
         <p:spPr>
           <a:xfrm>
-            <a:off x="-684044" y="2964557"/>
-            <a:ext cx="738664" cy="1926168"/>
+            <a:off x="1614000" y="3597210"/>
+            <a:ext cx="553998" cy="1323439"/>
           </a:xfrm>
           <a:prstGeom prst="rect">
             <a:avLst/>
@@ -8607,19 +8613,19 @@
           <a:p>
             <a:pPr algn="ctr"/>
             <a:r>
-              <a:rPr lang="en-US" dirty="0">
+              <a:rPr lang="en-US" sz="1200" dirty="0">
                 <a:latin typeface="+mj-lt"/>
               </a:rPr>
               <a:t>Client Monitoring</a:t>
             </a:r>
-            <a:endParaRPr lang="en-US" dirty="0" smtClean="0">
+            <a:endParaRPr lang="en-US" sz="1200" dirty="0" smtClean="0">
               <a:latin typeface="+mj-lt"/>
             </a:endParaRPr>
           </a:p>
           <a:p>
             <a:pPr algn="ctr"/>
             <a:r>
-              <a:rPr lang="en-US" dirty="0" smtClean="0"/>
+              <a:rPr lang="en-US" sz="1200" dirty="0" smtClean="0"/>
               <a:t>STATS API</a:t>
             </a:r>
           </a:p>
@@ -8934,8 +8940,8 @@
         </p:nvSpPr>
         <p:spPr>
           <a:xfrm>
-            <a:off x="3918009" y="3597977"/>
-            <a:ext cx="1351652" cy="646331"/>
+            <a:off x="3157840" y="2310665"/>
+            <a:ext cx="2740762" cy="369332"/>
           </a:xfrm>
           <a:prstGeom prst="rect">
             <a:avLst/>
@@ -8943,7 +8949,7 @@
           <a:noFill/>
         </p:spPr>
         <p:txBody>
-          <a:bodyPr wrap="none" rtlCol="0">
+          <a:bodyPr wrap="square" rtlCol="0">
             <a:spAutoFit/>
           </a:bodyPr>
           <a:lstStyle/>
@@ -8953,16 +8959,7 @@
               <a:rPr lang="en-US" dirty="0" smtClean="0">
                 <a:latin typeface="+mj-lt"/>
               </a:rPr>
-              <a:t>Monitoring</a:t>
-            </a:r>
-          </a:p>
-          <a:p>
-            <a:pPr algn="ctr"/>
-            <a:r>
-              <a:rPr lang="en-US" dirty="0" smtClean="0">
-                <a:latin typeface="+mj-lt"/>
-              </a:rPr>
-              <a:t>Server</a:t>
+              <a:t>Monitoring Server</a:t>
             </a:r>
             <a:endParaRPr lang="en-US" dirty="0">
               <a:latin typeface="+mj-lt"/>
@@ -9049,17 +9046,19 @@
           <p:cNvPr id="69" name="Curved Connector 62"/>
           <p:cNvCxnSpPr>
             <a:stCxn id="24" idx="0"/>
-            <a:endCxn id="47" idx="0"/>
+            <a:endCxn id="47" idx="3"/>
           </p:cNvCxnSpPr>
           <p:nvPr/>
         </p:nvCxnSpPr>
         <p:spPr>
           <a:xfrm rot="16200000" flipV="1">
-            <a:off x="4801275" y="3422804"/>
-            <a:ext cx="1747598" cy="1183033"/>
-          </a:xfrm>
-          <a:prstGeom prst="curvedConnector2">
-            <a:avLst/>
+            <a:off x="4746670" y="3368200"/>
+            <a:ext cx="1303798" cy="1736042"/>
+          </a:xfrm>
+          <a:prstGeom prst="curvedConnector3">
+            <a:avLst>
+              <a:gd name="adj1" fmla="val 50000"/>
+            </a:avLst>
           </a:prstGeom>
           <a:ln w="6350" cmpd="sng">
             <a:solidFill>
@@ -9091,8 +9090,8 @@
         </p:nvSpPr>
         <p:spPr>
           <a:xfrm>
-            <a:off x="6085626" y="3735926"/>
-            <a:ext cx="659872" cy="338554"/>
+            <a:off x="4970562" y="3913204"/>
+            <a:ext cx="1112526" cy="830997"/>
           </a:xfrm>
           <a:prstGeom prst="rect">
             <a:avLst/>
@@ -9100,19 +9099,419 @@
           <a:noFill/>
         </p:spPr>
         <p:txBody>
-          <a:bodyPr wrap="none" rtlCol="0">
+          <a:bodyPr wrap="square" rtlCol="0">
             <a:spAutoFit/>
           </a:bodyPr>
           <a:lstStyle/>
           <a:p>
             <a:r>
               <a:rPr lang="en-US" sz="1600" dirty="0" smtClean="0"/>
-              <a:t>IPFIX</a:t>
+              <a:t>HTTP, IPFIX, or </a:t>
+            </a:r>
+            <a:r>
+              <a:rPr lang="en-US" sz="1600" dirty="0" err="1" smtClean="0"/>
+              <a:t>NetFlow</a:t>
             </a:r>
             <a:endParaRPr lang="en-US" sz="1600" dirty="0"/>
           </a:p>
         </p:txBody>
       </p:sp>
+      <p:cxnSp>
+        <p:nvCxnSpPr>
+          <p:cNvPr id="40" name="Curved Connector 62"/>
+          <p:cNvCxnSpPr>
+            <a:stCxn id="4" idx="1"/>
+          </p:cNvCxnSpPr>
+          <p:nvPr/>
+        </p:nvCxnSpPr>
+        <p:spPr>
+          <a:xfrm rot="10800000">
+            <a:off x="5097214" y="3293774"/>
+            <a:ext cx="2388139" cy="1949576"/>
+          </a:xfrm>
+          <a:prstGeom prst="curvedConnector3">
+            <a:avLst>
+              <a:gd name="adj1" fmla="val 50000"/>
+            </a:avLst>
+          </a:prstGeom>
+          <a:ln w="6350" cmpd="sng">
+            <a:solidFill>
+              <a:schemeClr val="tx1"/>
+            </a:solidFill>
+            <a:tailEnd type="arrow"/>
+          </a:ln>
+        </p:spPr>
+        <p:style>
+          <a:lnRef idx="1">
+            <a:schemeClr val="dk1"/>
+          </a:lnRef>
+          <a:fillRef idx="0">
+            <a:schemeClr val="dk1"/>
+          </a:fillRef>
+          <a:effectRef idx="0">
+            <a:schemeClr val="dk1"/>
+          </a:effectRef>
+          <a:fontRef idx="minor">
+            <a:schemeClr val="tx1"/>
+          </a:fontRef>
+        </p:style>
+      </p:cxnSp>
+      <p:sp>
+        <p:nvSpPr>
+          <p:cNvPr id="51" name="TextBox 50"/>
+          <p:cNvSpPr txBox="1"/>
+          <p:nvPr/>
+        </p:nvSpPr>
+        <p:spPr>
+          <a:xfrm rot="20515149">
+            <a:off x="6274264" y="3375705"/>
+            <a:ext cx="430887" cy="1444142"/>
+          </a:xfrm>
+          <a:prstGeom prst="rect">
+            <a:avLst/>
+          </a:prstGeom>
+          <a:noFill/>
+        </p:spPr>
+        <p:txBody>
+          <a:bodyPr vert="vert" wrap="square" rtlCol="0">
+            <a:spAutoFit/>
+          </a:bodyPr>
+          <a:lstStyle/>
+          <a:p>
+            <a:pPr algn="ctr"/>
+            <a:r>
+              <a:rPr lang="en-US" sz="1600" dirty="0" smtClean="0"/>
+              <a:t>RTCP XR</a:t>
+            </a:r>
+            <a:endParaRPr lang="en-US" sz="1600" dirty="0"/>
+          </a:p>
+        </p:txBody>
+      </p:sp>
+      <p:grpSp>
+        <p:nvGrpSpPr>
+          <p:cNvPr id="53" name="Group 52"/>
+          <p:cNvGrpSpPr/>
+          <p:nvPr/>
+        </p:nvGrpSpPr>
+        <p:grpSpPr>
+          <a:xfrm>
+            <a:off x="1542499" y="3283923"/>
+            <a:ext cx="150768" cy="607625"/>
+            <a:chOff x="4028344" y="109238"/>
+            <a:chExt cx="887601" cy="1106018"/>
+          </a:xfrm>
+        </p:grpSpPr>
+        <p:sp>
+          <p:nvSpPr>
+            <p:cNvPr id="54" name="Rounded Rectangle 53"/>
+            <p:cNvSpPr/>
+            <p:nvPr/>
+          </p:nvSpPr>
+          <p:spPr>
+            <a:xfrm>
+              <a:off x="4028344" y="109238"/>
+              <a:ext cx="887601" cy="1106018"/>
+            </a:xfrm>
+            <a:prstGeom prst="roundRect">
+              <a:avLst/>
+            </a:prstGeom>
+            <a:solidFill>
+              <a:schemeClr val="accent3"/>
+            </a:solidFill>
+            <a:ln>
+              <a:noFill/>
+            </a:ln>
+          </p:spPr>
+          <p:style>
+            <a:lnRef idx="2">
+              <a:schemeClr val="dk1">
+                <a:shade val="50000"/>
+              </a:schemeClr>
+            </a:lnRef>
+            <a:fillRef idx="1">
+              <a:schemeClr val="dk1"/>
+            </a:fillRef>
+            <a:effectRef idx="0">
+              <a:schemeClr val="dk1"/>
+            </a:effectRef>
+            <a:fontRef idx="minor">
+              <a:schemeClr val="lt1"/>
+            </a:fontRef>
+          </p:style>
+          <p:txBody>
+            <a:bodyPr rtlCol="0" anchor="ctr"/>
+            <a:lstStyle/>
+            <a:p>
+              <a:pPr algn="ctr"/>
+              <a:endParaRPr lang="en-US"/>
+            </a:p>
+          </p:txBody>
+        </p:sp>
+        <p:sp>
+          <p:nvSpPr>
+            <p:cNvPr id="60" name="Rounded Rectangle 59"/>
+            <p:cNvSpPr/>
+            <p:nvPr/>
+          </p:nvSpPr>
+          <p:spPr>
+            <a:xfrm rot="16200000">
+              <a:off x="4171726" y="651279"/>
+              <a:ext cx="600840" cy="45719"/>
+            </a:xfrm>
+            <a:prstGeom prst="roundRect">
+              <a:avLst/>
+            </a:prstGeom>
+            <a:solidFill>
+              <a:schemeClr val="bg1">
+                <a:lumMod val="95000"/>
+              </a:schemeClr>
+            </a:solidFill>
+            <a:ln>
+              <a:noFill/>
+            </a:ln>
+          </p:spPr>
+          <p:style>
+            <a:lnRef idx="2">
+              <a:schemeClr val="dk1">
+                <a:shade val="50000"/>
+              </a:schemeClr>
+            </a:lnRef>
+            <a:fillRef idx="1">
+              <a:schemeClr val="dk1"/>
+            </a:fillRef>
+            <a:effectRef idx="0">
+              <a:schemeClr val="dk1"/>
+            </a:effectRef>
+            <a:fontRef idx="minor">
+              <a:schemeClr val="lt1"/>
+            </a:fontRef>
+          </p:style>
+          <p:txBody>
+            <a:bodyPr rtlCol="0" anchor="ctr"/>
+            <a:lstStyle/>
+            <a:p>
+              <a:pPr algn="ctr"/>
+              <a:endParaRPr lang="en-US"/>
+            </a:p>
+          </p:txBody>
+        </p:sp>
+      </p:grpSp>
+      <p:cxnSp>
+        <p:nvCxnSpPr>
+          <p:cNvPr id="61" name="Curved Connector 60"/>
+          <p:cNvCxnSpPr/>
+          <p:nvPr/>
+        </p:nvCxnSpPr>
+        <p:spPr>
+          <a:xfrm flipV="1">
+            <a:off x="1614000" y="3752011"/>
+            <a:ext cx="17343" cy="794956"/>
+          </a:xfrm>
+          <a:prstGeom prst="straightConnector1">
+            <a:avLst/>
+          </a:prstGeom>
+          <a:ln>
+            <a:headEnd type="none"/>
+            <a:tailEnd type="arrow"/>
+          </a:ln>
+        </p:spPr>
+        <p:style>
+          <a:lnRef idx="1">
+            <a:schemeClr val="dk1"/>
+          </a:lnRef>
+          <a:fillRef idx="0">
+            <a:schemeClr val="dk1"/>
+          </a:fillRef>
+          <a:effectRef idx="0">
+            <a:schemeClr val="dk1"/>
+          </a:effectRef>
+          <a:fontRef idx="minor">
+            <a:schemeClr val="tx1"/>
+          </a:fontRef>
+        </p:style>
+      </p:cxnSp>
+      <p:cxnSp>
+        <p:nvCxnSpPr>
+          <p:cNvPr id="62" name="Curved Connector 62"/>
+          <p:cNvCxnSpPr>
+            <a:stCxn id="66" idx="1"/>
+            <a:endCxn id="47" idx="0"/>
+          </p:cNvCxnSpPr>
+          <p:nvPr/>
+        </p:nvCxnSpPr>
+        <p:spPr>
+          <a:xfrm flipH="1" flipV="1">
+            <a:off x="5083557" y="3140522"/>
+            <a:ext cx="2415451" cy="457065"/>
+          </a:xfrm>
+          <a:prstGeom prst="straightConnector1">
+            <a:avLst/>
+          </a:prstGeom>
+          <a:ln w="6350" cmpd="sng">
+            <a:solidFill>
+              <a:schemeClr val="tx1"/>
+            </a:solidFill>
+            <a:tailEnd type="arrow"/>
+          </a:ln>
+        </p:spPr>
+        <p:style>
+          <a:lnRef idx="1">
+            <a:schemeClr val="dk1"/>
+          </a:lnRef>
+          <a:fillRef idx="0">
+            <a:schemeClr val="dk1"/>
+          </a:fillRef>
+          <a:effectRef idx="0">
+            <a:schemeClr val="dk1"/>
+          </a:effectRef>
+          <a:fontRef idx="minor">
+            <a:schemeClr val="tx1"/>
+          </a:fontRef>
+        </p:style>
+      </p:cxnSp>
+      <p:grpSp>
+        <p:nvGrpSpPr>
+          <p:cNvPr id="65" name="Group 64"/>
+          <p:cNvGrpSpPr/>
+          <p:nvPr/>
+        </p:nvGrpSpPr>
+        <p:grpSpPr>
+          <a:xfrm>
+            <a:off x="7499008" y="3293774"/>
+            <a:ext cx="150768" cy="607625"/>
+            <a:chOff x="4028344" y="109238"/>
+            <a:chExt cx="887601" cy="1106018"/>
+          </a:xfrm>
+        </p:grpSpPr>
+        <p:sp>
+          <p:nvSpPr>
+            <p:cNvPr id="66" name="Rounded Rectangle 65"/>
+            <p:cNvSpPr/>
+            <p:nvPr/>
+          </p:nvSpPr>
+          <p:spPr>
+            <a:xfrm>
+              <a:off x="4028344" y="109238"/>
+              <a:ext cx="887601" cy="1106018"/>
+            </a:xfrm>
+            <a:prstGeom prst="roundRect">
+              <a:avLst/>
+            </a:prstGeom>
+            <a:solidFill>
+              <a:schemeClr val="accent3"/>
+            </a:solidFill>
+            <a:ln>
+              <a:noFill/>
+            </a:ln>
+          </p:spPr>
+          <p:style>
+            <a:lnRef idx="2">
+              <a:schemeClr val="dk1">
+                <a:shade val="50000"/>
+              </a:schemeClr>
+            </a:lnRef>
+            <a:fillRef idx="1">
+              <a:schemeClr val="dk1"/>
+            </a:fillRef>
+            <a:effectRef idx="0">
+              <a:schemeClr val="dk1"/>
+            </a:effectRef>
+            <a:fontRef idx="minor">
+              <a:schemeClr val="lt1"/>
+            </a:fontRef>
+          </p:style>
+          <p:txBody>
+            <a:bodyPr rtlCol="0" anchor="ctr"/>
+            <a:lstStyle/>
+            <a:p>
+              <a:pPr algn="ctr"/>
+              <a:endParaRPr lang="en-US"/>
+            </a:p>
+          </p:txBody>
+        </p:sp>
+        <p:sp>
+          <p:nvSpPr>
+            <p:cNvPr id="67" name="Rounded Rectangle 66"/>
+            <p:cNvSpPr/>
+            <p:nvPr/>
+          </p:nvSpPr>
+          <p:spPr>
+            <a:xfrm rot="16200000">
+              <a:off x="4171726" y="651279"/>
+              <a:ext cx="600840" cy="45719"/>
+            </a:xfrm>
+            <a:prstGeom prst="roundRect">
+              <a:avLst/>
+            </a:prstGeom>
+            <a:solidFill>
+              <a:schemeClr val="bg1">
+                <a:lumMod val="95000"/>
+              </a:schemeClr>
+            </a:solidFill>
+            <a:ln>
+              <a:noFill/>
+            </a:ln>
+          </p:spPr>
+          <p:style>
+            <a:lnRef idx="2">
+              <a:schemeClr val="dk1">
+                <a:shade val="50000"/>
+              </a:schemeClr>
+            </a:lnRef>
+            <a:fillRef idx="1">
+              <a:schemeClr val="dk1"/>
+            </a:fillRef>
+            <a:effectRef idx="0">
+              <a:schemeClr val="dk1"/>
+            </a:effectRef>
+            <a:fontRef idx="minor">
+              <a:schemeClr val="lt1"/>
+            </a:fontRef>
+          </p:style>
+          <p:txBody>
+            <a:bodyPr rtlCol="0" anchor="ctr"/>
+            <a:lstStyle/>
+            <a:p>
+              <a:pPr algn="ctr"/>
+              <a:endParaRPr lang="en-US"/>
+            </a:p>
+          </p:txBody>
+        </p:sp>
+      </p:grpSp>
+      <p:cxnSp>
+        <p:nvCxnSpPr>
+          <p:cNvPr id="70" name="Curved Connector 60"/>
+          <p:cNvCxnSpPr/>
+          <p:nvPr/>
+        </p:nvCxnSpPr>
+        <p:spPr>
+          <a:xfrm flipV="1">
+            <a:off x="7587852" y="3761862"/>
+            <a:ext cx="0" cy="794956"/>
+          </a:xfrm>
+          <a:prstGeom prst="straightConnector1">
+            <a:avLst/>
+          </a:prstGeom>
+          <a:ln>
+            <a:headEnd type="none"/>
+            <a:tailEnd type="arrow"/>
+          </a:ln>
+        </p:spPr>
+        <p:style>
+          <a:lnRef idx="1">
+            <a:schemeClr val="dk1"/>
+          </a:lnRef>
+          <a:fillRef idx="0">
+            <a:schemeClr val="dk1"/>
+          </a:fillRef>
+          <a:effectRef idx="0">
+            <a:schemeClr val="dk1"/>
+          </a:effectRef>
+          <a:fontRef idx="minor">
+            <a:schemeClr val="tx1"/>
+          </a:fontRef>
+        </p:style>
+      </p:cxnSp>
     </p:spTree>
     <p:extLst>
       <p:ext uri="{BB962C8B-B14F-4D97-AF65-F5344CB8AC3E}">

--- a/graphs/source/chap5-src.pptx
+++ b/graphs/source/chap5-src.pptx
@@ -203,7 +203,7 @@
           <a:p>
             <a:fld id="{7BA68311-98B2-8147-8E3D-5F9C91F16701}" type="datetimeFigureOut">
               <a:rPr lang="en-US" smtClean="0"/>
-              <a:t>9/7/13</a:t>
+              <a:t>10/3/13</a:t>
             </a:fld>
             <a:endParaRPr lang="en-US"/>
           </a:p>
@@ -736,7 +736,7 @@
           <a:p>
             <a:fld id="{CE2D3545-AE21-7247-8426-4B1172E482C1}" type="datetimeFigureOut">
               <a:rPr lang="en-US" smtClean="0"/>
-              <a:t>9/7/13</a:t>
+              <a:t>10/3/13</a:t>
             </a:fld>
             <a:endParaRPr lang="en-US"/>
           </a:p>
@@ -906,7 +906,7 @@
           <a:p>
             <a:fld id="{CE2D3545-AE21-7247-8426-4B1172E482C1}" type="datetimeFigureOut">
               <a:rPr lang="en-US" smtClean="0"/>
-              <a:t>9/7/13</a:t>
+              <a:t>10/3/13</a:t>
             </a:fld>
             <a:endParaRPr lang="en-US"/>
           </a:p>
@@ -1086,7 +1086,7 @@
           <a:p>
             <a:fld id="{CE2D3545-AE21-7247-8426-4B1172E482C1}" type="datetimeFigureOut">
               <a:rPr lang="en-US" smtClean="0"/>
-              <a:t>9/7/13</a:t>
+              <a:t>10/3/13</a:t>
             </a:fld>
             <a:endParaRPr lang="en-US"/>
           </a:p>
@@ -1256,7 +1256,7 @@
           <a:p>
             <a:fld id="{CE2D3545-AE21-7247-8426-4B1172E482C1}" type="datetimeFigureOut">
               <a:rPr lang="en-US" smtClean="0"/>
-              <a:t>9/7/13</a:t>
+              <a:t>10/3/13</a:t>
             </a:fld>
             <a:endParaRPr lang="en-US"/>
           </a:p>
@@ -1502,7 +1502,7 @@
           <a:p>
             <a:fld id="{CE2D3545-AE21-7247-8426-4B1172E482C1}" type="datetimeFigureOut">
               <a:rPr lang="en-US" smtClean="0"/>
-              <a:t>9/7/13</a:t>
+              <a:t>10/3/13</a:t>
             </a:fld>
             <a:endParaRPr lang="en-US"/>
           </a:p>
@@ -1790,7 +1790,7 @@
           <a:p>
             <a:fld id="{CE2D3545-AE21-7247-8426-4B1172E482C1}" type="datetimeFigureOut">
               <a:rPr lang="en-US" smtClean="0"/>
-              <a:t>9/7/13</a:t>
+              <a:t>10/3/13</a:t>
             </a:fld>
             <a:endParaRPr lang="en-US"/>
           </a:p>
@@ -2212,7 +2212,7 @@
           <a:p>
             <a:fld id="{CE2D3545-AE21-7247-8426-4B1172E482C1}" type="datetimeFigureOut">
               <a:rPr lang="en-US" smtClean="0"/>
-              <a:t>9/7/13</a:t>
+              <a:t>10/3/13</a:t>
             </a:fld>
             <a:endParaRPr lang="en-US"/>
           </a:p>
@@ -2330,7 +2330,7 @@
           <a:p>
             <a:fld id="{CE2D3545-AE21-7247-8426-4B1172E482C1}" type="datetimeFigureOut">
               <a:rPr lang="en-US" smtClean="0"/>
-              <a:t>9/7/13</a:t>
+              <a:t>10/3/13</a:t>
             </a:fld>
             <a:endParaRPr lang="en-US"/>
           </a:p>
@@ -2425,7 +2425,7 @@
           <a:p>
             <a:fld id="{CE2D3545-AE21-7247-8426-4B1172E482C1}" type="datetimeFigureOut">
               <a:rPr lang="en-US" smtClean="0"/>
-              <a:t>9/7/13</a:t>
+              <a:t>10/3/13</a:t>
             </a:fld>
             <a:endParaRPr lang="en-US"/>
           </a:p>
@@ -2702,7 +2702,7 @@
           <a:p>
             <a:fld id="{CE2D3545-AE21-7247-8426-4B1172E482C1}" type="datetimeFigureOut">
               <a:rPr lang="en-US" smtClean="0"/>
-              <a:t>9/7/13</a:t>
+              <a:t>10/3/13</a:t>
             </a:fld>
             <a:endParaRPr lang="en-US"/>
           </a:p>
@@ -2959,7 +2959,7 @@
           <a:p>
             <a:fld id="{CE2D3545-AE21-7247-8426-4B1172E482C1}" type="datetimeFigureOut">
               <a:rPr lang="en-US" smtClean="0"/>
-              <a:t>9/7/13</a:t>
+              <a:t>10/3/13</a:t>
             </a:fld>
             <a:endParaRPr lang="en-US"/>
           </a:p>
@@ -3177,7 +3177,7 @@
           <a:p>
             <a:fld id="{CE2D3545-AE21-7247-8426-4B1172E482C1}" type="datetimeFigureOut">
               <a:rPr lang="en-US" smtClean="0"/>
-              <a:t>9/7/13</a:t>
+              <a:t>10/3/13</a:t>
             </a:fld>
             <a:endParaRPr lang="en-US"/>
           </a:p>
@@ -7643,11 +7643,7 @@
             <a:pPr algn="ctr"/>
             <a:r>
               <a:rPr lang="en-US" dirty="0" smtClean="0"/>
-              <a:t>Browser </a:t>
-            </a:r>
-            <a:r>
-              <a:rPr lang="en-US" dirty="0" smtClean="0"/>
-              <a:t>Internals</a:t>
+              <a:t>Browser Internals</a:t>
             </a:r>
           </a:p>
           <a:p>
@@ -18588,8 +18584,8 @@
         </p:nvSpPr>
         <p:spPr>
           <a:xfrm>
-            <a:off x="6554595" y="3389438"/>
-            <a:ext cx="2485281" cy="826702"/>
+            <a:off x="6554595" y="1597583"/>
+            <a:ext cx="2485281" cy="2618557"/>
           </a:xfrm>
           <a:prstGeom prst="rect">
             <a:avLst/>
@@ -18613,17 +18609,58 @@
           <a:bodyPr rtlCol="0" anchor="ctr"/>
           <a:lstStyle/>
           <a:p>
-            <a:pPr algn="ctr"/>
-            <a:r>
-              <a:rPr lang="en-US" sz="1600" i="1" dirty="0" smtClean="0"/>
-              <a:t>Signaling Protocol</a:t>
-            </a:r>
-          </a:p>
-          <a:p>
-            <a:pPr algn="ctr"/>
+            <a:pPr algn="r"/>
+            <a:r>
+              <a:rPr lang="en-US" sz="1600" i="1" dirty="0" smtClean="0">
+                <a:latin typeface="+mj-lt"/>
+              </a:rPr>
+              <a:t>Signaling </a:t>
+            </a:r>
+          </a:p>
+          <a:p>
+            <a:pPr algn="r"/>
+            <a:r>
+              <a:rPr lang="en-US" sz="1600" i="1" dirty="0" smtClean="0">
+                <a:latin typeface="+mj-lt"/>
+              </a:rPr>
+              <a:t>Protocol</a:t>
+            </a:r>
+          </a:p>
+          <a:p>
+            <a:pPr algn="r"/>
+            <a:endParaRPr lang="en-US" sz="1200" i="1" dirty="0" smtClean="0"/>
+          </a:p>
+          <a:p>
+            <a:pPr algn="r"/>
             <a:r>
               <a:rPr lang="en-US" sz="1200" i="1" dirty="0" smtClean="0"/>
               <a:t>(e.g., SIP, Jingle, …)</a:t>
+            </a:r>
+          </a:p>
+          <a:p>
+            <a:pPr algn="r"/>
+            <a:endParaRPr lang="en-US" sz="1200" i="1" dirty="0"/>
+          </a:p>
+          <a:p>
+            <a:pPr algn="r"/>
+            <a:endParaRPr lang="en-US" sz="1200" i="1" dirty="0" smtClean="0"/>
+          </a:p>
+          <a:p>
+            <a:pPr algn="r"/>
+            <a:endParaRPr lang="en-US" sz="1200" i="1" dirty="0" smtClean="0"/>
+          </a:p>
+          <a:p>
+            <a:pPr algn="r"/>
+            <a:r>
+              <a:rPr lang="en-US" sz="1200" i="1" dirty="0" smtClean="0"/>
+              <a:t>Or something proprietary</a:t>
+            </a:r>
+          </a:p>
+          <a:p>
+            <a:pPr algn="r"/>
+            <a:r>
+              <a:rPr lang="en-US" sz="1200" i="1" dirty="0" smtClean="0"/>
+              <a:t>(over HTTP or Web Sockets)</a:t>
             </a:r>
             <a:endParaRPr lang="en-US" sz="1200" i="1" dirty="0"/>
           </a:p>
@@ -18736,7 +18773,7 @@
         <p:spPr>
           <a:xfrm>
             <a:off x="6308797" y="1597583"/>
-            <a:ext cx="1447478" cy="1787188"/>
+            <a:ext cx="1294270" cy="1787188"/>
           </a:xfrm>
           <a:prstGeom prst="rect">
             <a:avLst/>
@@ -18943,6 +18980,54 @@
               <a:t>Channel</a:t>
             </a:r>
             <a:endParaRPr lang="en-US" sz="1400" dirty="0">
+              <a:latin typeface="+mj-lt"/>
+            </a:endParaRPr>
+          </a:p>
+        </p:txBody>
+      </p:sp>
+      <p:sp>
+        <p:nvSpPr>
+          <p:cNvPr id="27" name="Rectangle 26"/>
+          <p:cNvSpPr/>
+          <p:nvPr/>
+        </p:nvSpPr>
+        <p:spPr>
+          <a:xfrm>
+            <a:off x="2075630" y="766213"/>
+            <a:ext cx="6964246" cy="831370"/>
+          </a:xfrm>
+          <a:prstGeom prst="rect">
+            <a:avLst/>
+          </a:prstGeom>
+        </p:spPr>
+        <p:style>
+          <a:lnRef idx="2">
+            <a:schemeClr val="dk1"/>
+          </a:lnRef>
+          <a:fillRef idx="1">
+            <a:schemeClr val="lt1"/>
+          </a:fillRef>
+          <a:effectRef idx="0">
+            <a:schemeClr val="dk1"/>
+          </a:effectRef>
+          <a:fontRef idx="minor">
+            <a:schemeClr val="dk1"/>
+          </a:fontRef>
+        </p:style>
+        <p:txBody>
+          <a:bodyPr rtlCol="0" anchor="ctr"/>
+          <a:lstStyle/>
+          <a:p>
+            <a:pPr algn="ctr"/>
+            <a:r>
+              <a:rPr lang="en-US" sz="1600" dirty="0" err="1" smtClean="0"/>
+              <a:t>WebRTC</a:t>
+            </a:r>
+            <a:r>
+              <a:rPr lang="en-US" sz="1600" dirty="0" smtClean="0"/>
+              <a:t> Application</a:t>
+            </a:r>
+            <a:endParaRPr lang="en-US" sz="1600" dirty="0">
               <a:latin typeface="+mj-lt"/>
             </a:endParaRPr>
           </a:p>

--- a/graphs/source/chap5-src.pptx
+++ b/graphs/source/chap5-src.pptx
@@ -5,7 +5,7 @@
     <p:sldMasterId id="2147483660" r:id="rId1"/>
   </p:sldMasterIdLst>
   <p:notesMasterIdLst>
-    <p:notesMasterId r:id="rId14"/>
+    <p:notesMasterId r:id="rId15"/>
   </p:notesMasterIdLst>
   <p:sldIdLst>
     <p:sldId id="266" r:id="rId2"/>
@@ -20,6 +20,7 @@
     <p:sldId id="261" r:id="rId11"/>
     <p:sldId id="265" r:id="rId12"/>
     <p:sldId id="268" r:id="rId13"/>
+    <p:sldId id="269" r:id="rId14"/>
   </p:sldIdLst>
   <p:sldSz cx="9144000" cy="6858000" type="screen4x3"/>
   <p:notesSz cx="6858000" cy="9144000"/>
@@ -203,7 +204,7 @@
           <a:p>
             <a:fld id="{7BA68311-98B2-8147-8E3D-5F9C91F16701}" type="datetimeFigureOut">
               <a:rPr lang="en-US" smtClean="0"/>
-              <a:t>10/3/13</a:t>
+              <a:t>26/02/14</a:t>
             </a:fld>
             <a:endParaRPr lang="en-US"/>
           </a:p>
@@ -736,7 +737,7 @@
           <a:p>
             <a:fld id="{CE2D3545-AE21-7247-8426-4B1172E482C1}" type="datetimeFigureOut">
               <a:rPr lang="en-US" smtClean="0"/>
-              <a:t>10/3/13</a:t>
+              <a:t>26/02/14</a:t>
             </a:fld>
             <a:endParaRPr lang="en-US"/>
           </a:p>
@@ -906,7 +907,7 @@
           <a:p>
             <a:fld id="{CE2D3545-AE21-7247-8426-4B1172E482C1}" type="datetimeFigureOut">
               <a:rPr lang="en-US" smtClean="0"/>
-              <a:t>10/3/13</a:t>
+              <a:t>26/02/14</a:t>
             </a:fld>
             <a:endParaRPr lang="en-US"/>
           </a:p>
@@ -1086,7 +1087,7 @@
           <a:p>
             <a:fld id="{CE2D3545-AE21-7247-8426-4B1172E482C1}" type="datetimeFigureOut">
               <a:rPr lang="en-US" smtClean="0"/>
-              <a:t>10/3/13</a:t>
+              <a:t>26/02/14</a:t>
             </a:fld>
             <a:endParaRPr lang="en-US"/>
           </a:p>
@@ -1256,7 +1257,7 @@
           <a:p>
             <a:fld id="{CE2D3545-AE21-7247-8426-4B1172E482C1}" type="datetimeFigureOut">
               <a:rPr lang="en-US" smtClean="0"/>
-              <a:t>10/3/13</a:t>
+              <a:t>26/02/14</a:t>
             </a:fld>
             <a:endParaRPr lang="en-US"/>
           </a:p>
@@ -1502,7 +1503,7 @@
           <a:p>
             <a:fld id="{CE2D3545-AE21-7247-8426-4B1172E482C1}" type="datetimeFigureOut">
               <a:rPr lang="en-US" smtClean="0"/>
-              <a:t>10/3/13</a:t>
+              <a:t>26/02/14</a:t>
             </a:fld>
             <a:endParaRPr lang="en-US"/>
           </a:p>
@@ -1790,7 +1791,7 @@
           <a:p>
             <a:fld id="{CE2D3545-AE21-7247-8426-4B1172E482C1}" type="datetimeFigureOut">
               <a:rPr lang="en-US" smtClean="0"/>
-              <a:t>10/3/13</a:t>
+              <a:t>26/02/14</a:t>
             </a:fld>
             <a:endParaRPr lang="en-US"/>
           </a:p>
@@ -2212,7 +2213,7 @@
           <a:p>
             <a:fld id="{CE2D3545-AE21-7247-8426-4B1172E482C1}" type="datetimeFigureOut">
               <a:rPr lang="en-US" smtClean="0"/>
-              <a:t>10/3/13</a:t>
+              <a:t>26/02/14</a:t>
             </a:fld>
             <a:endParaRPr lang="en-US"/>
           </a:p>
@@ -2330,7 +2331,7 @@
           <a:p>
             <a:fld id="{CE2D3545-AE21-7247-8426-4B1172E482C1}" type="datetimeFigureOut">
               <a:rPr lang="en-US" smtClean="0"/>
-              <a:t>10/3/13</a:t>
+              <a:t>26/02/14</a:t>
             </a:fld>
             <a:endParaRPr lang="en-US"/>
           </a:p>
@@ -2425,7 +2426,7 @@
           <a:p>
             <a:fld id="{CE2D3545-AE21-7247-8426-4B1172E482C1}" type="datetimeFigureOut">
               <a:rPr lang="en-US" smtClean="0"/>
-              <a:t>10/3/13</a:t>
+              <a:t>26/02/14</a:t>
             </a:fld>
             <a:endParaRPr lang="en-US"/>
           </a:p>
@@ -2702,7 +2703,7 @@
           <a:p>
             <a:fld id="{CE2D3545-AE21-7247-8426-4B1172E482C1}" type="datetimeFigureOut">
               <a:rPr lang="en-US" smtClean="0"/>
-              <a:t>10/3/13</a:t>
+              <a:t>26/02/14</a:t>
             </a:fld>
             <a:endParaRPr lang="en-US"/>
           </a:p>
@@ -2959,7 +2960,7 @@
           <a:p>
             <a:fld id="{CE2D3545-AE21-7247-8426-4B1172E482C1}" type="datetimeFigureOut">
               <a:rPr lang="en-US" smtClean="0"/>
-              <a:t>10/3/13</a:t>
+              <a:t>26/02/14</a:t>
             </a:fld>
             <a:endParaRPr lang="en-US"/>
           </a:p>
@@ -3177,7 +3178,7 @@
           <a:p>
             <a:fld id="{CE2D3545-AE21-7247-8426-4B1172E482C1}" type="datetimeFigureOut">
               <a:rPr lang="en-US" smtClean="0"/>
-              <a:t>10/3/13</a:t>
+              <a:t>26/02/14</a:t>
             </a:fld>
             <a:endParaRPr lang="en-US"/>
           </a:p>
@@ -9512,6 +9513,244 @@
     <p:extLst>
       <p:ext uri="{BB962C8B-B14F-4D97-AF65-F5344CB8AC3E}">
         <p14:creationId xmlns:p14="http://schemas.microsoft.com/office/powerpoint/2010/main" val="1207456978"/>
+      </p:ext>
+    </p:extLst>
+  </p:cSld>
+  <p:clrMapOvr>
+    <a:masterClrMapping/>
+  </p:clrMapOvr>
+</p:sld>
+</file>
+
+<file path=ppt/slides/slide13.xml><?xml version="1.0" encoding="utf-8"?>
+<p:sld xmlns:a="http://schemas.openxmlformats.org/drawingml/2006/main" xmlns:r="http://schemas.openxmlformats.org/officeDocument/2006/relationships" xmlns:p="http://schemas.openxmlformats.org/presentationml/2006/main">
+  <p:cSld>
+    <p:spTree>
+      <p:nvGrpSpPr>
+        <p:cNvPr id="1" name=""/>
+        <p:cNvGrpSpPr/>
+        <p:nvPr/>
+      </p:nvGrpSpPr>
+      <p:grpSpPr>
+        <a:xfrm>
+          <a:off x="0" y="0"/>
+          <a:ext cx="0" cy="0"/>
+          <a:chOff x="0" y="0"/>
+          <a:chExt cx="0" cy="0"/>
+        </a:xfrm>
+      </p:grpSpPr>
+      <p:sp>
+        <p:nvSpPr>
+          <p:cNvPr id="3" name="Rectangle 2"/>
+          <p:cNvSpPr/>
+          <p:nvPr/>
+        </p:nvSpPr>
+        <p:spPr>
+          <a:xfrm>
+            <a:off x="4661992" y="979984"/>
+            <a:ext cx="3434880" cy="3546955"/>
+          </a:xfrm>
+          <a:prstGeom prst="rect">
+            <a:avLst/>
+          </a:prstGeom>
+        </p:spPr>
+        <p:style>
+          <a:lnRef idx="2">
+            <a:schemeClr val="dk1"/>
+          </a:lnRef>
+          <a:fillRef idx="1">
+            <a:schemeClr val="lt1"/>
+          </a:fillRef>
+          <a:effectRef idx="0">
+            <a:schemeClr val="dk1"/>
+          </a:effectRef>
+          <a:fontRef idx="minor">
+            <a:schemeClr val="dk1"/>
+          </a:fontRef>
+        </p:style>
+        <p:txBody>
+          <a:bodyPr rtlCol="0" anchor="t"/>
+          <a:lstStyle/>
+          <a:p>
+            <a:pPr algn="ctr"/>
+            <a:r>
+              <a:rPr lang="en-US" sz="4000" dirty="0" smtClean="0">
+                <a:latin typeface="+mj-lt"/>
+              </a:rPr>
+              <a:t>APP</a:t>
+            </a:r>
+            <a:endParaRPr lang="en-US" sz="4000" dirty="0">
+              <a:latin typeface="+mj-lt"/>
+            </a:endParaRPr>
+          </a:p>
+        </p:txBody>
+      </p:sp>
+      <p:sp>
+        <p:nvSpPr>
+          <p:cNvPr id="5" name="Rectangle 4"/>
+          <p:cNvSpPr/>
+          <p:nvPr/>
+        </p:nvSpPr>
+        <p:spPr>
+          <a:xfrm>
+            <a:off x="1132626" y="3398211"/>
+            <a:ext cx="3529366" cy="1131085"/>
+          </a:xfrm>
+          <a:prstGeom prst="rect">
+            <a:avLst/>
+          </a:prstGeom>
+        </p:spPr>
+        <p:style>
+          <a:lnRef idx="2">
+            <a:schemeClr val="dk1"/>
+          </a:lnRef>
+          <a:fillRef idx="1">
+            <a:schemeClr val="lt1"/>
+          </a:fillRef>
+          <a:effectRef idx="0">
+            <a:schemeClr val="dk1"/>
+          </a:effectRef>
+          <a:fontRef idx="minor">
+            <a:schemeClr val="dk1"/>
+          </a:fontRef>
+        </p:style>
+        <p:txBody>
+          <a:bodyPr rtlCol="0" anchor="ctr"/>
+          <a:lstStyle/>
+          <a:p>
+            <a:pPr algn="ctr"/>
+            <a:r>
+              <a:rPr lang="en-US" sz="2800" dirty="0"/>
+              <a:t>CODEC</a:t>
+            </a:r>
+            <a:endParaRPr lang="en-US" sz="3200" dirty="0">
+              <a:latin typeface="+mj-lt"/>
+            </a:endParaRPr>
+          </a:p>
+        </p:txBody>
+      </p:sp>
+      <p:sp>
+        <p:nvSpPr>
+          <p:cNvPr id="11" name="TextBox 10"/>
+          <p:cNvSpPr txBox="1"/>
+          <p:nvPr/>
+        </p:nvSpPr>
+        <p:spPr>
+          <a:xfrm>
+            <a:off x="4567506" y="2902698"/>
+            <a:ext cx="184666" cy="461665"/>
+          </a:xfrm>
+          <a:prstGeom prst="rect">
+            <a:avLst/>
+          </a:prstGeom>
+          <a:noFill/>
+        </p:spPr>
+        <p:txBody>
+          <a:bodyPr wrap="none" rtlCol="0">
+            <a:spAutoFit/>
+          </a:bodyPr>
+          <a:lstStyle/>
+          <a:p>
+            <a:pPr algn="ctr"/>
+            <a:endParaRPr lang="en-US" sz="2400" dirty="0"/>
+          </a:p>
+        </p:txBody>
+      </p:sp>
+      <p:sp>
+        <p:nvSpPr>
+          <p:cNvPr id="14" name="Rectangle 13"/>
+          <p:cNvSpPr/>
+          <p:nvPr/>
+        </p:nvSpPr>
+        <p:spPr>
+          <a:xfrm>
+            <a:off x="1132626" y="4526940"/>
+            <a:ext cx="6964246" cy="1131085"/>
+          </a:xfrm>
+          <a:prstGeom prst="rect">
+            <a:avLst/>
+          </a:prstGeom>
+        </p:spPr>
+        <p:style>
+          <a:lnRef idx="2">
+            <a:schemeClr val="dk1"/>
+          </a:lnRef>
+          <a:fillRef idx="1">
+            <a:schemeClr val="lt1"/>
+          </a:fillRef>
+          <a:effectRef idx="0">
+            <a:schemeClr val="dk1"/>
+          </a:effectRef>
+          <a:fontRef idx="minor">
+            <a:schemeClr val="dk1"/>
+          </a:fontRef>
+        </p:style>
+        <p:txBody>
+          <a:bodyPr rtlCol="0" anchor="ctr"/>
+          <a:lstStyle/>
+          <a:p>
+            <a:pPr algn="ctr"/>
+            <a:r>
+              <a:rPr lang="en-US" sz="2800" dirty="0" smtClean="0"/>
+              <a:t>TRANSPORT</a:t>
+            </a:r>
+            <a:endParaRPr lang="en-US" sz="4000" dirty="0"/>
+          </a:p>
+        </p:txBody>
+      </p:sp>
+      <p:sp>
+        <p:nvSpPr>
+          <p:cNvPr id="15" name="Rectangle 14"/>
+          <p:cNvSpPr/>
+          <p:nvPr/>
+        </p:nvSpPr>
+        <p:spPr>
+          <a:xfrm>
+            <a:off x="4661992" y="3398210"/>
+            <a:ext cx="3434880" cy="1131085"/>
+          </a:xfrm>
+          <a:prstGeom prst="rect">
+            <a:avLst/>
+          </a:prstGeom>
+        </p:spPr>
+        <p:style>
+          <a:lnRef idx="2">
+            <a:schemeClr val="dk1"/>
+          </a:lnRef>
+          <a:fillRef idx="1">
+            <a:schemeClr val="lt1"/>
+          </a:fillRef>
+          <a:effectRef idx="0">
+            <a:schemeClr val="dk1"/>
+          </a:effectRef>
+          <a:fontRef idx="minor">
+            <a:schemeClr val="dk1"/>
+          </a:fontRef>
+        </p:style>
+        <p:txBody>
+          <a:bodyPr rtlCol="0" anchor="ctr"/>
+          <a:lstStyle/>
+          <a:p>
+            <a:pPr algn="ctr"/>
+            <a:r>
+              <a:rPr lang="en-US" sz="2800" dirty="0"/>
+              <a:t>Congestion</a:t>
+            </a:r>
+          </a:p>
+          <a:p>
+            <a:pPr algn="ctr"/>
+            <a:r>
+              <a:rPr lang="en-US" sz="2800" dirty="0" smtClean="0"/>
+              <a:t>Control</a:t>
+            </a:r>
+            <a:endParaRPr lang="en-US" sz="2800" dirty="0"/>
+          </a:p>
+        </p:txBody>
+      </p:sp>
+    </p:spTree>
+    <p:extLst>
+      <p:ext uri="{BB962C8B-B14F-4D97-AF65-F5344CB8AC3E}">
+        <p14:creationId xmlns:p14="http://schemas.microsoft.com/office/powerpoint/2010/main" val="1892641216"/>
       </p:ext>
     </p:extLst>
   </p:cSld>

--- a/graphs/source/chap5-src.pptx
+++ b/graphs/source/chap5-src.pptx
@@ -5,7 +5,7 @@
     <p:sldMasterId id="2147483660" r:id="rId1"/>
   </p:sldMasterIdLst>
   <p:notesMasterIdLst>
-    <p:notesMasterId r:id="rId15"/>
+    <p:notesMasterId r:id="rId16"/>
   </p:notesMasterIdLst>
   <p:sldIdLst>
     <p:sldId id="266" r:id="rId2"/>
@@ -15,12 +15,13 @@
     <p:sldId id="258" r:id="rId6"/>
     <p:sldId id="259" r:id="rId7"/>
     <p:sldId id="260" r:id="rId8"/>
-    <p:sldId id="264" r:id="rId9"/>
-    <p:sldId id="262" r:id="rId10"/>
-    <p:sldId id="261" r:id="rId11"/>
-    <p:sldId id="265" r:id="rId12"/>
-    <p:sldId id="268" r:id="rId13"/>
-    <p:sldId id="269" r:id="rId14"/>
+    <p:sldId id="270" r:id="rId9"/>
+    <p:sldId id="264" r:id="rId10"/>
+    <p:sldId id="262" r:id="rId11"/>
+    <p:sldId id="261" r:id="rId12"/>
+    <p:sldId id="265" r:id="rId13"/>
+    <p:sldId id="268" r:id="rId14"/>
+    <p:sldId id="269" r:id="rId15"/>
   </p:sldIdLst>
   <p:sldSz cx="9144000" cy="6858000" type="screen4x3"/>
   <p:notesSz cx="6858000" cy="9144000"/>
@@ -204,7 +205,7 @@
           <a:p>
             <a:fld id="{7BA68311-98B2-8147-8E3D-5F9C91F16701}" type="datetimeFigureOut">
               <a:rPr lang="en-US" smtClean="0"/>
-              <a:t>26/02/14</a:t>
+              <a:t>27/03/14</a:t>
             </a:fld>
             <a:endParaRPr lang="en-US"/>
           </a:p>
@@ -537,7 +538,7 @@
           <a:p>
             <a:fld id="{8AED5117-C3DB-DC46-B433-F1C323FD7F80}" type="slidenum">
               <a:rPr lang="en-US" smtClean="0"/>
-              <a:t>9</a:t>
+              <a:t>10</a:t>
             </a:fld>
             <a:endParaRPr lang="en-US"/>
           </a:p>
@@ -737,7 +738,7 @@
           <a:p>
             <a:fld id="{CE2D3545-AE21-7247-8426-4B1172E482C1}" type="datetimeFigureOut">
               <a:rPr lang="en-US" smtClean="0"/>
-              <a:t>26/02/14</a:t>
+              <a:t>27/03/14</a:t>
             </a:fld>
             <a:endParaRPr lang="en-US"/>
           </a:p>
@@ -907,7 +908,7 @@
           <a:p>
             <a:fld id="{CE2D3545-AE21-7247-8426-4B1172E482C1}" type="datetimeFigureOut">
               <a:rPr lang="en-US" smtClean="0"/>
-              <a:t>26/02/14</a:t>
+              <a:t>27/03/14</a:t>
             </a:fld>
             <a:endParaRPr lang="en-US"/>
           </a:p>
@@ -1087,7 +1088,7 @@
           <a:p>
             <a:fld id="{CE2D3545-AE21-7247-8426-4B1172E482C1}" type="datetimeFigureOut">
               <a:rPr lang="en-US" smtClean="0"/>
-              <a:t>26/02/14</a:t>
+              <a:t>27/03/14</a:t>
             </a:fld>
             <a:endParaRPr lang="en-US"/>
           </a:p>
@@ -1257,7 +1258,7 @@
           <a:p>
             <a:fld id="{CE2D3545-AE21-7247-8426-4B1172E482C1}" type="datetimeFigureOut">
               <a:rPr lang="en-US" smtClean="0"/>
-              <a:t>26/02/14</a:t>
+              <a:t>27/03/14</a:t>
             </a:fld>
             <a:endParaRPr lang="en-US"/>
           </a:p>
@@ -1503,7 +1504,7 @@
           <a:p>
             <a:fld id="{CE2D3545-AE21-7247-8426-4B1172E482C1}" type="datetimeFigureOut">
               <a:rPr lang="en-US" smtClean="0"/>
-              <a:t>26/02/14</a:t>
+              <a:t>27/03/14</a:t>
             </a:fld>
             <a:endParaRPr lang="en-US"/>
           </a:p>
@@ -1791,7 +1792,7 @@
           <a:p>
             <a:fld id="{CE2D3545-AE21-7247-8426-4B1172E482C1}" type="datetimeFigureOut">
               <a:rPr lang="en-US" smtClean="0"/>
-              <a:t>26/02/14</a:t>
+              <a:t>27/03/14</a:t>
             </a:fld>
             <a:endParaRPr lang="en-US"/>
           </a:p>
@@ -2213,7 +2214,7 @@
           <a:p>
             <a:fld id="{CE2D3545-AE21-7247-8426-4B1172E482C1}" type="datetimeFigureOut">
               <a:rPr lang="en-US" smtClean="0"/>
-              <a:t>26/02/14</a:t>
+              <a:t>27/03/14</a:t>
             </a:fld>
             <a:endParaRPr lang="en-US"/>
           </a:p>
@@ -2331,7 +2332,7 @@
           <a:p>
             <a:fld id="{CE2D3545-AE21-7247-8426-4B1172E482C1}" type="datetimeFigureOut">
               <a:rPr lang="en-US" smtClean="0"/>
-              <a:t>26/02/14</a:t>
+              <a:t>27/03/14</a:t>
             </a:fld>
             <a:endParaRPr lang="en-US"/>
           </a:p>
@@ -2426,7 +2427,7 @@
           <a:p>
             <a:fld id="{CE2D3545-AE21-7247-8426-4B1172E482C1}" type="datetimeFigureOut">
               <a:rPr lang="en-US" smtClean="0"/>
-              <a:t>26/02/14</a:t>
+              <a:t>27/03/14</a:t>
             </a:fld>
             <a:endParaRPr lang="en-US"/>
           </a:p>
@@ -2703,7 +2704,7 @@
           <a:p>
             <a:fld id="{CE2D3545-AE21-7247-8426-4B1172E482C1}" type="datetimeFigureOut">
               <a:rPr lang="en-US" smtClean="0"/>
-              <a:t>26/02/14</a:t>
+              <a:t>27/03/14</a:t>
             </a:fld>
             <a:endParaRPr lang="en-US"/>
           </a:p>
@@ -2960,7 +2961,7 @@
           <a:p>
             <a:fld id="{CE2D3545-AE21-7247-8426-4B1172E482C1}" type="datetimeFigureOut">
               <a:rPr lang="en-US" smtClean="0"/>
-              <a:t>26/02/14</a:t>
+              <a:t>27/03/14</a:t>
             </a:fld>
             <a:endParaRPr lang="en-US"/>
           </a:p>
@@ -3178,7 +3179,7 @@
           <a:p>
             <a:fld id="{CE2D3545-AE21-7247-8426-4B1172E482C1}" type="datetimeFigureOut">
               <a:rPr lang="en-US" smtClean="0"/>
-              <a:t>26/02/14</a:t>
+              <a:t>27/03/14</a:t>
             </a:fld>
             <a:endParaRPr lang="en-US"/>
           </a:p>
@@ -5463,6 +5464,1032 @@
       </p:grpSpPr>
       <p:sp>
         <p:nvSpPr>
+          <p:cNvPr id="2" name="Rectangle 1"/>
+          <p:cNvSpPr/>
+          <p:nvPr/>
+        </p:nvSpPr>
+        <p:spPr>
+          <a:xfrm>
+            <a:off x="139556" y="5052177"/>
+            <a:ext cx="8900321" cy="831370"/>
+          </a:xfrm>
+          <a:prstGeom prst="rect">
+            <a:avLst/>
+          </a:prstGeom>
+        </p:spPr>
+        <p:style>
+          <a:lnRef idx="2">
+            <a:schemeClr val="dk1"/>
+          </a:lnRef>
+          <a:fillRef idx="1">
+            <a:schemeClr val="lt1"/>
+          </a:fillRef>
+          <a:effectRef idx="0">
+            <a:schemeClr val="dk1"/>
+          </a:effectRef>
+          <a:fontRef idx="minor">
+            <a:schemeClr val="dk1"/>
+          </a:fontRef>
+        </p:style>
+        <p:txBody>
+          <a:bodyPr rtlCol="0" anchor="ctr"/>
+          <a:lstStyle/>
+          <a:p>
+            <a:pPr lvl="0" algn="ctr"/>
+            <a:r>
+              <a:rPr lang="en-US" dirty="0">
+                <a:solidFill>
+                  <a:prstClr val="black"/>
+                </a:solidFill>
+              </a:rPr>
+              <a:t>Internet Protocol </a:t>
+            </a:r>
+            <a:r>
+              <a:rPr lang="en-US" dirty="0">
+                <a:solidFill>
+                  <a:prstClr val="black"/>
+                </a:solidFill>
+                <a:latin typeface="Nexa Bold"/>
+              </a:rPr>
+              <a:t>(IP</a:t>
+            </a:r>
+            <a:r>
+              <a:rPr lang="en-US" dirty="0" smtClean="0">
+                <a:solidFill>
+                  <a:prstClr val="black"/>
+                </a:solidFill>
+                <a:latin typeface="Nexa Bold"/>
+              </a:rPr>
+              <a:t>)</a:t>
+            </a:r>
+            <a:endParaRPr lang="en-US" sz="1600" dirty="0">
+              <a:solidFill>
+                <a:prstClr val="black"/>
+              </a:solidFill>
+              <a:latin typeface="Nexa Bold"/>
+            </a:endParaRPr>
+          </a:p>
+        </p:txBody>
+      </p:sp>
+      <p:sp>
+        <p:nvSpPr>
+          <p:cNvPr id="3" name="Rectangle 2"/>
+          <p:cNvSpPr/>
+          <p:nvPr/>
+        </p:nvSpPr>
+        <p:spPr>
+          <a:xfrm>
+            <a:off x="139555" y="4220807"/>
+            <a:ext cx="6660835" cy="831370"/>
+          </a:xfrm>
+          <a:prstGeom prst="rect">
+            <a:avLst/>
+          </a:prstGeom>
+        </p:spPr>
+        <p:style>
+          <a:lnRef idx="2">
+            <a:schemeClr val="dk1"/>
+          </a:lnRef>
+          <a:fillRef idx="1">
+            <a:schemeClr val="lt1"/>
+          </a:fillRef>
+          <a:effectRef idx="0">
+            <a:schemeClr val="dk1"/>
+          </a:effectRef>
+          <a:fontRef idx="minor">
+            <a:schemeClr val="dk1"/>
+          </a:fontRef>
+        </p:style>
+        <p:txBody>
+          <a:bodyPr rtlCol="0" anchor="ctr"/>
+          <a:lstStyle/>
+          <a:p>
+            <a:pPr lvl="0" algn="ctr"/>
+            <a:r>
+              <a:rPr lang="en-US" dirty="0">
+                <a:solidFill>
+                  <a:prstClr val="black"/>
+                </a:solidFill>
+              </a:rPr>
+              <a:t>User Datagram Protocol </a:t>
+            </a:r>
+            <a:r>
+              <a:rPr lang="en-US" dirty="0">
+                <a:solidFill>
+                  <a:prstClr val="black"/>
+                </a:solidFill>
+                <a:latin typeface="Nexa Bold"/>
+              </a:rPr>
+              <a:t>(UDP)</a:t>
+            </a:r>
+            <a:endParaRPr lang="en-US" sz="1600" dirty="0">
+              <a:solidFill>
+                <a:prstClr val="black"/>
+              </a:solidFill>
+              <a:latin typeface="Nexa Bold"/>
+            </a:endParaRPr>
+          </a:p>
+        </p:txBody>
+      </p:sp>
+      <p:sp>
+        <p:nvSpPr>
+          <p:cNvPr id="4" name="Rectangle 3"/>
+          <p:cNvSpPr/>
+          <p:nvPr/>
+        </p:nvSpPr>
+        <p:spPr>
+          <a:xfrm>
+            <a:off x="139558" y="3389437"/>
+            <a:ext cx="1936070" cy="831370"/>
+          </a:xfrm>
+          <a:prstGeom prst="rect">
+            <a:avLst/>
+          </a:prstGeom>
+        </p:spPr>
+        <p:style>
+          <a:lnRef idx="2">
+            <a:schemeClr val="dk1"/>
+          </a:lnRef>
+          <a:fillRef idx="1">
+            <a:schemeClr val="lt1"/>
+          </a:fillRef>
+          <a:effectRef idx="0">
+            <a:schemeClr val="dk1"/>
+          </a:effectRef>
+          <a:fontRef idx="minor">
+            <a:schemeClr val="dk1"/>
+          </a:fontRef>
+        </p:style>
+        <p:txBody>
+          <a:bodyPr rtlCol="0" anchor="ctr"/>
+          <a:lstStyle/>
+          <a:p>
+            <a:pPr algn="ctr"/>
+            <a:r>
+              <a:rPr lang="en-US" sz="1600" dirty="0" smtClean="0"/>
+              <a:t>Session Traversal Utilities for NAT </a:t>
+            </a:r>
+            <a:r>
+              <a:rPr lang="en-US" sz="1600" dirty="0" smtClean="0">
+                <a:latin typeface="+mj-lt"/>
+              </a:rPr>
+              <a:t>(STUN)</a:t>
+            </a:r>
+            <a:endParaRPr lang="en-US" sz="1600" dirty="0">
+              <a:latin typeface="+mj-lt"/>
+            </a:endParaRPr>
+          </a:p>
+        </p:txBody>
+      </p:sp>
+      <p:sp>
+        <p:nvSpPr>
+          <p:cNvPr id="5" name="Rectangle 4"/>
+          <p:cNvSpPr/>
+          <p:nvPr/>
+        </p:nvSpPr>
+        <p:spPr>
+          <a:xfrm>
+            <a:off x="2075629" y="3389437"/>
+            <a:ext cx="3468476" cy="831370"/>
+          </a:xfrm>
+          <a:prstGeom prst="rect">
+            <a:avLst/>
+          </a:prstGeom>
+          <a:solidFill>
+            <a:schemeClr val="tx2">
+              <a:lumMod val="20000"/>
+              <a:lumOff val="80000"/>
+            </a:schemeClr>
+          </a:solidFill>
+        </p:spPr>
+        <p:style>
+          <a:lnRef idx="2">
+            <a:schemeClr val="dk1"/>
+          </a:lnRef>
+          <a:fillRef idx="1">
+            <a:schemeClr val="lt1"/>
+          </a:fillRef>
+          <a:effectRef idx="0">
+            <a:schemeClr val="dk1"/>
+          </a:effectRef>
+          <a:fontRef idx="minor">
+            <a:schemeClr val="dk1"/>
+          </a:fontRef>
+        </p:style>
+        <p:txBody>
+          <a:bodyPr rtlCol="0" anchor="ctr"/>
+          <a:lstStyle/>
+          <a:p>
+            <a:pPr algn="ctr"/>
+            <a:r>
+              <a:rPr lang="en-US" dirty="0" smtClean="0">
+                <a:latin typeface="+mj-lt"/>
+              </a:rPr>
+              <a:t>                     RTP</a:t>
+            </a:r>
+          </a:p>
+          <a:p>
+            <a:pPr algn="ctr"/>
+            <a:endParaRPr lang="en-US" sz="1600" dirty="0">
+              <a:latin typeface="+mj-lt"/>
+            </a:endParaRPr>
+          </a:p>
+        </p:txBody>
+      </p:sp>
+      <p:sp>
+        <p:nvSpPr>
+          <p:cNvPr id="15" name="Rectangle 14"/>
+          <p:cNvSpPr/>
+          <p:nvPr/>
+        </p:nvSpPr>
+        <p:spPr>
+          <a:xfrm>
+            <a:off x="2949575" y="1597583"/>
+            <a:ext cx="873946" cy="1787187"/>
+          </a:xfrm>
+          <a:prstGeom prst="rect">
+            <a:avLst/>
+          </a:prstGeom>
+        </p:spPr>
+        <p:style>
+          <a:lnRef idx="2">
+            <a:schemeClr val="dk1"/>
+          </a:lnRef>
+          <a:fillRef idx="1">
+            <a:schemeClr val="lt1"/>
+          </a:fillRef>
+          <a:effectRef idx="0">
+            <a:schemeClr val="dk1"/>
+          </a:effectRef>
+          <a:fontRef idx="minor">
+            <a:schemeClr val="dk1"/>
+          </a:fontRef>
+        </p:style>
+        <p:txBody>
+          <a:bodyPr rtlCol="0" anchor="ctr"/>
+          <a:lstStyle/>
+          <a:p>
+            <a:pPr algn="ctr"/>
+            <a:r>
+              <a:rPr lang="en-US" sz="1600" dirty="0" smtClean="0"/>
+              <a:t>SSRC #2</a:t>
+            </a:r>
+            <a:endParaRPr lang="en-US" sz="1400" dirty="0">
+              <a:latin typeface="+mj-lt"/>
+            </a:endParaRPr>
+          </a:p>
+        </p:txBody>
+      </p:sp>
+      <p:sp>
+        <p:nvSpPr>
+          <p:cNvPr id="16" name="Rectangle 15"/>
+          <p:cNvSpPr/>
+          <p:nvPr/>
+        </p:nvSpPr>
+        <p:spPr>
+          <a:xfrm>
+            <a:off x="2075629" y="1597583"/>
+            <a:ext cx="873946" cy="1787187"/>
+          </a:xfrm>
+          <a:prstGeom prst="rect">
+            <a:avLst/>
+          </a:prstGeom>
+        </p:spPr>
+        <p:style>
+          <a:lnRef idx="2">
+            <a:schemeClr val="dk1"/>
+          </a:lnRef>
+          <a:fillRef idx="1">
+            <a:schemeClr val="lt1"/>
+          </a:fillRef>
+          <a:effectRef idx="0">
+            <a:schemeClr val="dk1"/>
+          </a:effectRef>
+          <a:fontRef idx="minor">
+            <a:schemeClr val="dk1"/>
+          </a:fontRef>
+        </p:style>
+        <p:txBody>
+          <a:bodyPr rtlCol="0" anchor="ctr"/>
+          <a:lstStyle/>
+          <a:p>
+            <a:pPr algn="ctr"/>
+            <a:r>
+              <a:rPr lang="en-US" sz="1600" dirty="0" smtClean="0"/>
+              <a:t>SSRC #1</a:t>
+            </a:r>
+            <a:endParaRPr lang="en-US" sz="1400" dirty="0">
+              <a:latin typeface="+mj-lt"/>
+            </a:endParaRPr>
+          </a:p>
+        </p:txBody>
+      </p:sp>
+      <p:sp>
+        <p:nvSpPr>
+          <p:cNvPr id="19" name="Rectangle 18"/>
+          <p:cNvSpPr/>
+          <p:nvPr/>
+        </p:nvSpPr>
+        <p:spPr>
+          <a:xfrm>
+            <a:off x="2075628" y="3877894"/>
+            <a:ext cx="1747893" cy="342914"/>
+          </a:xfrm>
+          <a:prstGeom prst="rect">
+            <a:avLst/>
+          </a:prstGeom>
+        </p:spPr>
+        <p:style>
+          <a:lnRef idx="2">
+            <a:schemeClr val="dk1"/>
+          </a:lnRef>
+          <a:fillRef idx="1">
+            <a:schemeClr val="lt1"/>
+          </a:fillRef>
+          <a:effectRef idx="0">
+            <a:schemeClr val="dk1"/>
+          </a:effectRef>
+          <a:fontRef idx="minor">
+            <a:schemeClr val="dk1"/>
+          </a:fontRef>
+        </p:style>
+        <p:txBody>
+          <a:bodyPr rtlCol="0" anchor="ctr"/>
+          <a:lstStyle/>
+          <a:p>
+            <a:pPr algn="ctr"/>
+            <a:r>
+              <a:rPr lang="en-US" sz="1600" dirty="0" smtClean="0">
+                <a:latin typeface="+mj-lt"/>
+              </a:rPr>
+              <a:t>TURN</a:t>
+            </a:r>
+            <a:endParaRPr lang="en-US" sz="1400" dirty="0">
+              <a:latin typeface="+mj-lt"/>
+            </a:endParaRPr>
+          </a:p>
+        </p:txBody>
+      </p:sp>
+      <p:cxnSp>
+        <p:nvCxnSpPr>
+          <p:cNvPr id="21" name="Straight Connector 20"/>
+          <p:cNvCxnSpPr/>
+          <p:nvPr/>
+        </p:nvCxnSpPr>
+        <p:spPr>
+          <a:xfrm flipH="1">
+            <a:off x="2075628" y="3384770"/>
+            <a:ext cx="2" cy="664581"/>
+          </a:xfrm>
+          <a:prstGeom prst="line">
+            <a:avLst/>
+          </a:prstGeom>
+          <a:ln>
+            <a:prstDash val="sysDash"/>
+          </a:ln>
+        </p:spPr>
+        <p:style>
+          <a:lnRef idx="1">
+            <a:schemeClr val="dk1"/>
+          </a:lnRef>
+          <a:fillRef idx="0">
+            <a:schemeClr val="dk1"/>
+          </a:fillRef>
+          <a:effectRef idx="0">
+            <a:schemeClr val="dk1"/>
+          </a:effectRef>
+          <a:fontRef idx="minor">
+            <a:schemeClr val="tx1"/>
+          </a:fontRef>
+        </p:style>
+      </p:cxnSp>
+      <p:sp>
+        <p:nvSpPr>
+          <p:cNvPr id="24" name="Rectangle 23"/>
+          <p:cNvSpPr/>
+          <p:nvPr/>
+        </p:nvSpPr>
+        <p:spPr>
+          <a:xfrm>
+            <a:off x="3809866" y="1597583"/>
+            <a:ext cx="873946" cy="1787187"/>
+          </a:xfrm>
+          <a:prstGeom prst="rect">
+            <a:avLst/>
+          </a:prstGeom>
+        </p:spPr>
+        <p:style>
+          <a:lnRef idx="2">
+            <a:schemeClr val="dk1"/>
+          </a:lnRef>
+          <a:fillRef idx="1">
+            <a:schemeClr val="lt1"/>
+          </a:fillRef>
+          <a:effectRef idx="0">
+            <a:schemeClr val="dk1"/>
+          </a:effectRef>
+          <a:fontRef idx="minor">
+            <a:schemeClr val="dk1"/>
+          </a:fontRef>
+        </p:style>
+        <p:txBody>
+          <a:bodyPr rtlCol="0" anchor="ctr"/>
+          <a:lstStyle/>
+          <a:p>
+            <a:pPr algn="ctr"/>
+            <a:r>
+              <a:rPr lang="en-US" sz="1600" dirty="0" smtClean="0"/>
+              <a:t>SSRC #3</a:t>
+            </a:r>
+            <a:endParaRPr lang="en-US" sz="1400" dirty="0">
+              <a:latin typeface="+mj-lt"/>
+            </a:endParaRPr>
+          </a:p>
+        </p:txBody>
+      </p:sp>
+      <p:sp>
+        <p:nvSpPr>
+          <p:cNvPr id="25" name="Rectangle 24"/>
+          <p:cNvSpPr/>
+          <p:nvPr/>
+        </p:nvSpPr>
+        <p:spPr>
+          <a:xfrm>
+            <a:off x="4670158" y="1597583"/>
+            <a:ext cx="873946" cy="1787187"/>
+          </a:xfrm>
+          <a:prstGeom prst="rect">
+            <a:avLst/>
+          </a:prstGeom>
+        </p:spPr>
+        <p:style>
+          <a:lnRef idx="2">
+            <a:schemeClr val="dk1"/>
+          </a:lnRef>
+          <a:fillRef idx="1">
+            <a:schemeClr val="lt1"/>
+          </a:fillRef>
+          <a:effectRef idx="0">
+            <a:schemeClr val="dk1"/>
+          </a:effectRef>
+          <a:fontRef idx="minor">
+            <a:schemeClr val="dk1"/>
+          </a:fontRef>
+        </p:style>
+        <p:txBody>
+          <a:bodyPr rtlCol="0" anchor="ctr"/>
+          <a:lstStyle/>
+          <a:p>
+            <a:pPr algn="ctr"/>
+            <a:r>
+              <a:rPr lang="en-US" sz="1600" dirty="0" smtClean="0"/>
+              <a:t>SSRC #4</a:t>
+            </a:r>
+            <a:endParaRPr lang="en-US" sz="1400" dirty="0">
+              <a:latin typeface="+mj-lt"/>
+            </a:endParaRPr>
+          </a:p>
+        </p:txBody>
+      </p:sp>
+      <p:sp>
+        <p:nvSpPr>
+          <p:cNvPr id="13" name="Rectangle 12"/>
+          <p:cNvSpPr/>
+          <p:nvPr/>
+        </p:nvSpPr>
+        <p:spPr>
+          <a:xfrm>
+            <a:off x="6800391" y="4220808"/>
+            <a:ext cx="2239485" cy="831370"/>
+          </a:xfrm>
+          <a:prstGeom prst="rect">
+            <a:avLst/>
+          </a:prstGeom>
+        </p:spPr>
+        <p:style>
+          <a:lnRef idx="2">
+            <a:schemeClr val="dk1"/>
+          </a:lnRef>
+          <a:fillRef idx="1">
+            <a:schemeClr val="lt1"/>
+          </a:fillRef>
+          <a:effectRef idx="0">
+            <a:schemeClr val="dk1"/>
+          </a:effectRef>
+          <a:fontRef idx="minor">
+            <a:schemeClr val="dk1"/>
+          </a:fontRef>
+        </p:style>
+        <p:txBody>
+          <a:bodyPr rtlCol="0" anchor="ctr"/>
+          <a:lstStyle/>
+          <a:p>
+            <a:pPr algn="ctr"/>
+            <a:r>
+              <a:rPr lang="en-US" dirty="0" smtClean="0"/>
+              <a:t>Transmission Control Protocol </a:t>
+            </a:r>
+            <a:r>
+              <a:rPr lang="en-US" dirty="0" smtClean="0">
+                <a:latin typeface="+mj-lt"/>
+              </a:rPr>
+              <a:t>(TCP)</a:t>
+            </a:r>
+            <a:endParaRPr lang="en-US" sz="1600" dirty="0">
+              <a:latin typeface="+mj-lt"/>
+            </a:endParaRPr>
+          </a:p>
+        </p:txBody>
+      </p:sp>
+      <p:sp>
+        <p:nvSpPr>
+          <p:cNvPr id="14" name="Rectangle 13"/>
+          <p:cNvSpPr/>
+          <p:nvPr/>
+        </p:nvSpPr>
+        <p:spPr>
+          <a:xfrm>
+            <a:off x="6554595" y="1597583"/>
+            <a:ext cx="2485281" cy="2618557"/>
+          </a:xfrm>
+          <a:prstGeom prst="rect">
+            <a:avLst/>
+          </a:prstGeom>
+        </p:spPr>
+        <p:style>
+          <a:lnRef idx="2">
+            <a:schemeClr val="dk1"/>
+          </a:lnRef>
+          <a:fillRef idx="1">
+            <a:schemeClr val="lt1"/>
+          </a:fillRef>
+          <a:effectRef idx="0">
+            <a:schemeClr val="dk1"/>
+          </a:effectRef>
+          <a:fontRef idx="minor">
+            <a:schemeClr val="dk1"/>
+          </a:fontRef>
+        </p:style>
+        <p:txBody>
+          <a:bodyPr rtlCol="0" anchor="ctr"/>
+          <a:lstStyle/>
+          <a:p>
+            <a:pPr algn="r"/>
+            <a:r>
+              <a:rPr lang="en-US" sz="1600" i="1" dirty="0" smtClean="0">
+                <a:latin typeface="+mj-lt"/>
+              </a:rPr>
+              <a:t>Signaling </a:t>
+            </a:r>
+          </a:p>
+          <a:p>
+            <a:pPr algn="r"/>
+            <a:r>
+              <a:rPr lang="en-US" sz="1600" i="1" dirty="0" smtClean="0">
+                <a:latin typeface="+mj-lt"/>
+              </a:rPr>
+              <a:t>Protocol</a:t>
+            </a:r>
+          </a:p>
+          <a:p>
+            <a:pPr algn="r"/>
+            <a:endParaRPr lang="en-US" sz="1200" i="1" dirty="0" smtClean="0"/>
+          </a:p>
+          <a:p>
+            <a:pPr algn="r"/>
+            <a:r>
+              <a:rPr lang="en-US" sz="1200" i="1" dirty="0" smtClean="0"/>
+              <a:t>(e.g., SIP, Jingle, …)</a:t>
+            </a:r>
+          </a:p>
+          <a:p>
+            <a:pPr algn="r"/>
+            <a:endParaRPr lang="en-US" sz="1200" i="1" dirty="0"/>
+          </a:p>
+          <a:p>
+            <a:pPr algn="r"/>
+            <a:endParaRPr lang="en-US" sz="1200" i="1" dirty="0" smtClean="0"/>
+          </a:p>
+          <a:p>
+            <a:pPr algn="r"/>
+            <a:endParaRPr lang="en-US" sz="1200" i="1" dirty="0" smtClean="0"/>
+          </a:p>
+          <a:p>
+            <a:pPr algn="r"/>
+            <a:r>
+              <a:rPr lang="en-US" sz="1200" i="1" dirty="0" smtClean="0"/>
+              <a:t>Or something proprietary</a:t>
+            </a:r>
+          </a:p>
+          <a:p>
+            <a:pPr algn="r"/>
+            <a:r>
+              <a:rPr lang="en-US" sz="1200" i="1" dirty="0" smtClean="0"/>
+              <a:t>(over HTTP or Web Sockets)</a:t>
+            </a:r>
+            <a:endParaRPr lang="en-US" sz="1200" i="1" dirty="0"/>
+          </a:p>
+        </p:txBody>
+      </p:sp>
+      <p:sp>
+        <p:nvSpPr>
+          <p:cNvPr id="17" name="Rectangle 16"/>
+          <p:cNvSpPr/>
+          <p:nvPr/>
+        </p:nvSpPr>
+        <p:spPr>
+          <a:xfrm>
+            <a:off x="5544105" y="3384770"/>
+            <a:ext cx="1010490" cy="831370"/>
+          </a:xfrm>
+          <a:prstGeom prst="rect">
+            <a:avLst/>
+          </a:prstGeom>
+        </p:spPr>
+        <p:style>
+          <a:lnRef idx="2">
+            <a:schemeClr val="dk1"/>
+          </a:lnRef>
+          <a:fillRef idx="1">
+            <a:schemeClr val="lt1"/>
+          </a:fillRef>
+          <a:effectRef idx="0">
+            <a:schemeClr val="dk1"/>
+          </a:effectRef>
+          <a:fontRef idx="minor">
+            <a:schemeClr val="dk1"/>
+          </a:fontRef>
+        </p:style>
+        <p:txBody>
+          <a:bodyPr rtlCol="0" anchor="ctr"/>
+          <a:lstStyle/>
+          <a:p>
+            <a:pPr algn="ctr"/>
+            <a:r>
+              <a:rPr lang="en-US" sz="1600" dirty="0" smtClean="0">
+                <a:latin typeface="+mj-lt"/>
+              </a:rPr>
+              <a:t>DTLS</a:t>
+            </a:r>
+            <a:endParaRPr lang="en-US" sz="1600" dirty="0">
+              <a:latin typeface="+mj-lt"/>
+            </a:endParaRPr>
+          </a:p>
+        </p:txBody>
+      </p:sp>
+      <p:sp>
+        <p:nvSpPr>
+          <p:cNvPr id="6" name="TextBox 5"/>
+          <p:cNvSpPr txBox="1"/>
+          <p:nvPr/>
+        </p:nvSpPr>
+        <p:spPr>
+          <a:xfrm>
+            <a:off x="5885487" y="6211669"/>
+            <a:ext cx="3154390" cy="646331"/>
+          </a:xfrm>
+          <a:prstGeom prst="rect">
+            <a:avLst/>
+          </a:prstGeom>
+          <a:noFill/>
+        </p:spPr>
+        <p:txBody>
+          <a:bodyPr wrap="square" rtlCol="0">
+            <a:spAutoFit/>
+          </a:bodyPr>
+          <a:lstStyle/>
+          <a:p>
+            <a:pPr algn="just"/>
+            <a:r>
+              <a:rPr lang="en-US" sz="1200" dirty="0" smtClean="0">
+                <a:latin typeface="+mj-lt"/>
+              </a:rPr>
+              <a:t>Note:</a:t>
+            </a:r>
+            <a:r>
+              <a:rPr lang="en-US" sz="1200" dirty="0" smtClean="0"/>
+              <a:t> *RTP can be sent over UDP or TCP.</a:t>
+            </a:r>
+          </a:p>
+          <a:p>
+            <a:pPr algn="just"/>
+            <a:r>
+              <a:rPr lang="en-US" sz="1200" dirty="0" smtClean="0"/>
+              <a:t>Similarly, signaling </a:t>
+            </a:r>
+            <a:r>
+              <a:rPr lang="en-US" sz="1200" dirty="0"/>
+              <a:t>p</a:t>
+            </a:r>
+            <a:r>
+              <a:rPr lang="en-US" sz="1200" dirty="0" smtClean="0"/>
+              <a:t>rotocols can be designed to transmit over UDP or TCP.</a:t>
+            </a:r>
+            <a:endParaRPr lang="en-US" sz="1200" dirty="0"/>
+          </a:p>
+        </p:txBody>
+      </p:sp>
+      <p:sp>
+        <p:nvSpPr>
+          <p:cNvPr id="20" name="Rectangle 19"/>
+          <p:cNvSpPr/>
+          <p:nvPr/>
+        </p:nvSpPr>
+        <p:spPr>
+          <a:xfrm>
+            <a:off x="6308797" y="1597583"/>
+            <a:ext cx="1294270" cy="1787188"/>
+          </a:xfrm>
+          <a:prstGeom prst="rect">
+            <a:avLst/>
+          </a:prstGeom>
+        </p:spPr>
+        <p:style>
+          <a:lnRef idx="2">
+            <a:schemeClr val="dk1"/>
+          </a:lnRef>
+          <a:fillRef idx="1">
+            <a:schemeClr val="lt1"/>
+          </a:fillRef>
+          <a:effectRef idx="0">
+            <a:schemeClr val="dk1"/>
+          </a:effectRef>
+          <a:fontRef idx="minor">
+            <a:schemeClr val="dk1"/>
+          </a:fontRef>
+        </p:style>
+        <p:txBody>
+          <a:bodyPr vert="horz" rtlCol="0" anchor="ctr"/>
+          <a:lstStyle/>
+          <a:p>
+            <a:pPr algn="ctr"/>
+            <a:r>
+              <a:rPr lang="en-US" sz="1600" dirty="0" smtClean="0"/>
+              <a:t>Secure RTP </a:t>
+            </a:r>
+            <a:r>
+              <a:rPr lang="en-US" sz="1600" dirty="0" smtClean="0">
+                <a:latin typeface="+mj-lt"/>
+              </a:rPr>
+              <a:t>(SRTP)</a:t>
+            </a:r>
+            <a:r>
+              <a:rPr lang="en-US" sz="1600" dirty="0" smtClean="0"/>
+              <a:t> Keying</a:t>
+            </a:r>
+            <a:endParaRPr lang="en-US" sz="1400" dirty="0">
+              <a:latin typeface="+mj-lt"/>
+            </a:endParaRPr>
+          </a:p>
+        </p:txBody>
+      </p:sp>
+      <p:cxnSp>
+        <p:nvCxnSpPr>
+          <p:cNvPr id="11" name="Straight Connector 10"/>
+          <p:cNvCxnSpPr/>
+          <p:nvPr/>
+        </p:nvCxnSpPr>
+        <p:spPr>
+          <a:xfrm>
+            <a:off x="3809866" y="3389438"/>
+            <a:ext cx="0" cy="493124"/>
+          </a:xfrm>
+          <a:prstGeom prst="line">
+            <a:avLst/>
+          </a:prstGeom>
+          <a:ln>
+            <a:prstDash val="dash"/>
+          </a:ln>
+        </p:spPr>
+        <p:style>
+          <a:lnRef idx="1">
+            <a:schemeClr val="dk1"/>
+          </a:lnRef>
+          <a:fillRef idx="0">
+            <a:schemeClr val="dk1"/>
+          </a:fillRef>
+          <a:effectRef idx="0">
+            <a:schemeClr val="dk1"/>
+          </a:effectRef>
+          <a:fontRef idx="minor">
+            <a:schemeClr val="tx1"/>
+          </a:fontRef>
+        </p:style>
+      </p:cxnSp>
+      <p:cxnSp>
+        <p:nvCxnSpPr>
+          <p:cNvPr id="22" name="Straight Connector 21"/>
+          <p:cNvCxnSpPr/>
+          <p:nvPr/>
+        </p:nvCxnSpPr>
+        <p:spPr>
+          <a:xfrm>
+            <a:off x="2949575" y="3384770"/>
+            <a:ext cx="0" cy="493124"/>
+          </a:xfrm>
+          <a:prstGeom prst="line">
+            <a:avLst/>
+          </a:prstGeom>
+          <a:ln>
+            <a:prstDash val="dash"/>
+          </a:ln>
+        </p:spPr>
+        <p:style>
+          <a:lnRef idx="1">
+            <a:schemeClr val="dk1"/>
+          </a:lnRef>
+          <a:fillRef idx="0">
+            <a:schemeClr val="dk1"/>
+          </a:fillRef>
+          <a:effectRef idx="0">
+            <a:schemeClr val="dk1"/>
+          </a:effectRef>
+          <a:fontRef idx="minor">
+            <a:schemeClr val="tx1"/>
+          </a:fontRef>
+        </p:style>
+      </p:cxnSp>
+      <p:sp>
+        <p:nvSpPr>
+          <p:cNvPr id="23" name="Rectangle 22"/>
+          <p:cNvSpPr/>
+          <p:nvPr/>
+        </p:nvSpPr>
+        <p:spPr>
+          <a:xfrm>
+            <a:off x="5544104" y="2553398"/>
+            <a:ext cx="764693" cy="831372"/>
+          </a:xfrm>
+          <a:prstGeom prst="rect">
+            <a:avLst/>
+          </a:prstGeom>
+        </p:spPr>
+        <p:style>
+          <a:lnRef idx="2">
+            <a:schemeClr val="dk1"/>
+          </a:lnRef>
+          <a:fillRef idx="1">
+            <a:schemeClr val="lt1"/>
+          </a:fillRef>
+          <a:effectRef idx="0">
+            <a:schemeClr val="dk1"/>
+          </a:effectRef>
+          <a:fontRef idx="minor">
+            <a:schemeClr val="dk1"/>
+          </a:fontRef>
+        </p:style>
+        <p:txBody>
+          <a:bodyPr vert="horz" rtlCol="0" anchor="ctr"/>
+          <a:lstStyle/>
+          <a:p>
+            <a:pPr algn="ctr"/>
+            <a:r>
+              <a:rPr lang="en-US" sz="1600" dirty="0" smtClean="0">
+                <a:latin typeface="+mj-lt"/>
+              </a:rPr>
+              <a:t>SCTP</a:t>
+            </a:r>
+            <a:endParaRPr lang="en-US" sz="1400" dirty="0">
+              <a:latin typeface="+mj-lt"/>
+            </a:endParaRPr>
+          </a:p>
+        </p:txBody>
+      </p:sp>
+      <p:sp>
+        <p:nvSpPr>
+          <p:cNvPr id="26" name="Rectangle 25"/>
+          <p:cNvSpPr/>
+          <p:nvPr/>
+        </p:nvSpPr>
+        <p:spPr>
+          <a:xfrm>
+            <a:off x="5544106" y="1597583"/>
+            <a:ext cx="764693" cy="955815"/>
+          </a:xfrm>
+          <a:prstGeom prst="rect">
+            <a:avLst/>
+          </a:prstGeom>
+        </p:spPr>
+        <p:style>
+          <a:lnRef idx="2">
+            <a:schemeClr val="dk1"/>
+          </a:lnRef>
+          <a:fillRef idx="1">
+            <a:schemeClr val="lt1"/>
+          </a:fillRef>
+          <a:effectRef idx="0">
+            <a:schemeClr val="dk1"/>
+          </a:effectRef>
+          <a:fontRef idx="minor">
+            <a:schemeClr val="dk1"/>
+          </a:fontRef>
+        </p:style>
+        <p:txBody>
+          <a:bodyPr vert="vert270" rtlCol="0" anchor="ctr"/>
+          <a:lstStyle/>
+          <a:p>
+            <a:pPr algn="ctr"/>
+            <a:r>
+              <a:rPr lang="en-US" sz="1600" dirty="0" smtClean="0">
+                <a:latin typeface="+mj-lt"/>
+              </a:rPr>
+              <a:t>Data</a:t>
+            </a:r>
+          </a:p>
+          <a:p>
+            <a:pPr algn="ctr"/>
+            <a:r>
+              <a:rPr lang="en-US" sz="1600" dirty="0" smtClean="0">
+                <a:latin typeface="+mj-lt"/>
+              </a:rPr>
+              <a:t>Channel</a:t>
+            </a:r>
+            <a:endParaRPr lang="en-US" sz="1400" dirty="0">
+              <a:latin typeface="+mj-lt"/>
+            </a:endParaRPr>
+          </a:p>
+        </p:txBody>
+      </p:sp>
+      <p:sp>
+        <p:nvSpPr>
+          <p:cNvPr id="27" name="Rectangle 26"/>
+          <p:cNvSpPr/>
+          <p:nvPr/>
+        </p:nvSpPr>
+        <p:spPr>
+          <a:xfrm>
+            <a:off x="2075630" y="766213"/>
+            <a:ext cx="6964246" cy="831370"/>
+          </a:xfrm>
+          <a:prstGeom prst="rect">
+            <a:avLst/>
+          </a:prstGeom>
+        </p:spPr>
+        <p:style>
+          <a:lnRef idx="2">
+            <a:schemeClr val="dk1"/>
+          </a:lnRef>
+          <a:fillRef idx="1">
+            <a:schemeClr val="lt1"/>
+          </a:fillRef>
+          <a:effectRef idx="0">
+            <a:schemeClr val="dk1"/>
+          </a:effectRef>
+          <a:fontRef idx="minor">
+            <a:schemeClr val="dk1"/>
+          </a:fontRef>
+        </p:style>
+        <p:txBody>
+          <a:bodyPr rtlCol="0" anchor="ctr"/>
+          <a:lstStyle/>
+          <a:p>
+            <a:pPr algn="ctr"/>
+            <a:r>
+              <a:rPr lang="en-US" sz="1600" dirty="0" err="1" smtClean="0"/>
+              <a:t>WebRTC</a:t>
+            </a:r>
+            <a:r>
+              <a:rPr lang="en-US" sz="1600" dirty="0" smtClean="0"/>
+              <a:t> Application</a:t>
+            </a:r>
+            <a:endParaRPr lang="en-US" sz="1600" dirty="0">
+              <a:latin typeface="+mj-lt"/>
+            </a:endParaRPr>
+          </a:p>
+        </p:txBody>
+      </p:sp>
+    </p:spTree>
+    <p:extLst>
+      <p:ext uri="{BB962C8B-B14F-4D97-AF65-F5344CB8AC3E}">
+        <p14:creationId xmlns:p14="http://schemas.microsoft.com/office/powerpoint/2010/main" val="3585768518"/>
+      </p:ext>
+    </p:extLst>
+  </p:cSld>
+  <p:clrMapOvr>
+    <a:masterClrMapping/>
+  </p:clrMapOvr>
+</p:sld>
+</file>
+
+<file path=ppt/slides/slide11.xml><?xml version="1.0" encoding="utf-8"?>
+<p:sld xmlns:a="http://schemas.openxmlformats.org/drawingml/2006/main" xmlns:r="http://schemas.openxmlformats.org/officeDocument/2006/relationships" xmlns:p="http://schemas.openxmlformats.org/presentationml/2006/main">
+  <p:cSld>
+    <p:spTree>
+      <p:nvGrpSpPr>
+        <p:cNvPr id="1" name=""/>
+        <p:cNvGrpSpPr/>
+        <p:nvPr/>
+      </p:nvGrpSpPr>
+      <p:grpSpPr>
+        <a:xfrm>
+          <a:off x="0" y="0"/>
+          <a:ext cx="0" cy="0"/>
+          <a:chOff x="0" y="0"/>
+          <a:chExt cx="0" cy="0"/>
+        </a:xfrm>
+      </p:grpSpPr>
+      <p:sp>
+        <p:nvSpPr>
           <p:cNvPr id="3" name="Rounded Rectangle 2"/>
           <p:cNvSpPr/>
           <p:nvPr/>
@@ -6155,7 +7182,7 @@
 </p:sld>
 </file>
 
-<file path=ppt/slides/slide11.xml><?xml version="1.0" encoding="utf-8"?>
+<file path=ppt/slides/slide12.xml><?xml version="1.0" encoding="utf-8"?>
 <p:sld xmlns:a="http://schemas.openxmlformats.org/drawingml/2006/main" xmlns:r="http://schemas.openxmlformats.org/officeDocument/2006/relationships" xmlns:p="http://schemas.openxmlformats.org/presentationml/2006/main">
   <p:cSld>
     <p:spTree>
@@ -7386,7 +8413,7 @@
 </p:sld>
 </file>
 
-<file path=ppt/slides/slide12.xml><?xml version="1.0" encoding="utf-8"?>
+<file path=ppt/slides/slide13.xml><?xml version="1.0" encoding="utf-8"?>
 <p:sld xmlns:a="http://schemas.openxmlformats.org/drawingml/2006/main" xmlns:r="http://schemas.openxmlformats.org/officeDocument/2006/relationships" xmlns:p="http://schemas.openxmlformats.org/presentationml/2006/main">
   <p:cSld>
     <p:spTree>
@@ -9522,7 +10549,7 @@
 </p:sld>
 </file>
 
-<file path=ppt/slides/slide13.xml><?xml version="1.0" encoding="utf-8"?>
+<file path=ppt/slides/slide14.xml><?xml version="1.0" encoding="utf-8"?>
 <p:sld xmlns:a="http://schemas.openxmlformats.org/drawingml/2006/main" xmlns:r="http://schemas.openxmlformats.org/officeDocument/2006/relationships" xmlns:p="http://schemas.openxmlformats.org/presentationml/2006/main">
   <p:cSld>
     <p:spTree>
@@ -12186,7 +13213,7 @@
         </p:nvSpPr>
         <p:spPr>
           <a:xfrm>
-            <a:off x="6215399" y="152384"/>
+            <a:off x="6215399" y="316244"/>
             <a:ext cx="1144864" cy="914855"/>
           </a:xfrm>
           <a:prstGeom prst="rect">
@@ -12228,7 +13255,7 @@
         </p:nvSpPr>
         <p:spPr>
           <a:xfrm>
-            <a:off x="1356265" y="152384"/>
+            <a:off x="1356265" y="316244"/>
             <a:ext cx="1144864" cy="914855"/>
           </a:xfrm>
           <a:prstGeom prst="rect">
@@ -12270,7 +13297,7 @@
         </p:nvSpPr>
         <p:spPr>
           <a:xfrm>
-            <a:off x="2501129" y="316238"/>
+            <a:off x="2501129" y="480098"/>
             <a:ext cx="3714270" cy="314055"/>
           </a:xfrm>
           <a:prstGeom prst="rightArrow">
@@ -12310,7 +13337,7 @@
         </p:nvSpPr>
         <p:spPr>
           <a:xfrm>
-            <a:off x="3482127" y="-15818"/>
+            <a:off x="3482127" y="148042"/>
             <a:ext cx="1569660" cy="338554"/>
           </a:xfrm>
           <a:prstGeom prst="rect">
@@ -12340,7 +13367,7 @@
         </p:nvCxnSpPr>
         <p:spPr>
           <a:xfrm flipH="1">
-            <a:off x="2501129" y="848764"/>
+            <a:off x="2501129" y="1012624"/>
             <a:ext cx="3714270" cy="1"/>
           </a:xfrm>
           <a:prstGeom prst="straightConnector1">
@@ -12373,7 +13400,7 @@
         </p:nvSpPr>
         <p:spPr>
           <a:xfrm>
-            <a:off x="3355904" y="862421"/>
+            <a:off x="3355904" y="1026281"/>
             <a:ext cx="1800493" cy="338554"/>
           </a:xfrm>
           <a:prstGeom prst="rect">
@@ -12403,8 +13430,8 @@
         </p:nvSpPr>
         <p:spPr>
           <a:xfrm>
-            <a:off x="928566" y="1200975"/>
-            <a:ext cx="2731081" cy="646331"/>
+            <a:off x="464287" y="1364835"/>
+            <a:ext cx="2922255" cy="307777"/>
           </a:xfrm>
           <a:prstGeom prst="rect">
             <a:avLst/>
@@ -12418,11 +13445,25 @@
           <a:lstStyle/>
           <a:p>
             <a:r>
-              <a:rPr lang="en-US" dirty="0" smtClean="0">
-                <a:latin typeface="Courier"/>
-                <a:cs typeface="Courier"/>
+              <a:rPr lang="en-US" sz="1400" dirty="0" smtClean="0">
+                <a:latin typeface="Ubuntu"/>
+                <a:cs typeface="Ubuntu"/>
               </a:rPr>
-              <a:t>Calculates sender’s estimate</a:t>
+              <a:t>Calculates </a:t>
+            </a:r>
+            <a:r>
+              <a:rPr lang="en-US" sz="1400" dirty="0" smtClean="0">
+                <a:latin typeface="Ubuntu"/>
+                <a:cs typeface="Ubuntu"/>
+              </a:rPr>
+              <a:t>the sender’s </a:t>
+            </a:r>
+            <a:r>
+              <a:rPr lang="en-US" sz="1400" dirty="0" smtClean="0">
+                <a:latin typeface="Ubuntu"/>
+                <a:cs typeface="Ubuntu"/>
+              </a:rPr>
+              <a:t>estimate</a:t>
             </a:r>
           </a:p>
         </p:txBody>
@@ -12652,8 +13693,8 @@
         </p:nvSpPr>
         <p:spPr>
           <a:xfrm>
-            <a:off x="5587250" y="1271445"/>
-            <a:ext cx="3029310" cy="369332"/>
+            <a:off x="5807928" y="1364835"/>
+            <a:ext cx="2005155" cy="307777"/>
           </a:xfrm>
           <a:prstGeom prst="rect">
             <a:avLst/>
@@ -12667,9 +13708,9 @@
           <a:lstStyle/>
           <a:p>
             <a:r>
-              <a:rPr lang="en-US" dirty="0" smtClean="0">
-                <a:latin typeface="Courier"/>
-                <a:cs typeface="Courier"/>
+              <a:rPr lang="en-US" sz="1400" dirty="0" smtClean="0">
+                <a:latin typeface="Ubuntu"/>
+                <a:cs typeface="Ubuntu"/>
               </a:rPr>
               <a:t>Measures congestion</a:t>
             </a:r>
@@ -12684,8 +13725,8 @@
         </p:nvSpPr>
         <p:spPr>
           <a:xfrm>
-            <a:off x="5739650" y="3413388"/>
-            <a:ext cx="3029310" cy="646331"/>
+            <a:off x="5421002" y="3466752"/>
+            <a:ext cx="2758588" cy="307777"/>
           </a:xfrm>
           <a:prstGeom prst="rect">
             <a:avLst/>
@@ -12696,13 +13737,20 @@
           <a:bodyPr wrap="square" rtlCol="0">
             <a:spAutoFit/>
           </a:bodyPr>
-          <a:lstStyle/>
-          <a:p>
-            <a:r>
-              <a:rPr lang="en-US" dirty="0" smtClean="0">
-                <a:latin typeface="Courier"/>
-                <a:cs typeface="Courier"/>
-              </a:rPr>
+          <a:lstStyle>
+            <a:defPPr>
+              <a:defRPr lang="en-US"/>
+            </a:defPPr>
+            <a:lvl1pPr>
+              <a:defRPr sz="1400">
+                <a:latin typeface="Ubuntu"/>
+                <a:cs typeface="Ubuntu"/>
+              </a:defRPr>
+            </a:lvl1pPr>
+          </a:lstStyle>
+          <a:p>
+            <a:r>
+              <a:rPr lang="en-US" dirty="0"/>
               <a:t>Calculates Receiver’s Estimate</a:t>
             </a:r>
           </a:p>
@@ -12716,8 +13764,8 @@
         </p:nvSpPr>
         <p:spPr>
           <a:xfrm>
-            <a:off x="1080966" y="3494939"/>
-            <a:ext cx="2731081" cy="646331"/>
+            <a:off x="559872" y="3494939"/>
+            <a:ext cx="2731081" cy="307777"/>
           </a:xfrm>
           <a:prstGeom prst="rect">
             <a:avLst/>
@@ -12728,14 +13776,29 @@
           <a:bodyPr wrap="square" rtlCol="0">
             <a:spAutoFit/>
           </a:bodyPr>
-          <a:lstStyle/>
-          <a:p>
-            <a:r>
-              <a:rPr lang="en-US" dirty="0" smtClean="0">
-                <a:latin typeface="Courier"/>
-                <a:cs typeface="Courier"/>
-              </a:rPr>
-              <a:t>Follows receiver’s estimate</a:t>
+          <a:lstStyle>
+            <a:defPPr>
+              <a:defRPr lang="en-US"/>
+            </a:defPPr>
+            <a:lvl1pPr>
+              <a:defRPr sz="1400">
+                <a:latin typeface="Ubuntu"/>
+                <a:cs typeface="Ubuntu"/>
+              </a:defRPr>
+            </a:lvl1pPr>
+          </a:lstStyle>
+          <a:p>
+            <a:r>
+              <a:rPr lang="en-US" dirty="0"/>
+              <a:t>Follows </a:t>
+            </a:r>
+            <a:r>
+              <a:rPr lang="en-US" dirty="0" smtClean="0"/>
+              <a:t>the receiver’s </a:t>
+            </a:r>
+            <a:r>
+              <a:rPr lang="en-US" dirty="0"/>
+              <a:t>estimate</a:t>
             </a:r>
           </a:p>
         </p:txBody>
@@ -12941,8 +14004,8 @@
         </p:nvSpPr>
         <p:spPr>
           <a:xfrm>
-            <a:off x="5739650" y="5358222"/>
-            <a:ext cx="3029310" cy="923330"/>
+            <a:off x="5516587" y="5461497"/>
+            <a:ext cx="2663003" cy="523220"/>
           </a:xfrm>
           <a:prstGeom prst="rect">
             <a:avLst/>
@@ -12953,13 +14016,20 @@
           <a:bodyPr wrap="square" rtlCol="0">
             <a:spAutoFit/>
           </a:bodyPr>
-          <a:lstStyle/>
-          <a:p>
-            <a:r>
-              <a:rPr lang="en-US" dirty="0" smtClean="0">
-                <a:latin typeface="Courier"/>
-                <a:cs typeface="Courier"/>
-              </a:rPr>
+          <a:lstStyle>
+            <a:defPPr>
+              <a:defRPr lang="en-US"/>
+            </a:defPPr>
+            <a:lvl1pPr>
+              <a:defRPr sz="1400">
+                <a:latin typeface="Ubuntu"/>
+                <a:cs typeface="Ubuntu"/>
+              </a:defRPr>
+            </a:lvl1pPr>
+          </a:lstStyle>
+          <a:p>
+            <a:r>
+              <a:rPr lang="en-US" dirty="0"/>
               <a:t>Measures Congestion and Calculates Receiver’s Estimate</a:t>
             </a:r>
           </a:p>
@@ -12973,8 +14043,8 @@
         </p:nvSpPr>
         <p:spPr>
           <a:xfrm>
-            <a:off x="1080966" y="5467083"/>
-            <a:ext cx="3083932" cy="1477328"/>
+            <a:off x="518907" y="5461498"/>
+            <a:ext cx="2796032" cy="738664"/>
           </a:xfrm>
           <a:prstGeom prst="rect">
             <a:avLst/>
@@ -12985,15 +14055,35 @@
           <a:bodyPr wrap="square" rtlCol="0">
             <a:spAutoFit/>
           </a:bodyPr>
-          <a:lstStyle/>
-          <a:p>
-            <a:r>
-              <a:rPr lang="en-US" dirty="0" smtClean="0">
-                <a:latin typeface="Courier"/>
-                <a:cs typeface="Courier"/>
-              </a:rPr>
-              <a:t>Calculates sender’s estimate and chooses a value between Sender and Receiver Estimates</a:t>
-            </a:r>
+          <a:lstStyle>
+            <a:defPPr>
+              <a:defRPr lang="en-US"/>
+            </a:defPPr>
+            <a:lvl1pPr>
+              <a:defRPr sz="1400">
+                <a:latin typeface="Ubuntu"/>
+                <a:cs typeface="Ubuntu"/>
+              </a:defRPr>
+            </a:lvl1pPr>
+          </a:lstStyle>
+          <a:p>
+            <a:r>
+              <a:rPr lang="en-US" dirty="0"/>
+              <a:t>Calculates </a:t>
+            </a:r>
+            <a:r>
+              <a:rPr lang="en-US" dirty="0" smtClean="0"/>
+              <a:t>the sender’s </a:t>
+            </a:r>
+            <a:r>
+              <a:rPr lang="en-US" dirty="0"/>
+              <a:t>estimate and chooses a value between </a:t>
+            </a:r>
+            <a:r>
+              <a:rPr lang="en-US" dirty="0" smtClean="0"/>
+              <a:t>the two Estimates</a:t>
+            </a:r>
+            <a:endParaRPr lang="en-US" dirty="0"/>
           </a:p>
         </p:txBody>
       </p:sp>
@@ -15682,6 +16772,795 @@
 </file>
 
 <file path=ppt/slides/slide8.xml><?xml version="1.0" encoding="utf-8"?>
+<p:sld xmlns:a="http://schemas.openxmlformats.org/drawingml/2006/main" xmlns:r="http://schemas.openxmlformats.org/officeDocument/2006/relationships" xmlns:p="http://schemas.openxmlformats.org/presentationml/2006/main">
+  <p:cSld>
+    <p:spTree>
+      <p:nvGrpSpPr>
+        <p:cNvPr id="1" name=""/>
+        <p:cNvGrpSpPr/>
+        <p:nvPr/>
+      </p:nvGrpSpPr>
+      <p:grpSpPr>
+        <a:xfrm>
+          <a:off x="0" y="0"/>
+          <a:ext cx="0" cy="0"/>
+          <a:chOff x="0" y="0"/>
+          <a:chExt cx="0" cy="0"/>
+        </a:xfrm>
+      </p:grpSpPr>
+      <p:sp>
+        <p:nvSpPr>
+          <p:cNvPr id="6" name="TextBox 5"/>
+          <p:cNvSpPr txBox="1"/>
+          <p:nvPr/>
+        </p:nvSpPr>
+        <p:spPr>
+          <a:xfrm>
+            <a:off x="2813866" y="3950297"/>
+            <a:ext cx="3101359" cy="830997"/>
+          </a:xfrm>
+          <a:prstGeom prst="rect">
+            <a:avLst/>
+          </a:prstGeom>
+          <a:noFill/>
+        </p:spPr>
+        <p:txBody>
+          <a:bodyPr wrap="none" rtlCol="0">
+            <a:spAutoFit/>
+          </a:bodyPr>
+          <a:lstStyle/>
+          <a:p>
+            <a:r>
+              <a:rPr lang="en-US" sz="1600" dirty="0"/>
+              <a:t>1. Estimated NCMS </a:t>
+            </a:r>
+            <a:r>
+              <a:rPr lang="en-US" sz="1600" dirty="0" smtClean="0"/>
+              <a:t>throughput</a:t>
+            </a:r>
+            <a:endParaRPr lang="en-US" sz="1600" dirty="0" smtClean="0"/>
+          </a:p>
+          <a:p>
+            <a:r>
+              <a:rPr lang="en-US" sz="1600" dirty="0" smtClean="0"/>
+              <a:t>2. Congestion </a:t>
+            </a:r>
+            <a:r>
+              <a:rPr lang="en-US" sz="1600" dirty="0" smtClean="0"/>
+              <a:t>Cues </a:t>
+            </a:r>
+            <a:endParaRPr lang="en-US" sz="1600" dirty="0" smtClean="0"/>
+          </a:p>
+          <a:p>
+            <a:r>
+              <a:rPr lang="en-US" sz="1600" dirty="0" smtClean="0"/>
+              <a:t>3. Receiver's </a:t>
+            </a:r>
+            <a:r>
+              <a:rPr lang="en-US" sz="1600" dirty="0" smtClean="0"/>
+              <a:t>Estimate</a:t>
+            </a:r>
+            <a:endParaRPr lang="en-US" sz="1600" dirty="0"/>
+          </a:p>
+        </p:txBody>
+      </p:sp>
+      <p:sp>
+        <p:nvSpPr>
+          <p:cNvPr id="7" name="TextBox 6"/>
+          <p:cNvSpPr txBox="1"/>
+          <p:nvPr/>
+        </p:nvSpPr>
+        <p:spPr>
+          <a:xfrm>
+            <a:off x="5449163" y="4708856"/>
+            <a:ext cx="3029310" cy="523220"/>
+          </a:xfrm>
+          <a:prstGeom prst="rect">
+            <a:avLst/>
+          </a:prstGeom>
+          <a:noFill/>
+        </p:spPr>
+        <p:txBody>
+          <a:bodyPr wrap="square" rtlCol="0">
+            <a:spAutoFit/>
+          </a:bodyPr>
+          <a:lstStyle>
+            <a:defPPr>
+              <a:defRPr lang="en-US"/>
+            </a:defPPr>
+            <a:lvl1pPr>
+              <a:defRPr sz="1400">
+                <a:latin typeface="Ubuntu"/>
+                <a:cs typeface="Ubuntu"/>
+              </a:defRPr>
+            </a:lvl1pPr>
+          </a:lstStyle>
+          <a:p>
+            <a:r>
+              <a:rPr lang="en-US" dirty="0"/>
+              <a:t>Measures Congestion and Calculates Receiver’s Estimate</a:t>
+            </a:r>
+          </a:p>
+        </p:txBody>
+      </p:sp>
+      <p:sp>
+        <p:nvSpPr>
+          <p:cNvPr id="8" name="TextBox 7"/>
+          <p:cNvSpPr txBox="1"/>
+          <p:nvPr/>
+        </p:nvSpPr>
+        <p:spPr>
+          <a:xfrm>
+            <a:off x="494921" y="4708856"/>
+            <a:ext cx="2796032" cy="1815882"/>
+          </a:xfrm>
+          <a:prstGeom prst="rect">
+            <a:avLst/>
+          </a:prstGeom>
+          <a:noFill/>
+        </p:spPr>
+        <p:txBody>
+          <a:bodyPr wrap="square" rtlCol="0">
+            <a:spAutoFit/>
+          </a:bodyPr>
+          <a:lstStyle>
+            <a:defPPr>
+              <a:defRPr lang="en-US"/>
+            </a:defPPr>
+            <a:lvl1pPr>
+              <a:defRPr sz="1400">
+                <a:latin typeface="Ubuntu"/>
+                <a:cs typeface="Ubuntu"/>
+              </a:defRPr>
+            </a:lvl1pPr>
+          </a:lstStyle>
+          <a:p>
+            <a:pPr marL="285750" indent="-285750">
+              <a:buFont typeface="Arial"/>
+              <a:buChar char="•"/>
+            </a:pPr>
+            <a:r>
+              <a:rPr lang="en-US" dirty="0"/>
+              <a:t>Calculates sender’s </a:t>
+            </a:r>
+            <a:r>
+              <a:rPr lang="en-US" dirty="0" smtClean="0"/>
+              <a:t>estimate based on congestion cues and  the receiver’s estimate </a:t>
+            </a:r>
+          </a:p>
+          <a:p>
+            <a:pPr marL="285750" indent="-285750">
+              <a:buFont typeface="Arial"/>
+              <a:buChar char="•"/>
+            </a:pPr>
+            <a:r>
+              <a:rPr lang="en-US" dirty="0" smtClean="0"/>
+              <a:t>Receives Coverage map info directly from NCMS and from the receiver</a:t>
+            </a:r>
+          </a:p>
+          <a:p>
+            <a:r>
+              <a:rPr lang="en-US" dirty="0" smtClean="0"/>
+              <a:t>Sender chooses </a:t>
+            </a:r>
+            <a:r>
+              <a:rPr lang="en-US" dirty="0"/>
+              <a:t>a value </a:t>
+            </a:r>
+            <a:r>
+              <a:rPr lang="en-US" dirty="0" smtClean="0"/>
+              <a:t>based on these inputs</a:t>
+            </a:r>
+            <a:endParaRPr lang="en-US" dirty="0"/>
+          </a:p>
+        </p:txBody>
+      </p:sp>
+      <p:sp>
+        <p:nvSpPr>
+          <p:cNvPr id="21" name="Rectangle 20"/>
+          <p:cNvSpPr/>
+          <p:nvPr/>
+        </p:nvSpPr>
+        <p:spPr>
+          <a:xfrm>
+            <a:off x="6158603" y="3315275"/>
+            <a:ext cx="1474768" cy="914855"/>
+          </a:xfrm>
+          <a:prstGeom prst="rect">
+            <a:avLst/>
+          </a:prstGeom>
+        </p:spPr>
+        <p:style>
+          <a:lnRef idx="2">
+            <a:schemeClr val="dk1"/>
+          </a:lnRef>
+          <a:fillRef idx="1">
+            <a:schemeClr val="lt1"/>
+          </a:fillRef>
+          <a:effectRef idx="0">
+            <a:schemeClr val="dk1"/>
+          </a:effectRef>
+          <a:fontRef idx="minor">
+            <a:schemeClr val="dk1"/>
+          </a:fontRef>
+        </p:style>
+        <p:txBody>
+          <a:bodyPr rtlCol="0" anchor="ctr"/>
+          <a:lstStyle/>
+          <a:p>
+            <a:pPr algn="ctr"/>
+            <a:r>
+              <a:rPr lang="en-US" dirty="0" smtClean="0"/>
+              <a:t>Receiver</a:t>
+            </a:r>
+            <a:endParaRPr lang="en-US" dirty="0"/>
+          </a:p>
+        </p:txBody>
+      </p:sp>
+      <p:sp>
+        <p:nvSpPr>
+          <p:cNvPr id="22" name="Rectangle 21"/>
+          <p:cNvSpPr/>
+          <p:nvPr/>
+        </p:nvSpPr>
+        <p:spPr>
+          <a:xfrm>
+            <a:off x="1093541" y="3315275"/>
+            <a:ext cx="1350792" cy="914855"/>
+          </a:xfrm>
+          <a:prstGeom prst="rect">
+            <a:avLst/>
+          </a:prstGeom>
+        </p:spPr>
+        <p:style>
+          <a:lnRef idx="2">
+            <a:schemeClr val="dk1"/>
+          </a:lnRef>
+          <a:fillRef idx="1">
+            <a:schemeClr val="lt1"/>
+          </a:fillRef>
+          <a:effectRef idx="0">
+            <a:schemeClr val="dk1"/>
+          </a:effectRef>
+          <a:fontRef idx="minor">
+            <a:schemeClr val="dk1"/>
+          </a:fontRef>
+        </p:style>
+        <p:txBody>
+          <a:bodyPr rtlCol="0" anchor="ctr"/>
+          <a:lstStyle/>
+          <a:p>
+            <a:pPr algn="ctr"/>
+            <a:r>
+              <a:rPr lang="en-US" dirty="0" smtClean="0"/>
+              <a:t>Sender</a:t>
+            </a:r>
+            <a:endParaRPr lang="en-US" sz="1600" dirty="0"/>
+          </a:p>
+        </p:txBody>
+      </p:sp>
+      <p:sp>
+        <p:nvSpPr>
+          <p:cNvPr id="23" name="Right Arrow 22"/>
+          <p:cNvSpPr/>
+          <p:nvPr/>
+        </p:nvSpPr>
+        <p:spPr>
+          <a:xfrm>
+            <a:off x="2444333" y="3479130"/>
+            <a:ext cx="3714270" cy="139328"/>
+          </a:xfrm>
+          <a:prstGeom prst="rightArrow">
+            <a:avLst/>
+          </a:prstGeom>
+        </p:spPr>
+        <p:style>
+          <a:lnRef idx="2">
+            <a:schemeClr val="dk1">
+              <a:shade val="50000"/>
+            </a:schemeClr>
+          </a:lnRef>
+          <a:fillRef idx="1">
+            <a:schemeClr val="dk1"/>
+          </a:fillRef>
+          <a:effectRef idx="0">
+            <a:schemeClr val="dk1"/>
+          </a:effectRef>
+          <a:fontRef idx="minor">
+            <a:schemeClr val="lt1"/>
+          </a:fontRef>
+        </p:style>
+        <p:txBody>
+          <a:bodyPr rtlCol="0" anchor="ctr"/>
+          <a:lstStyle/>
+          <a:p>
+            <a:pPr algn="ctr"/>
+            <a:endParaRPr lang="en-US"/>
+          </a:p>
+        </p:txBody>
+      </p:sp>
+      <p:sp>
+        <p:nvSpPr>
+          <p:cNvPr id="24" name="TextBox 23"/>
+          <p:cNvSpPr txBox="1"/>
+          <p:nvPr/>
+        </p:nvSpPr>
+        <p:spPr>
+          <a:xfrm>
+            <a:off x="3111257" y="3147073"/>
+            <a:ext cx="2505814" cy="338554"/>
+          </a:xfrm>
+          <a:prstGeom prst="rect">
+            <a:avLst/>
+          </a:prstGeom>
+          <a:noFill/>
+        </p:spPr>
+        <p:txBody>
+          <a:bodyPr wrap="none" rtlCol="0">
+            <a:spAutoFit/>
+          </a:bodyPr>
+          <a:lstStyle/>
+          <a:p>
+            <a:r>
+              <a:rPr lang="en-US" sz="1600" dirty="0" smtClean="0"/>
+              <a:t>MPRTP (media packets)</a:t>
+            </a:r>
+            <a:endParaRPr lang="en-US" sz="1600" dirty="0"/>
+          </a:p>
+        </p:txBody>
+      </p:sp>
+      <p:cxnSp>
+        <p:nvCxnSpPr>
+          <p:cNvPr id="25" name="Straight Arrow Connector 24"/>
+          <p:cNvCxnSpPr/>
+          <p:nvPr/>
+        </p:nvCxnSpPr>
+        <p:spPr>
+          <a:xfrm flipH="1">
+            <a:off x="2444333" y="4011655"/>
+            <a:ext cx="3714270" cy="1"/>
+          </a:xfrm>
+          <a:prstGeom prst="straightConnector1">
+            <a:avLst/>
+          </a:prstGeom>
+          <a:ln>
+            <a:tailEnd type="arrow"/>
+          </a:ln>
+        </p:spPr>
+        <p:style>
+          <a:lnRef idx="1">
+            <a:schemeClr val="dk1"/>
+          </a:lnRef>
+          <a:fillRef idx="0">
+            <a:schemeClr val="dk1"/>
+          </a:fillRef>
+          <a:effectRef idx="0">
+            <a:schemeClr val="dk1"/>
+          </a:effectRef>
+          <a:fontRef idx="minor">
+            <a:schemeClr val="tx1"/>
+          </a:fontRef>
+        </p:style>
+      </p:cxnSp>
+      <p:sp>
+        <p:nvSpPr>
+          <p:cNvPr id="27" name="Rectangle 26"/>
+          <p:cNvSpPr/>
+          <p:nvPr/>
+        </p:nvSpPr>
+        <p:spPr>
+          <a:xfrm>
+            <a:off x="1093541" y="887545"/>
+            <a:ext cx="6539830" cy="380157"/>
+          </a:xfrm>
+          <a:prstGeom prst="rect">
+            <a:avLst/>
+          </a:prstGeom>
+        </p:spPr>
+        <p:style>
+          <a:lnRef idx="2">
+            <a:schemeClr val="dk1"/>
+          </a:lnRef>
+          <a:fillRef idx="1">
+            <a:schemeClr val="lt1"/>
+          </a:fillRef>
+          <a:effectRef idx="0">
+            <a:schemeClr val="dk1"/>
+          </a:effectRef>
+          <a:fontRef idx="minor">
+            <a:schemeClr val="dk1"/>
+          </a:fontRef>
+        </p:style>
+        <p:txBody>
+          <a:bodyPr rtlCol="0" anchor="ctr"/>
+          <a:lstStyle/>
+          <a:p>
+            <a:pPr algn="ctr"/>
+            <a:r>
+              <a:rPr lang="en-US" dirty="0" smtClean="0"/>
+              <a:t>Network Coverage Map Service (NCMS)</a:t>
+            </a:r>
+            <a:endParaRPr lang="en-US" sz="1600" dirty="0"/>
+          </a:p>
+        </p:txBody>
+      </p:sp>
+      <p:cxnSp>
+        <p:nvCxnSpPr>
+          <p:cNvPr id="28" name="Straight Arrow Connector 27"/>
+          <p:cNvCxnSpPr/>
+          <p:nvPr/>
+        </p:nvCxnSpPr>
+        <p:spPr>
+          <a:xfrm flipV="1">
+            <a:off x="6526210" y="1267703"/>
+            <a:ext cx="0" cy="2047573"/>
+          </a:xfrm>
+          <a:prstGeom prst="straightConnector1">
+            <a:avLst/>
+          </a:prstGeom>
+          <a:ln>
+            <a:tailEnd type="arrow"/>
+          </a:ln>
+        </p:spPr>
+        <p:style>
+          <a:lnRef idx="1">
+            <a:schemeClr val="dk1"/>
+          </a:lnRef>
+          <a:fillRef idx="0">
+            <a:schemeClr val="dk1"/>
+          </a:fillRef>
+          <a:effectRef idx="0">
+            <a:schemeClr val="dk1"/>
+          </a:effectRef>
+          <a:fontRef idx="minor">
+            <a:schemeClr val="tx1"/>
+          </a:fontRef>
+        </p:style>
+      </p:cxnSp>
+      <p:sp>
+        <p:nvSpPr>
+          <p:cNvPr id="29" name="TextBox 28"/>
+          <p:cNvSpPr txBox="1"/>
+          <p:nvPr/>
+        </p:nvSpPr>
+        <p:spPr>
+          <a:xfrm>
+            <a:off x="6095323" y="1565963"/>
+            <a:ext cx="400110" cy="1576738"/>
+          </a:xfrm>
+          <a:prstGeom prst="rect">
+            <a:avLst/>
+          </a:prstGeom>
+          <a:noFill/>
+        </p:spPr>
+        <p:txBody>
+          <a:bodyPr vert="vert270" wrap="none" rtlCol="0">
+            <a:spAutoFit/>
+          </a:bodyPr>
+          <a:lstStyle/>
+          <a:p>
+            <a:r>
+              <a:rPr lang="en-US" sz="1400" dirty="0" smtClean="0"/>
+              <a:t>Coverage Update</a:t>
+            </a:r>
+            <a:endParaRPr lang="en-US" sz="1400" dirty="0"/>
+          </a:p>
+        </p:txBody>
+      </p:sp>
+      <p:sp>
+        <p:nvSpPr>
+          <p:cNvPr id="30" name="TextBox 29"/>
+          <p:cNvSpPr txBox="1"/>
+          <p:nvPr/>
+        </p:nvSpPr>
+        <p:spPr>
+          <a:xfrm>
+            <a:off x="1512758" y="1374793"/>
+            <a:ext cx="400110" cy="1772280"/>
+          </a:xfrm>
+          <a:prstGeom prst="rect">
+            <a:avLst/>
+          </a:prstGeom>
+          <a:noFill/>
+        </p:spPr>
+        <p:txBody>
+          <a:bodyPr vert="vert270" wrap="none" rtlCol="0">
+            <a:spAutoFit/>
+          </a:bodyPr>
+          <a:lstStyle/>
+          <a:p>
+            <a:r>
+              <a:rPr lang="en-US" sz="1400" dirty="0" err="1" smtClean="0"/>
+              <a:t>Lookahead</a:t>
+            </a:r>
+            <a:r>
+              <a:rPr lang="en-US" sz="1400" dirty="0" smtClean="0"/>
+              <a:t> Request</a:t>
+            </a:r>
+            <a:endParaRPr lang="en-US" sz="1400" dirty="0"/>
+          </a:p>
+        </p:txBody>
+      </p:sp>
+      <p:cxnSp>
+        <p:nvCxnSpPr>
+          <p:cNvPr id="31" name="Straight Arrow Connector 30"/>
+          <p:cNvCxnSpPr/>
+          <p:nvPr/>
+        </p:nvCxnSpPr>
+        <p:spPr>
+          <a:xfrm flipV="1">
+            <a:off x="6963818" y="1267703"/>
+            <a:ext cx="0" cy="2047573"/>
+          </a:xfrm>
+          <a:prstGeom prst="straightConnector1">
+            <a:avLst/>
+          </a:prstGeom>
+          <a:ln>
+            <a:tailEnd type="arrow"/>
+          </a:ln>
+        </p:spPr>
+        <p:style>
+          <a:lnRef idx="1">
+            <a:schemeClr val="dk1"/>
+          </a:lnRef>
+          <a:fillRef idx="0">
+            <a:schemeClr val="dk1"/>
+          </a:fillRef>
+          <a:effectRef idx="0">
+            <a:schemeClr val="dk1"/>
+          </a:effectRef>
+          <a:fontRef idx="minor">
+            <a:schemeClr val="tx1"/>
+          </a:fontRef>
+        </p:style>
+      </p:cxnSp>
+      <p:sp>
+        <p:nvSpPr>
+          <p:cNvPr id="32" name="TextBox 31"/>
+          <p:cNvSpPr txBox="1"/>
+          <p:nvPr/>
+        </p:nvSpPr>
+        <p:spPr>
+          <a:xfrm>
+            <a:off x="6563708" y="1374793"/>
+            <a:ext cx="400110" cy="1772280"/>
+          </a:xfrm>
+          <a:prstGeom prst="rect">
+            <a:avLst/>
+          </a:prstGeom>
+          <a:noFill/>
+        </p:spPr>
+        <p:txBody>
+          <a:bodyPr vert="vert270" wrap="none" rtlCol="0">
+            <a:spAutoFit/>
+          </a:bodyPr>
+          <a:lstStyle/>
+          <a:p>
+            <a:r>
+              <a:rPr lang="en-US" sz="1400" dirty="0" err="1" smtClean="0"/>
+              <a:t>Lookahead</a:t>
+            </a:r>
+            <a:r>
+              <a:rPr lang="en-US" sz="1400" dirty="0" smtClean="0"/>
+              <a:t> Request</a:t>
+            </a:r>
+            <a:endParaRPr lang="en-US" sz="1400" dirty="0"/>
+          </a:p>
+        </p:txBody>
+      </p:sp>
+      <p:cxnSp>
+        <p:nvCxnSpPr>
+          <p:cNvPr id="33" name="Straight Arrow Connector 32"/>
+          <p:cNvCxnSpPr/>
+          <p:nvPr/>
+        </p:nvCxnSpPr>
+        <p:spPr>
+          <a:xfrm>
+            <a:off x="7360262" y="1267703"/>
+            <a:ext cx="0" cy="2047573"/>
+          </a:xfrm>
+          <a:prstGeom prst="straightConnector1">
+            <a:avLst/>
+          </a:prstGeom>
+          <a:ln>
+            <a:tailEnd type="arrow"/>
+          </a:ln>
+        </p:spPr>
+        <p:style>
+          <a:lnRef idx="1">
+            <a:schemeClr val="dk1"/>
+          </a:lnRef>
+          <a:fillRef idx="0">
+            <a:schemeClr val="dk1"/>
+          </a:fillRef>
+          <a:effectRef idx="0">
+            <a:schemeClr val="dk1"/>
+          </a:effectRef>
+          <a:fontRef idx="minor">
+            <a:schemeClr val="tx1"/>
+          </a:fontRef>
+        </p:style>
+      </p:cxnSp>
+      <p:sp>
+        <p:nvSpPr>
+          <p:cNvPr id="34" name="TextBox 33"/>
+          <p:cNvSpPr txBox="1"/>
+          <p:nvPr/>
+        </p:nvSpPr>
+        <p:spPr>
+          <a:xfrm>
+            <a:off x="6963818" y="1380409"/>
+            <a:ext cx="400110" cy="1682512"/>
+          </a:xfrm>
+          <a:prstGeom prst="rect">
+            <a:avLst/>
+          </a:prstGeom>
+          <a:noFill/>
+        </p:spPr>
+        <p:txBody>
+          <a:bodyPr vert="vert270" wrap="none" rtlCol="0">
+            <a:spAutoFit/>
+          </a:bodyPr>
+          <a:lstStyle/>
+          <a:p>
+            <a:r>
+              <a:rPr lang="en-US" sz="1400" dirty="0" smtClean="0"/>
+              <a:t>Coverage Map Info</a:t>
+            </a:r>
+            <a:endParaRPr lang="en-US" sz="1400" dirty="0"/>
+          </a:p>
+        </p:txBody>
+      </p:sp>
+      <p:cxnSp>
+        <p:nvCxnSpPr>
+          <p:cNvPr id="35" name="Straight Arrow Connector 34"/>
+          <p:cNvCxnSpPr/>
+          <p:nvPr/>
+        </p:nvCxnSpPr>
+        <p:spPr>
+          <a:xfrm flipV="1">
+            <a:off x="1923080" y="1250582"/>
+            <a:ext cx="0" cy="2047573"/>
+          </a:xfrm>
+          <a:prstGeom prst="straightConnector1">
+            <a:avLst/>
+          </a:prstGeom>
+          <a:ln>
+            <a:tailEnd type="arrow"/>
+          </a:ln>
+        </p:spPr>
+        <p:style>
+          <a:lnRef idx="1">
+            <a:schemeClr val="dk1"/>
+          </a:lnRef>
+          <a:fillRef idx="0">
+            <a:schemeClr val="dk1"/>
+          </a:fillRef>
+          <a:effectRef idx="0">
+            <a:schemeClr val="dk1"/>
+          </a:effectRef>
+          <a:fontRef idx="minor">
+            <a:schemeClr val="tx1"/>
+          </a:fontRef>
+        </p:style>
+      </p:cxnSp>
+      <p:cxnSp>
+        <p:nvCxnSpPr>
+          <p:cNvPr id="36" name="Straight Arrow Connector 35"/>
+          <p:cNvCxnSpPr/>
+          <p:nvPr/>
+        </p:nvCxnSpPr>
+        <p:spPr>
+          <a:xfrm>
+            <a:off x="2319524" y="1250582"/>
+            <a:ext cx="0" cy="2047573"/>
+          </a:xfrm>
+          <a:prstGeom prst="straightConnector1">
+            <a:avLst/>
+          </a:prstGeom>
+          <a:ln>
+            <a:tailEnd type="arrow"/>
+          </a:ln>
+        </p:spPr>
+        <p:style>
+          <a:lnRef idx="1">
+            <a:schemeClr val="dk1"/>
+          </a:lnRef>
+          <a:fillRef idx="0">
+            <a:schemeClr val="dk1"/>
+          </a:fillRef>
+          <a:effectRef idx="0">
+            <a:schemeClr val="dk1"/>
+          </a:effectRef>
+          <a:fontRef idx="minor">
+            <a:schemeClr val="tx1"/>
+          </a:fontRef>
+        </p:style>
+      </p:cxnSp>
+      <p:sp>
+        <p:nvSpPr>
+          <p:cNvPr id="37" name="TextBox 36"/>
+          <p:cNvSpPr txBox="1"/>
+          <p:nvPr/>
+        </p:nvSpPr>
+        <p:spPr>
+          <a:xfrm>
+            <a:off x="1923080" y="1363288"/>
+            <a:ext cx="400110" cy="1682512"/>
+          </a:xfrm>
+          <a:prstGeom prst="rect">
+            <a:avLst/>
+          </a:prstGeom>
+          <a:noFill/>
+        </p:spPr>
+        <p:txBody>
+          <a:bodyPr vert="vert270" wrap="none" rtlCol="0">
+            <a:spAutoFit/>
+          </a:bodyPr>
+          <a:lstStyle/>
+          <a:p>
+            <a:r>
+              <a:rPr lang="en-US" sz="1400" dirty="0" smtClean="0"/>
+              <a:t>Coverage Map Info</a:t>
+            </a:r>
+            <a:endParaRPr lang="en-US" sz="1400" dirty="0"/>
+          </a:p>
+        </p:txBody>
+      </p:sp>
+      <p:sp>
+        <p:nvSpPr>
+          <p:cNvPr id="38" name="Right Arrow 37"/>
+          <p:cNvSpPr/>
+          <p:nvPr/>
+        </p:nvSpPr>
+        <p:spPr>
+          <a:xfrm>
+            <a:off x="2444333" y="3647386"/>
+            <a:ext cx="3714270" cy="139328"/>
+          </a:xfrm>
+          <a:prstGeom prst="rightArrow">
+            <a:avLst/>
+          </a:prstGeom>
+        </p:spPr>
+        <p:style>
+          <a:lnRef idx="2">
+            <a:schemeClr val="dk1">
+              <a:shade val="50000"/>
+            </a:schemeClr>
+          </a:lnRef>
+          <a:fillRef idx="1">
+            <a:schemeClr val="dk1"/>
+          </a:fillRef>
+          <a:effectRef idx="0">
+            <a:schemeClr val="dk1"/>
+          </a:effectRef>
+          <a:fontRef idx="minor">
+            <a:schemeClr val="lt1"/>
+          </a:fontRef>
+        </p:style>
+        <p:txBody>
+          <a:bodyPr rtlCol="0" anchor="ctr"/>
+          <a:lstStyle/>
+          <a:p>
+            <a:pPr algn="ctr"/>
+            <a:endParaRPr lang="en-US"/>
+          </a:p>
+        </p:txBody>
+      </p:sp>
+    </p:spTree>
+    <p:extLst>
+      <p:ext uri="{BB962C8B-B14F-4D97-AF65-F5344CB8AC3E}">
+        <p14:creationId xmlns:p14="http://schemas.microsoft.com/office/powerpoint/2010/main" val="3930112195"/>
+      </p:ext>
+    </p:extLst>
+  </p:cSld>
+  <p:clrMapOvr>
+    <a:masterClrMapping/>
+  </p:clrMapOvr>
+</p:sld>
+</file>
+
+<file path=ppt/slides/slide9.xml><?xml version="1.0" encoding="utf-8"?>
 <p:sld xmlns:a="http://schemas.openxmlformats.org/drawingml/2006/main" xmlns:r="http://schemas.openxmlformats.org/officeDocument/2006/relationships" xmlns:p="http://schemas.openxmlformats.org/presentationml/2006/main">
   <p:cSld>
     <p:spTree>
@@ -18250,1032 +20129,6 @@
     <p:extLst>
       <p:ext uri="{BB962C8B-B14F-4D97-AF65-F5344CB8AC3E}">
         <p14:creationId xmlns:p14="http://schemas.microsoft.com/office/powerpoint/2010/main" val="3929904410"/>
-      </p:ext>
-    </p:extLst>
-  </p:cSld>
-  <p:clrMapOvr>
-    <a:masterClrMapping/>
-  </p:clrMapOvr>
-</p:sld>
-</file>
-
-<file path=ppt/slides/slide9.xml><?xml version="1.0" encoding="utf-8"?>
-<p:sld xmlns:a="http://schemas.openxmlformats.org/drawingml/2006/main" xmlns:r="http://schemas.openxmlformats.org/officeDocument/2006/relationships" xmlns:p="http://schemas.openxmlformats.org/presentationml/2006/main">
-  <p:cSld>
-    <p:spTree>
-      <p:nvGrpSpPr>
-        <p:cNvPr id="1" name=""/>
-        <p:cNvGrpSpPr/>
-        <p:nvPr/>
-      </p:nvGrpSpPr>
-      <p:grpSpPr>
-        <a:xfrm>
-          <a:off x="0" y="0"/>
-          <a:ext cx="0" cy="0"/>
-          <a:chOff x="0" y="0"/>
-          <a:chExt cx="0" cy="0"/>
-        </a:xfrm>
-      </p:grpSpPr>
-      <p:sp>
-        <p:nvSpPr>
-          <p:cNvPr id="2" name="Rectangle 1"/>
-          <p:cNvSpPr/>
-          <p:nvPr/>
-        </p:nvSpPr>
-        <p:spPr>
-          <a:xfrm>
-            <a:off x="139556" y="5052177"/>
-            <a:ext cx="8900321" cy="831370"/>
-          </a:xfrm>
-          <a:prstGeom prst="rect">
-            <a:avLst/>
-          </a:prstGeom>
-        </p:spPr>
-        <p:style>
-          <a:lnRef idx="2">
-            <a:schemeClr val="dk1"/>
-          </a:lnRef>
-          <a:fillRef idx="1">
-            <a:schemeClr val="lt1"/>
-          </a:fillRef>
-          <a:effectRef idx="0">
-            <a:schemeClr val="dk1"/>
-          </a:effectRef>
-          <a:fontRef idx="minor">
-            <a:schemeClr val="dk1"/>
-          </a:fontRef>
-        </p:style>
-        <p:txBody>
-          <a:bodyPr rtlCol="0" anchor="ctr"/>
-          <a:lstStyle/>
-          <a:p>
-            <a:pPr lvl="0" algn="ctr"/>
-            <a:r>
-              <a:rPr lang="en-US" dirty="0">
-                <a:solidFill>
-                  <a:prstClr val="black"/>
-                </a:solidFill>
-              </a:rPr>
-              <a:t>Internet Protocol </a:t>
-            </a:r>
-            <a:r>
-              <a:rPr lang="en-US" dirty="0">
-                <a:solidFill>
-                  <a:prstClr val="black"/>
-                </a:solidFill>
-                <a:latin typeface="Nexa Bold"/>
-              </a:rPr>
-              <a:t>(IP</a:t>
-            </a:r>
-            <a:r>
-              <a:rPr lang="en-US" dirty="0" smtClean="0">
-                <a:solidFill>
-                  <a:prstClr val="black"/>
-                </a:solidFill>
-                <a:latin typeface="Nexa Bold"/>
-              </a:rPr>
-              <a:t>)</a:t>
-            </a:r>
-            <a:endParaRPr lang="en-US" sz="1600" dirty="0">
-              <a:solidFill>
-                <a:prstClr val="black"/>
-              </a:solidFill>
-              <a:latin typeface="Nexa Bold"/>
-            </a:endParaRPr>
-          </a:p>
-        </p:txBody>
-      </p:sp>
-      <p:sp>
-        <p:nvSpPr>
-          <p:cNvPr id="3" name="Rectangle 2"/>
-          <p:cNvSpPr/>
-          <p:nvPr/>
-        </p:nvSpPr>
-        <p:spPr>
-          <a:xfrm>
-            <a:off x="139555" y="4220807"/>
-            <a:ext cx="6660835" cy="831370"/>
-          </a:xfrm>
-          <a:prstGeom prst="rect">
-            <a:avLst/>
-          </a:prstGeom>
-        </p:spPr>
-        <p:style>
-          <a:lnRef idx="2">
-            <a:schemeClr val="dk1"/>
-          </a:lnRef>
-          <a:fillRef idx="1">
-            <a:schemeClr val="lt1"/>
-          </a:fillRef>
-          <a:effectRef idx="0">
-            <a:schemeClr val="dk1"/>
-          </a:effectRef>
-          <a:fontRef idx="minor">
-            <a:schemeClr val="dk1"/>
-          </a:fontRef>
-        </p:style>
-        <p:txBody>
-          <a:bodyPr rtlCol="0" anchor="ctr"/>
-          <a:lstStyle/>
-          <a:p>
-            <a:pPr lvl="0" algn="ctr"/>
-            <a:r>
-              <a:rPr lang="en-US" dirty="0">
-                <a:solidFill>
-                  <a:prstClr val="black"/>
-                </a:solidFill>
-              </a:rPr>
-              <a:t>User Datagram Protocol </a:t>
-            </a:r>
-            <a:r>
-              <a:rPr lang="en-US" dirty="0">
-                <a:solidFill>
-                  <a:prstClr val="black"/>
-                </a:solidFill>
-                <a:latin typeface="Nexa Bold"/>
-              </a:rPr>
-              <a:t>(UDP)</a:t>
-            </a:r>
-            <a:endParaRPr lang="en-US" sz="1600" dirty="0">
-              <a:solidFill>
-                <a:prstClr val="black"/>
-              </a:solidFill>
-              <a:latin typeface="Nexa Bold"/>
-            </a:endParaRPr>
-          </a:p>
-        </p:txBody>
-      </p:sp>
-      <p:sp>
-        <p:nvSpPr>
-          <p:cNvPr id="4" name="Rectangle 3"/>
-          <p:cNvSpPr/>
-          <p:nvPr/>
-        </p:nvSpPr>
-        <p:spPr>
-          <a:xfrm>
-            <a:off x="139558" y="3389437"/>
-            <a:ext cx="1936070" cy="831370"/>
-          </a:xfrm>
-          <a:prstGeom prst="rect">
-            <a:avLst/>
-          </a:prstGeom>
-        </p:spPr>
-        <p:style>
-          <a:lnRef idx="2">
-            <a:schemeClr val="dk1"/>
-          </a:lnRef>
-          <a:fillRef idx="1">
-            <a:schemeClr val="lt1"/>
-          </a:fillRef>
-          <a:effectRef idx="0">
-            <a:schemeClr val="dk1"/>
-          </a:effectRef>
-          <a:fontRef idx="minor">
-            <a:schemeClr val="dk1"/>
-          </a:fontRef>
-        </p:style>
-        <p:txBody>
-          <a:bodyPr rtlCol="0" anchor="ctr"/>
-          <a:lstStyle/>
-          <a:p>
-            <a:pPr algn="ctr"/>
-            <a:r>
-              <a:rPr lang="en-US" sz="1600" dirty="0" smtClean="0"/>
-              <a:t>Session Traversal Utilities for NAT </a:t>
-            </a:r>
-            <a:r>
-              <a:rPr lang="en-US" sz="1600" dirty="0" smtClean="0">
-                <a:latin typeface="+mj-lt"/>
-              </a:rPr>
-              <a:t>(STUN)</a:t>
-            </a:r>
-            <a:endParaRPr lang="en-US" sz="1600" dirty="0">
-              <a:latin typeface="+mj-lt"/>
-            </a:endParaRPr>
-          </a:p>
-        </p:txBody>
-      </p:sp>
-      <p:sp>
-        <p:nvSpPr>
-          <p:cNvPr id="5" name="Rectangle 4"/>
-          <p:cNvSpPr/>
-          <p:nvPr/>
-        </p:nvSpPr>
-        <p:spPr>
-          <a:xfrm>
-            <a:off x="2075629" y="3389437"/>
-            <a:ext cx="3468476" cy="831370"/>
-          </a:xfrm>
-          <a:prstGeom prst="rect">
-            <a:avLst/>
-          </a:prstGeom>
-          <a:solidFill>
-            <a:schemeClr val="tx2">
-              <a:lumMod val="20000"/>
-              <a:lumOff val="80000"/>
-            </a:schemeClr>
-          </a:solidFill>
-        </p:spPr>
-        <p:style>
-          <a:lnRef idx="2">
-            <a:schemeClr val="dk1"/>
-          </a:lnRef>
-          <a:fillRef idx="1">
-            <a:schemeClr val="lt1"/>
-          </a:fillRef>
-          <a:effectRef idx="0">
-            <a:schemeClr val="dk1"/>
-          </a:effectRef>
-          <a:fontRef idx="minor">
-            <a:schemeClr val="dk1"/>
-          </a:fontRef>
-        </p:style>
-        <p:txBody>
-          <a:bodyPr rtlCol="0" anchor="ctr"/>
-          <a:lstStyle/>
-          <a:p>
-            <a:pPr algn="ctr"/>
-            <a:r>
-              <a:rPr lang="en-US" dirty="0" smtClean="0">
-                <a:latin typeface="+mj-lt"/>
-              </a:rPr>
-              <a:t>                     RTP</a:t>
-            </a:r>
-          </a:p>
-          <a:p>
-            <a:pPr algn="ctr"/>
-            <a:endParaRPr lang="en-US" sz="1600" dirty="0">
-              <a:latin typeface="+mj-lt"/>
-            </a:endParaRPr>
-          </a:p>
-        </p:txBody>
-      </p:sp>
-      <p:sp>
-        <p:nvSpPr>
-          <p:cNvPr id="15" name="Rectangle 14"/>
-          <p:cNvSpPr/>
-          <p:nvPr/>
-        </p:nvSpPr>
-        <p:spPr>
-          <a:xfrm>
-            <a:off x="2949575" y="1597583"/>
-            <a:ext cx="873946" cy="1787187"/>
-          </a:xfrm>
-          <a:prstGeom prst="rect">
-            <a:avLst/>
-          </a:prstGeom>
-        </p:spPr>
-        <p:style>
-          <a:lnRef idx="2">
-            <a:schemeClr val="dk1"/>
-          </a:lnRef>
-          <a:fillRef idx="1">
-            <a:schemeClr val="lt1"/>
-          </a:fillRef>
-          <a:effectRef idx="0">
-            <a:schemeClr val="dk1"/>
-          </a:effectRef>
-          <a:fontRef idx="minor">
-            <a:schemeClr val="dk1"/>
-          </a:fontRef>
-        </p:style>
-        <p:txBody>
-          <a:bodyPr rtlCol="0" anchor="ctr"/>
-          <a:lstStyle/>
-          <a:p>
-            <a:pPr algn="ctr"/>
-            <a:r>
-              <a:rPr lang="en-US" sz="1600" dirty="0" smtClean="0"/>
-              <a:t>SSRC #2</a:t>
-            </a:r>
-            <a:endParaRPr lang="en-US" sz="1400" dirty="0">
-              <a:latin typeface="+mj-lt"/>
-            </a:endParaRPr>
-          </a:p>
-        </p:txBody>
-      </p:sp>
-      <p:sp>
-        <p:nvSpPr>
-          <p:cNvPr id="16" name="Rectangle 15"/>
-          <p:cNvSpPr/>
-          <p:nvPr/>
-        </p:nvSpPr>
-        <p:spPr>
-          <a:xfrm>
-            <a:off x="2075629" y="1597583"/>
-            <a:ext cx="873946" cy="1787187"/>
-          </a:xfrm>
-          <a:prstGeom prst="rect">
-            <a:avLst/>
-          </a:prstGeom>
-        </p:spPr>
-        <p:style>
-          <a:lnRef idx="2">
-            <a:schemeClr val="dk1"/>
-          </a:lnRef>
-          <a:fillRef idx="1">
-            <a:schemeClr val="lt1"/>
-          </a:fillRef>
-          <a:effectRef idx="0">
-            <a:schemeClr val="dk1"/>
-          </a:effectRef>
-          <a:fontRef idx="minor">
-            <a:schemeClr val="dk1"/>
-          </a:fontRef>
-        </p:style>
-        <p:txBody>
-          <a:bodyPr rtlCol="0" anchor="ctr"/>
-          <a:lstStyle/>
-          <a:p>
-            <a:pPr algn="ctr"/>
-            <a:r>
-              <a:rPr lang="en-US" sz="1600" dirty="0" smtClean="0"/>
-              <a:t>SSRC #1</a:t>
-            </a:r>
-            <a:endParaRPr lang="en-US" sz="1400" dirty="0">
-              <a:latin typeface="+mj-lt"/>
-            </a:endParaRPr>
-          </a:p>
-        </p:txBody>
-      </p:sp>
-      <p:sp>
-        <p:nvSpPr>
-          <p:cNvPr id="19" name="Rectangle 18"/>
-          <p:cNvSpPr/>
-          <p:nvPr/>
-        </p:nvSpPr>
-        <p:spPr>
-          <a:xfrm>
-            <a:off x="2075628" y="3877894"/>
-            <a:ext cx="1747893" cy="342914"/>
-          </a:xfrm>
-          <a:prstGeom prst="rect">
-            <a:avLst/>
-          </a:prstGeom>
-        </p:spPr>
-        <p:style>
-          <a:lnRef idx="2">
-            <a:schemeClr val="dk1"/>
-          </a:lnRef>
-          <a:fillRef idx="1">
-            <a:schemeClr val="lt1"/>
-          </a:fillRef>
-          <a:effectRef idx="0">
-            <a:schemeClr val="dk1"/>
-          </a:effectRef>
-          <a:fontRef idx="minor">
-            <a:schemeClr val="dk1"/>
-          </a:fontRef>
-        </p:style>
-        <p:txBody>
-          <a:bodyPr rtlCol="0" anchor="ctr"/>
-          <a:lstStyle/>
-          <a:p>
-            <a:pPr algn="ctr"/>
-            <a:r>
-              <a:rPr lang="en-US" sz="1600" dirty="0" smtClean="0">
-                <a:latin typeface="+mj-lt"/>
-              </a:rPr>
-              <a:t>TURN</a:t>
-            </a:r>
-            <a:endParaRPr lang="en-US" sz="1400" dirty="0">
-              <a:latin typeface="+mj-lt"/>
-            </a:endParaRPr>
-          </a:p>
-        </p:txBody>
-      </p:sp>
-      <p:cxnSp>
-        <p:nvCxnSpPr>
-          <p:cNvPr id="21" name="Straight Connector 20"/>
-          <p:cNvCxnSpPr/>
-          <p:nvPr/>
-        </p:nvCxnSpPr>
-        <p:spPr>
-          <a:xfrm flipH="1">
-            <a:off x="2075628" y="3384770"/>
-            <a:ext cx="2" cy="664581"/>
-          </a:xfrm>
-          <a:prstGeom prst="line">
-            <a:avLst/>
-          </a:prstGeom>
-          <a:ln>
-            <a:prstDash val="sysDash"/>
-          </a:ln>
-        </p:spPr>
-        <p:style>
-          <a:lnRef idx="1">
-            <a:schemeClr val="dk1"/>
-          </a:lnRef>
-          <a:fillRef idx="0">
-            <a:schemeClr val="dk1"/>
-          </a:fillRef>
-          <a:effectRef idx="0">
-            <a:schemeClr val="dk1"/>
-          </a:effectRef>
-          <a:fontRef idx="minor">
-            <a:schemeClr val="tx1"/>
-          </a:fontRef>
-        </p:style>
-      </p:cxnSp>
-      <p:sp>
-        <p:nvSpPr>
-          <p:cNvPr id="24" name="Rectangle 23"/>
-          <p:cNvSpPr/>
-          <p:nvPr/>
-        </p:nvSpPr>
-        <p:spPr>
-          <a:xfrm>
-            <a:off x="3809866" y="1597583"/>
-            <a:ext cx="873946" cy="1787187"/>
-          </a:xfrm>
-          <a:prstGeom prst="rect">
-            <a:avLst/>
-          </a:prstGeom>
-        </p:spPr>
-        <p:style>
-          <a:lnRef idx="2">
-            <a:schemeClr val="dk1"/>
-          </a:lnRef>
-          <a:fillRef idx="1">
-            <a:schemeClr val="lt1"/>
-          </a:fillRef>
-          <a:effectRef idx="0">
-            <a:schemeClr val="dk1"/>
-          </a:effectRef>
-          <a:fontRef idx="minor">
-            <a:schemeClr val="dk1"/>
-          </a:fontRef>
-        </p:style>
-        <p:txBody>
-          <a:bodyPr rtlCol="0" anchor="ctr"/>
-          <a:lstStyle/>
-          <a:p>
-            <a:pPr algn="ctr"/>
-            <a:r>
-              <a:rPr lang="en-US" sz="1600" dirty="0" smtClean="0"/>
-              <a:t>SSRC #3</a:t>
-            </a:r>
-            <a:endParaRPr lang="en-US" sz="1400" dirty="0">
-              <a:latin typeface="+mj-lt"/>
-            </a:endParaRPr>
-          </a:p>
-        </p:txBody>
-      </p:sp>
-      <p:sp>
-        <p:nvSpPr>
-          <p:cNvPr id="25" name="Rectangle 24"/>
-          <p:cNvSpPr/>
-          <p:nvPr/>
-        </p:nvSpPr>
-        <p:spPr>
-          <a:xfrm>
-            <a:off x="4670158" y="1597583"/>
-            <a:ext cx="873946" cy="1787187"/>
-          </a:xfrm>
-          <a:prstGeom prst="rect">
-            <a:avLst/>
-          </a:prstGeom>
-        </p:spPr>
-        <p:style>
-          <a:lnRef idx="2">
-            <a:schemeClr val="dk1"/>
-          </a:lnRef>
-          <a:fillRef idx="1">
-            <a:schemeClr val="lt1"/>
-          </a:fillRef>
-          <a:effectRef idx="0">
-            <a:schemeClr val="dk1"/>
-          </a:effectRef>
-          <a:fontRef idx="minor">
-            <a:schemeClr val="dk1"/>
-          </a:fontRef>
-        </p:style>
-        <p:txBody>
-          <a:bodyPr rtlCol="0" anchor="ctr"/>
-          <a:lstStyle/>
-          <a:p>
-            <a:pPr algn="ctr"/>
-            <a:r>
-              <a:rPr lang="en-US" sz="1600" dirty="0" smtClean="0"/>
-              <a:t>SSRC #4</a:t>
-            </a:r>
-            <a:endParaRPr lang="en-US" sz="1400" dirty="0">
-              <a:latin typeface="+mj-lt"/>
-            </a:endParaRPr>
-          </a:p>
-        </p:txBody>
-      </p:sp>
-      <p:sp>
-        <p:nvSpPr>
-          <p:cNvPr id="13" name="Rectangle 12"/>
-          <p:cNvSpPr/>
-          <p:nvPr/>
-        </p:nvSpPr>
-        <p:spPr>
-          <a:xfrm>
-            <a:off x="6800391" y="4220808"/>
-            <a:ext cx="2239485" cy="831370"/>
-          </a:xfrm>
-          <a:prstGeom prst="rect">
-            <a:avLst/>
-          </a:prstGeom>
-        </p:spPr>
-        <p:style>
-          <a:lnRef idx="2">
-            <a:schemeClr val="dk1"/>
-          </a:lnRef>
-          <a:fillRef idx="1">
-            <a:schemeClr val="lt1"/>
-          </a:fillRef>
-          <a:effectRef idx="0">
-            <a:schemeClr val="dk1"/>
-          </a:effectRef>
-          <a:fontRef idx="minor">
-            <a:schemeClr val="dk1"/>
-          </a:fontRef>
-        </p:style>
-        <p:txBody>
-          <a:bodyPr rtlCol="0" anchor="ctr"/>
-          <a:lstStyle/>
-          <a:p>
-            <a:pPr algn="ctr"/>
-            <a:r>
-              <a:rPr lang="en-US" dirty="0" smtClean="0"/>
-              <a:t>Transmission Control Protocol </a:t>
-            </a:r>
-            <a:r>
-              <a:rPr lang="en-US" dirty="0" smtClean="0">
-                <a:latin typeface="+mj-lt"/>
-              </a:rPr>
-              <a:t>(TCP)</a:t>
-            </a:r>
-            <a:endParaRPr lang="en-US" sz="1600" dirty="0">
-              <a:latin typeface="+mj-lt"/>
-            </a:endParaRPr>
-          </a:p>
-        </p:txBody>
-      </p:sp>
-      <p:sp>
-        <p:nvSpPr>
-          <p:cNvPr id="14" name="Rectangle 13"/>
-          <p:cNvSpPr/>
-          <p:nvPr/>
-        </p:nvSpPr>
-        <p:spPr>
-          <a:xfrm>
-            <a:off x="6554595" y="1597583"/>
-            <a:ext cx="2485281" cy="2618557"/>
-          </a:xfrm>
-          <a:prstGeom prst="rect">
-            <a:avLst/>
-          </a:prstGeom>
-        </p:spPr>
-        <p:style>
-          <a:lnRef idx="2">
-            <a:schemeClr val="dk1"/>
-          </a:lnRef>
-          <a:fillRef idx="1">
-            <a:schemeClr val="lt1"/>
-          </a:fillRef>
-          <a:effectRef idx="0">
-            <a:schemeClr val="dk1"/>
-          </a:effectRef>
-          <a:fontRef idx="minor">
-            <a:schemeClr val="dk1"/>
-          </a:fontRef>
-        </p:style>
-        <p:txBody>
-          <a:bodyPr rtlCol="0" anchor="ctr"/>
-          <a:lstStyle/>
-          <a:p>
-            <a:pPr algn="r"/>
-            <a:r>
-              <a:rPr lang="en-US" sz="1600" i="1" dirty="0" smtClean="0">
-                <a:latin typeface="+mj-lt"/>
-              </a:rPr>
-              <a:t>Signaling </a:t>
-            </a:r>
-          </a:p>
-          <a:p>
-            <a:pPr algn="r"/>
-            <a:r>
-              <a:rPr lang="en-US" sz="1600" i="1" dirty="0" smtClean="0">
-                <a:latin typeface="+mj-lt"/>
-              </a:rPr>
-              <a:t>Protocol</a:t>
-            </a:r>
-          </a:p>
-          <a:p>
-            <a:pPr algn="r"/>
-            <a:endParaRPr lang="en-US" sz="1200" i="1" dirty="0" smtClean="0"/>
-          </a:p>
-          <a:p>
-            <a:pPr algn="r"/>
-            <a:r>
-              <a:rPr lang="en-US" sz="1200" i="1" dirty="0" smtClean="0"/>
-              <a:t>(e.g., SIP, Jingle, …)</a:t>
-            </a:r>
-          </a:p>
-          <a:p>
-            <a:pPr algn="r"/>
-            <a:endParaRPr lang="en-US" sz="1200" i="1" dirty="0"/>
-          </a:p>
-          <a:p>
-            <a:pPr algn="r"/>
-            <a:endParaRPr lang="en-US" sz="1200" i="1" dirty="0" smtClean="0"/>
-          </a:p>
-          <a:p>
-            <a:pPr algn="r"/>
-            <a:endParaRPr lang="en-US" sz="1200" i="1" dirty="0" smtClean="0"/>
-          </a:p>
-          <a:p>
-            <a:pPr algn="r"/>
-            <a:r>
-              <a:rPr lang="en-US" sz="1200" i="1" dirty="0" smtClean="0"/>
-              <a:t>Or something proprietary</a:t>
-            </a:r>
-          </a:p>
-          <a:p>
-            <a:pPr algn="r"/>
-            <a:r>
-              <a:rPr lang="en-US" sz="1200" i="1" dirty="0" smtClean="0"/>
-              <a:t>(over HTTP or Web Sockets)</a:t>
-            </a:r>
-            <a:endParaRPr lang="en-US" sz="1200" i="1" dirty="0"/>
-          </a:p>
-        </p:txBody>
-      </p:sp>
-      <p:sp>
-        <p:nvSpPr>
-          <p:cNvPr id="17" name="Rectangle 16"/>
-          <p:cNvSpPr/>
-          <p:nvPr/>
-        </p:nvSpPr>
-        <p:spPr>
-          <a:xfrm>
-            <a:off x="5544105" y="3384770"/>
-            <a:ext cx="1010490" cy="831370"/>
-          </a:xfrm>
-          <a:prstGeom prst="rect">
-            <a:avLst/>
-          </a:prstGeom>
-        </p:spPr>
-        <p:style>
-          <a:lnRef idx="2">
-            <a:schemeClr val="dk1"/>
-          </a:lnRef>
-          <a:fillRef idx="1">
-            <a:schemeClr val="lt1"/>
-          </a:fillRef>
-          <a:effectRef idx="0">
-            <a:schemeClr val="dk1"/>
-          </a:effectRef>
-          <a:fontRef idx="minor">
-            <a:schemeClr val="dk1"/>
-          </a:fontRef>
-        </p:style>
-        <p:txBody>
-          <a:bodyPr rtlCol="0" anchor="ctr"/>
-          <a:lstStyle/>
-          <a:p>
-            <a:pPr algn="ctr"/>
-            <a:r>
-              <a:rPr lang="en-US" sz="1600" dirty="0" smtClean="0">
-                <a:latin typeface="+mj-lt"/>
-              </a:rPr>
-              <a:t>DTLS</a:t>
-            </a:r>
-            <a:endParaRPr lang="en-US" sz="1600" dirty="0">
-              <a:latin typeface="+mj-lt"/>
-            </a:endParaRPr>
-          </a:p>
-        </p:txBody>
-      </p:sp>
-      <p:sp>
-        <p:nvSpPr>
-          <p:cNvPr id="6" name="TextBox 5"/>
-          <p:cNvSpPr txBox="1"/>
-          <p:nvPr/>
-        </p:nvSpPr>
-        <p:spPr>
-          <a:xfrm>
-            <a:off x="5885487" y="6211669"/>
-            <a:ext cx="3154390" cy="646331"/>
-          </a:xfrm>
-          <a:prstGeom prst="rect">
-            <a:avLst/>
-          </a:prstGeom>
-          <a:noFill/>
-        </p:spPr>
-        <p:txBody>
-          <a:bodyPr wrap="square" rtlCol="0">
-            <a:spAutoFit/>
-          </a:bodyPr>
-          <a:lstStyle/>
-          <a:p>
-            <a:pPr algn="just"/>
-            <a:r>
-              <a:rPr lang="en-US" sz="1200" dirty="0" smtClean="0">
-                <a:latin typeface="+mj-lt"/>
-              </a:rPr>
-              <a:t>Note:</a:t>
-            </a:r>
-            <a:r>
-              <a:rPr lang="en-US" sz="1200" dirty="0" smtClean="0"/>
-              <a:t> *RTP can be sent over UDP or TCP.</a:t>
-            </a:r>
-          </a:p>
-          <a:p>
-            <a:pPr algn="just"/>
-            <a:r>
-              <a:rPr lang="en-US" sz="1200" dirty="0" smtClean="0"/>
-              <a:t>Similarly, signaling </a:t>
-            </a:r>
-            <a:r>
-              <a:rPr lang="en-US" sz="1200" dirty="0"/>
-              <a:t>p</a:t>
-            </a:r>
-            <a:r>
-              <a:rPr lang="en-US" sz="1200" dirty="0" smtClean="0"/>
-              <a:t>rotocols can be designed to transmit over UDP or TCP.</a:t>
-            </a:r>
-            <a:endParaRPr lang="en-US" sz="1200" dirty="0"/>
-          </a:p>
-        </p:txBody>
-      </p:sp>
-      <p:sp>
-        <p:nvSpPr>
-          <p:cNvPr id="20" name="Rectangle 19"/>
-          <p:cNvSpPr/>
-          <p:nvPr/>
-        </p:nvSpPr>
-        <p:spPr>
-          <a:xfrm>
-            <a:off x="6308797" y="1597583"/>
-            <a:ext cx="1294270" cy="1787188"/>
-          </a:xfrm>
-          <a:prstGeom prst="rect">
-            <a:avLst/>
-          </a:prstGeom>
-        </p:spPr>
-        <p:style>
-          <a:lnRef idx="2">
-            <a:schemeClr val="dk1"/>
-          </a:lnRef>
-          <a:fillRef idx="1">
-            <a:schemeClr val="lt1"/>
-          </a:fillRef>
-          <a:effectRef idx="0">
-            <a:schemeClr val="dk1"/>
-          </a:effectRef>
-          <a:fontRef idx="minor">
-            <a:schemeClr val="dk1"/>
-          </a:fontRef>
-        </p:style>
-        <p:txBody>
-          <a:bodyPr vert="horz" rtlCol="0" anchor="ctr"/>
-          <a:lstStyle/>
-          <a:p>
-            <a:pPr algn="ctr"/>
-            <a:r>
-              <a:rPr lang="en-US" sz="1600" dirty="0" smtClean="0"/>
-              <a:t>Secure RTP </a:t>
-            </a:r>
-            <a:r>
-              <a:rPr lang="en-US" sz="1600" dirty="0" smtClean="0">
-                <a:latin typeface="+mj-lt"/>
-              </a:rPr>
-              <a:t>(SRTP)</a:t>
-            </a:r>
-            <a:r>
-              <a:rPr lang="en-US" sz="1600" dirty="0" smtClean="0"/>
-              <a:t> Keying</a:t>
-            </a:r>
-            <a:endParaRPr lang="en-US" sz="1400" dirty="0">
-              <a:latin typeface="+mj-lt"/>
-            </a:endParaRPr>
-          </a:p>
-        </p:txBody>
-      </p:sp>
-      <p:cxnSp>
-        <p:nvCxnSpPr>
-          <p:cNvPr id="11" name="Straight Connector 10"/>
-          <p:cNvCxnSpPr/>
-          <p:nvPr/>
-        </p:nvCxnSpPr>
-        <p:spPr>
-          <a:xfrm>
-            <a:off x="3809866" y="3389438"/>
-            <a:ext cx="0" cy="493124"/>
-          </a:xfrm>
-          <a:prstGeom prst="line">
-            <a:avLst/>
-          </a:prstGeom>
-          <a:ln>
-            <a:prstDash val="dash"/>
-          </a:ln>
-        </p:spPr>
-        <p:style>
-          <a:lnRef idx="1">
-            <a:schemeClr val="dk1"/>
-          </a:lnRef>
-          <a:fillRef idx="0">
-            <a:schemeClr val="dk1"/>
-          </a:fillRef>
-          <a:effectRef idx="0">
-            <a:schemeClr val="dk1"/>
-          </a:effectRef>
-          <a:fontRef idx="minor">
-            <a:schemeClr val="tx1"/>
-          </a:fontRef>
-        </p:style>
-      </p:cxnSp>
-      <p:cxnSp>
-        <p:nvCxnSpPr>
-          <p:cNvPr id="22" name="Straight Connector 21"/>
-          <p:cNvCxnSpPr/>
-          <p:nvPr/>
-        </p:nvCxnSpPr>
-        <p:spPr>
-          <a:xfrm>
-            <a:off x="2949575" y="3384770"/>
-            <a:ext cx="0" cy="493124"/>
-          </a:xfrm>
-          <a:prstGeom prst="line">
-            <a:avLst/>
-          </a:prstGeom>
-          <a:ln>
-            <a:prstDash val="dash"/>
-          </a:ln>
-        </p:spPr>
-        <p:style>
-          <a:lnRef idx="1">
-            <a:schemeClr val="dk1"/>
-          </a:lnRef>
-          <a:fillRef idx="0">
-            <a:schemeClr val="dk1"/>
-          </a:fillRef>
-          <a:effectRef idx="0">
-            <a:schemeClr val="dk1"/>
-          </a:effectRef>
-          <a:fontRef idx="minor">
-            <a:schemeClr val="tx1"/>
-          </a:fontRef>
-        </p:style>
-      </p:cxnSp>
-      <p:sp>
-        <p:nvSpPr>
-          <p:cNvPr id="23" name="Rectangle 22"/>
-          <p:cNvSpPr/>
-          <p:nvPr/>
-        </p:nvSpPr>
-        <p:spPr>
-          <a:xfrm>
-            <a:off x="5544104" y="2553398"/>
-            <a:ext cx="764693" cy="831372"/>
-          </a:xfrm>
-          <a:prstGeom prst="rect">
-            <a:avLst/>
-          </a:prstGeom>
-        </p:spPr>
-        <p:style>
-          <a:lnRef idx="2">
-            <a:schemeClr val="dk1"/>
-          </a:lnRef>
-          <a:fillRef idx="1">
-            <a:schemeClr val="lt1"/>
-          </a:fillRef>
-          <a:effectRef idx="0">
-            <a:schemeClr val="dk1"/>
-          </a:effectRef>
-          <a:fontRef idx="minor">
-            <a:schemeClr val="dk1"/>
-          </a:fontRef>
-        </p:style>
-        <p:txBody>
-          <a:bodyPr vert="horz" rtlCol="0" anchor="ctr"/>
-          <a:lstStyle/>
-          <a:p>
-            <a:pPr algn="ctr"/>
-            <a:r>
-              <a:rPr lang="en-US" sz="1600" dirty="0" smtClean="0">
-                <a:latin typeface="+mj-lt"/>
-              </a:rPr>
-              <a:t>SCTP</a:t>
-            </a:r>
-            <a:endParaRPr lang="en-US" sz="1400" dirty="0">
-              <a:latin typeface="+mj-lt"/>
-            </a:endParaRPr>
-          </a:p>
-        </p:txBody>
-      </p:sp>
-      <p:sp>
-        <p:nvSpPr>
-          <p:cNvPr id="26" name="Rectangle 25"/>
-          <p:cNvSpPr/>
-          <p:nvPr/>
-        </p:nvSpPr>
-        <p:spPr>
-          <a:xfrm>
-            <a:off x="5544106" y="1597583"/>
-            <a:ext cx="764693" cy="955815"/>
-          </a:xfrm>
-          <a:prstGeom prst="rect">
-            <a:avLst/>
-          </a:prstGeom>
-        </p:spPr>
-        <p:style>
-          <a:lnRef idx="2">
-            <a:schemeClr val="dk1"/>
-          </a:lnRef>
-          <a:fillRef idx="1">
-            <a:schemeClr val="lt1"/>
-          </a:fillRef>
-          <a:effectRef idx="0">
-            <a:schemeClr val="dk1"/>
-          </a:effectRef>
-          <a:fontRef idx="minor">
-            <a:schemeClr val="dk1"/>
-          </a:fontRef>
-        </p:style>
-        <p:txBody>
-          <a:bodyPr vert="vert270" rtlCol="0" anchor="ctr"/>
-          <a:lstStyle/>
-          <a:p>
-            <a:pPr algn="ctr"/>
-            <a:r>
-              <a:rPr lang="en-US" sz="1600" dirty="0" smtClean="0">
-                <a:latin typeface="+mj-lt"/>
-              </a:rPr>
-              <a:t>Data</a:t>
-            </a:r>
-          </a:p>
-          <a:p>
-            <a:pPr algn="ctr"/>
-            <a:r>
-              <a:rPr lang="en-US" sz="1600" dirty="0" smtClean="0">
-                <a:latin typeface="+mj-lt"/>
-              </a:rPr>
-              <a:t>Channel</a:t>
-            </a:r>
-            <a:endParaRPr lang="en-US" sz="1400" dirty="0">
-              <a:latin typeface="+mj-lt"/>
-            </a:endParaRPr>
-          </a:p>
-        </p:txBody>
-      </p:sp>
-      <p:sp>
-        <p:nvSpPr>
-          <p:cNvPr id="27" name="Rectangle 26"/>
-          <p:cNvSpPr/>
-          <p:nvPr/>
-        </p:nvSpPr>
-        <p:spPr>
-          <a:xfrm>
-            <a:off x="2075630" y="766213"/>
-            <a:ext cx="6964246" cy="831370"/>
-          </a:xfrm>
-          <a:prstGeom prst="rect">
-            <a:avLst/>
-          </a:prstGeom>
-        </p:spPr>
-        <p:style>
-          <a:lnRef idx="2">
-            <a:schemeClr val="dk1"/>
-          </a:lnRef>
-          <a:fillRef idx="1">
-            <a:schemeClr val="lt1"/>
-          </a:fillRef>
-          <a:effectRef idx="0">
-            <a:schemeClr val="dk1"/>
-          </a:effectRef>
-          <a:fontRef idx="minor">
-            <a:schemeClr val="dk1"/>
-          </a:fontRef>
-        </p:style>
-        <p:txBody>
-          <a:bodyPr rtlCol="0" anchor="ctr"/>
-          <a:lstStyle/>
-          <a:p>
-            <a:pPr algn="ctr"/>
-            <a:r>
-              <a:rPr lang="en-US" sz="1600" dirty="0" err="1" smtClean="0"/>
-              <a:t>WebRTC</a:t>
-            </a:r>
-            <a:r>
-              <a:rPr lang="en-US" sz="1600" dirty="0" smtClean="0"/>
-              <a:t> Application</a:t>
-            </a:r>
-            <a:endParaRPr lang="en-US" sz="1600" dirty="0">
-              <a:latin typeface="+mj-lt"/>
-            </a:endParaRPr>
-          </a:p>
-        </p:txBody>
-      </p:sp>
-    </p:spTree>
-    <p:extLst>
-      <p:ext uri="{BB962C8B-B14F-4D97-AF65-F5344CB8AC3E}">
-        <p14:creationId xmlns:p14="http://schemas.microsoft.com/office/powerpoint/2010/main" val="3585768518"/>
       </p:ext>
     </p:extLst>
   </p:cSld>

--- a/graphs/source/chap5-src.pptx
+++ b/graphs/source/chap5-src.pptx
@@ -5,7 +5,7 @@
     <p:sldMasterId id="2147483660" r:id="rId1"/>
   </p:sldMasterIdLst>
   <p:notesMasterIdLst>
-    <p:notesMasterId r:id="rId16"/>
+    <p:notesMasterId r:id="rId17"/>
   </p:notesMasterIdLst>
   <p:sldIdLst>
     <p:sldId id="266" r:id="rId2"/>
@@ -16,12 +16,13 @@
     <p:sldId id="259" r:id="rId7"/>
     <p:sldId id="260" r:id="rId8"/>
     <p:sldId id="270" r:id="rId9"/>
-    <p:sldId id="264" r:id="rId10"/>
-    <p:sldId id="262" r:id="rId11"/>
-    <p:sldId id="261" r:id="rId12"/>
-    <p:sldId id="265" r:id="rId13"/>
-    <p:sldId id="268" r:id="rId14"/>
-    <p:sldId id="269" r:id="rId15"/>
+    <p:sldId id="271" r:id="rId10"/>
+    <p:sldId id="264" r:id="rId11"/>
+    <p:sldId id="262" r:id="rId12"/>
+    <p:sldId id="261" r:id="rId13"/>
+    <p:sldId id="265" r:id="rId14"/>
+    <p:sldId id="268" r:id="rId15"/>
+    <p:sldId id="269" r:id="rId16"/>
   </p:sldIdLst>
   <p:sldSz cx="9144000" cy="6858000" type="screen4x3"/>
   <p:notesSz cx="6858000" cy="9144000"/>
@@ -205,7 +206,7 @@
           <a:p>
             <a:fld id="{7BA68311-98B2-8147-8E3D-5F9C91F16701}" type="datetimeFigureOut">
               <a:rPr lang="en-US" smtClean="0"/>
-              <a:t>27/03/14</a:t>
+              <a:t>28/03/14</a:t>
             </a:fld>
             <a:endParaRPr lang="en-US"/>
           </a:p>
@@ -538,7 +539,7 @@
           <a:p>
             <a:fld id="{8AED5117-C3DB-DC46-B433-F1C323FD7F80}" type="slidenum">
               <a:rPr lang="en-US" smtClean="0"/>
-              <a:t>10</a:t>
+              <a:t>11</a:t>
             </a:fld>
             <a:endParaRPr lang="en-US"/>
           </a:p>
@@ -738,7 +739,7 @@
           <a:p>
             <a:fld id="{CE2D3545-AE21-7247-8426-4B1172E482C1}" type="datetimeFigureOut">
               <a:rPr lang="en-US" smtClean="0"/>
-              <a:t>27/03/14</a:t>
+              <a:t>28/03/14</a:t>
             </a:fld>
             <a:endParaRPr lang="en-US"/>
           </a:p>
@@ -908,7 +909,7 @@
           <a:p>
             <a:fld id="{CE2D3545-AE21-7247-8426-4B1172E482C1}" type="datetimeFigureOut">
               <a:rPr lang="en-US" smtClean="0"/>
-              <a:t>27/03/14</a:t>
+              <a:t>28/03/14</a:t>
             </a:fld>
             <a:endParaRPr lang="en-US"/>
           </a:p>
@@ -1088,7 +1089,7 @@
           <a:p>
             <a:fld id="{CE2D3545-AE21-7247-8426-4B1172E482C1}" type="datetimeFigureOut">
               <a:rPr lang="en-US" smtClean="0"/>
-              <a:t>27/03/14</a:t>
+              <a:t>28/03/14</a:t>
             </a:fld>
             <a:endParaRPr lang="en-US"/>
           </a:p>
@@ -1258,7 +1259,7 @@
           <a:p>
             <a:fld id="{CE2D3545-AE21-7247-8426-4B1172E482C1}" type="datetimeFigureOut">
               <a:rPr lang="en-US" smtClean="0"/>
-              <a:t>27/03/14</a:t>
+              <a:t>28/03/14</a:t>
             </a:fld>
             <a:endParaRPr lang="en-US"/>
           </a:p>
@@ -1504,7 +1505,7 @@
           <a:p>
             <a:fld id="{CE2D3545-AE21-7247-8426-4B1172E482C1}" type="datetimeFigureOut">
               <a:rPr lang="en-US" smtClean="0"/>
-              <a:t>27/03/14</a:t>
+              <a:t>28/03/14</a:t>
             </a:fld>
             <a:endParaRPr lang="en-US"/>
           </a:p>
@@ -1792,7 +1793,7 @@
           <a:p>
             <a:fld id="{CE2D3545-AE21-7247-8426-4B1172E482C1}" type="datetimeFigureOut">
               <a:rPr lang="en-US" smtClean="0"/>
-              <a:t>27/03/14</a:t>
+              <a:t>28/03/14</a:t>
             </a:fld>
             <a:endParaRPr lang="en-US"/>
           </a:p>
@@ -2214,7 +2215,7 @@
           <a:p>
             <a:fld id="{CE2D3545-AE21-7247-8426-4B1172E482C1}" type="datetimeFigureOut">
               <a:rPr lang="en-US" smtClean="0"/>
-              <a:t>27/03/14</a:t>
+              <a:t>28/03/14</a:t>
             </a:fld>
             <a:endParaRPr lang="en-US"/>
           </a:p>
@@ -2332,7 +2333,7 @@
           <a:p>
             <a:fld id="{CE2D3545-AE21-7247-8426-4B1172E482C1}" type="datetimeFigureOut">
               <a:rPr lang="en-US" smtClean="0"/>
-              <a:t>27/03/14</a:t>
+              <a:t>28/03/14</a:t>
             </a:fld>
             <a:endParaRPr lang="en-US"/>
           </a:p>
@@ -2427,7 +2428,7 @@
           <a:p>
             <a:fld id="{CE2D3545-AE21-7247-8426-4B1172E482C1}" type="datetimeFigureOut">
               <a:rPr lang="en-US" smtClean="0"/>
-              <a:t>27/03/14</a:t>
+              <a:t>28/03/14</a:t>
             </a:fld>
             <a:endParaRPr lang="en-US"/>
           </a:p>
@@ -2704,7 +2705,7 @@
           <a:p>
             <a:fld id="{CE2D3545-AE21-7247-8426-4B1172E482C1}" type="datetimeFigureOut">
               <a:rPr lang="en-US" smtClean="0"/>
-              <a:t>27/03/14</a:t>
+              <a:t>28/03/14</a:t>
             </a:fld>
             <a:endParaRPr lang="en-US"/>
           </a:p>
@@ -2961,7 +2962,7 @@
           <a:p>
             <a:fld id="{CE2D3545-AE21-7247-8426-4B1172E482C1}" type="datetimeFigureOut">
               <a:rPr lang="en-US" smtClean="0"/>
-              <a:t>27/03/14</a:t>
+              <a:t>28/03/14</a:t>
             </a:fld>
             <a:endParaRPr lang="en-US"/>
           </a:p>
@@ -3179,7 +3180,7 @@
           <a:p>
             <a:fld id="{CE2D3545-AE21-7247-8426-4B1172E482C1}" type="datetimeFigureOut">
               <a:rPr lang="en-US" smtClean="0"/>
-              <a:t>27/03/14</a:t>
+              <a:t>28/03/14</a:t>
             </a:fld>
             <a:endParaRPr lang="en-US"/>
           </a:p>
@@ -5462,803 +5463,23 @@
           <a:chExt cx="0" cy="0"/>
         </a:xfrm>
       </p:grpSpPr>
-      <p:sp>
-        <p:nvSpPr>
-          <p:cNvPr id="2" name="Rectangle 1"/>
-          <p:cNvSpPr/>
-          <p:nvPr/>
-        </p:nvSpPr>
-        <p:spPr>
-          <a:xfrm>
-            <a:off x="139556" y="5052177"/>
-            <a:ext cx="8900321" cy="831370"/>
-          </a:xfrm>
-          <a:prstGeom prst="rect">
-            <a:avLst/>
-          </a:prstGeom>
-        </p:spPr>
-        <p:style>
-          <a:lnRef idx="2">
-            <a:schemeClr val="dk1"/>
-          </a:lnRef>
-          <a:fillRef idx="1">
-            <a:schemeClr val="lt1"/>
-          </a:fillRef>
-          <a:effectRef idx="0">
-            <a:schemeClr val="dk1"/>
-          </a:effectRef>
-          <a:fontRef idx="minor">
-            <a:schemeClr val="dk1"/>
-          </a:fontRef>
-        </p:style>
-        <p:txBody>
-          <a:bodyPr rtlCol="0" anchor="ctr"/>
-          <a:lstStyle/>
-          <a:p>
-            <a:pPr lvl="0" algn="ctr"/>
-            <a:r>
-              <a:rPr lang="en-US" dirty="0">
-                <a:solidFill>
-                  <a:prstClr val="black"/>
-                </a:solidFill>
-              </a:rPr>
-              <a:t>Internet Protocol </a:t>
-            </a:r>
-            <a:r>
-              <a:rPr lang="en-US" dirty="0">
-                <a:solidFill>
-                  <a:prstClr val="black"/>
-                </a:solidFill>
-                <a:latin typeface="Nexa Bold"/>
-              </a:rPr>
-              <a:t>(IP</a:t>
-            </a:r>
-            <a:r>
-              <a:rPr lang="en-US" dirty="0" smtClean="0">
-                <a:solidFill>
-                  <a:prstClr val="black"/>
-                </a:solidFill>
-                <a:latin typeface="Nexa Bold"/>
-              </a:rPr>
-              <a:t>)</a:t>
-            </a:r>
-            <a:endParaRPr lang="en-US" sz="1600" dirty="0">
-              <a:solidFill>
-                <a:prstClr val="black"/>
-              </a:solidFill>
-              <a:latin typeface="Nexa Bold"/>
-            </a:endParaRPr>
-          </a:p>
-        </p:txBody>
-      </p:sp>
-      <p:sp>
-        <p:nvSpPr>
-          <p:cNvPr id="3" name="Rectangle 2"/>
-          <p:cNvSpPr/>
-          <p:nvPr/>
-        </p:nvSpPr>
-        <p:spPr>
-          <a:xfrm>
-            <a:off x="139555" y="4220807"/>
-            <a:ext cx="6660835" cy="831370"/>
-          </a:xfrm>
-          <a:prstGeom prst="rect">
-            <a:avLst/>
-          </a:prstGeom>
-        </p:spPr>
-        <p:style>
-          <a:lnRef idx="2">
-            <a:schemeClr val="dk1"/>
-          </a:lnRef>
-          <a:fillRef idx="1">
-            <a:schemeClr val="lt1"/>
-          </a:fillRef>
-          <a:effectRef idx="0">
-            <a:schemeClr val="dk1"/>
-          </a:effectRef>
-          <a:fontRef idx="minor">
-            <a:schemeClr val="dk1"/>
-          </a:fontRef>
-        </p:style>
-        <p:txBody>
-          <a:bodyPr rtlCol="0" anchor="ctr"/>
-          <a:lstStyle/>
-          <a:p>
-            <a:pPr lvl="0" algn="ctr"/>
-            <a:r>
-              <a:rPr lang="en-US" dirty="0">
-                <a:solidFill>
-                  <a:prstClr val="black"/>
-                </a:solidFill>
-              </a:rPr>
-              <a:t>User Datagram Protocol </a:t>
-            </a:r>
-            <a:r>
-              <a:rPr lang="en-US" dirty="0">
-                <a:solidFill>
-                  <a:prstClr val="black"/>
-                </a:solidFill>
-                <a:latin typeface="Nexa Bold"/>
-              </a:rPr>
-              <a:t>(UDP)</a:t>
-            </a:r>
-            <a:endParaRPr lang="en-US" sz="1600" dirty="0">
-              <a:solidFill>
-                <a:prstClr val="black"/>
-              </a:solidFill>
-              <a:latin typeface="Nexa Bold"/>
-            </a:endParaRPr>
-          </a:p>
-        </p:txBody>
-      </p:sp>
-      <p:sp>
-        <p:nvSpPr>
-          <p:cNvPr id="4" name="Rectangle 3"/>
-          <p:cNvSpPr/>
-          <p:nvPr/>
-        </p:nvSpPr>
-        <p:spPr>
-          <a:xfrm>
-            <a:off x="139558" y="3389437"/>
-            <a:ext cx="1936070" cy="831370"/>
-          </a:xfrm>
-          <a:prstGeom prst="rect">
-            <a:avLst/>
-          </a:prstGeom>
-        </p:spPr>
-        <p:style>
-          <a:lnRef idx="2">
-            <a:schemeClr val="dk1"/>
-          </a:lnRef>
-          <a:fillRef idx="1">
-            <a:schemeClr val="lt1"/>
-          </a:fillRef>
-          <a:effectRef idx="0">
-            <a:schemeClr val="dk1"/>
-          </a:effectRef>
-          <a:fontRef idx="minor">
-            <a:schemeClr val="dk1"/>
-          </a:fontRef>
-        </p:style>
-        <p:txBody>
-          <a:bodyPr rtlCol="0" anchor="ctr"/>
-          <a:lstStyle/>
-          <a:p>
-            <a:pPr algn="ctr"/>
-            <a:r>
-              <a:rPr lang="en-US" sz="1600" dirty="0" smtClean="0"/>
-              <a:t>Session Traversal Utilities for NAT </a:t>
-            </a:r>
-            <a:r>
-              <a:rPr lang="en-US" sz="1600" dirty="0" smtClean="0">
-                <a:latin typeface="+mj-lt"/>
-              </a:rPr>
-              <a:t>(STUN)</a:t>
-            </a:r>
-            <a:endParaRPr lang="en-US" sz="1600" dirty="0">
-              <a:latin typeface="+mj-lt"/>
-            </a:endParaRPr>
-          </a:p>
-        </p:txBody>
-      </p:sp>
-      <p:sp>
-        <p:nvSpPr>
-          <p:cNvPr id="5" name="Rectangle 4"/>
-          <p:cNvSpPr/>
-          <p:nvPr/>
-        </p:nvSpPr>
-        <p:spPr>
-          <a:xfrm>
-            <a:off x="2075629" y="3389437"/>
-            <a:ext cx="3468476" cy="831370"/>
-          </a:xfrm>
-          <a:prstGeom prst="rect">
-            <a:avLst/>
-          </a:prstGeom>
-          <a:solidFill>
-            <a:schemeClr val="tx2">
-              <a:lumMod val="20000"/>
-              <a:lumOff val="80000"/>
-            </a:schemeClr>
-          </a:solidFill>
-        </p:spPr>
-        <p:style>
-          <a:lnRef idx="2">
-            <a:schemeClr val="dk1"/>
-          </a:lnRef>
-          <a:fillRef idx="1">
-            <a:schemeClr val="lt1"/>
-          </a:fillRef>
-          <a:effectRef idx="0">
-            <a:schemeClr val="dk1"/>
-          </a:effectRef>
-          <a:fontRef idx="minor">
-            <a:schemeClr val="dk1"/>
-          </a:fontRef>
-        </p:style>
-        <p:txBody>
-          <a:bodyPr rtlCol="0" anchor="ctr"/>
-          <a:lstStyle/>
-          <a:p>
-            <a:pPr algn="ctr"/>
-            <a:r>
-              <a:rPr lang="en-US" dirty="0" smtClean="0">
-                <a:latin typeface="+mj-lt"/>
-              </a:rPr>
-              <a:t>                     RTP</a:t>
-            </a:r>
-          </a:p>
-          <a:p>
-            <a:pPr algn="ctr"/>
-            <a:endParaRPr lang="en-US" sz="1600" dirty="0">
-              <a:latin typeface="+mj-lt"/>
-            </a:endParaRPr>
-          </a:p>
-        </p:txBody>
-      </p:sp>
-      <p:sp>
-        <p:nvSpPr>
-          <p:cNvPr id="15" name="Rectangle 14"/>
-          <p:cNvSpPr/>
-          <p:nvPr/>
-        </p:nvSpPr>
-        <p:spPr>
-          <a:xfrm>
-            <a:off x="2949575" y="1597583"/>
-            <a:ext cx="873946" cy="1787187"/>
-          </a:xfrm>
-          <a:prstGeom prst="rect">
-            <a:avLst/>
-          </a:prstGeom>
-        </p:spPr>
-        <p:style>
-          <a:lnRef idx="2">
-            <a:schemeClr val="dk1"/>
-          </a:lnRef>
-          <a:fillRef idx="1">
-            <a:schemeClr val="lt1"/>
-          </a:fillRef>
-          <a:effectRef idx="0">
-            <a:schemeClr val="dk1"/>
-          </a:effectRef>
-          <a:fontRef idx="minor">
-            <a:schemeClr val="dk1"/>
-          </a:fontRef>
-        </p:style>
-        <p:txBody>
-          <a:bodyPr rtlCol="0" anchor="ctr"/>
-          <a:lstStyle/>
-          <a:p>
-            <a:pPr algn="ctr"/>
-            <a:r>
-              <a:rPr lang="en-US" sz="1600" dirty="0" smtClean="0"/>
-              <a:t>SSRC #2</a:t>
-            </a:r>
-            <a:endParaRPr lang="en-US" sz="1400" dirty="0">
-              <a:latin typeface="+mj-lt"/>
-            </a:endParaRPr>
-          </a:p>
-        </p:txBody>
-      </p:sp>
-      <p:sp>
-        <p:nvSpPr>
-          <p:cNvPr id="16" name="Rectangle 15"/>
-          <p:cNvSpPr/>
-          <p:nvPr/>
-        </p:nvSpPr>
-        <p:spPr>
-          <a:xfrm>
-            <a:off x="2075629" y="1597583"/>
-            <a:ext cx="873946" cy="1787187"/>
-          </a:xfrm>
-          <a:prstGeom prst="rect">
-            <a:avLst/>
-          </a:prstGeom>
-        </p:spPr>
-        <p:style>
-          <a:lnRef idx="2">
-            <a:schemeClr val="dk1"/>
-          </a:lnRef>
-          <a:fillRef idx="1">
-            <a:schemeClr val="lt1"/>
-          </a:fillRef>
-          <a:effectRef idx="0">
-            <a:schemeClr val="dk1"/>
-          </a:effectRef>
-          <a:fontRef idx="minor">
-            <a:schemeClr val="dk1"/>
-          </a:fontRef>
-        </p:style>
-        <p:txBody>
-          <a:bodyPr rtlCol="0" anchor="ctr"/>
-          <a:lstStyle/>
-          <a:p>
-            <a:pPr algn="ctr"/>
-            <a:r>
-              <a:rPr lang="en-US" sz="1600" dirty="0" smtClean="0"/>
-              <a:t>SSRC #1</a:t>
-            </a:r>
-            <a:endParaRPr lang="en-US" sz="1400" dirty="0">
-              <a:latin typeface="+mj-lt"/>
-            </a:endParaRPr>
-          </a:p>
-        </p:txBody>
-      </p:sp>
-      <p:sp>
-        <p:nvSpPr>
-          <p:cNvPr id="19" name="Rectangle 18"/>
-          <p:cNvSpPr/>
-          <p:nvPr/>
-        </p:nvSpPr>
-        <p:spPr>
-          <a:xfrm>
-            <a:off x="2075628" y="3877894"/>
-            <a:ext cx="1747893" cy="342914"/>
-          </a:xfrm>
-          <a:prstGeom prst="rect">
-            <a:avLst/>
-          </a:prstGeom>
-        </p:spPr>
-        <p:style>
-          <a:lnRef idx="2">
-            <a:schemeClr val="dk1"/>
-          </a:lnRef>
-          <a:fillRef idx="1">
-            <a:schemeClr val="lt1"/>
-          </a:fillRef>
-          <a:effectRef idx="0">
-            <a:schemeClr val="dk1"/>
-          </a:effectRef>
-          <a:fontRef idx="minor">
-            <a:schemeClr val="dk1"/>
-          </a:fontRef>
-        </p:style>
-        <p:txBody>
-          <a:bodyPr rtlCol="0" anchor="ctr"/>
-          <a:lstStyle/>
-          <a:p>
-            <a:pPr algn="ctr"/>
-            <a:r>
-              <a:rPr lang="en-US" sz="1600" dirty="0" smtClean="0">
-                <a:latin typeface="+mj-lt"/>
-              </a:rPr>
-              <a:t>TURN</a:t>
-            </a:r>
-            <a:endParaRPr lang="en-US" sz="1400" dirty="0">
-              <a:latin typeface="+mj-lt"/>
-            </a:endParaRPr>
-          </a:p>
-        </p:txBody>
-      </p:sp>
       <p:cxnSp>
         <p:nvCxnSpPr>
-          <p:cNvPr id="21" name="Straight Connector 20"/>
+          <p:cNvPr id="3" name="Straight Connector 2"/>
           <p:cNvCxnSpPr/>
           <p:nvPr/>
         </p:nvCxnSpPr>
         <p:spPr>
-          <a:xfrm flipH="1">
-            <a:off x="2075628" y="3384770"/>
-            <a:ext cx="2" cy="664581"/>
+          <a:xfrm>
+            <a:off x="1051466" y="518873"/>
+            <a:ext cx="0" cy="4478660"/>
           </a:xfrm>
           <a:prstGeom prst="line">
             <a:avLst/>
           </a:prstGeom>
           <a:ln>
-            <a:prstDash val="sysDash"/>
-          </a:ln>
-        </p:spPr>
-        <p:style>
-          <a:lnRef idx="1">
-            <a:schemeClr val="dk1"/>
-          </a:lnRef>
-          <a:fillRef idx="0">
-            <a:schemeClr val="dk1"/>
-          </a:fillRef>
-          <a:effectRef idx="0">
-            <a:schemeClr val="dk1"/>
-          </a:effectRef>
-          <a:fontRef idx="minor">
-            <a:schemeClr val="tx1"/>
-          </a:fontRef>
-        </p:style>
-      </p:cxnSp>
-      <p:sp>
-        <p:nvSpPr>
-          <p:cNvPr id="24" name="Rectangle 23"/>
-          <p:cNvSpPr/>
-          <p:nvPr/>
-        </p:nvSpPr>
-        <p:spPr>
-          <a:xfrm>
-            <a:off x="3809866" y="1597583"/>
-            <a:ext cx="873946" cy="1787187"/>
-          </a:xfrm>
-          <a:prstGeom prst="rect">
-            <a:avLst/>
-          </a:prstGeom>
-        </p:spPr>
-        <p:style>
-          <a:lnRef idx="2">
-            <a:schemeClr val="dk1"/>
-          </a:lnRef>
-          <a:fillRef idx="1">
-            <a:schemeClr val="lt1"/>
-          </a:fillRef>
-          <a:effectRef idx="0">
-            <a:schemeClr val="dk1"/>
-          </a:effectRef>
-          <a:fontRef idx="minor">
-            <a:schemeClr val="dk1"/>
-          </a:fontRef>
-        </p:style>
-        <p:txBody>
-          <a:bodyPr rtlCol="0" anchor="ctr"/>
-          <a:lstStyle/>
-          <a:p>
-            <a:pPr algn="ctr"/>
-            <a:r>
-              <a:rPr lang="en-US" sz="1600" dirty="0" smtClean="0"/>
-              <a:t>SSRC #3</a:t>
-            </a:r>
-            <a:endParaRPr lang="en-US" sz="1400" dirty="0">
-              <a:latin typeface="+mj-lt"/>
-            </a:endParaRPr>
-          </a:p>
-        </p:txBody>
-      </p:sp>
-      <p:sp>
-        <p:nvSpPr>
-          <p:cNvPr id="25" name="Rectangle 24"/>
-          <p:cNvSpPr/>
-          <p:nvPr/>
-        </p:nvSpPr>
-        <p:spPr>
-          <a:xfrm>
-            <a:off x="4670158" y="1597583"/>
-            <a:ext cx="873946" cy="1787187"/>
-          </a:xfrm>
-          <a:prstGeom prst="rect">
-            <a:avLst/>
-          </a:prstGeom>
-        </p:spPr>
-        <p:style>
-          <a:lnRef idx="2">
-            <a:schemeClr val="dk1"/>
-          </a:lnRef>
-          <a:fillRef idx="1">
-            <a:schemeClr val="lt1"/>
-          </a:fillRef>
-          <a:effectRef idx="0">
-            <a:schemeClr val="dk1"/>
-          </a:effectRef>
-          <a:fontRef idx="minor">
-            <a:schemeClr val="dk1"/>
-          </a:fontRef>
-        </p:style>
-        <p:txBody>
-          <a:bodyPr rtlCol="0" anchor="ctr"/>
-          <a:lstStyle/>
-          <a:p>
-            <a:pPr algn="ctr"/>
-            <a:r>
-              <a:rPr lang="en-US" sz="1600" dirty="0" smtClean="0"/>
-              <a:t>SSRC #4</a:t>
-            </a:r>
-            <a:endParaRPr lang="en-US" sz="1400" dirty="0">
-              <a:latin typeface="+mj-lt"/>
-            </a:endParaRPr>
-          </a:p>
-        </p:txBody>
-      </p:sp>
-      <p:sp>
-        <p:nvSpPr>
-          <p:cNvPr id="13" name="Rectangle 12"/>
-          <p:cNvSpPr/>
-          <p:nvPr/>
-        </p:nvSpPr>
-        <p:spPr>
-          <a:xfrm>
-            <a:off x="6800391" y="4220808"/>
-            <a:ext cx="2239485" cy="831370"/>
-          </a:xfrm>
-          <a:prstGeom prst="rect">
-            <a:avLst/>
-          </a:prstGeom>
-        </p:spPr>
-        <p:style>
-          <a:lnRef idx="2">
-            <a:schemeClr val="dk1"/>
-          </a:lnRef>
-          <a:fillRef idx="1">
-            <a:schemeClr val="lt1"/>
-          </a:fillRef>
-          <a:effectRef idx="0">
-            <a:schemeClr val="dk1"/>
-          </a:effectRef>
-          <a:fontRef idx="minor">
-            <a:schemeClr val="dk1"/>
-          </a:fontRef>
-        </p:style>
-        <p:txBody>
-          <a:bodyPr rtlCol="0" anchor="ctr"/>
-          <a:lstStyle/>
-          <a:p>
-            <a:pPr algn="ctr"/>
-            <a:r>
-              <a:rPr lang="en-US" dirty="0" smtClean="0"/>
-              <a:t>Transmission Control Protocol </a:t>
-            </a:r>
-            <a:r>
-              <a:rPr lang="en-US" dirty="0" smtClean="0">
-                <a:latin typeface="+mj-lt"/>
-              </a:rPr>
-              <a:t>(TCP)</a:t>
-            </a:r>
-            <a:endParaRPr lang="en-US" sz="1600" dirty="0">
-              <a:latin typeface="+mj-lt"/>
-            </a:endParaRPr>
-          </a:p>
-        </p:txBody>
-      </p:sp>
-      <p:sp>
-        <p:nvSpPr>
-          <p:cNvPr id="14" name="Rectangle 13"/>
-          <p:cNvSpPr/>
-          <p:nvPr/>
-        </p:nvSpPr>
-        <p:spPr>
-          <a:xfrm>
-            <a:off x="6554595" y="1597583"/>
-            <a:ext cx="2485281" cy="2618557"/>
-          </a:xfrm>
-          <a:prstGeom prst="rect">
-            <a:avLst/>
-          </a:prstGeom>
-        </p:spPr>
-        <p:style>
-          <a:lnRef idx="2">
-            <a:schemeClr val="dk1"/>
-          </a:lnRef>
-          <a:fillRef idx="1">
-            <a:schemeClr val="lt1"/>
-          </a:fillRef>
-          <a:effectRef idx="0">
-            <a:schemeClr val="dk1"/>
-          </a:effectRef>
-          <a:fontRef idx="minor">
-            <a:schemeClr val="dk1"/>
-          </a:fontRef>
-        </p:style>
-        <p:txBody>
-          <a:bodyPr rtlCol="0" anchor="ctr"/>
-          <a:lstStyle/>
-          <a:p>
-            <a:pPr algn="r"/>
-            <a:r>
-              <a:rPr lang="en-US" sz="1600" i="1" dirty="0" smtClean="0">
-                <a:latin typeface="+mj-lt"/>
-              </a:rPr>
-              <a:t>Signaling </a:t>
-            </a:r>
-          </a:p>
-          <a:p>
-            <a:pPr algn="r"/>
-            <a:r>
-              <a:rPr lang="en-US" sz="1600" i="1" dirty="0" smtClean="0">
-                <a:latin typeface="+mj-lt"/>
-              </a:rPr>
-              <a:t>Protocol</a:t>
-            </a:r>
-          </a:p>
-          <a:p>
-            <a:pPr algn="r"/>
-            <a:endParaRPr lang="en-US" sz="1200" i="1" dirty="0" smtClean="0"/>
-          </a:p>
-          <a:p>
-            <a:pPr algn="r"/>
-            <a:r>
-              <a:rPr lang="en-US" sz="1200" i="1" dirty="0" smtClean="0"/>
-              <a:t>(e.g., SIP, Jingle, …)</a:t>
-            </a:r>
-          </a:p>
-          <a:p>
-            <a:pPr algn="r"/>
-            <a:endParaRPr lang="en-US" sz="1200" i="1" dirty="0"/>
-          </a:p>
-          <a:p>
-            <a:pPr algn="r"/>
-            <a:endParaRPr lang="en-US" sz="1200" i="1" dirty="0" smtClean="0"/>
-          </a:p>
-          <a:p>
-            <a:pPr algn="r"/>
-            <a:endParaRPr lang="en-US" sz="1200" i="1" dirty="0" smtClean="0"/>
-          </a:p>
-          <a:p>
-            <a:pPr algn="r"/>
-            <a:r>
-              <a:rPr lang="en-US" sz="1200" i="1" dirty="0" smtClean="0"/>
-              <a:t>Or something proprietary</a:t>
-            </a:r>
-          </a:p>
-          <a:p>
-            <a:pPr algn="r"/>
-            <a:r>
-              <a:rPr lang="en-US" sz="1200" i="1" dirty="0" smtClean="0"/>
-              <a:t>(over HTTP or Web Sockets)</a:t>
-            </a:r>
-            <a:endParaRPr lang="en-US" sz="1200" i="1" dirty="0"/>
-          </a:p>
-        </p:txBody>
-      </p:sp>
-      <p:sp>
-        <p:nvSpPr>
-          <p:cNvPr id="17" name="Rectangle 16"/>
-          <p:cNvSpPr/>
-          <p:nvPr/>
-        </p:nvSpPr>
-        <p:spPr>
-          <a:xfrm>
-            <a:off x="5544105" y="3384770"/>
-            <a:ext cx="1010490" cy="831370"/>
-          </a:xfrm>
-          <a:prstGeom prst="rect">
-            <a:avLst/>
-          </a:prstGeom>
-        </p:spPr>
-        <p:style>
-          <a:lnRef idx="2">
-            <a:schemeClr val="dk1"/>
-          </a:lnRef>
-          <a:fillRef idx="1">
-            <a:schemeClr val="lt1"/>
-          </a:fillRef>
-          <a:effectRef idx="0">
-            <a:schemeClr val="dk1"/>
-          </a:effectRef>
-          <a:fontRef idx="minor">
-            <a:schemeClr val="dk1"/>
-          </a:fontRef>
-        </p:style>
-        <p:txBody>
-          <a:bodyPr rtlCol="0" anchor="ctr"/>
-          <a:lstStyle/>
-          <a:p>
-            <a:pPr algn="ctr"/>
-            <a:r>
-              <a:rPr lang="en-US" sz="1600" dirty="0" smtClean="0">
-                <a:latin typeface="+mj-lt"/>
-              </a:rPr>
-              <a:t>DTLS</a:t>
-            </a:r>
-            <a:endParaRPr lang="en-US" sz="1600" dirty="0">
-              <a:latin typeface="+mj-lt"/>
-            </a:endParaRPr>
-          </a:p>
-        </p:txBody>
-      </p:sp>
-      <p:sp>
-        <p:nvSpPr>
-          <p:cNvPr id="6" name="TextBox 5"/>
-          <p:cNvSpPr txBox="1"/>
-          <p:nvPr/>
-        </p:nvSpPr>
-        <p:spPr>
-          <a:xfrm>
-            <a:off x="5885487" y="6211669"/>
-            <a:ext cx="3154390" cy="646331"/>
-          </a:xfrm>
-          <a:prstGeom prst="rect">
-            <a:avLst/>
-          </a:prstGeom>
-          <a:noFill/>
-        </p:spPr>
-        <p:txBody>
-          <a:bodyPr wrap="square" rtlCol="0">
-            <a:spAutoFit/>
-          </a:bodyPr>
-          <a:lstStyle/>
-          <a:p>
-            <a:pPr algn="just"/>
-            <a:r>
-              <a:rPr lang="en-US" sz="1200" dirty="0" smtClean="0">
-                <a:latin typeface="+mj-lt"/>
-              </a:rPr>
-              <a:t>Note:</a:t>
-            </a:r>
-            <a:r>
-              <a:rPr lang="en-US" sz="1200" dirty="0" smtClean="0"/>
-              <a:t> *RTP can be sent over UDP or TCP.</a:t>
-            </a:r>
-          </a:p>
-          <a:p>
-            <a:pPr algn="just"/>
-            <a:r>
-              <a:rPr lang="en-US" sz="1200" dirty="0" smtClean="0"/>
-              <a:t>Similarly, signaling </a:t>
-            </a:r>
-            <a:r>
-              <a:rPr lang="en-US" sz="1200" dirty="0"/>
-              <a:t>p</a:t>
-            </a:r>
-            <a:r>
-              <a:rPr lang="en-US" sz="1200" dirty="0" smtClean="0"/>
-              <a:t>rotocols can be designed to transmit over UDP or TCP.</a:t>
-            </a:r>
-            <a:endParaRPr lang="en-US" sz="1200" dirty="0"/>
-          </a:p>
-        </p:txBody>
-      </p:sp>
-      <p:sp>
-        <p:nvSpPr>
-          <p:cNvPr id="20" name="Rectangle 19"/>
-          <p:cNvSpPr/>
-          <p:nvPr/>
-        </p:nvSpPr>
-        <p:spPr>
-          <a:xfrm>
-            <a:off x="6308797" y="1597583"/>
-            <a:ext cx="1294270" cy="1787188"/>
-          </a:xfrm>
-          <a:prstGeom prst="rect">
-            <a:avLst/>
-          </a:prstGeom>
-        </p:spPr>
-        <p:style>
-          <a:lnRef idx="2">
-            <a:schemeClr val="dk1"/>
-          </a:lnRef>
-          <a:fillRef idx="1">
-            <a:schemeClr val="lt1"/>
-          </a:fillRef>
-          <a:effectRef idx="0">
-            <a:schemeClr val="dk1"/>
-          </a:effectRef>
-          <a:fontRef idx="minor">
-            <a:schemeClr val="dk1"/>
-          </a:fontRef>
-        </p:style>
-        <p:txBody>
-          <a:bodyPr vert="horz" rtlCol="0" anchor="ctr"/>
-          <a:lstStyle/>
-          <a:p>
-            <a:pPr algn="ctr"/>
-            <a:r>
-              <a:rPr lang="en-US" sz="1600" dirty="0" smtClean="0"/>
-              <a:t>Secure RTP </a:t>
-            </a:r>
-            <a:r>
-              <a:rPr lang="en-US" sz="1600" dirty="0" smtClean="0">
-                <a:latin typeface="+mj-lt"/>
-              </a:rPr>
-              <a:t>(SRTP)</a:t>
-            </a:r>
-            <a:r>
-              <a:rPr lang="en-US" sz="1600" dirty="0" smtClean="0"/>
-              <a:t> Keying</a:t>
-            </a:r>
-            <a:endParaRPr lang="en-US" sz="1400" dirty="0">
-              <a:latin typeface="+mj-lt"/>
-            </a:endParaRPr>
-          </a:p>
-        </p:txBody>
-      </p:sp>
-      <p:cxnSp>
-        <p:nvCxnSpPr>
-          <p:cNvPr id="11" name="Straight Connector 10"/>
-          <p:cNvCxnSpPr/>
-          <p:nvPr/>
-        </p:nvCxnSpPr>
-        <p:spPr>
-          <a:xfrm>
-            <a:off x="3809866" y="3389438"/>
-            <a:ext cx="0" cy="493124"/>
-          </a:xfrm>
-          <a:prstGeom prst="line">
-            <a:avLst/>
-          </a:prstGeom>
-          <a:ln>
-            <a:prstDash val="dash"/>
+            <a:headEnd type="arrow"/>
+            <a:tailEnd type="none"/>
           </a:ln>
         </p:spPr>
         <p:style>
@@ -6278,20 +5499,21 @@
       </p:cxnSp>
       <p:cxnSp>
         <p:nvCxnSpPr>
-          <p:cNvPr id="22" name="Straight Connector 21"/>
+          <p:cNvPr id="4" name="Straight Connector 3"/>
           <p:cNvCxnSpPr/>
           <p:nvPr/>
         </p:nvCxnSpPr>
         <p:spPr>
-          <a:xfrm>
-            <a:off x="2949575" y="3384770"/>
-            <a:ext cx="0" cy="493124"/>
+          <a:xfrm flipH="1">
+            <a:off x="1051466" y="4986079"/>
+            <a:ext cx="7576559" cy="0"/>
           </a:xfrm>
           <a:prstGeom prst="line">
             <a:avLst/>
           </a:prstGeom>
           <a:ln>
-            <a:prstDash val="dash"/>
+            <a:headEnd type="arrow"/>
+            <a:tailEnd type="none"/>
           </a:ln>
         </p:spPr>
         <p:style>
@@ -6311,157 +5533,2488 @@
       </p:cxnSp>
       <p:sp>
         <p:nvSpPr>
-          <p:cNvPr id="23" name="Rectangle 22"/>
+          <p:cNvPr id="7" name="Freeform 6"/>
           <p:cNvSpPr/>
           <p:nvPr/>
         </p:nvSpPr>
         <p:spPr>
           <a:xfrm>
-            <a:off x="5544104" y="2553398"/>
-            <a:ext cx="764693" cy="831372"/>
+            <a:off x="1106088" y="1501984"/>
+            <a:ext cx="6377073" cy="1721945"/>
+          </a:xfrm>
+          <a:custGeom>
+            <a:avLst/>
+            <a:gdLst>
+              <a:gd name="connsiteX0" fmla="*/ 0 w 6377073"/>
+              <a:gd name="connsiteY0" fmla="*/ 355019 h 1334322"/>
+              <a:gd name="connsiteX1" fmla="*/ 1488439 w 6377073"/>
+              <a:gd name="connsiteY1" fmla="*/ 245782 h 1334322"/>
+              <a:gd name="connsiteX2" fmla="*/ 2731081 w 6377073"/>
+              <a:gd name="connsiteY2" fmla="*/ 996783 h 1334322"/>
+              <a:gd name="connsiteX3" fmla="*/ 4506283 w 6377073"/>
+              <a:gd name="connsiteY3" fmla="*/ 1283528 h 1334322"/>
+              <a:gd name="connsiteX4" fmla="*/ 6377073 w 6377073"/>
+              <a:gd name="connsiteY4" fmla="*/ 0 h 1334322"/>
+              <a:gd name="connsiteX5" fmla="*/ 6377073 w 6377073"/>
+              <a:gd name="connsiteY5" fmla="*/ 0 h 1334322"/>
+              <a:gd name="connsiteX6" fmla="*/ 6377073 w 6377073"/>
+              <a:gd name="connsiteY6" fmla="*/ 0 h 1334322"/>
+              <a:gd name="connsiteX0" fmla="*/ 0 w 6377073"/>
+              <a:gd name="connsiteY0" fmla="*/ 355019 h 1655028"/>
+              <a:gd name="connsiteX1" fmla="*/ 1488439 w 6377073"/>
+              <a:gd name="connsiteY1" fmla="*/ 245782 h 1655028"/>
+              <a:gd name="connsiteX2" fmla="*/ 2731081 w 6377073"/>
+              <a:gd name="connsiteY2" fmla="*/ 996783 h 1655028"/>
+              <a:gd name="connsiteX3" fmla="*/ 4519938 w 6377073"/>
+              <a:gd name="connsiteY3" fmla="*/ 1624892 h 1655028"/>
+              <a:gd name="connsiteX4" fmla="*/ 6377073 w 6377073"/>
+              <a:gd name="connsiteY4" fmla="*/ 0 h 1655028"/>
+              <a:gd name="connsiteX5" fmla="*/ 6377073 w 6377073"/>
+              <a:gd name="connsiteY5" fmla="*/ 0 h 1655028"/>
+              <a:gd name="connsiteX6" fmla="*/ 6377073 w 6377073"/>
+              <a:gd name="connsiteY6" fmla="*/ 0 h 1655028"/>
+              <a:gd name="connsiteX0" fmla="*/ 0 w 6377073"/>
+              <a:gd name="connsiteY0" fmla="*/ 355019 h 1652632"/>
+              <a:gd name="connsiteX1" fmla="*/ 1488439 w 6377073"/>
+              <a:gd name="connsiteY1" fmla="*/ 245782 h 1652632"/>
+              <a:gd name="connsiteX2" fmla="*/ 2758391 w 6377073"/>
+              <a:gd name="connsiteY2" fmla="*/ 969473 h 1652632"/>
+              <a:gd name="connsiteX3" fmla="*/ 4519938 w 6377073"/>
+              <a:gd name="connsiteY3" fmla="*/ 1624892 h 1652632"/>
+              <a:gd name="connsiteX4" fmla="*/ 6377073 w 6377073"/>
+              <a:gd name="connsiteY4" fmla="*/ 0 h 1652632"/>
+              <a:gd name="connsiteX5" fmla="*/ 6377073 w 6377073"/>
+              <a:gd name="connsiteY5" fmla="*/ 0 h 1652632"/>
+              <a:gd name="connsiteX6" fmla="*/ 6377073 w 6377073"/>
+              <a:gd name="connsiteY6" fmla="*/ 0 h 1652632"/>
+              <a:gd name="connsiteX0" fmla="*/ 0 w 6377073"/>
+              <a:gd name="connsiteY0" fmla="*/ 355019 h 1652632"/>
+              <a:gd name="connsiteX1" fmla="*/ 1488439 w 6377073"/>
+              <a:gd name="connsiteY1" fmla="*/ 245782 h 1652632"/>
+              <a:gd name="connsiteX2" fmla="*/ 2813012 w 6377073"/>
+              <a:gd name="connsiteY2" fmla="*/ 969473 h 1652632"/>
+              <a:gd name="connsiteX3" fmla="*/ 4519938 w 6377073"/>
+              <a:gd name="connsiteY3" fmla="*/ 1624892 h 1652632"/>
+              <a:gd name="connsiteX4" fmla="*/ 6377073 w 6377073"/>
+              <a:gd name="connsiteY4" fmla="*/ 0 h 1652632"/>
+              <a:gd name="connsiteX5" fmla="*/ 6377073 w 6377073"/>
+              <a:gd name="connsiteY5" fmla="*/ 0 h 1652632"/>
+              <a:gd name="connsiteX6" fmla="*/ 6377073 w 6377073"/>
+              <a:gd name="connsiteY6" fmla="*/ 0 h 1652632"/>
+              <a:gd name="connsiteX0" fmla="*/ 0 w 6377073"/>
+              <a:gd name="connsiteY0" fmla="*/ 355019 h 1653146"/>
+              <a:gd name="connsiteX1" fmla="*/ 1488439 w 6377073"/>
+              <a:gd name="connsiteY1" fmla="*/ 245782 h 1653146"/>
+              <a:gd name="connsiteX2" fmla="*/ 2813012 w 6377073"/>
+              <a:gd name="connsiteY2" fmla="*/ 969473 h 1653146"/>
+              <a:gd name="connsiteX3" fmla="*/ 4519938 w 6377073"/>
+              <a:gd name="connsiteY3" fmla="*/ 1624892 h 1653146"/>
+              <a:gd name="connsiteX4" fmla="*/ 6377073 w 6377073"/>
+              <a:gd name="connsiteY4" fmla="*/ 0 h 1653146"/>
+              <a:gd name="connsiteX5" fmla="*/ 6377073 w 6377073"/>
+              <a:gd name="connsiteY5" fmla="*/ 0 h 1653146"/>
+              <a:gd name="connsiteX6" fmla="*/ 6377073 w 6377073"/>
+              <a:gd name="connsiteY6" fmla="*/ 0 h 1653146"/>
+              <a:gd name="connsiteX0" fmla="*/ 0 w 6377073"/>
+              <a:gd name="connsiteY0" fmla="*/ 355019 h 1745421"/>
+              <a:gd name="connsiteX1" fmla="*/ 1488439 w 6377073"/>
+              <a:gd name="connsiteY1" fmla="*/ 245782 h 1745421"/>
+              <a:gd name="connsiteX2" fmla="*/ 2813012 w 6377073"/>
+              <a:gd name="connsiteY2" fmla="*/ 969473 h 1745421"/>
+              <a:gd name="connsiteX3" fmla="*/ 4574560 w 6377073"/>
+              <a:gd name="connsiteY3" fmla="*/ 1720474 h 1745421"/>
+              <a:gd name="connsiteX4" fmla="*/ 6377073 w 6377073"/>
+              <a:gd name="connsiteY4" fmla="*/ 0 h 1745421"/>
+              <a:gd name="connsiteX5" fmla="*/ 6377073 w 6377073"/>
+              <a:gd name="connsiteY5" fmla="*/ 0 h 1745421"/>
+              <a:gd name="connsiteX6" fmla="*/ 6377073 w 6377073"/>
+              <a:gd name="connsiteY6" fmla="*/ 0 h 1745421"/>
+              <a:gd name="connsiteX0" fmla="*/ 0 w 6377073"/>
+              <a:gd name="connsiteY0" fmla="*/ 355019 h 1721429"/>
+              <a:gd name="connsiteX1" fmla="*/ 1488439 w 6377073"/>
+              <a:gd name="connsiteY1" fmla="*/ 245782 h 1721429"/>
+              <a:gd name="connsiteX2" fmla="*/ 4574560 w 6377073"/>
+              <a:gd name="connsiteY2" fmla="*/ 1720474 h 1721429"/>
+              <a:gd name="connsiteX3" fmla="*/ 6377073 w 6377073"/>
+              <a:gd name="connsiteY3" fmla="*/ 0 h 1721429"/>
+              <a:gd name="connsiteX4" fmla="*/ 6377073 w 6377073"/>
+              <a:gd name="connsiteY4" fmla="*/ 0 h 1721429"/>
+              <a:gd name="connsiteX5" fmla="*/ 6377073 w 6377073"/>
+              <a:gd name="connsiteY5" fmla="*/ 0 h 1721429"/>
+              <a:gd name="connsiteX0" fmla="*/ 0 w 6377073"/>
+              <a:gd name="connsiteY0" fmla="*/ 355019 h 1721945"/>
+              <a:gd name="connsiteX1" fmla="*/ 1474784 w 6377073"/>
+              <a:gd name="connsiteY1" fmla="*/ 300400 h 1721945"/>
+              <a:gd name="connsiteX2" fmla="*/ 4574560 w 6377073"/>
+              <a:gd name="connsiteY2" fmla="*/ 1720474 h 1721945"/>
+              <a:gd name="connsiteX3" fmla="*/ 6377073 w 6377073"/>
+              <a:gd name="connsiteY3" fmla="*/ 0 h 1721945"/>
+              <a:gd name="connsiteX4" fmla="*/ 6377073 w 6377073"/>
+              <a:gd name="connsiteY4" fmla="*/ 0 h 1721945"/>
+              <a:gd name="connsiteX5" fmla="*/ 6377073 w 6377073"/>
+              <a:gd name="connsiteY5" fmla="*/ 0 h 1721945"/>
+              <a:gd name="connsiteX0" fmla="*/ 0 w 6377073"/>
+              <a:gd name="connsiteY0" fmla="*/ 355019 h 1736248"/>
+              <a:gd name="connsiteX1" fmla="*/ 1474784 w 6377073"/>
+              <a:gd name="connsiteY1" fmla="*/ 300400 h 1736248"/>
+              <a:gd name="connsiteX2" fmla="*/ 4574560 w 6377073"/>
+              <a:gd name="connsiteY2" fmla="*/ 1720474 h 1736248"/>
+              <a:gd name="connsiteX3" fmla="*/ 5721614 w 6377073"/>
+              <a:gd name="connsiteY3" fmla="*/ 996800 h 1736248"/>
+              <a:gd name="connsiteX4" fmla="*/ 6377073 w 6377073"/>
+              <a:gd name="connsiteY4" fmla="*/ 0 h 1736248"/>
+              <a:gd name="connsiteX5" fmla="*/ 6377073 w 6377073"/>
+              <a:gd name="connsiteY5" fmla="*/ 0 h 1736248"/>
+              <a:gd name="connsiteX6" fmla="*/ 6377073 w 6377073"/>
+              <a:gd name="connsiteY6" fmla="*/ 0 h 1736248"/>
+              <a:gd name="connsiteX0" fmla="*/ 0 w 6377073"/>
+              <a:gd name="connsiteY0" fmla="*/ 355019 h 1736248"/>
+              <a:gd name="connsiteX1" fmla="*/ 1474784 w 6377073"/>
+              <a:gd name="connsiteY1" fmla="*/ 300400 h 1736248"/>
+              <a:gd name="connsiteX2" fmla="*/ 4574560 w 6377073"/>
+              <a:gd name="connsiteY2" fmla="*/ 1720474 h 1736248"/>
+              <a:gd name="connsiteX3" fmla="*/ 5721614 w 6377073"/>
+              <a:gd name="connsiteY3" fmla="*/ 996800 h 1736248"/>
+              <a:gd name="connsiteX4" fmla="*/ 6377073 w 6377073"/>
+              <a:gd name="connsiteY4" fmla="*/ 0 h 1736248"/>
+              <a:gd name="connsiteX5" fmla="*/ 6377073 w 6377073"/>
+              <a:gd name="connsiteY5" fmla="*/ 0 h 1736248"/>
+              <a:gd name="connsiteX6" fmla="*/ 6377073 w 6377073"/>
+              <a:gd name="connsiteY6" fmla="*/ 0 h 1736248"/>
+              <a:gd name="connsiteX0" fmla="*/ 0 w 6377073"/>
+              <a:gd name="connsiteY0" fmla="*/ 355019 h 1738015"/>
+              <a:gd name="connsiteX1" fmla="*/ 1474784 w 6377073"/>
+              <a:gd name="connsiteY1" fmla="*/ 300400 h 1738015"/>
+              <a:gd name="connsiteX2" fmla="*/ 4574560 w 6377073"/>
+              <a:gd name="connsiteY2" fmla="*/ 1720474 h 1738015"/>
+              <a:gd name="connsiteX3" fmla="*/ 5721614 w 6377073"/>
+              <a:gd name="connsiteY3" fmla="*/ 996800 h 1738015"/>
+              <a:gd name="connsiteX4" fmla="*/ 6377073 w 6377073"/>
+              <a:gd name="connsiteY4" fmla="*/ 0 h 1738015"/>
+              <a:gd name="connsiteX5" fmla="*/ 6377073 w 6377073"/>
+              <a:gd name="connsiteY5" fmla="*/ 0 h 1738015"/>
+              <a:gd name="connsiteX6" fmla="*/ 6377073 w 6377073"/>
+              <a:gd name="connsiteY6" fmla="*/ 0 h 1738015"/>
+              <a:gd name="connsiteX0" fmla="*/ 0 w 6377073"/>
+              <a:gd name="connsiteY0" fmla="*/ 355019 h 1721945"/>
+              <a:gd name="connsiteX1" fmla="*/ 1474784 w 6377073"/>
+              <a:gd name="connsiteY1" fmla="*/ 300400 h 1721945"/>
+              <a:gd name="connsiteX2" fmla="*/ 4574560 w 6377073"/>
+              <a:gd name="connsiteY2" fmla="*/ 1720474 h 1721945"/>
+              <a:gd name="connsiteX3" fmla="*/ 6377073 w 6377073"/>
+              <a:gd name="connsiteY3" fmla="*/ 0 h 1721945"/>
+              <a:gd name="connsiteX4" fmla="*/ 6377073 w 6377073"/>
+              <a:gd name="connsiteY4" fmla="*/ 0 h 1721945"/>
+              <a:gd name="connsiteX5" fmla="*/ 6377073 w 6377073"/>
+              <a:gd name="connsiteY5" fmla="*/ 0 h 1721945"/>
+            </a:gdLst>
+            <a:ahLst/>
+            <a:cxnLst>
+              <a:cxn ang="0">
+                <a:pos x="connsiteX0" y="connsiteY0"/>
+              </a:cxn>
+              <a:cxn ang="0">
+                <a:pos x="connsiteX1" y="connsiteY1"/>
+              </a:cxn>
+              <a:cxn ang="0">
+                <a:pos x="connsiteX2" y="connsiteY2"/>
+              </a:cxn>
+              <a:cxn ang="0">
+                <a:pos x="connsiteX3" y="connsiteY3"/>
+              </a:cxn>
+              <a:cxn ang="0">
+                <a:pos x="connsiteX4" y="connsiteY4"/>
+              </a:cxn>
+              <a:cxn ang="0">
+                <a:pos x="connsiteX5" y="connsiteY5"/>
+              </a:cxn>
+            </a:cxnLst>
+            <a:rect l="l" t="t" r="r" b="b"/>
+            <a:pathLst>
+              <a:path w="6377073" h="1721945">
+                <a:moveTo>
+                  <a:pt x="0" y="355019"/>
+                </a:moveTo>
+                <a:cubicBezTo>
+                  <a:pt x="516629" y="246920"/>
+                  <a:pt x="712357" y="72824"/>
+                  <a:pt x="1474784" y="300400"/>
+                </a:cubicBezTo>
+                <a:cubicBezTo>
+                  <a:pt x="2237211" y="527976"/>
+                  <a:pt x="3757512" y="1770541"/>
+                  <a:pt x="4574560" y="1720474"/>
+                </a:cubicBezTo>
+                <a:cubicBezTo>
+                  <a:pt x="5391608" y="1670407"/>
+                  <a:pt x="6076654" y="286746"/>
+                  <a:pt x="6377073" y="0"/>
+                </a:cubicBezTo>
+                <a:lnTo>
+                  <a:pt x="6377073" y="0"/>
+                </a:lnTo>
+                <a:lnTo>
+                  <a:pt x="6377073" y="0"/>
+                </a:lnTo>
+              </a:path>
+            </a:pathLst>
+          </a:custGeom>
+          <a:ln w="28575" cmpd="sng">
+            <a:solidFill>
+              <a:srgbClr val="000000"/>
+            </a:solidFill>
+          </a:ln>
+        </p:spPr>
+        <p:style>
+          <a:lnRef idx="1">
+            <a:schemeClr val="dk1"/>
+          </a:lnRef>
+          <a:fillRef idx="0">
+            <a:schemeClr val="dk1"/>
+          </a:fillRef>
+          <a:effectRef idx="0">
+            <a:schemeClr val="dk1"/>
+          </a:effectRef>
+          <a:fontRef idx="minor">
+            <a:schemeClr val="tx1"/>
+          </a:fontRef>
+        </p:style>
+        <p:txBody>
+          <a:bodyPr rtlCol="0" anchor="ctr"/>
+          <a:lstStyle/>
+          <a:p>
+            <a:pPr algn="ctr"/>
+            <a:endParaRPr lang="en-US"/>
+          </a:p>
+        </p:txBody>
+      </p:sp>
+      <p:cxnSp>
+        <p:nvCxnSpPr>
+          <p:cNvPr id="8" name="Straight Connector 7"/>
+          <p:cNvCxnSpPr/>
+          <p:nvPr/>
+        </p:nvCxnSpPr>
+        <p:spPr>
+          <a:xfrm>
+            <a:off x="1886637" y="4816556"/>
+            <a:ext cx="0" cy="288946"/>
+          </a:xfrm>
+          <a:prstGeom prst="line">
+            <a:avLst/>
+          </a:prstGeom>
+        </p:spPr>
+        <p:style>
+          <a:lnRef idx="1">
+            <a:schemeClr val="dk1"/>
+          </a:lnRef>
+          <a:fillRef idx="0">
+            <a:schemeClr val="dk1"/>
+          </a:fillRef>
+          <a:effectRef idx="0">
+            <a:schemeClr val="dk1"/>
+          </a:effectRef>
+          <a:fontRef idx="minor">
+            <a:schemeClr val="tx1"/>
+          </a:fontRef>
+        </p:style>
+      </p:cxnSp>
+      <p:cxnSp>
+        <p:nvCxnSpPr>
+          <p:cNvPr id="10" name="Straight Connector 9"/>
+          <p:cNvCxnSpPr/>
+          <p:nvPr/>
+        </p:nvCxnSpPr>
+        <p:spPr>
+          <a:xfrm>
+            <a:off x="2721809" y="4816556"/>
+            <a:ext cx="0" cy="288946"/>
+          </a:xfrm>
+          <a:prstGeom prst="line">
+            <a:avLst/>
+          </a:prstGeom>
+        </p:spPr>
+        <p:style>
+          <a:lnRef idx="1">
+            <a:schemeClr val="dk1"/>
+          </a:lnRef>
+          <a:fillRef idx="0">
+            <a:schemeClr val="dk1"/>
+          </a:fillRef>
+          <a:effectRef idx="0">
+            <a:schemeClr val="dk1"/>
+          </a:effectRef>
+          <a:fontRef idx="minor">
+            <a:schemeClr val="tx1"/>
+          </a:fontRef>
+        </p:style>
+      </p:cxnSp>
+      <p:cxnSp>
+        <p:nvCxnSpPr>
+          <p:cNvPr id="13" name="Straight Connector 12"/>
+          <p:cNvCxnSpPr/>
+          <p:nvPr/>
+        </p:nvCxnSpPr>
+        <p:spPr>
+          <a:xfrm>
+            <a:off x="3556981" y="4824365"/>
+            <a:ext cx="0" cy="288946"/>
+          </a:xfrm>
+          <a:prstGeom prst="line">
+            <a:avLst/>
+          </a:prstGeom>
+        </p:spPr>
+        <p:style>
+          <a:lnRef idx="1">
+            <a:schemeClr val="dk1"/>
+          </a:lnRef>
+          <a:fillRef idx="0">
+            <a:schemeClr val="dk1"/>
+          </a:fillRef>
+          <a:effectRef idx="0">
+            <a:schemeClr val="dk1"/>
+          </a:effectRef>
+          <a:fontRef idx="minor">
+            <a:schemeClr val="tx1"/>
+          </a:fontRef>
+        </p:style>
+      </p:cxnSp>
+      <p:cxnSp>
+        <p:nvCxnSpPr>
+          <p:cNvPr id="15" name="Straight Connector 14"/>
+          <p:cNvCxnSpPr/>
+          <p:nvPr/>
+        </p:nvCxnSpPr>
+        <p:spPr>
+          <a:xfrm>
+            <a:off x="4392153" y="4816556"/>
+            <a:ext cx="0" cy="288946"/>
+          </a:xfrm>
+          <a:prstGeom prst="line">
+            <a:avLst/>
+          </a:prstGeom>
+        </p:spPr>
+        <p:style>
+          <a:lnRef idx="1">
+            <a:schemeClr val="dk1"/>
+          </a:lnRef>
+          <a:fillRef idx="0">
+            <a:schemeClr val="dk1"/>
+          </a:fillRef>
+          <a:effectRef idx="0">
+            <a:schemeClr val="dk1"/>
+          </a:effectRef>
+          <a:fontRef idx="minor">
+            <a:schemeClr val="tx1"/>
+          </a:fontRef>
+        </p:style>
+      </p:cxnSp>
+      <p:cxnSp>
+        <p:nvCxnSpPr>
+          <p:cNvPr id="17" name="Straight Connector 16"/>
+          <p:cNvCxnSpPr/>
+          <p:nvPr/>
+        </p:nvCxnSpPr>
+        <p:spPr>
+          <a:xfrm>
+            <a:off x="5224631" y="4816556"/>
+            <a:ext cx="0" cy="288946"/>
+          </a:xfrm>
+          <a:prstGeom prst="line">
+            <a:avLst/>
+          </a:prstGeom>
+        </p:spPr>
+        <p:style>
+          <a:lnRef idx="1">
+            <a:schemeClr val="dk1"/>
+          </a:lnRef>
+          <a:fillRef idx="0">
+            <a:schemeClr val="dk1"/>
+          </a:fillRef>
+          <a:effectRef idx="0">
+            <a:schemeClr val="dk1"/>
+          </a:effectRef>
+          <a:fontRef idx="minor">
+            <a:schemeClr val="tx1"/>
+          </a:fontRef>
+        </p:style>
+      </p:cxnSp>
+      <p:sp>
+        <p:nvSpPr>
+          <p:cNvPr id="18" name="Left Brace 17"/>
+          <p:cNvSpPr/>
+          <p:nvPr/>
+        </p:nvSpPr>
+        <p:spPr>
+          <a:xfrm rot="16200000">
+            <a:off x="4640143" y="4945175"/>
+            <a:ext cx="339193" cy="835172"/>
+          </a:xfrm>
+          <a:prstGeom prst="leftBrace">
+            <a:avLst/>
+          </a:prstGeom>
+          <a:ln>
+            <a:solidFill>
+              <a:schemeClr val="tx1">
+                <a:lumMod val="75000"/>
+                <a:lumOff val="25000"/>
+              </a:schemeClr>
+            </a:solidFill>
+          </a:ln>
+        </p:spPr>
+        <p:style>
+          <a:lnRef idx="1">
+            <a:schemeClr val="dk1"/>
+          </a:lnRef>
+          <a:fillRef idx="0">
+            <a:schemeClr val="dk1"/>
+          </a:fillRef>
+          <a:effectRef idx="0">
+            <a:schemeClr val="dk1"/>
+          </a:effectRef>
+          <a:fontRef idx="minor">
+            <a:schemeClr val="tx1"/>
+          </a:fontRef>
+        </p:style>
+        <p:txBody>
+          <a:bodyPr rtlCol="0" anchor="ctr"/>
+          <a:lstStyle/>
+          <a:p>
+            <a:pPr algn="ctr"/>
+            <a:endParaRPr lang="en-US"/>
+          </a:p>
+        </p:txBody>
+      </p:sp>
+      <p:cxnSp>
+        <p:nvCxnSpPr>
+          <p:cNvPr id="19" name="Straight Connector 18"/>
+          <p:cNvCxnSpPr/>
+          <p:nvPr/>
+        </p:nvCxnSpPr>
+        <p:spPr>
+          <a:xfrm>
+            <a:off x="6062498" y="4816556"/>
+            <a:ext cx="0" cy="288946"/>
+          </a:xfrm>
+          <a:prstGeom prst="line">
+            <a:avLst/>
+          </a:prstGeom>
+        </p:spPr>
+        <p:style>
+          <a:lnRef idx="1">
+            <a:schemeClr val="dk1"/>
+          </a:lnRef>
+          <a:fillRef idx="0">
+            <a:schemeClr val="dk1"/>
+          </a:fillRef>
+          <a:effectRef idx="0">
+            <a:schemeClr val="dk1"/>
+          </a:effectRef>
+          <a:fontRef idx="minor">
+            <a:schemeClr val="tx1"/>
+          </a:fontRef>
+        </p:style>
+      </p:cxnSp>
+      <p:cxnSp>
+        <p:nvCxnSpPr>
+          <p:cNvPr id="21" name="Straight Connector 20"/>
+          <p:cNvCxnSpPr/>
+          <p:nvPr/>
+        </p:nvCxnSpPr>
+        <p:spPr>
+          <a:xfrm>
+            <a:off x="6897670" y="4816556"/>
+            <a:ext cx="0" cy="288946"/>
+          </a:xfrm>
+          <a:prstGeom prst="line">
+            <a:avLst/>
+          </a:prstGeom>
+        </p:spPr>
+        <p:style>
+          <a:lnRef idx="1">
+            <a:schemeClr val="dk1"/>
+          </a:lnRef>
+          <a:fillRef idx="0">
+            <a:schemeClr val="dk1"/>
+          </a:fillRef>
+          <a:effectRef idx="0">
+            <a:schemeClr val="dk1"/>
+          </a:effectRef>
+          <a:fontRef idx="minor">
+            <a:schemeClr val="tx1"/>
+          </a:fontRef>
+        </p:style>
+      </p:cxnSp>
+      <p:cxnSp>
+        <p:nvCxnSpPr>
+          <p:cNvPr id="23" name="Straight Connector 22"/>
+          <p:cNvCxnSpPr/>
+          <p:nvPr/>
+        </p:nvCxnSpPr>
+        <p:spPr>
+          <a:xfrm>
+            <a:off x="7732843" y="4816556"/>
+            <a:ext cx="0" cy="288946"/>
+          </a:xfrm>
+          <a:prstGeom prst="line">
+            <a:avLst/>
+          </a:prstGeom>
+        </p:spPr>
+        <p:style>
+          <a:lnRef idx="1">
+            <a:schemeClr val="dk1"/>
+          </a:lnRef>
+          <a:fillRef idx="0">
+            <a:schemeClr val="dk1"/>
+          </a:fillRef>
+          <a:effectRef idx="0">
+            <a:schemeClr val="dk1"/>
+          </a:effectRef>
+          <a:fontRef idx="minor">
+            <a:schemeClr val="tx1"/>
+          </a:fontRef>
+        </p:style>
+      </p:cxnSp>
+      <p:sp>
+        <p:nvSpPr>
+          <p:cNvPr id="25" name="TextBox 24"/>
+          <p:cNvSpPr txBox="1"/>
+          <p:nvPr/>
+        </p:nvSpPr>
+        <p:spPr>
+          <a:xfrm>
+            <a:off x="4392153" y="5628403"/>
+            <a:ext cx="835173" cy="523220"/>
           </a:xfrm>
           <a:prstGeom prst="rect">
             <a:avLst/>
           </a:prstGeom>
+          <a:noFill/>
+        </p:spPr>
+        <p:txBody>
+          <a:bodyPr wrap="square" rtlCol="0">
+            <a:spAutoFit/>
+          </a:bodyPr>
+          <a:lstStyle/>
+          <a:p>
+            <a:pPr algn="ctr"/>
+            <a:r>
+              <a:rPr lang="en-US" sz="1400" b="1" dirty="0" smtClean="0"/>
+              <a:t>RTCP Interval</a:t>
+            </a:r>
+          </a:p>
+        </p:txBody>
+      </p:sp>
+      <p:cxnSp>
+        <p:nvCxnSpPr>
+          <p:cNvPr id="27" name="Straight Connector 26"/>
+          <p:cNvCxnSpPr/>
+          <p:nvPr/>
+        </p:nvCxnSpPr>
+        <p:spPr>
+          <a:xfrm>
+            <a:off x="1888827" y="634651"/>
+            <a:ext cx="0" cy="4478660"/>
+          </a:xfrm>
+          <a:prstGeom prst="line">
+            <a:avLst/>
+          </a:prstGeom>
+          <a:ln>
+            <a:prstDash val="dot"/>
+            <a:headEnd type="none"/>
+            <a:tailEnd type="none"/>
+          </a:ln>
+        </p:spPr>
+        <p:style>
+          <a:lnRef idx="1">
+            <a:schemeClr val="dk1"/>
+          </a:lnRef>
+          <a:fillRef idx="0">
+            <a:schemeClr val="dk1"/>
+          </a:fillRef>
+          <a:effectRef idx="0">
+            <a:schemeClr val="dk1"/>
+          </a:effectRef>
+          <a:fontRef idx="minor">
+            <a:schemeClr val="tx1"/>
+          </a:fontRef>
+        </p:style>
+      </p:cxnSp>
+      <p:cxnSp>
+        <p:nvCxnSpPr>
+          <p:cNvPr id="28" name="Straight Connector 27"/>
+          <p:cNvCxnSpPr/>
+          <p:nvPr/>
+        </p:nvCxnSpPr>
+        <p:spPr>
+          <a:xfrm>
+            <a:off x="2728381" y="626842"/>
+            <a:ext cx="0" cy="4478660"/>
+          </a:xfrm>
+          <a:prstGeom prst="line">
+            <a:avLst/>
+          </a:prstGeom>
+          <a:ln>
+            <a:prstDash val="dot"/>
+            <a:headEnd type="none"/>
+            <a:tailEnd type="none"/>
+          </a:ln>
+        </p:spPr>
+        <p:style>
+          <a:lnRef idx="1">
+            <a:schemeClr val="dk1"/>
+          </a:lnRef>
+          <a:fillRef idx="0">
+            <a:schemeClr val="dk1"/>
+          </a:fillRef>
+          <a:effectRef idx="0">
+            <a:schemeClr val="dk1"/>
+          </a:effectRef>
+          <a:fontRef idx="minor">
+            <a:schemeClr val="tx1"/>
+          </a:fontRef>
+        </p:style>
+      </p:cxnSp>
+      <p:cxnSp>
+        <p:nvCxnSpPr>
+          <p:cNvPr id="29" name="Straight Connector 28"/>
+          <p:cNvCxnSpPr/>
+          <p:nvPr/>
+        </p:nvCxnSpPr>
+        <p:spPr>
+          <a:xfrm>
+            <a:off x="3556981" y="634651"/>
+            <a:ext cx="0" cy="4478660"/>
+          </a:xfrm>
+          <a:prstGeom prst="line">
+            <a:avLst/>
+          </a:prstGeom>
+          <a:ln>
+            <a:prstDash val="dot"/>
+            <a:headEnd type="none"/>
+            <a:tailEnd type="none"/>
+          </a:ln>
+        </p:spPr>
+        <p:style>
+          <a:lnRef idx="1">
+            <a:schemeClr val="dk1"/>
+          </a:lnRef>
+          <a:fillRef idx="0">
+            <a:schemeClr val="dk1"/>
+          </a:fillRef>
+          <a:effectRef idx="0">
+            <a:schemeClr val="dk1"/>
+          </a:effectRef>
+          <a:fontRef idx="minor">
+            <a:schemeClr val="tx1"/>
+          </a:fontRef>
+        </p:style>
+      </p:cxnSp>
+      <p:cxnSp>
+        <p:nvCxnSpPr>
+          <p:cNvPr id="30" name="Straight Connector 29"/>
+          <p:cNvCxnSpPr/>
+          <p:nvPr/>
+        </p:nvCxnSpPr>
+        <p:spPr>
+          <a:xfrm>
+            <a:off x="4392153" y="626842"/>
+            <a:ext cx="0" cy="4478660"/>
+          </a:xfrm>
+          <a:prstGeom prst="line">
+            <a:avLst/>
+          </a:prstGeom>
+          <a:ln>
+            <a:prstDash val="dot"/>
+            <a:headEnd type="none"/>
+            <a:tailEnd type="none"/>
+          </a:ln>
+        </p:spPr>
+        <p:style>
+          <a:lnRef idx="1">
+            <a:schemeClr val="dk1"/>
+          </a:lnRef>
+          <a:fillRef idx="0">
+            <a:schemeClr val="dk1"/>
+          </a:fillRef>
+          <a:effectRef idx="0">
+            <a:schemeClr val="dk1"/>
+          </a:effectRef>
+          <a:fontRef idx="minor">
+            <a:schemeClr val="tx1"/>
+          </a:fontRef>
+        </p:style>
+      </p:cxnSp>
+      <p:cxnSp>
+        <p:nvCxnSpPr>
+          <p:cNvPr id="31" name="Straight Connector 30"/>
+          <p:cNvCxnSpPr/>
+          <p:nvPr/>
+        </p:nvCxnSpPr>
+        <p:spPr>
+          <a:xfrm>
+            <a:off x="5218342" y="634651"/>
+            <a:ext cx="0" cy="4478660"/>
+          </a:xfrm>
+          <a:prstGeom prst="line">
+            <a:avLst/>
+          </a:prstGeom>
+          <a:ln>
+            <a:prstDash val="dot"/>
+            <a:headEnd type="none"/>
+            <a:tailEnd type="none"/>
+          </a:ln>
+        </p:spPr>
+        <p:style>
+          <a:lnRef idx="1">
+            <a:schemeClr val="dk1"/>
+          </a:lnRef>
+          <a:fillRef idx="0">
+            <a:schemeClr val="dk1"/>
+          </a:fillRef>
+          <a:effectRef idx="0">
+            <a:schemeClr val="dk1"/>
+          </a:effectRef>
+          <a:fontRef idx="minor">
+            <a:schemeClr val="tx1"/>
+          </a:fontRef>
+        </p:style>
+      </p:cxnSp>
+      <p:cxnSp>
+        <p:nvCxnSpPr>
+          <p:cNvPr id="32" name="Straight Connector 31"/>
+          <p:cNvCxnSpPr/>
+          <p:nvPr/>
+        </p:nvCxnSpPr>
+        <p:spPr>
+          <a:xfrm>
+            <a:off x="6062498" y="634651"/>
+            <a:ext cx="0" cy="4478660"/>
+          </a:xfrm>
+          <a:prstGeom prst="line">
+            <a:avLst/>
+          </a:prstGeom>
+          <a:ln>
+            <a:prstDash val="dot"/>
+            <a:headEnd type="none"/>
+            <a:tailEnd type="none"/>
+          </a:ln>
+        </p:spPr>
+        <p:style>
+          <a:lnRef idx="1">
+            <a:schemeClr val="dk1"/>
+          </a:lnRef>
+          <a:fillRef idx="0">
+            <a:schemeClr val="dk1"/>
+          </a:fillRef>
+          <a:effectRef idx="0">
+            <a:schemeClr val="dk1"/>
+          </a:effectRef>
+          <a:fontRef idx="minor">
+            <a:schemeClr val="tx1"/>
+          </a:fontRef>
+        </p:style>
+      </p:cxnSp>
+      <p:cxnSp>
+        <p:nvCxnSpPr>
+          <p:cNvPr id="33" name="Straight Connector 32"/>
+          <p:cNvCxnSpPr/>
+          <p:nvPr/>
+        </p:nvCxnSpPr>
+        <p:spPr>
+          <a:xfrm>
+            <a:off x="6897670" y="626842"/>
+            <a:ext cx="0" cy="4478660"/>
+          </a:xfrm>
+          <a:prstGeom prst="line">
+            <a:avLst/>
+          </a:prstGeom>
+          <a:ln>
+            <a:solidFill>
+              <a:srgbClr val="7F7F7F"/>
+            </a:solidFill>
+            <a:prstDash val="dot"/>
+            <a:headEnd type="none"/>
+            <a:tailEnd type="none"/>
+          </a:ln>
+        </p:spPr>
+        <p:style>
+          <a:lnRef idx="1">
+            <a:schemeClr val="dk1"/>
+          </a:lnRef>
+          <a:fillRef idx="0">
+            <a:schemeClr val="dk1"/>
+          </a:fillRef>
+          <a:effectRef idx="0">
+            <a:schemeClr val="dk1"/>
+          </a:effectRef>
+          <a:fontRef idx="minor">
+            <a:schemeClr val="tx1"/>
+          </a:fontRef>
+        </p:style>
+      </p:cxnSp>
+      <p:cxnSp>
+        <p:nvCxnSpPr>
+          <p:cNvPr id="34" name="Straight Connector 33"/>
+          <p:cNvCxnSpPr/>
+          <p:nvPr/>
+        </p:nvCxnSpPr>
+        <p:spPr>
+          <a:xfrm>
+            <a:off x="7732334" y="634651"/>
+            <a:ext cx="0" cy="4478660"/>
+          </a:xfrm>
+          <a:prstGeom prst="line">
+            <a:avLst/>
+          </a:prstGeom>
+          <a:ln>
+            <a:solidFill>
+              <a:schemeClr val="tx1">
+                <a:lumMod val="50000"/>
+                <a:lumOff val="50000"/>
+              </a:schemeClr>
+            </a:solidFill>
+            <a:prstDash val="dot"/>
+            <a:headEnd type="none"/>
+            <a:tailEnd type="none"/>
+          </a:ln>
+        </p:spPr>
+        <p:style>
+          <a:lnRef idx="1">
+            <a:schemeClr val="dk1"/>
+          </a:lnRef>
+          <a:fillRef idx="0">
+            <a:schemeClr val="dk1"/>
+          </a:fillRef>
+          <a:effectRef idx="0">
+            <a:schemeClr val="dk1"/>
+          </a:effectRef>
+          <a:fontRef idx="minor">
+            <a:schemeClr val="tx1"/>
+          </a:fontRef>
+        </p:style>
+      </p:cxnSp>
+      <p:sp>
+        <p:nvSpPr>
+          <p:cNvPr id="35" name="TextBox 34"/>
+          <p:cNvSpPr txBox="1"/>
+          <p:nvPr/>
+        </p:nvSpPr>
+        <p:spPr>
+          <a:xfrm>
+            <a:off x="7732843" y="5532358"/>
+            <a:ext cx="668490" cy="369332"/>
+          </a:xfrm>
+          <a:prstGeom prst="rect">
+            <a:avLst/>
+          </a:prstGeom>
+          <a:noFill/>
+        </p:spPr>
+        <p:txBody>
+          <a:bodyPr wrap="none" rtlCol="0">
+            <a:spAutoFit/>
+          </a:bodyPr>
+          <a:lstStyle/>
+          <a:p>
+            <a:r>
+              <a:rPr lang="en-US" dirty="0" smtClean="0">
+                <a:latin typeface="+mj-lt"/>
+              </a:rPr>
+              <a:t>time</a:t>
+            </a:r>
+            <a:endParaRPr lang="en-US" dirty="0">
+              <a:latin typeface="+mj-lt"/>
+            </a:endParaRPr>
+          </a:p>
+        </p:txBody>
+      </p:sp>
+      <p:sp>
+        <p:nvSpPr>
+          <p:cNvPr id="36" name="TextBox 35"/>
+          <p:cNvSpPr txBox="1"/>
+          <p:nvPr/>
+        </p:nvSpPr>
+        <p:spPr>
+          <a:xfrm>
+            <a:off x="589801" y="1820900"/>
+            <a:ext cx="461665" cy="1375529"/>
+          </a:xfrm>
+          <a:prstGeom prst="rect">
+            <a:avLst/>
+          </a:prstGeom>
+          <a:noFill/>
+        </p:spPr>
+        <p:txBody>
+          <a:bodyPr vert="vert270" wrap="none" rtlCol="0">
+            <a:spAutoFit/>
+          </a:bodyPr>
+          <a:lstStyle/>
+          <a:p>
+            <a:r>
+              <a:rPr lang="en-US" dirty="0" smtClean="0">
+                <a:latin typeface="+mj-lt"/>
+              </a:rPr>
+              <a:t>Throughput</a:t>
+            </a:r>
+            <a:endParaRPr lang="en-US" dirty="0">
+              <a:latin typeface="+mj-lt"/>
+            </a:endParaRPr>
+          </a:p>
+        </p:txBody>
+      </p:sp>
+      <p:grpSp>
+        <p:nvGrpSpPr>
+          <p:cNvPr id="73" name="Group 72"/>
+          <p:cNvGrpSpPr/>
+          <p:nvPr/>
+        </p:nvGrpSpPr>
+        <p:grpSpPr>
+          <a:xfrm>
+            <a:off x="6062498" y="819273"/>
+            <a:ext cx="1933846" cy="321432"/>
+            <a:chOff x="6646966" y="814062"/>
+            <a:chExt cx="1933846" cy="321432"/>
+          </a:xfrm>
+        </p:grpSpPr>
+        <p:sp>
+          <p:nvSpPr>
+            <p:cNvPr id="71" name="Rectangle 70"/>
+            <p:cNvSpPr/>
+            <p:nvPr/>
+          </p:nvSpPr>
+          <p:spPr>
+            <a:xfrm>
+              <a:off x="6646966" y="819273"/>
+              <a:ext cx="821516" cy="316221"/>
+            </a:xfrm>
+            <a:prstGeom prst="rect">
+              <a:avLst/>
+            </a:prstGeom>
+            <a:solidFill>
+              <a:srgbClr val="FF0000">
+                <a:alpha val="22000"/>
+              </a:srgbClr>
+            </a:solidFill>
+            <a:ln>
+              <a:noFill/>
+            </a:ln>
+          </p:spPr>
+          <p:style>
+            <a:lnRef idx="2">
+              <a:schemeClr val="accent1">
+                <a:shade val="50000"/>
+              </a:schemeClr>
+            </a:lnRef>
+            <a:fillRef idx="1">
+              <a:schemeClr val="accent1"/>
+            </a:fillRef>
+            <a:effectRef idx="0">
+              <a:schemeClr val="accent1"/>
+            </a:effectRef>
+            <a:fontRef idx="minor">
+              <a:schemeClr val="lt1"/>
+            </a:fontRef>
+          </p:style>
+          <p:txBody>
+            <a:bodyPr rtlCol="0" anchor="ctr"/>
+            <a:lstStyle/>
+            <a:p>
+              <a:pPr algn="ctr"/>
+              <a:endParaRPr lang="en-US"/>
+            </a:p>
+          </p:txBody>
+        </p:sp>
+        <p:sp>
+          <p:nvSpPr>
+            <p:cNvPr id="72" name="TextBox 71"/>
+            <p:cNvSpPr txBox="1"/>
+            <p:nvPr/>
+          </p:nvSpPr>
+          <p:spPr>
+            <a:xfrm>
+              <a:off x="7468482" y="814062"/>
+              <a:ext cx="1112330" cy="307777"/>
+            </a:xfrm>
+            <a:prstGeom prst="rect">
+              <a:avLst/>
+            </a:prstGeom>
+            <a:noFill/>
+          </p:spPr>
+          <p:txBody>
+            <a:bodyPr wrap="none" rtlCol="0">
+              <a:spAutoFit/>
+            </a:bodyPr>
+            <a:lstStyle/>
+            <a:p>
+              <a:r>
+                <a:rPr lang="en-US" sz="1400" b="1" dirty="0"/>
+                <a:t>m</a:t>
+              </a:r>
+              <a:r>
+                <a:rPr lang="en-US" sz="1400" b="1" dirty="0" smtClean="0"/>
+                <a:t>edia rate</a:t>
+              </a:r>
+              <a:endParaRPr lang="en-US" sz="1400" b="1" dirty="0"/>
+            </a:p>
+          </p:txBody>
+        </p:sp>
+      </p:grpSp>
+      <p:cxnSp>
+        <p:nvCxnSpPr>
+          <p:cNvPr id="41" name="Straight Connector 40"/>
+          <p:cNvCxnSpPr/>
+          <p:nvPr/>
+        </p:nvCxnSpPr>
+        <p:spPr>
+          <a:xfrm>
+            <a:off x="1051466" y="3196429"/>
+            <a:ext cx="821516" cy="0"/>
+          </a:xfrm>
+          <a:prstGeom prst="line">
+            <a:avLst/>
+          </a:prstGeom>
+          <a:ln>
+            <a:solidFill>
+              <a:srgbClr val="FF0000"/>
+            </a:solidFill>
+          </a:ln>
+        </p:spPr>
+        <p:style>
+          <a:lnRef idx="1">
+            <a:schemeClr val="dk1"/>
+          </a:lnRef>
+          <a:fillRef idx="0">
+            <a:schemeClr val="dk1"/>
+          </a:fillRef>
+          <a:effectRef idx="0">
+            <a:schemeClr val="dk1"/>
+          </a:effectRef>
+          <a:fontRef idx="minor">
+            <a:schemeClr val="tx1"/>
+          </a:fontRef>
+        </p:style>
+      </p:cxnSp>
+      <p:cxnSp>
+        <p:nvCxnSpPr>
+          <p:cNvPr id="42" name="Straight Connector 41"/>
+          <p:cNvCxnSpPr/>
+          <p:nvPr/>
+        </p:nvCxnSpPr>
+        <p:spPr>
+          <a:xfrm>
+            <a:off x="1888827" y="3196429"/>
+            <a:ext cx="832982" cy="0"/>
+          </a:xfrm>
+          <a:prstGeom prst="line">
+            <a:avLst/>
+          </a:prstGeom>
+          <a:ln>
+            <a:solidFill>
+              <a:srgbClr val="FF0000"/>
+            </a:solidFill>
+          </a:ln>
+        </p:spPr>
+        <p:style>
+          <a:lnRef idx="1">
+            <a:schemeClr val="dk1"/>
+          </a:lnRef>
+          <a:fillRef idx="0">
+            <a:schemeClr val="dk1"/>
+          </a:fillRef>
+          <a:effectRef idx="0">
+            <a:schemeClr val="dk1"/>
+          </a:effectRef>
+          <a:fontRef idx="minor">
+            <a:schemeClr val="tx1"/>
+          </a:fontRef>
+        </p:style>
+      </p:cxnSp>
+      <p:cxnSp>
+        <p:nvCxnSpPr>
+          <p:cNvPr id="44" name="Straight Connector 43"/>
+          <p:cNvCxnSpPr/>
+          <p:nvPr/>
+        </p:nvCxnSpPr>
+        <p:spPr>
+          <a:xfrm>
+            <a:off x="2721809" y="2331070"/>
+            <a:ext cx="1665741" cy="0"/>
+          </a:xfrm>
+          <a:prstGeom prst="line">
+            <a:avLst/>
+          </a:prstGeom>
+          <a:ln>
+            <a:solidFill>
+              <a:srgbClr val="FF0000"/>
+            </a:solidFill>
+          </a:ln>
+        </p:spPr>
+        <p:style>
+          <a:lnRef idx="1">
+            <a:schemeClr val="dk1"/>
+          </a:lnRef>
+          <a:fillRef idx="0">
+            <a:schemeClr val="dk1"/>
+          </a:fillRef>
+          <a:effectRef idx="0">
+            <a:schemeClr val="dk1"/>
+          </a:effectRef>
+          <a:fontRef idx="minor">
+            <a:schemeClr val="tx1"/>
+          </a:fontRef>
+        </p:style>
+      </p:cxnSp>
+      <p:cxnSp>
+        <p:nvCxnSpPr>
+          <p:cNvPr id="46" name="Straight Connector 45"/>
+          <p:cNvCxnSpPr/>
+          <p:nvPr/>
+        </p:nvCxnSpPr>
+        <p:spPr>
+          <a:xfrm>
+            <a:off x="4387550" y="3425642"/>
+            <a:ext cx="2512421" cy="0"/>
+          </a:xfrm>
+          <a:prstGeom prst="line">
+            <a:avLst/>
+          </a:prstGeom>
+          <a:ln>
+            <a:solidFill>
+              <a:srgbClr val="FF0000"/>
+            </a:solidFill>
+          </a:ln>
+        </p:spPr>
+        <p:style>
+          <a:lnRef idx="1">
+            <a:schemeClr val="dk1"/>
+          </a:lnRef>
+          <a:fillRef idx="0">
+            <a:schemeClr val="dk1"/>
+          </a:fillRef>
+          <a:effectRef idx="0">
+            <a:schemeClr val="dk1"/>
+          </a:effectRef>
+          <a:fontRef idx="minor">
+            <a:schemeClr val="tx1"/>
+          </a:fontRef>
+        </p:style>
+      </p:cxnSp>
+      <p:cxnSp>
+        <p:nvCxnSpPr>
+          <p:cNvPr id="50" name="Straight Connector 49"/>
+          <p:cNvCxnSpPr/>
+          <p:nvPr/>
+        </p:nvCxnSpPr>
+        <p:spPr>
+          <a:xfrm>
+            <a:off x="4392153" y="2331070"/>
+            <a:ext cx="0" cy="1094572"/>
+          </a:xfrm>
+          <a:prstGeom prst="line">
+            <a:avLst/>
+          </a:prstGeom>
+          <a:ln>
+            <a:solidFill>
+              <a:srgbClr val="FF0000"/>
+            </a:solidFill>
+          </a:ln>
+        </p:spPr>
+        <p:style>
+          <a:lnRef idx="1">
+            <a:schemeClr val="dk1"/>
+          </a:lnRef>
+          <a:fillRef idx="0">
+            <a:schemeClr val="dk1"/>
+          </a:fillRef>
+          <a:effectRef idx="0">
+            <a:schemeClr val="dk1"/>
+          </a:effectRef>
+          <a:fontRef idx="minor">
+            <a:schemeClr val="tx1"/>
+          </a:fontRef>
+        </p:style>
+      </p:cxnSp>
+      <p:cxnSp>
+        <p:nvCxnSpPr>
+          <p:cNvPr id="57" name="Straight Connector 56"/>
+          <p:cNvCxnSpPr/>
+          <p:nvPr/>
+        </p:nvCxnSpPr>
+        <p:spPr>
+          <a:xfrm flipH="1">
+            <a:off x="2721809" y="2331070"/>
+            <a:ext cx="6572" cy="865359"/>
+          </a:xfrm>
+          <a:prstGeom prst="line">
+            <a:avLst/>
+          </a:prstGeom>
+          <a:ln>
+            <a:solidFill>
+              <a:srgbClr val="FF0000"/>
+            </a:solidFill>
+          </a:ln>
+        </p:spPr>
+        <p:style>
+          <a:lnRef idx="1">
+            <a:schemeClr val="dk1"/>
+          </a:lnRef>
+          <a:fillRef idx="0">
+            <a:schemeClr val="dk1"/>
+          </a:fillRef>
+          <a:effectRef idx="0">
+            <a:schemeClr val="dk1"/>
+          </a:effectRef>
+          <a:fontRef idx="minor">
+            <a:schemeClr val="tx1"/>
+          </a:fontRef>
+        </p:style>
+      </p:cxnSp>
+      <p:sp>
+        <p:nvSpPr>
+          <p:cNvPr id="64" name="Rectangle 63"/>
+          <p:cNvSpPr/>
+          <p:nvPr/>
+        </p:nvSpPr>
+        <p:spPr>
+          <a:xfrm>
+            <a:off x="1051465" y="3196429"/>
+            <a:ext cx="3340687" cy="1789650"/>
+          </a:xfrm>
+          <a:prstGeom prst="rect">
+            <a:avLst/>
+          </a:prstGeom>
+          <a:solidFill>
+            <a:srgbClr val="FF0000">
+              <a:alpha val="22000"/>
+            </a:srgbClr>
+          </a:solidFill>
+          <a:ln>
+            <a:noFill/>
+          </a:ln>
         </p:spPr>
         <p:style>
           <a:lnRef idx="2">
-            <a:schemeClr val="dk1"/>
+            <a:schemeClr val="accent1">
+              <a:shade val="50000"/>
+            </a:schemeClr>
           </a:lnRef>
           <a:fillRef idx="1">
-            <a:schemeClr val="lt1"/>
+            <a:schemeClr val="accent1"/>
           </a:fillRef>
           <a:effectRef idx="0">
-            <a:schemeClr val="dk1"/>
+            <a:schemeClr val="accent1"/>
           </a:effectRef>
           <a:fontRef idx="minor">
-            <a:schemeClr val="dk1"/>
+            <a:schemeClr val="lt1"/>
           </a:fontRef>
         </p:style>
         <p:txBody>
-          <a:bodyPr vert="horz" rtlCol="0" anchor="ctr"/>
+          <a:bodyPr rtlCol="0" anchor="ctr"/>
           <a:lstStyle/>
           <a:p>
             <a:pPr algn="ctr"/>
-            <a:r>
-              <a:rPr lang="en-US" sz="1600" dirty="0" smtClean="0">
+            <a:endParaRPr lang="en-US" dirty="0"/>
+          </a:p>
+        </p:txBody>
+      </p:sp>
+      <p:sp>
+        <p:nvSpPr>
+          <p:cNvPr id="66" name="Rectangle 65"/>
+          <p:cNvSpPr/>
+          <p:nvPr/>
+        </p:nvSpPr>
+        <p:spPr>
+          <a:xfrm>
+            <a:off x="2730794" y="2331070"/>
+            <a:ext cx="1656756" cy="865359"/>
+          </a:xfrm>
+          <a:prstGeom prst="rect">
+            <a:avLst/>
+          </a:prstGeom>
+          <a:solidFill>
+            <a:srgbClr val="FF0000">
+              <a:alpha val="22000"/>
+            </a:srgbClr>
+          </a:solidFill>
+          <a:ln>
+            <a:noFill/>
+          </a:ln>
+        </p:spPr>
+        <p:style>
+          <a:lnRef idx="2">
+            <a:schemeClr val="accent1">
+              <a:shade val="50000"/>
+            </a:schemeClr>
+          </a:lnRef>
+          <a:fillRef idx="1">
+            <a:schemeClr val="accent1"/>
+          </a:fillRef>
+          <a:effectRef idx="0">
+            <a:schemeClr val="accent1"/>
+          </a:effectRef>
+          <a:fontRef idx="minor">
+            <a:schemeClr val="lt1"/>
+          </a:fontRef>
+        </p:style>
+        <p:txBody>
+          <a:bodyPr rtlCol="0" anchor="ctr"/>
+          <a:lstStyle/>
+          <a:p>
+            <a:pPr algn="ctr"/>
+            <a:endParaRPr lang="en-US"/>
+          </a:p>
+        </p:txBody>
+      </p:sp>
+      <p:sp>
+        <p:nvSpPr>
+          <p:cNvPr id="67" name="Rectangle 66"/>
+          <p:cNvSpPr/>
+          <p:nvPr/>
+        </p:nvSpPr>
+        <p:spPr>
+          <a:xfrm>
+            <a:off x="4387550" y="3435437"/>
+            <a:ext cx="3345293" cy="1562096"/>
+          </a:xfrm>
+          <a:prstGeom prst="rect">
+            <a:avLst/>
+          </a:prstGeom>
+          <a:solidFill>
+            <a:srgbClr val="FF0000">
+              <a:alpha val="22000"/>
+            </a:srgbClr>
+          </a:solidFill>
+          <a:ln>
+            <a:noFill/>
+          </a:ln>
+        </p:spPr>
+        <p:style>
+          <a:lnRef idx="2">
+            <a:schemeClr val="accent1">
+              <a:shade val="50000"/>
+            </a:schemeClr>
+          </a:lnRef>
+          <a:fillRef idx="1">
+            <a:schemeClr val="accent1"/>
+          </a:fillRef>
+          <a:effectRef idx="0">
+            <a:schemeClr val="accent1"/>
+          </a:effectRef>
+          <a:fontRef idx="minor">
+            <a:schemeClr val="lt1"/>
+          </a:fontRef>
+        </p:style>
+        <p:txBody>
+          <a:bodyPr rtlCol="0" anchor="ctr"/>
+          <a:lstStyle/>
+          <a:p>
+            <a:pPr algn="ctr"/>
+            <a:endParaRPr lang="en-US"/>
+          </a:p>
+        </p:txBody>
+      </p:sp>
+      <p:sp>
+        <p:nvSpPr>
+          <p:cNvPr id="74" name="Rectangle 73"/>
+          <p:cNvSpPr/>
+          <p:nvPr/>
+        </p:nvSpPr>
+        <p:spPr>
+          <a:xfrm>
+            <a:off x="1872983" y="2331070"/>
+            <a:ext cx="857812" cy="865359"/>
+          </a:xfrm>
+          <a:prstGeom prst="rect">
+            <a:avLst/>
+          </a:prstGeom>
+          <a:solidFill>
+            <a:schemeClr val="accent3">
+              <a:lumMod val="75000"/>
+              <a:alpha val="19000"/>
+            </a:schemeClr>
+          </a:solidFill>
+          <a:ln>
+            <a:noFill/>
+          </a:ln>
+        </p:spPr>
+        <p:style>
+          <a:lnRef idx="2">
+            <a:schemeClr val="accent3">
+              <a:shade val="50000"/>
+            </a:schemeClr>
+          </a:lnRef>
+          <a:fillRef idx="1">
+            <a:schemeClr val="accent3"/>
+          </a:fillRef>
+          <a:effectRef idx="0">
+            <a:schemeClr val="accent3"/>
+          </a:effectRef>
+          <a:fontRef idx="minor">
+            <a:schemeClr val="lt1"/>
+          </a:fontRef>
+        </p:style>
+        <p:txBody>
+          <a:bodyPr rtlCol="0" anchor="ctr"/>
+          <a:lstStyle/>
+          <a:p>
+            <a:pPr algn="ctr"/>
+            <a:endParaRPr lang="en-US" dirty="0"/>
+          </a:p>
+        </p:txBody>
+      </p:sp>
+      <p:sp>
+        <p:nvSpPr>
+          <p:cNvPr id="76" name="Rectangle 75"/>
+          <p:cNvSpPr/>
+          <p:nvPr/>
+        </p:nvSpPr>
+        <p:spPr>
+          <a:xfrm>
+            <a:off x="6062498" y="2812838"/>
+            <a:ext cx="821516" cy="611145"/>
+          </a:xfrm>
+          <a:prstGeom prst="rect">
+            <a:avLst/>
+          </a:prstGeom>
+          <a:solidFill>
+            <a:schemeClr val="accent3">
+              <a:lumMod val="75000"/>
+              <a:alpha val="19000"/>
+            </a:schemeClr>
+          </a:solidFill>
+          <a:ln>
+            <a:noFill/>
+          </a:ln>
+        </p:spPr>
+        <p:style>
+          <a:lnRef idx="2">
+            <a:schemeClr val="accent3">
+              <a:shade val="50000"/>
+            </a:schemeClr>
+          </a:lnRef>
+          <a:fillRef idx="1">
+            <a:schemeClr val="accent3"/>
+          </a:fillRef>
+          <a:effectRef idx="0">
+            <a:schemeClr val="accent3"/>
+          </a:effectRef>
+          <a:fontRef idx="minor">
+            <a:schemeClr val="lt1"/>
+          </a:fontRef>
+        </p:style>
+        <p:txBody>
+          <a:bodyPr rtlCol="0" anchor="ctr"/>
+          <a:lstStyle/>
+          <a:p>
+            <a:pPr algn="ctr"/>
+            <a:endParaRPr lang="en-US"/>
+          </a:p>
+        </p:txBody>
+      </p:sp>
+      <p:cxnSp>
+        <p:nvCxnSpPr>
+          <p:cNvPr id="77" name="Straight Connector 76"/>
+          <p:cNvCxnSpPr/>
+          <p:nvPr/>
+        </p:nvCxnSpPr>
+        <p:spPr>
+          <a:xfrm flipH="1">
+            <a:off x="1883940" y="2331070"/>
+            <a:ext cx="4887" cy="864644"/>
+          </a:xfrm>
+          <a:prstGeom prst="line">
+            <a:avLst/>
+          </a:prstGeom>
+          <a:ln/>
+        </p:spPr>
+        <p:style>
+          <a:lnRef idx="1">
+            <a:schemeClr val="accent3"/>
+          </a:lnRef>
+          <a:fillRef idx="0">
+            <a:schemeClr val="accent3"/>
+          </a:fillRef>
+          <a:effectRef idx="0">
+            <a:schemeClr val="accent3"/>
+          </a:effectRef>
+          <a:fontRef idx="minor">
+            <a:schemeClr val="tx1"/>
+          </a:fontRef>
+        </p:style>
+      </p:cxnSp>
+      <p:cxnSp>
+        <p:nvCxnSpPr>
+          <p:cNvPr id="81" name="Straight Connector 80"/>
+          <p:cNvCxnSpPr>
+            <a:endCxn id="67" idx="0"/>
+          </p:cNvCxnSpPr>
+          <p:nvPr/>
+        </p:nvCxnSpPr>
+        <p:spPr>
+          <a:xfrm flipH="1">
+            <a:off x="6060197" y="2824292"/>
+            <a:ext cx="2301" cy="611145"/>
+          </a:xfrm>
+          <a:prstGeom prst="line">
+            <a:avLst/>
+          </a:prstGeom>
+          <a:ln/>
+        </p:spPr>
+        <p:style>
+          <a:lnRef idx="1">
+            <a:schemeClr val="accent3"/>
+          </a:lnRef>
+          <a:fillRef idx="0">
+            <a:schemeClr val="accent3"/>
+          </a:fillRef>
+          <a:effectRef idx="0">
+            <a:schemeClr val="accent3"/>
+          </a:effectRef>
+          <a:fontRef idx="minor">
+            <a:schemeClr val="tx1"/>
+          </a:fontRef>
+        </p:style>
+      </p:cxnSp>
+      <p:cxnSp>
+        <p:nvCxnSpPr>
+          <p:cNvPr id="84" name="Straight Connector 83"/>
+          <p:cNvCxnSpPr/>
+          <p:nvPr/>
+        </p:nvCxnSpPr>
+        <p:spPr>
+          <a:xfrm>
+            <a:off x="1875172" y="2331070"/>
+            <a:ext cx="841968" cy="0"/>
+          </a:xfrm>
+          <a:prstGeom prst="line">
+            <a:avLst/>
+          </a:prstGeom>
+          <a:ln/>
+        </p:spPr>
+        <p:style>
+          <a:lnRef idx="1">
+            <a:schemeClr val="accent3"/>
+          </a:lnRef>
+          <a:fillRef idx="0">
+            <a:schemeClr val="accent3"/>
+          </a:fillRef>
+          <a:effectRef idx="0">
+            <a:schemeClr val="accent3"/>
+          </a:effectRef>
+          <a:fontRef idx="minor">
+            <a:schemeClr val="tx1"/>
+          </a:fontRef>
+        </p:style>
+      </p:cxnSp>
+      <p:cxnSp>
+        <p:nvCxnSpPr>
+          <p:cNvPr id="87" name="Straight Connector 86"/>
+          <p:cNvCxnSpPr/>
+          <p:nvPr/>
+        </p:nvCxnSpPr>
+        <p:spPr>
+          <a:xfrm>
+            <a:off x="6055701" y="2812838"/>
+            <a:ext cx="841968" cy="0"/>
+          </a:xfrm>
+          <a:prstGeom prst="line">
+            <a:avLst/>
+          </a:prstGeom>
+          <a:ln/>
+        </p:spPr>
+        <p:style>
+          <a:lnRef idx="1">
+            <a:schemeClr val="accent3"/>
+          </a:lnRef>
+          <a:fillRef idx="0">
+            <a:schemeClr val="accent3"/>
+          </a:fillRef>
+          <a:effectRef idx="0">
+            <a:schemeClr val="accent3"/>
+          </a:effectRef>
+          <a:fontRef idx="minor">
+            <a:schemeClr val="tx1"/>
+          </a:fontRef>
+        </p:style>
+      </p:cxnSp>
+      <p:grpSp>
+        <p:nvGrpSpPr>
+          <p:cNvPr id="92" name="Group 91"/>
+          <p:cNvGrpSpPr/>
+          <p:nvPr/>
+        </p:nvGrpSpPr>
+        <p:grpSpPr>
+          <a:xfrm>
+            <a:off x="6069491" y="466126"/>
+            <a:ext cx="1365255" cy="321432"/>
+            <a:chOff x="6646966" y="814062"/>
+            <a:chExt cx="1365255" cy="321432"/>
+          </a:xfrm>
+        </p:grpSpPr>
+        <p:sp>
+          <p:nvSpPr>
+            <p:cNvPr id="93" name="Rectangle 92"/>
+            <p:cNvSpPr/>
+            <p:nvPr/>
+          </p:nvSpPr>
+          <p:spPr>
+            <a:xfrm>
+              <a:off x="6646966" y="819273"/>
+              <a:ext cx="821516" cy="316221"/>
+            </a:xfrm>
+            <a:prstGeom prst="rect">
+              <a:avLst/>
+            </a:prstGeom>
+            <a:solidFill>
+              <a:srgbClr val="1772AD">
+                <a:alpha val="22000"/>
+              </a:srgbClr>
+            </a:solidFill>
+            <a:ln>
+              <a:noFill/>
+            </a:ln>
+          </p:spPr>
+          <p:style>
+            <a:lnRef idx="2">
+              <a:schemeClr val="accent1">
+                <a:shade val="50000"/>
+              </a:schemeClr>
+            </a:lnRef>
+            <a:fillRef idx="1">
+              <a:schemeClr val="accent1"/>
+            </a:fillRef>
+            <a:effectRef idx="0">
+              <a:schemeClr val="accent1"/>
+            </a:effectRef>
+            <a:fontRef idx="minor">
+              <a:schemeClr val="lt1"/>
+            </a:fontRef>
+          </p:style>
+          <p:txBody>
+            <a:bodyPr rtlCol="0" anchor="ctr"/>
+            <a:lstStyle/>
+            <a:p>
+              <a:pPr algn="ctr"/>
+              <a:endParaRPr lang="en-US"/>
+            </a:p>
+          </p:txBody>
+        </p:sp>
+        <p:sp>
+          <p:nvSpPr>
+            <p:cNvPr id="94" name="TextBox 93"/>
+            <p:cNvSpPr txBox="1"/>
+            <p:nvPr/>
+          </p:nvSpPr>
+          <p:spPr>
+            <a:xfrm>
+              <a:off x="7468482" y="814062"/>
+              <a:ext cx="543739" cy="307777"/>
+            </a:xfrm>
+            <a:prstGeom prst="rect">
+              <a:avLst/>
+            </a:prstGeom>
+            <a:noFill/>
+          </p:spPr>
+          <p:txBody>
+            <a:bodyPr wrap="none" rtlCol="0">
+              <a:spAutoFit/>
+            </a:bodyPr>
+            <a:lstStyle/>
+            <a:p>
+              <a:r>
+                <a:rPr lang="en-US" sz="1400" b="1" dirty="0" smtClean="0"/>
+                <a:t>FEC</a:t>
+              </a:r>
+              <a:endParaRPr lang="en-US" sz="1400" b="1" dirty="0"/>
+            </a:p>
+          </p:txBody>
+        </p:sp>
+      </p:grpSp>
+      <p:sp>
+        <p:nvSpPr>
+          <p:cNvPr id="95" name="TextBox 94"/>
+          <p:cNvSpPr txBox="1"/>
+          <p:nvPr/>
+        </p:nvSpPr>
+        <p:spPr>
+          <a:xfrm>
+            <a:off x="1196931" y="3474369"/>
+            <a:ext cx="400110" cy="1169726"/>
+          </a:xfrm>
+          <a:prstGeom prst="rect">
+            <a:avLst/>
+          </a:prstGeom>
+          <a:noFill/>
+        </p:spPr>
+        <p:txBody>
+          <a:bodyPr vert="vert270" wrap="none" rtlCol="0">
+            <a:spAutoFit/>
+          </a:bodyPr>
+          <a:lstStyle/>
+          <a:p>
+            <a:r>
+              <a:rPr lang="en-US" sz="1400" dirty="0" smtClean="0">
+                <a:solidFill>
+                  <a:schemeClr val="tx1">
+                    <a:lumMod val="65000"/>
+                    <a:lumOff val="35000"/>
+                  </a:schemeClr>
+                </a:solidFill>
+                <a:latin typeface="Courier"/>
+                <a:cs typeface="Courier"/>
+              </a:rPr>
+              <a:t>STAY state</a:t>
+            </a:r>
+            <a:endParaRPr lang="en-US" sz="1400" dirty="0">
+              <a:solidFill>
+                <a:schemeClr val="tx1">
+                  <a:lumMod val="65000"/>
+                  <a:lumOff val="35000"/>
+                </a:schemeClr>
+              </a:solidFill>
+              <a:latin typeface="Courier"/>
+              <a:cs typeface="Courier"/>
+            </a:endParaRPr>
+          </a:p>
+        </p:txBody>
+      </p:sp>
+      <p:sp>
+        <p:nvSpPr>
+          <p:cNvPr id="96" name="TextBox 95"/>
+          <p:cNvSpPr txBox="1"/>
+          <p:nvPr/>
+        </p:nvSpPr>
+        <p:spPr>
+          <a:xfrm>
+            <a:off x="2086722" y="3407594"/>
+            <a:ext cx="400110" cy="1277466"/>
+          </a:xfrm>
+          <a:prstGeom prst="rect">
+            <a:avLst/>
+          </a:prstGeom>
+          <a:noFill/>
+        </p:spPr>
+        <p:txBody>
+          <a:bodyPr vert="vert270" wrap="none" rtlCol="0">
+            <a:spAutoFit/>
+          </a:bodyPr>
+          <a:lstStyle/>
+          <a:p>
+            <a:r>
+              <a:rPr lang="en-US" sz="1400" dirty="0" smtClean="0">
+                <a:solidFill>
+                  <a:schemeClr val="tx1">
+                    <a:lumMod val="65000"/>
+                    <a:lumOff val="35000"/>
+                  </a:schemeClr>
+                </a:solidFill>
+                <a:latin typeface="Courier"/>
+                <a:cs typeface="Courier"/>
+              </a:rPr>
+              <a:t>PROBE state</a:t>
+            </a:r>
+            <a:endParaRPr lang="en-US" sz="1400" dirty="0">
+              <a:solidFill>
+                <a:schemeClr val="tx1">
+                  <a:lumMod val="65000"/>
+                  <a:lumOff val="35000"/>
+                </a:schemeClr>
+              </a:solidFill>
+              <a:latin typeface="Courier"/>
+              <a:cs typeface="Courier"/>
+            </a:endParaRPr>
+          </a:p>
+        </p:txBody>
+      </p:sp>
+      <p:sp>
+        <p:nvSpPr>
+          <p:cNvPr id="97" name="TextBox 96"/>
+          <p:cNvSpPr txBox="1"/>
+          <p:nvPr/>
+        </p:nvSpPr>
+        <p:spPr>
+          <a:xfrm>
+            <a:off x="3779993" y="3135204"/>
+            <a:ext cx="400110" cy="1169726"/>
+          </a:xfrm>
+          <a:prstGeom prst="rect">
+            <a:avLst/>
+          </a:prstGeom>
+          <a:noFill/>
+        </p:spPr>
+        <p:txBody>
+          <a:bodyPr vert="vert270" wrap="none" rtlCol="0">
+            <a:spAutoFit/>
+          </a:bodyPr>
+          <a:lstStyle/>
+          <a:p>
+            <a:r>
+              <a:rPr lang="en-US" sz="1400" dirty="0" smtClean="0">
+                <a:solidFill>
+                  <a:schemeClr val="tx1">
+                    <a:lumMod val="65000"/>
+                    <a:lumOff val="35000"/>
+                  </a:schemeClr>
+                </a:solidFill>
+                <a:latin typeface="Courier"/>
+                <a:cs typeface="Courier"/>
+              </a:rPr>
+              <a:t>STAY state</a:t>
+            </a:r>
+            <a:endParaRPr lang="en-US" sz="1400" dirty="0">
+              <a:solidFill>
+                <a:schemeClr val="tx1">
+                  <a:lumMod val="65000"/>
+                  <a:lumOff val="35000"/>
+                </a:schemeClr>
+              </a:solidFill>
+              <a:latin typeface="Courier"/>
+              <a:cs typeface="Courier"/>
+            </a:endParaRPr>
+          </a:p>
+        </p:txBody>
+      </p:sp>
+      <p:sp>
+        <p:nvSpPr>
+          <p:cNvPr id="98" name="TextBox 97"/>
+          <p:cNvSpPr txBox="1"/>
+          <p:nvPr/>
+        </p:nvSpPr>
+        <p:spPr>
+          <a:xfrm>
+            <a:off x="5445953" y="3599425"/>
+            <a:ext cx="400110" cy="1169726"/>
+          </a:xfrm>
+          <a:prstGeom prst="rect">
+            <a:avLst/>
+          </a:prstGeom>
+          <a:noFill/>
+        </p:spPr>
+        <p:txBody>
+          <a:bodyPr vert="vert270" wrap="none" rtlCol="0">
+            <a:spAutoFit/>
+          </a:bodyPr>
+          <a:lstStyle/>
+          <a:p>
+            <a:r>
+              <a:rPr lang="en-US" sz="1400" dirty="0" smtClean="0">
+                <a:solidFill>
+                  <a:schemeClr val="tx1">
+                    <a:lumMod val="65000"/>
+                    <a:lumOff val="35000"/>
+                  </a:schemeClr>
+                </a:solidFill>
+                <a:latin typeface="Courier"/>
+                <a:cs typeface="Courier"/>
+              </a:rPr>
+              <a:t>STAY state</a:t>
+            </a:r>
+            <a:endParaRPr lang="en-US" sz="1400" dirty="0">
+              <a:solidFill>
+                <a:schemeClr val="tx1">
+                  <a:lumMod val="65000"/>
+                  <a:lumOff val="35000"/>
+                </a:schemeClr>
+              </a:solidFill>
+              <a:latin typeface="Courier"/>
+              <a:cs typeface="Courier"/>
+            </a:endParaRPr>
+          </a:p>
+        </p:txBody>
+      </p:sp>
+      <p:sp>
+        <p:nvSpPr>
+          <p:cNvPr id="99" name="TextBox 98"/>
+          <p:cNvSpPr txBox="1"/>
+          <p:nvPr/>
+        </p:nvSpPr>
+        <p:spPr>
+          <a:xfrm>
+            <a:off x="7100874" y="3412803"/>
+            <a:ext cx="400110" cy="954248"/>
+          </a:xfrm>
+          <a:prstGeom prst="rect">
+            <a:avLst/>
+          </a:prstGeom>
+          <a:noFill/>
+        </p:spPr>
+        <p:txBody>
+          <a:bodyPr vert="vert270" wrap="none" rtlCol="0">
+            <a:spAutoFit/>
+          </a:bodyPr>
+          <a:lstStyle/>
+          <a:p>
+            <a:r>
+              <a:rPr lang="en-US" sz="1400" dirty="0" smtClean="0">
+                <a:solidFill>
+                  <a:schemeClr val="tx1">
+                    <a:lumMod val="65000"/>
+                    <a:lumOff val="35000"/>
+                  </a:schemeClr>
+                </a:solidFill>
+                <a:latin typeface="Courier"/>
+                <a:cs typeface="Courier"/>
+              </a:rPr>
+              <a:t>UP state</a:t>
+            </a:r>
+            <a:endParaRPr lang="en-US" sz="1400" dirty="0">
+              <a:solidFill>
+                <a:schemeClr val="tx1">
+                  <a:lumMod val="65000"/>
+                  <a:lumOff val="35000"/>
+                </a:schemeClr>
+              </a:solidFill>
+              <a:latin typeface="Courier"/>
+              <a:cs typeface="Courier"/>
+            </a:endParaRPr>
+          </a:p>
+        </p:txBody>
+      </p:sp>
+      <p:sp>
+        <p:nvSpPr>
+          <p:cNvPr id="100" name="TextBox 99"/>
+          <p:cNvSpPr txBox="1"/>
+          <p:nvPr/>
+        </p:nvSpPr>
+        <p:spPr>
+          <a:xfrm>
+            <a:off x="2957510" y="3261705"/>
+            <a:ext cx="400110" cy="954248"/>
+          </a:xfrm>
+          <a:prstGeom prst="rect">
+            <a:avLst/>
+          </a:prstGeom>
+          <a:noFill/>
+        </p:spPr>
+        <p:txBody>
+          <a:bodyPr vert="vert270" wrap="none" rtlCol="0">
+            <a:spAutoFit/>
+          </a:bodyPr>
+          <a:lstStyle/>
+          <a:p>
+            <a:r>
+              <a:rPr lang="en-US" sz="1400" dirty="0" smtClean="0">
+                <a:solidFill>
+                  <a:schemeClr val="tx1">
+                    <a:lumMod val="65000"/>
+                    <a:lumOff val="35000"/>
+                  </a:schemeClr>
+                </a:solidFill>
+                <a:latin typeface="Courier"/>
+                <a:cs typeface="Courier"/>
+              </a:rPr>
+              <a:t>UP state</a:t>
+            </a:r>
+            <a:endParaRPr lang="en-US" sz="1400" dirty="0">
+              <a:solidFill>
+                <a:schemeClr val="tx1">
+                  <a:lumMod val="65000"/>
+                  <a:lumOff val="35000"/>
+                </a:schemeClr>
+              </a:solidFill>
+              <a:latin typeface="Courier"/>
+              <a:cs typeface="Courier"/>
+            </a:endParaRPr>
+          </a:p>
+        </p:txBody>
+      </p:sp>
+      <p:sp>
+        <p:nvSpPr>
+          <p:cNvPr id="101" name="TextBox 100"/>
+          <p:cNvSpPr txBox="1"/>
+          <p:nvPr/>
+        </p:nvSpPr>
+        <p:spPr>
+          <a:xfrm>
+            <a:off x="4612972" y="3599425"/>
+            <a:ext cx="400110" cy="1169726"/>
+          </a:xfrm>
+          <a:prstGeom prst="rect">
+            <a:avLst/>
+          </a:prstGeom>
+          <a:noFill/>
+        </p:spPr>
+        <p:txBody>
+          <a:bodyPr vert="vert270" wrap="none" rtlCol="0">
+            <a:spAutoFit/>
+          </a:bodyPr>
+          <a:lstStyle/>
+          <a:p>
+            <a:r>
+              <a:rPr lang="en-US" sz="1400" dirty="0" smtClean="0">
+                <a:solidFill>
+                  <a:schemeClr val="tx1">
+                    <a:lumMod val="65000"/>
+                    <a:lumOff val="35000"/>
+                  </a:schemeClr>
+                </a:solidFill>
+                <a:latin typeface="Courier"/>
+                <a:cs typeface="Courier"/>
+              </a:rPr>
+              <a:t>DOWN state</a:t>
+            </a:r>
+            <a:endParaRPr lang="en-US" sz="1400" dirty="0">
+              <a:solidFill>
+                <a:schemeClr val="tx1">
+                  <a:lumMod val="65000"/>
+                  <a:lumOff val="35000"/>
+                </a:schemeClr>
+              </a:solidFill>
+              <a:latin typeface="Courier"/>
+              <a:cs typeface="Courier"/>
+            </a:endParaRPr>
+          </a:p>
+        </p:txBody>
+      </p:sp>
+      <p:sp>
+        <p:nvSpPr>
+          <p:cNvPr id="102" name="TextBox 101"/>
+          <p:cNvSpPr txBox="1"/>
+          <p:nvPr/>
+        </p:nvSpPr>
+        <p:spPr>
+          <a:xfrm>
+            <a:off x="6281122" y="3539797"/>
+            <a:ext cx="400110" cy="1277466"/>
+          </a:xfrm>
+          <a:prstGeom prst="rect">
+            <a:avLst/>
+          </a:prstGeom>
+          <a:noFill/>
+        </p:spPr>
+        <p:txBody>
+          <a:bodyPr vert="vert270" wrap="none" rtlCol="0">
+            <a:spAutoFit/>
+          </a:bodyPr>
+          <a:lstStyle/>
+          <a:p>
+            <a:r>
+              <a:rPr lang="en-US" sz="1400" dirty="0" smtClean="0">
+                <a:solidFill>
+                  <a:schemeClr val="tx1">
+                    <a:lumMod val="65000"/>
+                    <a:lumOff val="35000"/>
+                  </a:schemeClr>
+                </a:solidFill>
+                <a:latin typeface="Courier"/>
+                <a:cs typeface="Courier"/>
+              </a:rPr>
+              <a:t>PROBE state</a:t>
+            </a:r>
+            <a:endParaRPr lang="en-US" sz="1400" dirty="0">
+              <a:solidFill>
+                <a:schemeClr val="tx1">
+                  <a:lumMod val="65000"/>
+                  <a:lumOff val="35000"/>
+                </a:schemeClr>
+              </a:solidFill>
+              <a:latin typeface="Courier"/>
+              <a:cs typeface="Courier"/>
+            </a:endParaRPr>
+          </a:p>
+        </p:txBody>
+      </p:sp>
+      <p:cxnSp>
+        <p:nvCxnSpPr>
+          <p:cNvPr id="5" name="Straight Arrow Connector 4"/>
+          <p:cNvCxnSpPr>
+            <a:stCxn id="11" idx="0"/>
+          </p:cNvCxnSpPr>
+          <p:nvPr/>
+        </p:nvCxnSpPr>
+        <p:spPr>
+          <a:xfrm flipV="1">
+            <a:off x="1888827" y="4997533"/>
+            <a:ext cx="0" cy="445515"/>
+          </a:xfrm>
+          <a:prstGeom prst="straightConnector1">
+            <a:avLst/>
+          </a:prstGeom>
+          <a:ln>
+            <a:solidFill>
+              <a:schemeClr val="tx1">
+                <a:lumMod val="50000"/>
+                <a:lumOff val="50000"/>
+              </a:schemeClr>
+            </a:solidFill>
+            <a:tailEnd type="arrow"/>
+          </a:ln>
+        </p:spPr>
+        <p:style>
+          <a:lnRef idx="1">
+            <a:schemeClr val="dk1"/>
+          </a:lnRef>
+          <a:fillRef idx="0">
+            <a:schemeClr val="dk1"/>
+          </a:fillRef>
+          <a:effectRef idx="0">
+            <a:schemeClr val="dk1"/>
+          </a:effectRef>
+          <a:fontRef idx="minor">
+            <a:schemeClr val="tx1"/>
+          </a:fontRef>
+        </p:style>
+      </p:cxnSp>
+      <p:sp>
+        <p:nvSpPr>
+          <p:cNvPr id="11" name="TextBox 10"/>
+          <p:cNvSpPr txBox="1"/>
+          <p:nvPr/>
+        </p:nvSpPr>
+        <p:spPr>
+          <a:xfrm>
+            <a:off x="1155293" y="5443048"/>
+            <a:ext cx="1467068" cy="307777"/>
+          </a:xfrm>
+          <a:prstGeom prst="rect">
+            <a:avLst/>
+          </a:prstGeom>
+          <a:noFill/>
+        </p:spPr>
+        <p:txBody>
+          <a:bodyPr wrap="none" rtlCol="0">
+            <a:spAutoFit/>
+          </a:bodyPr>
+          <a:lstStyle/>
+          <a:p>
+            <a:r>
+              <a:rPr lang="en-US" sz="1400" b="1" dirty="0" smtClean="0">
                 <a:latin typeface="+mj-lt"/>
               </a:rPr>
-              <a:t>SCTP</a:t>
-            </a:r>
-            <a:endParaRPr lang="en-US" sz="1400" dirty="0">
-              <a:latin typeface="+mj-lt"/>
-            </a:endParaRPr>
-          </a:p>
-        </p:txBody>
-      </p:sp>
-      <p:sp>
-        <p:nvSpPr>
-          <p:cNvPr id="26" name="Rectangle 25"/>
+              <a:t>(A) </a:t>
+            </a:r>
+            <a:r>
+              <a:rPr lang="en-US" sz="1400" b="1" dirty="0" smtClean="0"/>
+              <a:t>Adding FEC</a:t>
+            </a:r>
+            <a:endParaRPr lang="en-US" sz="1400" b="1" dirty="0"/>
+          </a:p>
+        </p:txBody>
+      </p:sp>
+      <p:cxnSp>
+        <p:nvCxnSpPr>
+          <p:cNvPr id="14" name="Straight Arrow Connector 13"/>
+          <p:cNvCxnSpPr/>
+          <p:nvPr/>
+        </p:nvCxnSpPr>
+        <p:spPr>
+          <a:xfrm>
+            <a:off x="2310034" y="2949388"/>
+            <a:ext cx="841522" cy="0"/>
+          </a:xfrm>
+          <a:prstGeom prst="straightConnector1">
+            <a:avLst/>
+          </a:prstGeom>
+          <a:ln>
+            <a:headEnd type="arrow"/>
+            <a:tailEnd type="arrow"/>
+          </a:ln>
+        </p:spPr>
+        <p:style>
+          <a:lnRef idx="1">
+            <a:schemeClr val="dk1"/>
+          </a:lnRef>
+          <a:fillRef idx="0">
+            <a:schemeClr val="dk1"/>
+          </a:fillRef>
+          <a:effectRef idx="0">
+            <a:schemeClr val="dk1"/>
+          </a:effectRef>
+          <a:fontRef idx="minor">
+            <a:schemeClr val="tx1"/>
+          </a:fontRef>
+        </p:style>
+      </p:cxnSp>
+      <p:sp>
+        <p:nvSpPr>
+          <p:cNvPr id="16" name="TextBox 15"/>
+          <p:cNvSpPr txBox="1"/>
+          <p:nvPr/>
+        </p:nvSpPr>
+        <p:spPr>
+          <a:xfrm>
+            <a:off x="1963827" y="2399345"/>
+            <a:ext cx="1543069" cy="523220"/>
+          </a:xfrm>
+          <a:prstGeom prst="rect">
+            <a:avLst/>
+          </a:prstGeom>
+          <a:noFill/>
+        </p:spPr>
+        <p:txBody>
+          <a:bodyPr wrap="square" rtlCol="0">
+            <a:spAutoFit/>
+          </a:bodyPr>
+          <a:lstStyle/>
+          <a:p>
+            <a:pPr algn="just"/>
+            <a:r>
+              <a:rPr lang="en-US" sz="1400" b="1" i="1" dirty="0" smtClean="0">
+                <a:latin typeface="+mj-lt"/>
+              </a:rPr>
+              <a:t>(B)</a:t>
+            </a:r>
+            <a:r>
+              <a:rPr lang="en-US" sz="1400" b="1" i="1" dirty="0" smtClean="0"/>
+              <a:t> Swapping FEC with media</a:t>
+            </a:r>
+            <a:endParaRPr lang="en-US" sz="1400" b="1" i="1" dirty="0"/>
+          </a:p>
+        </p:txBody>
+      </p:sp>
+      <p:cxnSp>
+        <p:nvCxnSpPr>
+          <p:cNvPr id="69" name="Straight Connector 68"/>
+          <p:cNvCxnSpPr/>
+          <p:nvPr/>
+        </p:nvCxnSpPr>
+        <p:spPr>
+          <a:xfrm>
+            <a:off x="6897669" y="2808370"/>
+            <a:ext cx="0" cy="250258"/>
+          </a:xfrm>
+          <a:prstGeom prst="line">
+            <a:avLst/>
+          </a:prstGeom>
+          <a:ln/>
+        </p:spPr>
+        <p:style>
+          <a:lnRef idx="1">
+            <a:schemeClr val="accent3"/>
+          </a:lnRef>
+          <a:fillRef idx="0">
+            <a:schemeClr val="accent3"/>
+          </a:fillRef>
+          <a:effectRef idx="0">
+            <a:schemeClr val="accent3"/>
+          </a:effectRef>
+          <a:fontRef idx="minor">
+            <a:schemeClr val="tx1"/>
+          </a:fontRef>
+        </p:style>
+      </p:cxnSp>
+      <p:cxnSp>
+        <p:nvCxnSpPr>
+          <p:cNvPr id="70" name="Straight Arrow Connector 69"/>
+          <p:cNvCxnSpPr/>
+          <p:nvPr/>
+        </p:nvCxnSpPr>
+        <p:spPr>
+          <a:xfrm>
+            <a:off x="6474643" y="3112725"/>
+            <a:ext cx="841522" cy="0"/>
+          </a:xfrm>
+          <a:prstGeom prst="straightConnector1">
+            <a:avLst/>
+          </a:prstGeom>
+          <a:ln>
+            <a:headEnd type="arrow"/>
+            <a:tailEnd type="arrow"/>
+          </a:ln>
+        </p:spPr>
+        <p:style>
+          <a:lnRef idx="1">
+            <a:schemeClr val="dk1"/>
+          </a:lnRef>
+          <a:fillRef idx="0">
+            <a:schemeClr val="dk1"/>
+          </a:fillRef>
+          <a:effectRef idx="0">
+            <a:schemeClr val="dk1"/>
+          </a:effectRef>
+          <a:fontRef idx="minor">
+            <a:schemeClr val="tx1"/>
+          </a:fontRef>
+        </p:style>
+      </p:cxnSp>
+      <p:sp>
+        <p:nvSpPr>
+          <p:cNvPr id="75" name="TextBox 74"/>
+          <p:cNvSpPr txBox="1"/>
+          <p:nvPr/>
+        </p:nvSpPr>
+        <p:spPr>
+          <a:xfrm>
+            <a:off x="6547942" y="2535408"/>
+            <a:ext cx="2085912" cy="523220"/>
+          </a:xfrm>
+          <a:prstGeom prst="rect">
+            <a:avLst/>
+          </a:prstGeom>
+          <a:noFill/>
+        </p:spPr>
+        <p:txBody>
+          <a:bodyPr wrap="square" rtlCol="0">
+            <a:spAutoFit/>
+          </a:bodyPr>
+          <a:lstStyle/>
+          <a:p>
+            <a:pPr algn="just"/>
+            <a:r>
+              <a:rPr lang="en-US" sz="1400" b="1" i="1" dirty="0" smtClean="0">
+                <a:latin typeface="+mj-lt"/>
+              </a:rPr>
+              <a:t>(C)</a:t>
+            </a:r>
+            <a:r>
+              <a:rPr lang="en-US" sz="1400" b="1" i="1" dirty="0" smtClean="0"/>
+              <a:t> Partially swapping FEC with media</a:t>
+            </a:r>
+            <a:endParaRPr lang="en-US" sz="1400" b="1" i="1" dirty="0"/>
+          </a:p>
+        </p:txBody>
+      </p:sp>
+      <p:sp>
+        <p:nvSpPr>
+          <p:cNvPr id="78" name="Rectangle 77"/>
           <p:cNvSpPr/>
           <p:nvPr/>
         </p:nvSpPr>
         <p:spPr>
           <a:xfrm>
-            <a:off x="5544106" y="1597583"/>
-            <a:ext cx="764693" cy="955815"/>
+            <a:off x="6885563" y="3057377"/>
+            <a:ext cx="846771" cy="377527"/>
           </a:xfrm>
           <a:prstGeom prst="rect">
             <a:avLst/>
           </a:prstGeom>
+          <a:solidFill>
+            <a:srgbClr val="FF0000">
+              <a:alpha val="22000"/>
+            </a:srgbClr>
+          </a:solidFill>
+          <a:ln>
+            <a:noFill/>
+          </a:ln>
         </p:spPr>
         <p:style>
           <a:lnRef idx="2">
-            <a:schemeClr val="dk1"/>
+            <a:schemeClr val="accent1">
+              <a:shade val="50000"/>
+            </a:schemeClr>
           </a:lnRef>
           <a:fillRef idx="1">
-            <a:schemeClr val="lt1"/>
+            <a:schemeClr val="accent1"/>
           </a:fillRef>
           <a:effectRef idx="0">
-            <a:schemeClr val="dk1"/>
+            <a:schemeClr val="accent1"/>
           </a:effectRef>
           <a:fontRef idx="minor">
-            <a:schemeClr val="dk1"/>
+            <a:schemeClr val="lt1"/>
           </a:fontRef>
         </p:style>
         <p:txBody>
-          <a:bodyPr vert="vert270" rtlCol="0" anchor="ctr"/>
+          <a:bodyPr rtlCol="0" anchor="ctr"/>
           <a:lstStyle/>
           <a:p>
             <a:pPr algn="ctr"/>
-            <a:r>
-              <a:rPr lang="en-US" sz="1600" dirty="0" smtClean="0">
-                <a:latin typeface="+mj-lt"/>
-              </a:rPr>
-              <a:t>Data</a:t>
-            </a:r>
-          </a:p>
-          <a:p>
-            <a:pPr algn="ctr"/>
-            <a:r>
-              <a:rPr lang="en-US" sz="1600" dirty="0" smtClean="0">
-                <a:latin typeface="+mj-lt"/>
-              </a:rPr>
-              <a:t>Channel</a:t>
-            </a:r>
-            <a:endParaRPr lang="en-US" sz="1400" dirty="0">
-              <a:latin typeface="+mj-lt"/>
-            </a:endParaRPr>
-          </a:p>
-        </p:txBody>
-      </p:sp>
-      <p:sp>
-        <p:nvSpPr>
-          <p:cNvPr id="27" name="Rectangle 26"/>
-          <p:cNvSpPr/>
-          <p:nvPr/>
-        </p:nvSpPr>
-        <p:spPr>
-          <a:xfrm>
-            <a:off x="2075630" y="766213"/>
-            <a:ext cx="6964246" cy="831370"/>
-          </a:xfrm>
-          <a:prstGeom prst="rect">
-            <a:avLst/>
-          </a:prstGeom>
+            <a:endParaRPr lang="en-US"/>
+          </a:p>
+        </p:txBody>
+      </p:sp>
+      <p:cxnSp>
+        <p:nvCxnSpPr>
+          <p:cNvPr id="79" name="Straight Connector 78"/>
+          <p:cNvCxnSpPr/>
+          <p:nvPr/>
+        </p:nvCxnSpPr>
+        <p:spPr>
+          <a:xfrm>
+            <a:off x="6884014" y="3043722"/>
+            <a:ext cx="0" cy="381920"/>
+          </a:xfrm>
+          <a:prstGeom prst="line">
+            <a:avLst/>
+          </a:prstGeom>
+          <a:ln>
+            <a:solidFill>
+              <a:srgbClr val="FF0000"/>
+            </a:solidFill>
+          </a:ln>
         </p:spPr>
         <p:style>
-          <a:lnRef idx="2">
+          <a:lnRef idx="1">
             <a:schemeClr val="dk1"/>
           </a:lnRef>
-          <a:fillRef idx="1">
-            <a:schemeClr val="lt1"/>
+          <a:fillRef idx="0">
+            <a:schemeClr val="dk1"/>
           </a:fillRef>
           <a:effectRef idx="0">
             <a:schemeClr val="dk1"/>
           </a:effectRef>
           <a:fontRef idx="minor">
-            <a:schemeClr val="dk1"/>
+            <a:schemeClr val="tx1"/>
           </a:fontRef>
         </p:style>
-        <p:txBody>
-          <a:bodyPr rtlCol="0" anchor="ctr"/>
-          <a:lstStyle/>
-          <a:p>
-            <a:pPr algn="ctr"/>
-            <a:r>
-              <a:rPr lang="en-US" sz="1600" dirty="0" err="1" smtClean="0"/>
-              <a:t>WebRTC</a:t>
-            </a:r>
-            <a:r>
-              <a:rPr lang="en-US" sz="1600" dirty="0" smtClean="0"/>
-              <a:t> Application</a:t>
-            </a:r>
-            <a:endParaRPr lang="en-US" sz="1600" dirty="0">
-              <a:latin typeface="+mj-lt"/>
-            </a:endParaRPr>
+      </p:cxnSp>
+      <p:cxnSp>
+        <p:nvCxnSpPr>
+          <p:cNvPr id="80" name="Straight Connector 79"/>
+          <p:cNvCxnSpPr/>
+          <p:nvPr/>
+        </p:nvCxnSpPr>
+        <p:spPr>
+          <a:xfrm>
+            <a:off x="6884014" y="3057377"/>
+            <a:ext cx="848829" cy="1251"/>
+          </a:xfrm>
+          <a:prstGeom prst="line">
+            <a:avLst/>
+          </a:prstGeom>
+          <a:ln>
+            <a:solidFill>
+              <a:srgbClr val="FF0000"/>
+            </a:solidFill>
+          </a:ln>
+        </p:spPr>
+        <p:style>
+          <a:lnRef idx="1">
+            <a:schemeClr val="dk1"/>
+          </a:lnRef>
+          <a:fillRef idx="0">
+            <a:schemeClr val="dk1"/>
+          </a:fillRef>
+          <a:effectRef idx="0">
+            <a:schemeClr val="dk1"/>
+          </a:effectRef>
+          <a:fontRef idx="minor">
+            <a:schemeClr val="tx1"/>
+          </a:fontRef>
+        </p:style>
+      </p:cxnSp>
+      <p:sp>
+        <p:nvSpPr>
+          <p:cNvPr id="2" name="TextBox 1"/>
+          <p:cNvSpPr txBox="1"/>
+          <p:nvPr/>
+        </p:nvSpPr>
+        <p:spPr>
+          <a:xfrm>
+            <a:off x="1845672" y="1140705"/>
+            <a:ext cx="1040830" cy="523220"/>
+          </a:xfrm>
+          <a:prstGeom prst="rect">
+            <a:avLst/>
+          </a:prstGeom>
+          <a:noFill/>
+        </p:spPr>
+        <p:txBody>
+          <a:bodyPr wrap="square" rtlCol="0">
+            <a:spAutoFit/>
+          </a:bodyPr>
+          <a:lstStyle/>
+          <a:p>
+            <a:r>
+              <a:rPr lang="en-US" sz="1400" dirty="0" smtClean="0"/>
+              <a:t>Available Capacity</a:t>
+            </a:r>
+            <a:endParaRPr lang="en-US" sz="1400" dirty="0"/>
           </a:p>
         </p:txBody>
       </p:sp>
     </p:spTree>
     <p:extLst>
       <p:ext uri="{BB962C8B-B14F-4D97-AF65-F5344CB8AC3E}">
-        <p14:creationId xmlns:p14="http://schemas.microsoft.com/office/powerpoint/2010/main" val="3585768518"/>
+        <p14:creationId xmlns:p14="http://schemas.microsoft.com/office/powerpoint/2010/main" val="3929904410"/>
       </p:ext>
     </p:extLst>
   </p:cSld>
@@ -6490,6 +8043,1032 @@
       </p:grpSpPr>
       <p:sp>
         <p:nvSpPr>
+          <p:cNvPr id="2" name="Rectangle 1"/>
+          <p:cNvSpPr/>
+          <p:nvPr/>
+        </p:nvSpPr>
+        <p:spPr>
+          <a:xfrm>
+            <a:off x="139556" y="5052177"/>
+            <a:ext cx="8900321" cy="831370"/>
+          </a:xfrm>
+          <a:prstGeom prst="rect">
+            <a:avLst/>
+          </a:prstGeom>
+        </p:spPr>
+        <p:style>
+          <a:lnRef idx="2">
+            <a:schemeClr val="dk1"/>
+          </a:lnRef>
+          <a:fillRef idx="1">
+            <a:schemeClr val="lt1"/>
+          </a:fillRef>
+          <a:effectRef idx="0">
+            <a:schemeClr val="dk1"/>
+          </a:effectRef>
+          <a:fontRef idx="minor">
+            <a:schemeClr val="dk1"/>
+          </a:fontRef>
+        </p:style>
+        <p:txBody>
+          <a:bodyPr rtlCol="0" anchor="ctr"/>
+          <a:lstStyle/>
+          <a:p>
+            <a:pPr lvl="0" algn="ctr"/>
+            <a:r>
+              <a:rPr lang="en-US" dirty="0">
+                <a:solidFill>
+                  <a:prstClr val="black"/>
+                </a:solidFill>
+              </a:rPr>
+              <a:t>Internet Protocol </a:t>
+            </a:r>
+            <a:r>
+              <a:rPr lang="en-US" dirty="0">
+                <a:solidFill>
+                  <a:prstClr val="black"/>
+                </a:solidFill>
+                <a:latin typeface="Nexa Bold"/>
+              </a:rPr>
+              <a:t>(IP</a:t>
+            </a:r>
+            <a:r>
+              <a:rPr lang="en-US" dirty="0" smtClean="0">
+                <a:solidFill>
+                  <a:prstClr val="black"/>
+                </a:solidFill>
+                <a:latin typeface="Nexa Bold"/>
+              </a:rPr>
+              <a:t>)</a:t>
+            </a:r>
+            <a:endParaRPr lang="en-US" sz="1600" dirty="0">
+              <a:solidFill>
+                <a:prstClr val="black"/>
+              </a:solidFill>
+              <a:latin typeface="Nexa Bold"/>
+            </a:endParaRPr>
+          </a:p>
+        </p:txBody>
+      </p:sp>
+      <p:sp>
+        <p:nvSpPr>
+          <p:cNvPr id="3" name="Rectangle 2"/>
+          <p:cNvSpPr/>
+          <p:nvPr/>
+        </p:nvSpPr>
+        <p:spPr>
+          <a:xfrm>
+            <a:off x="139555" y="4220807"/>
+            <a:ext cx="6660835" cy="831370"/>
+          </a:xfrm>
+          <a:prstGeom prst="rect">
+            <a:avLst/>
+          </a:prstGeom>
+        </p:spPr>
+        <p:style>
+          <a:lnRef idx="2">
+            <a:schemeClr val="dk1"/>
+          </a:lnRef>
+          <a:fillRef idx="1">
+            <a:schemeClr val="lt1"/>
+          </a:fillRef>
+          <a:effectRef idx="0">
+            <a:schemeClr val="dk1"/>
+          </a:effectRef>
+          <a:fontRef idx="minor">
+            <a:schemeClr val="dk1"/>
+          </a:fontRef>
+        </p:style>
+        <p:txBody>
+          <a:bodyPr rtlCol="0" anchor="ctr"/>
+          <a:lstStyle/>
+          <a:p>
+            <a:pPr lvl="0" algn="ctr"/>
+            <a:r>
+              <a:rPr lang="en-US" dirty="0">
+                <a:solidFill>
+                  <a:prstClr val="black"/>
+                </a:solidFill>
+              </a:rPr>
+              <a:t>User Datagram Protocol </a:t>
+            </a:r>
+            <a:r>
+              <a:rPr lang="en-US" dirty="0">
+                <a:solidFill>
+                  <a:prstClr val="black"/>
+                </a:solidFill>
+                <a:latin typeface="Nexa Bold"/>
+              </a:rPr>
+              <a:t>(UDP)</a:t>
+            </a:r>
+            <a:endParaRPr lang="en-US" sz="1600" dirty="0">
+              <a:solidFill>
+                <a:prstClr val="black"/>
+              </a:solidFill>
+              <a:latin typeface="Nexa Bold"/>
+            </a:endParaRPr>
+          </a:p>
+        </p:txBody>
+      </p:sp>
+      <p:sp>
+        <p:nvSpPr>
+          <p:cNvPr id="4" name="Rectangle 3"/>
+          <p:cNvSpPr/>
+          <p:nvPr/>
+        </p:nvSpPr>
+        <p:spPr>
+          <a:xfrm>
+            <a:off x="139558" y="3389437"/>
+            <a:ext cx="1936070" cy="831370"/>
+          </a:xfrm>
+          <a:prstGeom prst="rect">
+            <a:avLst/>
+          </a:prstGeom>
+        </p:spPr>
+        <p:style>
+          <a:lnRef idx="2">
+            <a:schemeClr val="dk1"/>
+          </a:lnRef>
+          <a:fillRef idx="1">
+            <a:schemeClr val="lt1"/>
+          </a:fillRef>
+          <a:effectRef idx="0">
+            <a:schemeClr val="dk1"/>
+          </a:effectRef>
+          <a:fontRef idx="minor">
+            <a:schemeClr val="dk1"/>
+          </a:fontRef>
+        </p:style>
+        <p:txBody>
+          <a:bodyPr rtlCol="0" anchor="ctr"/>
+          <a:lstStyle/>
+          <a:p>
+            <a:pPr algn="ctr"/>
+            <a:r>
+              <a:rPr lang="en-US" sz="1600" dirty="0" smtClean="0"/>
+              <a:t>Session Traversal Utilities for NAT </a:t>
+            </a:r>
+            <a:r>
+              <a:rPr lang="en-US" sz="1600" dirty="0" smtClean="0">
+                <a:latin typeface="+mj-lt"/>
+              </a:rPr>
+              <a:t>(STUN)</a:t>
+            </a:r>
+            <a:endParaRPr lang="en-US" sz="1600" dirty="0">
+              <a:latin typeface="+mj-lt"/>
+            </a:endParaRPr>
+          </a:p>
+        </p:txBody>
+      </p:sp>
+      <p:sp>
+        <p:nvSpPr>
+          <p:cNvPr id="5" name="Rectangle 4"/>
+          <p:cNvSpPr/>
+          <p:nvPr/>
+        </p:nvSpPr>
+        <p:spPr>
+          <a:xfrm>
+            <a:off x="2075629" y="3389437"/>
+            <a:ext cx="3468476" cy="831370"/>
+          </a:xfrm>
+          <a:prstGeom prst="rect">
+            <a:avLst/>
+          </a:prstGeom>
+          <a:solidFill>
+            <a:schemeClr val="tx2">
+              <a:lumMod val="20000"/>
+              <a:lumOff val="80000"/>
+            </a:schemeClr>
+          </a:solidFill>
+        </p:spPr>
+        <p:style>
+          <a:lnRef idx="2">
+            <a:schemeClr val="dk1"/>
+          </a:lnRef>
+          <a:fillRef idx="1">
+            <a:schemeClr val="lt1"/>
+          </a:fillRef>
+          <a:effectRef idx="0">
+            <a:schemeClr val="dk1"/>
+          </a:effectRef>
+          <a:fontRef idx="minor">
+            <a:schemeClr val="dk1"/>
+          </a:fontRef>
+        </p:style>
+        <p:txBody>
+          <a:bodyPr rtlCol="0" anchor="ctr"/>
+          <a:lstStyle/>
+          <a:p>
+            <a:pPr algn="ctr"/>
+            <a:r>
+              <a:rPr lang="en-US" dirty="0" smtClean="0">
+                <a:latin typeface="+mj-lt"/>
+              </a:rPr>
+              <a:t>                     RTP</a:t>
+            </a:r>
+          </a:p>
+          <a:p>
+            <a:pPr algn="ctr"/>
+            <a:endParaRPr lang="en-US" sz="1600" dirty="0">
+              <a:latin typeface="+mj-lt"/>
+            </a:endParaRPr>
+          </a:p>
+        </p:txBody>
+      </p:sp>
+      <p:sp>
+        <p:nvSpPr>
+          <p:cNvPr id="15" name="Rectangle 14"/>
+          <p:cNvSpPr/>
+          <p:nvPr/>
+        </p:nvSpPr>
+        <p:spPr>
+          <a:xfrm>
+            <a:off x="2949575" y="1597583"/>
+            <a:ext cx="873946" cy="1787187"/>
+          </a:xfrm>
+          <a:prstGeom prst="rect">
+            <a:avLst/>
+          </a:prstGeom>
+        </p:spPr>
+        <p:style>
+          <a:lnRef idx="2">
+            <a:schemeClr val="dk1"/>
+          </a:lnRef>
+          <a:fillRef idx="1">
+            <a:schemeClr val="lt1"/>
+          </a:fillRef>
+          <a:effectRef idx="0">
+            <a:schemeClr val="dk1"/>
+          </a:effectRef>
+          <a:fontRef idx="minor">
+            <a:schemeClr val="dk1"/>
+          </a:fontRef>
+        </p:style>
+        <p:txBody>
+          <a:bodyPr rtlCol="0" anchor="ctr"/>
+          <a:lstStyle/>
+          <a:p>
+            <a:pPr algn="ctr"/>
+            <a:r>
+              <a:rPr lang="en-US" sz="1600" dirty="0" smtClean="0"/>
+              <a:t>SSRC #2</a:t>
+            </a:r>
+            <a:endParaRPr lang="en-US" sz="1400" dirty="0">
+              <a:latin typeface="+mj-lt"/>
+            </a:endParaRPr>
+          </a:p>
+        </p:txBody>
+      </p:sp>
+      <p:sp>
+        <p:nvSpPr>
+          <p:cNvPr id="16" name="Rectangle 15"/>
+          <p:cNvSpPr/>
+          <p:nvPr/>
+        </p:nvSpPr>
+        <p:spPr>
+          <a:xfrm>
+            <a:off x="2075629" y="1597583"/>
+            <a:ext cx="873946" cy="1787187"/>
+          </a:xfrm>
+          <a:prstGeom prst="rect">
+            <a:avLst/>
+          </a:prstGeom>
+        </p:spPr>
+        <p:style>
+          <a:lnRef idx="2">
+            <a:schemeClr val="dk1"/>
+          </a:lnRef>
+          <a:fillRef idx="1">
+            <a:schemeClr val="lt1"/>
+          </a:fillRef>
+          <a:effectRef idx="0">
+            <a:schemeClr val="dk1"/>
+          </a:effectRef>
+          <a:fontRef idx="minor">
+            <a:schemeClr val="dk1"/>
+          </a:fontRef>
+        </p:style>
+        <p:txBody>
+          <a:bodyPr rtlCol="0" anchor="ctr"/>
+          <a:lstStyle/>
+          <a:p>
+            <a:pPr algn="ctr"/>
+            <a:r>
+              <a:rPr lang="en-US" sz="1600" dirty="0" smtClean="0"/>
+              <a:t>SSRC #1</a:t>
+            </a:r>
+            <a:endParaRPr lang="en-US" sz="1400" dirty="0">
+              <a:latin typeface="+mj-lt"/>
+            </a:endParaRPr>
+          </a:p>
+        </p:txBody>
+      </p:sp>
+      <p:sp>
+        <p:nvSpPr>
+          <p:cNvPr id="19" name="Rectangle 18"/>
+          <p:cNvSpPr/>
+          <p:nvPr/>
+        </p:nvSpPr>
+        <p:spPr>
+          <a:xfrm>
+            <a:off x="2075628" y="3877894"/>
+            <a:ext cx="1747893" cy="342914"/>
+          </a:xfrm>
+          <a:prstGeom prst="rect">
+            <a:avLst/>
+          </a:prstGeom>
+        </p:spPr>
+        <p:style>
+          <a:lnRef idx="2">
+            <a:schemeClr val="dk1"/>
+          </a:lnRef>
+          <a:fillRef idx="1">
+            <a:schemeClr val="lt1"/>
+          </a:fillRef>
+          <a:effectRef idx="0">
+            <a:schemeClr val="dk1"/>
+          </a:effectRef>
+          <a:fontRef idx="minor">
+            <a:schemeClr val="dk1"/>
+          </a:fontRef>
+        </p:style>
+        <p:txBody>
+          <a:bodyPr rtlCol="0" anchor="ctr"/>
+          <a:lstStyle/>
+          <a:p>
+            <a:pPr algn="ctr"/>
+            <a:r>
+              <a:rPr lang="en-US" sz="1600" dirty="0" smtClean="0">
+                <a:latin typeface="+mj-lt"/>
+              </a:rPr>
+              <a:t>TURN</a:t>
+            </a:r>
+            <a:endParaRPr lang="en-US" sz="1400" dirty="0">
+              <a:latin typeface="+mj-lt"/>
+            </a:endParaRPr>
+          </a:p>
+        </p:txBody>
+      </p:sp>
+      <p:cxnSp>
+        <p:nvCxnSpPr>
+          <p:cNvPr id="21" name="Straight Connector 20"/>
+          <p:cNvCxnSpPr/>
+          <p:nvPr/>
+        </p:nvCxnSpPr>
+        <p:spPr>
+          <a:xfrm flipH="1">
+            <a:off x="2075628" y="3384770"/>
+            <a:ext cx="2" cy="664581"/>
+          </a:xfrm>
+          <a:prstGeom prst="line">
+            <a:avLst/>
+          </a:prstGeom>
+          <a:ln>
+            <a:prstDash val="sysDash"/>
+          </a:ln>
+        </p:spPr>
+        <p:style>
+          <a:lnRef idx="1">
+            <a:schemeClr val="dk1"/>
+          </a:lnRef>
+          <a:fillRef idx="0">
+            <a:schemeClr val="dk1"/>
+          </a:fillRef>
+          <a:effectRef idx="0">
+            <a:schemeClr val="dk1"/>
+          </a:effectRef>
+          <a:fontRef idx="minor">
+            <a:schemeClr val="tx1"/>
+          </a:fontRef>
+        </p:style>
+      </p:cxnSp>
+      <p:sp>
+        <p:nvSpPr>
+          <p:cNvPr id="24" name="Rectangle 23"/>
+          <p:cNvSpPr/>
+          <p:nvPr/>
+        </p:nvSpPr>
+        <p:spPr>
+          <a:xfrm>
+            <a:off x="3809866" y="1597583"/>
+            <a:ext cx="873946" cy="1787187"/>
+          </a:xfrm>
+          <a:prstGeom prst="rect">
+            <a:avLst/>
+          </a:prstGeom>
+        </p:spPr>
+        <p:style>
+          <a:lnRef idx="2">
+            <a:schemeClr val="dk1"/>
+          </a:lnRef>
+          <a:fillRef idx="1">
+            <a:schemeClr val="lt1"/>
+          </a:fillRef>
+          <a:effectRef idx="0">
+            <a:schemeClr val="dk1"/>
+          </a:effectRef>
+          <a:fontRef idx="minor">
+            <a:schemeClr val="dk1"/>
+          </a:fontRef>
+        </p:style>
+        <p:txBody>
+          <a:bodyPr rtlCol="0" anchor="ctr"/>
+          <a:lstStyle/>
+          <a:p>
+            <a:pPr algn="ctr"/>
+            <a:r>
+              <a:rPr lang="en-US" sz="1600" dirty="0" smtClean="0"/>
+              <a:t>SSRC #3</a:t>
+            </a:r>
+            <a:endParaRPr lang="en-US" sz="1400" dirty="0">
+              <a:latin typeface="+mj-lt"/>
+            </a:endParaRPr>
+          </a:p>
+        </p:txBody>
+      </p:sp>
+      <p:sp>
+        <p:nvSpPr>
+          <p:cNvPr id="25" name="Rectangle 24"/>
+          <p:cNvSpPr/>
+          <p:nvPr/>
+        </p:nvSpPr>
+        <p:spPr>
+          <a:xfrm>
+            <a:off x="4670158" y="1597583"/>
+            <a:ext cx="873946" cy="1787187"/>
+          </a:xfrm>
+          <a:prstGeom prst="rect">
+            <a:avLst/>
+          </a:prstGeom>
+        </p:spPr>
+        <p:style>
+          <a:lnRef idx="2">
+            <a:schemeClr val="dk1"/>
+          </a:lnRef>
+          <a:fillRef idx="1">
+            <a:schemeClr val="lt1"/>
+          </a:fillRef>
+          <a:effectRef idx="0">
+            <a:schemeClr val="dk1"/>
+          </a:effectRef>
+          <a:fontRef idx="minor">
+            <a:schemeClr val="dk1"/>
+          </a:fontRef>
+        </p:style>
+        <p:txBody>
+          <a:bodyPr rtlCol="0" anchor="ctr"/>
+          <a:lstStyle/>
+          <a:p>
+            <a:pPr algn="ctr"/>
+            <a:r>
+              <a:rPr lang="en-US" sz="1600" dirty="0" smtClean="0"/>
+              <a:t>SSRC #4</a:t>
+            </a:r>
+            <a:endParaRPr lang="en-US" sz="1400" dirty="0">
+              <a:latin typeface="+mj-lt"/>
+            </a:endParaRPr>
+          </a:p>
+        </p:txBody>
+      </p:sp>
+      <p:sp>
+        <p:nvSpPr>
+          <p:cNvPr id="13" name="Rectangle 12"/>
+          <p:cNvSpPr/>
+          <p:nvPr/>
+        </p:nvSpPr>
+        <p:spPr>
+          <a:xfrm>
+            <a:off x="6800391" y="4220808"/>
+            <a:ext cx="2239485" cy="831370"/>
+          </a:xfrm>
+          <a:prstGeom prst="rect">
+            <a:avLst/>
+          </a:prstGeom>
+        </p:spPr>
+        <p:style>
+          <a:lnRef idx="2">
+            <a:schemeClr val="dk1"/>
+          </a:lnRef>
+          <a:fillRef idx="1">
+            <a:schemeClr val="lt1"/>
+          </a:fillRef>
+          <a:effectRef idx="0">
+            <a:schemeClr val="dk1"/>
+          </a:effectRef>
+          <a:fontRef idx="minor">
+            <a:schemeClr val="dk1"/>
+          </a:fontRef>
+        </p:style>
+        <p:txBody>
+          <a:bodyPr rtlCol="0" anchor="ctr"/>
+          <a:lstStyle/>
+          <a:p>
+            <a:pPr algn="ctr"/>
+            <a:r>
+              <a:rPr lang="en-US" dirty="0" smtClean="0"/>
+              <a:t>Transmission Control Protocol </a:t>
+            </a:r>
+            <a:r>
+              <a:rPr lang="en-US" dirty="0" smtClean="0">
+                <a:latin typeface="+mj-lt"/>
+              </a:rPr>
+              <a:t>(TCP)</a:t>
+            </a:r>
+            <a:endParaRPr lang="en-US" sz="1600" dirty="0">
+              <a:latin typeface="+mj-lt"/>
+            </a:endParaRPr>
+          </a:p>
+        </p:txBody>
+      </p:sp>
+      <p:sp>
+        <p:nvSpPr>
+          <p:cNvPr id="14" name="Rectangle 13"/>
+          <p:cNvSpPr/>
+          <p:nvPr/>
+        </p:nvSpPr>
+        <p:spPr>
+          <a:xfrm>
+            <a:off x="6554595" y="1597583"/>
+            <a:ext cx="2485281" cy="2618557"/>
+          </a:xfrm>
+          <a:prstGeom prst="rect">
+            <a:avLst/>
+          </a:prstGeom>
+        </p:spPr>
+        <p:style>
+          <a:lnRef idx="2">
+            <a:schemeClr val="dk1"/>
+          </a:lnRef>
+          <a:fillRef idx="1">
+            <a:schemeClr val="lt1"/>
+          </a:fillRef>
+          <a:effectRef idx="0">
+            <a:schemeClr val="dk1"/>
+          </a:effectRef>
+          <a:fontRef idx="minor">
+            <a:schemeClr val="dk1"/>
+          </a:fontRef>
+        </p:style>
+        <p:txBody>
+          <a:bodyPr rtlCol="0" anchor="ctr"/>
+          <a:lstStyle/>
+          <a:p>
+            <a:pPr algn="r"/>
+            <a:r>
+              <a:rPr lang="en-US" sz="1600" i="1" dirty="0" smtClean="0">
+                <a:latin typeface="+mj-lt"/>
+              </a:rPr>
+              <a:t>Signaling </a:t>
+            </a:r>
+          </a:p>
+          <a:p>
+            <a:pPr algn="r"/>
+            <a:r>
+              <a:rPr lang="en-US" sz="1600" i="1" dirty="0" smtClean="0">
+                <a:latin typeface="+mj-lt"/>
+              </a:rPr>
+              <a:t>Protocol</a:t>
+            </a:r>
+          </a:p>
+          <a:p>
+            <a:pPr algn="r"/>
+            <a:endParaRPr lang="en-US" sz="1200" i="1" dirty="0" smtClean="0"/>
+          </a:p>
+          <a:p>
+            <a:pPr algn="r"/>
+            <a:r>
+              <a:rPr lang="en-US" sz="1200" i="1" dirty="0" smtClean="0"/>
+              <a:t>(e.g., SIP, Jingle, …)</a:t>
+            </a:r>
+          </a:p>
+          <a:p>
+            <a:pPr algn="r"/>
+            <a:endParaRPr lang="en-US" sz="1200" i="1" dirty="0"/>
+          </a:p>
+          <a:p>
+            <a:pPr algn="r"/>
+            <a:endParaRPr lang="en-US" sz="1200" i="1" dirty="0" smtClean="0"/>
+          </a:p>
+          <a:p>
+            <a:pPr algn="r"/>
+            <a:endParaRPr lang="en-US" sz="1200" i="1" dirty="0" smtClean="0"/>
+          </a:p>
+          <a:p>
+            <a:pPr algn="r"/>
+            <a:r>
+              <a:rPr lang="en-US" sz="1200" i="1" dirty="0" smtClean="0"/>
+              <a:t>Or something proprietary</a:t>
+            </a:r>
+          </a:p>
+          <a:p>
+            <a:pPr algn="r"/>
+            <a:r>
+              <a:rPr lang="en-US" sz="1200" i="1" dirty="0" smtClean="0"/>
+              <a:t>(over HTTP or Web Sockets)</a:t>
+            </a:r>
+            <a:endParaRPr lang="en-US" sz="1200" i="1" dirty="0"/>
+          </a:p>
+        </p:txBody>
+      </p:sp>
+      <p:sp>
+        <p:nvSpPr>
+          <p:cNvPr id="17" name="Rectangle 16"/>
+          <p:cNvSpPr/>
+          <p:nvPr/>
+        </p:nvSpPr>
+        <p:spPr>
+          <a:xfrm>
+            <a:off x="5544105" y="3384770"/>
+            <a:ext cx="1010490" cy="831370"/>
+          </a:xfrm>
+          <a:prstGeom prst="rect">
+            <a:avLst/>
+          </a:prstGeom>
+        </p:spPr>
+        <p:style>
+          <a:lnRef idx="2">
+            <a:schemeClr val="dk1"/>
+          </a:lnRef>
+          <a:fillRef idx="1">
+            <a:schemeClr val="lt1"/>
+          </a:fillRef>
+          <a:effectRef idx="0">
+            <a:schemeClr val="dk1"/>
+          </a:effectRef>
+          <a:fontRef idx="minor">
+            <a:schemeClr val="dk1"/>
+          </a:fontRef>
+        </p:style>
+        <p:txBody>
+          <a:bodyPr rtlCol="0" anchor="ctr"/>
+          <a:lstStyle/>
+          <a:p>
+            <a:pPr algn="ctr"/>
+            <a:r>
+              <a:rPr lang="en-US" sz="1600" dirty="0" smtClean="0">
+                <a:latin typeface="+mj-lt"/>
+              </a:rPr>
+              <a:t>DTLS</a:t>
+            </a:r>
+            <a:endParaRPr lang="en-US" sz="1600" dirty="0">
+              <a:latin typeface="+mj-lt"/>
+            </a:endParaRPr>
+          </a:p>
+        </p:txBody>
+      </p:sp>
+      <p:sp>
+        <p:nvSpPr>
+          <p:cNvPr id="6" name="TextBox 5"/>
+          <p:cNvSpPr txBox="1"/>
+          <p:nvPr/>
+        </p:nvSpPr>
+        <p:spPr>
+          <a:xfrm>
+            <a:off x="5885487" y="6211669"/>
+            <a:ext cx="3154390" cy="646331"/>
+          </a:xfrm>
+          <a:prstGeom prst="rect">
+            <a:avLst/>
+          </a:prstGeom>
+          <a:noFill/>
+        </p:spPr>
+        <p:txBody>
+          <a:bodyPr wrap="square" rtlCol="0">
+            <a:spAutoFit/>
+          </a:bodyPr>
+          <a:lstStyle/>
+          <a:p>
+            <a:pPr algn="just"/>
+            <a:r>
+              <a:rPr lang="en-US" sz="1200" dirty="0" smtClean="0">
+                <a:latin typeface="+mj-lt"/>
+              </a:rPr>
+              <a:t>Note:</a:t>
+            </a:r>
+            <a:r>
+              <a:rPr lang="en-US" sz="1200" dirty="0" smtClean="0"/>
+              <a:t> *RTP can be sent over UDP or TCP.</a:t>
+            </a:r>
+          </a:p>
+          <a:p>
+            <a:pPr algn="just"/>
+            <a:r>
+              <a:rPr lang="en-US" sz="1200" dirty="0" smtClean="0"/>
+              <a:t>Similarly, signaling </a:t>
+            </a:r>
+            <a:r>
+              <a:rPr lang="en-US" sz="1200" dirty="0"/>
+              <a:t>p</a:t>
+            </a:r>
+            <a:r>
+              <a:rPr lang="en-US" sz="1200" dirty="0" smtClean="0"/>
+              <a:t>rotocols can be designed to transmit over UDP or TCP.</a:t>
+            </a:r>
+            <a:endParaRPr lang="en-US" sz="1200" dirty="0"/>
+          </a:p>
+        </p:txBody>
+      </p:sp>
+      <p:sp>
+        <p:nvSpPr>
+          <p:cNvPr id="20" name="Rectangle 19"/>
+          <p:cNvSpPr/>
+          <p:nvPr/>
+        </p:nvSpPr>
+        <p:spPr>
+          <a:xfrm>
+            <a:off x="6308797" y="1597583"/>
+            <a:ext cx="1294270" cy="1787188"/>
+          </a:xfrm>
+          <a:prstGeom prst="rect">
+            <a:avLst/>
+          </a:prstGeom>
+        </p:spPr>
+        <p:style>
+          <a:lnRef idx="2">
+            <a:schemeClr val="dk1"/>
+          </a:lnRef>
+          <a:fillRef idx="1">
+            <a:schemeClr val="lt1"/>
+          </a:fillRef>
+          <a:effectRef idx="0">
+            <a:schemeClr val="dk1"/>
+          </a:effectRef>
+          <a:fontRef idx="minor">
+            <a:schemeClr val="dk1"/>
+          </a:fontRef>
+        </p:style>
+        <p:txBody>
+          <a:bodyPr vert="horz" rtlCol="0" anchor="ctr"/>
+          <a:lstStyle/>
+          <a:p>
+            <a:pPr algn="ctr"/>
+            <a:r>
+              <a:rPr lang="en-US" sz="1600" dirty="0" smtClean="0"/>
+              <a:t>Secure RTP </a:t>
+            </a:r>
+            <a:r>
+              <a:rPr lang="en-US" sz="1600" dirty="0" smtClean="0">
+                <a:latin typeface="+mj-lt"/>
+              </a:rPr>
+              <a:t>(SRTP)</a:t>
+            </a:r>
+            <a:r>
+              <a:rPr lang="en-US" sz="1600" dirty="0" smtClean="0"/>
+              <a:t> Keying</a:t>
+            </a:r>
+            <a:endParaRPr lang="en-US" sz="1400" dirty="0">
+              <a:latin typeface="+mj-lt"/>
+            </a:endParaRPr>
+          </a:p>
+        </p:txBody>
+      </p:sp>
+      <p:cxnSp>
+        <p:nvCxnSpPr>
+          <p:cNvPr id="11" name="Straight Connector 10"/>
+          <p:cNvCxnSpPr/>
+          <p:nvPr/>
+        </p:nvCxnSpPr>
+        <p:spPr>
+          <a:xfrm>
+            <a:off x="3809866" y="3389438"/>
+            <a:ext cx="0" cy="493124"/>
+          </a:xfrm>
+          <a:prstGeom prst="line">
+            <a:avLst/>
+          </a:prstGeom>
+          <a:ln>
+            <a:prstDash val="dash"/>
+          </a:ln>
+        </p:spPr>
+        <p:style>
+          <a:lnRef idx="1">
+            <a:schemeClr val="dk1"/>
+          </a:lnRef>
+          <a:fillRef idx="0">
+            <a:schemeClr val="dk1"/>
+          </a:fillRef>
+          <a:effectRef idx="0">
+            <a:schemeClr val="dk1"/>
+          </a:effectRef>
+          <a:fontRef idx="minor">
+            <a:schemeClr val="tx1"/>
+          </a:fontRef>
+        </p:style>
+      </p:cxnSp>
+      <p:cxnSp>
+        <p:nvCxnSpPr>
+          <p:cNvPr id="22" name="Straight Connector 21"/>
+          <p:cNvCxnSpPr/>
+          <p:nvPr/>
+        </p:nvCxnSpPr>
+        <p:spPr>
+          <a:xfrm>
+            <a:off x="2949575" y="3384770"/>
+            <a:ext cx="0" cy="493124"/>
+          </a:xfrm>
+          <a:prstGeom prst="line">
+            <a:avLst/>
+          </a:prstGeom>
+          <a:ln>
+            <a:prstDash val="dash"/>
+          </a:ln>
+        </p:spPr>
+        <p:style>
+          <a:lnRef idx="1">
+            <a:schemeClr val="dk1"/>
+          </a:lnRef>
+          <a:fillRef idx="0">
+            <a:schemeClr val="dk1"/>
+          </a:fillRef>
+          <a:effectRef idx="0">
+            <a:schemeClr val="dk1"/>
+          </a:effectRef>
+          <a:fontRef idx="minor">
+            <a:schemeClr val="tx1"/>
+          </a:fontRef>
+        </p:style>
+      </p:cxnSp>
+      <p:sp>
+        <p:nvSpPr>
+          <p:cNvPr id="23" name="Rectangle 22"/>
+          <p:cNvSpPr/>
+          <p:nvPr/>
+        </p:nvSpPr>
+        <p:spPr>
+          <a:xfrm>
+            <a:off x="5544104" y="2553398"/>
+            <a:ext cx="764693" cy="831372"/>
+          </a:xfrm>
+          <a:prstGeom prst="rect">
+            <a:avLst/>
+          </a:prstGeom>
+        </p:spPr>
+        <p:style>
+          <a:lnRef idx="2">
+            <a:schemeClr val="dk1"/>
+          </a:lnRef>
+          <a:fillRef idx="1">
+            <a:schemeClr val="lt1"/>
+          </a:fillRef>
+          <a:effectRef idx="0">
+            <a:schemeClr val="dk1"/>
+          </a:effectRef>
+          <a:fontRef idx="minor">
+            <a:schemeClr val="dk1"/>
+          </a:fontRef>
+        </p:style>
+        <p:txBody>
+          <a:bodyPr vert="horz" rtlCol="0" anchor="ctr"/>
+          <a:lstStyle/>
+          <a:p>
+            <a:pPr algn="ctr"/>
+            <a:r>
+              <a:rPr lang="en-US" sz="1600" dirty="0" smtClean="0">
+                <a:latin typeface="+mj-lt"/>
+              </a:rPr>
+              <a:t>SCTP</a:t>
+            </a:r>
+            <a:endParaRPr lang="en-US" sz="1400" dirty="0">
+              <a:latin typeface="+mj-lt"/>
+            </a:endParaRPr>
+          </a:p>
+        </p:txBody>
+      </p:sp>
+      <p:sp>
+        <p:nvSpPr>
+          <p:cNvPr id="26" name="Rectangle 25"/>
+          <p:cNvSpPr/>
+          <p:nvPr/>
+        </p:nvSpPr>
+        <p:spPr>
+          <a:xfrm>
+            <a:off x="5544106" y="1597583"/>
+            <a:ext cx="764693" cy="955815"/>
+          </a:xfrm>
+          <a:prstGeom prst="rect">
+            <a:avLst/>
+          </a:prstGeom>
+        </p:spPr>
+        <p:style>
+          <a:lnRef idx="2">
+            <a:schemeClr val="dk1"/>
+          </a:lnRef>
+          <a:fillRef idx="1">
+            <a:schemeClr val="lt1"/>
+          </a:fillRef>
+          <a:effectRef idx="0">
+            <a:schemeClr val="dk1"/>
+          </a:effectRef>
+          <a:fontRef idx="minor">
+            <a:schemeClr val="dk1"/>
+          </a:fontRef>
+        </p:style>
+        <p:txBody>
+          <a:bodyPr vert="vert270" rtlCol="0" anchor="ctr"/>
+          <a:lstStyle/>
+          <a:p>
+            <a:pPr algn="ctr"/>
+            <a:r>
+              <a:rPr lang="en-US" sz="1600" dirty="0" smtClean="0">
+                <a:latin typeface="+mj-lt"/>
+              </a:rPr>
+              <a:t>Data</a:t>
+            </a:r>
+          </a:p>
+          <a:p>
+            <a:pPr algn="ctr"/>
+            <a:r>
+              <a:rPr lang="en-US" sz="1600" dirty="0" smtClean="0">
+                <a:latin typeface="+mj-lt"/>
+              </a:rPr>
+              <a:t>Channel</a:t>
+            </a:r>
+            <a:endParaRPr lang="en-US" sz="1400" dirty="0">
+              <a:latin typeface="+mj-lt"/>
+            </a:endParaRPr>
+          </a:p>
+        </p:txBody>
+      </p:sp>
+      <p:sp>
+        <p:nvSpPr>
+          <p:cNvPr id="27" name="Rectangle 26"/>
+          <p:cNvSpPr/>
+          <p:nvPr/>
+        </p:nvSpPr>
+        <p:spPr>
+          <a:xfrm>
+            <a:off x="2075630" y="766213"/>
+            <a:ext cx="6964246" cy="831370"/>
+          </a:xfrm>
+          <a:prstGeom prst="rect">
+            <a:avLst/>
+          </a:prstGeom>
+        </p:spPr>
+        <p:style>
+          <a:lnRef idx="2">
+            <a:schemeClr val="dk1"/>
+          </a:lnRef>
+          <a:fillRef idx="1">
+            <a:schemeClr val="lt1"/>
+          </a:fillRef>
+          <a:effectRef idx="0">
+            <a:schemeClr val="dk1"/>
+          </a:effectRef>
+          <a:fontRef idx="minor">
+            <a:schemeClr val="dk1"/>
+          </a:fontRef>
+        </p:style>
+        <p:txBody>
+          <a:bodyPr rtlCol="0" anchor="ctr"/>
+          <a:lstStyle/>
+          <a:p>
+            <a:pPr algn="ctr"/>
+            <a:r>
+              <a:rPr lang="en-US" sz="1600" dirty="0" err="1" smtClean="0"/>
+              <a:t>WebRTC</a:t>
+            </a:r>
+            <a:r>
+              <a:rPr lang="en-US" sz="1600" dirty="0" smtClean="0"/>
+              <a:t> Application</a:t>
+            </a:r>
+            <a:endParaRPr lang="en-US" sz="1600" dirty="0">
+              <a:latin typeface="+mj-lt"/>
+            </a:endParaRPr>
+          </a:p>
+        </p:txBody>
+      </p:sp>
+    </p:spTree>
+    <p:extLst>
+      <p:ext uri="{BB962C8B-B14F-4D97-AF65-F5344CB8AC3E}">
+        <p14:creationId xmlns:p14="http://schemas.microsoft.com/office/powerpoint/2010/main" val="3585768518"/>
+      </p:ext>
+    </p:extLst>
+  </p:cSld>
+  <p:clrMapOvr>
+    <a:masterClrMapping/>
+  </p:clrMapOvr>
+</p:sld>
+</file>
+
+<file path=ppt/slides/slide12.xml><?xml version="1.0" encoding="utf-8"?>
+<p:sld xmlns:a="http://schemas.openxmlformats.org/drawingml/2006/main" xmlns:r="http://schemas.openxmlformats.org/officeDocument/2006/relationships" xmlns:p="http://schemas.openxmlformats.org/presentationml/2006/main">
+  <p:cSld>
+    <p:spTree>
+      <p:nvGrpSpPr>
+        <p:cNvPr id="1" name=""/>
+        <p:cNvGrpSpPr/>
+        <p:nvPr/>
+      </p:nvGrpSpPr>
+      <p:grpSpPr>
+        <a:xfrm>
+          <a:off x="0" y="0"/>
+          <a:ext cx="0" cy="0"/>
+          <a:chOff x="0" y="0"/>
+          <a:chExt cx="0" cy="0"/>
+        </a:xfrm>
+      </p:grpSpPr>
+      <p:sp>
+        <p:nvSpPr>
           <p:cNvPr id="3" name="Rounded Rectangle 2"/>
           <p:cNvSpPr/>
           <p:nvPr/>
@@ -7182,7 +9761,7 @@
 </p:sld>
 </file>
 
-<file path=ppt/slides/slide12.xml><?xml version="1.0" encoding="utf-8"?>
+<file path=ppt/slides/slide13.xml><?xml version="1.0" encoding="utf-8"?>
 <p:sld xmlns:a="http://schemas.openxmlformats.org/drawingml/2006/main" xmlns:r="http://schemas.openxmlformats.org/officeDocument/2006/relationships" xmlns:p="http://schemas.openxmlformats.org/presentationml/2006/main">
   <p:cSld>
     <p:spTree>
@@ -8413,7 +10992,7 @@
 </p:sld>
 </file>
 
-<file path=ppt/slides/slide13.xml><?xml version="1.0" encoding="utf-8"?>
+<file path=ppt/slides/slide14.xml><?xml version="1.0" encoding="utf-8"?>
 <p:sld xmlns:a="http://schemas.openxmlformats.org/drawingml/2006/main" xmlns:r="http://schemas.openxmlformats.org/officeDocument/2006/relationships" xmlns:p="http://schemas.openxmlformats.org/presentationml/2006/main">
   <p:cSld>
     <p:spTree>
@@ -10549,7 +13128,7 @@
 </p:sld>
 </file>
 
-<file path=ppt/slides/slide14.xml><?xml version="1.0" encoding="utf-8"?>
+<file path=ppt/slides/slide15.xml><?xml version="1.0" encoding="utf-8"?>
 <p:sld xmlns:a="http://schemas.openxmlformats.org/drawingml/2006/main" xmlns:r="http://schemas.openxmlformats.org/officeDocument/2006/relationships" xmlns:p="http://schemas.openxmlformats.org/presentationml/2006/main">
   <p:cSld>
     <p:spTree>
@@ -13449,21 +16028,7 @@
                 <a:latin typeface="Ubuntu"/>
                 <a:cs typeface="Ubuntu"/>
               </a:rPr>
-              <a:t>Calculates </a:t>
-            </a:r>
-            <a:r>
-              <a:rPr lang="en-US" sz="1400" dirty="0" smtClean="0">
-                <a:latin typeface="Ubuntu"/>
-                <a:cs typeface="Ubuntu"/>
-              </a:rPr>
-              <a:t>the sender’s </a:t>
-            </a:r>
-            <a:r>
-              <a:rPr lang="en-US" sz="1400" dirty="0" smtClean="0">
-                <a:latin typeface="Ubuntu"/>
-                <a:cs typeface="Ubuntu"/>
-              </a:rPr>
-              <a:t>estimate</a:t>
+              <a:t>Calculates the sender’s estimate</a:t>
             </a:r>
           </a:p>
         </p:txBody>
@@ -16818,27 +19383,17 @@
               <a:rPr lang="en-US" sz="1600" dirty="0" smtClean="0"/>
               <a:t>throughput</a:t>
             </a:r>
-            <a:endParaRPr lang="en-US" sz="1600" dirty="0" smtClean="0"/>
           </a:p>
           <a:p>
             <a:r>
               <a:rPr lang="en-US" sz="1600" dirty="0" smtClean="0"/>
-              <a:t>2. Congestion </a:t>
-            </a:r>
+              <a:t>2. Congestion Cues </a:t>
+            </a:r>
+          </a:p>
+          <a:p>
             <a:r>
               <a:rPr lang="en-US" sz="1600" dirty="0" smtClean="0"/>
-              <a:t>Cues </a:t>
-            </a:r>
-            <a:endParaRPr lang="en-US" sz="1600" dirty="0" smtClean="0"/>
-          </a:p>
-          <a:p>
-            <a:r>
-              <a:rPr lang="en-US" sz="1600" dirty="0" smtClean="0"/>
-              <a:t>3. Receiver's </a:t>
-            </a:r>
-            <a:r>
-              <a:rPr lang="en-US" sz="1600" dirty="0" smtClean="0"/>
-              <a:t>Estimate</a:t>
+              <a:t>3. Receiver's Estimate</a:t>
             </a:r>
             <a:endParaRPr lang="en-US" sz="1600" dirty="0"/>
           </a:p>
@@ -17577,23 +20132,361 @@
           <a:chExt cx="0" cy="0"/>
         </a:xfrm>
       </p:grpSpPr>
+      <p:sp>
+        <p:nvSpPr>
+          <p:cNvPr id="13" name="TextBox 12"/>
+          <p:cNvSpPr txBox="1"/>
+          <p:nvPr/>
+        </p:nvSpPr>
+        <p:spPr>
+          <a:xfrm>
+            <a:off x="2080852" y="4176168"/>
+            <a:ext cx="1249060" cy="307777"/>
+          </a:xfrm>
+          <a:prstGeom prst="rect">
+            <a:avLst/>
+          </a:prstGeom>
+          <a:noFill/>
+        </p:spPr>
+        <p:txBody>
+          <a:bodyPr wrap="none" rtlCol="0">
+            <a:spAutoFit/>
+          </a:bodyPr>
+          <a:lstStyle/>
+          <a:p>
+            <a:pPr algn="ctr"/>
+            <a:r>
+              <a:rPr lang="en-US" sz="1400" dirty="0" smtClean="0">
+                <a:solidFill>
+                  <a:srgbClr val="000000"/>
+                </a:solidFill>
+              </a:rPr>
+              <a:t>Notifications</a:t>
+            </a:r>
+            <a:endParaRPr lang="en-US" sz="1400" dirty="0">
+              <a:solidFill>
+                <a:srgbClr val="000000"/>
+              </a:solidFill>
+            </a:endParaRPr>
+          </a:p>
+        </p:txBody>
+      </p:sp>
+      <p:sp>
+        <p:nvSpPr>
+          <p:cNvPr id="16" name="Right Arrow 15"/>
+          <p:cNvSpPr/>
+          <p:nvPr/>
+        </p:nvSpPr>
+        <p:spPr>
+          <a:xfrm>
+            <a:off x="2023204" y="3660026"/>
+            <a:ext cx="5093452" cy="168256"/>
+          </a:xfrm>
+          <a:prstGeom prst="rightArrow">
+            <a:avLst/>
+          </a:prstGeom>
+        </p:spPr>
+        <p:style>
+          <a:lnRef idx="2">
+            <a:schemeClr val="dk1">
+              <a:shade val="50000"/>
+            </a:schemeClr>
+          </a:lnRef>
+          <a:fillRef idx="1">
+            <a:schemeClr val="dk1"/>
+          </a:fillRef>
+          <a:effectRef idx="0">
+            <a:schemeClr val="dk1"/>
+          </a:effectRef>
+          <a:fontRef idx="minor">
+            <a:schemeClr val="lt1"/>
+          </a:fontRef>
+        </p:style>
+        <p:txBody>
+          <a:bodyPr rtlCol="0" anchor="ctr"/>
+          <a:lstStyle/>
+          <a:p>
+            <a:pPr algn="ctr"/>
+            <a:endParaRPr lang="en-US"/>
+          </a:p>
+        </p:txBody>
+      </p:sp>
+      <p:sp>
+        <p:nvSpPr>
+          <p:cNvPr id="18" name="Right Arrow 17"/>
+          <p:cNvSpPr/>
+          <p:nvPr/>
+        </p:nvSpPr>
+        <p:spPr>
+          <a:xfrm>
+            <a:off x="2023204" y="3828282"/>
+            <a:ext cx="5093452" cy="168256"/>
+          </a:xfrm>
+          <a:prstGeom prst="rightArrow">
+            <a:avLst/>
+          </a:prstGeom>
+        </p:spPr>
+        <p:style>
+          <a:lnRef idx="2">
+            <a:schemeClr val="dk1">
+              <a:shade val="50000"/>
+            </a:schemeClr>
+          </a:lnRef>
+          <a:fillRef idx="1">
+            <a:schemeClr val="dk1"/>
+          </a:fillRef>
+          <a:effectRef idx="0">
+            <a:schemeClr val="dk1"/>
+          </a:effectRef>
+          <a:fontRef idx="minor">
+            <a:schemeClr val="lt1"/>
+          </a:fontRef>
+        </p:style>
+        <p:txBody>
+          <a:bodyPr rtlCol="0" anchor="ctr"/>
+          <a:lstStyle/>
+          <a:p>
+            <a:pPr algn="ctr"/>
+            <a:endParaRPr lang="en-US"/>
+          </a:p>
+        </p:txBody>
+      </p:sp>
+      <p:sp>
+        <p:nvSpPr>
+          <p:cNvPr id="3" name="Rectangle 2"/>
+          <p:cNvSpPr/>
+          <p:nvPr/>
+        </p:nvSpPr>
+        <p:spPr>
+          <a:xfrm>
+            <a:off x="163879" y="2893734"/>
+            <a:ext cx="1859325" cy="2701418"/>
+          </a:xfrm>
+          <a:prstGeom prst="rect">
+            <a:avLst/>
+          </a:prstGeom>
+        </p:spPr>
+        <p:style>
+          <a:lnRef idx="2">
+            <a:schemeClr val="dk1"/>
+          </a:lnRef>
+          <a:fillRef idx="1">
+            <a:schemeClr val="lt1"/>
+          </a:fillRef>
+          <a:effectRef idx="0">
+            <a:schemeClr val="dk1"/>
+          </a:effectRef>
+          <a:fontRef idx="minor">
+            <a:schemeClr val="dk1"/>
+          </a:fontRef>
+        </p:style>
+        <p:txBody>
+          <a:bodyPr rtlCol="0" anchor="ctr"/>
+          <a:lstStyle/>
+          <a:p>
+            <a:pPr algn="ctr"/>
+            <a:r>
+              <a:rPr lang="en-US" dirty="0" smtClean="0"/>
+              <a:t>Sender</a:t>
+            </a:r>
+            <a:endParaRPr lang="en-US" sz="1600" dirty="0"/>
+          </a:p>
+        </p:txBody>
+      </p:sp>
+      <p:sp>
+        <p:nvSpPr>
+          <p:cNvPr id="5" name="Rectangle 4"/>
+          <p:cNvSpPr/>
+          <p:nvPr/>
+        </p:nvSpPr>
+        <p:spPr>
+          <a:xfrm>
+            <a:off x="7116656" y="2893734"/>
+            <a:ext cx="1859325" cy="2701418"/>
+          </a:xfrm>
+          <a:prstGeom prst="rect">
+            <a:avLst/>
+          </a:prstGeom>
+        </p:spPr>
+        <p:style>
+          <a:lnRef idx="2">
+            <a:schemeClr val="dk1"/>
+          </a:lnRef>
+          <a:fillRef idx="1">
+            <a:schemeClr val="lt1"/>
+          </a:fillRef>
+          <a:effectRef idx="0">
+            <a:schemeClr val="dk1"/>
+          </a:effectRef>
+          <a:fontRef idx="minor">
+            <a:schemeClr val="dk1"/>
+          </a:fontRef>
+        </p:style>
+        <p:txBody>
+          <a:bodyPr rtlCol="0" anchor="ctr"/>
+          <a:lstStyle/>
+          <a:p>
+            <a:pPr algn="ctr"/>
+            <a:r>
+              <a:rPr lang="en-US" dirty="0" smtClean="0"/>
+              <a:t>Receiver</a:t>
+            </a:r>
+            <a:endParaRPr lang="en-US" sz="1600" dirty="0"/>
+          </a:p>
+        </p:txBody>
+      </p:sp>
+      <p:sp>
+        <p:nvSpPr>
+          <p:cNvPr id="2" name="Rectangle 1"/>
+          <p:cNvSpPr/>
+          <p:nvPr/>
+        </p:nvSpPr>
+        <p:spPr>
+          <a:xfrm>
+            <a:off x="3393219" y="3355179"/>
+            <a:ext cx="518906" cy="1775092"/>
+          </a:xfrm>
+          <a:prstGeom prst="rect">
+            <a:avLst/>
+          </a:prstGeom>
+          <a:solidFill>
+            <a:schemeClr val="bg1">
+              <a:lumMod val="85000"/>
+              <a:alpha val="91000"/>
+            </a:schemeClr>
+          </a:solidFill>
+          <a:ln>
+            <a:prstDash val="dash"/>
+          </a:ln>
+        </p:spPr>
+        <p:style>
+          <a:lnRef idx="2">
+            <a:schemeClr val="dk1"/>
+          </a:lnRef>
+          <a:fillRef idx="1">
+            <a:schemeClr val="lt1"/>
+          </a:fillRef>
+          <a:effectRef idx="0">
+            <a:schemeClr val="dk1"/>
+          </a:effectRef>
+          <a:fontRef idx="minor">
+            <a:schemeClr val="dk1"/>
+          </a:fontRef>
+        </p:style>
+        <p:txBody>
+          <a:bodyPr vert="vert270" rtlCol="0" anchor="ctr"/>
+          <a:lstStyle/>
+          <a:p>
+            <a:pPr algn="ctr"/>
+            <a:r>
+              <a:rPr lang="en-US" dirty="0" err="1" smtClean="0"/>
+              <a:t>middlebox</a:t>
+            </a:r>
+            <a:endParaRPr lang="en-US" dirty="0"/>
+          </a:p>
+        </p:txBody>
+      </p:sp>
+      <p:sp>
+        <p:nvSpPr>
+          <p:cNvPr id="7" name="Rectangle 6"/>
+          <p:cNvSpPr/>
+          <p:nvPr/>
+        </p:nvSpPr>
+        <p:spPr>
+          <a:xfrm>
+            <a:off x="5329432" y="3356897"/>
+            <a:ext cx="518906" cy="1775092"/>
+          </a:xfrm>
+          <a:prstGeom prst="rect">
+            <a:avLst/>
+          </a:prstGeom>
+          <a:solidFill>
+            <a:schemeClr val="bg1">
+              <a:lumMod val="85000"/>
+              <a:alpha val="91000"/>
+            </a:schemeClr>
+          </a:solidFill>
+          <a:ln>
+            <a:prstDash val="dash"/>
+          </a:ln>
+        </p:spPr>
+        <p:style>
+          <a:lnRef idx="2">
+            <a:schemeClr val="dk1"/>
+          </a:lnRef>
+          <a:fillRef idx="1">
+            <a:schemeClr val="lt1"/>
+          </a:fillRef>
+          <a:effectRef idx="0">
+            <a:schemeClr val="dk1"/>
+          </a:effectRef>
+          <a:fontRef idx="minor">
+            <a:schemeClr val="dk1"/>
+          </a:fontRef>
+        </p:style>
+        <p:txBody>
+          <a:bodyPr vert="vert270" rtlCol="0" anchor="ctr"/>
+          <a:lstStyle/>
+          <a:p>
+            <a:pPr algn="ctr"/>
+            <a:r>
+              <a:rPr lang="en-US" dirty="0" err="1"/>
+              <a:t>middlebox</a:t>
+            </a:r>
+            <a:endParaRPr lang="en-US" dirty="0"/>
+          </a:p>
+        </p:txBody>
+      </p:sp>
+      <p:sp>
+        <p:nvSpPr>
+          <p:cNvPr id="6" name="TextBox 5"/>
+          <p:cNvSpPr txBox="1"/>
+          <p:nvPr/>
+        </p:nvSpPr>
+        <p:spPr>
+          <a:xfrm>
+            <a:off x="3251706" y="2965688"/>
+            <a:ext cx="2596632" cy="369332"/>
+          </a:xfrm>
+          <a:prstGeom prst="rect">
+            <a:avLst/>
+          </a:prstGeom>
+          <a:noFill/>
+        </p:spPr>
+        <p:txBody>
+          <a:bodyPr wrap="none" rtlCol="0">
+            <a:spAutoFit/>
+          </a:bodyPr>
+          <a:lstStyle/>
+          <a:p>
+            <a:r>
+              <a:rPr lang="en-US" dirty="0" smtClean="0"/>
+              <a:t>MPRTP Media Packets</a:t>
+            </a:r>
+            <a:endParaRPr lang="en-US" dirty="0"/>
+          </a:p>
+        </p:txBody>
+      </p:sp>
       <p:cxnSp>
         <p:nvCxnSpPr>
-          <p:cNvPr id="3" name="Straight Connector 2"/>
-          <p:cNvCxnSpPr/>
+          <p:cNvPr id="10" name="Straight Arrow Connector 9"/>
+          <p:cNvCxnSpPr>
+            <a:stCxn id="2" idx="1"/>
+            <a:endCxn id="3" idx="3"/>
+          </p:cNvCxnSpPr>
           <p:nvPr/>
         </p:nvCxnSpPr>
         <p:spPr>
-          <a:xfrm>
-            <a:off x="1051466" y="518873"/>
-            <a:ext cx="0" cy="4478660"/>
-          </a:xfrm>
-          <a:prstGeom prst="line">
+          <a:xfrm flipH="1">
+            <a:off x="2023204" y="4242725"/>
+            <a:ext cx="1370015" cy="1718"/>
+          </a:xfrm>
+          <a:prstGeom prst="straightConnector1">
             <a:avLst/>
           </a:prstGeom>
           <a:ln>
             <a:headEnd type="arrow"/>
-            <a:tailEnd type="none"/>
+            <a:tailEnd type="arrow"/>
           </a:ln>
         </p:spPr>
         <p:style>
@@ -17613,21 +20506,24 @@
       </p:cxnSp>
       <p:cxnSp>
         <p:nvCxnSpPr>
-          <p:cNvPr id="4" name="Straight Connector 3"/>
-          <p:cNvCxnSpPr/>
+          <p:cNvPr id="11" name="Straight Arrow Connector 10"/>
+          <p:cNvCxnSpPr>
+            <a:stCxn id="7" idx="3"/>
+            <a:endCxn id="5" idx="1"/>
+          </p:cNvCxnSpPr>
           <p:nvPr/>
         </p:nvCxnSpPr>
         <p:spPr>
-          <a:xfrm flipH="1">
-            <a:off x="1051466" y="4986079"/>
-            <a:ext cx="7576559" cy="0"/>
-          </a:xfrm>
-          <a:prstGeom prst="line">
+          <a:xfrm>
+            <a:off x="5848338" y="4244443"/>
+            <a:ext cx="1268318" cy="0"/>
+          </a:xfrm>
+          <a:prstGeom prst="straightConnector1">
             <a:avLst/>
           </a:prstGeom>
           <a:ln>
             <a:headEnd type="arrow"/>
-            <a:tailEnd type="none"/>
+            <a:tailEnd type="arrow"/>
           </a:ln>
         </p:spPr>
         <p:style>
@@ -17647,236 +20543,51 @@
       </p:cxnSp>
       <p:sp>
         <p:nvSpPr>
-          <p:cNvPr id="7" name="Freeform 6"/>
-          <p:cNvSpPr/>
-          <p:nvPr/>
-        </p:nvSpPr>
-        <p:spPr>
-          <a:xfrm>
-            <a:off x="1106088" y="1501984"/>
-            <a:ext cx="6377073" cy="1721945"/>
-          </a:xfrm>
-          <a:custGeom>
-            <a:avLst/>
-            <a:gdLst>
-              <a:gd name="connsiteX0" fmla="*/ 0 w 6377073"/>
-              <a:gd name="connsiteY0" fmla="*/ 355019 h 1334322"/>
-              <a:gd name="connsiteX1" fmla="*/ 1488439 w 6377073"/>
-              <a:gd name="connsiteY1" fmla="*/ 245782 h 1334322"/>
-              <a:gd name="connsiteX2" fmla="*/ 2731081 w 6377073"/>
-              <a:gd name="connsiteY2" fmla="*/ 996783 h 1334322"/>
-              <a:gd name="connsiteX3" fmla="*/ 4506283 w 6377073"/>
-              <a:gd name="connsiteY3" fmla="*/ 1283528 h 1334322"/>
-              <a:gd name="connsiteX4" fmla="*/ 6377073 w 6377073"/>
-              <a:gd name="connsiteY4" fmla="*/ 0 h 1334322"/>
-              <a:gd name="connsiteX5" fmla="*/ 6377073 w 6377073"/>
-              <a:gd name="connsiteY5" fmla="*/ 0 h 1334322"/>
-              <a:gd name="connsiteX6" fmla="*/ 6377073 w 6377073"/>
-              <a:gd name="connsiteY6" fmla="*/ 0 h 1334322"/>
-              <a:gd name="connsiteX0" fmla="*/ 0 w 6377073"/>
-              <a:gd name="connsiteY0" fmla="*/ 355019 h 1655028"/>
-              <a:gd name="connsiteX1" fmla="*/ 1488439 w 6377073"/>
-              <a:gd name="connsiteY1" fmla="*/ 245782 h 1655028"/>
-              <a:gd name="connsiteX2" fmla="*/ 2731081 w 6377073"/>
-              <a:gd name="connsiteY2" fmla="*/ 996783 h 1655028"/>
-              <a:gd name="connsiteX3" fmla="*/ 4519938 w 6377073"/>
-              <a:gd name="connsiteY3" fmla="*/ 1624892 h 1655028"/>
-              <a:gd name="connsiteX4" fmla="*/ 6377073 w 6377073"/>
-              <a:gd name="connsiteY4" fmla="*/ 0 h 1655028"/>
-              <a:gd name="connsiteX5" fmla="*/ 6377073 w 6377073"/>
-              <a:gd name="connsiteY5" fmla="*/ 0 h 1655028"/>
-              <a:gd name="connsiteX6" fmla="*/ 6377073 w 6377073"/>
-              <a:gd name="connsiteY6" fmla="*/ 0 h 1655028"/>
-              <a:gd name="connsiteX0" fmla="*/ 0 w 6377073"/>
-              <a:gd name="connsiteY0" fmla="*/ 355019 h 1652632"/>
-              <a:gd name="connsiteX1" fmla="*/ 1488439 w 6377073"/>
-              <a:gd name="connsiteY1" fmla="*/ 245782 h 1652632"/>
-              <a:gd name="connsiteX2" fmla="*/ 2758391 w 6377073"/>
-              <a:gd name="connsiteY2" fmla="*/ 969473 h 1652632"/>
-              <a:gd name="connsiteX3" fmla="*/ 4519938 w 6377073"/>
-              <a:gd name="connsiteY3" fmla="*/ 1624892 h 1652632"/>
-              <a:gd name="connsiteX4" fmla="*/ 6377073 w 6377073"/>
-              <a:gd name="connsiteY4" fmla="*/ 0 h 1652632"/>
-              <a:gd name="connsiteX5" fmla="*/ 6377073 w 6377073"/>
-              <a:gd name="connsiteY5" fmla="*/ 0 h 1652632"/>
-              <a:gd name="connsiteX6" fmla="*/ 6377073 w 6377073"/>
-              <a:gd name="connsiteY6" fmla="*/ 0 h 1652632"/>
-              <a:gd name="connsiteX0" fmla="*/ 0 w 6377073"/>
-              <a:gd name="connsiteY0" fmla="*/ 355019 h 1652632"/>
-              <a:gd name="connsiteX1" fmla="*/ 1488439 w 6377073"/>
-              <a:gd name="connsiteY1" fmla="*/ 245782 h 1652632"/>
-              <a:gd name="connsiteX2" fmla="*/ 2813012 w 6377073"/>
-              <a:gd name="connsiteY2" fmla="*/ 969473 h 1652632"/>
-              <a:gd name="connsiteX3" fmla="*/ 4519938 w 6377073"/>
-              <a:gd name="connsiteY3" fmla="*/ 1624892 h 1652632"/>
-              <a:gd name="connsiteX4" fmla="*/ 6377073 w 6377073"/>
-              <a:gd name="connsiteY4" fmla="*/ 0 h 1652632"/>
-              <a:gd name="connsiteX5" fmla="*/ 6377073 w 6377073"/>
-              <a:gd name="connsiteY5" fmla="*/ 0 h 1652632"/>
-              <a:gd name="connsiteX6" fmla="*/ 6377073 w 6377073"/>
-              <a:gd name="connsiteY6" fmla="*/ 0 h 1652632"/>
-              <a:gd name="connsiteX0" fmla="*/ 0 w 6377073"/>
-              <a:gd name="connsiteY0" fmla="*/ 355019 h 1653146"/>
-              <a:gd name="connsiteX1" fmla="*/ 1488439 w 6377073"/>
-              <a:gd name="connsiteY1" fmla="*/ 245782 h 1653146"/>
-              <a:gd name="connsiteX2" fmla="*/ 2813012 w 6377073"/>
-              <a:gd name="connsiteY2" fmla="*/ 969473 h 1653146"/>
-              <a:gd name="connsiteX3" fmla="*/ 4519938 w 6377073"/>
-              <a:gd name="connsiteY3" fmla="*/ 1624892 h 1653146"/>
-              <a:gd name="connsiteX4" fmla="*/ 6377073 w 6377073"/>
-              <a:gd name="connsiteY4" fmla="*/ 0 h 1653146"/>
-              <a:gd name="connsiteX5" fmla="*/ 6377073 w 6377073"/>
-              <a:gd name="connsiteY5" fmla="*/ 0 h 1653146"/>
-              <a:gd name="connsiteX6" fmla="*/ 6377073 w 6377073"/>
-              <a:gd name="connsiteY6" fmla="*/ 0 h 1653146"/>
-              <a:gd name="connsiteX0" fmla="*/ 0 w 6377073"/>
-              <a:gd name="connsiteY0" fmla="*/ 355019 h 1745421"/>
-              <a:gd name="connsiteX1" fmla="*/ 1488439 w 6377073"/>
-              <a:gd name="connsiteY1" fmla="*/ 245782 h 1745421"/>
-              <a:gd name="connsiteX2" fmla="*/ 2813012 w 6377073"/>
-              <a:gd name="connsiteY2" fmla="*/ 969473 h 1745421"/>
-              <a:gd name="connsiteX3" fmla="*/ 4574560 w 6377073"/>
-              <a:gd name="connsiteY3" fmla="*/ 1720474 h 1745421"/>
-              <a:gd name="connsiteX4" fmla="*/ 6377073 w 6377073"/>
-              <a:gd name="connsiteY4" fmla="*/ 0 h 1745421"/>
-              <a:gd name="connsiteX5" fmla="*/ 6377073 w 6377073"/>
-              <a:gd name="connsiteY5" fmla="*/ 0 h 1745421"/>
-              <a:gd name="connsiteX6" fmla="*/ 6377073 w 6377073"/>
-              <a:gd name="connsiteY6" fmla="*/ 0 h 1745421"/>
-              <a:gd name="connsiteX0" fmla="*/ 0 w 6377073"/>
-              <a:gd name="connsiteY0" fmla="*/ 355019 h 1721429"/>
-              <a:gd name="connsiteX1" fmla="*/ 1488439 w 6377073"/>
-              <a:gd name="connsiteY1" fmla="*/ 245782 h 1721429"/>
-              <a:gd name="connsiteX2" fmla="*/ 4574560 w 6377073"/>
-              <a:gd name="connsiteY2" fmla="*/ 1720474 h 1721429"/>
-              <a:gd name="connsiteX3" fmla="*/ 6377073 w 6377073"/>
-              <a:gd name="connsiteY3" fmla="*/ 0 h 1721429"/>
-              <a:gd name="connsiteX4" fmla="*/ 6377073 w 6377073"/>
-              <a:gd name="connsiteY4" fmla="*/ 0 h 1721429"/>
-              <a:gd name="connsiteX5" fmla="*/ 6377073 w 6377073"/>
-              <a:gd name="connsiteY5" fmla="*/ 0 h 1721429"/>
-              <a:gd name="connsiteX0" fmla="*/ 0 w 6377073"/>
-              <a:gd name="connsiteY0" fmla="*/ 355019 h 1721945"/>
-              <a:gd name="connsiteX1" fmla="*/ 1474784 w 6377073"/>
-              <a:gd name="connsiteY1" fmla="*/ 300400 h 1721945"/>
-              <a:gd name="connsiteX2" fmla="*/ 4574560 w 6377073"/>
-              <a:gd name="connsiteY2" fmla="*/ 1720474 h 1721945"/>
-              <a:gd name="connsiteX3" fmla="*/ 6377073 w 6377073"/>
-              <a:gd name="connsiteY3" fmla="*/ 0 h 1721945"/>
-              <a:gd name="connsiteX4" fmla="*/ 6377073 w 6377073"/>
-              <a:gd name="connsiteY4" fmla="*/ 0 h 1721945"/>
-              <a:gd name="connsiteX5" fmla="*/ 6377073 w 6377073"/>
-              <a:gd name="connsiteY5" fmla="*/ 0 h 1721945"/>
-              <a:gd name="connsiteX0" fmla="*/ 0 w 6377073"/>
-              <a:gd name="connsiteY0" fmla="*/ 355019 h 1736248"/>
-              <a:gd name="connsiteX1" fmla="*/ 1474784 w 6377073"/>
-              <a:gd name="connsiteY1" fmla="*/ 300400 h 1736248"/>
-              <a:gd name="connsiteX2" fmla="*/ 4574560 w 6377073"/>
-              <a:gd name="connsiteY2" fmla="*/ 1720474 h 1736248"/>
-              <a:gd name="connsiteX3" fmla="*/ 5721614 w 6377073"/>
-              <a:gd name="connsiteY3" fmla="*/ 996800 h 1736248"/>
-              <a:gd name="connsiteX4" fmla="*/ 6377073 w 6377073"/>
-              <a:gd name="connsiteY4" fmla="*/ 0 h 1736248"/>
-              <a:gd name="connsiteX5" fmla="*/ 6377073 w 6377073"/>
-              <a:gd name="connsiteY5" fmla="*/ 0 h 1736248"/>
-              <a:gd name="connsiteX6" fmla="*/ 6377073 w 6377073"/>
-              <a:gd name="connsiteY6" fmla="*/ 0 h 1736248"/>
-              <a:gd name="connsiteX0" fmla="*/ 0 w 6377073"/>
-              <a:gd name="connsiteY0" fmla="*/ 355019 h 1736248"/>
-              <a:gd name="connsiteX1" fmla="*/ 1474784 w 6377073"/>
-              <a:gd name="connsiteY1" fmla="*/ 300400 h 1736248"/>
-              <a:gd name="connsiteX2" fmla="*/ 4574560 w 6377073"/>
-              <a:gd name="connsiteY2" fmla="*/ 1720474 h 1736248"/>
-              <a:gd name="connsiteX3" fmla="*/ 5721614 w 6377073"/>
-              <a:gd name="connsiteY3" fmla="*/ 996800 h 1736248"/>
-              <a:gd name="connsiteX4" fmla="*/ 6377073 w 6377073"/>
-              <a:gd name="connsiteY4" fmla="*/ 0 h 1736248"/>
-              <a:gd name="connsiteX5" fmla="*/ 6377073 w 6377073"/>
-              <a:gd name="connsiteY5" fmla="*/ 0 h 1736248"/>
-              <a:gd name="connsiteX6" fmla="*/ 6377073 w 6377073"/>
-              <a:gd name="connsiteY6" fmla="*/ 0 h 1736248"/>
-              <a:gd name="connsiteX0" fmla="*/ 0 w 6377073"/>
-              <a:gd name="connsiteY0" fmla="*/ 355019 h 1738015"/>
-              <a:gd name="connsiteX1" fmla="*/ 1474784 w 6377073"/>
-              <a:gd name="connsiteY1" fmla="*/ 300400 h 1738015"/>
-              <a:gd name="connsiteX2" fmla="*/ 4574560 w 6377073"/>
-              <a:gd name="connsiteY2" fmla="*/ 1720474 h 1738015"/>
-              <a:gd name="connsiteX3" fmla="*/ 5721614 w 6377073"/>
-              <a:gd name="connsiteY3" fmla="*/ 996800 h 1738015"/>
-              <a:gd name="connsiteX4" fmla="*/ 6377073 w 6377073"/>
-              <a:gd name="connsiteY4" fmla="*/ 0 h 1738015"/>
-              <a:gd name="connsiteX5" fmla="*/ 6377073 w 6377073"/>
-              <a:gd name="connsiteY5" fmla="*/ 0 h 1738015"/>
-              <a:gd name="connsiteX6" fmla="*/ 6377073 w 6377073"/>
-              <a:gd name="connsiteY6" fmla="*/ 0 h 1738015"/>
-              <a:gd name="connsiteX0" fmla="*/ 0 w 6377073"/>
-              <a:gd name="connsiteY0" fmla="*/ 355019 h 1721945"/>
-              <a:gd name="connsiteX1" fmla="*/ 1474784 w 6377073"/>
-              <a:gd name="connsiteY1" fmla="*/ 300400 h 1721945"/>
-              <a:gd name="connsiteX2" fmla="*/ 4574560 w 6377073"/>
-              <a:gd name="connsiteY2" fmla="*/ 1720474 h 1721945"/>
-              <a:gd name="connsiteX3" fmla="*/ 6377073 w 6377073"/>
-              <a:gd name="connsiteY3" fmla="*/ 0 h 1721945"/>
-              <a:gd name="connsiteX4" fmla="*/ 6377073 w 6377073"/>
-              <a:gd name="connsiteY4" fmla="*/ 0 h 1721945"/>
-              <a:gd name="connsiteX5" fmla="*/ 6377073 w 6377073"/>
-              <a:gd name="connsiteY5" fmla="*/ 0 h 1721945"/>
-            </a:gdLst>
-            <a:ahLst/>
-            <a:cxnLst>
-              <a:cxn ang="0">
-                <a:pos x="connsiteX0" y="connsiteY0"/>
-              </a:cxn>
-              <a:cxn ang="0">
-                <a:pos x="connsiteX1" y="connsiteY1"/>
-              </a:cxn>
-              <a:cxn ang="0">
-                <a:pos x="connsiteX2" y="connsiteY2"/>
-              </a:cxn>
-              <a:cxn ang="0">
-                <a:pos x="connsiteX3" y="connsiteY3"/>
-              </a:cxn>
-              <a:cxn ang="0">
-                <a:pos x="connsiteX4" y="connsiteY4"/>
-              </a:cxn>
-              <a:cxn ang="0">
-                <a:pos x="connsiteX5" y="connsiteY5"/>
-              </a:cxn>
-            </a:cxnLst>
-            <a:rect l="l" t="t" r="r" b="b"/>
-            <a:pathLst>
-              <a:path w="6377073" h="1721945">
-                <a:moveTo>
-                  <a:pt x="0" y="355019"/>
-                </a:moveTo>
-                <a:cubicBezTo>
-                  <a:pt x="516629" y="246920"/>
-                  <a:pt x="712357" y="72824"/>
-                  <a:pt x="1474784" y="300400"/>
-                </a:cubicBezTo>
-                <a:cubicBezTo>
-                  <a:pt x="2237211" y="527976"/>
-                  <a:pt x="3757512" y="1770541"/>
-                  <a:pt x="4574560" y="1720474"/>
-                </a:cubicBezTo>
-                <a:cubicBezTo>
-                  <a:pt x="5391608" y="1670407"/>
-                  <a:pt x="6076654" y="286746"/>
-                  <a:pt x="6377073" y="0"/>
-                </a:cubicBezTo>
-                <a:lnTo>
-                  <a:pt x="6377073" y="0"/>
-                </a:lnTo>
-                <a:lnTo>
-                  <a:pt x="6377073" y="0"/>
-                </a:lnTo>
-              </a:path>
-            </a:pathLst>
-          </a:custGeom>
+          <p:cNvPr id="12" name="TextBox 11"/>
+          <p:cNvSpPr txBox="1"/>
+          <p:nvPr/>
+        </p:nvSpPr>
+        <p:spPr>
+          <a:xfrm>
+            <a:off x="5863815" y="4359086"/>
+            <a:ext cx="1249060" cy="307777"/>
+          </a:xfrm>
+          <a:prstGeom prst="rect">
+            <a:avLst/>
+          </a:prstGeom>
+          <a:noFill/>
+        </p:spPr>
+        <p:txBody>
+          <a:bodyPr wrap="none" rtlCol="0">
+            <a:spAutoFit/>
+          </a:bodyPr>
+          <a:lstStyle/>
+          <a:p>
+            <a:pPr algn="ctr"/>
+            <a:r>
+              <a:rPr lang="en-US" sz="1400" dirty="0" smtClean="0"/>
+              <a:t>Notifications</a:t>
+            </a:r>
+            <a:endParaRPr lang="en-US" sz="1400" dirty="0"/>
+          </a:p>
+        </p:txBody>
+      </p:sp>
+      <p:cxnSp>
+        <p:nvCxnSpPr>
+          <p:cNvPr id="14" name="Straight Arrow Connector 13"/>
+          <p:cNvCxnSpPr/>
+          <p:nvPr/>
+        </p:nvCxnSpPr>
+        <p:spPr>
+          <a:xfrm flipH="1">
+            <a:off x="2023204" y="5048973"/>
+            <a:ext cx="5093452" cy="0"/>
+          </a:xfrm>
+          <a:prstGeom prst="straightConnector1">
+            <a:avLst/>
+          </a:prstGeom>
           <a:ln w="28575" cmpd="sng">
-            <a:solidFill>
-              <a:srgbClr val="000000"/>
-            </a:solidFill>
+            <a:tailEnd type="arrow"/>
           </a:ln>
         </p:spPr>
         <p:style>
@@ -17893,29 +20604,395 @@
             <a:schemeClr val="tx1"/>
           </a:fontRef>
         </p:style>
+      </p:cxnSp>
+      <p:sp>
+        <p:nvSpPr>
+          <p:cNvPr id="26" name="TextBox 25"/>
+          <p:cNvSpPr txBox="1"/>
+          <p:nvPr/>
+        </p:nvSpPr>
+        <p:spPr>
+          <a:xfrm>
+            <a:off x="4128395" y="5186609"/>
+            <a:ext cx="3112165" cy="1384995"/>
+          </a:xfrm>
+          <a:prstGeom prst="rect">
+            <a:avLst/>
+          </a:prstGeom>
+          <a:noFill/>
+        </p:spPr>
+        <p:txBody>
+          <a:bodyPr wrap="square" rtlCol="0">
+            <a:spAutoFit/>
+          </a:bodyPr>
+          <a:lstStyle/>
+          <a:p>
+            <a:pPr marL="400050" indent="-400050">
+              <a:buFont typeface="+mj-lt"/>
+              <a:buAutoNum type="romanLcPeriod"/>
+            </a:pPr>
+            <a:r>
+              <a:rPr lang="en-US" sz="1400" dirty="0" smtClean="0"/>
+              <a:t>Media Path Congestion </a:t>
+            </a:r>
+            <a:r>
+              <a:rPr lang="en-US" sz="1400" dirty="0" smtClean="0"/>
+              <a:t>Cues </a:t>
+            </a:r>
+            <a:r>
+              <a:rPr lang="en-US" sz="1400" dirty="0" smtClean="0"/>
+              <a:t>(e.g</a:t>
+            </a:r>
+            <a:r>
+              <a:rPr lang="en-US" sz="1400" dirty="0" smtClean="0"/>
+              <a:t>., RTCP RR/XR</a:t>
+            </a:r>
+            <a:r>
+              <a:rPr lang="en-US" sz="1400" dirty="0" smtClean="0"/>
+              <a:t>)</a:t>
+            </a:r>
+            <a:endParaRPr lang="en-US" sz="1400" dirty="0" smtClean="0"/>
+          </a:p>
+          <a:p>
+            <a:pPr marL="400050" indent="-400050">
+              <a:buFont typeface="+mj-lt"/>
+              <a:buAutoNum type="romanLcPeriod"/>
+            </a:pPr>
+            <a:r>
+              <a:rPr lang="en-US" sz="1400" dirty="0" smtClean="0"/>
+              <a:t>Receiver's </a:t>
+            </a:r>
+            <a:r>
+              <a:rPr lang="en-US" sz="1400" dirty="0" smtClean="0"/>
+              <a:t>Estimate (</a:t>
+            </a:r>
+            <a:r>
+              <a:rPr lang="en-US" sz="1400" dirty="0" err="1" smtClean="0"/>
+              <a:t>e,g</a:t>
+            </a:r>
+            <a:r>
+              <a:rPr lang="en-US" sz="1400" dirty="0" smtClean="0"/>
+              <a:t>., REMB, TMMBR)</a:t>
+            </a:r>
+            <a:endParaRPr lang="en-US" sz="1400" dirty="0" smtClean="0"/>
+          </a:p>
+          <a:p>
+            <a:pPr marL="400050" indent="-400050">
+              <a:buFont typeface="+mj-lt"/>
+              <a:buAutoNum type="romanLcPeriod"/>
+            </a:pPr>
+            <a:r>
+              <a:rPr lang="en-US" sz="1400" dirty="0" smtClean="0"/>
+              <a:t>Receiver’s NCMS throughput</a:t>
+            </a:r>
+          </a:p>
+          <a:p>
+            <a:pPr marL="400050" indent="-400050">
+              <a:buFont typeface="+mj-lt"/>
+              <a:buAutoNum type="romanLcPeriod"/>
+            </a:pPr>
+            <a:r>
+              <a:rPr lang="en-US" sz="1400" dirty="0" smtClean="0"/>
+              <a:t>Receiver’s Notification</a:t>
+            </a:r>
+            <a:endParaRPr lang="en-US" sz="1400" dirty="0"/>
+          </a:p>
+        </p:txBody>
+      </p:sp>
+      <p:sp>
+        <p:nvSpPr>
+          <p:cNvPr id="28" name="Rectangle 27"/>
+          <p:cNvSpPr/>
+          <p:nvPr/>
+        </p:nvSpPr>
+        <p:spPr>
+          <a:xfrm>
+            <a:off x="355041" y="466423"/>
+            <a:ext cx="8251394" cy="380157"/>
+          </a:xfrm>
+          <a:prstGeom prst="rect">
+            <a:avLst/>
+          </a:prstGeom>
+          <a:solidFill>
+            <a:schemeClr val="bg1">
+              <a:lumMod val="85000"/>
+            </a:schemeClr>
+          </a:solidFill>
+          <a:ln>
+            <a:prstDash val="dash"/>
+          </a:ln>
+        </p:spPr>
+        <p:style>
+          <a:lnRef idx="2">
+            <a:schemeClr val="dk1"/>
+          </a:lnRef>
+          <a:fillRef idx="1">
+            <a:schemeClr val="lt1"/>
+          </a:fillRef>
+          <a:effectRef idx="0">
+            <a:schemeClr val="dk1"/>
+          </a:effectRef>
+          <a:fontRef idx="minor">
+            <a:schemeClr val="dk1"/>
+          </a:fontRef>
+        </p:style>
         <p:txBody>
           <a:bodyPr rtlCol="0" anchor="ctr"/>
           <a:lstStyle/>
           <a:p>
             <a:pPr algn="ctr"/>
-            <a:endParaRPr lang="en-US"/>
+            <a:r>
+              <a:rPr lang="en-US" dirty="0" smtClean="0"/>
+              <a:t>Network Coverage Map Service (NCMS)</a:t>
+            </a:r>
+            <a:endParaRPr lang="en-US" sz="1600" dirty="0"/>
           </a:p>
         </p:txBody>
       </p:sp>
       <p:cxnSp>
         <p:nvCxnSpPr>
-          <p:cNvPr id="8" name="Straight Connector 7"/>
+          <p:cNvPr id="29" name="Straight Arrow Connector 28"/>
           <p:cNvCxnSpPr/>
           <p:nvPr/>
         </p:nvCxnSpPr>
         <p:spPr>
-          <a:xfrm>
-            <a:off x="1886637" y="4816556"/>
-            <a:ext cx="0" cy="288946"/>
-          </a:xfrm>
-          <a:prstGeom prst="line">
-            <a:avLst/>
-          </a:prstGeom>
+          <a:xfrm flipV="1">
+            <a:off x="7499274" y="846581"/>
+            <a:ext cx="0" cy="2047573"/>
+          </a:xfrm>
+          <a:prstGeom prst="straightConnector1">
+            <a:avLst/>
+          </a:prstGeom>
+          <a:ln>
+            <a:tailEnd type="arrow"/>
+          </a:ln>
+        </p:spPr>
+        <p:style>
+          <a:lnRef idx="1">
+            <a:schemeClr val="dk1"/>
+          </a:lnRef>
+          <a:fillRef idx="0">
+            <a:schemeClr val="dk1"/>
+          </a:fillRef>
+          <a:effectRef idx="0">
+            <a:schemeClr val="dk1"/>
+          </a:effectRef>
+          <a:fontRef idx="minor">
+            <a:schemeClr val="tx1"/>
+          </a:fontRef>
+        </p:style>
+      </p:cxnSp>
+      <p:sp>
+        <p:nvSpPr>
+          <p:cNvPr id="30" name="TextBox 29"/>
+          <p:cNvSpPr txBox="1"/>
+          <p:nvPr/>
+        </p:nvSpPr>
+        <p:spPr>
+          <a:xfrm>
+            <a:off x="7068387" y="1144841"/>
+            <a:ext cx="400110" cy="1576738"/>
+          </a:xfrm>
+          <a:prstGeom prst="rect">
+            <a:avLst/>
+          </a:prstGeom>
+          <a:noFill/>
+        </p:spPr>
+        <p:txBody>
+          <a:bodyPr vert="vert270" wrap="none" rtlCol="0">
+            <a:spAutoFit/>
+          </a:bodyPr>
+          <a:lstStyle/>
+          <a:p>
+            <a:r>
+              <a:rPr lang="en-US" sz="1400" dirty="0" smtClean="0"/>
+              <a:t>Coverage Update</a:t>
+            </a:r>
+            <a:endParaRPr lang="en-US" sz="1400" dirty="0"/>
+          </a:p>
+        </p:txBody>
+      </p:sp>
+      <p:sp>
+        <p:nvSpPr>
+          <p:cNvPr id="31" name="TextBox 30"/>
+          <p:cNvSpPr txBox="1"/>
+          <p:nvPr/>
+        </p:nvSpPr>
+        <p:spPr>
+          <a:xfrm>
+            <a:off x="534192" y="965176"/>
+            <a:ext cx="400110" cy="1772280"/>
+          </a:xfrm>
+          <a:prstGeom prst="rect">
+            <a:avLst/>
+          </a:prstGeom>
+          <a:noFill/>
+        </p:spPr>
+        <p:txBody>
+          <a:bodyPr vert="vert270" wrap="none" rtlCol="0">
+            <a:spAutoFit/>
+          </a:bodyPr>
+          <a:lstStyle/>
+          <a:p>
+            <a:r>
+              <a:rPr lang="en-US" sz="1400" dirty="0" err="1" smtClean="0"/>
+              <a:t>Lookahead</a:t>
+            </a:r>
+            <a:r>
+              <a:rPr lang="en-US" sz="1400" dirty="0" smtClean="0"/>
+              <a:t> Request</a:t>
+            </a:r>
+            <a:endParaRPr lang="en-US" sz="1400" dirty="0"/>
+          </a:p>
+        </p:txBody>
+      </p:sp>
+      <p:cxnSp>
+        <p:nvCxnSpPr>
+          <p:cNvPr id="32" name="Straight Arrow Connector 31"/>
+          <p:cNvCxnSpPr/>
+          <p:nvPr/>
+        </p:nvCxnSpPr>
+        <p:spPr>
+          <a:xfrm flipV="1">
+            <a:off x="7936882" y="846581"/>
+            <a:ext cx="0" cy="2047573"/>
+          </a:xfrm>
+          <a:prstGeom prst="straightConnector1">
+            <a:avLst/>
+          </a:prstGeom>
+          <a:ln>
+            <a:tailEnd type="arrow"/>
+          </a:ln>
+        </p:spPr>
+        <p:style>
+          <a:lnRef idx="1">
+            <a:schemeClr val="dk1"/>
+          </a:lnRef>
+          <a:fillRef idx="0">
+            <a:schemeClr val="dk1"/>
+          </a:fillRef>
+          <a:effectRef idx="0">
+            <a:schemeClr val="dk1"/>
+          </a:effectRef>
+          <a:fontRef idx="minor">
+            <a:schemeClr val="tx1"/>
+          </a:fontRef>
+        </p:style>
+      </p:cxnSp>
+      <p:sp>
+        <p:nvSpPr>
+          <p:cNvPr id="33" name="TextBox 32"/>
+          <p:cNvSpPr txBox="1"/>
+          <p:nvPr/>
+        </p:nvSpPr>
+        <p:spPr>
+          <a:xfrm>
+            <a:off x="7536772" y="953671"/>
+            <a:ext cx="400110" cy="1772280"/>
+          </a:xfrm>
+          <a:prstGeom prst="rect">
+            <a:avLst/>
+          </a:prstGeom>
+          <a:noFill/>
+        </p:spPr>
+        <p:txBody>
+          <a:bodyPr vert="vert270" wrap="none" rtlCol="0">
+            <a:spAutoFit/>
+          </a:bodyPr>
+          <a:lstStyle/>
+          <a:p>
+            <a:r>
+              <a:rPr lang="en-US" sz="1400" dirty="0" err="1" smtClean="0"/>
+              <a:t>Lookahead</a:t>
+            </a:r>
+            <a:r>
+              <a:rPr lang="en-US" sz="1400" dirty="0" smtClean="0"/>
+              <a:t> Request</a:t>
+            </a:r>
+            <a:endParaRPr lang="en-US" sz="1400" dirty="0"/>
+          </a:p>
+        </p:txBody>
+      </p:sp>
+      <p:cxnSp>
+        <p:nvCxnSpPr>
+          <p:cNvPr id="34" name="Straight Arrow Connector 33"/>
+          <p:cNvCxnSpPr/>
+          <p:nvPr/>
+        </p:nvCxnSpPr>
+        <p:spPr>
+          <a:xfrm>
+            <a:off x="8333326" y="846581"/>
+            <a:ext cx="0" cy="2047573"/>
+          </a:xfrm>
+          <a:prstGeom prst="straightConnector1">
+            <a:avLst/>
+          </a:prstGeom>
+          <a:ln>
+            <a:tailEnd type="arrow"/>
+          </a:ln>
+        </p:spPr>
+        <p:style>
+          <a:lnRef idx="1">
+            <a:schemeClr val="dk1"/>
+          </a:lnRef>
+          <a:fillRef idx="0">
+            <a:schemeClr val="dk1"/>
+          </a:fillRef>
+          <a:effectRef idx="0">
+            <a:schemeClr val="dk1"/>
+          </a:effectRef>
+          <a:fontRef idx="minor">
+            <a:schemeClr val="tx1"/>
+          </a:fontRef>
+        </p:style>
+      </p:cxnSp>
+      <p:sp>
+        <p:nvSpPr>
+          <p:cNvPr id="35" name="TextBox 34"/>
+          <p:cNvSpPr txBox="1"/>
+          <p:nvPr/>
+        </p:nvSpPr>
+        <p:spPr>
+          <a:xfrm>
+            <a:off x="7936882" y="959287"/>
+            <a:ext cx="400110" cy="1682512"/>
+          </a:xfrm>
+          <a:prstGeom prst="rect">
+            <a:avLst/>
+          </a:prstGeom>
+          <a:noFill/>
+        </p:spPr>
+        <p:txBody>
+          <a:bodyPr vert="vert270" wrap="none" rtlCol="0">
+            <a:spAutoFit/>
+          </a:bodyPr>
+          <a:lstStyle/>
+          <a:p>
+            <a:r>
+              <a:rPr lang="en-US" sz="1400" dirty="0" smtClean="0"/>
+              <a:t>Coverage Map Info</a:t>
+            </a:r>
+            <a:endParaRPr lang="en-US" sz="1400" dirty="0"/>
+          </a:p>
+        </p:txBody>
+      </p:sp>
+      <p:cxnSp>
+        <p:nvCxnSpPr>
+          <p:cNvPr id="36" name="Straight Arrow Connector 35"/>
+          <p:cNvCxnSpPr/>
+          <p:nvPr/>
+        </p:nvCxnSpPr>
+        <p:spPr>
+          <a:xfrm flipV="1">
+            <a:off x="944514" y="840965"/>
+            <a:ext cx="0" cy="2047573"/>
+          </a:xfrm>
+          <a:prstGeom prst="straightConnector1">
+            <a:avLst/>
+          </a:prstGeom>
+          <a:ln>
+            <a:tailEnd type="arrow"/>
+          </a:ln>
         </p:spPr>
         <p:style>
           <a:lnRef idx="1">
@@ -17934,18 +21011,21 @@
       </p:cxnSp>
       <p:cxnSp>
         <p:nvCxnSpPr>
-          <p:cNvPr id="10" name="Straight Connector 9"/>
+          <p:cNvPr id="37" name="Straight Arrow Connector 36"/>
           <p:cNvCxnSpPr/>
           <p:nvPr/>
         </p:nvCxnSpPr>
         <p:spPr>
           <a:xfrm>
-            <a:off x="2721809" y="4816556"/>
-            <a:ext cx="0" cy="288946"/>
-          </a:xfrm>
-          <a:prstGeom prst="line">
-            <a:avLst/>
-          </a:prstGeom>
+            <a:off x="1340958" y="840965"/>
+            <a:ext cx="0" cy="2047573"/>
+          </a:xfrm>
+          <a:prstGeom prst="straightConnector1">
+            <a:avLst/>
+          </a:prstGeom>
+          <a:ln>
+            <a:tailEnd type="arrow"/>
+          </a:ln>
         </p:spPr>
         <p:style>
           <a:lnRef idx="1">
@@ -17962,242 +21042,166 @@
           </a:fontRef>
         </p:style>
       </p:cxnSp>
-      <p:cxnSp>
-        <p:nvCxnSpPr>
-          <p:cNvPr id="13" name="Straight Connector 12"/>
-          <p:cNvCxnSpPr/>
-          <p:nvPr/>
-        </p:nvCxnSpPr>
-        <p:spPr>
-          <a:xfrm>
-            <a:off x="3556981" y="4824365"/>
-            <a:ext cx="0" cy="288946"/>
-          </a:xfrm>
-          <a:prstGeom prst="line">
-            <a:avLst/>
-          </a:prstGeom>
-        </p:spPr>
-        <p:style>
-          <a:lnRef idx="1">
-            <a:schemeClr val="dk1"/>
-          </a:lnRef>
-          <a:fillRef idx="0">
-            <a:schemeClr val="dk1"/>
-          </a:fillRef>
-          <a:effectRef idx="0">
-            <a:schemeClr val="dk1"/>
-          </a:effectRef>
-          <a:fontRef idx="minor">
-            <a:schemeClr val="tx1"/>
-          </a:fontRef>
-        </p:style>
-      </p:cxnSp>
-      <p:cxnSp>
-        <p:nvCxnSpPr>
-          <p:cNvPr id="15" name="Straight Connector 14"/>
-          <p:cNvCxnSpPr/>
-          <p:nvPr/>
-        </p:nvCxnSpPr>
-        <p:spPr>
-          <a:xfrm>
-            <a:off x="4392153" y="4816556"/>
-            <a:ext cx="0" cy="288946"/>
-          </a:xfrm>
-          <a:prstGeom prst="line">
-            <a:avLst/>
-          </a:prstGeom>
-        </p:spPr>
-        <p:style>
-          <a:lnRef idx="1">
-            <a:schemeClr val="dk1"/>
-          </a:lnRef>
-          <a:fillRef idx="0">
-            <a:schemeClr val="dk1"/>
-          </a:fillRef>
-          <a:effectRef idx="0">
-            <a:schemeClr val="dk1"/>
-          </a:effectRef>
-          <a:fontRef idx="minor">
-            <a:schemeClr val="tx1"/>
-          </a:fontRef>
-        </p:style>
-      </p:cxnSp>
-      <p:cxnSp>
-        <p:nvCxnSpPr>
-          <p:cNvPr id="17" name="Straight Connector 16"/>
-          <p:cNvCxnSpPr/>
-          <p:nvPr/>
-        </p:nvCxnSpPr>
-        <p:spPr>
-          <a:xfrm>
-            <a:off x="5224631" y="4816556"/>
-            <a:ext cx="0" cy="288946"/>
-          </a:xfrm>
-          <a:prstGeom prst="line">
-            <a:avLst/>
-          </a:prstGeom>
-        </p:spPr>
-        <p:style>
-          <a:lnRef idx="1">
-            <a:schemeClr val="dk1"/>
-          </a:lnRef>
-          <a:fillRef idx="0">
-            <a:schemeClr val="dk1"/>
-          </a:fillRef>
-          <a:effectRef idx="0">
-            <a:schemeClr val="dk1"/>
-          </a:effectRef>
-          <a:fontRef idx="minor">
-            <a:schemeClr val="tx1"/>
-          </a:fontRef>
-        </p:style>
-      </p:cxnSp>
-      <p:sp>
-        <p:nvSpPr>
-          <p:cNvPr id="18" name="Left Brace 17"/>
-          <p:cNvSpPr/>
-          <p:nvPr/>
-        </p:nvSpPr>
-        <p:spPr>
-          <a:xfrm rot="16200000">
-            <a:off x="4640143" y="4945175"/>
-            <a:ext cx="339193" cy="835172"/>
-          </a:xfrm>
-          <a:prstGeom prst="leftBrace">
-            <a:avLst/>
-          </a:prstGeom>
-          <a:ln>
-            <a:solidFill>
-              <a:schemeClr val="tx1">
-                <a:lumMod val="75000"/>
-                <a:lumOff val="25000"/>
-              </a:schemeClr>
-            </a:solidFill>
-          </a:ln>
-        </p:spPr>
-        <p:style>
-          <a:lnRef idx="1">
-            <a:schemeClr val="dk1"/>
-          </a:lnRef>
-          <a:fillRef idx="0">
-            <a:schemeClr val="dk1"/>
-          </a:fillRef>
-          <a:effectRef idx="0">
-            <a:schemeClr val="dk1"/>
-          </a:effectRef>
-          <a:fontRef idx="minor">
-            <a:schemeClr val="tx1"/>
-          </a:fontRef>
-        </p:style>
-        <p:txBody>
-          <a:bodyPr rtlCol="0" anchor="ctr"/>
-          <a:lstStyle/>
-          <a:p>
-            <a:pPr algn="ctr"/>
-            <a:endParaRPr lang="en-US"/>
-          </a:p>
-        </p:txBody>
-      </p:sp>
-      <p:cxnSp>
-        <p:nvCxnSpPr>
-          <p:cNvPr id="19" name="Straight Connector 18"/>
-          <p:cNvCxnSpPr/>
-          <p:nvPr/>
-        </p:nvCxnSpPr>
-        <p:spPr>
-          <a:xfrm>
-            <a:off x="6062498" y="4816556"/>
-            <a:ext cx="0" cy="288946"/>
-          </a:xfrm>
-          <a:prstGeom prst="line">
-            <a:avLst/>
-          </a:prstGeom>
-        </p:spPr>
-        <p:style>
-          <a:lnRef idx="1">
-            <a:schemeClr val="dk1"/>
-          </a:lnRef>
-          <a:fillRef idx="0">
-            <a:schemeClr val="dk1"/>
-          </a:fillRef>
-          <a:effectRef idx="0">
-            <a:schemeClr val="dk1"/>
-          </a:effectRef>
-          <a:fontRef idx="minor">
-            <a:schemeClr val="tx1"/>
-          </a:fontRef>
-        </p:style>
-      </p:cxnSp>
-      <p:cxnSp>
-        <p:nvCxnSpPr>
-          <p:cNvPr id="21" name="Straight Connector 20"/>
-          <p:cNvCxnSpPr/>
-          <p:nvPr/>
-        </p:nvCxnSpPr>
-        <p:spPr>
-          <a:xfrm>
-            <a:off x="6897670" y="4816556"/>
-            <a:ext cx="0" cy="288946"/>
-          </a:xfrm>
-          <a:prstGeom prst="line">
-            <a:avLst/>
-          </a:prstGeom>
-        </p:spPr>
-        <p:style>
-          <a:lnRef idx="1">
-            <a:schemeClr val="dk1"/>
-          </a:lnRef>
-          <a:fillRef idx="0">
-            <a:schemeClr val="dk1"/>
-          </a:fillRef>
-          <a:effectRef idx="0">
-            <a:schemeClr val="dk1"/>
-          </a:effectRef>
-          <a:fontRef idx="minor">
-            <a:schemeClr val="tx1"/>
-          </a:fontRef>
-        </p:style>
-      </p:cxnSp>
-      <p:cxnSp>
-        <p:nvCxnSpPr>
-          <p:cNvPr id="23" name="Straight Connector 22"/>
-          <p:cNvCxnSpPr/>
-          <p:nvPr/>
-        </p:nvCxnSpPr>
-        <p:spPr>
-          <a:xfrm>
-            <a:off x="7732843" y="4816556"/>
-            <a:ext cx="0" cy="288946"/>
-          </a:xfrm>
-          <a:prstGeom prst="line">
-            <a:avLst/>
-          </a:prstGeom>
-        </p:spPr>
-        <p:style>
-          <a:lnRef idx="1">
-            <a:schemeClr val="dk1"/>
-          </a:lnRef>
-          <a:fillRef idx="0">
-            <a:schemeClr val="dk1"/>
-          </a:fillRef>
-          <a:effectRef idx="0">
-            <a:schemeClr val="dk1"/>
-          </a:effectRef>
-          <a:fontRef idx="minor">
-            <a:schemeClr val="tx1"/>
-          </a:fontRef>
-        </p:style>
-      </p:cxnSp>
-      <p:sp>
-        <p:nvSpPr>
-          <p:cNvPr id="25" name="TextBox 24"/>
+      <p:sp>
+        <p:nvSpPr>
+          <p:cNvPr id="38" name="TextBox 37"/>
           <p:cNvSpPr txBox="1"/>
           <p:nvPr/>
         </p:nvSpPr>
         <p:spPr>
           <a:xfrm>
-            <a:off x="4392153" y="5628403"/>
-            <a:ext cx="835173" cy="523220"/>
+            <a:off x="944514" y="953671"/>
+            <a:ext cx="400110" cy="1682512"/>
+          </a:xfrm>
+          <a:prstGeom prst="rect">
+            <a:avLst/>
+          </a:prstGeom>
+          <a:noFill/>
+        </p:spPr>
+        <p:txBody>
+          <a:bodyPr vert="vert270" wrap="none" rtlCol="0">
+            <a:spAutoFit/>
+          </a:bodyPr>
+          <a:lstStyle/>
+          <a:p>
+            <a:r>
+              <a:rPr lang="en-US" sz="1400" dirty="0" smtClean="0"/>
+              <a:t>Coverage Map Info</a:t>
+            </a:r>
+            <a:endParaRPr lang="en-US" sz="1400" dirty="0"/>
+          </a:p>
+        </p:txBody>
+      </p:sp>
+      <p:sp>
+        <p:nvSpPr>
+          <p:cNvPr id="39" name="TextBox 38"/>
+          <p:cNvSpPr txBox="1"/>
+          <p:nvPr/>
+        </p:nvSpPr>
+        <p:spPr>
+          <a:xfrm>
+            <a:off x="3561547" y="5048973"/>
+            <a:ext cx="581339" cy="769441"/>
+          </a:xfrm>
+          <a:prstGeom prst="rect">
+            <a:avLst/>
+          </a:prstGeom>
+          <a:noFill/>
+        </p:spPr>
+        <p:txBody>
+          <a:bodyPr wrap="none" rtlCol="0">
+            <a:spAutoFit/>
+          </a:bodyPr>
+          <a:lstStyle/>
+          <a:p>
+            <a:r>
+              <a:rPr lang="en-US" sz="4400" dirty="0" smtClean="0">
+                <a:solidFill>
+                  <a:schemeClr val="accent3"/>
+                </a:solidFill>
+                <a:latin typeface="+mj-lt"/>
+              </a:rPr>
+              <a:t>D</a:t>
+            </a:r>
+            <a:endParaRPr lang="en-US" sz="4400" dirty="0">
+              <a:solidFill>
+                <a:schemeClr val="accent3"/>
+              </a:solidFill>
+              <a:latin typeface="+mj-lt"/>
+            </a:endParaRPr>
+          </a:p>
+        </p:txBody>
+      </p:sp>
+      <p:sp>
+        <p:nvSpPr>
+          <p:cNvPr id="40" name="TextBox 39"/>
+          <p:cNvSpPr txBox="1"/>
+          <p:nvPr/>
+        </p:nvSpPr>
+        <p:spPr>
+          <a:xfrm>
+            <a:off x="2387364" y="2950299"/>
+            <a:ext cx="633507" cy="769441"/>
+          </a:xfrm>
+          <a:prstGeom prst="rect">
+            <a:avLst/>
+          </a:prstGeom>
+          <a:noFill/>
+        </p:spPr>
+        <p:txBody>
+          <a:bodyPr wrap="none" rtlCol="0">
+            <a:spAutoFit/>
+          </a:bodyPr>
+          <a:lstStyle/>
+          <a:p>
+            <a:r>
+              <a:rPr lang="en-US" sz="4400" dirty="0" smtClean="0">
+                <a:solidFill>
+                  <a:schemeClr val="accent3"/>
+                </a:solidFill>
+                <a:latin typeface="+mj-lt"/>
+              </a:rPr>
+              <a:t>A</a:t>
+            </a:r>
+            <a:endParaRPr lang="en-US" sz="4400" dirty="0">
+              <a:solidFill>
+                <a:schemeClr val="accent3"/>
+              </a:solidFill>
+              <a:latin typeface="+mj-lt"/>
+            </a:endParaRPr>
+          </a:p>
+        </p:txBody>
+      </p:sp>
+      <p:sp>
+        <p:nvSpPr>
+          <p:cNvPr id="41" name="TextBox 40"/>
+          <p:cNvSpPr txBox="1"/>
+          <p:nvPr/>
+        </p:nvSpPr>
+        <p:spPr>
+          <a:xfrm>
+            <a:off x="6579897" y="1467910"/>
+            <a:ext cx="569387" cy="769441"/>
+          </a:xfrm>
+          <a:prstGeom prst="rect">
+            <a:avLst/>
+          </a:prstGeom>
+          <a:noFill/>
+        </p:spPr>
+        <p:txBody>
+          <a:bodyPr wrap="none" rtlCol="0">
+            <a:spAutoFit/>
+          </a:bodyPr>
+          <a:lstStyle/>
+          <a:p>
+            <a:r>
+              <a:rPr lang="en-US" sz="4400" dirty="0" smtClean="0">
+                <a:solidFill>
+                  <a:schemeClr val="accent3"/>
+                </a:solidFill>
+                <a:latin typeface="+mj-lt"/>
+              </a:rPr>
+              <a:t>C</a:t>
+            </a:r>
+            <a:endParaRPr lang="en-US" sz="4400" dirty="0">
+              <a:solidFill>
+                <a:schemeClr val="accent3"/>
+              </a:solidFill>
+              <a:latin typeface="+mj-lt"/>
+            </a:endParaRPr>
+          </a:p>
+        </p:txBody>
+      </p:sp>
+      <p:sp>
+        <p:nvSpPr>
+          <p:cNvPr id="44" name="TextBox 43"/>
+          <p:cNvSpPr txBox="1"/>
+          <p:nvPr/>
+        </p:nvSpPr>
+        <p:spPr>
+          <a:xfrm>
+            <a:off x="-468797" y="5924427"/>
+            <a:ext cx="3336431" cy="1600438"/>
           </a:xfrm>
           <a:prstGeom prst="rect">
             <a:avLst/>
@@ -18208,315 +21212,91 @@
           <a:bodyPr wrap="square" rtlCol="0">
             <a:spAutoFit/>
           </a:bodyPr>
-          <a:lstStyle/>
-          <a:p>
-            <a:pPr algn="ctr"/>
-            <a:r>
-              <a:rPr lang="en-US" sz="1400" b="1" dirty="0" smtClean="0"/>
-              <a:t>RTCP Interval</a:t>
-            </a:r>
-          </a:p>
-        </p:txBody>
-      </p:sp>
-      <p:cxnSp>
-        <p:nvCxnSpPr>
-          <p:cNvPr id="27" name="Straight Connector 26"/>
-          <p:cNvCxnSpPr/>
-          <p:nvPr/>
-        </p:nvCxnSpPr>
-        <p:spPr>
-          <a:xfrm>
-            <a:off x="1888827" y="634651"/>
-            <a:ext cx="0" cy="4478660"/>
-          </a:xfrm>
-          <a:prstGeom prst="line">
-            <a:avLst/>
-          </a:prstGeom>
-          <a:ln>
-            <a:prstDash val="dot"/>
-            <a:headEnd type="none"/>
-            <a:tailEnd type="none"/>
-          </a:ln>
-        </p:spPr>
-        <p:style>
-          <a:lnRef idx="1">
-            <a:schemeClr val="dk1"/>
-          </a:lnRef>
-          <a:fillRef idx="0">
-            <a:schemeClr val="dk1"/>
-          </a:fillRef>
-          <a:effectRef idx="0">
-            <a:schemeClr val="dk1"/>
-          </a:effectRef>
-          <a:fontRef idx="minor">
-            <a:schemeClr val="tx1"/>
-          </a:fontRef>
-        </p:style>
-      </p:cxnSp>
-      <p:cxnSp>
-        <p:nvCxnSpPr>
-          <p:cNvPr id="28" name="Straight Connector 27"/>
-          <p:cNvCxnSpPr/>
-          <p:nvPr/>
-        </p:nvCxnSpPr>
-        <p:spPr>
-          <a:xfrm>
-            <a:off x="2728381" y="626842"/>
-            <a:ext cx="0" cy="4478660"/>
-          </a:xfrm>
-          <a:prstGeom prst="line">
-            <a:avLst/>
-          </a:prstGeom>
-          <a:ln>
-            <a:prstDash val="dot"/>
-            <a:headEnd type="none"/>
-            <a:tailEnd type="none"/>
-          </a:ln>
-        </p:spPr>
-        <p:style>
-          <a:lnRef idx="1">
-            <a:schemeClr val="dk1"/>
-          </a:lnRef>
-          <a:fillRef idx="0">
-            <a:schemeClr val="dk1"/>
-          </a:fillRef>
-          <a:effectRef idx="0">
-            <a:schemeClr val="dk1"/>
-          </a:effectRef>
-          <a:fontRef idx="minor">
-            <a:schemeClr val="tx1"/>
-          </a:fontRef>
-        </p:style>
-      </p:cxnSp>
-      <p:cxnSp>
-        <p:nvCxnSpPr>
-          <p:cNvPr id="29" name="Straight Connector 28"/>
-          <p:cNvCxnSpPr/>
-          <p:nvPr/>
-        </p:nvCxnSpPr>
-        <p:spPr>
-          <a:xfrm>
-            <a:off x="3556981" y="634651"/>
-            <a:ext cx="0" cy="4478660"/>
-          </a:xfrm>
-          <a:prstGeom prst="line">
-            <a:avLst/>
-          </a:prstGeom>
-          <a:ln>
-            <a:prstDash val="dot"/>
-            <a:headEnd type="none"/>
-            <a:tailEnd type="none"/>
-          </a:ln>
-        </p:spPr>
-        <p:style>
-          <a:lnRef idx="1">
-            <a:schemeClr val="dk1"/>
-          </a:lnRef>
-          <a:fillRef idx="0">
-            <a:schemeClr val="dk1"/>
-          </a:fillRef>
-          <a:effectRef idx="0">
-            <a:schemeClr val="dk1"/>
-          </a:effectRef>
-          <a:fontRef idx="minor">
-            <a:schemeClr val="tx1"/>
-          </a:fontRef>
-        </p:style>
-      </p:cxnSp>
-      <p:cxnSp>
-        <p:nvCxnSpPr>
-          <p:cNvPr id="30" name="Straight Connector 29"/>
-          <p:cNvCxnSpPr/>
-          <p:nvPr/>
-        </p:nvCxnSpPr>
-        <p:spPr>
-          <a:xfrm>
-            <a:off x="4392153" y="626842"/>
-            <a:ext cx="0" cy="4478660"/>
-          </a:xfrm>
-          <a:prstGeom prst="line">
-            <a:avLst/>
-          </a:prstGeom>
-          <a:ln>
-            <a:prstDash val="dot"/>
-            <a:headEnd type="none"/>
-            <a:tailEnd type="none"/>
-          </a:ln>
-        </p:spPr>
-        <p:style>
-          <a:lnRef idx="1">
-            <a:schemeClr val="dk1"/>
-          </a:lnRef>
-          <a:fillRef idx="0">
-            <a:schemeClr val="dk1"/>
-          </a:fillRef>
-          <a:effectRef idx="0">
-            <a:schemeClr val="dk1"/>
-          </a:effectRef>
-          <a:fontRef idx="minor">
-            <a:schemeClr val="tx1"/>
-          </a:fontRef>
-        </p:style>
-      </p:cxnSp>
-      <p:cxnSp>
-        <p:nvCxnSpPr>
-          <p:cNvPr id="31" name="Straight Connector 30"/>
-          <p:cNvCxnSpPr/>
-          <p:nvPr/>
-        </p:nvCxnSpPr>
-        <p:spPr>
-          <a:xfrm>
-            <a:off x="5218342" y="634651"/>
-            <a:ext cx="0" cy="4478660"/>
-          </a:xfrm>
-          <a:prstGeom prst="line">
-            <a:avLst/>
-          </a:prstGeom>
-          <a:ln>
-            <a:prstDash val="dot"/>
-            <a:headEnd type="none"/>
-            <a:tailEnd type="none"/>
-          </a:ln>
-        </p:spPr>
-        <p:style>
-          <a:lnRef idx="1">
-            <a:schemeClr val="dk1"/>
-          </a:lnRef>
-          <a:fillRef idx="0">
-            <a:schemeClr val="dk1"/>
-          </a:fillRef>
-          <a:effectRef idx="0">
-            <a:schemeClr val="dk1"/>
-          </a:effectRef>
-          <a:fontRef idx="minor">
-            <a:schemeClr val="tx1"/>
-          </a:fontRef>
-        </p:style>
-      </p:cxnSp>
-      <p:cxnSp>
-        <p:nvCxnSpPr>
-          <p:cNvPr id="32" name="Straight Connector 31"/>
-          <p:cNvCxnSpPr/>
-          <p:nvPr/>
-        </p:nvCxnSpPr>
-        <p:spPr>
-          <a:xfrm>
-            <a:off x="6062498" y="634651"/>
-            <a:ext cx="0" cy="4478660"/>
-          </a:xfrm>
-          <a:prstGeom prst="line">
-            <a:avLst/>
-          </a:prstGeom>
-          <a:ln>
-            <a:prstDash val="dot"/>
-            <a:headEnd type="none"/>
-            <a:tailEnd type="none"/>
-          </a:ln>
-        </p:spPr>
-        <p:style>
-          <a:lnRef idx="1">
-            <a:schemeClr val="dk1"/>
-          </a:lnRef>
-          <a:fillRef idx="0">
-            <a:schemeClr val="dk1"/>
-          </a:fillRef>
-          <a:effectRef idx="0">
-            <a:schemeClr val="dk1"/>
-          </a:effectRef>
-          <a:fontRef idx="minor">
-            <a:schemeClr val="tx1"/>
-          </a:fontRef>
-        </p:style>
-      </p:cxnSp>
-      <p:cxnSp>
-        <p:nvCxnSpPr>
-          <p:cNvPr id="33" name="Straight Connector 32"/>
-          <p:cNvCxnSpPr/>
-          <p:nvPr/>
-        </p:nvCxnSpPr>
-        <p:spPr>
-          <a:xfrm>
-            <a:off x="6897670" y="626842"/>
-            <a:ext cx="0" cy="4478660"/>
-          </a:xfrm>
-          <a:prstGeom prst="line">
-            <a:avLst/>
-          </a:prstGeom>
-          <a:ln>
-            <a:solidFill>
-              <a:srgbClr val="7F7F7F"/>
-            </a:solidFill>
-            <a:prstDash val="dot"/>
-            <a:headEnd type="none"/>
-            <a:tailEnd type="none"/>
-          </a:ln>
-        </p:spPr>
-        <p:style>
-          <a:lnRef idx="1">
-            <a:schemeClr val="dk1"/>
-          </a:lnRef>
-          <a:fillRef idx="0">
-            <a:schemeClr val="dk1"/>
-          </a:fillRef>
-          <a:effectRef idx="0">
-            <a:schemeClr val="dk1"/>
-          </a:effectRef>
-          <a:fontRef idx="minor">
-            <a:schemeClr val="tx1"/>
-          </a:fontRef>
-        </p:style>
-      </p:cxnSp>
-      <p:cxnSp>
-        <p:nvCxnSpPr>
-          <p:cNvPr id="34" name="Straight Connector 33"/>
-          <p:cNvCxnSpPr/>
-          <p:nvPr/>
-        </p:nvCxnSpPr>
-        <p:spPr>
-          <a:xfrm>
-            <a:off x="7732334" y="634651"/>
-            <a:ext cx="0" cy="4478660"/>
-          </a:xfrm>
-          <a:prstGeom prst="line">
-            <a:avLst/>
-          </a:prstGeom>
-          <a:ln>
-            <a:solidFill>
-              <a:schemeClr val="tx1">
-                <a:lumMod val="50000"/>
-                <a:lumOff val="50000"/>
-              </a:schemeClr>
-            </a:solidFill>
-            <a:prstDash val="dot"/>
-            <a:headEnd type="none"/>
-            <a:tailEnd type="none"/>
-          </a:ln>
-        </p:spPr>
-        <p:style>
-          <a:lnRef idx="1">
-            <a:schemeClr val="dk1"/>
-          </a:lnRef>
-          <a:fillRef idx="0">
-            <a:schemeClr val="dk1"/>
-          </a:fillRef>
-          <a:effectRef idx="0">
-            <a:schemeClr val="dk1"/>
-          </a:effectRef>
-          <a:fontRef idx="minor">
-            <a:schemeClr val="tx1"/>
-          </a:fontRef>
-        </p:style>
-      </p:cxnSp>
-      <p:sp>
-        <p:nvSpPr>
-          <p:cNvPr id="35" name="TextBox 34"/>
+          <a:lstStyle>
+            <a:defPPr>
+              <a:defRPr lang="en-US"/>
+            </a:defPPr>
+            <a:lvl1pPr>
+              <a:defRPr sz="1400">
+                <a:latin typeface="Ubuntu"/>
+                <a:cs typeface="Ubuntu"/>
+              </a:defRPr>
+            </a:lvl1pPr>
+          </a:lstStyle>
+          <a:p>
+            <a:r>
+              <a:rPr lang="en-US" dirty="0">
+                <a:latin typeface="+mn-lt"/>
+              </a:rPr>
+              <a:t>Calculates </a:t>
+            </a:r>
+            <a:r>
+              <a:rPr lang="en-US" dirty="0" smtClean="0">
+                <a:latin typeface="+mn-lt"/>
+              </a:rPr>
+              <a:t>the new target rate using:</a:t>
+            </a:r>
+          </a:p>
+          <a:p>
+            <a:pPr marL="400050" indent="-400050">
+              <a:buFont typeface="+mj-lt"/>
+              <a:buAutoNum type="romanLcPeriod"/>
+            </a:pPr>
+            <a:r>
+              <a:rPr lang="en-US" dirty="0" smtClean="0">
+                <a:latin typeface="+mn-lt"/>
+              </a:rPr>
+              <a:t>Sender’s estimate based on congestion cues </a:t>
+            </a:r>
+          </a:p>
+          <a:p>
+            <a:pPr marL="400050" indent="-400050">
+              <a:buFont typeface="+mj-lt"/>
+              <a:buAutoNum type="romanLcPeriod"/>
+            </a:pPr>
+            <a:r>
+              <a:rPr lang="en-US" dirty="0" smtClean="0">
+                <a:latin typeface="+mn-lt"/>
+              </a:rPr>
+              <a:t>the receiver’s estimate</a:t>
+            </a:r>
+          </a:p>
+          <a:p>
+            <a:pPr marL="400050" indent="-400050">
+              <a:buFont typeface="+mj-lt"/>
+              <a:buAutoNum type="romanLcPeriod"/>
+            </a:pPr>
+            <a:r>
+              <a:rPr lang="en-US" dirty="0" smtClean="0">
+                <a:latin typeface="+mn-lt"/>
+              </a:rPr>
+              <a:t>Coverage map info directly from NCMS and from the receiver</a:t>
+            </a:r>
+          </a:p>
+          <a:p>
+            <a:pPr marL="400050" indent="-400050">
+              <a:buFont typeface="+mj-lt"/>
+              <a:buAutoNum type="romanLcPeriod"/>
+            </a:pPr>
+            <a:r>
+              <a:rPr lang="en-US" dirty="0" smtClean="0">
+                <a:latin typeface="+mn-lt"/>
+              </a:rPr>
+              <a:t>Any other in-path notifications</a:t>
+            </a:r>
+          </a:p>
+        </p:txBody>
+      </p:sp>
+      <p:sp>
+        <p:nvSpPr>
+          <p:cNvPr id="45" name="TextBox 44"/>
           <p:cNvSpPr txBox="1"/>
           <p:nvPr/>
         </p:nvSpPr>
         <p:spPr>
           <a:xfrm>
-            <a:off x="7732843" y="5532358"/>
-            <a:ext cx="668490" cy="369332"/>
+            <a:off x="6163222" y="3827901"/>
+            <a:ext cx="581339" cy="769441"/>
           </a:xfrm>
           <a:prstGeom prst="rect">
             <a:avLst/>
@@ -18530,12 +21310,18 @@
           <a:lstStyle/>
           <a:p>
             <a:r>
-              <a:rPr lang="en-US" dirty="0" smtClean="0">
+              <a:rPr lang="en-US" sz="4400" dirty="0" smtClean="0">
+                <a:solidFill>
+                  <a:schemeClr val="accent3"/>
+                </a:solidFill>
                 <a:latin typeface="+mj-lt"/>
               </a:rPr>
-              <a:t>time</a:t>
-            </a:r>
-            <a:endParaRPr lang="en-US" dirty="0">
+              <a:t>B</a:t>
+            </a:r>
+            <a:endParaRPr lang="en-US" sz="4400" dirty="0">
+              <a:solidFill>
+                <a:schemeClr val="accent3"/>
+              </a:solidFill>
               <a:latin typeface="+mj-lt"/>
             </a:endParaRPr>
           </a:p>
@@ -18543,1241 +21329,14 @@
       </p:sp>
       <p:sp>
         <p:nvSpPr>
-          <p:cNvPr id="36" name="TextBox 35"/>
+          <p:cNvPr id="46" name="TextBox 45"/>
           <p:cNvSpPr txBox="1"/>
           <p:nvPr/>
         </p:nvSpPr>
         <p:spPr>
           <a:xfrm>
-            <a:off x="589801" y="1820900"/>
-            <a:ext cx="461665" cy="1375529"/>
-          </a:xfrm>
-          <a:prstGeom prst="rect">
-            <a:avLst/>
-          </a:prstGeom>
-          <a:noFill/>
-        </p:spPr>
-        <p:txBody>
-          <a:bodyPr vert="vert270" wrap="none" rtlCol="0">
-            <a:spAutoFit/>
-          </a:bodyPr>
-          <a:lstStyle/>
-          <a:p>
-            <a:r>
-              <a:rPr lang="en-US" dirty="0" smtClean="0">
-                <a:latin typeface="+mj-lt"/>
-              </a:rPr>
-              <a:t>Throughput</a:t>
-            </a:r>
-            <a:endParaRPr lang="en-US" dirty="0">
-              <a:latin typeface="+mj-lt"/>
-            </a:endParaRPr>
-          </a:p>
-        </p:txBody>
-      </p:sp>
-      <p:grpSp>
-        <p:nvGrpSpPr>
-          <p:cNvPr id="73" name="Group 72"/>
-          <p:cNvGrpSpPr/>
-          <p:nvPr/>
-        </p:nvGrpSpPr>
-        <p:grpSpPr>
-          <a:xfrm>
-            <a:off x="6062498" y="819273"/>
-            <a:ext cx="1933846" cy="321432"/>
-            <a:chOff x="6646966" y="814062"/>
-            <a:chExt cx="1933846" cy="321432"/>
-          </a:xfrm>
-        </p:grpSpPr>
-        <p:sp>
-          <p:nvSpPr>
-            <p:cNvPr id="71" name="Rectangle 70"/>
-            <p:cNvSpPr/>
-            <p:nvPr/>
-          </p:nvSpPr>
-          <p:spPr>
-            <a:xfrm>
-              <a:off x="6646966" y="819273"/>
-              <a:ext cx="821516" cy="316221"/>
-            </a:xfrm>
-            <a:prstGeom prst="rect">
-              <a:avLst/>
-            </a:prstGeom>
-            <a:solidFill>
-              <a:srgbClr val="FF0000">
-                <a:alpha val="22000"/>
-              </a:srgbClr>
-            </a:solidFill>
-            <a:ln>
-              <a:noFill/>
-            </a:ln>
-          </p:spPr>
-          <p:style>
-            <a:lnRef idx="2">
-              <a:schemeClr val="accent1">
-                <a:shade val="50000"/>
-              </a:schemeClr>
-            </a:lnRef>
-            <a:fillRef idx="1">
-              <a:schemeClr val="accent1"/>
-            </a:fillRef>
-            <a:effectRef idx="0">
-              <a:schemeClr val="accent1"/>
-            </a:effectRef>
-            <a:fontRef idx="minor">
-              <a:schemeClr val="lt1"/>
-            </a:fontRef>
-          </p:style>
-          <p:txBody>
-            <a:bodyPr rtlCol="0" anchor="ctr"/>
-            <a:lstStyle/>
-            <a:p>
-              <a:pPr algn="ctr"/>
-              <a:endParaRPr lang="en-US"/>
-            </a:p>
-          </p:txBody>
-        </p:sp>
-        <p:sp>
-          <p:nvSpPr>
-            <p:cNvPr id="72" name="TextBox 71"/>
-            <p:cNvSpPr txBox="1"/>
-            <p:nvPr/>
-          </p:nvSpPr>
-          <p:spPr>
-            <a:xfrm>
-              <a:off x="7468482" y="814062"/>
-              <a:ext cx="1112330" cy="307777"/>
-            </a:xfrm>
-            <a:prstGeom prst="rect">
-              <a:avLst/>
-            </a:prstGeom>
-            <a:noFill/>
-          </p:spPr>
-          <p:txBody>
-            <a:bodyPr wrap="none" rtlCol="0">
-              <a:spAutoFit/>
-            </a:bodyPr>
-            <a:lstStyle/>
-            <a:p>
-              <a:r>
-                <a:rPr lang="en-US" sz="1400" b="1" dirty="0"/>
-                <a:t>m</a:t>
-              </a:r>
-              <a:r>
-                <a:rPr lang="en-US" sz="1400" b="1" dirty="0" smtClean="0"/>
-                <a:t>edia rate</a:t>
-              </a:r>
-              <a:endParaRPr lang="en-US" sz="1400" b="1" dirty="0"/>
-            </a:p>
-          </p:txBody>
-        </p:sp>
-      </p:grpSp>
-      <p:cxnSp>
-        <p:nvCxnSpPr>
-          <p:cNvPr id="41" name="Straight Connector 40"/>
-          <p:cNvCxnSpPr/>
-          <p:nvPr/>
-        </p:nvCxnSpPr>
-        <p:spPr>
-          <a:xfrm>
-            <a:off x="1051466" y="3196429"/>
-            <a:ext cx="821516" cy="0"/>
-          </a:xfrm>
-          <a:prstGeom prst="line">
-            <a:avLst/>
-          </a:prstGeom>
-          <a:ln>
-            <a:solidFill>
-              <a:srgbClr val="FF0000"/>
-            </a:solidFill>
-          </a:ln>
-        </p:spPr>
-        <p:style>
-          <a:lnRef idx="1">
-            <a:schemeClr val="dk1"/>
-          </a:lnRef>
-          <a:fillRef idx="0">
-            <a:schemeClr val="dk1"/>
-          </a:fillRef>
-          <a:effectRef idx="0">
-            <a:schemeClr val="dk1"/>
-          </a:effectRef>
-          <a:fontRef idx="minor">
-            <a:schemeClr val="tx1"/>
-          </a:fontRef>
-        </p:style>
-      </p:cxnSp>
-      <p:cxnSp>
-        <p:nvCxnSpPr>
-          <p:cNvPr id="42" name="Straight Connector 41"/>
-          <p:cNvCxnSpPr/>
-          <p:nvPr/>
-        </p:nvCxnSpPr>
-        <p:spPr>
-          <a:xfrm>
-            <a:off x="1888827" y="3196429"/>
-            <a:ext cx="832982" cy="0"/>
-          </a:xfrm>
-          <a:prstGeom prst="line">
-            <a:avLst/>
-          </a:prstGeom>
-          <a:ln>
-            <a:solidFill>
-              <a:srgbClr val="FF0000"/>
-            </a:solidFill>
-          </a:ln>
-        </p:spPr>
-        <p:style>
-          <a:lnRef idx="1">
-            <a:schemeClr val="dk1"/>
-          </a:lnRef>
-          <a:fillRef idx="0">
-            <a:schemeClr val="dk1"/>
-          </a:fillRef>
-          <a:effectRef idx="0">
-            <a:schemeClr val="dk1"/>
-          </a:effectRef>
-          <a:fontRef idx="minor">
-            <a:schemeClr val="tx1"/>
-          </a:fontRef>
-        </p:style>
-      </p:cxnSp>
-      <p:cxnSp>
-        <p:nvCxnSpPr>
-          <p:cNvPr id="44" name="Straight Connector 43"/>
-          <p:cNvCxnSpPr/>
-          <p:nvPr/>
-        </p:nvCxnSpPr>
-        <p:spPr>
-          <a:xfrm>
-            <a:off x="2721809" y="2331070"/>
-            <a:ext cx="1665741" cy="0"/>
-          </a:xfrm>
-          <a:prstGeom prst="line">
-            <a:avLst/>
-          </a:prstGeom>
-          <a:ln>
-            <a:solidFill>
-              <a:srgbClr val="FF0000"/>
-            </a:solidFill>
-          </a:ln>
-        </p:spPr>
-        <p:style>
-          <a:lnRef idx="1">
-            <a:schemeClr val="dk1"/>
-          </a:lnRef>
-          <a:fillRef idx="0">
-            <a:schemeClr val="dk1"/>
-          </a:fillRef>
-          <a:effectRef idx="0">
-            <a:schemeClr val="dk1"/>
-          </a:effectRef>
-          <a:fontRef idx="minor">
-            <a:schemeClr val="tx1"/>
-          </a:fontRef>
-        </p:style>
-      </p:cxnSp>
-      <p:cxnSp>
-        <p:nvCxnSpPr>
-          <p:cNvPr id="46" name="Straight Connector 45"/>
-          <p:cNvCxnSpPr/>
-          <p:nvPr/>
-        </p:nvCxnSpPr>
-        <p:spPr>
-          <a:xfrm>
-            <a:off x="4387550" y="3425642"/>
-            <a:ext cx="2512421" cy="0"/>
-          </a:xfrm>
-          <a:prstGeom prst="line">
-            <a:avLst/>
-          </a:prstGeom>
-          <a:ln>
-            <a:solidFill>
-              <a:srgbClr val="FF0000"/>
-            </a:solidFill>
-          </a:ln>
-        </p:spPr>
-        <p:style>
-          <a:lnRef idx="1">
-            <a:schemeClr val="dk1"/>
-          </a:lnRef>
-          <a:fillRef idx="0">
-            <a:schemeClr val="dk1"/>
-          </a:fillRef>
-          <a:effectRef idx="0">
-            <a:schemeClr val="dk1"/>
-          </a:effectRef>
-          <a:fontRef idx="minor">
-            <a:schemeClr val="tx1"/>
-          </a:fontRef>
-        </p:style>
-      </p:cxnSp>
-      <p:cxnSp>
-        <p:nvCxnSpPr>
-          <p:cNvPr id="50" name="Straight Connector 49"/>
-          <p:cNvCxnSpPr/>
-          <p:nvPr/>
-        </p:nvCxnSpPr>
-        <p:spPr>
-          <a:xfrm>
-            <a:off x="4392153" y="2331070"/>
-            <a:ext cx="0" cy="1094572"/>
-          </a:xfrm>
-          <a:prstGeom prst="line">
-            <a:avLst/>
-          </a:prstGeom>
-          <a:ln>
-            <a:solidFill>
-              <a:srgbClr val="FF0000"/>
-            </a:solidFill>
-          </a:ln>
-        </p:spPr>
-        <p:style>
-          <a:lnRef idx="1">
-            <a:schemeClr val="dk1"/>
-          </a:lnRef>
-          <a:fillRef idx="0">
-            <a:schemeClr val="dk1"/>
-          </a:fillRef>
-          <a:effectRef idx="0">
-            <a:schemeClr val="dk1"/>
-          </a:effectRef>
-          <a:fontRef idx="minor">
-            <a:schemeClr val="tx1"/>
-          </a:fontRef>
-        </p:style>
-      </p:cxnSp>
-      <p:cxnSp>
-        <p:nvCxnSpPr>
-          <p:cNvPr id="57" name="Straight Connector 56"/>
-          <p:cNvCxnSpPr/>
-          <p:nvPr/>
-        </p:nvCxnSpPr>
-        <p:spPr>
-          <a:xfrm flipH="1">
-            <a:off x="2721809" y="2331070"/>
-            <a:ext cx="6572" cy="865359"/>
-          </a:xfrm>
-          <a:prstGeom prst="line">
-            <a:avLst/>
-          </a:prstGeom>
-          <a:ln>
-            <a:solidFill>
-              <a:srgbClr val="FF0000"/>
-            </a:solidFill>
-          </a:ln>
-        </p:spPr>
-        <p:style>
-          <a:lnRef idx="1">
-            <a:schemeClr val="dk1"/>
-          </a:lnRef>
-          <a:fillRef idx="0">
-            <a:schemeClr val="dk1"/>
-          </a:fillRef>
-          <a:effectRef idx="0">
-            <a:schemeClr val="dk1"/>
-          </a:effectRef>
-          <a:fontRef idx="minor">
-            <a:schemeClr val="tx1"/>
-          </a:fontRef>
-        </p:style>
-      </p:cxnSp>
-      <p:sp>
-        <p:nvSpPr>
-          <p:cNvPr id="64" name="Rectangle 63"/>
-          <p:cNvSpPr/>
-          <p:nvPr/>
-        </p:nvSpPr>
-        <p:spPr>
-          <a:xfrm>
-            <a:off x="1051465" y="3196429"/>
-            <a:ext cx="3340687" cy="1789650"/>
-          </a:xfrm>
-          <a:prstGeom prst="rect">
-            <a:avLst/>
-          </a:prstGeom>
-          <a:solidFill>
-            <a:srgbClr val="FF0000">
-              <a:alpha val="22000"/>
-            </a:srgbClr>
-          </a:solidFill>
-          <a:ln>
-            <a:noFill/>
-          </a:ln>
-        </p:spPr>
-        <p:style>
-          <a:lnRef idx="2">
-            <a:schemeClr val="accent1">
-              <a:shade val="50000"/>
-            </a:schemeClr>
-          </a:lnRef>
-          <a:fillRef idx="1">
-            <a:schemeClr val="accent1"/>
-          </a:fillRef>
-          <a:effectRef idx="0">
-            <a:schemeClr val="accent1"/>
-          </a:effectRef>
-          <a:fontRef idx="minor">
-            <a:schemeClr val="lt1"/>
-          </a:fontRef>
-        </p:style>
-        <p:txBody>
-          <a:bodyPr rtlCol="0" anchor="ctr"/>
-          <a:lstStyle/>
-          <a:p>
-            <a:pPr algn="ctr"/>
-            <a:endParaRPr lang="en-US" dirty="0"/>
-          </a:p>
-        </p:txBody>
-      </p:sp>
-      <p:sp>
-        <p:nvSpPr>
-          <p:cNvPr id="66" name="Rectangle 65"/>
-          <p:cNvSpPr/>
-          <p:nvPr/>
-        </p:nvSpPr>
-        <p:spPr>
-          <a:xfrm>
-            <a:off x="2730794" y="2331070"/>
-            <a:ext cx="1656756" cy="865359"/>
-          </a:xfrm>
-          <a:prstGeom prst="rect">
-            <a:avLst/>
-          </a:prstGeom>
-          <a:solidFill>
-            <a:srgbClr val="FF0000">
-              <a:alpha val="22000"/>
-            </a:srgbClr>
-          </a:solidFill>
-          <a:ln>
-            <a:noFill/>
-          </a:ln>
-        </p:spPr>
-        <p:style>
-          <a:lnRef idx="2">
-            <a:schemeClr val="accent1">
-              <a:shade val="50000"/>
-            </a:schemeClr>
-          </a:lnRef>
-          <a:fillRef idx="1">
-            <a:schemeClr val="accent1"/>
-          </a:fillRef>
-          <a:effectRef idx="0">
-            <a:schemeClr val="accent1"/>
-          </a:effectRef>
-          <a:fontRef idx="minor">
-            <a:schemeClr val="lt1"/>
-          </a:fontRef>
-        </p:style>
-        <p:txBody>
-          <a:bodyPr rtlCol="0" anchor="ctr"/>
-          <a:lstStyle/>
-          <a:p>
-            <a:pPr algn="ctr"/>
-            <a:endParaRPr lang="en-US"/>
-          </a:p>
-        </p:txBody>
-      </p:sp>
-      <p:sp>
-        <p:nvSpPr>
-          <p:cNvPr id="67" name="Rectangle 66"/>
-          <p:cNvSpPr/>
-          <p:nvPr/>
-        </p:nvSpPr>
-        <p:spPr>
-          <a:xfrm>
-            <a:off x="4387550" y="3435437"/>
-            <a:ext cx="3345293" cy="1562096"/>
-          </a:xfrm>
-          <a:prstGeom prst="rect">
-            <a:avLst/>
-          </a:prstGeom>
-          <a:solidFill>
-            <a:srgbClr val="FF0000">
-              <a:alpha val="22000"/>
-            </a:srgbClr>
-          </a:solidFill>
-          <a:ln>
-            <a:noFill/>
-          </a:ln>
-        </p:spPr>
-        <p:style>
-          <a:lnRef idx="2">
-            <a:schemeClr val="accent1">
-              <a:shade val="50000"/>
-            </a:schemeClr>
-          </a:lnRef>
-          <a:fillRef idx="1">
-            <a:schemeClr val="accent1"/>
-          </a:fillRef>
-          <a:effectRef idx="0">
-            <a:schemeClr val="accent1"/>
-          </a:effectRef>
-          <a:fontRef idx="minor">
-            <a:schemeClr val="lt1"/>
-          </a:fontRef>
-        </p:style>
-        <p:txBody>
-          <a:bodyPr rtlCol="0" anchor="ctr"/>
-          <a:lstStyle/>
-          <a:p>
-            <a:pPr algn="ctr"/>
-            <a:endParaRPr lang="en-US"/>
-          </a:p>
-        </p:txBody>
-      </p:sp>
-      <p:sp>
-        <p:nvSpPr>
-          <p:cNvPr id="74" name="Rectangle 73"/>
-          <p:cNvSpPr/>
-          <p:nvPr/>
-        </p:nvSpPr>
-        <p:spPr>
-          <a:xfrm>
-            <a:off x="1872983" y="2331070"/>
-            <a:ext cx="857812" cy="865359"/>
-          </a:xfrm>
-          <a:prstGeom prst="rect">
-            <a:avLst/>
-          </a:prstGeom>
-          <a:solidFill>
-            <a:schemeClr val="accent3">
-              <a:lumMod val="75000"/>
-              <a:alpha val="19000"/>
-            </a:schemeClr>
-          </a:solidFill>
-          <a:ln>
-            <a:noFill/>
-          </a:ln>
-        </p:spPr>
-        <p:style>
-          <a:lnRef idx="2">
-            <a:schemeClr val="accent3">
-              <a:shade val="50000"/>
-            </a:schemeClr>
-          </a:lnRef>
-          <a:fillRef idx="1">
-            <a:schemeClr val="accent3"/>
-          </a:fillRef>
-          <a:effectRef idx="0">
-            <a:schemeClr val="accent3"/>
-          </a:effectRef>
-          <a:fontRef idx="minor">
-            <a:schemeClr val="lt1"/>
-          </a:fontRef>
-        </p:style>
-        <p:txBody>
-          <a:bodyPr rtlCol="0" anchor="ctr"/>
-          <a:lstStyle/>
-          <a:p>
-            <a:pPr algn="ctr"/>
-            <a:endParaRPr lang="en-US" dirty="0"/>
-          </a:p>
-        </p:txBody>
-      </p:sp>
-      <p:sp>
-        <p:nvSpPr>
-          <p:cNvPr id="76" name="Rectangle 75"/>
-          <p:cNvSpPr/>
-          <p:nvPr/>
-        </p:nvSpPr>
-        <p:spPr>
-          <a:xfrm>
-            <a:off x="6062498" y="2812838"/>
-            <a:ext cx="821516" cy="611145"/>
-          </a:xfrm>
-          <a:prstGeom prst="rect">
-            <a:avLst/>
-          </a:prstGeom>
-          <a:solidFill>
-            <a:schemeClr val="accent3">
-              <a:lumMod val="75000"/>
-              <a:alpha val="19000"/>
-            </a:schemeClr>
-          </a:solidFill>
-          <a:ln>
-            <a:noFill/>
-          </a:ln>
-        </p:spPr>
-        <p:style>
-          <a:lnRef idx="2">
-            <a:schemeClr val="accent3">
-              <a:shade val="50000"/>
-            </a:schemeClr>
-          </a:lnRef>
-          <a:fillRef idx="1">
-            <a:schemeClr val="accent3"/>
-          </a:fillRef>
-          <a:effectRef idx="0">
-            <a:schemeClr val="accent3"/>
-          </a:effectRef>
-          <a:fontRef idx="minor">
-            <a:schemeClr val="lt1"/>
-          </a:fontRef>
-        </p:style>
-        <p:txBody>
-          <a:bodyPr rtlCol="0" anchor="ctr"/>
-          <a:lstStyle/>
-          <a:p>
-            <a:pPr algn="ctr"/>
-            <a:endParaRPr lang="en-US"/>
-          </a:p>
-        </p:txBody>
-      </p:sp>
-      <p:cxnSp>
-        <p:nvCxnSpPr>
-          <p:cNvPr id="77" name="Straight Connector 76"/>
-          <p:cNvCxnSpPr/>
-          <p:nvPr/>
-        </p:nvCxnSpPr>
-        <p:spPr>
-          <a:xfrm flipH="1">
-            <a:off x="1883940" y="2331070"/>
-            <a:ext cx="4887" cy="864644"/>
-          </a:xfrm>
-          <a:prstGeom prst="line">
-            <a:avLst/>
-          </a:prstGeom>
-          <a:ln/>
-        </p:spPr>
-        <p:style>
-          <a:lnRef idx="1">
-            <a:schemeClr val="accent3"/>
-          </a:lnRef>
-          <a:fillRef idx="0">
-            <a:schemeClr val="accent3"/>
-          </a:fillRef>
-          <a:effectRef idx="0">
-            <a:schemeClr val="accent3"/>
-          </a:effectRef>
-          <a:fontRef idx="minor">
-            <a:schemeClr val="tx1"/>
-          </a:fontRef>
-        </p:style>
-      </p:cxnSp>
-      <p:cxnSp>
-        <p:nvCxnSpPr>
-          <p:cNvPr id="81" name="Straight Connector 80"/>
-          <p:cNvCxnSpPr>
-            <a:endCxn id="67" idx="0"/>
-          </p:cNvCxnSpPr>
-          <p:nvPr/>
-        </p:nvCxnSpPr>
-        <p:spPr>
-          <a:xfrm flipH="1">
-            <a:off x="6060197" y="2824292"/>
-            <a:ext cx="2301" cy="611145"/>
-          </a:xfrm>
-          <a:prstGeom prst="line">
-            <a:avLst/>
-          </a:prstGeom>
-          <a:ln/>
-        </p:spPr>
-        <p:style>
-          <a:lnRef idx="1">
-            <a:schemeClr val="accent3"/>
-          </a:lnRef>
-          <a:fillRef idx="0">
-            <a:schemeClr val="accent3"/>
-          </a:fillRef>
-          <a:effectRef idx="0">
-            <a:schemeClr val="accent3"/>
-          </a:effectRef>
-          <a:fontRef idx="minor">
-            <a:schemeClr val="tx1"/>
-          </a:fontRef>
-        </p:style>
-      </p:cxnSp>
-      <p:cxnSp>
-        <p:nvCxnSpPr>
-          <p:cNvPr id="84" name="Straight Connector 83"/>
-          <p:cNvCxnSpPr/>
-          <p:nvPr/>
-        </p:nvCxnSpPr>
-        <p:spPr>
-          <a:xfrm>
-            <a:off x="1875172" y="2331070"/>
-            <a:ext cx="841968" cy="0"/>
-          </a:xfrm>
-          <a:prstGeom prst="line">
-            <a:avLst/>
-          </a:prstGeom>
-          <a:ln/>
-        </p:spPr>
-        <p:style>
-          <a:lnRef idx="1">
-            <a:schemeClr val="accent3"/>
-          </a:lnRef>
-          <a:fillRef idx="0">
-            <a:schemeClr val="accent3"/>
-          </a:fillRef>
-          <a:effectRef idx="0">
-            <a:schemeClr val="accent3"/>
-          </a:effectRef>
-          <a:fontRef idx="minor">
-            <a:schemeClr val="tx1"/>
-          </a:fontRef>
-        </p:style>
-      </p:cxnSp>
-      <p:cxnSp>
-        <p:nvCxnSpPr>
-          <p:cNvPr id="87" name="Straight Connector 86"/>
-          <p:cNvCxnSpPr/>
-          <p:nvPr/>
-        </p:nvCxnSpPr>
-        <p:spPr>
-          <a:xfrm>
-            <a:off x="6055701" y="2812838"/>
-            <a:ext cx="841968" cy="0"/>
-          </a:xfrm>
-          <a:prstGeom prst="line">
-            <a:avLst/>
-          </a:prstGeom>
-          <a:ln/>
-        </p:spPr>
-        <p:style>
-          <a:lnRef idx="1">
-            <a:schemeClr val="accent3"/>
-          </a:lnRef>
-          <a:fillRef idx="0">
-            <a:schemeClr val="accent3"/>
-          </a:fillRef>
-          <a:effectRef idx="0">
-            <a:schemeClr val="accent3"/>
-          </a:effectRef>
-          <a:fontRef idx="minor">
-            <a:schemeClr val="tx1"/>
-          </a:fontRef>
-        </p:style>
-      </p:cxnSp>
-      <p:grpSp>
-        <p:nvGrpSpPr>
-          <p:cNvPr id="92" name="Group 91"/>
-          <p:cNvGrpSpPr/>
-          <p:nvPr/>
-        </p:nvGrpSpPr>
-        <p:grpSpPr>
-          <a:xfrm>
-            <a:off x="6069491" y="466126"/>
-            <a:ext cx="1365255" cy="321432"/>
-            <a:chOff x="6646966" y="814062"/>
-            <a:chExt cx="1365255" cy="321432"/>
-          </a:xfrm>
-        </p:grpSpPr>
-        <p:sp>
-          <p:nvSpPr>
-            <p:cNvPr id="93" name="Rectangle 92"/>
-            <p:cNvSpPr/>
-            <p:nvPr/>
-          </p:nvSpPr>
-          <p:spPr>
-            <a:xfrm>
-              <a:off x="6646966" y="819273"/>
-              <a:ext cx="821516" cy="316221"/>
-            </a:xfrm>
-            <a:prstGeom prst="rect">
-              <a:avLst/>
-            </a:prstGeom>
-            <a:solidFill>
-              <a:srgbClr val="1772AD">
-                <a:alpha val="22000"/>
-              </a:srgbClr>
-            </a:solidFill>
-            <a:ln>
-              <a:noFill/>
-            </a:ln>
-          </p:spPr>
-          <p:style>
-            <a:lnRef idx="2">
-              <a:schemeClr val="accent1">
-                <a:shade val="50000"/>
-              </a:schemeClr>
-            </a:lnRef>
-            <a:fillRef idx="1">
-              <a:schemeClr val="accent1"/>
-            </a:fillRef>
-            <a:effectRef idx="0">
-              <a:schemeClr val="accent1"/>
-            </a:effectRef>
-            <a:fontRef idx="minor">
-              <a:schemeClr val="lt1"/>
-            </a:fontRef>
-          </p:style>
-          <p:txBody>
-            <a:bodyPr rtlCol="0" anchor="ctr"/>
-            <a:lstStyle/>
-            <a:p>
-              <a:pPr algn="ctr"/>
-              <a:endParaRPr lang="en-US"/>
-            </a:p>
-          </p:txBody>
-        </p:sp>
-        <p:sp>
-          <p:nvSpPr>
-            <p:cNvPr id="94" name="TextBox 93"/>
-            <p:cNvSpPr txBox="1"/>
-            <p:nvPr/>
-          </p:nvSpPr>
-          <p:spPr>
-            <a:xfrm>
-              <a:off x="7468482" y="814062"/>
-              <a:ext cx="543739" cy="307777"/>
-            </a:xfrm>
-            <a:prstGeom prst="rect">
-              <a:avLst/>
-            </a:prstGeom>
-            <a:noFill/>
-          </p:spPr>
-          <p:txBody>
-            <a:bodyPr wrap="none" rtlCol="0">
-              <a:spAutoFit/>
-            </a:bodyPr>
-            <a:lstStyle/>
-            <a:p>
-              <a:r>
-                <a:rPr lang="en-US" sz="1400" b="1" dirty="0" smtClean="0"/>
-                <a:t>FEC</a:t>
-              </a:r>
-              <a:endParaRPr lang="en-US" sz="1400" b="1" dirty="0"/>
-            </a:p>
-          </p:txBody>
-        </p:sp>
-      </p:grpSp>
-      <p:sp>
-        <p:nvSpPr>
-          <p:cNvPr id="95" name="TextBox 94"/>
-          <p:cNvSpPr txBox="1"/>
-          <p:nvPr/>
-        </p:nvSpPr>
-        <p:spPr>
-          <a:xfrm>
-            <a:off x="1196931" y="3474369"/>
-            <a:ext cx="400110" cy="1169726"/>
-          </a:xfrm>
-          <a:prstGeom prst="rect">
-            <a:avLst/>
-          </a:prstGeom>
-          <a:noFill/>
-        </p:spPr>
-        <p:txBody>
-          <a:bodyPr vert="vert270" wrap="none" rtlCol="0">
-            <a:spAutoFit/>
-          </a:bodyPr>
-          <a:lstStyle/>
-          <a:p>
-            <a:r>
-              <a:rPr lang="en-US" sz="1400" dirty="0" smtClean="0">
-                <a:solidFill>
-                  <a:schemeClr val="tx1">
-                    <a:lumMod val="65000"/>
-                    <a:lumOff val="35000"/>
-                  </a:schemeClr>
-                </a:solidFill>
-                <a:latin typeface="Courier"/>
-                <a:cs typeface="Courier"/>
-              </a:rPr>
-              <a:t>STAY state</a:t>
-            </a:r>
-            <a:endParaRPr lang="en-US" sz="1400" dirty="0">
-              <a:solidFill>
-                <a:schemeClr val="tx1">
-                  <a:lumMod val="65000"/>
-                  <a:lumOff val="35000"/>
-                </a:schemeClr>
-              </a:solidFill>
-              <a:latin typeface="Courier"/>
-              <a:cs typeface="Courier"/>
-            </a:endParaRPr>
-          </a:p>
-        </p:txBody>
-      </p:sp>
-      <p:sp>
-        <p:nvSpPr>
-          <p:cNvPr id="96" name="TextBox 95"/>
-          <p:cNvSpPr txBox="1"/>
-          <p:nvPr/>
-        </p:nvSpPr>
-        <p:spPr>
-          <a:xfrm>
-            <a:off x="2086722" y="3407594"/>
-            <a:ext cx="400110" cy="1277466"/>
-          </a:xfrm>
-          <a:prstGeom prst="rect">
-            <a:avLst/>
-          </a:prstGeom>
-          <a:noFill/>
-        </p:spPr>
-        <p:txBody>
-          <a:bodyPr vert="vert270" wrap="none" rtlCol="0">
-            <a:spAutoFit/>
-          </a:bodyPr>
-          <a:lstStyle/>
-          <a:p>
-            <a:r>
-              <a:rPr lang="en-US" sz="1400" dirty="0" smtClean="0">
-                <a:solidFill>
-                  <a:schemeClr val="tx1">
-                    <a:lumMod val="65000"/>
-                    <a:lumOff val="35000"/>
-                  </a:schemeClr>
-                </a:solidFill>
-                <a:latin typeface="Courier"/>
-                <a:cs typeface="Courier"/>
-              </a:rPr>
-              <a:t>PROBE state</a:t>
-            </a:r>
-            <a:endParaRPr lang="en-US" sz="1400" dirty="0">
-              <a:solidFill>
-                <a:schemeClr val="tx1">
-                  <a:lumMod val="65000"/>
-                  <a:lumOff val="35000"/>
-                </a:schemeClr>
-              </a:solidFill>
-              <a:latin typeface="Courier"/>
-              <a:cs typeface="Courier"/>
-            </a:endParaRPr>
-          </a:p>
-        </p:txBody>
-      </p:sp>
-      <p:sp>
-        <p:nvSpPr>
-          <p:cNvPr id="97" name="TextBox 96"/>
-          <p:cNvSpPr txBox="1"/>
-          <p:nvPr/>
-        </p:nvSpPr>
-        <p:spPr>
-          <a:xfrm>
-            <a:off x="3779993" y="3135204"/>
-            <a:ext cx="400110" cy="1169726"/>
-          </a:xfrm>
-          <a:prstGeom prst="rect">
-            <a:avLst/>
-          </a:prstGeom>
-          <a:noFill/>
-        </p:spPr>
-        <p:txBody>
-          <a:bodyPr vert="vert270" wrap="none" rtlCol="0">
-            <a:spAutoFit/>
-          </a:bodyPr>
-          <a:lstStyle/>
-          <a:p>
-            <a:r>
-              <a:rPr lang="en-US" sz="1400" dirty="0" smtClean="0">
-                <a:solidFill>
-                  <a:schemeClr val="tx1">
-                    <a:lumMod val="65000"/>
-                    <a:lumOff val="35000"/>
-                  </a:schemeClr>
-                </a:solidFill>
-                <a:latin typeface="Courier"/>
-                <a:cs typeface="Courier"/>
-              </a:rPr>
-              <a:t>STAY state</a:t>
-            </a:r>
-            <a:endParaRPr lang="en-US" sz="1400" dirty="0">
-              <a:solidFill>
-                <a:schemeClr val="tx1">
-                  <a:lumMod val="65000"/>
-                  <a:lumOff val="35000"/>
-                </a:schemeClr>
-              </a:solidFill>
-              <a:latin typeface="Courier"/>
-              <a:cs typeface="Courier"/>
-            </a:endParaRPr>
-          </a:p>
-        </p:txBody>
-      </p:sp>
-      <p:sp>
-        <p:nvSpPr>
-          <p:cNvPr id="98" name="TextBox 97"/>
-          <p:cNvSpPr txBox="1"/>
-          <p:nvPr/>
-        </p:nvSpPr>
-        <p:spPr>
-          <a:xfrm>
-            <a:off x="5445953" y="3599425"/>
-            <a:ext cx="400110" cy="1169726"/>
-          </a:xfrm>
-          <a:prstGeom prst="rect">
-            <a:avLst/>
-          </a:prstGeom>
-          <a:noFill/>
-        </p:spPr>
-        <p:txBody>
-          <a:bodyPr vert="vert270" wrap="none" rtlCol="0">
-            <a:spAutoFit/>
-          </a:bodyPr>
-          <a:lstStyle/>
-          <a:p>
-            <a:r>
-              <a:rPr lang="en-US" sz="1400" dirty="0" smtClean="0">
-                <a:solidFill>
-                  <a:schemeClr val="tx1">
-                    <a:lumMod val="65000"/>
-                    <a:lumOff val="35000"/>
-                  </a:schemeClr>
-                </a:solidFill>
-                <a:latin typeface="Courier"/>
-                <a:cs typeface="Courier"/>
-              </a:rPr>
-              <a:t>STAY state</a:t>
-            </a:r>
-            <a:endParaRPr lang="en-US" sz="1400" dirty="0">
-              <a:solidFill>
-                <a:schemeClr val="tx1">
-                  <a:lumMod val="65000"/>
-                  <a:lumOff val="35000"/>
-                </a:schemeClr>
-              </a:solidFill>
-              <a:latin typeface="Courier"/>
-              <a:cs typeface="Courier"/>
-            </a:endParaRPr>
-          </a:p>
-        </p:txBody>
-      </p:sp>
-      <p:sp>
-        <p:nvSpPr>
-          <p:cNvPr id="99" name="TextBox 98"/>
-          <p:cNvSpPr txBox="1"/>
-          <p:nvPr/>
-        </p:nvSpPr>
-        <p:spPr>
-          <a:xfrm>
-            <a:off x="7100874" y="3412803"/>
-            <a:ext cx="400110" cy="954248"/>
-          </a:xfrm>
-          <a:prstGeom prst="rect">
-            <a:avLst/>
-          </a:prstGeom>
-          <a:noFill/>
-        </p:spPr>
-        <p:txBody>
-          <a:bodyPr vert="vert270" wrap="none" rtlCol="0">
-            <a:spAutoFit/>
-          </a:bodyPr>
-          <a:lstStyle/>
-          <a:p>
-            <a:r>
-              <a:rPr lang="en-US" sz="1400" dirty="0" smtClean="0">
-                <a:solidFill>
-                  <a:schemeClr val="tx1">
-                    <a:lumMod val="65000"/>
-                    <a:lumOff val="35000"/>
-                  </a:schemeClr>
-                </a:solidFill>
-                <a:latin typeface="Courier"/>
-                <a:cs typeface="Courier"/>
-              </a:rPr>
-              <a:t>UP state</a:t>
-            </a:r>
-            <a:endParaRPr lang="en-US" sz="1400" dirty="0">
-              <a:solidFill>
-                <a:schemeClr val="tx1">
-                  <a:lumMod val="65000"/>
-                  <a:lumOff val="35000"/>
-                </a:schemeClr>
-              </a:solidFill>
-              <a:latin typeface="Courier"/>
-              <a:cs typeface="Courier"/>
-            </a:endParaRPr>
-          </a:p>
-        </p:txBody>
-      </p:sp>
-      <p:sp>
-        <p:nvSpPr>
-          <p:cNvPr id="100" name="TextBox 99"/>
-          <p:cNvSpPr txBox="1"/>
-          <p:nvPr/>
-        </p:nvSpPr>
-        <p:spPr>
-          <a:xfrm>
-            <a:off x="2957510" y="3261705"/>
-            <a:ext cx="400110" cy="954248"/>
-          </a:xfrm>
-          <a:prstGeom prst="rect">
-            <a:avLst/>
-          </a:prstGeom>
-          <a:noFill/>
-        </p:spPr>
-        <p:txBody>
-          <a:bodyPr vert="vert270" wrap="none" rtlCol="0">
-            <a:spAutoFit/>
-          </a:bodyPr>
-          <a:lstStyle/>
-          <a:p>
-            <a:r>
-              <a:rPr lang="en-US" sz="1400" dirty="0" smtClean="0">
-                <a:solidFill>
-                  <a:schemeClr val="tx1">
-                    <a:lumMod val="65000"/>
-                    <a:lumOff val="35000"/>
-                  </a:schemeClr>
-                </a:solidFill>
-                <a:latin typeface="Courier"/>
-                <a:cs typeface="Courier"/>
-              </a:rPr>
-              <a:t>UP state</a:t>
-            </a:r>
-            <a:endParaRPr lang="en-US" sz="1400" dirty="0">
-              <a:solidFill>
-                <a:schemeClr val="tx1">
-                  <a:lumMod val="65000"/>
-                  <a:lumOff val="35000"/>
-                </a:schemeClr>
-              </a:solidFill>
-              <a:latin typeface="Courier"/>
-              <a:cs typeface="Courier"/>
-            </a:endParaRPr>
-          </a:p>
-        </p:txBody>
-      </p:sp>
-      <p:sp>
-        <p:nvSpPr>
-          <p:cNvPr id="101" name="TextBox 100"/>
-          <p:cNvSpPr txBox="1"/>
-          <p:nvPr/>
-        </p:nvSpPr>
-        <p:spPr>
-          <a:xfrm>
-            <a:off x="4612972" y="3599425"/>
-            <a:ext cx="400110" cy="1169726"/>
-          </a:xfrm>
-          <a:prstGeom prst="rect">
-            <a:avLst/>
-          </a:prstGeom>
-          <a:noFill/>
-        </p:spPr>
-        <p:txBody>
-          <a:bodyPr vert="vert270" wrap="none" rtlCol="0">
-            <a:spAutoFit/>
-          </a:bodyPr>
-          <a:lstStyle/>
-          <a:p>
-            <a:r>
-              <a:rPr lang="en-US" sz="1400" dirty="0" smtClean="0">
-                <a:solidFill>
-                  <a:schemeClr val="tx1">
-                    <a:lumMod val="65000"/>
-                    <a:lumOff val="35000"/>
-                  </a:schemeClr>
-                </a:solidFill>
-                <a:latin typeface="Courier"/>
-                <a:cs typeface="Courier"/>
-              </a:rPr>
-              <a:t>DOWN state</a:t>
-            </a:r>
-            <a:endParaRPr lang="en-US" sz="1400" dirty="0">
-              <a:solidFill>
-                <a:schemeClr val="tx1">
-                  <a:lumMod val="65000"/>
-                  <a:lumOff val="35000"/>
-                </a:schemeClr>
-              </a:solidFill>
-              <a:latin typeface="Courier"/>
-              <a:cs typeface="Courier"/>
-            </a:endParaRPr>
-          </a:p>
-        </p:txBody>
-      </p:sp>
-      <p:sp>
-        <p:nvSpPr>
-          <p:cNvPr id="102" name="TextBox 101"/>
-          <p:cNvSpPr txBox="1"/>
-          <p:nvPr/>
-        </p:nvSpPr>
-        <p:spPr>
-          <a:xfrm>
-            <a:off x="6281122" y="3539797"/>
-            <a:ext cx="400110" cy="1277466"/>
-          </a:xfrm>
-          <a:prstGeom prst="rect">
-            <a:avLst/>
-          </a:prstGeom>
-          <a:noFill/>
-        </p:spPr>
-        <p:txBody>
-          <a:bodyPr vert="vert270" wrap="none" rtlCol="0">
-            <a:spAutoFit/>
-          </a:bodyPr>
-          <a:lstStyle/>
-          <a:p>
-            <a:r>
-              <a:rPr lang="en-US" sz="1400" dirty="0" smtClean="0">
-                <a:solidFill>
-                  <a:schemeClr val="tx1">
-                    <a:lumMod val="65000"/>
-                    <a:lumOff val="35000"/>
-                  </a:schemeClr>
-                </a:solidFill>
-                <a:latin typeface="Courier"/>
-                <a:cs typeface="Courier"/>
-              </a:rPr>
-              <a:t>PROBE state</a:t>
-            </a:r>
-            <a:endParaRPr lang="en-US" sz="1400" dirty="0">
-              <a:solidFill>
-                <a:schemeClr val="tx1">
-                  <a:lumMod val="65000"/>
-                  <a:lumOff val="35000"/>
-                </a:schemeClr>
-              </a:solidFill>
-              <a:latin typeface="Courier"/>
-              <a:cs typeface="Courier"/>
-            </a:endParaRPr>
-          </a:p>
-        </p:txBody>
-      </p:sp>
-      <p:cxnSp>
-        <p:nvCxnSpPr>
-          <p:cNvPr id="5" name="Straight Arrow Connector 4"/>
-          <p:cNvCxnSpPr>
-            <a:stCxn id="11" idx="0"/>
-          </p:cNvCxnSpPr>
-          <p:nvPr/>
-        </p:nvCxnSpPr>
-        <p:spPr>
-          <a:xfrm flipV="1">
-            <a:off x="1888827" y="4997533"/>
-            <a:ext cx="0" cy="445515"/>
-          </a:xfrm>
-          <a:prstGeom prst="straightConnector1">
-            <a:avLst/>
-          </a:prstGeom>
-          <a:ln>
-            <a:solidFill>
-              <a:schemeClr val="tx1">
-                <a:lumMod val="50000"/>
-                <a:lumOff val="50000"/>
-              </a:schemeClr>
-            </a:solidFill>
-            <a:tailEnd type="arrow"/>
-          </a:ln>
-        </p:spPr>
-        <p:style>
-          <a:lnRef idx="1">
-            <a:schemeClr val="dk1"/>
-          </a:lnRef>
-          <a:fillRef idx="0">
-            <a:schemeClr val="dk1"/>
-          </a:fillRef>
-          <a:effectRef idx="0">
-            <a:schemeClr val="dk1"/>
-          </a:effectRef>
-          <a:fontRef idx="minor">
-            <a:schemeClr val="tx1"/>
-          </a:fontRef>
-        </p:style>
-      </p:cxnSp>
-      <p:sp>
-        <p:nvSpPr>
-          <p:cNvPr id="11" name="TextBox 10"/>
-          <p:cNvSpPr txBox="1"/>
-          <p:nvPr/>
-        </p:nvSpPr>
-        <p:spPr>
-          <a:xfrm>
-            <a:off x="1155293" y="5443048"/>
-            <a:ext cx="1467068" cy="307777"/>
+            <a:off x="-468797" y="5273101"/>
+            <a:ext cx="536762" cy="769441"/>
           </a:xfrm>
           <a:prstGeom prst="rect">
             <a:avLst/>
@@ -19791,344 +21350,27 @@
           <a:lstStyle/>
           <a:p>
             <a:r>
-              <a:rPr lang="en-US" sz="1400" b="1" dirty="0" smtClean="0">
+              <a:rPr lang="en-US" sz="4400" dirty="0" smtClean="0">
+                <a:solidFill>
+                  <a:schemeClr val="accent3"/>
+                </a:solidFill>
                 <a:latin typeface="+mj-lt"/>
               </a:rPr>
-              <a:t>(A) </a:t>
-            </a:r>
-            <a:r>
-              <a:rPr lang="en-US" sz="1400" b="1" dirty="0" smtClean="0"/>
-              <a:t>Adding FEC</a:t>
-            </a:r>
-            <a:endParaRPr lang="en-US" sz="1400" b="1" dirty="0"/>
-          </a:p>
-        </p:txBody>
-      </p:sp>
-      <p:cxnSp>
-        <p:nvCxnSpPr>
-          <p:cNvPr id="14" name="Straight Arrow Connector 13"/>
-          <p:cNvCxnSpPr/>
-          <p:nvPr/>
-        </p:nvCxnSpPr>
-        <p:spPr>
-          <a:xfrm>
-            <a:off x="2310034" y="2949388"/>
-            <a:ext cx="841522" cy="0"/>
-          </a:xfrm>
-          <a:prstGeom prst="straightConnector1">
-            <a:avLst/>
-          </a:prstGeom>
-          <a:ln>
-            <a:headEnd type="arrow"/>
-            <a:tailEnd type="arrow"/>
-          </a:ln>
-        </p:spPr>
-        <p:style>
-          <a:lnRef idx="1">
-            <a:schemeClr val="dk1"/>
-          </a:lnRef>
-          <a:fillRef idx="0">
-            <a:schemeClr val="dk1"/>
-          </a:fillRef>
-          <a:effectRef idx="0">
-            <a:schemeClr val="dk1"/>
-          </a:effectRef>
-          <a:fontRef idx="minor">
-            <a:schemeClr val="tx1"/>
-          </a:fontRef>
-        </p:style>
-      </p:cxnSp>
-      <p:sp>
-        <p:nvSpPr>
-          <p:cNvPr id="16" name="TextBox 15"/>
-          <p:cNvSpPr txBox="1"/>
-          <p:nvPr/>
-        </p:nvSpPr>
-        <p:spPr>
-          <a:xfrm>
-            <a:off x="1963827" y="2399345"/>
-            <a:ext cx="1543069" cy="523220"/>
-          </a:xfrm>
-          <a:prstGeom prst="rect">
-            <a:avLst/>
-          </a:prstGeom>
-          <a:noFill/>
-        </p:spPr>
-        <p:txBody>
-          <a:bodyPr wrap="square" rtlCol="0">
-            <a:spAutoFit/>
-          </a:bodyPr>
-          <a:lstStyle/>
-          <a:p>
-            <a:pPr algn="just"/>
-            <a:r>
-              <a:rPr lang="en-US" sz="1400" b="1" i="1" dirty="0" smtClean="0">
-                <a:latin typeface="+mj-lt"/>
-              </a:rPr>
-              <a:t>(B)</a:t>
-            </a:r>
-            <a:r>
-              <a:rPr lang="en-US" sz="1400" b="1" i="1" dirty="0" smtClean="0"/>
-              <a:t> Swapping FEC with media</a:t>
-            </a:r>
-            <a:endParaRPr lang="en-US" sz="1400" b="1" i="1" dirty="0"/>
-          </a:p>
-        </p:txBody>
-      </p:sp>
-      <p:cxnSp>
-        <p:nvCxnSpPr>
-          <p:cNvPr id="69" name="Straight Connector 68"/>
-          <p:cNvCxnSpPr/>
-          <p:nvPr/>
-        </p:nvCxnSpPr>
-        <p:spPr>
-          <a:xfrm>
-            <a:off x="6897669" y="2808370"/>
-            <a:ext cx="0" cy="250258"/>
-          </a:xfrm>
-          <a:prstGeom prst="line">
-            <a:avLst/>
-          </a:prstGeom>
-          <a:ln/>
-        </p:spPr>
-        <p:style>
-          <a:lnRef idx="1">
-            <a:schemeClr val="accent3"/>
-          </a:lnRef>
-          <a:fillRef idx="0">
-            <a:schemeClr val="accent3"/>
-          </a:fillRef>
-          <a:effectRef idx="0">
-            <a:schemeClr val="accent3"/>
-          </a:effectRef>
-          <a:fontRef idx="minor">
-            <a:schemeClr val="tx1"/>
-          </a:fontRef>
-        </p:style>
-      </p:cxnSp>
-      <p:cxnSp>
-        <p:nvCxnSpPr>
-          <p:cNvPr id="70" name="Straight Arrow Connector 69"/>
-          <p:cNvCxnSpPr/>
-          <p:nvPr/>
-        </p:nvCxnSpPr>
-        <p:spPr>
-          <a:xfrm>
-            <a:off x="6474643" y="3112725"/>
-            <a:ext cx="841522" cy="0"/>
-          </a:xfrm>
-          <a:prstGeom prst="straightConnector1">
-            <a:avLst/>
-          </a:prstGeom>
-          <a:ln>
-            <a:headEnd type="arrow"/>
-            <a:tailEnd type="arrow"/>
-          </a:ln>
-        </p:spPr>
-        <p:style>
-          <a:lnRef idx="1">
-            <a:schemeClr val="dk1"/>
-          </a:lnRef>
-          <a:fillRef idx="0">
-            <a:schemeClr val="dk1"/>
-          </a:fillRef>
-          <a:effectRef idx="0">
-            <a:schemeClr val="dk1"/>
-          </a:effectRef>
-          <a:fontRef idx="minor">
-            <a:schemeClr val="tx1"/>
-          </a:fontRef>
-        </p:style>
-      </p:cxnSp>
-      <p:sp>
-        <p:nvSpPr>
-          <p:cNvPr id="75" name="TextBox 74"/>
-          <p:cNvSpPr txBox="1"/>
-          <p:nvPr/>
-        </p:nvSpPr>
-        <p:spPr>
-          <a:xfrm>
-            <a:off x="6547942" y="2535408"/>
-            <a:ext cx="2085912" cy="523220"/>
-          </a:xfrm>
-          <a:prstGeom prst="rect">
-            <a:avLst/>
-          </a:prstGeom>
-          <a:noFill/>
-        </p:spPr>
-        <p:txBody>
-          <a:bodyPr wrap="square" rtlCol="0">
-            <a:spAutoFit/>
-          </a:bodyPr>
-          <a:lstStyle/>
-          <a:p>
-            <a:pPr algn="just"/>
-            <a:r>
-              <a:rPr lang="en-US" sz="1400" b="1" i="1" dirty="0" smtClean="0">
-                <a:latin typeface="+mj-lt"/>
-              </a:rPr>
-              <a:t>(C)</a:t>
-            </a:r>
-            <a:r>
-              <a:rPr lang="en-US" sz="1400" b="1" i="1" dirty="0" smtClean="0"/>
-              <a:t> Partially swapping FEC with media</a:t>
-            </a:r>
-            <a:endParaRPr lang="en-US" sz="1400" b="1" i="1" dirty="0"/>
-          </a:p>
-        </p:txBody>
-      </p:sp>
-      <p:sp>
-        <p:nvSpPr>
-          <p:cNvPr id="78" name="Rectangle 77"/>
-          <p:cNvSpPr/>
-          <p:nvPr/>
-        </p:nvSpPr>
-        <p:spPr>
-          <a:xfrm>
-            <a:off x="6885563" y="3057377"/>
-            <a:ext cx="846771" cy="377527"/>
-          </a:xfrm>
-          <a:prstGeom prst="rect">
-            <a:avLst/>
-          </a:prstGeom>
-          <a:solidFill>
-            <a:srgbClr val="FF0000">
-              <a:alpha val="22000"/>
-            </a:srgbClr>
-          </a:solidFill>
-          <a:ln>
-            <a:noFill/>
-          </a:ln>
-        </p:spPr>
-        <p:style>
-          <a:lnRef idx="2">
-            <a:schemeClr val="accent1">
-              <a:shade val="50000"/>
-            </a:schemeClr>
-          </a:lnRef>
-          <a:fillRef idx="1">
-            <a:schemeClr val="accent1"/>
-          </a:fillRef>
-          <a:effectRef idx="0">
-            <a:schemeClr val="accent1"/>
-          </a:effectRef>
-          <a:fontRef idx="minor">
-            <a:schemeClr val="lt1"/>
-          </a:fontRef>
-        </p:style>
-        <p:txBody>
-          <a:bodyPr rtlCol="0" anchor="ctr"/>
-          <a:lstStyle/>
-          <a:p>
-            <a:pPr algn="ctr"/>
-            <a:endParaRPr lang="en-US"/>
-          </a:p>
-        </p:txBody>
-      </p:sp>
-      <p:cxnSp>
-        <p:nvCxnSpPr>
-          <p:cNvPr id="79" name="Straight Connector 78"/>
-          <p:cNvCxnSpPr/>
-          <p:nvPr/>
-        </p:nvCxnSpPr>
-        <p:spPr>
-          <a:xfrm>
-            <a:off x="6884014" y="3043722"/>
-            <a:ext cx="0" cy="381920"/>
-          </a:xfrm>
-          <a:prstGeom prst="line">
-            <a:avLst/>
-          </a:prstGeom>
-          <a:ln>
-            <a:solidFill>
-              <a:srgbClr val="FF0000"/>
-            </a:solidFill>
-          </a:ln>
-        </p:spPr>
-        <p:style>
-          <a:lnRef idx="1">
-            <a:schemeClr val="dk1"/>
-          </a:lnRef>
-          <a:fillRef idx="0">
-            <a:schemeClr val="dk1"/>
-          </a:fillRef>
-          <a:effectRef idx="0">
-            <a:schemeClr val="dk1"/>
-          </a:effectRef>
-          <a:fontRef idx="minor">
-            <a:schemeClr val="tx1"/>
-          </a:fontRef>
-        </p:style>
-      </p:cxnSp>
-      <p:cxnSp>
-        <p:nvCxnSpPr>
-          <p:cNvPr id="80" name="Straight Connector 79"/>
-          <p:cNvCxnSpPr/>
-          <p:nvPr/>
-        </p:nvCxnSpPr>
-        <p:spPr>
-          <a:xfrm>
-            <a:off x="6884014" y="3057377"/>
-            <a:ext cx="848829" cy="1251"/>
-          </a:xfrm>
-          <a:prstGeom prst="line">
-            <a:avLst/>
-          </a:prstGeom>
-          <a:ln>
-            <a:solidFill>
-              <a:srgbClr val="FF0000"/>
-            </a:solidFill>
-          </a:ln>
-        </p:spPr>
-        <p:style>
-          <a:lnRef idx="1">
-            <a:schemeClr val="dk1"/>
-          </a:lnRef>
-          <a:fillRef idx="0">
-            <a:schemeClr val="dk1"/>
-          </a:fillRef>
-          <a:effectRef idx="0">
-            <a:schemeClr val="dk1"/>
-          </a:effectRef>
-          <a:fontRef idx="minor">
-            <a:schemeClr val="tx1"/>
-          </a:fontRef>
-        </p:style>
-      </p:cxnSp>
-      <p:sp>
-        <p:nvSpPr>
-          <p:cNvPr id="2" name="TextBox 1"/>
-          <p:cNvSpPr txBox="1"/>
-          <p:nvPr/>
-        </p:nvSpPr>
-        <p:spPr>
-          <a:xfrm>
-            <a:off x="1845672" y="1140705"/>
-            <a:ext cx="1040830" cy="523220"/>
-          </a:xfrm>
-          <a:prstGeom prst="rect">
-            <a:avLst/>
-          </a:prstGeom>
-          <a:noFill/>
-        </p:spPr>
-        <p:txBody>
-          <a:bodyPr wrap="square" rtlCol="0">
-            <a:spAutoFit/>
-          </a:bodyPr>
-          <a:lstStyle/>
-          <a:p>
-            <a:r>
-              <a:rPr lang="en-US" sz="1400" dirty="0" smtClean="0"/>
-              <a:t>Available Capacity</a:t>
-            </a:r>
-            <a:endParaRPr lang="en-US" sz="1400" dirty="0"/>
+              <a:t>E</a:t>
+            </a:r>
+            <a:endParaRPr lang="en-US" sz="4400" dirty="0">
+              <a:solidFill>
+                <a:schemeClr val="accent3"/>
+              </a:solidFill>
+              <a:latin typeface="+mj-lt"/>
+            </a:endParaRPr>
           </a:p>
         </p:txBody>
       </p:sp>
     </p:spTree>
     <p:extLst>
       <p:ext uri="{BB962C8B-B14F-4D97-AF65-F5344CB8AC3E}">
-        <p14:creationId xmlns:p14="http://schemas.microsoft.com/office/powerpoint/2010/main" val="3929904410"/>
+        <p14:creationId xmlns:p14="http://schemas.microsoft.com/office/powerpoint/2010/main" val="2563255475"/>
       </p:ext>
     </p:extLst>
   </p:cSld>

--- a/graphs/source/chap5-src.pptx
+++ b/graphs/source/chap5-src.pptx
@@ -206,7 +206,7 @@
           <a:p>
             <a:fld id="{7BA68311-98B2-8147-8E3D-5F9C91F16701}" type="datetimeFigureOut">
               <a:rPr lang="en-US" smtClean="0"/>
-              <a:t>28/03/14</a:t>
+              <a:t>30/03/14</a:t>
             </a:fld>
             <a:endParaRPr lang="en-US"/>
           </a:p>
@@ -739,7 +739,7 @@
           <a:p>
             <a:fld id="{CE2D3545-AE21-7247-8426-4B1172E482C1}" type="datetimeFigureOut">
               <a:rPr lang="en-US" smtClean="0"/>
-              <a:t>28/03/14</a:t>
+              <a:t>30/03/14</a:t>
             </a:fld>
             <a:endParaRPr lang="en-US"/>
           </a:p>
@@ -909,7 +909,7 @@
           <a:p>
             <a:fld id="{CE2D3545-AE21-7247-8426-4B1172E482C1}" type="datetimeFigureOut">
               <a:rPr lang="en-US" smtClean="0"/>
-              <a:t>28/03/14</a:t>
+              <a:t>30/03/14</a:t>
             </a:fld>
             <a:endParaRPr lang="en-US"/>
           </a:p>
@@ -1089,7 +1089,7 @@
           <a:p>
             <a:fld id="{CE2D3545-AE21-7247-8426-4B1172E482C1}" type="datetimeFigureOut">
               <a:rPr lang="en-US" smtClean="0"/>
-              <a:t>28/03/14</a:t>
+              <a:t>30/03/14</a:t>
             </a:fld>
             <a:endParaRPr lang="en-US"/>
           </a:p>
@@ -1259,7 +1259,7 @@
           <a:p>
             <a:fld id="{CE2D3545-AE21-7247-8426-4B1172E482C1}" type="datetimeFigureOut">
               <a:rPr lang="en-US" smtClean="0"/>
-              <a:t>28/03/14</a:t>
+              <a:t>30/03/14</a:t>
             </a:fld>
             <a:endParaRPr lang="en-US"/>
           </a:p>
@@ -1505,7 +1505,7 @@
           <a:p>
             <a:fld id="{CE2D3545-AE21-7247-8426-4B1172E482C1}" type="datetimeFigureOut">
               <a:rPr lang="en-US" smtClean="0"/>
-              <a:t>28/03/14</a:t>
+              <a:t>30/03/14</a:t>
             </a:fld>
             <a:endParaRPr lang="en-US"/>
           </a:p>
@@ -1793,7 +1793,7 @@
           <a:p>
             <a:fld id="{CE2D3545-AE21-7247-8426-4B1172E482C1}" type="datetimeFigureOut">
               <a:rPr lang="en-US" smtClean="0"/>
-              <a:t>28/03/14</a:t>
+              <a:t>30/03/14</a:t>
             </a:fld>
             <a:endParaRPr lang="en-US"/>
           </a:p>
@@ -2215,7 +2215,7 @@
           <a:p>
             <a:fld id="{CE2D3545-AE21-7247-8426-4B1172E482C1}" type="datetimeFigureOut">
               <a:rPr lang="en-US" smtClean="0"/>
-              <a:t>28/03/14</a:t>
+              <a:t>30/03/14</a:t>
             </a:fld>
             <a:endParaRPr lang="en-US"/>
           </a:p>
@@ -2333,7 +2333,7 @@
           <a:p>
             <a:fld id="{CE2D3545-AE21-7247-8426-4B1172E482C1}" type="datetimeFigureOut">
               <a:rPr lang="en-US" smtClean="0"/>
-              <a:t>28/03/14</a:t>
+              <a:t>30/03/14</a:t>
             </a:fld>
             <a:endParaRPr lang="en-US"/>
           </a:p>
@@ -2428,7 +2428,7 @@
           <a:p>
             <a:fld id="{CE2D3545-AE21-7247-8426-4B1172E482C1}" type="datetimeFigureOut">
               <a:rPr lang="en-US" smtClean="0"/>
-              <a:t>28/03/14</a:t>
+              <a:t>30/03/14</a:t>
             </a:fld>
             <a:endParaRPr lang="en-US"/>
           </a:p>
@@ -2705,7 +2705,7 @@
           <a:p>
             <a:fld id="{CE2D3545-AE21-7247-8426-4B1172E482C1}" type="datetimeFigureOut">
               <a:rPr lang="en-US" smtClean="0"/>
-              <a:t>28/03/14</a:t>
+              <a:t>30/03/14</a:t>
             </a:fld>
             <a:endParaRPr lang="en-US"/>
           </a:p>
@@ -2962,7 +2962,7 @@
           <a:p>
             <a:fld id="{CE2D3545-AE21-7247-8426-4B1172E482C1}" type="datetimeFigureOut">
               <a:rPr lang="en-US" smtClean="0"/>
-              <a:t>28/03/14</a:t>
+              <a:t>30/03/14</a:t>
             </a:fld>
             <a:endParaRPr lang="en-US"/>
           </a:p>
@@ -3180,7 +3180,7 @@
           <a:p>
             <a:fld id="{CE2D3545-AE21-7247-8426-4B1172E482C1}" type="datetimeFigureOut">
               <a:rPr lang="en-US" smtClean="0"/>
-              <a:t>28/03/14</a:t>
+              <a:t>30/03/14</a:t>
             </a:fld>
             <a:endParaRPr lang="en-US"/>
           </a:p>
@@ -20132,6 +20132,39 @@
           <a:chExt cx="0" cy="0"/>
         </a:xfrm>
       </p:grpSpPr>
+      <p:cxnSp>
+        <p:nvCxnSpPr>
+          <p:cNvPr id="14" name="Straight Arrow Connector 13"/>
+          <p:cNvCxnSpPr/>
+          <p:nvPr/>
+        </p:nvCxnSpPr>
+        <p:spPr>
+          <a:xfrm flipH="1">
+            <a:off x="2023204" y="4967043"/>
+            <a:ext cx="5093452" cy="0"/>
+          </a:xfrm>
+          <a:prstGeom prst="straightConnector1">
+            <a:avLst/>
+          </a:prstGeom>
+          <a:ln w="28575" cmpd="sng">
+            <a:tailEnd type="arrow"/>
+          </a:ln>
+        </p:spPr>
+        <p:style>
+          <a:lnRef idx="1">
+            <a:schemeClr val="dk1"/>
+          </a:lnRef>
+          <a:fillRef idx="0">
+            <a:schemeClr val="dk1"/>
+          </a:fillRef>
+          <a:effectRef idx="0">
+            <a:schemeClr val="dk1"/>
+          </a:effectRef>
+          <a:fontRef idx="minor">
+            <a:schemeClr val="tx1"/>
+          </a:fontRef>
+        </p:style>
+      </p:cxnSp>
       <p:sp>
         <p:nvSpPr>
           <p:cNvPr id="13" name="TextBox 12"/>
@@ -20350,10 +20383,9 @@
             <a:avLst/>
           </a:prstGeom>
           <a:solidFill>
-            <a:schemeClr val="bg1">
-              <a:lumMod val="85000"/>
+            <a:srgbClr val="DDD1ED">
               <a:alpha val="91000"/>
-            </a:schemeClr>
+            </a:srgbClr>
           </a:solidFill>
           <a:ln>
             <a:prstDash val="dash"/>
@@ -20401,10 +20433,9 @@
             <a:avLst/>
           </a:prstGeom>
           <a:solidFill>
-            <a:schemeClr val="bg1">
-              <a:lumMod val="85000"/>
+            <a:srgbClr val="DDD1ED">
               <a:alpha val="91000"/>
-            </a:schemeClr>
+            </a:srgbClr>
           </a:solidFill>
           <a:ln>
             <a:prstDash val="dash"/>
@@ -20572,133 +20603,6 @@
           </a:p>
         </p:txBody>
       </p:sp>
-      <p:cxnSp>
-        <p:nvCxnSpPr>
-          <p:cNvPr id="14" name="Straight Arrow Connector 13"/>
-          <p:cNvCxnSpPr/>
-          <p:nvPr/>
-        </p:nvCxnSpPr>
-        <p:spPr>
-          <a:xfrm flipH="1">
-            <a:off x="2023204" y="5048973"/>
-            <a:ext cx="5093452" cy="0"/>
-          </a:xfrm>
-          <a:prstGeom prst="straightConnector1">
-            <a:avLst/>
-          </a:prstGeom>
-          <a:ln w="28575" cmpd="sng">
-            <a:tailEnd type="arrow"/>
-          </a:ln>
-        </p:spPr>
-        <p:style>
-          <a:lnRef idx="1">
-            <a:schemeClr val="dk1"/>
-          </a:lnRef>
-          <a:fillRef idx="0">
-            <a:schemeClr val="dk1"/>
-          </a:fillRef>
-          <a:effectRef idx="0">
-            <a:schemeClr val="dk1"/>
-          </a:effectRef>
-          <a:fontRef idx="minor">
-            <a:schemeClr val="tx1"/>
-          </a:fontRef>
-        </p:style>
-      </p:cxnSp>
-      <p:sp>
-        <p:nvSpPr>
-          <p:cNvPr id="26" name="TextBox 25"/>
-          <p:cNvSpPr txBox="1"/>
-          <p:nvPr/>
-        </p:nvSpPr>
-        <p:spPr>
-          <a:xfrm>
-            <a:off x="4128395" y="5186609"/>
-            <a:ext cx="3112165" cy="1384995"/>
-          </a:xfrm>
-          <a:prstGeom prst="rect">
-            <a:avLst/>
-          </a:prstGeom>
-          <a:noFill/>
-        </p:spPr>
-        <p:txBody>
-          <a:bodyPr wrap="square" rtlCol="0">
-            <a:spAutoFit/>
-          </a:bodyPr>
-          <a:lstStyle/>
-          <a:p>
-            <a:pPr marL="400050" indent="-400050">
-              <a:buFont typeface="+mj-lt"/>
-              <a:buAutoNum type="romanLcPeriod"/>
-            </a:pPr>
-            <a:r>
-              <a:rPr lang="en-US" sz="1400" dirty="0" smtClean="0"/>
-              <a:t>Media Path Congestion </a:t>
-            </a:r>
-            <a:r>
-              <a:rPr lang="en-US" sz="1400" dirty="0" smtClean="0"/>
-              <a:t>Cues </a:t>
-            </a:r>
-            <a:r>
-              <a:rPr lang="en-US" sz="1400" dirty="0" smtClean="0"/>
-              <a:t>(e.g</a:t>
-            </a:r>
-            <a:r>
-              <a:rPr lang="en-US" sz="1400" dirty="0" smtClean="0"/>
-              <a:t>., RTCP RR/XR</a:t>
-            </a:r>
-            <a:r>
-              <a:rPr lang="en-US" sz="1400" dirty="0" smtClean="0"/>
-              <a:t>)</a:t>
-            </a:r>
-            <a:endParaRPr lang="en-US" sz="1400" dirty="0" smtClean="0"/>
-          </a:p>
-          <a:p>
-            <a:pPr marL="400050" indent="-400050">
-              <a:buFont typeface="+mj-lt"/>
-              <a:buAutoNum type="romanLcPeriod"/>
-            </a:pPr>
-            <a:r>
-              <a:rPr lang="en-US" sz="1400" dirty="0" smtClean="0"/>
-              <a:t>Receiver's </a:t>
-            </a:r>
-            <a:r>
-              <a:rPr lang="en-US" sz="1400" dirty="0" smtClean="0"/>
-              <a:t>Estimate (</a:t>
-            </a:r>
-            <a:r>
-              <a:rPr lang="en-US" sz="1400" dirty="0" err="1" smtClean="0"/>
-              <a:t>e,g</a:t>
-            </a:r>
-            <a:r>
-              <a:rPr lang="en-US" sz="1400" dirty="0" smtClean="0"/>
-              <a:t>., REMB, TMMBR)</a:t>
-            </a:r>
-            <a:endParaRPr lang="en-US" sz="1400" dirty="0" smtClean="0"/>
-          </a:p>
-          <a:p>
-            <a:pPr marL="400050" indent="-400050">
-              <a:buFont typeface="+mj-lt"/>
-              <a:buAutoNum type="romanLcPeriod"/>
-            </a:pPr>
-            <a:r>
-              <a:rPr lang="en-US" sz="1400" dirty="0" smtClean="0"/>
-              <a:t>Receiver’s NCMS throughput</a:t>
-            </a:r>
-          </a:p>
-          <a:p>
-            <a:pPr marL="400050" indent="-400050">
-              <a:buFont typeface="+mj-lt"/>
-              <a:buAutoNum type="romanLcPeriod"/>
-            </a:pPr>
-            <a:r>
-              <a:rPr lang="en-US" sz="1400" dirty="0" smtClean="0"/>
-              <a:t>Receiver’s Notification</a:t>
-            </a:r>
-            <a:endParaRPr lang="en-US" sz="1400" dirty="0"/>
-          </a:p>
-        </p:txBody>
-      </p:sp>
       <p:sp>
         <p:nvSpPr>
           <p:cNvPr id="28" name="Rectangle 27"/>
@@ -20714,8 +20618,9 @@
             <a:avLst/>
           </a:prstGeom>
           <a:solidFill>
-            <a:schemeClr val="bg1">
-              <a:lumMod val="85000"/>
+            <a:schemeClr val="accent6">
+              <a:lumMod val="20000"/>
+              <a:lumOff val="80000"/>
             </a:schemeClr>
           </a:solidFill>
           <a:ln>
@@ -21097,7 +21002,7 @@
             <a:r>
               <a:rPr lang="en-US" sz="4400" dirty="0" smtClean="0">
                 <a:solidFill>
-                  <a:schemeClr val="accent3"/>
+                  <a:srgbClr val="4399C9"/>
                 </a:solidFill>
                 <a:latin typeface="+mj-lt"/>
               </a:rPr>
@@ -21105,7 +21010,7 @@
             </a:r>
             <a:endParaRPr lang="en-US" sz="4400" dirty="0">
               <a:solidFill>
-                <a:schemeClr val="accent3"/>
+                <a:srgbClr val="4399C9"/>
               </a:solidFill>
               <a:latin typeface="+mj-lt"/>
             </a:endParaRPr>
@@ -21120,7 +21025,7 @@
         </p:nvSpPr>
         <p:spPr>
           <a:xfrm>
-            <a:off x="2387364" y="2950299"/>
+            <a:off x="2618199" y="2740106"/>
             <a:ext cx="633507" cy="769441"/>
           </a:xfrm>
           <a:prstGeom prst="rect">
@@ -21132,23 +21037,25 @@
           <a:bodyPr wrap="none" rtlCol="0">
             <a:spAutoFit/>
           </a:bodyPr>
-          <a:lstStyle/>
-          <a:p>
-            <a:r>
-              <a:rPr lang="en-US" sz="4400" dirty="0" smtClean="0">
+          <a:lstStyle>
+            <a:defPPr>
+              <a:defRPr lang="en-US"/>
+            </a:defPPr>
+            <a:lvl1pPr>
+              <a:defRPr sz="4400">
                 <a:solidFill>
-                  <a:schemeClr val="accent3"/>
+                  <a:schemeClr val="accent2"/>
                 </a:solidFill>
                 <a:latin typeface="+mj-lt"/>
-              </a:rPr>
+              </a:defRPr>
+            </a:lvl1pPr>
+          </a:lstStyle>
+          <a:p>
+            <a:r>
+              <a:rPr lang="en-US" dirty="0"/>
               <a:t>A</a:t>
             </a:r>
-            <a:endParaRPr lang="en-US" sz="4400" dirty="0">
-              <a:solidFill>
-                <a:schemeClr val="accent3"/>
-              </a:solidFill>
-              <a:latin typeface="+mj-lt"/>
-            </a:endParaRPr>
+            <a:endParaRPr lang="en-US" dirty="0"/>
           </a:p>
         </p:txBody>
       </p:sp>
@@ -21177,7 +21084,7 @@
             <a:r>
               <a:rPr lang="en-US" sz="4400" dirty="0" smtClean="0">
                 <a:solidFill>
-                  <a:schemeClr val="accent3"/>
+                  <a:srgbClr val="4399C9"/>
                 </a:solidFill>
                 <a:latin typeface="+mj-lt"/>
               </a:rPr>
@@ -21185,7 +21092,7 @@
             </a:r>
             <a:endParaRPr lang="en-US" sz="4400" dirty="0">
               <a:solidFill>
-                <a:schemeClr val="accent3"/>
+                <a:srgbClr val="4399C9"/>
               </a:solidFill>
               <a:latin typeface="+mj-lt"/>
             </a:endParaRPr>
@@ -21312,7 +21219,7 @@
             <a:r>
               <a:rPr lang="en-US" sz="4400" dirty="0" smtClean="0">
                 <a:solidFill>
-                  <a:schemeClr val="accent3"/>
+                  <a:srgbClr val="4399C9"/>
                 </a:solidFill>
                 <a:latin typeface="+mj-lt"/>
               </a:rPr>
@@ -21320,7 +21227,7 @@
             </a:r>
             <a:endParaRPr lang="en-US" sz="4400" dirty="0">
               <a:solidFill>
-                <a:schemeClr val="accent3"/>
+                <a:srgbClr val="4399C9"/>
               </a:solidFill>
               <a:latin typeface="+mj-lt"/>
             </a:endParaRPr>
@@ -21352,7 +21259,7 @@
             <a:r>
               <a:rPr lang="en-US" sz="4400" dirty="0" smtClean="0">
                 <a:solidFill>
-                  <a:schemeClr val="accent3"/>
+                  <a:schemeClr val="accent2"/>
                 </a:solidFill>
                 <a:latin typeface="+mj-lt"/>
               </a:rPr>
@@ -21360,10 +21267,74 @@
             </a:r>
             <a:endParaRPr lang="en-US" sz="4400" dirty="0">
               <a:solidFill>
-                <a:schemeClr val="accent3"/>
+                <a:schemeClr val="accent2"/>
               </a:solidFill>
               <a:latin typeface="+mj-lt"/>
             </a:endParaRPr>
+          </a:p>
+        </p:txBody>
+      </p:sp>
+      <p:sp>
+        <p:nvSpPr>
+          <p:cNvPr id="4" name="TextBox 3"/>
+          <p:cNvSpPr txBox="1"/>
+          <p:nvPr/>
+        </p:nvSpPr>
+        <p:spPr>
+          <a:xfrm>
+            <a:off x="3949040" y="5198695"/>
+            <a:ext cx="3261015" cy="1384995"/>
+          </a:xfrm>
+          <a:prstGeom prst="rect">
+            <a:avLst/>
+          </a:prstGeom>
+          <a:noFill/>
+        </p:spPr>
+        <p:txBody>
+          <a:bodyPr wrap="square" rtlCol="0">
+            <a:spAutoFit/>
+          </a:bodyPr>
+          <a:lstStyle/>
+          <a:p>
+            <a:pPr marL="400050" indent="-400050">
+              <a:buFont typeface="+mj-lt"/>
+              <a:buAutoNum type="romanLcPeriod"/>
+            </a:pPr>
+            <a:r>
+              <a:rPr lang="en-US" sz="1400" dirty="0" smtClean="0"/>
+              <a:t>Media path congestion cues</a:t>
+            </a:r>
+          </a:p>
+          <a:p>
+            <a:pPr marL="400050" indent="-400050">
+              <a:buFont typeface="+mj-lt"/>
+              <a:buAutoNum type="romanLcPeriod"/>
+            </a:pPr>
+            <a:r>
+              <a:rPr lang="en-US" sz="1400" dirty="0" smtClean="0"/>
+              <a:t>Receiver’s Estimate (e.g., REMB, TMMBR)</a:t>
+            </a:r>
+          </a:p>
+          <a:p>
+            <a:pPr marL="400050" indent="-400050">
+              <a:buFont typeface="+mj-lt"/>
+              <a:buAutoNum type="romanLcPeriod"/>
+            </a:pPr>
+            <a:r>
+              <a:rPr lang="en-US" sz="1400" dirty="0" smtClean="0"/>
+              <a:t>Receiver’s Notification (e.g., 3G Base-station)</a:t>
+            </a:r>
+          </a:p>
+          <a:p>
+            <a:pPr marL="400050" indent="-400050">
+              <a:buFont typeface="+mj-lt"/>
+              <a:buAutoNum type="romanLcPeriod"/>
+            </a:pPr>
+            <a:r>
+              <a:rPr lang="en-US" sz="1400" dirty="0" smtClean="0"/>
+              <a:t>Receiver’s NCMS throughput</a:t>
+            </a:r>
+            <a:endParaRPr lang="en-US" sz="1400" dirty="0"/>
           </a:p>
         </p:txBody>
       </p:sp>
@@ -21383,42 +21354,42 @@
 <file path=ppt/theme/theme1.xml><?xml version="1.0" encoding="utf-8"?>
 <a:theme xmlns:a="http://schemas.openxmlformats.org/drawingml/2006/main" name="nexa-custom">
   <a:themeElements>
-    <a:clrScheme name="Genesis">
+    <a:clrScheme name="csio-1">
       <a:dk1>
-        <a:sysClr val="windowText" lastClr="000000"/>
+        <a:srgbClr val="1A1A1A"/>
       </a:dk1>
       <a:lt1>
-        <a:sysClr val="window" lastClr="FFFFFF"/>
+        <a:srgbClr val="FFFFFF"/>
       </a:lt1>
       <a:dk2>
-        <a:srgbClr val="465466"/>
+        <a:srgbClr val="1F497D"/>
       </a:dk2>
       <a:lt2>
-        <a:srgbClr val="BBD7F8"/>
+        <a:srgbClr val="E6E6E6"/>
       </a:lt2>
       <a:accent1>
-        <a:srgbClr val="80B606"/>
+        <a:srgbClr val="1C82AF"/>
       </a:accent1>
       <a:accent2>
-        <a:srgbClr val="E29F1D"/>
+        <a:srgbClr val="4399C9"/>
       </a:accent2>
       <a:accent3>
-        <a:srgbClr val="2397E2"/>
+        <a:srgbClr val="79C0E0"/>
       </a:accent3>
       <a:accent4>
-        <a:srgbClr val="35ACA2"/>
+        <a:srgbClr val="9966CC"/>
       </a:accent4>
       <a:accent5>
-        <a:srgbClr val="5430BB"/>
+        <a:srgbClr val="794AAF"/>
       </a:accent5>
       <a:accent6>
-        <a:srgbClr val="8D34E0"/>
+        <a:srgbClr val="583689"/>
       </a:accent6>
       <a:hlink>
-        <a:srgbClr val="00B0F0"/>
+        <a:srgbClr val="0071BC"/>
       </a:hlink>
       <a:folHlink>
-        <a:srgbClr val="0070C0"/>
+        <a:srgbClr val="800080"/>
       </a:folHlink>
     </a:clrScheme>
     <a:fontScheme name="Office 2">

--- a/graphs/source/chap5-src.pptx
+++ b/graphs/source/chap5-src.pptx
@@ -206,7 +206,7 @@
           <a:p>
             <a:fld id="{7BA68311-98B2-8147-8E3D-5F9C91F16701}" type="datetimeFigureOut">
               <a:rPr lang="en-US" smtClean="0"/>
-              <a:t>30/03/14</a:t>
+              <a:t>07/07/14</a:t>
             </a:fld>
             <a:endParaRPr lang="en-US"/>
           </a:p>
@@ -739,7 +739,7 @@
           <a:p>
             <a:fld id="{CE2D3545-AE21-7247-8426-4B1172E482C1}" type="datetimeFigureOut">
               <a:rPr lang="en-US" smtClean="0"/>
-              <a:t>30/03/14</a:t>
+              <a:t>07/07/14</a:t>
             </a:fld>
             <a:endParaRPr lang="en-US"/>
           </a:p>
@@ -909,7 +909,7 @@
           <a:p>
             <a:fld id="{CE2D3545-AE21-7247-8426-4B1172E482C1}" type="datetimeFigureOut">
               <a:rPr lang="en-US" smtClean="0"/>
-              <a:t>30/03/14</a:t>
+              <a:t>07/07/14</a:t>
             </a:fld>
             <a:endParaRPr lang="en-US"/>
           </a:p>
@@ -1089,7 +1089,7 @@
           <a:p>
             <a:fld id="{CE2D3545-AE21-7247-8426-4B1172E482C1}" type="datetimeFigureOut">
               <a:rPr lang="en-US" smtClean="0"/>
-              <a:t>30/03/14</a:t>
+              <a:t>07/07/14</a:t>
             </a:fld>
             <a:endParaRPr lang="en-US"/>
           </a:p>
@@ -1259,7 +1259,7 @@
           <a:p>
             <a:fld id="{CE2D3545-AE21-7247-8426-4B1172E482C1}" type="datetimeFigureOut">
               <a:rPr lang="en-US" smtClean="0"/>
-              <a:t>30/03/14</a:t>
+              <a:t>07/07/14</a:t>
             </a:fld>
             <a:endParaRPr lang="en-US"/>
           </a:p>
@@ -1505,7 +1505,7 @@
           <a:p>
             <a:fld id="{CE2D3545-AE21-7247-8426-4B1172E482C1}" type="datetimeFigureOut">
               <a:rPr lang="en-US" smtClean="0"/>
-              <a:t>30/03/14</a:t>
+              <a:t>07/07/14</a:t>
             </a:fld>
             <a:endParaRPr lang="en-US"/>
           </a:p>
@@ -1793,7 +1793,7 @@
           <a:p>
             <a:fld id="{CE2D3545-AE21-7247-8426-4B1172E482C1}" type="datetimeFigureOut">
               <a:rPr lang="en-US" smtClean="0"/>
-              <a:t>30/03/14</a:t>
+              <a:t>07/07/14</a:t>
             </a:fld>
             <a:endParaRPr lang="en-US"/>
           </a:p>
@@ -2215,7 +2215,7 @@
           <a:p>
             <a:fld id="{CE2D3545-AE21-7247-8426-4B1172E482C1}" type="datetimeFigureOut">
               <a:rPr lang="en-US" smtClean="0"/>
-              <a:t>30/03/14</a:t>
+              <a:t>07/07/14</a:t>
             </a:fld>
             <a:endParaRPr lang="en-US"/>
           </a:p>
@@ -2333,7 +2333,7 @@
           <a:p>
             <a:fld id="{CE2D3545-AE21-7247-8426-4B1172E482C1}" type="datetimeFigureOut">
               <a:rPr lang="en-US" smtClean="0"/>
-              <a:t>30/03/14</a:t>
+              <a:t>07/07/14</a:t>
             </a:fld>
             <a:endParaRPr lang="en-US"/>
           </a:p>
@@ -2428,7 +2428,7 @@
           <a:p>
             <a:fld id="{CE2D3545-AE21-7247-8426-4B1172E482C1}" type="datetimeFigureOut">
               <a:rPr lang="en-US" smtClean="0"/>
-              <a:t>30/03/14</a:t>
+              <a:t>07/07/14</a:t>
             </a:fld>
             <a:endParaRPr lang="en-US"/>
           </a:p>
@@ -2705,7 +2705,7 @@
           <a:p>
             <a:fld id="{CE2D3545-AE21-7247-8426-4B1172E482C1}" type="datetimeFigureOut">
               <a:rPr lang="en-US" smtClean="0"/>
-              <a:t>30/03/14</a:t>
+              <a:t>07/07/14</a:t>
             </a:fld>
             <a:endParaRPr lang="en-US"/>
           </a:p>
@@ -2962,7 +2962,7 @@
           <a:p>
             <a:fld id="{CE2D3545-AE21-7247-8426-4B1172E482C1}" type="datetimeFigureOut">
               <a:rPr lang="en-US" smtClean="0"/>
-              <a:t>30/03/14</a:t>
+              <a:t>07/07/14</a:t>
             </a:fld>
             <a:endParaRPr lang="en-US"/>
           </a:p>
@@ -3180,7 +3180,7 @@
           <a:p>
             <a:fld id="{CE2D3545-AE21-7247-8426-4B1172E482C1}" type="datetimeFigureOut">
               <a:rPr lang="en-US" smtClean="0"/>
-              <a:t>30/03/14</a:t>
+              <a:t>07/07/14</a:t>
             </a:fld>
             <a:endParaRPr lang="en-US"/>
           </a:p>
@@ -5398,16 +5398,22 @@
               <a:t> </a:t>
             </a:r>
             <a:r>
-              <a:rPr lang="en-US" sz="1600" dirty="0" err="1">
+              <a:rPr lang="en-US" sz="1600" dirty="0" err="1" smtClean="0">
                 <a:latin typeface="+mn-lt"/>
               </a:rPr>
-              <a:t>Packetization</a:t>
+              <a:t>Packetisation</a:t>
+            </a:r>
+            <a:r>
+              <a:rPr lang="en-US" sz="1600" dirty="0" smtClean="0">
+                <a:latin typeface="+mn-lt"/>
+              </a:rPr>
+              <a:t> </a:t>
             </a:r>
             <a:r>
               <a:rPr lang="en-US" sz="1600" dirty="0">
                 <a:latin typeface="+mn-lt"/>
               </a:rPr>
-              <a:t> size</a:t>
+              <a:t>size</a:t>
             </a:r>
           </a:p>
           <a:p>
@@ -15493,10 +15499,22 @@
               <a:t>(without </a:t>
             </a:r>
             <a:r>
+              <a:rPr lang="en-US" sz="1800" b="1" dirty="0" err="1" smtClean="0">
+                <a:latin typeface="+mn-lt"/>
+              </a:rPr>
+              <a:t>randomisation</a:t>
+            </a:r>
+            <a:r>
+              <a:rPr lang="en-US" sz="1800" b="1" dirty="0" smtClean="0">
+                <a:latin typeface="+mn-lt"/>
+              </a:rPr>
+              <a:t>, </a:t>
+            </a:r>
+            <a:r>
               <a:rPr lang="en-US" sz="1800" b="1" dirty="0">
                 <a:latin typeface="+mn-lt"/>
               </a:rPr>
-              <a:t>randomization, i.e. T = T</a:t>
+              <a:t>i.e. T = T</a:t>
             </a:r>
             <a:r>
               <a:rPr lang="en-US" sz="1800" b="1" baseline="-25000" dirty="0">
@@ -17431,6 +17449,7 @@
           </a:bodyPr>
           <a:lstStyle/>
           <a:p>
+            <a:pPr algn="ctr"/>
             <a:r>
               <a:rPr lang="en-US" sz="1600" dirty="0" smtClean="0"/>
               <a:t>Media packets</a:t>
@@ -17494,6 +17513,7 @@
           </a:bodyPr>
           <a:lstStyle/>
           <a:p>
+            <a:pPr algn="ctr"/>
             <a:r>
               <a:rPr lang="en-US" sz="1600" dirty="0" smtClean="0"/>
               <a:t>Estimated Capacity</a:t>
@@ -17599,6 +17619,7 @@
           </a:bodyPr>
           <a:lstStyle/>
           <a:p>
+            <a:pPr algn="ctr"/>
             <a:r>
               <a:rPr lang="en-US" sz="1400" dirty="0" smtClean="0"/>
               <a:t>Coverage Update</a:t>
@@ -17629,6 +17650,7 @@
           </a:bodyPr>
           <a:lstStyle/>
           <a:p>
+            <a:pPr algn="ctr"/>
             <a:r>
               <a:rPr lang="en-US" sz="1400" dirty="0" err="1" smtClean="0"/>
               <a:t>Lookahead</a:t>
@@ -17696,6 +17718,7 @@
           </a:bodyPr>
           <a:lstStyle/>
           <a:p>
+            <a:pPr algn="ctr"/>
             <a:r>
               <a:rPr lang="en-US" sz="1400" dirty="0" err="1" smtClean="0"/>
               <a:t>Lookahead</a:t>
@@ -17763,6 +17786,7 @@
           </a:bodyPr>
           <a:lstStyle/>
           <a:p>
+            <a:pPr algn="ctr"/>
             <a:r>
               <a:rPr lang="en-US" sz="1400" dirty="0" smtClean="0"/>
               <a:t>Coverage Map Info</a:t>
@@ -17859,6 +17883,7 @@
           </a:bodyPr>
           <a:lstStyle/>
           <a:p>
+            <a:pPr algn="ctr"/>
             <a:r>
               <a:rPr lang="en-US" sz="1400" dirty="0" smtClean="0"/>
               <a:t>Coverage Map Info</a:t>
@@ -19091,8 +19116,12 @@
           <a:p>
             <a:pPr algn="ctr"/>
             <a:r>
+              <a:rPr lang="en-US" sz="1600" i="1" dirty="0" err="1" smtClean="0"/>
+              <a:t>Signalling</a:t>
+            </a:r>
+            <a:r>
               <a:rPr lang="en-US" sz="1600" i="1" dirty="0" smtClean="0"/>
-              <a:t>Signaling Protocol</a:t>
+              <a:t> Protocol</a:t>
             </a:r>
           </a:p>
           <a:p>
@@ -19189,7 +19218,15 @@
             <a:pPr algn="just"/>
             <a:r>
               <a:rPr lang="en-US" sz="1200" dirty="0" smtClean="0"/>
-              <a:t>Similarly, signaling </a:t>
+              <a:t>Similarly, </a:t>
+            </a:r>
+            <a:r>
+              <a:rPr lang="en-US" sz="1200" dirty="0" err="1" smtClean="0"/>
+              <a:t>signalling</a:t>
+            </a:r>
+            <a:r>
+              <a:rPr lang="en-US" sz="1200" dirty="0" smtClean="0"/>
+              <a:t> </a:t>
             </a:r>
             <a:r>
               <a:rPr lang="en-US" sz="1200" dirty="0"/>
@@ -19432,7 +19469,9 @@
           </a:lstStyle>
           <a:p>
             <a:r>
-              <a:rPr lang="en-US" dirty="0"/>
+              <a:rPr lang="en-US" dirty="0">
+                <a:latin typeface="+mn-lt"/>
+              </a:rPr>
               <a:t>Measures Congestion and Calculates Receiver’s Estimate</a:t>
             </a:r>
           </a:p>
@@ -19447,7 +19486,7 @@
         <p:spPr>
           <a:xfrm>
             <a:off x="494921" y="4708856"/>
-            <a:ext cx="2796032" cy="1815882"/>
+            <a:ext cx="2796032" cy="2031325"/>
           </a:xfrm>
           <a:prstGeom prst="rect">
             <a:avLst/>
@@ -19475,11 +19514,15 @@
               <a:buChar char="•"/>
             </a:pPr>
             <a:r>
-              <a:rPr lang="en-US" dirty="0"/>
+              <a:rPr lang="en-US" dirty="0">
+                <a:latin typeface="+mn-lt"/>
+              </a:rPr>
               <a:t>Calculates sender’s </a:t>
             </a:r>
             <a:r>
-              <a:rPr lang="en-US" dirty="0" smtClean="0"/>
+              <a:rPr lang="en-US" dirty="0" smtClean="0">
+                <a:latin typeface="+mn-lt"/>
+              </a:rPr>
               <a:t>estimate based on congestion cues and  the receiver’s estimate </a:t>
             </a:r>
           </a:p>
@@ -19489,24 +19532,34 @@
               <a:buChar char="•"/>
             </a:pPr>
             <a:r>
-              <a:rPr lang="en-US" dirty="0" smtClean="0"/>
+              <a:rPr lang="en-US" dirty="0" smtClean="0">
+                <a:latin typeface="+mn-lt"/>
+              </a:rPr>
               <a:t>Receives Coverage map info directly from NCMS and from the receiver</a:t>
             </a:r>
           </a:p>
           <a:p>
             <a:r>
-              <a:rPr lang="en-US" dirty="0" smtClean="0"/>
+              <a:rPr lang="en-US" dirty="0" smtClean="0">
+                <a:latin typeface="+mn-lt"/>
+              </a:rPr>
               <a:t>Sender chooses </a:t>
             </a:r>
             <a:r>
-              <a:rPr lang="en-US" dirty="0"/>
+              <a:rPr lang="en-US" dirty="0">
+                <a:latin typeface="+mn-lt"/>
+              </a:rPr>
               <a:t>a value </a:t>
             </a:r>
             <a:r>
-              <a:rPr lang="en-US" dirty="0" smtClean="0"/>
+              <a:rPr lang="en-US" dirty="0" smtClean="0">
+                <a:latin typeface="+mn-lt"/>
+              </a:rPr>
               <a:t>based on these inputs</a:t>
             </a:r>
-            <a:endParaRPr lang="en-US" dirty="0"/>
+            <a:endParaRPr lang="en-US" dirty="0">
+              <a:latin typeface="+mn-lt"/>
+            </a:endParaRPr>
           </a:p>
         </p:txBody>
       </p:sp>
@@ -20477,7 +20530,7 @@
         <p:spPr>
           <a:xfrm>
             <a:off x="3251706" y="2965688"/>
-            <a:ext cx="2596632" cy="369332"/>
+            <a:ext cx="2069797" cy="307777"/>
           </a:xfrm>
           <a:prstGeom prst="rect">
             <a:avLst/>
@@ -20488,10 +20541,17 @@
           <a:bodyPr wrap="none" rtlCol="0">
             <a:spAutoFit/>
           </a:bodyPr>
-          <a:lstStyle/>
-          <a:p>
-            <a:r>
-              <a:rPr lang="en-US" dirty="0" smtClean="0"/>
+          <a:lstStyle>
+            <a:defPPr>
+              <a:defRPr lang="en-US"/>
+            </a:defPPr>
+            <a:lvl1pPr algn="ctr">
+              <a:defRPr sz="1400"/>
+            </a:lvl1pPr>
+          </a:lstStyle>
+          <a:p>
+            <a:r>
+              <a:rPr lang="en-US" dirty="0"/>
               <a:t>MPRTP Media Packets</a:t>
             </a:r>
             <a:endParaRPr lang="en-US" dirty="0"/>
@@ -21055,7 +21115,6 @@
               <a:rPr lang="en-US" dirty="0"/>
               <a:t>A</a:t>
             </a:r>
-            <a:endParaRPr lang="en-US" dirty="0"/>
           </a:p>
         </p:txBody>
       </p:sp>
@@ -21282,8 +21341,8 @@
         </p:nvSpPr>
         <p:spPr>
           <a:xfrm>
-            <a:off x="3949040" y="5198695"/>
-            <a:ext cx="3261015" cy="1384995"/>
+            <a:off x="3579713" y="5595152"/>
+            <a:ext cx="3164848" cy="1384995"/>
           </a:xfrm>
           <a:prstGeom prst="rect">
             <a:avLst/>
@@ -21294,47 +21353,54 @@
           <a:bodyPr wrap="square" rtlCol="0">
             <a:spAutoFit/>
           </a:bodyPr>
-          <a:lstStyle/>
-          <a:p>
-            <a:pPr marL="400050" indent="-400050">
+          <a:lstStyle>
+            <a:defPPr>
+              <a:defRPr lang="en-US"/>
+            </a:defPPr>
+            <a:lvl1pPr algn="ctr">
+              <a:defRPr sz="1400"/>
+            </a:lvl1pPr>
+          </a:lstStyle>
+          <a:p>
+            <a:pPr marL="400050" indent="-400050" algn="l">
               <a:buFont typeface="+mj-lt"/>
               <a:buAutoNum type="romanLcPeriod"/>
             </a:pPr>
             <a:r>
-              <a:rPr lang="en-US" sz="1400" dirty="0" smtClean="0"/>
+              <a:rPr lang="en-US" dirty="0"/>
               <a:t>Media path congestion cues</a:t>
             </a:r>
           </a:p>
           <a:p>
-            <a:pPr marL="400050" indent="-400050">
+            <a:pPr marL="400050" indent="-400050" algn="l">
               <a:buFont typeface="+mj-lt"/>
               <a:buAutoNum type="romanLcPeriod"/>
             </a:pPr>
             <a:r>
-              <a:rPr lang="en-US" sz="1400" dirty="0" smtClean="0"/>
+              <a:rPr lang="en-US" dirty="0"/>
               <a:t>Receiver’s Estimate (e.g., REMB, TMMBR)</a:t>
             </a:r>
           </a:p>
           <a:p>
-            <a:pPr marL="400050" indent="-400050">
+            <a:pPr marL="400050" indent="-400050" algn="l">
               <a:buFont typeface="+mj-lt"/>
               <a:buAutoNum type="romanLcPeriod"/>
             </a:pPr>
             <a:r>
-              <a:rPr lang="en-US" sz="1400" dirty="0" smtClean="0"/>
+              <a:rPr lang="en-US" dirty="0"/>
               <a:t>Receiver’s Notification (e.g., 3G Base-station)</a:t>
             </a:r>
           </a:p>
           <a:p>
-            <a:pPr marL="400050" indent="-400050">
+            <a:pPr marL="400050" indent="-400050" algn="l">
               <a:buFont typeface="+mj-lt"/>
               <a:buAutoNum type="romanLcPeriod"/>
             </a:pPr>
             <a:r>
-              <a:rPr lang="en-US" sz="1400" dirty="0" smtClean="0"/>
+              <a:rPr lang="en-US" dirty="0"/>
               <a:t>Receiver’s NCMS throughput</a:t>
             </a:r>
-            <a:endParaRPr lang="en-US" sz="1400" dirty="0"/>
+            <a:endParaRPr lang="en-US" dirty="0"/>
           </a:p>
         </p:txBody>
       </p:sp>

--- a/graphs/source/chap5-src.pptx
+++ b/graphs/source/chap5-src.pptx
@@ -206,7 +206,7 @@
           <a:p>
             <a:fld id="{7BA68311-98B2-8147-8E3D-5F9C91F16701}" type="datetimeFigureOut">
               <a:rPr lang="en-US" smtClean="0"/>
-              <a:t>07/07/14</a:t>
+              <a:t>14/07/14</a:t>
             </a:fld>
             <a:endParaRPr lang="en-US"/>
           </a:p>
@@ -739,7 +739,7 @@
           <a:p>
             <a:fld id="{CE2D3545-AE21-7247-8426-4B1172E482C1}" type="datetimeFigureOut">
               <a:rPr lang="en-US" smtClean="0"/>
-              <a:t>07/07/14</a:t>
+              <a:t>14/07/14</a:t>
             </a:fld>
             <a:endParaRPr lang="en-US"/>
           </a:p>
@@ -909,7 +909,7 @@
           <a:p>
             <a:fld id="{CE2D3545-AE21-7247-8426-4B1172E482C1}" type="datetimeFigureOut">
               <a:rPr lang="en-US" smtClean="0"/>
-              <a:t>07/07/14</a:t>
+              <a:t>14/07/14</a:t>
             </a:fld>
             <a:endParaRPr lang="en-US"/>
           </a:p>
@@ -1089,7 +1089,7 @@
           <a:p>
             <a:fld id="{CE2D3545-AE21-7247-8426-4B1172E482C1}" type="datetimeFigureOut">
               <a:rPr lang="en-US" smtClean="0"/>
-              <a:t>07/07/14</a:t>
+              <a:t>14/07/14</a:t>
             </a:fld>
             <a:endParaRPr lang="en-US"/>
           </a:p>
@@ -1259,7 +1259,7 @@
           <a:p>
             <a:fld id="{CE2D3545-AE21-7247-8426-4B1172E482C1}" type="datetimeFigureOut">
               <a:rPr lang="en-US" smtClean="0"/>
-              <a:t>07/07/14</a:t>
+              <a:t>14/07/14</a:t>
             </a:fld>
             <a:endParaRPr lang="en-US"/>
           </a:p>
@@ -1505,7 +1505,7 @@
           <a:p>
             <a:fld id="{CE2D3545-AE21-7247-8426-4B1172E482C1}" type="datetimeFigureOut">
               <a:rPr lang="en-US" smtClean="0"/>
-              <a:t>07/07/14</a:t>
+              <a:t>14/07/14</a:t>
             </a:fld>
             <a:endParaRPr lang="en-US"/>
           </a:p>
@@ -1793,7 +1793,7 @@
           <a:p>
             <a:fld id="{CE2D3545-AE21-7247-8426-4B1172E482C1}" type="datetimeFigureOut">
               <a:rPr lang="en-US" smtClean="0"/>
-              <a:t>07/07/14</a:t>
+              <a:t>14/07/14</a:t>
             </a:fld>
             <a:endParaRPr lang="en-US"/>
           </a:p>
@@ -2215,7 +2215,7 @@
           <a:p>
             <a:fld id="{CE2D3545-AE21-7247-8426-4B1172E482C1}" type="datetimeFigureOut">
               <a:rPr lang="en-US" smtClean="0"/>
-              <a:t>07/07/14</a:t>
+              <a:t>14/07/14</a:t>
             </a:fld>
             <a:endParaRPr lang="en-US"/>
           </a:p>
@@ -2333,7 +2333,7 @@
           <a:p>
             <a:fld id="{CE2D3545-AE21-7247-8426-4B1172E482C1}" type="datetimeFigureOut">
               <a:rPr lang="en-US" smtClean="0"/>
-              <a:t>07/07/14</a:t>
+              <a:t>14/07/14</a:t>
             </a:fld>
             <a:endParaRPr lang="en-US"/>
           </a:p>
@@ -2428,7 +2428,7 @@
           <a:p>
             <a:fld id="{CE2D3545-AE21-7247-8426-4B1172E482C1}" type="datetimeFigureOut">
               <a:rPr lang="en-US" smtClean="0"/>
-              <a:t>07/07/14</a:t>
+              <a:t>14/07/14</a:t>
             </a:fld>
             <a:endParaRPr lang="en-US"/>
           </a:p>
@@ -2705,7 +2705,7 @@
           <a:p>
             <a:fld id="{CE2D3545-AE21-7247-8426-4B1172E482C1}" type="datetimeFigureOut">
               <a:rPr lang="en-US" smtClean="0"/>
-              <a:t>07/07/14</a:t>
+              <a:t>14/07/14</a:t>
             </a:fld>
             <a:endParaRPr lang="en-US"/>
           </a:p>
@@ -2962,7 +2962,7 @@
           <a:p>
             <a:fld id="{CE2D3545-AE21-7247-8426-4B1172E482C1}" type="datetimeFigureOut">
               <a:rPr lang="en-US" smtClean="0"/>
-              <a:t>07/07/14</a:t>
+              <a:t>14/07/14</a:t>
             </a:fld>
             <a:endParaRPr lang="en-US"/>
           </a:p>
@@ -3180,7 +3180,7 @@
           <a:p>
             <a:fld id="{CE2D3545-AE21-7247-8426-4B1172E482C1}" type="datetimeFigureOut">
               <a:rPr lang="en-US" smtClean="0"/>
-              <a:t>07/07/14</a:t>
+              <a:t>14/07/14</a:t>
             </a:fld>
             <a:endParaRPr lang="en-US"/>
           </a:p>
@@ -4011,8 +4011,8 @@
         </p:nvSpPr>
         <p:spPr bwMode="auto">
           <a:xfrm>
-            <a:off x="3282268" y="1569820"/>
-            <a:ext cx="2993127" cy="634020"/>
+            <a:off x="3282268" y="1524935"/>
+            <a:ext cx="2993127" cy="664797"/>
           </a:xfrm>
           <a:prstGeom prst="rect">
             <a:avLst/>
@@ -4163,30 +4163,30 @@
               </a:buClr>
             </a:pPr>
             <a:r>
-              <a:rPr lang="en-US" sz="1600" b="1" dirty="0">
+              <a:rPr lang="en-US" sz="1800" b="1" dirty="0">
                 <a:latin typeface="+mj-lt"/>
               </a:rPr>
               <a:t>RTP </a:t>
             </a:r>
             <a:r>
-              <a:rPr lang="en-US" sz="1600" b="1" dirty="0" smtClean="0">
+              <a:rPr lang="en-US" sz="1800" b="1" dirty="0" smtClean="0">
                 <a:latin typeface="+mj-lt"/>
               </a:rPr>
               <a:t>media </a:t>
             </a:r>
             <a:r>
-              <a:rPr lang="en-US" sz="1600" b="1" dirty="0">
+              <a:rPr lang="en-US" sz="1800" b="1" dirty="0">
                 <a:latin typeface="+mj-lt"/>
               </a:rPr>
               <a:t>stream</a:t>
             </a:r>
             <a:r>
-              <a:rPr lang="en-US" sz="1600" dirty="0">
+              <a:rPr lang="en-US" sz="1800" dirty="0">
                 <a:latin typeface="+mn-lt"/>
               </a:rPr>
               <a:t> </a:t>
             </a:r>
-            <a:endParaRPr lang="en-US" sz="1600" dirty="0" smtClean="0">
+            <a:endParaRPr lang="en-US" sz="1800" dirty="0" smtClean="0">
               <a:latin typeface="+mn-lt"/>
             </a:endParaRPr>
           </a:p>
@@ -4227,8 +4227,8 @@
         </p:nvSpPr>
         <p:spPr bwMode="auto">
           <a:xfrm>
-            <a:off x="3543598" y="2385770"/>
-            <a:ext cx="2917185" cy="929485"/>
+            <a:off x="3407044" y="2385770"/>
+            <a:ext cx="3236784" cy="960263"/>
           </a:xfrm>
           <a:prstGeom prst="rect">
             <a:avLst/>
@@ -4379,18 +4379,18 @@
               </a:buClr>
             </a:pPr>
             <a:r>
-              <a:rPr lang="en-US" sz="1600" b="1" dirty="0">
+              <a:rPr lang="en-US" sz="1800" b="1" dirty="0">
                 <a:latin typeface="+mj-lt"/>
               </a:rPr>
               <a:t>RTCP Sender </a:t>
             </a:r>
             <a:r>
-              <a:rPr lang="en-US" sz="1600" b="1" dirty="0" smtClean="0">
+              <a:rPr lang="en-US" sz="1800" b="1" dirty="0" smtClean="0">
                 <a:latin typeface="+mj-lt"/>
               </a:rPr>
               <a:t>Reports (SRs)</a:t>
             </a:r>
-            <a:endParaRPr lang="en-US" sz="1600" b="1" dirty="0">
+            <a:endParaRPr lang="en-US" sz="1800" b="1" dirty="0">
               <a:latin typeface="+mj-lt"/>
             </a:endParaRPr>
           </a:p>
@@ -4409,8 +4409,17 @@
               <a:rPr lang="en-US" sz="1600" dirty="0">
                 <a:latin typeface="+mn-lt"/>
               </a:rPr>
-              <a:t> Timing, synchronization</a:t>
-            </a:r>
+              <a:t> Timing, </a:t>
+            </a:r>
+            <a:r>
+              <a:rPr lang="en-US" sz="1600" dirty="0" err="1" smtClean="0">
+                <a:latin typeface="+mn-lt"/>
+              </a:rPr>
+              <a:t>synchronisation</a:t>
+            </a:r>
+            <a:endParaRPr lang="en-US" sz="1600" dirty="0">
+              <a:latin typeface="+mn-lt"/>
+            </a:endParaRPr>
           </a:p>
           <a:p>
             <a:pPr eaLnBrk="1" hangingPunct="1">
@@ -4460,8 +4469,8 @@
         </p:nvSpPr>
         <p:spPr bwMode="auto">
           <a:xfrm>
-            <a:off x="3524201" y="4374958"/>
-            <a:ext cx="3088506" cy="1520416"/>
+            <a:off x="3524201" y="4422210"/>
+            <a:ext cx="3390672" cy="1588127"/>
           </a:xfrm>
           <a:prstGeom prst="rect">
             <a:avLst/>
@@ -4612,18 +4621,18 @@
               </a:buClr>
             </a:pPr>
             <a:r>
-              <a:rPr lang="en-US" sz="1600" b="1" dirty="0">
+              <a:rPr lang="en-US" sz="1800" b="1" dirty="0">
                 <a:latin typeface="+mj-lt"/>
               </a:rPr>
               <a:t>RTCP Receiver </a:t>
             </a:r>
             <a:r>
-              <a:rPr lang="en-US" sz="1600" b="1" dirty="0" smtClean="0">
+              <a:rPr lang="en-US" sz="1800" b="1" dirty="0" smtClean="0">
                 <a:latin typeface="+mj-lt"/>
               </a:rPr>
               <a:t>Reports (RRs)</a:t>
             </a:r>
-            <a:endParaRPr lang="en-US" sz="1600" b="1" dirty="0">
+            <a:endParaRPr lang="en-US" sz="1800" b="1" dirty="0">
               <a:latin typeface="+mj-lt"/>
             </a:endParaRPr>
           </a:p>
@@ -4673,12 +4682,12 @@
               </a:buClr>
             </a:pPr>
             <a:r>
-              <a:rPr lang="en-US" sz="1600" b="1" dirty="0" smtClean="0">
+              <a:rPr lang="en-US" sz="1800" b="1" dirty="0" smtClean="0">
                 <a:latin typeface="+mj-lt"/>
               </a:rPr>
               <a:t>RTCP XRs: </a:t>
             </a:r>
-            <a:endParaRPr lang="en-US" sz="1600" dirty="0" smtClean="0">
+            <a:endParaRPr lang="en-US" sz="1800" dirty="0" smtClean="0">
               <a:latin typeface="+mj-lt"/>
             </a:endParaRPr>
           </a:p>
@@ -4969,7 +4978,7 @@
         <p:spPr bwMode="auto">
           <a:xfrm>
             <a:off x="0" y="3975199"/>
-            <a:ext cx="2929007" cy="1224951"/>
+            <a:ext cx="2929007" cy="1255728"/>
           </a:xfrm>
           <a:prstGeom prst="rect">
             <a:avLst/>
@@ -5120,7 +5129,7 @@
               </a:buClr>
             </a:pPr>
             <a:r>
-              <a:rPr lang="en-US" sz="1600" b="1" dirty="0">
+              <a:rPr lang="en-US" sz="1800" b="1" dirty="0">
                 <a:latin typeface="+mj-lt"/>
               </a:rPr>
               <a:t>Short-term adaptation</a:t>
@@ -5205,7 +5214,7 @@
         <p:spPr bwMode="auto">
           <a:xfrm>
             <a:off x="0" y="5200150"/>
-            <a:ext cx="2351926" cy="1224951"/>
+            <a:ext cx="2621230" cy="1255728"/>
           </a:xfrm>
           <a:prstGeom prst="rect">
             <a:avLst/>
@@ -5356,7 +5365,7 @@
               </a:buClr>
             </a:pPr>
             <a:r>
-              <a:rPr lang="en-US" sz="1600" b="1" dirty="0">
+              <a:rPr lang="en-US" sz="1800" b="1" dirty="0">
                 <a:latin typeface="+mj-lt"/>
               </a:rPr>
               <a:t>Long-term adaptation</a:t>
@@ -20554,7 +20563,6 @@
               <a:rPr lang="en-US" dirty="0"/>
               <a:t>MPRTP Media Packets</a:t>
             </a:r>
-            <a:endParaRPr lang="en-US" dirty="0"/>
           </a:p>
         </p:txBody>
       </p:sp>
@@ -21400,7 +21408,6 @@
               <a:rPr lang="en-US" dirty="0"/>
               <a:t>Receiver’s NCMS throughput</a:t>
             </a:r>
-            <a:endParaRPr lang="en-US" dirty="0"/>
           </a:p>
         </p:txBody>
       </p:sp>

--- a/graphs/source/chap5-src.pptx
+++ b/graphs/source/chap5-src.pptx
@@ -206,7 +206,7 @@
           <a:p>
             <a:fld id="{7BA68311-98B2-8147-8E3D-5F9C91F16701}" type="datetimeFigureOut">
               <a:rPr lang="en-US" smtClean="0"/>
-              <a:t>14/07/14</a:t>
+              <a:t>02/08/14</a:t>
             </a:fld>
             <a:endParaRPr lang="en-US"/>
           </a:p>
@@ -739,7 +739,7 @@
           <a:p>
             <a:fld id="{CE2D3545-AE21-7247-8426-4B1172E482C1}" type="datetimeFigureOut">
               <a:rPr lang="en-US" smtClean="0"/>
-              <a:t>14/07/14</a:t>
+              <a:t>02/08/14</a:t>
             </a:fld>
             <a:endParaRPr lang="en-US"/>
           </a:p>
@@ -909,7 +909,7 @@
           <a:p>
             <a:fld id="{CE2D3545-AE21-7247-8426-4B1172E482C1}" type="datetimeFigureOut">
               <a:rPr lang="en-US" smtClean="0"/>
-              <a:t>14/07/14</a:t>
+              <a:t>02/08/14</a:t>
             </a:fld>
             <a:endParaRPr lang="en-US"/>
           </a:p>
@@ -1089,7 +1089,7 @@
           <a:p>
             <a:fld id="{CE2D3545-AE21-7247-8426-4B1172E482C1}" type="datetimeFigureOut">
               <a:rPr lang="en-US" smtClean="0"/>
-              <a:t>14/07/14</a:t>
+              <a:t>02/08/14</a:t>
             </a:fld>
             <a:endParaRPr lang="en-US"/>
           </a:p>
@@ -1259,7 +1259,7 @@
           <a:p>
             <a:fld id="{CE2D3545-AE21-7247-8426-4B1172E482C1}" type="datetimeFigureOut">
               <a:rPr lang="en-US" smtClean="0"/>
-              <a:t>14/07/14</a:t>
+              <a:t>02/08/14</a:t>
             </a:fld>
             <a:endParaRPr lang="en-US"/>
           </a:p>
@@ -1505,7 +1505,7 @@
           <a:p>
             <a:fld id="{CE2D3545-AE21-7247-8426-4B1172E482C1}" type="datetimeFigureOut">
               <a:rPr lang="en-US" smtClean="0"/>
-              <a:t>14/07/14</a:t>
+              <a:t>02/08/14</a:t>
             </a:fld>
             <a:endParaRPr lang="en-US"/>
           </a:p>
@@ -1793,7 +1793,7 @@
           <a:p>
             <a:fld id="{CE2D3545-AE21-7247-8426-4B1172E482C1}" type="datetimeFigureOut">
               <a:rPr lang="en-US" smtClean="0"/>
-              <a:t>14/07/14</a:t>
+              <a:t>02/08/14</a:t>
             </a:fld>
             <a:endParaRPr lang="en-US"/>
           </a:p>
@@ -2215,7 +2215,7 @@
           <a:p>
             <a:fld id="{CE2D3545-AE21-7247-8426-4B1172E482C1}" type="datetimeFigureOut">
               <a:rPr lang="en-US" smtClean="0"/>
-              <a:t>14/07/14</a:t>
+              <a:t>02/08/14</a:t>
             </a:fld>
             <a:endParaRPr lang="en-US"/>
           </a:p>
@@ -2333,7 +2333,7 @@
           <a:p>
             <a:fld id="{CE2D3545-AE21-7247-8426-4B1172E482C1}" type="datetimeFigureOut">
               <a:rPr lang="en-US" smtClean="0"/>
-              <a:t>14/07/14</a:t>
+              <a:t>02/08/14</a:t>
             </a:fld>
             <a:endParaRPr lang="en-US"/>
           </a:p>
@@ -2428,7 +2428,7 @@
           <a:p>
             <a:fld id="{CE2D3545-AE21-7247-8426-4B1172E482C1}" type="datetimeFigureOut">
               <a:rPr lang="en-US" smtClean="0"/>
-              <a:t>14/07/14</a:t>
+              <a:t>02/08/14</a:t>
             </a:fld>
             <a:endParaRPr lang="en-US"/>
           </a:p>
@@ -2705,7 +2705,7 @@
           <a:p>
             <a:fld id="{CE2D3545-AE21-7247-8426-4B1172E482C1}" type="datetimeFigureOut">
               <a:rPr lang="en-US" smtClean="0"/>
-              <a:t>14/07/14</a:t>
+              <a:t>02/08/14</a:t>
             </a:fld>
             <a:endParaRPr lang="en-US"/>
           </a:p>
@@ -2962,7 +2962,7 @@
           <a:p>
             <a:fld id="{CE2D3545-AE21-7247-8426-4B1172E482C1}" type="datetimeFigureOut">
               <a:rPr lang="en-US" smtClean="0"/>
-              <a:t>14/07/14</a:t>
+              <a:t>02/08/14</a:t>
             </a:fld>
             <a:endParaRPr lang="en-US"/>
           </a:p>
@@ -3180,7 +3180,7 @@
           <a:p>
             <a:fld id="{CE2D3545-AE21-7247-8426-4B1172E482C1}" type="datetimeFigureOut">
               <a:rPr lang="en-US" smtClean="0"/>
-              <a:t>14/07/14</a:t>
+              <a:t>02/08/14</a:t>
             </a:fld>
             <a:endParaRPr lang="en-US"/>
           </a:p>
@@ -21256,7 +21256,19 @@
               <a:rPr lang="en-US" dirty="0" smtClean="0">
                 <a:latin typeface="+mn-lt"/>
               </a:rPr>
-              <a:t>Any other in-path notifications</a:t>
+              <a:t>Any other </a:t>
+            </a:r>
+            <a:r>
+              <a:rPr lang="en-US" dirty="0" smtClean="0">
+                <a:latin typeface="+mn-lt"/>
+              </a:rPr>
+              <a:t>on</a:t>
+            </a:r>
+            <a:r>
+              <a:rPr lang="en-US" dirty="0" smtClean="0">
+                <a:latin typeface="+mn-lt"/>
+              </a:rPr>
+              <a:t>-path notifications</a:t>
             </a:r>
           </a:p>
         </p:txBody>
